--- a/study/ex03_제작/추가내용.pptx
+++ b/study/ex03_제작/추가내용.pptx
@@ -5,16 +5,20 @@
     <p:sldMasterId id="2147483648" r:id="rId1"/>
   </p:sldMasterIdLst>
   <p:sldIdLst>
-    <p:sldId id="261" r:id="rId2"/>
-    <p:sldId id="266" r:id="rId3"/>
-    <p:sldId id="264" r:id="rId4"/>
-    <p:sldId id="257" r:id="rId5"/>
-    <p:sldId id="265" r:id="rId6"/>
-    <p:sldId id="263" r:id="rId7"/>
-    <p:sldId id="262" r:id="rId8"/>
-    <p:sldId id="256" r:id="rId9"/>
-    <p:sldId id="260" r:id="rId10"/>
-    <p:sldId id="267" r:id="rId11"/>
+    <p:sldId id="269" r:id="rId2"/>
+    <p:sldId id="261" r:id="rId3"/>
+    <p:sldId id="268" r:id="rId4"/>
+    <p:sldId id="264" r:id="rId5"/>
+    <p:sldId id="270" r:id="rId6"/>
+    <p:sldId id="257" r:id="rId7"/>
+    <p:sldId id="265" r:id="rId8"/>
+    <p:sldId id="271" r:id="rId9"/>
+    <p:sldId id="262" r:id="rId10"/>
+    <p:sldId id="272" r:id="rId11"/>
+    <p:sldId id="256" r:id="rId12"/>
+    <p:sldId id="260" r:id="rId13"/>
+    <p:sldId id="273" r:id="rId14"/>
+    <p:sldId id="267" r:id="rId15"/>
   </p:sldIdLst>
   <p:sldSz cx="12192000" cy="6858000"/>
   <p:notesSz cx="6858000" cy="9144000"/>
@@ -115,7 +119,7 @@
   </p:defaultTextStyle>
   <p:extLst>
     <p:ext uri="{EFAFB233-063F-42B5-8137-9DF3F51BA10A}">
-      <p15:sldGuideLst xmlns:p15="http://schemas.microsoft.com/office/powerpoint/2012/main"/>
+      <p15:sldGuideLst xmlns:p15="http://schemas.microsoft.com/office/powerpoint/2012/main" xmlns=""/>
     </p:ext>
   </p:extLst>
 </p:presentation>
@@ -252,7 +256,7 @@
           <a:p>
             <a:fld id="{C9632455-9918-459E-9339-B115AB968DE2}" type="datetimeFigureOut">
               <a:rPr lang="ko-KR" altLang="en-US" smtClean="0"/>
-              <a:t>2020-02-02</a:t>
+              <a:t>2020-02-07</a:t>
             </a:fld>
             <a:endParaRPr lang="ko-KR" altLang="en-US"/>
           </a:p>
@@ -422,7 +426,7 @@
           <a:p>
             <a:fld id="{C9632455-9918-459E-9339-B115AB968DE2}" type="datetimeFigureOut">
               <a:rPr lang="ko-KR" altLang="en-US" smtClean="0"/>
-              <a:t>2020-02-02</a:t>
+              <a:t>2020-02-07</a:t>
             </a:fld>
             <a:endParaRPr lang="ko-KR" altLang="en-US"/>
           </a:p>
@@ -602,7 +606,7 @@
           <a:p>
             <a:fld id="{C9632455-9918-459E-9339-B115AB968DE2}" type="datetimeFigureOut">
               <a:rPr lang="ko-KR" altLang="en-US" smtClean="0"/>
-              <a:t>2020-02-02</a:t>
+              <a:t>2020-02-07</a:t>
             </a:fld>
             <a:endParaRPr lang="ko-KR" altLang="en-US"/>
           </a:p>
@@ -772,7 +776,7 @@
           <a:p>
             <a:fld id="{C9632455-9918-459E-9339-B115AB968DE2}" type="datetimeFigureOut">
               <a:rPr lang="ko-KR" altLang="en-US" smtClean="0"/>
-              <a:t>2020-02-02</a:t>
+              <a:t>2020-02-07</a:t>
             </a:fld>
             <a:endParaRPr lang="ko-KR" altLang="en-US"/>
           </a:p>
@@ -1018,7 +1022,7 @@
           <a:p>
             <a:fld id="{C9632455-9918-459E-9339-B115AB968DE2}" type="datetimeFigureOut">
               <a:rPr lang="ko-KR" altLang="en-US" smtClean="0"/>
-              <a:t>2020-02-02</a:t>
+              <a:t>2020-02-07</a:t>
             </a:fld>
             <a:endParaRPr lang="ko-KR" altLang="en-US"/>
           </a:p>
@@ -1250,7 +1254,7 @@
           <a:p>
             <a:fld id="{C9632455-9918-459E-9339-B115AB968DE2}" type="datetimeFigureOut">
               <a:rPr lang="ko-KR" altLang="en-US" smtClean="0"/>
-              <a:t>2020-02-02</a:t>
+              <a:t>2020-02-07</a:t>
             </a:fld>
             <a:endParaRPr lang="ko-KR" altLang="en-US"/>
           </a:p>
@@ -1617,7 +1621,7 @@
           <a:p>
             <a:fld id="{C9632455-9918-459E-9339-B115AB968DE2}" type="datetimeFigureOut">
               <a:rPr lang="ko-KR" altLang="en-US" smtClean="0"/>
-              <a:t>2020-02-02</a:t>
+              <a:t>2020-02-07</a:t>
             </a:fld>
             <a:endParaRPr lang="ko-KR" altLang="en-US"/>
           </a:p>
@@ -1735,7 +1739,7 @@
           <a:p>
             <a:fld id="{C9632455-9918-459E-9339-B115AB968DE2}" type="datetimeFigureOut">
               <a:rPr lang="ko-KR" altLang="en-US" smtClean="0"/>
-              <a:t>2020-02-02</a:t>
+              <a:t>2020-02-07</a:t>
             </a:fld>
             <a:endParaRPr lang="ko-KR" altLang="en-US"/>
           </a:p>
@@ -1830,7 +1834,7 @@
           <a:p>
             <a:fld id="{C9632455-9918-459E-9339-B115AB968DE2}" type="datetimeFigureOut">
               <a:rPr lang="ko-KR" altLang="en-US" smtClean="0"/>
-              <a:t>2020-02-02</a:t>
+              <a:t>2020-02-07</a:t>
             </a:fld>
             <a:endParaRPr lang="ko-KR" altLang="en-US"/>
           </a:p>
@@ -2107,7 +2111,7 @@
           <a:p>
             <a:fld id="{C9632455-9918-459E-9339-B115AB968DE2}" type="datetimeFigureOut">
               <a:rPr lang="ko-KR" altLang="en-US" smtClean="0"/>
-              <a:t>2020-02-02</a:t>
+              <a:t>2020-02-07</a:t>
             </a:fld>
             <a:endParaRPr lang="ko-KR" altLang="en-US"/>
           </a:p>
@@ -2360,7 +2364,7 @@
           <a:p>
             <a:fld id="{C9632455-9918-459E-9339-B115AB968DE2}" type="datetimeFigureOut">
               <a:rPr lang="ko-KR" altLang="en-US" smtClean="0"/>
-              <a:t>2020-02-02</a:t>
+              <a:t>2020-02-07</a:t>
             </a:fld>
             <a:endParaRPr lang="ko-KR" altLang="en-US"/>
           </a:p>
@@ -2573,7 +2577,7 @@
           <a:p>
             <a:fld id="{C9632455-9918-459E-9339-B115AB968DE2}" type="datetimeFigureOut">
               <a:rPr lang="ko-KR" altLang="en-US" smtClean="0"/>
-              <a:t>2020-02-02</a:t>
+              <a:t>2020-02-07</a:t>
             </a:fld>
             <a:endParaRPr lang="ko-KR" altLang="en-US"/>
           </a:p>
@@ -2980,14 +2984,566 @@
       </p:grpSpPr>
       <p:sp>
         <p:nvSpPr>
+          <p:cNvPr id="4" name="직사각형 3"/>
+          <p:cNvSpPr/>
+          <p:nvPr/>
+        </p:nvSpPr>
+        <p:spPr>
+          <a:xfrm>
+            <a:off x="3265786" y="2763102"/>
+            <a:ext cx="5841664" cy="1015663"/>
+          </a:xfrm>
+          <a:prstGeom prst="rect">
+            <a:avLst/>
+          </a:prstGeom>
+          <a:noFill/>
+        </p:spPr>
+        <p:txBody>
+          <a:bodyPr wrap="none" lIns="91440" tIns="45720" rIns="91440" bIns="45720">
+            <a:spAutoFit/>
+          </a:bodyPr>
+          <a:lstStyle/>
+          <a:p>
+            <a:pPr algn="ctr"/>
+            <a:r>
+              <a:rPr lang="ko-KR" altLang="en-US" sz="6000" b="0" cap="none" spc="0" dirty="0" smtClean="0">
+                <a:ln w="18415" cmpd="sng">
+                  <a:solidFill>
+                    <a:sysClr val="windowText" lastClr="000000"/>
+                  </a:solidFill>
+                  <a:prstDash val="solid"/>
+                </a:ln>
+                <a:solidFill>
+                  <a:sysClr val="windowText" lastClr="000000"/>
+                </a:solidFill>
+                <a:effectLst>
+                  <a:outerShdw blurRad="63500" dir="3600000" algn="tl" rotWithShape="0">
+                    <a:srgbClr val="000000">
+                      <a:alpha val="70000"/>
+                    </a:srgbClr>
+                  </a:outerShdw>
+                </a:effectLst>
+              </a:rPr>
+              <a:t>슬라이드 만들기</a:t>
+            </a:r>
+            <a:endParaRPr lang="en-US" altLang="ko-KR" sz="6000" b="0" cap="none" spc="0" dirty="0">
+              <a:ln w="18415" cmpd="sng">
+                <a:solidFill>
+                  <a:sysClr val="windowText" lastClr="000000"/>
+                </a:solidFill>
+                <a:prstDash val="solid"/>
+              </a:ln>
+              <a:solidFill>
+                <a:sysClr val="windowText" lastClr="000000"/>
+              </a:solidFill>
+              <a:effectLst>
+                <a:outerShdw blurRad="63500" dir="3600000" algn="tl" rotWithShape="0">
+                  <a:srgbClr val="000000">
+                    <a:alpha val="70000"/>
+                  </a:srgbClr>
+                </a:outerShdw>
+              </a:effectLst>
+            </a:endParaRPr>
+          </a:p>
+        </p:txBody>
+      </p:sp>
+    </p:spTree>
+    <p:extLst>
+      <p:ext uri="{BB962C8B-B14F-4D97-AF65-F5344CB8AC3E}">
+        <p14:creationId xmlns:p14="http://schemas.microsoft.com/office/powerpoint/2010/main" val="58554609"/>
+      </p:ext>
+    </p:extLst>
+  </p:cSld>
+  <p:clrMapOvr>
+    <a:masterClrMapping/>
+  </p:clrMapOvr>
+</p:sld>
+</file>
+
+<file path=ppt/slides/slide10.xml><?xml version="1.0" encoding="utf-8"?>
+<p:sld xmlns:a="http://schemas.openxmlformats.org/drawingml/2006/main" xmlns:r="http://schemas.openxmlformats.org/officeDocument/2006/relationships" xmlns:p="http://schemas.openxmlformats.org/presentationml/2006/main">
+  <p:cSld>
+    <p:spTree>
+      <p:nvGrpSpPr>
+        <p:cNvPr id="1" name=""/>
+        <p:cNvGrpSpPr/>
+        <p:nvPr/>
+      </p:nvGrpSpPr>
+      <p:grpSpPr>
+        <a:xfrm>
+          <a:off x="0" y="0"/>
+          <a:ext cx="0" cy="0"/>
+          <a:chOff x="0" y="0"/>
+          <a:chExt cx="0" cy="0"/>
+        </a:xfrm>
+      </p:grpSpPr>
+      <p:sp>
+        <p:nvSpPr>
+          <p:cNvPr id="4" name="직사각형 3"/>
+          <p:cNvSpPr/>
+          <p:nvPr/>
+        </p:nvSpPr>
+        <p:spPr>
+          <a:xfrm>
+            <a:off x="1071283" y="2250458"/>
+            <a:ext cx="10230686" cy="1015663"/>
+          </a:xfrm>
+          <a:prstGeom prst="rect">
+            <a:avLst/>
+          </a:prstGeom>
+          <a:noFill/>
+        </p:spPr>
+        <p:txBody>
+          <a:bodyPr wrap="none" lIns="91440" tIns="45720" rIns="91440" bIns="45720">
+            <a:spAutoFit/>
+          </a:bodyPr>
+          <a:lstStyle/>
+          <a:p>
+            <a:pPr algn="ctr"/>
+            <a:r>
+              <a:rPr lang="ko-KR" altLang="en-US" sz="6000" b="0" cap="none" spc="0" dirty="0" smtClean="0">
+                <a:ln w="18415" cmpd="sng">
+                  <a:solidFill>
+                    <a:sysClr val="windowText" lastClr="000000"/>
+                  </a:solidFill>
+                  <a:prstDash val="solid"/>
+                </a:ln>
+                <a:solidFill>
+                  <a:sysClr val="windowText" lastClr="000000"/>
+                </a:solidFill>
+                <a:effectLst>
+                  <a:outerShdw blurRad="63500" dir="3600000" algn="tl" rotWithShape="0">
+                    <a:srgbClr val="000000">
+                      <a:alpha val="70000"/>
+                    </a:srgbClr>
+                  </a:outerShdw>
+                </a:effectLst>
+              </a:rPr>
+              <a:t>슬라이드 최대 높이 적용하기</a:t>
+            </a:r>
+            <a:endParaRPr lang="en-US" altLang="ko-KR" sz="6000" b="0" cap="none" spc="0" dirty="0" smtClean="0">
+              <a:ln w="18415" cmpd="sng">
+                <a:solidFill>
+                  <a:sysClr val="windowText" lastClr="000000"/>
+                </a:solidFill>
+                <a:prstDash val="solid"/>
+              </a:ln>
+              <a:solidFill>
+                <a:sysClr val="windowText" lastClr="000000"/>
+              </a:solidFill>
+              <a:effectLst>
+                <a:outerShdw blurRad="63500" dir="3600000" algn="tl" rotWithShape="0">
+                  <a:srgbClr val="000000">
+                    <a:alpha val="70000"/>
+                  </a:srgbClr>
+                </a:outerShdw>
+              </a:effectLst>
+            </a:endParaRPr>
+          </a:p>
+        </p:txBody>
+      </p:sp>
+      <p:sp>
+        <p:nvSpPr>
+          <p:cNvPr id="3" name="직사각형 2"/>
+          <p:cNvSpPr/>
+          <p:nvPr/>
+        </p:nvSpPr>
+        <p:spPr>
+          <a:xfrm>
+            <a:off x="2498927" y="3370300"/>
+            <a:ext cx="7375417" cy="1815882"/>
+          </a:xfrm>
+          <a:prstGeom prst="rect">
+            <a:avLst/>
+          </a:prstGeom>
+          <a:noFill/>
+        </p:spPr>
+        <p:txBody>
+          <a:bodyPr wrap="none" lIns="91440" tIns="45720" rIns="91440" bIns="45720">
+            <a:spAutoFit/>
+          </a:bodyPr>
+          <a:lstStyle/>
+          <a:p>
+            <a:pPr algn="ctr"/>
+            <a:r>
+              <a:rPr lang="ko-KR" altLang="en-US" sz="2800" dirty="0" smtClean="0">
+                <a:ln w="18415" cmpd="sng">
+                  <a:solidFill>
+                    <a:sysClr val="windowText" lastClr="000000"/>
+                  </a:solidFill>
+                  <a:prstDash val="solid"/>
+                </a:ln>
+                <a:solidFill>
+                  <a:sysClr val="windowText" lastClr="000000"/>
+                </a:solidFill>
+                <a:effectLst>
+                  <a:outerShdw blurRad="63500" dir="3600000" algn="tl" rotWithShape="0">
+                    <a:srgbClr val="000000">
+                      <a:alpha val="70000"/>
+                    </a:srgbClr>
+                  </a:outerShdw>
+                </a:effectLst>
+              </a:rPr>
+              <a:t>모든 슬라이드의 높이를 비교하여</a:t>
+            </a:r>
+            <a:endParaRPr lang="en-US" altLang="ko-KR" sz="2800" dirty="0" smtClean="0">
+              <a:ln w="18415" cmpd="sng">
+                <a:solidFill>
+                  <a:sysClr val="windowText" lastClr="000000"/>
+                </a:solidFill>
+                <a:prstDash val="solid"/>
+              </a:ln>
+              <a:solidFill>
+                <a:sysClr val="windowText" lastClr="000000"/>
+              </a:solidFill>
+              <a:effectLst>
+                <a:outerShdw blurRad="63500" dir="3600000" algn="tl" rotWithShape="0">
+                  <a:srgbClr val="000000">
+                    <a:alpha val="70000"/>
+                  </a:srgbClr>
+                </a:outerShdw>
+              </a:effectLst>
+            </a:endParaRPr>
+          </a:p>
+          <a:p>
+            <a:pPr algn="ctr"/>
+            <a:r>
+              <a:rPr lang="ko-KR" altLang="en-US" sz="2800" dirty="0" err="1" smtClean="0">
+                <a:ln w="18415" cmpd="sng">
+                  <a:solidFill>
+                    <a:sysClr val="windowText" lastClr="000000"/>
+                  </a:solidFill>
+                  <a:prstDash val="solid"/>
+                </a:ln>
+                <a:solidFill>
+                  <a:sysClr val="windowText" lastClr="000000"/>
+                </a:solidFill>
+                <a:effectLst>
+                  <a:outerShdw blurRad="63500" dir="3600000" algn="tl" rotWithShape="0">
+                    <a:srgbClr val="000000">
+                      <a:alpha val="70000"/>
+                    </a:srgbClr>
+                  </a:outerShdw>
+                </a:effectLst>
+              </a:rPr>
+              <a:t>가장높은</a:t>
+            </a:r>
+            <a:r>
+              <a:rPr lang="ko-KR" altLang="en-US" sz="2800" dirty="0" smtClean="0">
+                <a:ln w="18415" cmpd="sng">
+                  <a:solidFill>
+                    <a:sysClr val="windowText" lastClr="000000"/>
+                  </a:solidFill>
+                  <a:prstDash val="solid"/>
+                </a:ln>
+                <a:solidFill>
+                  <a:sysClr val="windowText" lastClr="000000"/>
+                </a:solidFill>
+                <a:effectLst>
+                  <a:outerShdw blurRad="63500" dir="3600000" algn="tl" rotWithShape="0">
+                    <a:srgbClr val="000000">
+                      <a:alpha val="70000"/>
+                    </a:srgbClr>
+                  </a:outerShdw>
+                </a:effectLst>
+              </a:rPr>
+              <a:t> 높이를 부모의 높이로 적용하기</a:t>
+            </a:r>
+            <a:endParaRPr lang="en-US" altLang="ko-KR" sz="2800" dirty="0" smtClean="0">
+              <a:ln w="18415" cmpd="sng">
+                <a:solidFill>
+                  <a:sysClr val="windowText" lastClr="000000"/>
+                </a:solidFill>
+                <a:prstDash val="solid"/>
+              </a:ln>
+              <a:solidFill>
+                <a:sysClr val="windowText" lastClr="000000"/>
+              </a:solidFill>
+              <a:effectLst>
+                <a:outerShdw blurRad="63500" dir="3600000" algn="tl" rotWithShape="0">
+                  <a:srgbClr val="000000">
+                    <a:alpha val="70000"/>
+                  </a:srgbClr>
+                </a:outerShdw>
+              </a:effectLst>
+            </a:endParaRPr>
+          </a:p>
+          <a:p>
+            <a:pPr algn="ctr"/>
+            <a:r>
+              <a:rPr lang="en-US" altLang="ko-KR" sz="2800" dirty="0" smtClean="0">
+                <a:ln w="18415" cmpd="sng">
+                  <a:solidFill>
+                    <a:sysClr val="windowText" lastClr="000000"/>
+                  </a:solidFill>
+                  <a:prstDash val="solid"/>
+                </a:ln>
+                <a:solidFill>
+                  <a:sysClr val="windowText" lastClr="000000"/>
+                </a:solidFill>
+                <a:effectLst>
+                  <a:outerShdw blurRad="63500" dir="3600000" algn="tl" rotWithShape="0">
+                    <a:srgbClr val="000000">
+                      <a:alpha val="70000"/>
+                    </a:srgbClr>
+                  </a:outerShdw>
+                </a:effectLst>
+              </a:rPr>
+              <a:t>(for</a:t>
+            </a:r>
+            <a:r>
+              <a:rPr lang="ko-KR" altLang="en-US" sz="2800" dirty="0" smtClean="0">
+                <a:ln w="18415" cmpd="sng">
+                  <a:solidFill>
+                    <a:sysClr val="windowText" lastClr="000000"/>
+                  </a:solidFill>
+                  <a:prstDash val="solid"/>
+                </a:ln>
+                <a:solidFill>
+                  <a:sysClr val="windowText" lastClr="000000"/>
+                </a:solidFill>
+                <a:effectLst>
+                  <a:outerShdw blurRad="63500" dir="3600000" algn="tl" rotWithShape="0">
+                    <a:srgbClr val="000000">
+                      <a:alpha val="70000"/>
+                    </a:srgbClr>
+                  </a:outerShdw>
+                </a:effectLst>
+              </a:rPr>
+              <a:t>문</a:t>
+            </a:r>
+            <a:r>
+              <a:rPr lang="en-US" altLang="ko-KR" sz="2800" dirty="0" smtClean="0">
+                <a:ln w="18415" cmpd="sng">
+                  <a:solidFill>
+                    <a:sysClr val="windowText" lastClr="000000"/>
+                  </a:solidFill>
+                  <a:prstDash val="solid"/>
+                </a:ln>
+                <a:solidFill>
+                  <a:sysClr val="windowText" lastClr="000000"/>
+                </a:solidFill>
+                <a:effectLst>
+                  <a:outerShdw blurRad="63500" dir="3600000" algn="tl" rotWithShape="0">
+                    <a:srgbClr val="000000">
+                      <a:alpha val="70000"/>
+                    </a:srgbClr>
+                  </a:outerShdw>
+                </a:effectLst>
+              </a:rPr>
+              <a:t>+if</a:t>
+            </a:r>
+            <a:r>
+              <a:rPr lang="ko-KR" altLang="en-US" sz="2800" dirty="0" err="1" smtClean="0">
+                <a:ln w="18415" cmpd="sng">
+                  <a:solidFill>
+                    <a:sysClr val="windowText" lastClr="000000"/>
+                  </a:solidFill>
+                  <a:prstDash val="solid"/>
+                </a:ln>
+                <a:solidFill>
+                  <a:sysClr val="windowText" lastClr="000000"/>
+                </a:solidFill>
+                <a:effectLst>
+                  <a:outerShdw blurRad="63500" dir="3600000" algn="tl" rotWithShape="0">
+                    <a:srgbClr val="000000">
+                      <a:alpha val="70000"/>
+                    </a:srgbClr>
+                  </a:outerShdw>
+                </a:effectLst>
+              </a:rPr>
+              <a:t>문이용</a:t>
+            </a:r>
+            <a:r>
+              <a:rPr lang="en-US" altLang="ko-KR" sz="2800" dirty="0" smtClean="0">
+                <a:ln w="18415" cmpd="sng">
+                  <a:solidFill>
+                    <a:sysClr val="windowText" lastClr="000000"/>
+                  </a:solidFill>
+                  <a:prstDash val="solid"/>
+                </a:ln>
+                <a:solidFill>
+                  <a:sysClr val="windowText" lastClr="000000"/>
+                </a:solidFill>
+                <a:effectLst>
+                  <a:outerShdw blurRad="63500" dir="3600000" algn="tl" rotWithShape="0">
+                    <a:srgbClr val="000000">
+                      <a:alpha val="70000"/>
+                    </a:srgbClr>
+                  </a:outerShdw>
+                </a:effectLst>
+              </a:rPr>
+              <a:t>)</a:t>
+            </a:r>
+          </a:p>
+          <a:p>
+            <a:pPr algn="ctr"/>
+            <a:r>
+              <a:rPr lang="en-US" altLang="ko-KR" sz="2800" dirty="0">
+                <a:ln w="18415" cmpd="sng">
+                  <a:solidFill>
+                    <a:sysClr val="windowText" lastClr="000000"/>
+                  </a:solidFill>
+                  <a:prstDash val="solid"/>
+                </a:ln>
+                <a:solidFill>
+                  <a:sysClr val="windowText" lastClr="000000"/>
+                </a:solidFill>
+                <a:effectLst>
+                  <a:outerShdw blurRad="63500" dir="3600000" algn="tl" rotWithShape="0">
+                    <a:srgbClr val="000000">
+                      <a:alpha val="70000"/>
+                    </a:srgbClr>
+                  </a:outerShdw>
+                </a:effectLst>
+              </a:rPr>
+              <a:t>*</a:t>
+            </a:r>
+            <a:r>
+              <a:rPr lang="ko-KR" altLang="en-US" sz="2800" dirty="0" err="1" smtClean="0">
+                <a:ln w="18415" cmpd="sng">
+                  <a:solidFill>
+                    <a:sysClr val="windowText" lastClr="000000"/>
+                  </a:solidFill>
+                  <a:prstDash val="solid"/>
+                </a:ln>
+                <a:solidFill>
+                  <a:sysClr val="windowText" lastClr="000000"/>
+                </a:solidFill>
+                <a:effectLst>
+                  <a:outerShdw blurRad="63500" dir="3600000" algn="tl" rotWithShape="0">
+                    <a:srgbClr val="000000">
+                      <a:alpha val="70000"/>
+                    </a:srgbClr>
+                  </a:outerShdw>
+                </a:effectLst>
+              </a:rPr>
+              <a:t>하기전에</a:t>
+            </a:r>
+            <a:r>
+              <a:rPr lang="ko-KR" altLang="en-US" sz="2800" dirty="0" smtClean="0">
+                <a:ln w="18415" cmpd="sng">
+                  <a:solidFill>
+                    <a:sysClr val="windowText" lastClr="000000"/>
+                  </a:solidFill>
+                  <a:prstDash val="solid"/>
+                </a:ln>
+                <a:solidFill>
+                  <a:sysClr val="windowText" lastClr="000000"/>
+                </a:solidFill>
+                <a:effectLst>
+                  <a:outerShdw blurRad="63500" dir="3600000" algn="tl" rotWithShape="0">
+                    <a:srgbClr val="000000">
+                      <a:alpha val="70000"/>
+                    </a:srgbClr>
+                  </a:outerShdw>
+                </a:effectLst>
+              </a:rPr>
+              <a:t> </a:t>
+            </a:r>
+            <a:r>
+              <a:rPr lang="en-US" altLang="ko-KR" sz="2800" dirty="0" smtClean="0">
+                <a:ln w="18415" cmpd="sng">
+                  <a:solidFill>
+                    <a:sysClr val="windowText" lastClr="000000"/>
+                  </a:solidFill>
+                  <a:prstDash val="solid"/>
+                </a:ln>
+                <a:solidFill>
+                  <a:sysClr val="windowText" lastClr="000000"/>
+                </a:solidFill>
+                <a:effectLst>
+                  <a:outerShdw blurRad="63500" dir="3600000" algn="tl" rotWithShape="0">
+                    <a:srgbClr val="000000">
+                      <a:alpha val="70000"/>
+                    </a:srgbClr>
+                  </a:outerShdw>
+                </a:effectLst>
+              </a:rPr>
+              <a:t>.slider-container </a:t>
+            </a:r>
+            <a:r>
+              <a:rPr lang="ko-KR" altLang="en-US" sz="2800" dirty="0" smtClean="0">
+                <a:ln w="18415" cmpd="sng">
+                  <a:solidFill>
+                    <a:sysClr val="windowText" lastClr="000000"/>
+                  </a:solidFill>
+                  <a:prstDash val="solid"/>
+                </a:ln>
+                <a:solidFill>
+                  <a:sysClr val="windowText" lastClr="000000"/>
+                </a:solidFill>
+                <a:effectLst>
+                  <a:outerShdw blurRad="63500" dir="3600000" algn="tl" rotWithShape="0">
+                    <a:srgbClr val="000000">
+                      <a:alpha val="70000"/>
+                    </a:srgbClr>
+                  </a:outerShdw>
+                </a:effectLst>
+              </a:rPr>
+              <a:t>의 높이 제거하기</a:t>
+            </a:r>
+            <a:endParaRPr lang="en-US" altLang="ko-KR" sz="2800" b="0" cap="none" spc="0" dirty="0" smtClean="0">
+              <a:ln w="18415" cmpd="sng">
+                <a:solidFill>
+                  <a:sysClr val="windowText" lastClr="000000"/>
+                </a:solidFill>
+                <a:prstDash val="solid"/>
+              </a:ln>
+              <a:solidFill>
+                <a:sysClr val="windowText" lastClr="000000"/>
+              </a:solidFill>
+              <a:effectLst>
+                <a:outerShdw blurRad="63500" dir="3600000" algn="tl" rotWithShape="0">
+                  <a:srgbClr val="000000">
+                    <a:alpha val="70000"/>
+                  </a:srgbClr>
+                </a:outerShdw>
+              </a:effectLst>
+            </a:endParaRPr>
+          </a:p>
+        </p:txBody>
+      </p:sp>
+    </p:spTree>
+    <p:extLst>
+      <p:ext uri="{BB962C8B-B14F-4D97-AF65-F5344CB8AC3E}">
+        <p14:creationId xmlns:p14="http://schemas.microsoft.com/office/powerpoint/2010/main" val="734589739"/>
+      </p:ext>
+    </p:extLst>
+  </p:cSld>
+  <p:clrMapOvr>
+    <a:masterClrMapping/>
+  </p:clrMapOvr>
+</p:sld>
+</file>
+
+<file path=ppt/slides/slide11.xml><?xml version="1.0" encoding="utf-8"?>
+<p:sld xmlns:a="http://schemas.openxmlformats.org/drawingml/2006/main" xmlns:r="http://schemas.openxmlformats.org/officeDocument/2006/relationships" xmlns:p="http://schemas.openxmlformats.org/presentationml/2006/main">
+  <p:cSld>
+    <p:spTree>
+      <p:nvGrpSpPr>
+        <p:cNvPr id="1" name=""/>
+        <p:cNvGrpSpPr/>
+        <p:nvPr/>
+      </p:nvGrpSpPr>
+      <p:grpSpPr>
+        <a:xfrm>
+          <a:off x="0" y="0"/>
+          <a:ext cx="0" cy="0"/>
+          <a:chOff x="0" y="0"/>
+          <a:chExt cx="0" cy="0"/>
+        </a:xfrm>
+      </p:grpSpPr>
+      <p:sp>
+        <p:nvSpPr>
           <p:cNvPr id="4" name="Rectangle 3"/>
           <p:cNvSpPr/>
           <p:nvPr/>
         </p:nvSpPr>
         <p:spPr>
           <a:xfrm>
-            <a:off x="277368" y="1533942"/>
-            <a:ext cx="11914632" cy="2800767"/>
+            <a:off x="600456" y="1209884"/>
+            <a:ext cx="5593080" cy="3354765"/>
           </a:xfrm>
           <a:prstGeom prst="rect">
             <a:avLst/>
@@ -2999,796 +3555,255 @@
           </a:bodyPr>
           <a:lstStyle/>
           <a:p>
-            <a:endParaRPr lang="en-US" altLang="ko-KR" sz="1600" smtClean="0">
-              <a:solidFill>
-                <a:srgbClr val="C678DD"/>
-              </a:solidFill>
-              <a:latin typeface="Consolas" panose="020B0609020204030204" pitchFamily="49" charset="0"/>
+            <a:r>
+              <a:rPr lang="en-US" altLang="ko-KR" sz="3200" b="1" err="1" smtClean="0">
+                <a:effectLst/>
+              </a:rPr>
+              <a:t>offsetWidth</a:t>
+            </a:r>
+            <a:r>
+              <a:rPr lang="en-US" altLang="ko-KR" sz="3200" b="1" smtClean="0">
+                <a:effectLst/>
+              </a:rPr>
+              <a:t>, </a:t>
+            </a:r>
+            <a:r>
+              <a:rPr lang="en-US" altLang="ko-KR" sz="3200" b="1" err="1" smtClean="0">
+                <a:effectLst/>
+              </a:rPr>
+              <a:t>offsetHeight</a:t>
+            </a:r>
+            <a:endParaRPr lang="ko-KR" altLang="en-US" sz="3200" smtClean="0">
+              <a:effectLst/>
             </a:endParaRPr>
           </a:p>
           <a:p>
             <a:r>
-              <a:rPr lang="en-US" altLang="ko-KR" sz="1600" b="1">
-                <a:solidFill>
-                  <a:srgbClr val="FF0000"/>
-                </a:solidFill>
-                <a:latin typeface="Consolas" panose="020B0609020204030204" pitchFamily="49" charset="0"/>
-              </a:rPr>
-              <a:t>(</a:t>
-            </a:r>
-            <a:r>
-              <a:rPr lang="ko-KR" altLang="en-US" sz="1600" b="1">
-                <a:solidFill>
-                  <a:srgbClr val="FF0000"/>
-                </a:solidFill>
-                <a:latin typeface="Consolas" panose="020B0609020204030204" pitchFamily="49" charset="0"/>
-              </a:rPr>
-              <a:t>슬라이드 </a:t>
-            </a:r>
-            <a:r>
-              <a:rPr lang="ko-KR" altLang="en-US" sz="1600" b="1" smtClean="0">
-                <a:solidFill>
-                  <a:srgbClr val="FF0000"/>
-                </a:solidFill>
-                <a:latin typeface="Consolas" panose="020B0609020204030204" pitchFamily="49" charset="0"/>
-              </a:rPr>
-              <a:t>이동용도</a:t>
-            </a:r>
-            <a:r>
-              <a:rPr lang="en-US" altLang="ko-KR" sz="1600" b="1" smtClean="0">
-                <a:solidFill>
-                  <a:srgbClr val="FF0000"/>
-                </a:solidFill>
-                <a:latin typeface="Consolas" panose="020B0609020204030204" pitchFamily="49" charset="0"/>
-              </a:rPr>
-              <a:t>)</a:t>
-            </a:r>
-            <a:endParaRPr lang="en-US" altLang="ko-KR" sz="1600">
-              <a:solidFill>
-                <a:srgbClr val="C678DD"/>
-              </a:solidFill>
-              <a:latin typeface="Consolas" panose="020B0609020204030204" pitchFamily="49" charset="0"/>
+              <a:rPr lang="ko-KR" altLang="en-US" smtClean="0">
+                <a:effectLst/>
+              </a:rPr>
+              <a:t/>
+            </a:r>
+            <a:br>
+              <a:rPr lang="ko-KR" altLang="en-US" smtClean="0">
+                <a:effectLst/>
+              </a:rPr>
+            </a:br>
+            <a:endParaRPr lang="ko-KR" altLang="en-US" smtClean="0">
+              <a:effectLst/>
             </a:endParaRPr>
           </a:p>
           <a:p>
             <a:r>
-              <a:rPr lang="en-US" altLang="ko-KR" sz="1600" smtClean="0">
-                <a:solidFill>
-                  <a:srgbClr val="C678DD"/>
-                </a:solidFill>
-                <a:latin typeface="Consolas" panose="020B0609020204030204" pitchFamily="49" charset="0"/>
-              </a:rPr>
-              <a:t>var</a:t>
-            </a:r>
-            <a:r>
-              <a:rPr lang="en-US" altLang="ko-KR" sz="1600">
-                <a:solidFill>
-                  <a:srgbClr val="ABB2BF"/>
-                </a:solidFill>
-                <a:latin typeface="Consolas" panose="020B0609020204030204" pitchFamily="49" charset="0"/>
-              </a:rPr>
-              <a:t> </a:t>
-            </a:r>
-            <a:r>
-              <a:rPr lang="en-US" altLang="ko-KR" sz="1600">
-                <a:solidFill>
-                  <a:srgbClr val="E06C75"/>
-                </a:solidFill>
-                <a:latin typeface="Consolas" panose="020B0609020204030204" pitchFamily="49" charset="0"/>
-              </a:rPr>
-              <a:t>slideContainer</a:t>
-            </a:r>
-            <a:r>
-              <a:rPr lang="en-US" altLang="ko-KR" sz="1600">
-                <a:solidFill>
-                  <a:srgbClr val="ABB2BF"/>
-                </a:solidFill>
-                <a:latin typeface="Consolas" panose="020B0609020204030204" pitchFamily="49" charset="0"/>
-              </a:rPr>
-              <a:t> </a:t>
-            </a:r>
-            <a:r>
-              <a:rPr lang="en-US" altLang="ko-KR" sz="1600">
-                <a:solidFill>
-                  <a:srgbClr val="56B6C2"/>
-                </a:solidFill>
-                <a:latin typeface="Consolas" panose="020B0609020204030204" pitchFamily="49" charset="0"/>
-              </a:rPr>
-              <a:t>=</a:t>
-            </a:r>
-            <a:r>
-              <a:rPr lang="en-US" altLang="ko-KR" sz="1600">
-                <a:solidFill>
-                  <a:srgbClr val="ABB2BF"/>
-                </a:solidFill>
-                <a:latin typeface="Consolas" panose="020B0609020204030204" pitchFamily="49" charset="0"/>
-              </a:rPr>
-              <a:t> </a:t>
-            </a:r>
-            <a:r>
-              <a:rPr lang="en-US" altLang="ko-KR" sz="1600">
-                <a:solidFill>
-                  <a:srgbClr val="E06C75"/>
-                </a:solidFill>
-                <a:latin typeface="Consolas" panose="020B0609020204030204" pitchFamily="49" charset="0"/>
-              </a:rPr>
-              <a:t>document</a:t>
-            </a:r>
-            <a:r>
-              <a:rPr lang="en-US" altLang="ko-KR" sz="1600">
-                <a:solidFill>
-                  <a:srgbClr val="ABB2BF"/>
-                </a:solidFill>
-                <a:latin typeface="Consolas" panose="020B0609020204030204" pitchFamily="49" charset="0"/>
+              <a:rPr lang="ko-KR" altLang="en-US" smtClean="0">
+                <a:effectLst/>
+              </a:rPr>
+              <a:t>일반적으로 엘리먼트의 전체 크기를 알고 싶다면</a:t>
+            </a:r>
+            <a:r>
+              <a:rPr lang="en-US" altLang="ko-KR" smtClean="0">
+                <a:effectLst/>
+              </a:rPr>
+              <a:t>, `</a:t>
+            </a:r>
+            <a:r>
+              <a:rPr lang="en-US" altLang="ko-KR" err="1" smtClean="0">
+                <a:effectLst/>
+              </a:rPr>
+              <a:t>offsetWidth</a:t>
+            </a:r>
+            <a:r>
+              <a:rPr lang="en-US" altLang="ko-KR" smtClean="0">
+                <a:effectLst/>
+              </a:rPr>
+              <a:t>`</a:t>
+            </a:r>
+            <a:r>
+              <a:rPr lang="ko-KR" altLang="en-US" smtClean="0">
+                <a:effectLst/>
+              </a:rPr>
+              <a:t>와 </a:t>
+            </a:r>
+            <a:r>
+              <a:rPr lang="en-US" altLang="ko-KR" smtClean="0">
+                <a:effectLst/>
+              </a:rPr>
+              <a:t>`</a:t>
+            </a:r>
+            <a:r>
+              <a:rPr lang="en-US" altLang="ko-KR" err="1" smtClean="0">
+                <a:effectLst/>
+              </a:rPr>
+              <a:t>offsetHeight</a:t>
+            </a:r>
+            <a:r>
+              <a:rPr lang="en-US" altLang="ko-KR" smtClean="0">
+                <a:effectLst/>
+              </a:rPr>
+              <a:t>` </a:t>
+            </a:r>
+            <a:r>
+              <a:rPr lang="ko-KR" altLang="en-US" smtClean="0">
+                <a:effectLst/>
+              </a:rPr>
+              <a:t>속성을 가져오면 된다</a:t>
+            </a:r>
+            <a:r>
+              <a:rPr lang="en-US" altLang="ko-KR" smtClean="0">
+                <a:effectLst/>
               </a:rPr>
               <a:t>.</a:t>
             </a:r>
-            <a:r>
-              <a:rPr lang="en-US" altLang="ko-KR" sz="1600">
-                <a:solidFill>
-                  <a:srgbClr val="61AFEF"/>
-                </a:solidFill>
-                <a:latin typeface="Consolas" panose="020B0609020204030204" pitchFamily="49" charset="0"/>
-              </a:rPr>
-              <a:t>getElementsByClassName</a:t>
-            </a:r>
-            <a:r>
-              <a:rPr lang="en-US" altLang="ko-KR" sz="1600">
-                <a:solidFill>
-                  <a:srgbClr val="ABB2BF"/>
-                </a:solidFill>
-                <a:latin typeface="Consolas" panose="020B0609020204030204" pitchFamily="49" charset="0"/>
-              </a:rPr>
-              <a:t>(</a:t>
-            </a:r>
-            <a:r>
-              <a:rPr lang="en-US" altLang="ko-KR" sz="1600">
-                <a:solidFill>
-                  <a:srgbClr val="98C379"/>
-                </a:solidFill>
-                <a:latin typeface="Consolas" panose="020B0609020204030204" pitchFamily="49" charset="0"/>
-              </a:rPr>
-              <a:t>'slider-container'</a:t>
-            </a:r>
-            <a:r>
-              <a:rPr lang="en-US" altLang="ko-KR" sz="1600">
-                <a:solidFill>
-                  <a:srgbClr val="ABB2BF"/>
-                </a:solidFill>
-                <a:latin typeface="Consolas" panose="020B0609020204030204" pitchFamily="49" charset="0"/>
-              </a:rPr>
-              <a:t>);  </a:t>
-            </a:r>
-            <a:r>
-              <a:rPr lang="en-US" altLang="ko-KR" sz="1600" i="1">
+          </a:p>
+          <a:p>
+            <a:endParaRPr lang="en-US" altLang="ko-KR"/>
+          </a:p>
+          <a:p>
+            <a:endParaRPr lang="en-US" altLang="ko-KR" smtClean="0">
+              <a:effectLst/>
+            </a:endParaRPr>
+          </a:p>
+          <a:p>
+            <a:r>
+              <a:rPr lang="ko-KR" altLang="en-US" smtClean="0">
+                <a:effectLst/>
+              </a:rPr>
+              <a:t>이 속성은 엘리먼트의 패딩과 보더</a:t>
+            </a:r>
+            <a:r>
+              <a:rPr lang="en-US" altLang="ko-KR" smtClean="0">
+                <a:effectLst/>
+              </a:rPr>
+              <a:t>, </a:t>
+            </a:r>
+            <a:r>
+              <a:rPr lang="ko-KR" altLang="en-US" smtClean="0">
+                <a:effectLst/>
+              </a:rPr>
+              <a:t>스크롤바의 사이즈를 포함한 값을 리턴한다</a:t>
+            </a:r>
+            <a:r>
+              <a:rPr lang="en-US" altLang="ko-KR" smtClean="0">
+                <a:effectLst/>
+              </a:rPr>
+              <a:t>.</a:t>
+            </a:r>
+          </a:p>
+          <a:p>
+            <a:r>
+              <a:rPr lang="en-US" altLang="ko-KR" smtClean="0">
+                <a:effectLst/>
+              </a:rPr>
+              <a:t/>
+            </a:r>
+            <a:br>
+              <a:rPr lang="en-US" altLang="ko-KR" smtClean="0">
+                <a:effectLst/>
+              </a:rPr>
+            </a:br>
+            <a:endParaRPr lang="ko-KR" altLang="en-US"/>
+          </a:p>
+        </p:txBody>
+      </p:sp>
+      <p:pic>
+        <p:nvPicPr>
+          <p:cNvPr id="1026" name="Picture 2" descr="https://t1.daumcdn.net/cfile/tistory/273E0D40554DADB32D"/>
+          <p:cNvPicPr>
+            <a:picLocks noChangeAspect="1" noChangeArrowheads="1"/>
+          </p:cNvPicPr>
+          <p:nvPr/>
+        </p:nvPicPr>
+        <p:blipFill>
+          <a:blip r:embed="rId2">
+            <a:extLst>
+              <a:ext uri="{28A0092B-C50C-407E-A947-70E740481C1C}">
+                <a14:useLocalDpi xmlns:a14="http://schemas.microsoft.com/office/drawing/2010/main" val="0"/>
+              </a:ext>
+            </a:extLst>
+          </a:blip>
+          <a:srcRect/>
+          <a:stretch>
+            <a:fillRect/>
+          </a:stretch>
+        </p:blipFill>
+        <p:spPr bwMode="auto">
+          <a:xfrm>
+            <a:off x="7016496" y="1990025"/>
+            <a:ext cx="4419600" cy="2638426"/>
+          </a:xfrm>
+          <a:prstGeom prst="rect">
+            <a:avLst/>
+          </a:prstGeom>
+          <a:noFill/>
+          <a:extLst>
+            <a:ext uri="{909E8E84-426E-40DD-AFC4-6F175D3DCCD1}">
+              <a14:hiddenFill xmlns:a14="http://schemas.microsoft.com/office/drawing/2010/main">
+                <a:solidFill>
+                  <a:srgbClr val="FFFFFF"/>
+                </a:solidFill>
+              </a14:hiddenFill>
+            </a:ext>
+          </a:extLst>
+        </p:spPr>
+      </p:pic>
+      <p:sp>
+        <p:nvSpPr>
+          <p:cNvPr id="2" name="Rectangle 1"/>
+          <p:cNvSpPr/>
+          <p:nvPr/>
+        </p:nvSpPr>
+        <p:spPr>
+          <a:xfrm>
+            <a:off x="1088511" y="4379983"/>
+            <a:ext cx="4616970" cy="369332"/>
+          </a:xfrm>
+          <a:prstGeom prst="rect">
+            <a:avLst/>
+          </a:prstGeom>
+        </p:spPr>
+        <p:txBody>
+          <a:bodyPr wrap="none">
+            <a:spAutoFit/>
+          </a:bodyPr>
+          <a:lstStyle/>
+          <a:p>
+            <a:r>
+              <a:rPr lang="en-US" altLang="ko-KR" i="1" err="1">
                 <a:solidFill>
                   <a:srgbClr val="7F848E"/>
                 </a:solidFill>
                 <a:latin typeface="Consolas" panose="020B0609020204030204" pitchFamily="49" charset="0"/>
               </a:rPr>
-              <a:t>//</a:t>
-            </a:r>
-            <a:r>
-              <a:rPr lang="ko-KR" altLang="en-US" sz="1600" i="1">
+              <a:t>topHeight</a:t>
+            </a:r>
+            <a:r>
+              <a:rPr lang="en-US" altLang="ko-KR" i="1">
                 <a:solidFill>
                   <a:srgbClr val="7F848E"/>
                 </a:solidFill>
                 <a:latin typeface="Consolas" panose="020B0609020204030204" pitchFamily="49" charset="0"/>
               </a:rPr>
-              <a:t>클래스명</a:t>
-            </a:r>
-            <a:r>
-              <a:rPr lang="ko-KR" altLang="en-US" sz="1600" i="1">
+              <a:t> = slides[0].</a:t>
+            </a:r>
+            <a:r>
+              <a:rPr lang="en-US" altLang="ko-KR" i="1" err="1">
                 <a:solidFill>
                   <a:srgbClr val="7F848E"/>
                 </a:solidFill>
                 <a:latin typeface="Consolas" panose="020B0609020204030204" pitchFamily="49" charset="0"/>
               </a:rPr>
-              <a:t> </a:t>
-            </a:r>
-            <a:r>
-              <a:rPr lang="en-US" altLang="ko-KR" sz="1600" i="1" smtClean="0">
+              <a:t>offsetHeight</a:t>
+            </a:r>
+            <a:r>
+              <a:rPr lang="en-US" altLang="ko-KR" i="1">
                 <a:solidFill>
                   <a:srgbClr val="7F848E"/>
                 </a:solidFill>
                 <a:latin typeface="Consolas" panose="020B0609020204030204" pitchFamily="49" charset="0"/>
               </a:rPr>
-              <a:t>slider-container</a:t>
-            </a:r>
-          </a:p>
-          <a:p>
-            <a:endParaRPr lang="en-US" altLang="ko-KR" sz="1600" i="1">
-              <a:solidFill>
-                <a:srgbClr val="7F848E"/>
-              </a:solidFill>
-              <a:latin typeface="Consolas" panose="020B0609020204030204" pitchFamily="49" charset="0"/>
-            </a:endParaRPr>
-          </a:p>
-          <a:p>
-            <a:r>
-              <a:rPr lang="en-US" altLang="ko-KR" sz="1600" b="1" smtClean="0">
-                <a:solidFill>
-                  <a:srgbClr val="FF0000"/>
-                </a:solidFill>
-                <a:latin typeface="Consolas" panose="020B0609020204030204" pitchFamily="49" charset="0"/>
-              </a:rPr>
-              <a:t>(</a:t>
-            </a:r>
-            <a:r>
-              <a:rPr lang="ko-KR" altLang="en-US" sz="1600" b="1" smtClean="0">
-                <a:solidFill>
-                  <a:srgbClr val="FF0000"/>
-                </a:solidFill>
-                <a:latin typeface="Consolas" panose="020B0609020204030204" pitchFamily="49" charset="0"/>
-              </a:rPr>
-              <a:t>버튼용</a:t>
-            </a:r>
-            <a:r>
-              <a:rPr lang="en-US" altLang="ko-KR" sz="1600" b="1" smtClean="0">
-                <a:solidFill>
-                  <a:srgbClr val="FF0000"/>
-                </a:solidFill>
-                <a:latin typeface="Consolas" panose="020B0609020204030204" pitchFamily="49" charset="0"/>
-              </a:rPr>
-              <a:t>)</a:t>
-            </a:r>
-            <a:endParaRPr lang="en-US" altLang="ko-KR" sz="1600">
-              <a:solidFill>
-                <a:srgbClr val="ABB2BF"/>
-              </a:solidFill>
-              <a:latin typeface="Consolas" panose="020B0609020204030204" pitchFamily="49" charset="0"/>
-            </a:endParaRPr>
-          </a:p>
-          <a:p>
-            <a:r>
-              <a:rPr lang="en-US" altLang="ko-KR" sz="1600">
-                <a:solidFill>
-                  <a:srgbClr val="C678DD"/>
-                </a:solidFill>
-                <a:latin typeface="Consolas" panose="020B0609020204030204" pitchFamily="49" charset="0"/>
-              </a:rPr>
-              <a:t>var</a:t>
-            </a:r>
-            <a:r>
-              <a:rPr lang="en-US" altLang="ko-KR" sz="1600">
-                <a:solidFill>
-                  <a:srgbClr val="ABB2BF"/>
-                </a:solidFill>
-                <a:latin typeface="Consolas" panose="020B0609020204030204" pitchFamily="49" charset="0"/>
-              </a:rPr>
-              <a:t> </a:t>
-            </a:r>
-            <a:r>
-              <a:rPr lang="en-US" altLang="ko-KR" sz="1600">
-                <a:solidFill>
-                  <a:srgbClr val="E06C75"/>
-                </a:solidFill>
-                <a:latin typeface="Consolas" panose="020B0609020204030204" pitchFamily="49" charset="0"/>
-              </a:rPr>
-              <a:t>slideCount</a:t>
-            </a:r>
-            <a:r>
-              <a:rPr lang="en-US" altLang="ko-KR" sz="1600">
-                <a:solidFill>
-                  <a:srgbClr val="ABB2BF"/>
-                </a:solidFill>
-                <a:latin typeface="Consolas" panose="020B0609020204030204" pitchFamily="49" charset="0"/>
-              </a:rPr>
-              <a:t> </a:t>
-            </a:r>
-            <a:r>
-              <a:rPr lang="en-US" altLang="ko-KR" sz="1600">
-                <a:solidFill>
-                  <a:srgbClr val="56B6C2"/>
-                </a:solidFill>
-                <a:latin typeface="Consolas" panose="020B0609020204030204" pitchFamily="49" charset="0"/>
-              </a:rPr>
-              <a:t>=</a:t>
-            </a:r>
-            <a:r>
-              <a:rPr lang="en-US" altLang="ko-KR" sz="1600">
-                <a:solidFill>
-                  <a:srgbClr val="ABB2BF"/>
-                </a:solidFill>
-                <a:latin typeface="Consolas" panose="020B0609020204030204" pitchFamily="49" charset="0"/>
-              </a:rPr>
-              <a:t> </a:t>
-            </a:r>
-            <a:r>
-              <a:rPr lang="en-US" altLang="ko-KR" sz="1600">
-                <a:solidFill>
-                  <a:srgbClr val="E06C75"/>
-                </a:solidFill>
-                <a:latin typeface="Consolas" panose="020B0609020204030204" pitchFamily="49" charset="0"/>
-              </a:rPr>
-              <a:t>slides</a:t>
-            </a:r>
-            <a:r>
-              <a:rPr lang="en-US" altLang="ko-KR" sz="1600">
-                <a:solidFill>
-                  <a:srgbClr val="ABB2BF"/>
-                </a:solidFill>
-                <a:latin typeface="Consolas" panose="020B0609020204030204" pitchFamily="49" charset="0"/>
-              </a:rPr>
-              <a:t>.</a:t>
-            </a:r>
-            <a:r>
-              <a:rPr lang="en-US" altLang="ko-KR" sz="1600">
-                <a:solidFill>
-                  <a:srgbClr val="E06C75"/>
-                </a:solidFill>
-                <a:latin typeface="Consolas" panose="020B0609020204030204" pitchFamily="49" charset="0"/>
-              </a:rPr>
-              <a:t>length</a:t>
-            </a:r>
-            <a:r>
-              <a:rPr lang="en-US" altLang="ko-KR" sz="1600">
-                <a:solidFill>
-                  <a:srgbClr val="ABB2BF"/>
-                </a:solidFill>
-                <a:latin typeface="Consolas" panose="020B0609020204030204" pitchFamily="49" charset="0"/>
-              </a:rPr>
-              <a:t>;  </a:t>
-            </a:r>
-            <a:r>
-              <a:rPr lang="en-US" altLang="ko-KR" sz="1600" i="1">
-                <a:solidFill>
-                  <a:srgbClr val="7F848E"/>
-                </a:solidFill>
-                <a:latin typeface="Consolas" panose="020B0609020204030204" pitchFamily="49" charset="0"/>
-              </a:rPr>
-              <a:t>// </a:t>
-            </a:r>
-            <a:r>
-              <a:rPr lang="ko-KR" altLang="en-US" sz="1600" i="1">
-                <a:solidFill>
-                  <a:srgbClr val="7F848E"/>
-                </a:solidFill>
-                <a:latin typeface="Consolas" panose="020B0609020204030204" pitchFamily="49" charset="0"/>
-              </a:rPr>
-              <a:t>슬라이드</a:t>
-            </a:r>
-            <a:r>
-              <a:rPr lang="ko-KR" altLang="en-US" sz="1600" i="1">
-                <a:solidFill>
-                  <a:srgbClr val="7F848E"/>
-                </a:solidFill>
-                <a:latin typeface="Consolas" panose="020B0609020204030204" pitchFamily="49" charset="0"/>
-              </a:rPr>
-              <a:t> </a:t>
-            </a:r>
-            <a:r>
-              <a:rPr lang="ko-KR" altLang="en-US" sz="1600" i="1" smtClean="0">
-                <a:solidFill>
-                  <a:srgbClr val="7F848E"/>
-                </a:solidFill>
-                <a:latin typeface="Consolas" panose="020B0609020204030204" pitchFamily="49" charset="0"/>
-              </a:rPr>
-              <a:t>개수</a:t>
-            </a:r>
-            <a:endParaRPr lang="ko-KR" altLang="en-US" sz="1600">
-              <a:solidFill>
-                <a:srgbClr val="ABB2BF"/>
-              </a:solidFill>
-              <a:latin typeface="Consolas" panose="020B0609020204030204" pitchFamily="49" charset="0"/>
-            </a:endParaRPr>
-          </a:p>
-          <a:p>
-            <a:r>
-              <a:rPr lang="en-US" altLang="ko-KR" sz="1600">
-                <a:solidFill>
-                  <a:srgbClr val="C678DD"/>
-                </a:solidFill>
-                <a:latin typeface="Consolas" panose="020B0609020204030204" pitchFamily="49" charset="0"/>
-              </a:rPr>
-              <a:t>var</a:t>
-            </a:r>
-            <a:r>
-              <a:rPr lang="en-US" altLang="ko-KR" sz="1600">
-                <a:solidFill>
-                  <a:srgbClr val="ABB2BF"/>
-                </a:solidFill>
-                <a:latin typeface="Consolas" panose="020B0609020204030204" pitchFamily="49" charset="0"/>
-              </a:rPr>
-              <a:t> </a:t>
-            </a:r>
-            <a:r>
-              <a:rPr lang="en-US" altLang="ko-KR" sz="1600">
-                <a:solidFill>
-                  <a:srgbClr val="E06C75"/>
-                </a:solidFill>
-                <a:latin typeface="Consolas" panose="020B0609020204030204" pitchFamily="49" charset="0"/>
-              </a:rPr>
-              <a:t>currentIndex</a:t>
-            </a:r>
-            <a:r>
-              <a:rPr lang="en-US" altLang="ko-KR" sz="1600">
-                <a:solidFill>
-                  <a:srgbClr val="ABB2BF"/>
-                </a:solidFill>
-                <a:latin typeface="Consolas" panose="020B0609020204030204" pitchFamily="49" charset="0"/>
-              </a:rPr>
-              <a:t> </a:t>
-            </a:r>
-            <a:r>
-              <a:rPr lang="en-US" altLang="ko-KR" sz="1600">
-                <a:solidFill>
-                  <a:srgbClr val="56B6C2"/>
-                </a:solidFill>
-                <a:latin typeface="Consolas" panose="020B0609020204030204" pitchFamily="49" charset="0"/>
-              </a:rPr>
-              <a:t>=</a:t>
-            </a:r>
-            <a:r>
-              <a:rPr lang="en-US" altLang="ko-KR" sz="1600">
-                <a:solidFill>
-                  <a:srgbClr val="ABB2BF"/>
-                </a:solidFill>
-                <a:latin typeface="Consolas" panose="020B0609020204030204" pitchFamily="49" charset="0"/>
-              </a:rPr>
-              <a:t> </a:t>
-            </a:r>
-            <a:r>
-              <a:rPr lang="en-US" altLang="ko-KR" sz="1600">
-                <a:solidFill>
-                  <a:srgbClr val="D19A66"/>
-                </a:solidFill>
-                <a:latin typeface="Consolas" panose="020B0609020204030204" pitchFamily="49" charset="0"/>
-              </a:rPr>
-              <a:t>0</a:t>
-            </a:r>
-            <a:r>
-              <a:rPr lang="en-US" altLang="ko-KR" sz="1600">
-                <a:solidFill>
-                  <a:srgbClr val="ABB2BF"/>
-                </a:solidFill>
-                <a:latin typeface="Consolas" panose="020B0609020204030204" pitchFamily="49" charset="0"/>
-              </a:rPr>
-              <a:t>; </a:t>
-            </a:r>
-            <a:r>
-              <a:rPr lang="en-US" altLang="ko-KR" sz="1600" i="1">
-                <a:solidFill>
-                  <a:srgbClr val="7F848E"/>
-                </a:solidFill>
-                <a:latin typeface="Consolas" panose="020B0609020204030204" pitchFamily="49" charset="0"/>
-              </a:rPr>
-              <a:t>//</a:t>
-            </a:r>
-            <a:r>
-              <a:rPr lang="ko-KR" altLang="en-US" sz="1600" i="1">
-                <a:solidFill>
-                  <a:srgbClr val="7F848E"/>
-                </a:solidFill>
-                <a:latin typeface="Consolas" panose="020B0609020204030204" pitchFamily="49" charset="0"/>
-              </a:rPr>
-              <a:t>첫번째랑 마지막</a:t>
-            </a:r>
-            <a:r>
-              <a:rPr lang="ko-KR" altLang="en-US" sz="1600" i="1">
-                <a:solidFill>
-                  <a:srgbClr val="7F848E"/>
-                </a:solidFill>
-                <a:latin typeface="Consolas" panose="020B0609020204030204" pitchFamily="49" charset="0"/>
-              </a:rPr>
-              <a:t> </a:t>
-            </a:r>
-            <a:r>
-              <a:rPr lang="ko-KR" altLang="en-US" sz="1600" i="1" smtClean="0">
-                <a:solidFill>
-                  <a:srgbClr val="7F848E"/>
-                </a:solidFill>
-                <a:latin typeface="Consolas" panose="020B0609020204030204" pitchFamily="49" charset="0"/>
-              </a:rPr>
-              <a:t>체크용</a:t>
-            </a:r>
-            <a:endParaRPr lang="ko-KR" altLang="en-US" sz="1600">
-              <a:solidFill>
-                <a:srgbClr val="ABB2BF"/>
-              </a:solidFill>
-              <a:latin typeface="Consolas" panose="020B0609020204030204" pitchFamily="49" charset="0"/>
-            </a:endParaRPr>
-          </a:p>
-          <a:p>
-            <a:r>
-              <a:rPr lang="en-US" altLang="ko-KR" sz="1600">
-                <a:solidFill>
-                  <a:srgbClr val="C678DD"/>
-                </a:solidFill>
-                <a:latin typeface="Consolas" panose="020B0609020204030204" pitchFamily="49" charset="0"/>
-              </a:rPr>
-              <a:t>var</a:t>
-            </a:r>
-            <a:r>
-              <a:rPr lang="en-US" altLang="ko-KR" sz="1600">
-                <a:solidFill>
-                  <a:srgbClr val="ABB2BF"/>
-                </a:solidFill>
-                <a:latin typeface="Consolas" panose="020B0609020204030204" pitchFamily="49" charset="0"/>
-              </a:rPr>
-              <a:t> </a:t>
-            </a:r>
-            <a:r>
-              <a:rPr lang="en-US" altLang="ko-KR" sz="1600">
-                <a:solidFill>
-                  <a:srgbClr val="E06C75"/>
-                </a:solidFill>
-                <a:latin typeface="Consolas" panose="020B0609020204030204" pitchFamily="49" charset="0"/>
-              </a:rPr>
-              <a:t>navPrev</a:t>
-            </a:r>
-            <a:r>
-              <a:rPr lang="en-US" altLang="ko-KR" sz="1600">
-                <a:solidFill>
-                  <a:srgbClr val="ABB2BF"/>
-                </a:solidFill>
-                <a:latin typeface="Consolas" panose="020B0609020204030204" pitchFamily="49" charset="0"/>
-              </a:rPr>
-              <a:t> </a:t>
-            </a:r>
-            <a:r>
-              <a:rPr lang="en-US" altLang="ko-KR" sz="1600">
-                <a:solidFill>
-                  <a:srgbClr val="56B6C2"/>
-                </a:solidFill>
-                <a:latin typeface="Consolas" panose="020B0609020204030204" pitchFamily="49" charset="0"/>
-              </a:rPr>
-              <a:t>=</a:t>
-            </a:r>
-            <a:r>
-              <a:rPr lang="en-US" altLang="ko-KR" sz="1600">
-                <a:solidFill>
-                  <a:srgbClr val="ABB2BF"/>
-                </a:solidFill>
-                <a:latin typeface="Consolas" panose="020B0609020204030204" pitchFamily="49" charset="0"/>
-              </a:rPr>
-              <a:t> </a:t>
-            </a:r>
-            <a:r>
-              <a:rPr lang="en-US" altLang="ko-KR" sz="1600">
-                <a:solidFill>
-                  <a:srgbClr val="E06C75"/>
-                </a:solidFill>
-                <a:latin typeface="Consolas" panose="020B0609020204030204" pitchFamily="49" charset="0"/>
-              </a:rPr>
-              <a:t>document</a:t>
-            </a:r>
-            <a:r>
-              <a:rPr lang="en-US" altLang="ko-KR" sz="1600">
-                <a:solidFill>
-                  <a:srgbClr val="ABB2BF"/>
-                </a:solidFill>
-                <a:latin typeface="Consolas" panose="020B0609020204030204" pitchFamily="49" charset="0"/>
-              </a:rPr>
-              <a:t>.</a:t>
-            </a:r>
-            <a:r>
-              <a:rPr lang="en-US" altLang="ko-KR" sz="1600">
-                <a:solidFill>
-                  <a:srgbClr val="61AFEF"/>
-                </a:solidFill>
-                <a:latin typeface="Consolas" panose="020B0609020204030204" pitchFamily="49" charset="0"/>
-              </a:rPr>
-              <a:t>getElementById</a:t>
-            </a:r>
-            <a:r>
-              <a:rPr lang="en-US" altLang="ko-KR" sz="1600">
-                <a:solidFill>
-                  <a:srgbClr val="ABB2BF"/>
-                </a:solidFill>
-                <a:latin typeface="Consolas" panose="020B0609020204030204" pitchFamily="49" charset="0"/>
-              </a:rPr>
-              <a:t>(</a:t>
-            </a:r>
-            <a:r>
-              <a:rPr lang="en-US" altLang="ko-KR" sz="1600">
-                <a:solidFill>
-                  <a:srgbClr val="98C379"/>
-                </a:solidFill>
-                <a:latin typeface="Consolas" panose="020B0609020204030204" pitchFamily="49" charset="0"/>
-              </a:rPr>
-              <a:t>'prev'</a:t>
-            </a:r>
-            <a:r>
-              <a:rPr lang="en-US" altLang="ko-KR" sz="1600">
-                <a:solidFill>
-                  <a:srgbClr val="ABB2BF"/>
-                </a:solidFill>
-                <a:latin typeface="Consolas" panose="020B0609020204030204" pitchFamily="49" charset="0"/>
-              </a:rPr>
-              <a:t>); </a:t>
-            </a:r>
-            <a:r>
-              <a:rPr lang="en-US" altLang="ko-KR" sz="1600" i="1">
-                <a:solidFill>
-                  <a:srgbClr val="7F848E"/>
-                </a:solidFill>
-                <a:latin typeface="Consolas" panose="020B0609020204030204" pitchFamily="49" charset="0"/>
-              </a:rPr>
-              <a:t>// </a:t>
-            </a:r>
-            <a:r>
-              <a:rPr lang="ko-KR" altLang="en-US" sz="1600" i="1">
-                <a:solidFill>
-                  <a:srgbClr val="7F848E"/>
-                </a:solidFill>
-                <a:latin typeface="Consolas" panose="020B0609020204030204" pitchFamily="49" charset="0"/>
-              </a:rPr>
-              <a:t>아이디 </a:t>
-            </a:r>
-            <a:r>
-              <a:rPr lang="en-US" altLang="ko-KR" sz="1600" i="1">
-                <a:solidFill>
-                  <a:srgbClr val="7F848E"/>
-                </a:solidFill>
-                <a:latin typeface="Consolas" panose="020B0609020204030204" pitchFamily="49" charset="0"/>
-              </a:rPr>
-              <a:t>prev</a:t>
-            </a:r>
-            <a:endParaRPr lang="en-US" altLang="ko-KR" sz="1600">
-              <a:solidFill>
-                <a:srgbClr val="ABB2BF"/>
-              </a:solidFill>
-              <a:latin typeface="Consolas" panose="020B0609020204030204" pitchFamily="49" charset="0"/>
-            </a:endParaRPr>
-          </a:p>
-          <a:p>
-            <a:r>
-              <a:rPr lang="en-US" altLang="ko-KR" sz="1600">
-                <a:solidFill>
-                  <a:srgbClr val="C678DD"/>
-                </a:solidFill>
-                <a:latin typeface="Consolas" panose="020B0609020204030204" pitchFamily="49" charset="0"/>
-              </a:rPr>
-              <a:t>var</a:t>
-            </a:r>
-            <a:r>
-              <a:rPr lang="en-US" altLang="ko-KR" sz="1600">
-                <a:solidFill>
-                  <a:srgbClr val="ABB2BF"/>
-                </a:solidFill>
-                <a:latin typeface="Consolas" panose="020B0609020204030204" pitchFamily="49" charset="0"/>
-              </a:rPr>
-              <a:t> </a:t>
-            </a:r>
-            <a:r>
-              <a:rPr lang="en-US" altLang="ko-KR" sz="1600">
-                <a:solidFill>
-                  <a:srgbClr val="E06C75"/>
-                </a:solidFill>
-                <a:latin typeface="Consolas" panose="020B0609020204030204" pitchFamily="49" charset="0"/>
-              </a:rPr>
-              <a:t>navNext</a:t>
-            </a:r>
-            <a:r>
-              <a:rPr lang="en-US" altLang="ko-KR" sz="1600">
-                <a:solidFill>
-                  <a:srgbClr val="ABB2BF"/>
-                </a:solidFill>
-                <a:latin typeface="Consolas" panose="020B0609020204030204" pitchFamily="49" charset="0"/>
-              </a:rPr>
-              <a:t> </a:t>
-            </a:r>
-            <a:r>
-              <a:rPr lang="en-US" altLang="ko-KR" sz="1600">
-                <a:solidFill>
-                  <a:srgbClr val="56B6C2"/>
-                </a:solidFill>
-                <a:latin typeface="Consolas" panose="020B0609020204030204" pitchFamily="49" charset="0"/>
-              </a:rPr>
-              <a:t>=</a:t>
-            </a:r>
-            <a:r>
-              <a:rPr lang="en-US" altLang="ko-KR" sz="1600">
-                <a:solidFill>
-                  <a:srgbClr val="ABB2BF"/>
-                </a:solidFill>
-                <a:latin typeface="Consolas" panose="020B0609020204030204" pitchFamily="49" charset="0"/>
-              </a:rPr>
-              <a:t> </a:t>
-            </a:r>
-            <a:r>
-              <a:rPr lang="en-US" altLang="ko-KR" sz="1600">
-                <a:solidFill>
-                  <a:srgbClr val="E06C75"/>
-                </a:solidFill>
-                <a:latin typeface="Consolas" panose="020B0609020204030204" pitchFamily="49" charset="0"/>
-              </a:rPr>
-              <a:t>document</a:t>
-            </a:r>
-            <a:r>
-              <a:rPr lang="en-US" altLang="ko-KR" sz="1600">
-                <a:solidFill>
-                  <a:srgbClr val="ABB2BF"/>
-                </a:solidFill>
-                <a:latin typeface="Consolas" panose="020B0609020204030204" pitchFamily="49" charset="0"/>
-              </a:rPr>
-              <a:t>.</a:t>
-            </a:r>
-            <a:r>
-              <a:rPr lang="en-US" altLang="ko-KR" sz="1600">
-                <a:solidFill>
-                  <a:srgbClr val="61AFEF"/>
-                </a:solidFill>
-                <a:latin typeface="Consolas" panose="020B0609020204030204" pitchFamily="49" charset="0"/>
-              </a:rPr>
-              <a:t>getElementById</a:t>
-            </a:r>
-            <a:r>
-              <a:rPr lang="en-US" altLang="ko-KR" sz="1600">
-                <a:solidFill>
-                  <a:srgbClr val="ABB2BF"/>
-                </a:solidFill>
-                <a:latin typeface="Consolas" panose="020B0609020204030204" pitchFamily="49" charset="0"/>
-              </a:rPr>
-              <a:t>(</a:t>
-            </a:r>
-            <a:r>
-              <a:rPr lang="en-US" altLang="ko-KR" sz="1600">
-                <a:solidFill>
-                  <a:srgbClr val="98C379"/>
-                </a:solidFill>
-                <a:latin typeface="Consolas" panose="020B0609020204030204" pitchFamily="49" charset="0"/>
-              </a:rPr>
-              <a:t>'next'</a:t>
-            </a:r>
-            <a:r>
-              <a:rPr lang="en-US" altLang="ko-KR" sz="1600">
-                <a:solidFill>
-                  <a:srgbClr val="ABB2BF"/>
-                </a:solidFill>
-                <a:latin typeface="Consolas" panose="020B0609020204030204" pitchFamily="49" charset="0"/>
-              </a:rPr>
-              <a:t>); </a:t>
-            </a:r>
-            <a:r>
-              <a:rPr lang="en-US" altLang="ko-KR" sz="1600" i="1">
-                <a:solidFill>
-                  <a:srgbClr val="7F848E"/>
-                </a:solidFill>
-                <a:latin typeface="Consolas" panose="020B0609020204030204" pitchFamily="49" charset="0"/>
-              </a:rPr>
-              <a:t>// </a:t>
-            </a:r>
-            <a:r>
-              <a:rPr lang="ko-KR" altLang="en-US" sz="1600" i="1">
-                <a:solidFill>
-                  <a:srgbClr val="7F848E"/>
-                </a:solidFill>
-                <a:latin typeface="Consolas" panose="020B0609020204030204" pitchFamily="49" charset="0"/>
-              </a:rPr>
-              <a:t>아이디</a:t>
-            </a:r>
-            <a:r>
-              <a:rPr lang="ko-KR" altLang="en-US" sz="1600" i="1">
-                <a:solidFill>
-                  <a:srgbClr val="7F848E"/>
-                </a:solidFill>
-                <a:latin typeface="Consolas" panose="020B0609020204030204" pitchFamily="49" charset="0"/>
-              </a:rPr>
-              <a:t> </a:t>
-            </a:r>
-            <a:r>
-              <a:rPr lang="en-US" altLang="ko-KR" sz="1600" i="1" smtClean="0">
-                <a:solidFill>
-                  <a:srgbClr val="7F848E"/>
-                </a:solidFill>
-                <a:latin typeface="Consolas" panose="020B0609020204030204" pitchFamily="49" charset="0"/>
-              </a:rPr>
-              <a:t>next</a:t>
-            </a:r>
-          </a:p>
-          <a:p>
-            <a:endParaRPr lang="en-US" altLang="ko-KR" sz="1600" b="0" i="1">
-              <a:solidFill>
-                <a:srgbClr val="7F848E"/>
-              </a:solidFill>
-              <a:effectLst/>
-              <a:latin typeface="Consolas" panose="020B0609020204030204" pitchFamily="49" charset="0"/>
-            </a:endParaRPr>
-          </a:p>
-          <a:p>
-            <a:endParaRPr lang="en-US" altLang="ko-KR" sz="1600" b="0">
+              <a:t>;</a:t>
+            </a:r>
+            <a:endParaRPr lang="en-US" altLang="ko-KR" b="0">
               <a:solidFill>
                 <a:srgbClr val="ABB2BF"/>
               </a:solidFill>
@@ -3798,10 +3813,308 @@
           </a:p>
         </p:txBody>
       </p:sp>
+      <p:sp>
+        <p:nvSpPr>
+          <p:cNvPr id="3" name="Rectangle 2"/>
+          <p:cNvSpPr/>
+          <p:nvPr/>
+        </p:nvSpPr>
+        <p:spPr>
+          <a:xfrm>
+            <a:off x="432816" y="5078492"/>
+            <a:ext cx="11207496" cy="923330"/>
+          </a:xfrm>
+          <a:prstGeom prst="rect">
+            <a:avLst/>
+          </a:prstGeom>
+        </p:spPr>
+        <p:txBody>
+          <a:bodyPr wrap="square">
+            <a:spAutoFit/>
+          </a:bodyPr>
+          <a:lstStyle/>
+          <a:p>
+            <a:r>
+              <a:rPr lang="en-US" altLang="ko-KR" b="1">
+                <a:solidFill>
+                  <a:srgbClr val="FF0000"/>
+                </a:solidFill>
+                <a:latin typeface="Consolas" panose="020B0609020204030204" pitchFamily="49" charset="0"/>
+              </a:rPr>
+              <a:t>(</a:t>
+            </a:r>
+            <a:r>
+              <a:rPr lang="ko-KR" altLang="en-US" b="1">
+                <a:solidFill>
+                  <a:srgbClr val="FF0000"/>
+                </a:solidFill>
+                <a:latin typeface="Consolas" panose="020B0609020204030204" pitchFamily="49" charset="0"/>
+              </a:rPr>
+              <a:t>슬라이드 높이 변경용도</a:t>
+            </a:r>
+            <a:r>
+              <a:rPr lang="en-US" altLang="ko-KR" b="1">
+                <a:solidFill>
+                  <a:srgbClr val="FF0000"/>
+                </a:solidFill>
+                <a:latin typeface="Consolas" panose="020B0609020204030204" pitchFamily="49" charset="0"/>
+              </a:rPr>
+              <a:t>)</a:t>
+            </a:r>
+            <a:endParaRPr lang="en-US" altLang="ko-KR">
+              <a:solidFill>
+                <a:srgbClr val="C678DD"/>
+              </a:solidFill>
+              <a:latin typeface="Consolas" panose="020B0609020204030204" pitchFamily="49" charset="0"/>
+            </a:endParaRPr>
+          </a:p>
+          <a:p>
+            <a:r>
+              <a:rPr lang="en-US" altLang="ko-KR">
+                <a:solidFill>
+                  <a:srgbClr val="C678DD"/>
+                </a:solidFill>
+                <a:latin typeface="Consolas" panose="020B0609020204030204" pitchFamily="49" charset="0"/>
+              </a:rPr>
+              <a:t>var</a:t>
+            </a:r>
+            <a:r>
+              <a:rPr lang="en-US" altLang="ko-KR">
+                <a:solidFill>
+                  <a:srgbClr val="ABB2BF"/>
+                </a:solidFill>
+                <a:latin typeface="Consolas" panose="020B0609020204030204" pitchFamily="49" charset="0"/>
+              </a:rPr>
+              <a:t> </a:t>
+            </a:r>
+            <a:r>
+              <a:rPr lang="en-US" altLang="ko-KR">
+                <a:solidFill>
+                  <a:srgbClr val="E06C75"/>
+                </a:solidFill>
+                <a:latin typeface="Consolas" panose="020B0609020204030204" pitchFamily="49" charset="0"/>
+              </a:rPr>
+              <a:t>slideWrapper</a:t>
+            </a:r>
+            <a:r>
+              <a:rPr lang="en-US" altLang="ko-KR">
+                <a:solidFill>
+                  <a:srgbClr val="ABB2BF"/>
+                </a:solidFill>
+                <a:latin typeface="Consolas" panose="020B0609020204030204" pitchFamily="49" charset="0"/>
+              </a:rPr>
+              <a:t> </a:t>
+            </a:r>
+            <a:r>
+              <a:rPr lang="en-US" altLang="ko-KR">
+                <a:solidFill>
+                  <a:srgbClr val="56B6C2"/>
+                </a:solidFill>
+                <a:latin typeface="Consolas" panose="020B0609020204030204" pitchFamily="49" charset="0"/>
+              </a:rPr>
+              <a:t>=</a:t>
+            </a:r>
+            <a:r>
+              <a:rPr lang="en-US" altLang="ko-KR">
+                <a:solidFill>
+                  <a:srgbClr val="ABB2BF"/>
+                </a:solidFill>
+                <a:latin typeface="Consolas" panose="020B0609020204030204" pitchFamily="49" charset="0"/>
+              </a:rPr>
+              <a:t> </a:t>
+            </a:r>
+            <a:r>
+              <a:rPr lang="en-US" altLang="ko-KR">
+                <a:solidFill>
+                  <a:srgbClr val="E06C75"/>
+                </a:solidFill>
+                <a:latin typeface="Consolas" panose="020B0609020204030204" pitchFamily="49" charset="0"/>
+              </a:rPr>
+              <a:t>document</a:t>
+            </a:r>
+            <a:r>
+              <a:rPr lang="en-US" altLang="ko-KR">
+                <a:solidFill>
+                  <a:srgbClr val="ABB2BF"/>
+                </a:solidFill>
+                <a:latin typeface="Consolas" panose="020B0609020204030204" pitchFamily="49" charset="0"/>
+              </a:rPr>
+              <a:t>.</a:t>
+            </a:r>
+            <a:r>
+              <a:rPr lang="en-US" altLang="ko-KR">
+                <a:solidFill>
+                  <a:srgbClr val="61AFEF"/>
+                </a:solidFill>
+                <a:latin typeface="Consolas" panose="020B0609020204030204" pitchFamily="49" charset="0"/>
+              </a:rPr>
+              <a:t>getElementsByClassName</a:t>
+            </a:r>
+            <a:r>
+              <a:rPr lang="en-US" altLang="ko-KR">
+                <a:solidFill>
+                  <a:srgbClr val="ABB2BF"/>
+                </a:solidFill>
+                <a:latin typeface="Consolas" panose="020B0609020204030204" pitchFamily="49" charset="0"/>
+              </a:rPr>
+              <a:t>(</a:t>
+            </a:r>
+            <a:r>
+              <a:rPr lang="en-US" altLang="ko-KR">
+                <a:solidFill>
+                  <a:srgbClr val="98C379"/>
+                </a:solidFill>
+                <a:latin typeface="Consolas" panose="020B0609020204030204" pitchFamily="49" charset="0"/>
+              </a:rPr>
+              <a:t>'container'</a:t>
+            </a:r>
+            <a:r>
+              <a:rPr lang="en-US" altLang="ko-KR">
+                <a:solidFill>
+                  <a:srgbClr val="ABB2BF"/>
+                </a:solidFill>
+                <a:latin typeface="Consolas" panose="020B0609020204030204" pitchFamily="49" charset="0"/>
+              </a:rPr>
+              <a:t>);   </a:t>
+            </a:r>
+            <a:r>
+              <a:rPr lang="en-US" altLang="ko-KR" i="1">
+                <a:solidFill>
+                  <a:srgbClr val="7F848E"/>
+                </a:solidFill>
+                <a:latin typeface="Consolas" panose="020B0609020204030204" pitchFamily="49" charset="0"/>
+              </a:rPr>
+              <a:t>//</a:t>
+            </a:r>
+            <a:r>
+              <a:rPr lang="ko-KR" altLang="en-US" i="1">
+                <a:solidFill>
+                  <a:srgbClr val="7F848E"/>
+                </a:solidFill>
+                <a:latin typeface="Consolas" panose="020B0609020204030204" pitchFamily="49" charset="0"/>
+              </a:rPr>
+              <a:t>클래스명 </a:t>
+            </a:r>
+            <a:r>
+              <a:rPr lang="en-US" altLang="ko-KR" i="1">
+                <a:solidFill>
+                  <a:srgbClr val="7F848E"/>
+                </a:solidFill>
+                <a:latin typeface="Consolas" panose="020B0609020204030204" pitchFamily="49" charset="0"/>
+              </a:rPr>
+              <a:t>container</a:t>
+            </a:r>
+            <a:endParaRPr lang="en-US" altLang="ko-KR">
+              <a:solidFill>
+                <a:srgbClr val="ABB2BF"/>
+              </a:solidFill>
+              <a:latin typeface="Consolas" panose="020B0609020204030204" pitchFamily="49" charset="0"/>
+            </a:endParaRPr>
+          </a:p>
+          <a:p>
+            <a:r>
+              <a:rPr lang="en-US" altLang="ko-KR">
+                <a:solidFill>
+                  <a:srgbClr val="C678DD"/>
+                </a:solidFill>
+                <a:latin typeface="Consolas" panose="020B0609020204030204" pitchFamily="49" charset="0"/>
+              </a:rPr>
+              <a:t>var</a:t>
+            </a:r>
+            <a:r>
+              <a:rPr lang="en-US" altLang="ko-KR">
+                <a:solidFill>
+                  <a:srgbClr val="ABB2BF"/>
+                </a:solidFill>
+                <a:latin typeface="Consolas" panose="020B0609020204030204" pitchFamily="49" charset="0"/>
+              </a:rPr>
+              <a:t> </a:t>
+            </a:r>
+            <a:r>
+              <a:rPr lang="en-US" altLang="ko-KR">
+                <a:solidFill>
+                  <a:srgbClr val="E06C75"/>
+                </a:solidFill>
+                <a:latin typeface="Consolas" panose="020B0609020204030204" pitchFamily="49" charset="0"/>
+              </a:rPr>
+              <a:t>topHeight</a:t>
+            </a:r>
+            <a:r>
+              <a:rPr lang="en-US" altLang="ko-KR">
+                <a:solidFill>
+                  <a:srgbClr val="ABB2BF"/>
+                </a:solidFill>
+                <a:latin typeface="Consolas" panose="020B0609020204030204" pitchFamily="49" charset="0"/>
+              </a:rPr>
+              <a:t> </a:t>
+            </a:r>
+            <a:r>
+              <a:rPr lang="en-US" altLang="ko-KR">
+                <a:solidFill>
+                  <a:srgbClr val="56B6C2"/>
+                </a:solidFill>
+                <a:latin typeface="Consolas" panose="020B0609020204030204" pitchFamily="49" charset="0"/>
+              </a:rPr>
+              <a:t>=</a:t>
+            </a:r>
+            <a:r>
+              <a:rPr lang="en-US" altLang="ko-KR">
+                <a:solidFill>
+                  <a:srgbClr val="ABB2BF"/>
+                </a:solidFill>
+                <a:latin typeface="Consolas" panose="020B0609020204030204" pitchFamily="49" charset="0"/>
+              </a:rPr>
+              <a:t> </a:t>
+            </a:r>
+            <a:r>
+              <a:rPr lang="en-US" altLang="ko-KR">
+                <a:solidFill>
+                  <a:srgbClr val="D19A66"/>
+                </a:solidFill>
+                <a:latin typeface="Consolas" panose="020B0609020204030204" pitchFamily="49" charset="0"/>
+              </a:rPr>
+              <a:t>0</a:t>
+            </a:r>
+            <a:r>
+              <a:rPr lang="en-US" altLang="ko-KR">
+                <a:solidFill>
+                  <a:srgbClr val="ABB2BF"/>
+                </a:solidFill>
+                <a:latin typeface="Consolas" panose="020B0609020204030204" pitchFamily="49" charset="0"/>
+              </a:rPr>
+              <a:t>; </a:t>
+            </a:r>
+            <a:r>
+              <a:rPr lang="en-US" altLang="ko-KR" i="1">
+                <a:solidFill>
+                  <a:srgbClr val="7F848E"/>
+                </a:solidFill>
+                <a:latin typeface="Consolas" panose="020B0609020204030204" pitchFamily="49" charset="0"/>
+              </a:rPr>
+              <a:t>//</a:t>
+            </a:r>
+            <a:r>
+              <a:rPr lang="ko-KR" altLang="en-US" i="1">
+                <a:solidFill>
+                  <a:srgbClr val="7F848E"/>
+                </a:solidFill>
+                <a:latin typeface="Consolas" panose="020B0609020204030204" pitchFamily="49" charset="0"/>
+              </a:rPr>
+              <a:t>높이</a:t>
+            </a:r>
+            <a:endParaRPr lang="en-US" altLang="ko-KR" i="1">
+              <a:solidFill>
+                <a:srgbClr val="7F848E"/>
+              </a:solidFill>
+              <a:latin typeface="Consolas" panose="020B0609020204030204" pitchFamily="49" charset="0"/>
+            </a:endParaRPr>
+          </a:p>
+        </p:txBody>
+      </p:sp>
     </p:spTree>
     <p:extLst>
       <p:ext uri="{BB962C8B-B14F-4D97-AF65-F5344CB8AC3E}">
-        <p14:creationId xmlns:p14="http://schemas.microsoft.com/office/powerpoint/2010/main" val="1511566443"/>
+        <p14:creationId xmlns:p14="http://schemas.microsoft.com/office/powerpoint/2010/main" val="2009467035"/>
       </p:ext>
     </p:extLst>
   </p:cSld>
@@ -3811,7 +4124,1529 @@
 </p:sld>
 </file>
 
-<file path=ppt/slides/slide10.xml><?xml version="1.0" encoding="utf-8"?>
+<file path=ppt/slides/slide12.xml><?xml version="1.0" encoding="utf-8"?>
+<p:sld xmlns:a="http://schemas.openxmlformats.org/drawingml/2006/main" xmlns:r="http://schemas.openxmlformats.org/officeDocument/2006/relationships" xmlns:p="http://schemas.openxmlformats.org/presentationml/2006/main">
+  <p:cSld>
+    <p:spTree>
+      <p:nvGrpSpPr>
+        <p:cNvPr id="1" name=""/>
+        <p:cNvGrpSpPr/>
+        <p:nvPr/>
+      </p:nvGrpSpPr>
+      <p:grpSpPr>
+        <a:xfrm>
+          <a:off x="0" y="0"/>
+          <a:ext cx="0" cy="0"/>
+          <a:chOff x="0" y="0"/>
+          <a:chExt cx="0" cy="0"/>
+        </a:xfrm>
+      </p:grpSpPr>
+      <p:sp>
+        <p:nvSpPr>
+          <p:cNvPr id="4" name="Rectangle 3"/>
+          <p:cNvSpPr/>
+          <p:nvPr/>
+        </p:nvSpPr>
+        <p:spPr>
+          <a:xfrm>
+            <a:off x="771144" y="1325880"/>
+            <a:ext cx="10686288" cy="5262979"/>
+          </a:xfrm>
+          <a:prstGeom prst="rect">
+            <a:avLst/>
+          </a:prstGeom>
+        </p:spPr>
+        <p:txBody>
+          <a:bodyPr wrap="square">
+            <a:spAutoFit/>
+          </a:bodyPr>
+          <a:lstStyle/>
+          <a:p>
+            <a:r>
+              <a:rPr lang="en-US" altLang="ko-KR" sz="2400">
+                <a:solidFill>
+                  <a:srgbClr val="C678DD"/>
+                </a:solidFill>
+                <a:latin typeface="Consolas" panose="020B0609020204030204" pitchFamily="49" charset="0"/>
+              </a:rPr>
+              <a:t>function</a:t>
+            </a:r>
+            <a:r>
+              <a:rPr lang="en-US" altLang="ko-KR" sz="2400">
+                <a:solidFill>
+                  <a:srgbClr val="ABB2BF"/>
+                </a:solidFill>
+                <a:latin typeface="Consolas" panose="020B0609020204030204" pitchFamily="49" charset="0"/>
+              </a:rPr>
+              <a:t> </a:t>
+            </a:r>
+            <a:r>
+              <a:rPr lang="en-US" altLang="ko-KR" sz="2400" err="1">
+                <a:solidFill>
+                  <a:srgbClr val="61AFEF"/>
+                </a:solidFill>
+                <a:latin typeface="Consolas" panose="020B0609020204030204" pitchFamily="49" charset="0"/>
+              </a:rPr>
+              <a:t>calculateTallestSlide</a:t>
+            </a:r>
+            <a:r>
+              <a:rPr lang="en-US" altLang="ko-KR" sz="2400">
+                <a:solidFill>
+                  <a:srgbClr val="ABB2BF"/>
+                </a:solidFill>
+                <a:latin typeface="Consolas" panose="020B0609020204030204" pitchFamily="49" charset="0"/>
+              </a:rPr>
+              <a:t>(){</a:t>
+            </a:r>
+          </a:p>
+          <a:p>
+            <a:r>
+              <a:rPr lang="en-US" altLang="ko-KR" sz="2400">
+                <a:solidFill>
+                  <a:srgbClr val="ABB2BF"/>
+                </a:solidFill>
+                <a:latin typeface="Consolas" panose="020B0609020204030204" pitchFamily="49" charset="0"/>
+              </a:rPr>
+              <a:t/>
+            </a:r>
+            <a:br>
+              <a:rPr lang="en-US" altLang="ko-KR" sz="2400">
+                <a:solidFill>
+                  <a:srgbClr val="ABB2BF"/>
+                </a:solidFill>
+                <a:latin typeface="Consolas" panose="020B0609020204030204" pitchFamily="49" charset="0"/>
+              </a:rPr>
+            </a:br>
+            <a:r>
+              <a:rPr lang="en-US" altLang="ko-KR" sz="2400">
+                <a:solidFill>
+                  <a:srgbClr val="ABB2BF"/>
+                </a:solidFill>
+                <a:latin typeface="Consolas" panose="020B0609020204030204" pitchFamily="49" charset="0"/>
+              </a:rPr>
+              <a:t>    </a:t>
+            </a:r>
+            <a:r>
+              <a:rPr lang="en-US" altLang="ko-KR" sz="2400">
+                <a:solidFill>
+                  <a:srgbClr val="C678DD"/>
+                </a:solidFill>
+                <a:latin typeface="Consolas" panose="020B0609020204030204" pitchFamily="49" charset="0"/>
+              </a:rPr>
+              <a:t>for</a:t>
+            </a:r>
+            <a:r>
+              <a:rPr lang="en-US" altLang="ko-KR" sz="2400">
+                <a:solidFill>
+                  <a:srgbClr val="ABB2BF"/>
+                </a:solidFill>
+                <a:latin typeface="Consolas" panose="020B0609020204030204" pitchFamily="49" charset="0"/>
+              </a:rPr>
+              <a:t>( </a:t>
+            </a:r>
+            <a:r>
+              <a:rPr lang="en-US" altLang="ko-KR" sz="2400" err="1">
+                <a:solidFill>
+                  <a:srgbClr val="C678DD"/>
+                </a:solidFill>
+                <a:latin typeface="Consolas" panose="020B0609020204030204" pitchFamily="49" charset="0"/>
+              </a:rPr>
+              <a:t>var</a:t>
+            </a:r>
+            <a:r>
+              <a:rPr lang="en-US" altLang="ko-KR" sz="2400">
+                <a:solidFill>
+                  <a:srgbClr val="ABB2BF"/>
+                </a:solidFill>
+                <a:latin typeface="Consolas" panose="020B0609020204030204" pitchFamily="49" charset="0"/>
+              </a:rPr>
+              <a:t> </a:t>
+            </a:r>
+            <a:r>
+              <a:rPr lang="en-US" altLang="ko-KR" sz="2400" err="1">
+                <a:solidFill>
+                  <a:srgbClr val="E06C75"/>
+                </a:solidFill>
+                <a:latin typeface="Consolas" panose="020B0609020204030204" pitchFamily="49" charset="0"/>
+              </a:rPr>
+              <a:t>i</a:t>
+            </a:r>
+            <a:r>
+              <a:rPr lang="en-US" altLang="ko-KR" sz="2400">
+                <a:solidFill>
+                  <a:srgbClr val="ABB2BF"/>
+                </a:solidFill>
+                <a:latin typeface="Consolas" panose="020B0609020204030204" pitchFamily="49" charset="0"/>
+              </a:rPr>
+              <a:t> </a:t>
+            </a:r>
+            <a:r>
+              <a:rPr lang="en-US" altLang="ko-KR" sz="2400">
+                <a:solidFill>
+                  <a:srgbClr val="56B6C2"/>
+                </a:solidFill>
+                <a:latin typeface="Consolas" panose="020B0609020204030204" pitchFamily="49" charset="0"/>
+              </a:rPr>
+              <a:t>=</a:t>
+            </a:r>
+            <a:r>
+              <a:rPr lang="en-US" altLang="ko-KR" sz="2400">
+                <a:solidFill>
+                  <a:srgbClr val="ABB2BF"/>
+                </a:solidFill>
+                <a:latin typeface="Consolas" panose="020B0609020204030204" pitchFamily="49" charset="0"/>
+              </a:rPr>
+              <a:t> </a:t>
+            </a:r>
+            <a:r>
+              <a:rPr lang="en-US" altLang="ko-KR" sz="2400">
+                <a:solidFill>
+                  <a:srgbClr val="D19A66"/>
+                </a:solidFill>
+                <a:latin typeface="Consolas" panose="020B0609020204030204" pitchFamily="49" charset="0"/>
+              </a:rPr>
+              <a:t>0</a:t>
+            </a:r>
+            <a:r>
+              <a:rPr lang="en-US" altLang="ko-KR" sz="2400">
+                <a:solidFill>
+                  <a:srgbClr val="ABB2BF"/>
+                </a:solidFill>
+                <a:latin typeface="Consolas" panose="020B0609020204030204" pitchFamily="49" charset="0"/>
+              </a:rPr>
+              <a:t>; </a:t>
+            </a:r>
+            <a:r>
+              <a:rPr lang="en-US" altLang="ko-KR" sz="2400" err="1">
+                <a:solidFill>
+                  <a:srgbClr val="E06C75"/>
+                </a:solidFill>
+                <a:latin typeface="Consolas" panose="020B0609020204030204" pitchFamily="49" charset="0"/>
+              </a:rPr>
+              <a:t>i</a:t>
+            </a:r>
+            <a:r>
+              <a:rPr lang="en-US" altLang="ko-KR" sz="2400">
+                <a:solidFill>
+                  <a:srgbClr val="ABB2BF"/>
+                </a:solidFill>
+                <a:latin typeface="Consolas" panose="020B0609020204030204" pitchFamily="49" charset="0"/>
+              </a:rPr>
+              <a:t> </a:t>
+            </a:r>
+            <a:r>
+              <a:rPr lang="en-US" altLang="ko-KR" sz="2400">
+                <a:solidFill>
+                  <a:srgbClr val="56B6C2"/>
+                </a:solidFill>
+                <a:latin typeface="Consolas" panose="020B0609020204030204" pitchFamily="49" charset="0"/>
+              </a:rPr>
+              <a:t>&lt;</a:t>
+            </a:r>
+            <a:r>
+              <a:rPr lang="en-US" altLang="ko-KR" sz="2400">
+                <a:solidFill>
+                  <a:srgbClr val="ABB2BF"/>
+                </a:solidFill>
+                <a:latin typeface="Consolas" panose="020B0609020204030204" pitchFamily="49" charset="0"/>
+              </a:rPr>
+              <a:t> </a:t>
+            </a:r>
+            <a:r>
+              <a:rPr lang="en-US" altLang="ko-KR" sz="2400" err="1">
+                <a:solidFill>
+                  <a:srgbClr val="E06C75"/>
+                </a:solidFill>
+                <a:latin typeface="Consolas" panose="020B0609020204030204" pitchFamily="49" charset="0"/>
+              </a:rPr>
+              <a:t>slideCount</a:t>
+            </a:r>
+            <a:r>
+              <a:rPr lang="en-US" altLang="ko-KR" sz="2400">
+                <a:solidFill>
+                  <a:srgbClr val="ABB2BF"/>
+                </a:solidFill>
+                <a:latin typeface="Consolas" panose="020B0609020204030204" pitchFamily="49" charset="0"/>
+              </a:rPr>
+              <a:t> ; </a:t>
+            </a:r>
+            <a:r>
+              <a:rPr lang="en-US" altLang="ko-KR" sz="2400" err="1">
+                <a:solidFill>
+                  <a:srgbClr val="E06C75"/>
+                </a:solidFill>
+                <a:latin typeface="Consolas" panose="020B0609020204030204" pitchFamily="49" charset="0"/>
+              </a:rPr>
+              <a:t>i</a:t>
+            </a:r>
+            <a:r>
+              <a:rPr lang="en-US" altLang="ko-KR" sz="2400">
+                <a:solidFill>
+                  <a:srgbClr val="56B6C2"/>
+                </a:solidFill>
+                <a:latin typeface="Consolas" panose="020B0609020204030204" pitchFamily="49" charset="0"/>
+              </a:rPr>
+              <a:t>++</a:t>
+            </a:r>
+            <a:r>
+              <a:rPr lang="en-US" altLang="ko-KR" sz="2400">
+                <a:solidFill>
+                  <a:srgbClr val="ABB2BF"/>
+                </a:solidFill>
+                <a:latin typeface="Consolas" panose="020B0609020204030204" pitchFamily="49" charset="0"/>
+              </a:rPr>
+              <a:t> </a:t>
+            </a:r>
+            <a:r>
+              <a:rPr lang="en-US" altLang="ko-KR" sz="2400" smtClean="0">
+                <a:solidFill>
+                  <a:srgbClr val="ABB2BF"/>
+                </a:solidFill>
+                <a:latin typeface="Consolas" panose="020B0609020204030204" pitchFamily="49" charset="0"/>
+              </a:rPr>
+              <a:t>)</a:t>
+            </a:r>
+          </a:p>
+          <a:p>
+            <a:r>
+              <a:rPr lang="en-US" altLang="ko-KR" sz="2400">
+                <a:solidFill>
+                  <a:srgbClr val="ABB2BF"/>
+                </a:solidFill>
+                <a:latin typeface="Consolas" panose="020B0609020204030204" pitchFamily="49" charset="0"/>
+              </a:rPr>
+              <a:t>	</a:t>
+            </a:r>
+            <a:r>
+              <a:rPr lang="en-US" altLang="ko-KR" sz="2400" smtClean="0">
+                <a:solidFill>
+                  <a:srgbClr val="ABB2BF"/>
+                </a:solidFill>
+                <a:latin typeface="Consolas" panose="020B0609020204030204" pitchFamily="49" charset="0"/>
+              </a:rPr>
+              <a:t>{</a:t>
+            </a:r>
+            <a:r>
+              <a:rPr lang="en-US" altLang="ko-KR" sz="2400" smtClean="0">
+                <a:solidFill>
+                  <a:srgbClr val="C678DD"/>
+                </a:solidFill>
+                <a:latin typeface="Consolas" panose="020B0609020204030204" pitchFamily="49" charset="0"/>
+              </a:rPr>
+              <a:t>if</a:t>
+            </a:r>
+            <a:r>
+              <a:rPr lang="en-US" altLang="ko-KR" sz="2400" smtClean="0">
+                <a:solidFill>
+                  <a:srgbClr val="ABB2BF"/>
+                </a:solidFill>
+                <a:latin typeface="Consolas" panose="020B0609020204030204" pitchFamily="49" charset="0"/>
+              </a:rPr>
+              <a:t>(</a:t>
+            </a:r>
+            <a:r>
+              <a:rPr lang="en-US" altLang="ko-KR" sz="2400" smtClean="0">
+                <a:solidFill>
+                  <a:srgbClr val="E06C75"/>
+                </a:solidFill>
+                <a:latin typeface="Consolas" panose="020B0609020204030204" pitchFamily="49" charset="0"/>
+              </a:rPr>
+              <a:t>slides</a:t>
+            </a:r>
+            <a:r>
+              <a:rPr lang="en-US" altLang="ko-KR" sz="2400" smtClean="0">
+                <a:solidFill>
+                  <a:srgbClr val="ABB2BF"/>
+                </a:solidFill>
+                <a:latin typeface="Consolas" panose="020B0609020204030204" pitchFamily="49" charset="0"/>
+              </a:rPr>
+              <a:t>[</a:t>
+            </a:r>
+            <a:r>
+              <a:rPr lang="en-US" altLang="ko-KR" sz="2400" smtClean="0">
+                <a:solidFill>
+                  <a:srgbClr val="E06C75"/>
+                </a:solidFill>
+                <a:latin typeface="Consolas" panose="020B0609020204030204" pitchFamily="49" charset="0"/>
+              </a:rPr>
+              <a:t>i</a:t>
+            </a:r>
+            <a:r>
+              <a:rPr lang="en-US" altLang="ko-KR" sz="2400">
+                <a:solidFill>
+                  <a:srgbClr val="ABB2BF"/>
+                </a:solidFill>
+                <a:latin typeface="Consolas" panose="020B0609020204030204" pitchFamily="49" charset="0"/>
+              </a:rPr>
+              <a:t>].</a:t>
+            </a:r>
+            <a:r>
+              <a:rPr lang="en-US" altLang="ko-KR" sz="2400" err="1">
+                <a:solidFill>
+                  <a:srgbClr val="E06C75"/>
+                </a:solidFill>
+                <a:latin typeface="Consolas" panose="020B0609020204030204" pitchFamily="49" charset="0"/>
+              </a:rPr>
+              <a:t>offsetHeight</a:t>
+            </a:r>
+            <a:r>
+              <a:rPr lang="en-US" altLang="ko-KR" sz="2400">
+                <a:solidFill>
+                  <a:srgbClr val="ABB2BF"/>
+                </a:solidFill>
+                <a:latin typeface="Consolas" panose="020B0609020204030204" pitchFamily="49" charset="0"/>
+              </a:rPr>
+              <a:t> </a:t>
+            </a:r>
+            <a:r>
+              <a:rPr lang="en-US" altLang="ko-KR" sz="2400">
+                <a:solidFill>
+                  <a:srgbClr val="56B6C2"/>
+                </a:solidFill>
+                <a:latin typeface="Consolas" panose="020B0609020204030204" pitchFamily="49" charset="0"/>
+              </a:rPr>
+              <a:t>&gt;</a:t>
+            </a:r>
+            <a:r>
+              <a:rPr lang="en-US" altLang="ko-KR" sz="2400">
+                <a:solidFill>
+                  <a:srgbClr val="ABB2BF"/>
+                </a:solidFill>
+                <a:latin typeface="Consolas" panose="020B0609020204030204" pitchFamily="49" charset="0"/>
+              </a:rPr>
+              <a:t> </a:t>
+            </a:r>
+            <a:r>
+              <a:rPr lang="en-US" altLang="ko-KR" sz="2400" smtClean="0">
+                <a:solidFill>
+                  <a:srgbClr val="E06C75"/>
+                </a:solidFill>
+                <a:latin typeface="Consolas" panose="020B0609020204030204" pitchFamily="49" charset="0"/>
+              </a:rPr>
+              <a:t>topHeight</a:t>
+            </a:r>
+            <a:r>
+              <a:rPr lang="en-US" altLang="ko-KR" sz="2400" smtClean="0">
+                <a:solidFill>
+                  <a:srgbClr val="ABB2BF"/>
+                </a:solidFill>
+                <a:latin typeface="Consolas" panose="020B0609020204030204" pitchFamily="49" charset="0"/>
+              </a:rPr>
+              <a:t>)</a:t>
+            </a:r>
+          </a:p>
+          <a:p>
+            <a:r>
+              <a:rPr lang="en-US" altLang="ko-KR" sz="2400">
+                <a:solidFill>
+                  <a:srgbClr val="ABB2BF"/>
+                </a:solidFill>
+                <a:latin typeface="Consolas" panose="020B0609020204030204" pitchFamily="49" charset="0"/>
+              </a:rPr>
+              <a:t>	</a:t>
+            </a:r>
+            <a:r>
+              <a:rPr lang="en-US" altLang="ko-KR" sz="2400" smtClean="0">
+                <a:solidFill>
+                  <a:srgbClr val="ABB2BF"/>
+                </a:solidFill>
+                <a:latin typeface="Consolas" panose="020B0609020204030204" pitchFamily="49" charset="0"/>
+              </a:rPr>
+              <a:t>	{</a:t>
+            </a:r>
+            <a:r>
+              <a:rPr lang="en-US" altLang="ko-KR" sz="2400" smtClean="0">
+                <a:solidFill>
+                  <a:srgbClr val="E06C75"/>
+                </a:solidFill>
+                <a:latin typeface="Consolas" panose="020B0609020204030204" pitchFamily="49" charset="0"/>
+              </a:rPr>
+              <a:t>topHeight</a:t>
+            </a:r>
+            <a:r>
+              <a:rPr lang="en-US" altLang="ko-KR" sz="2400">
+                <a:solidFill>
+                  <a:srgbClr val="ABB2BF"/>
+                </a:solidFill>
+                <a:latin typeface="Consolas" panose="020B0609020204030204" pitchFamily="49" charset="0"/>
+              </a:rPr>
+              <a:t> </a:t>
+            </a:r>
+            <a:r>
+              <a:rPr lang="en-US" altLang="ko-KR" sz="2400">
+                <a:solidFill>
+                  <a:srgbClr val="56B6C2"/>
+                </a:solidFill>
+                <a:latin typeface="Consolas" panose="020B0609020204030204" pitchFamily="49" charset="0"/>
+              </a:rPr>
+              <a:t>=</a:t>
+            </a:r>
+            <a:r>
+              <a:rPr lang="en-US" altLang="ko-KR" sz="2400">
+                <a:solidFill>
+                  <a:srgbClr val="ABB2BF"/>
+                </a:solidFill>
+                <a:latin typeface="Consolas" panose="020B0609020204030204" pitchFamily="49" charset="0"/>
+              </a:rPr>
+              <a:t> </a:t>
+            </a:r>
+            <a:r>
+              <a:rPr lang="en-US" altLang="ko-KR" sz="2400">
+                <a:solidFill>
+                  <a:srgbClr val="E06C75"/>
+                </a:solidFill>
+                <a:latin typeface="Consolas" panose="020B0609020204030204" pitchFamily="49" charset="0"/>
+              </a:rPr>
+              <a:t>slides</a:t>
+            </a:r>
+            <a:r>
+              <a:rPr lang="en-US" altLang="ko-KR" sz="2400">
+                <a:solidFill>
+                  <a:srgbClr val="ABB2BF"/>
+                </a:solidFill>
+                <a:latin typeface="Consolas" panose="020B0609020204030204" pitchFamily="49" charset="0"/>
+              </a:rPr>
+              <a:t>[</a:t>
+            </a:r>
+            <a:r>
+              <a:rPr lang="en-US" altLang="ko-KR" sz="2400" err="1">
+                <a:solidFill>
+                  <a:srgbClr val="E06C75"/>
+                </a:solidFill>
+                <a:latin typeface="Consolas" panose="020B0609020204030204" pitchFamily="49" charset="0"/>
+              </a:rPr>
+              <a:t>i</a:t>
+            </a:r>
+            <a:r>
+              <a:rPr lang="en-US" altLang="ko-KR" sz="2400">
+                <a:solidFill>
+                  <a:srgbClr val="ABB2BF"/>
+                </a:solidFill>
+                <a:latin typeface="Consolas" panose="020B0609020204030204" pitchFamily="49" charset="0"/>
+              </a:rPr>
+              <a:t>].</a:t>
+            </a:r>
+            <a:r>
+              <a:rPr lang="en-US" altLang="ko-KR" sz="2400" err="1">
+                <a:solidFill>
+                  <a:srgbClr val="E06C75"/>
+                </a:solidFill>
+                <a:latin typeface="Consolas" panose="020B0609020204030204" pitchFamily="49" charset="0"/>
+              </a:rPr>
+              <a:t>offsetHeight</a:t>
+            </a:r>
+            <a:r>
+              <a:rPr lang="en-US" altLang="ko-KR" sz="2400" smtClean="0">
+                <a:solidFill>
+                  <a:srgbClr val="ABB2BF"/>
+                </a:solidFill>
+                <a:latin typeface="Consolas" panose="020B0609020204030204" pitchFamily="49" charset="0"/>
+              </a:rPr>
+              <a:t>;}}</a:t>
+            </a:r>
+            <a:endParaRPr lang="en-US" altLang="ko-KR" sz="2400">
+              <a:solidFill>
+                <a:srgbClr val="ABB2BF"/>
+              </a:solidFill>
+              <a:latin typeface="Consolas" panose="020B0609020204030204" pitchFamily="49" charset="0"/>
+            </a:endParaRPr>
+          </a:p>
+          <a:p>
+            <a:r>
+              <a:rPr lang="en-US" altLang="ko-KR" sz="2400">
+                <a:solidFill>
+                  <a:srgbClr val="ABB2BF"/>
+                </a:solidFill>
+                <a:latin typeface="Consolas" panose="020B0609020204030204" pitchFamily="49" charset="0"/>
+              </a:rPr>
+              <a:t/>
+            </a:r>
+            <a:br>
+              <a:rPr lang="en-US" altLang="ko-KR" sz="2400">
+                <a:solidFill>
+                  <a:srgbClr val="ABB2BF"/>
+                </a:solidFill>
+                <a:latin typeface="Consolas" panose="020B0609020204030204" pitchFamily="49" charset="0"/>
+              </a:rPr>
+            </a:br>
+            <a:r>
+              <a:rPr lang="en-US" altLang="ko-KR" sz="2400">
+                <a:solidFill>
+                  <a:srgbClr val="ABB2BF"/>
+                </a:solidFill>
+                <a:latin typeface="Consolas" panose="020B0609020204030204" pitchFamily="49" charset="0"/>
+              </a:rPr>
+              <a:t>    </a:t>
+            </a:r>
+            <a:r>
+              <a:rPr lang="en-US" altLang="ko-KR" sz="2400" err="1">
+                <a:solidFill>
+                  <a:srgbClr val="E06C75"/>
+                </a:solidFill>
+                <a:latin typeface="Consolas" panose="020B0609020204030204" pitchFamily="49" charset="0"/>
+              </a:rPr>
+              <a:t>slideWrapper</a:t>
+            </a:r>
+            <a:r>
+              <a:rPr lang="en-US" altLang="ko-KR" sz="2400">
+                <a:solidFill>
+                  <a:srgbClr val="ABB2BF"/>
+                </a:solidFill>
+                <a:latin typeface="Consolas" panose="020B0609020204030204" pitchFamily="49" charset="0"/>
+              </a:rPr>
+              <a:t>[</a:t>
+            </a:r>
+            <a:r>
+              <a:rPr lang="en-US" altLang="ko-KR" sz="2400">
+                <a:solidFill>
+                  <a:srgbClr val="D19A66"/>
+                </a:solidFill>
+                <a:latin typeface="Consolas" panose="020B0609020204030204" pitchFamily="49" charset="0"/>
+              </a:rPr>
+              <a:t>0</a:t>
+            </a:r>
+            <a:r>
+              <a:rPr lang="en-US" altLang="ko-KR" sz="2400">
+                <a:solidFill>
+                  <a:srgbClr val="ABB2BF"/>
+                </a:solidFill>
+                <a:latin typeface="Consolas" panose="020B0609020204030204" pitchFamily="49" charset="0"/>
+              </a:rPr>
+              <a:t>].</a:t>
+            </a:r>
+            <a:r>
+              <a:rPr lang="en-US" altLang="ko-KR" sz="2400" err="1">
+                <a:solidFill>
+                  <a:srgbClr val="E06C75"/>
+                </a:solidFill>
+                <a:latin typeface="Consolas" panose="020B0609020204030204" pitchFamily="49" charset="0"/>
+              </a:rPr>
+              <a:t>style</a:t>
+            </a:r>
+            <a:r>
+              <a:rPr lang="en-US" altLang="ko-KR" sz="2400" err="1">
+                <a:solidFill>
+                  <a:srgbClr val="ABB2BF"/>
+                </a:solidFill>
+                <a:latin typeface="Consolas" panose="020B0609020204030204" pitchFamily="49" charset="0"/>
+              </a:rPr>
+              <a:t>.</a:t>
+            </a:r>
+            <a:r>
+              <a:rPr lang="en-US" altLang="ko-KR" sz="2400" err="1">
+                <a:solidFill>
+                  <a:srgbClr val="E06C75"/>
+                </a:solidFill>
+                <a:latin typeface="Consolas" panose="020B0609020204030204" pitchFamily="49" charset="0"/>
+              </a:rPr>
+              <a:t>height</a:t>
+            </a:r>
+            <a:r>
+              <a:rPr lang="en-US" altLang="ko-KR" sz="2400">
+                <a:solidFill>
+                  <a:srgbClr val="ABB2BF"/>
+                </a:solidFill>
+                <a:latin typeface="Consolas" panose="020B0609020204030204" pitchFamily="49" charset="0"/>
+              </a:rPr>
+              <a:t> </a:t>
+            </a:r>
+            <a:r>
+              <a:rPr lang="en-US" altLang="ko-KR" sz="2400">
+                <a:solidFill>
+                  <a:srgbClr val="56B6C2"/>
+                </a:solidFill>
+                <a:latin typeface="Consolas" panose="020B0609020204030204" pitchFamily="49" charset="0"/>
+              </a:rPr>
+              <a:t>=</a:t>
+            </a:r>
+            <a:r>
+              <a:rPr lang="en-US" altLang="ko-KR" sz="2400">
+                <a:solidFill>
+                  <a:srgbClr val="ABB2BF"/>
+                </a:solidFill>
+                <a:latin typeface="Consolas" panose="020B0609020204030204" pitchFamily="49" charset="0"/>
+              </a:rPr>
+              <a:t> </a:t>
+            </a:r>
+            <a:r>
+              <a:rPr lang="en-US" altLang="ko-KR" sz="2400" err="1">
+                <a:solidFill>
+                  <a:srgbClr val="E06C75"/>
+                </a:solidFill>
+                <a:latin typeface="Consolas" panose="020B0609020204030204" pitchFamily="49" charset="0"/>
+              </a:rPr>
+              <a:t>topHeight</a:t>
+            </a:r>
+            <a:r>
+              <a:rPr lang="en-US" altLang="ko-KR" sz="2400">
+                <a:solidFill>
+                  <a:srgbClr val="ABB2BF"/>
+                </a:solidFill>
+                <a:latin typeface="Consolas" panose="020B0609020204030204" pitchFamily="49" charset="0"/>
+              </a:rPr>
+              <a:t> </a:t>
+            </a:r>
+            <a:r>
+              <a:rPr lang="en-US" altLang="ko-KR" sz="2400">
+                <a:solidFill>
+                  <a:srgbClr val="56B6C2"/>
+                </a:solidFill>
+                <a:latin typeface="Consolas" panose="020B0609020204030204" pitchFamily="49" charset="0"/>
+              </a:rPr>
+              <a:t>+</a:t>
+            </a:r>
+            <a:r>
+              <a:rPr lang="en-US" altLang="ko-KR" sz="2400">
+                <a:solidFill>
+                  <a:srgbClr val="ABB2BF"/>
+                </a:solidFill>
+                <a:latin typeface="Consolas" panose="020B0609020204030204" pitchFamily="49" charset="0"/>
+              </a:rPr>
+              <a:t> </a:t>
+            </a:r>
+            <a:r>
+              <a:rPr lang="en-US" altLang="ko-KR" sz="2400">
+                <a:solidFill>
+                  <a:srgbClr val="98C379"/>
+                </a:solidFill>
+                <a:latin typeface="Consolas" panose="020B0609020204030204" pitchFamily="49" charset="0"/>
+              </a:rPr>
+              <a:t>'</a:t>
+            </a:r>
+            <a:r>
+              <a:rPr lang="en-US" altLang="ko-KR" sz="2400" err="1">
+                <a:solidFill>
+                  <a:srgbClr val="98C379"/>
+                </a:solidFill>
+                <a:latin typeface="Consolas" panose="020B0609020204030204" pitchFamily="49" charset="0"/>
+              </a:rPr>
+              <a:t>px</a:t>
+            </a:r>
+            <a:r>
+              <a:rPr lang="en-US" altLang="ko-KR" sz="2400">
+                <a:solidFill>
+                  <a:srgbClr val="98C379"/>
+                </a:solidFill>
+                <a:latin typeface="Consolas" panose="020B0609020204030204" pitchFamily="49" charset="0"/>
+              </a:rPr>
+              <a:t>'</a:t>
+            </a:r>
+            <a:r>
+              <a:rPr lang="en-US" altLang="ko-KR" sz="2400">
+                <a:solidFill>
+                  <a:srgbClr val="ABB2BF"/>
+                </a:solidFill>
+                <a:latin typeface="Consolas" panose="020B0609020204030204" pitchFamily="49" charset="0"/>
+              </a:rPr>
+              <a:t>;</a:t>
+            </a:r>
+          </a:p>
+          <a:p>
+            <a:r>
+              <a:rPr lang="en-US" altLang="ko-KR" sz="2400">
+                <a:solidFill>
+                  <a:srgbClr val="ABB2BF"/>
+                </a:solidFill>
+                <a:latin typeface="Consolas" panose="020B0609020204030204" pitchFamily="49" charset="0"/>
+              </a:rPr>
+              <a:t>    </a:t>
+            </a:r>
+            <a:r>
+              <a:rPr lang="en-US" altLang="ko-KR" sz="2400" err="1">
+                <a:solidFill>
+                  <a:srgbClr val="E06C75"/>
+                </a:solidFill>
+                <a:latin typeface="Consolas" panose="020B0609020204030204" pitchFamily="49" charset="0"/>
+              </a:rPr>
+              <a:t>slideContainer</a:t>
+            </a:r>
+            <a:r>
+              <a:rPr lang="en-US" altLang="ko-KR" sz="2400">
+                <a:solidFill>
+                  <a:srgbClr val="ABB2BF"/>
+                </a:solidFill>
+                <a:latin typeface="Consolas" panose="020B0609020204030204" pitchFamily="49" charset="0"/>
+              </a:rPr>
+              <a:t>[</a:t>
+            </a:r>
+            <a:r>
+              <a:rPr lang="en-US" altLang="ko-KR" sz="2400">
+                <a:solidFill>
+                  <a:srgbClr val="D19A66"/>
+                </a:solidFill>
+                <a:latin typeface="Consolas" panose="020B0609020204030204" pitchFamily="49" charset="0"/>
+              </a:rPr>
+              <a:t>0</a:t>
+            </a:r>
+            <a:r>
+              <a:rPr lang="en-US" altLang="ko-KR" sz="2400">
+                <a:solidFill>
+                  <a:srgbClr val="ABB2BF"/>
+                </a:solidFill>
+                <a:latin typeface="Consolas" panose="020B0609020204030204" pitchFamily="49" charset="0"/>
+              </a:rPr>
+              <a:t>].</a:t>
+            </a:r>
+            <a:r>
+              <a:rPr lang="en-US" altLang="ko-KR" sz="2400" err="1">
+                <a:solidFill>
+                  <a:srgbClr val="E06C75"/>
+                </a:solidFill>
+                <a:latin typeface="Consolas" panose="020B0609020204030204" pitchFamily="49" charset="0"/>
+              </a:rPr>
+              <a:t>style</a:t>
+            </a:r>
+            <a:r>
+              <a:rPr lang="en-US" altLang="ko-KR" sz="2400" err="1">
+                <a:solidFill>
+                  <a:srgbClr val="ABB2BF"/>
+                </a:solidFill>
+                <a:latin typeface="Consolas" panose="020B0609020204030204" pitchFamily="49" charset="0"/>
+              </a:rPr>
+              <a:t>.</a:t>
+            </a:r>
+            <a:r>
+              <a:rPr lang="en-US" altLang="ko-KR" sz="2400" err="1">
+                <a:solidFill>
+                  <a:srgbClr val="E06C75"/>
+                </a:solidFill>
+                <a:latin typeface="Consolas" panose="020B0609020204030204" pitchFamily="49" charset="0"/>
+              </a:rPr>
+              <a:t>height</a:t>
+            </a:r>
+            <a:r>
+              <a:rPr lang="en-US" altLang="ko-KR" sz="2400">
+                <a:solidFill>
+                  <a:srgbClr val="ABB2BF"/>
+                </a:solidFill>
+                <a:latin typeface="Consolas" panose="020B0609020204030204" pitchFamily="49" charset="0"/>
+              </a:rPr>
+              <a:t> </a:t>
+            </a:r>
+            <a:r>
+              <a:rPr lang="en-US" altLang="ko-KR" sz="2400">
+                <a:solidFill>
+                  <a:srgbClr val="56B6C2"/>
+                </a:solidFill>
+                <a:latin typeface="Consolas" panose="020B0609020204030204" pitchFamily="49" charset="0"/>
+              </a:rPr>
+              <a:t>=</a:t>
+            </a:r>
+            <a:r>
+              <a:rPr lang="en-US" altLang="ko-KR" sz="2400">
+                <a:solidFill>
+                  <a:srgbClr val="ABB2BF"/>
+                </a:solidFill>
+                <a:latin typeface="Consolas" panose="020B0609020204030204" pitchFamily="49" charset="0"/>
+              </a:rPr>
+              <a:t> </a:t>
+            </a:r>
+            <a:r>
+              <a:rPr lang="en-US" altLang="ko-KR" sz="2400" err="1">
+                <a:solidFill>
+                  <a:srgbClr val="E06C75"/>
+                </a:solidFill>
+                <a:latin typeface="Consolas" panose="020B0609020204030204" pitchFamily="49" charset="0"/>
+              </a:rPr>
+              <a:t>topHeight</a:t>
+            </a:r>
+            <a:r>
+              <a:rPr lang="en-US" altLang="ko-KR" sz="2400">
+                <a:solidFill>
+                  <a:srgbClr val="ABB2BF"/>
+                </a:solidFill>
+                <a:latin typeface="Consolas" panose="020B0609020204030204" pitchFamily="49" charset="0"/>
+              </a:rPr>
+              <a:t> </a:t>
+            </a:r>
+            <a:r>
+              <a:rPr lang="en-US" altLang="ko-KR" sz="2400">
+                <a:solidFill>
+                  <a:srgbClr val="56B6C2"/>
+                </a:solidFill>
+                <a:latin typeface="Consolas" panose="020B0609020204030204" pitchFamily="49" charset="0"/>
+              </a:rPr>
+              <a:t>+</a:t>
+            </a:r>
+            <a:r>
+              <a:rPr lang="en-US" altLang="ko-KR" sz="2400">
+                <a:solidFill>
+                  <a:srgbClr val="ABB2BF"/>
+                </a:solidFill>
+                <a:latin typeface="Consolas" panose="020B0609020204030204" pitchFamily="49" charset="0"/>
+              </a:rPr>
+              <a:t> </a:t>
+            </a:r>
+            <a:r>
+              <a:rPr lang="en-US" altLang="ko-KR" sz="2400">
+                <a:solidFill>
+                  <a:srgbClr val="98C379"/>
+                </a:solidFill>
+                <a:latin typeface="Consolas" panose="020B0609020204030204" pitchFamily="49" charset="0"/>
+              </a:rPr>
+              <a:t>'</a:t>
+            </a:r>
+            <a:r>
+              <a:rPr lang="en-US" altLang="ko-KR" sz="2400" err="1">
+                <a:solidFill>
+                  <a:srgbClr val="98C379"/>
+                </a:solidFill>
+                <a:latin typeface="Consolas" panose="020B0609020204030204" pitchFamily="49" charset="0"/>
+              </a:rPr>
+              <a:t>px</a:t>
+            </a:r>
+            <a:r>
+              <a:rPr lang="en-US" altLang="ko-KR" sz="2400">
+                <a:solidFill>
+                  <a:srgbClr val="98C379"/>
+                </a:solidFill>
+                <a:latin typeface="Consolas" panose="020B0609020204030204" pitchFamily="49" charset="0"/>
+              </a:rPr>
+              <a:t>'</a:t>
+            </a:r>
+            <a:r>
+              <a:rPr lang="en-US" altLang="ko-KR" sz="2400">
+                <a:solidFill>
+                  <a:srgbClr val="ABB2BF"/>
+                </a:solidFill>
+                <a:latin typeface="Consolas" panose="020B0609020204030204" pitchFamily="49" charset="0"/>
+              </a:rPr>
+              <a:t>;</a:t>
+            </a:r>
+          </a:p>
+          <a:p>
+            <a:endParaRPr lang="en-US" altLang="ko-KR" sz="2400" smtClean="0">
+              <a:solidFill>
+                <a:srgbClr val="ABB2BF"/>
+              </a:solidFill>
+              <a:latin typeface="Consolas" panose="020B0609020204030204" pitchFamily="49" charset="0"/>
+            </a:endParaRPr>
+          </a:p>
+          <a:p>
+            <a:r>
+              <a:rPr lang="en-US" altLang="ko-KR" sz="2400" smtClean="0">
+                <a:solidFill>
+                  <a:srgbClr val="ABB2BF"/>
+                </a:solidFill>
+                <a:latin typeface="Consolas" panose="020B0609020204030204" pitchFamily="49" charset="0"/>
+              </a:rPr>
+              <a:t>}</a:t>
+            </a:r>
+            <a:endParaRPr lang="en-US" altLang="ko-KR" sz="2400">
+              <a:solidFill>
+                <a:srgbClr val="ABB2BF"/>
+              </a:solidFill>
+              <a:latin typeface="Consolas" panose="020B0609020204030204" pitchFamily="49" charset="0"/>
+            </a:endParaRPr>
+          </a:p>
+          <a:p>
+            <a:r>
+              <a:rPr lang="en-US" altLang="ko-KR" sz="2400">
+                <a:solidFill>
+                  <a:srgbClr val="ABB2BF"/>
+                </a:solidFill>
+                <a:latin typeface="Consolas" panose="020B0609020204030204" pitchFamily="49" charset="0"/>
+              </a:rPr>
+              <a:t/>
+            </a:r>
+            <a:br>
+              <a:rPr lang="en-US" altLang="ko-KR" sz="2400">
+                <a:solidFill>
+                  <a:srgbClr val="ABB2BF"/>
+                </a:solidFill>
+                <a:latin typeface="Consolas" panose="020B0609020204030204" pitchFamily="49" charset="0"/>
+              </a:rPr>
+            </a:br>
+            <a:r>
+              <a:rPr lang="en-US" altLang="ko-KR" sz="2400" err="1">
+                <a:solidFill>
+                  <a:srgbClr val="61AFEF"/>
+                </a:solidFill>
+                <a:latin typeface="Consolas" panose="020B0609020204030204" pitchFamily="49" charset="0"/>
+              </a:rPr>
+              <a:t>calculateTallestSlide</a:t>
+            </a:r>
+            <a:r>
+              <a:rPr lang="en-US" altLang="ko-KR" sz="2400">
+                <a:solidFill>
+                  <a:srgbClr val="ABB2BF"/>
+                </a:solidFill>
+                <a:latin typeface="Consolas" panose="020B0609020204030204" pitchFamily="49" charset="0"/>
+              </a:rPr>
+              <a:t>();</a:t>
+            </a:r>
+          </a:p>
+          <a:p>
+            <a:r>
+              <a:rPr lang="en-US" altLang="ko-KR" sz="2400">
+                <a:solidFill>
+                  <a:srgbClr val="ABB2BF"/>
+                </a:solidFill>
+                <a:latin typeface="Consolas" panose="020B0609020204030204" pitchFamily="49" charset="0"/>
+              </a:rPr>
+              <a:t/>
+            </a:r>
+            <a:br>
+              <a:rPr lang="en-US" altLang="ko-KR" sz="2400">
+                <a:solidFill>
+                  <a:srgbClr val="ABB2BF"/>
+                </a:solidFill>
+                <a:latin typeface="Consolas" panose="020B0609020204030204" pitchFamily="49" charset="0"/>
+              </a:rPr>
+            </a:br>
+            <a:endParaRPr lang="en-US" altLang="ko-KR" sz="2400" b="0">
+              <a:solidFill>
+                <a:srgbClr val="ABB2BF"/>
+              </a:solidFill>
+              <a:effectLst/>
+              <a:latin typeface="Consolas" panose="020B0609020204030204" pitchFamily="49" charset="0"/>
+            </a:endParaRPr>
+          </a:p>
+        </p:txBody>
+      </p:sp>
+      <p:sp>
+        <p:nvSpPr>
+          <p:cNvPr id="5" name="Rectangle 4"/>
+          <p:cNvSpPr/>
+          <p:nvPr/>
+        </p:nvSpPr>
+        <p:spPr>
+          <a:xfrm>
+            <a:off x="521512" y="656582"/>
+            <a:ext cx="6886822" cy="369332"/>
+          </a:xfrm>
+          <a:prstGeom prst="rect">
+            <a:avLst/>
+          </a:prstGeom>
+        </p:spPr>
+        <p:txBody>
+          <a:bodyPr wrap="none">
+            <a:spAutoFit/>
+          </a:bodyPr>
+          <a:lstStyle/>
+          <a:p>
+            <a:r>
+              <a:rPr lang="en-US" altLang="ko-KR" i="1" smtClean="0">
+                <a:solidFill>
+                  <a:srgbClr val="7F848E"/>
+                </a:solidFill>
+                <a:latin typeface="Consolas" panose="020B0609020204030204" pitchFamily="49" charset="0"/>
+              </a:rPr>
+              <a:t>// (</a:t>
+            </a:r>
+            <a:r>
+              <a:rPr lang="ko-KR" altLang="en-US" i="1" smtClean="0">
+                <a:solidFill>
+                  <a:srgbClr val="7F848E"/>
+                </a:solidFill>
+                <a:latin typeface="Consolas" panose="020B0609020204030204" pitchFamily="49" charset="0"/>
+              </a:rPr>
+              <a:t>추가</a:t>
+            </a:r>
+            <a:r>
+              <a:rPr lang="en-US" altLang="ko-KR" i="1" smtClean="0">
+                <a:solidFill>
+                  <a:srgbClr val="7F848E"/>
+                </a:solidFill>
+                <a:latin typeface="Consolas" panose="020B0609020204030204" pitchFamily="49" charset="0"/>
+              </a:rPr>
+              <a:t>) </a:t>
+            </a:r>
+            <a:r>
+              <a:rPr lang="ko-KR" altLang="en-US" i="1" smtClean="0">
+                <a:solidFill>
+                  <a:srgbClr val="7F848E"/>
+                </a:solidFill>
+                <a:latin typeface="Consolas" panose="020B0609020204030204" pitchFamily="49" charset="0"/>
+              </a:rPr>
+              <a:t>슬라이드의</a:t>
+            </a:r>
+            <a:r>
+              <a:rPr lang="ko-KR" altLang="en-US" i="1">
+                <a:solidFill>
+                  <a:srgbClr val="7F848E"/>
+                </a:solidFill>
+                <a:latin typeface="Consolas" panose="020B0609020204030204" pitchFamily="49" charset="0"/>
+              </a:rPr>
+              <a:t> 높이 확인하여 부모의 높이로 지정하기</a:t>
+            </a:r>
+            <a:endParaRPr lang="ko-KR" altLang="en-US" b="0">
+              <a:solidFill>
+                <a:srgbClr val="ABB2BF"/>
+              </a:solidFill>
+              <a:effectLst/>
+              <a:latin typeface="Consolas" panose="020B0609020204030204" pitchFamily="49" charset="0"/>
+            </a:endParaRPr>
+          </a:p>
+        </p:txBody>
+      </p:sp>
+    </p:spTree>
+    <p:extLst>
+      <p:ext uri="{BB962C8B-B14F-4D97-AF65-F5344CB8AC3E}">
+        <p14:creationId xmlns:p14="http://schemas.microsoft.com/office/powerpoint/2010/main" val="3551789035"/>
+      </p:ext>
+    </p:extLst>
+  </p:cSld>
+  <p:clrMapOvr>
+    <a:masterClrMapping/>
+  </p:clrMapOvr>
+</p:sld>
+</file>
+
+<file path=ppt/slides/slide13.xml><?xml version="1.0" encoding="utf-8"?>
+<p:sld xmlns:a="http://schemas.openxmlformats.org/drawingml/2006/main" xmlns:r="http://schemas.openxmlformats.org/officeDocument/2006/relationships" xmlns:p="http://schemas.openxmlformats.org/presentationml/2006/main">
+  <p:cSld>
+    <p:spTree>
+      <p:nvGrpSpPr>
+        <p:cNvPr id="1" name=""/>
+        <p:cNvGrpSpPr/>
+        <p:nvPr/>
+      </p:nvGrpSpPr>
+      <p:grpSpPr>
+        <a:xfrm>
+          <a:off x="0" y="0"/>
+          <a:ext cx="0" cy="0"/>
+          <a:chOff x="0" y="0"/>
+          <a:chExt cx="0" cy="0"/>
+        </a:xfrm>
+      </p:grpSpPr>
+      <p:sp>
+        <p:nvSpPr>
+          <p:cNvPr id="4" name="직사각형 3"/>
+          <p:cNvSpPr/>
+          <p:nvPr/>
+        </p:nvSpPr>
+        <p:spPr>
+          <a:xfrm>
+            <a:off x="1976180" y="2250458"/>
+            <a:ext cx="8420896" cy="1015663"/>
+          </a:xfrm>
+          <a:prstGeom prst="rect">
+            <a:avLst/>
+          </a:prstGeom>
+          <a:noFill/>
+        </p:spPr>
+        <p:txBody>
+          <a:bodyPr wrap="none" lIns="91440" tIns="45720" rIns="91440" bIns="45720">
+            <a:spAutoFit/>
+          </a:bodyPr>
+          <a:lstStyle/>
+          <a:p>
+            <a:pPr algn="ctr"/>
+            <a:r>
+              <a:rPr lang="ko-KR" altLang="en-US" sz="6000" dirty="0" smtClean="0">
+                <a:ln w="18415" cmpd="sng">
+                  <a:solidFill>
+                    <a:sysClr val="windowText" lastClr="000000"/>
+                  </a:solidFill>
+                  <a:prstDash val="solid"/>
+                </a:ln>
+                <a:solidFill>
+                  <a:sysClr val="windowText" lastClr="000000"/>
+                </a:solidFill>
+                <a:effectLst>
+                  <a:outerShdw blurRad="63500" dir="3600000" algn="tl" rotWithShape="0">
+                    <a:srgbClr val="000000">
+                      <a:alpha val="70000"/>
+                    </a:srgbClr>
+                  </a:outerShdw>
+                </a:effectLst>
+              </a:rPr>
+              <a:t>끝에서 끝으로 이동하기</a:t>
+            </a:r>
+            <a:endParaRPr lang="en-US" altLang="ko-KR" sz="6000" b="0" cap="none" spc="0" dirty="0" smtClean="0">
+              <a:ln w="18415" cmpd="sng">
+                <a:solidFill>
+                  <a:sysClr val="windowText" lastClr="000000"/>
+                </a:solidFill>
+                <a:prstDash val="solid"/>
+              </a:ln>
+              <a:solidFill>
+                <a:sysClr val="windowText" lastClr="000000"/>
+              </a:solidFill>
+              <a:effectLst>
+                <a:outerShdw blurRad="63500" dir="3600000" algn="tl" rotWithShape="0">
+                  <a:srgbClr val="000000">
+                    <a:alpha val="70000"/>
+                  </a:srgbClr>
+                </a:outerShdw>
+              </a:effectLst>
+            </a:endParaRPr>
+          </a:p>
+        </p:txBody>
+      </p:sp>
+      <p:sp>
+        <p:nvSpPr>
+          <p:cNvPr id="3" name="직사각형 2"/>
+          <p:cNvSpPr/>
+          <p:nvPr/>
+        </p:nvSpPr>
+        <p:spPr>
+          <a:xfrm>
+            <a:off x="1532164" y="3370300"/>
+            <a:ext cx="9308960" cy="1384995"/>
+          </a:xfrm>
+          <a:prstGeom prst="rect">
+            <a:avLst/>
+          </a:prstGeom>
+          <a:noFill/>
+        </p:spPr>
+        <p:txBody>
+          <a:bodyPr wrap="none" lIns="91440" tIns="45720" rIns="91440" bIns="45720">
+            <a:spAutoFit/>
+          </a:bodyPr>
+          <a:lstStyle/>
+          <a:p>
+            <a:pPr algn="ctr"/>
+            <a:r>
+              <a:rPr lang="ko-KR" altLang="en-US" sz="2800" b="0" cap="none" spc="0" dirty="0" smtClean="0">
+                <a:ln w="18415" cmpd="sng">
+                  <a:solidFill>
+                    <a:sysClr val="windowText" lastClr="000000"/>
+                  </a:solidFill>
+                  <a:prstDash val="solid"/>
+                </a:ln>
+                <a:solidFill>
+                  <a:sysClr val="windowText" lastClr="000000"/>
+                </a:solidFill>
+                <a:effectLst>
+                  <a:outerShdw blurRad="63500" dir="3600000" algn="tl" rotWithShape="0">
+                    <a:srgbClr val="000000">
+                      <a:alpha val="70000"/>
+                    </a:srgbClr>
+                  </a:outerShdw>
+                </a:effectLst>
+              </a:rPr>
+              <a:t>버튼 사라지게 </a:t>
+            </a:r>
+            <a:r>
+              <a:rPr lang="ko-KR" altLang="en-US" sz="2800" b="0" cap="none" spc="0" dirty="0" err="1" smtClean="0">
+                <a:ln w="18415" cmpd="sng">
+                  <a:solidFill>
+                    <a:sysClr val="windowText" lastClr="000000"/>
+                  </a:solidFill>
+                  <a:prstDash val="solid"/>
+                </a:ln>
+                <a:solidFill>
+                  <a:sysClr val="windowText" lastClr="000000"/>
+                </a:solidFill>
+                <a:effectLst>
+                  <a:outerShdw blurRad="63500" dir="3600000" algn="tl" rotWithShape="0">
+                    <a:srgbClr val="000000">
+                      <a:alpha val="70000"/>
+                    </a:srgbClr>
+                  </a:outerShdw>
+                </a:effectLst>
+              </a:rPr>
+              <a:t>했던거</a:t>
+            </a:r>
+            <a:r>
+              <a:rPr lang="ko-KR" altLang="en-US" sz="2800" b="0" cap="none" spc="0" dirty="0" smtClean="0">
+                <a:ln w="18415" cmpd="sng">
+                  <a:solidFill>
+                    <a:sysClr val="windowText" lastClr="000000"/>
+                  </a:solidFill>
+                  <a:prstDash val="solid"/>
+                </a:ln>
+                <a:solidFill>
+                  <a:sysClr val="windowText" lastClr="000000"/>
+                </a:solidFill>
+                <a:effectLst>
+                  <a:outerShdw blurRad="63500" dir="3600000" algn="tl" rotWithShape="0">
+                    <a:srgbClr val="000000">
+                      <a:alpha val="70000"/>
+                    </a:srgbClr>
+                  </a:outerShdw>
+                </a:effectLst>
+              </a:rPr>
+              <a:t> 지우고</a:t>
+            </a:r>
+            <a:endParaRPr lang="en-US" altLang="ko-KR" sz="2800" b="0" cap="none" spc="0" dirty="0" smtClean="0">
+              <a:ln w="18415" cmpd="sng">
+                <a:solidFill>
+                  <a:sysClr val="windowText" lastClr="000000"/>
+                </a:solidFill>
+                <a:prstDash val="solid"/>
+              </a:ln>
+              <a:solidFill>
+                <a:sysClr val="windowText" lastClr="000000"/>
+              </a:solidFill>
+              <a:effectLst>
+                <a:outerShdw blurRad="63500" dir="3600000" algn="tl" rotWithShape="0">
+                  <a:srgbClr val="000000">
+                    <a:alpha val="70000"/>
+                  </a:srgbClr>
+                </a:outerShdw>
+              </a:effectLst>
+            </a:endParaRPr>
+          </a:p>
+          <a:p>
+            <a:pPr algn="ctr"/>
+            <a:r>
+              <a:rPr lang="ko-KR" altLang="en-US" sz="2800" dirty="0" smtClean="0">
+                <a:ln w="18415" cmpd="sng">
+                  <a:solidFill>
+                    <a:sysClr val="windowText" lastClr="000000"/>
+                  </a:solidFill>
+                  <a:prstDash val="solid"/>
+                </a:ln>
+                <a:solidFill>
+                  <a:sysClr val="windowText" lastClr="000000"/>
+                </a:solidFill>
+                <a:effectLst>
+                  <a:outerShdw blurRad="63500" dir="3600000" algn="tl" rotWithShape="0">
+                    <a:srgbClr val="000000">
+                      <a:alpha val="70000"/>
+                    </a:srgbClr>
+                  </a:outerShdw>
+                </a:effectLst>
+              </a:rPr>
+              <a:t>처음슬라이드에서 </a:t>
+            </a:r>
+            <a:r>
+              <a:rPr lang="ko-KR" altLang="en-US" sz="2800" dirty="0" err="1" smtClean="0">
+                <a:ln w="18415" cmpd="sng">
+                  <a:solidFill>
+                    <a:sysClr val="windowText" lastClr="000000"/>
+                  </a:solidFill>
+                  <a:prstDash val="solid"/>
+                </a:ln>
+                <a:solidFill>
+                  <a:sysClr val="windowText" lastClr="000000"/>
+                </a:solidFill>
+                <a:effectLst>
+                  <a:outerShdw blurRad="63500" dir="3600000" algn="tl" rotWithShape="0">
+                    <a:srgbClr val="000000">
+                      <a:alpha val="70000"/>
+                    </a:srgbClr>
+                  </a:outerShdw>
+                </a:effectLst>
+              </a:rPr>
+              <a:t>뒤로가기</a:t>
+            </a:r>
+            <a:r>
+              <a:rPr lang="ko-KR" altLang="en-US" sz="2800" dirty="0" smtClean="0">
+                <a:ln w="18415" cmpd="sng">
+                  <a:solidFill>
+                    <a:sysClr val="windowText" lastClr="000000"/>
+                  </a:solidFill>
+                  <a:prstDash val="solid"/>
+                </a:ln>
+                <a:solidFill>
+                  <a:sysClr val="windowText" lastClr="000000"/>
+                </a:solidFill>
+                <a:effectLst>
+                  <a:outerShdw blurRad="63500" dir="3600000" algn="tl" rotWithShape="0">
+                    <a:srgbClr val="000000">
+                      <a:alpha val="70000"/>
+                    </a:srgbClr>
+                  </a:outerShdw>
+                </a:effectLst>
+              </a:rPr>
+              <a:t> 누르면 맨 뒤 슬라이드로</a:t>
+            </a:r>
+            <a:r>
+              <a:rPr lang="en-US" altLang="ko-KR" sz="2800" dirty="0" smtClean="0">
+                <a:ln w="18415" cmpd="sng">
+                  <a:solidFill>
+                    <a:sysClr val="windowText" lastClr="000000"/>
+                  </a:solidFill>
+                  <a:prstDash val="solid"/>
+                </a:ln>
+                <a:solidFill>
+                  <a:sysClr val="windowText" lastClr="000000"/>
+                </a:solidFill>
+                <a:effectLst>
+                  <a:outerShdw blurRad="63500" dir="3600000" algn="tl" rotWithShape="0">
+                    <a:srgbClr val="000000">
+                      <a:alpha val="70000"/>
+                    </a:srgbClr>
+                  </a:outerShdw>
+                </a:effectLst>
+              </a:rPr>
+              <a:t/>
+            </a:r>
+            <a:br>
+              <a:rPr lang="en-US" altLang="ko-KR" sz="2800" dirty="0" smtClean="0">
+                <a:ln w="18415" cmpd="sng">
+                  <a:solidFill>
+                    <a:sysClr val="windowText" lastClr="000000"/>
+                  </a:solidFill>
+                  <a:prstDash val="solid"/>
+                </a:ln>
+                <a:solidFill>
+                  <a:sysClr val="windowText" lastClr="000000"/>
+                </a:solidFill>
+                <a:effectLst>
+                  <a:outerShdw blurRad="63500" dir="3600000" algn="tl" rotWithShape="0">
+                    <a:srgbClr val="000000">
+                      <a:alpha val="70000"/>
+                    </a:srgbClr>
+                  </a:outerShdw>
+                </a:effectLst>
+              </a:rPr>
+            </a:br>
+            <a:r>
+              <a:rPr lang="ko-KR" altLang="en-US" sz="2800" dirty="0" err="1" smtClean="0">
+                <a:ln w="18415" cmpd="sng">
+                  <a:solidFill>
+                    <a:sysClr val="windowText" lastClr="000000"/>
+                  </a:solidFill>
+                  <a:prstDash val="solid"/>
+                </a:ln>
+                <a:solidFill>
+                  <a:sysClr val="windowText" lastClr="000000"/>
+                </a:solidFill>
+                <a:effectLst>
+                  <a:outerShdw blurRad="63500" dir="3600000" algn="tl" rotWithShape="0">
+                    <a:srgbClr val="000000">
+                      <a:alpha val="70000"/>
+                    </a:srgbClr>
+                  </a:outerShdw>
+                </a:effectLst>
+              </a:rPr>
+              <a:t>마지막슬라이드에서</a:t>
+            </a:r>
+            <a:r>
+              <a:rPr lang="ko-KR" altLang="en-US" sz="2800" dirty="0" smtClean="0">
+                <a:ln w="18415" cmpd="sng">
+                  <a:solidFill>
+                    <a:sysClr val="windowText" lastClr="000000"/>
+                  </a:solidFill>
+                  <a:prstDash val="solid"/>
+                </a:ln>
+                <a:solidFill>
+                  <a:sysClr val="windowText" lastClr="000000"/>
+                </a:solidFill>
+                <a:effectLst>
+                  <a:outerShdw blurRad="63500" dir="3600000" algn="tl" rotWithShape="0">
+                    <a:srgbClr val="000000">
+                      <a:alpha val="70000"/>
+                    </a:srgbClr>
+                  </a:outerShdw>
+                </a:effectLst>
+              </a:rPr>
+              <a:t> </a:t>
+            </a:r>
+            <a:r>
+              <a:rPr lang="ko-KR" altLang="en-US" sz="2800" dirty="0" err="1" smtClean="0">
+                <a:ln w="18415" cmpd="sng">
+                  <a:solidFill>
+                    <a:sysClr val="windowText" lastClr="000000"/>
+                  </a:solidFill>
+                  <a:prstDash val="solid"/>
+                </a:ln>
+                <a:solidFill>
+                  <a:sysClr val="windowText" lastClr="000000"/>
+                </a:solidFill>
+                <a:effectLst>
+                  <a:outerShdw blurRad="63500" dir="3600000" algn="tl" rotWithShape="0">
+                    <a:srgbClr val="000000">
+                      <a:alpha val="70000"/>
+                    </a:srgbClr>
+                  </a:outerShdw>
+                </a:effectLst>
+              </a:rPr>
+              <a:t>앞으로가기</a:t>
+            </a:r>
+            <a:r>
+              <a:rPr lang="ko-KR" altLang="en-US" sz="2800" dirty="0" smtClean="0">
+                <a:ln w="18415" cmpd="sng">
+                  <a:solidFill>
+                    <a:sysClr val="windowText" lastClr="000000"/>
+                  </a:solidFill>
+                  <a:prstDash val="solid"/>
+                </a:ln>
+                <a:solidFill>
+                  <a:sysClr val="windowText" lastClr="000000"/>
+                </a:solidFill>
+                <a:effectLst>
+                  <a:outerShdw blurRad="63500" dir="3600000" algn="tl" rotWithShape="0">
+                    <a:srgbClr val="000000">
+                      <a:alpha val="70000"/>
+                    </a:srgbClr>
+                  </a:outerShdw>
+                </a:effectLst>
+              </a:rPr>
+              <a:t> 누르면 </a:t>
+            </a:r>
+            <a:r>
+              <a:rPr lang="ko-KR" altLang="en-US" sz="2800" dirty="0" err="1" smtClean="0">
+                <a:ln w="18415" cmpd="sng">
+                  <a:solidFill>
+                    <a:sysClr val="windowText" lastClr="000000"/>
+                  </a:solidFill>
+                  <a:prstDash val="solid"/>
+                </a:ln>
+                <a:solidFill>
+                  <a:sysClr val="windowText" lastClr="000000"/>
+                </a:solidFill>
+                <a:effectLst>
+                  <a:outerShdw blurRad="63500" dir="3600000" algn="tl" rotWithShape="0">
+                    <a:srgbClr val="000000">
+                      <a:alpha val="70000"/>
+                    </a:srgbClr>
+                  </a:outerShdw>
+                </a:effectLst>
+              </a:rPr>
+              <a:t>맨앞</a:t>
+            </a:r>
+            <a:r>
+              <a:rPr lang="ko-KR" altLang="en-US" sz="2800" dirty="0" smtClean="0">
+                <a:ln w="18415" cmpd="sng">
+                  <a:solidFill>
+                    <a:sysClr val="windowText" lastClr="000000"/>
+                  </a:solidFill>
+                  <a:prstDash val="solid"/>
+                </a:ln>
+                <a:solidFill>
+                  <a:sysClr val="windowText" lastClr="000000"/>
+                </a:solidFill>
+                <a:effectLst>
+                  <a:outerShdw blurRad="63500" dir="3600000" algn="tl" rotWithShape="0">
+                    <a:srgbClr val="000000">
+                      <a:alpha val="70000"/>
+                    </a:srgbClr>
+                  </a:outerShdw>
+                </a:effectLst>
+              </a:rPr>
+              <a:t> 슬라이드로</a:t>
+            </a:r>
+            <a:endParaRPr lang="en-US" altLang="ko-KR" sz="2800" b="0" cap="none" spc="0" dirty="0" smtClean="0">
+              <a:ln w="18415" cmpd="sng">
+                <a:solidFill>
+                  <a:sysClr val="windowText" lastClr="000000"/>
+                </a:solidFill>
+                <a:prstDash val="solid"/>
+              </a:ln>
+              <a:solidFill>
+                <a:sysClr val="windowText" lastClr="000000"/>
+              </a:solidFill>
+              <a:effectLst>
+                <a:outerShdw blurRad="63500" dir="3600000" algn="tl" rotWithShape="0">
+                  <a:srgbClr val="000000">
+                    <a:alpha val="70000"/>
+                  </a:srgbClr>
+                </a:outerShdw>
+              </a:effectLst>
+            </a:endParaRPr>
+          </a:p>
+        </p:txBody>
+      </p:sp>
+    </p:spTree>
+    <p:extLst>
+      <p:ext uri="{BB962C8B-B14F-4D97-AF65-F5344CB8AC3E}">
+        <p14:creationId xmlns:p14="http://schemas.microsoft.com/office/powerpoint/2010/main" val="2154403554"/>
+      </p:ext>
+    </p:extLst>
+  </p:cSld>
+  <p:clrMapOvr>
+    <a:masterClrMapping/>
+  </p:clrMapOvr>
+</p:sld>
+</file>
+
+<file path=ppt/slides/slide14.xml><?xml version="1.0" encoding="utf-8"?>
 <p:sld xmlns:a="http://schemas.openxmlformats.org/drawingml/2006/main" xmlns:r="http://schemas.openxmlformats.org/officeDocument/2006/relationships" xmlns:p="http://schemas.openxmlformats.org/presentationml/2006/main">
   <p:cSld>
     <p:spTree>
@@ -4770,15 +6605,736 @@
           <a:chExt cx="0" cy="0"/>
         </a:xfrm>
       </p:grpSpPr>
+      <p:sp>
+        <p:nvSpPr>
+          <p:cNvPr id="4" name="Rectangle 3"/>
+          <p:cNvSpPr/>
+          <p:nvPr/>
+        </p:nvSpPr>
+        <p:spPr>
+          <a:xfrm>
+            <a:off x="277368" y="232364"/>
+            <a:ext cx="11914632" cy="3539430"/>
+          </a:xfrm>
+          <a:prstGeom prst="rect">
+            <a:avLst/>
+          </a:prstGeom>
+        </p:spPr>
+        <p:txBody>
+          <a:bodyPr wrap="square">
+            <a:spAutoFit/>
+          </a:bodyPr>
+          <a:lstStyle/>
+          <a:p>
+            <a:endParaRPr lang="en-US" altLang="ko-KR" sz="1600" dirty="0" smtClean="0">
+              <a:solidFill>
+                <a:srgbClr val="C678DD"/>
+              </a:solidFill>
+              <a:latin typeface="Consolas" panose="020B0609020204030204" pitchFamily="49" charset="0"/>
+            </a:endParaRPr>
+          </a:p>
+          <a:p>
+            <a:r>
+              <a:rPr lang="en-US" altLang="ko-KR" sz="1600" b="1" dirty="0">
+                <a:solidFill>
+                  <a:srgbClr val="FF0000"/>
+                </a:solidFill>
+                <a:latin typeface="Consolas" panose="020B0609020204030204" pitchFamily="49" charset="0"/>
+              </a:rPr>
+              <a:t>(</a:t>
+            </a:r>
+            <a:r>
+              <a:rPr lang="ko-KR" altLang="en-US" sz="1600" b="1" dirty="0">
+                <a:solidFill>
+                  <a:srgbClr val="FF0000"/>
+                </a:solidFill>
+                <a:latin typeface="Consolas" panose="020B0609020204030204" pitchFamily="49" charset="0"/>
+              </a:rPr>
+              <a:t>슬라이드 </a:t>
+            </a:r>
+            <a:r>
+              <a:rPr lang="ko-KR" altLang="en-US" sz="1600" b="1" dirty="0" smtClean="0">
+                <a:solidFill>
+                  <a:srgbClr val="FF0000"/>
+                </a:solidFill>
+                <a:latin typeface="Consolas" panose="020B0609020204030204" pitchFamily="49" charset="0"/>
+              </a:rPr>
+              <a:t>이동용도</a:t>
+            </a:r>
+            <a:r>
+              <a:rPr lang="en-US" altLang="ko-KR" sz="1600" b="1" dirty="0" smtClean="0">
+                <a:solidFill>
+                  <a:srgbClr val="FF0000"/>
+                </a:solidFill>
+                <a:latin typeface="Consolas" panose="020B0609020204030204" pitchFamily="49" charset="0"/>
+              </a:rPr>
+              <a:t>)</a:t>
+            </a:r>
+            <a:endParaRPr lang="en-US" altLang="ko-KR" sz="1600" dirty="0">
+              <a:solidFill>
+                <a:srgbClr val="C678DD"/>
+              </a:solidFill>
+              <a:latin typeface="Consolas" panose="020B0609020204030204" pitchFamily="49" charset="0"/>
+            </a:endParaRPr>
+          </a:p>
+          <a:p>
+            <a:r>
+              <a:rPr lang="en-US" altLang="ko-KR" sz="1600" dirty="0" err="1" smtClean="0">
+                <a:solidFill>
+                  <a:srgbClr val="C678DD"/>
+                </a:solidFill>
+                <a:latin typeface="Consolas" panose="020B0609020204030204" pitchFamily="49" charset="0"/>
+              </a:rPr>
+              <a:t>var</a:t>
+            </a:r>
+            <a:r>
+              <a:rPr lang="en-US" altLang="ko-KR" sz="1600" dirty="0">
+                <a:solidFill>
+                  <a:srgbClr val="ABB2BF"/>
+                </a:solidFill>
+                <a:latin typeface="Consolas" panose="020B0609020204030204" pitchFamily="49" charset="0"/>
+              </a:rPr>
+              <a:t> </a:t>
+            </a:r>
+            <a:r>
+              <a:rPr lang="en-US" altLang="ko-KR" sz="1600" dirty="0" err="1">
+                <a:solidFill>
+                  <a:srgbClr val="E06C75"/>
+                </a:solidFill>
+                <a:latin typeface="Consolas" panose="020B0609020204030204" pitchFamily="49" charset="0"/>
+              </a:rPr>
+              <a:t>slideContainer</a:t>
+            </a:r>
+            <a:r>
+              <a:rPr lang="en-US" altLang="ko-KR" sz="1600" dirty="0">
+                <a:solidFill>
+                  <a:srgbClr val="ABB2BF"/>
+                </a:solidFill>
+                <a:latin typeface="Consolas" panose="020B0609020204030204" pitchFamily="49" charset="0"/>
+              </a:rPr>
+              <a:t> </a:t>
+            </a:r>
+            <a:r>
+              <a:rPr lang="en-US" altLang="ko-KR" sz="1600" dirty="0">
+                <a:solidFill>
+                  <a:srgbClr val="56B6C2"/>
+                </a:solidFill>
+                <a:latin typeface="Consolas" panose="020B0609020204030204" pitchFamily="49" charset="0"/>
+              </a:rPr>
+              <a:t>=</a:t>
+            </a:r>
+            <a:r>
+              <a:rPr lang="en-US" altLang="ko-KR" sz="1600" dirty="0">
+                <a:solidFill>
+                  <a:srgbClr val="ABB2BF"/>
+                </a:solidFill>
+                <a:latin typeface="Consolas" panose="020B0609020204030204" pitchFamily="49" charset="0"/>
+              </a:rPr>
+              <a:t> </a:t>
+            </a:r>
+            <a:r>
+              <a:rPr lang="en-US" altLang="ko-KR" sz="1600" dirty="0" err="1">
+                <a:solidFill>
+                  <a:srgbClr val="E06C75"/>
+                </a:solidFill>
+                <a:latin typeface="Consolas" panose="020B0609020204030204" pitchFamily="49" charset="0"/>
+              </a:rPr>
+              <a:t>document</a:t>
+            </a:r>
+            <a:r>
+              <a:rPr lang="en-US" altLang="ko-KR" sz="1600" dirty="0" err="1">
+                <a:solidFill>
+                  <a:srgbClr val="ABB2BF"/>
+                </a:solidFill>
+                <a:latin typeface="Consolas" panose="020B0609020204030204" pitchFamily="49" charset="0"/>
+              </a:rPr>
+              <a:t>.</a:t>
+            </a:r>
+            <a:r>
+              <a:rPr lang="en-US" altLang="ko-KR" sz="1600" dirty="0" err="1">
+                <a:solidFill>
+                  <a:srgbClr val="61AFEF"/>
+                </a:solidFill>
+                <a:latin typeface="Consolas" panose="020B0609020204030204" pitchFamily="49" charset="0"/>
+              </a:rPr>
+              <a:t>getElementsByClassName</a:t>
+            </a:r>
+            <a:r>
+              <a:rPr lang="en-US" altLang="ko-KR" sz="1600" dirty="0">
+                <a:solidFill>
+                  <a:srgbClr val="ABB2BF"/>
+                </a:solidFill>
+                <a:latin typeface="Consolas" panose="020B0609020204030204" pitchFamily="49" charset="0"/>
+              </a:rPr>
+              <a:t>(</a:t>
+            </a:r>
+            <a:r>
+              <a:rPr lang="en-US" altLang="ko-KR" sz="1600" dirty="0">
+                <a:solidFill>
+                  <a:srgbClr val="98C379"/>
+                </a:solidFill>
+                <a:latin typeface="Consolas" panose="020B0609020204030204" pitchFamily="49" charset="0"/>
+              </a:rPr>
+              <a:t>'slider-container'</a:t>
+            </a:r>
+            <a:r>
+              <a:rPr lang="en-US" altLang="ko-KR" sz="1600" dirty="0">
+                <a:solidFill>
+                  <a:srgbClr val="ABB2BF"/>
+                </a:solidFill>
+                <a:latin typeface="Consolas" panose="020B0609020204030204" pitchFamily="49" charset="0"/>
+              </a:rPr>
+              <a:t>);  </a:t>
+            </a:r>
+            <a:r>
+              <a:rPr lang="en-US" altLang="ko-KR" sz="1600" i="1" dirty="0">
+                <a:solidFill>
+                  <a:srgbClr val="7F848E"/>
+                </a:solidFill>
+                <a:latin typeface="Consolas" panose="020B0609020204030204" pitchFamily="49" charset="0"/>
+              </a:rPr>
+              <a:t>//</a:t>
+            </a:r>
+            <a:r>
+              <a:rPr lang="ko-KR" altLang="en-US" sz="1600" i="1" dirty="0" err="1">
+                <a:solidFill>
+                  <a:srgbClr val="7F848E"/>
+                </a:solidFill>
+                <a:latin typeface="Consolas" panose="020B0609020204030204" pitchFamily="49" charset="0"/>
+              </a:rPr>
+              <a:t>클래스명</a:t>
+            </a:r>
+            <a:r>
+              <a:rPr lang="ko-KR" altLang="en-US" sz="1600" i="1" dirty="0">
+                <a:solidFill>
+                  <a:srgbClr val="7F848E"/>
+                </a:solidFill>
+                <a:latin typeface="Consolas" panose="020B0609020204030204" pitchFamily="49" charset="0"/>
+              </a:rPr>
+              <a:t> </a:t>
+            </a:r>
+            <a:r>
+              <a:rPr lang="en-US" altLang="ko-KR" sz="1600" i="1" dirty="0" smtClean="0">
+                <a:solidFill>
+                  <a:srgbClr val="7F848E"/>
+                </a:solidFill>
+                <a:latin typeface="Consolas" panose="020B0609020204030204" pitchFamily="49" charset="0"/>
+              </a:rPr>
+              <a:t>slider-container</a:t>
+            </a:r>
+          </a:p>
+          <a:p>
+            <a:endParaRPr lang="en-US" altLang="ko-KR" sz="1600" i="1" dirty="0" smtClean="0">
+              <a:solidFill>
+                <a:srgbClr val="7F848E"/>
+              </a:solidFill>
+              <a:latin typeface="Consolas" panose="020B0609020204030204" pitchFamily="49" charset="0"/>
+            </a:endParaRPr>
+          </a:p>
+          <a:p>
+            <a:endParaRPr lang="en-US" altLang="ko-KR" sz="1600" i="1" dirty="0">
+              <a:solidFill>
+                <a:srgbClr val="7F848E"/>
+              </a:solidFill>
+              <a:latin typeface="Consolas" panose="020B0609020204030204" pitchFamily="49" charset="0"/>
+            </a:endParaRPr>
+          </a:p>
+          <a:p>
+            <a:endParaRPr lang="en-US" altLang="ko-KR" sz="1600" i="1" dirty="0" smtClean="0">
+              <a:solidFill>
+                <a:srgbClr val="7F848E"/>
+              </a:solidFill>
+              <a:latin typeface="Consolas" panose="020B0609020204030204" pitchFamily="49" charset="0"/>
+            </a:endParaRPr>
+          </a:p>
+          <a:p>
+            <a:endParaRPr lang="en-US" altLang="ko-KR" sz="1600" i="1" dirty="0">
+              <a:solidFill>
+                <a:srgbClr val="7F848E"/>
+              </a:solidFill>
+              <a:latin typeface="Consolas" panose="020B0609020204030204" pitchFamily="49" charset="0"/>
+            </a:endParaRPr>
+          </a:p>
+          <a:p>
+            <a:endParaRPr lang="en-US" altLang="ko-KR" sz="1600" i="1" dirty="0">
+              <a:solidFill>
+                <a:srgbClr val="7F848E"/>
+              </a:solidFill>
+              <a:latin typeface="Consolas" panose="020B0609020204030204" pitchFamily="49" charset="0"/>
+            </a:endParaRPr>
+          </a:p>
+          <a:p>
+            <a:r>
+              <a:rPr lang="en-US" altLang="ko-KR" sz="1600" b="1" dirty="0" smtClean="0">
+                <a:solidFill>
+                  <a:srgbClr val="FF0000"/>
+                </a:solidFill>
+                <a:latin typeface="Consolas" panose="020B0609020204030204" pitchFamily="49" charset="0"/>
+              </a:rPr>
+              <a:t>(</a:t>
+            </a:r>
+            <a:r>
+              <a:rPr lang="ko-KR" altLang="en-US" sz="1600" b="1" dirty="0" smtClean="0">
+                <a:solidFill>
+                  <a:srgbClr val="FF0000"/>
+                </a:solidFill>
+                <a:latin typeface="Consolas" panose="020B0609020204030204" pitchFamily="49" charset="0"/>
+              </a:rPr>
+              <a:t>버튼용</a:t>
+            </a:r>
+            <a:r>
+              <a:rPr lang="en-US" altLang="ko-KR" sz="1600" b="1" dirty="0" smtClean="0">
+                <a:solidFill>
+                  <a:srgbClr val="FF0000"/>
+                </a:solidFill>
+                <a:latin typeface="Consolas" panose="020B0609020204030204" pitchFamily="49" charset="0"/>
+              </a:rPr>
+              <a:t>)</a:t>
+            </a:r>
+          </a:p>
+          <a:p>
+            <a:r>
+              <a:rPr lang="en-US" altLang="ko-KR" sz="1600" dirty="0" err="1" smtClean="0">
+                <a:solidFill>
+                  <a:srgbClr val="C678DD"/>
+                </a:solidFill>
+                <a:latin typeface="Consolas" panose="020B0609020204030204" pitchFamily="49" charset="0"/>
+              </a:rPr>
+              <a:t>var</a:t>
+            </a:r>
+            <a:r>
+              <a:rPr lang="en-US" altLang="ko-KR" sz="1600" dirty="0">
+                <a:solidFill>
+                  <a:srgbClr val="ABB2BF"/>
+                </a:solidFill>
+                <a:latin typeface="Consolas" panose="020B0609020204030204" pitchFamily="49" charset="0"/>
+              </a:rPr>
+              <a:t> </a:t>
+            </a:r>
+            <a:r>
+              <a:rPr lang="en-US" altLang="ko-KR" sz="1600" dirty="0" err="1">
+                <a:solidFill>
+                  <a:srgbClr val="E06C75"/>
+                </a:solidFill>
+                <a:latin typeface="Consolas" panose="020B0609020204030204" pitchFamily="49" charset="0"/>
+              </a:rPr>
+              <a:t>currentIndex</a:t>
+            </a:r>
+            <a:r>
+              <a:rPr lang="en-US" altLang="ko-KR" sz="1600" dirty="0">
+                <a:solidFill>
+                  <a:srgbClr val="ABB2BF"/>
+                </a:solidFill>
+                <a:latin typeface="Consolas" panose="020B0609020204030204" pitchFamily="49" charset="0"/>
+              </a:rPr>
+              <a:t> </a:t>
+            </a:r>
+            <a:r>
+              <a:rPr lang="en-US" altLang="ko-KR" sz="1600" dirty="0">
+                <a:solidFill>
+                  <a:srgbClr val="56B6C2"/>
+                </a:solidFill>
+                <a:latin typeface="Consolas" panose="020B0609020204030204" pitchFamily="49" charset="0"/>
+              </a:rPr>
+              <a:t>=</a:t>
+            </a:r>
+            <a:r>
+              <a:rPr lang="en-US" altLang="ko-KR" sz="1600" dirty="0">
+                <a:solidFill>
+                  <a:srgbClr val="ABB2BF"/>
+                </a:solidFill>
+                <a:latin typeface="Consolas" panose="020B0609020204030204" pitchFamily="49" charset="0"/>
+              </a:rPr>
+              <a:t> </a:t>
+            </a:r>
+            <a:r>
+              <a:rPr lang="en-US" altLang="ko-KR" sz="1600" dirty="0">
+                <a:solidFill>
+                  <a:srgbClr val="D19A66"/>
+                </a:solidFill>
+                <a:latin typeface="Consolas" panose="020B0609020204030204" pitchFamily="49" charset="0"/>
+              </a:rPr>
+              <a:t>0</a:t>
+            </a:r>
+            <a:r>
+              <a:rPr lang="en-US" altLang="ko-KR" sz="1600" dirty="0">
+                <a:solidFill>
+                  <a:srgbClr val="ABB2BF"/>
+                </a:solidFill>
+                <a:latin typeface="Consolas" panose="020B0609020204030204" pitchFamily="49" charset="0"/>
+              </a:rPr>
+              <a:t>; </a:t>
+            </a:r>
+            <a:r>
+              <a:rPr lang="en-US" altLang="ko-KR" sz="1600" i="1" dirty="0" smtClean="0">
+                <a:solidFill>
+                  <a:srgbClr val="7F848E"/>
+                </a:solidFill>
+                <a:latin typeface="Consolas" panose="020B0609020204030204" pitchFamily="49" charset="0"/>
+              </a:rPr>
+              <a:t>// </a:t>
+            </a:r>
+            <a:r>
+              <a:rPr lang="ko-KR" altLang="en-US" sz="1600" i="1" dirty="0" smtClean="0">
+                <a:solidFill>
+                  <a:srgbClr val="7F848E"/>
+                </a:solidFill>
+                <a:latin typeface="Consolas" panose="020B0609020204030204" pitchFamily="49" charset="0"/>
+              </a:rPr>
+              <a:t>현재 </a:t>
+            </a:r>
+            <a:r>
+              <a:rPr lang="ko-KR" altLang="en-US" sz="1600" i="1" dirty="0" err="1" smtClean="0">
+                <a:solidFill>
+                  <a:srgbClr val="7F848E"/>
+                </a:solidFill>
+                <a:latin typeface="Consolas" panose="020B0609020204030204" pitchFamily="49" charset="0"/>
+              </a:rPr>
+              <a:t>위치값</a:t>
+            </a:r>
+            <a:r>
+              <a:rPr lang="ko-KR" altLang="en-US" sz="1600" i="1" dirty="0" smtClean="0">
+                <a:solidFill>
+                  <a:srgbClr val="7F848E"/>
+                </a:solidFill>
+                <a:latin typeface="Consolas" panose="020B0609020204030204" pitchFamily="49" charset="0"/>
+              </a:rPr>
+              <a:t> </a:t>
+            </a:r>
+            <a:endParaRPr lang="en-US" altLang="ko-KR" sz="1600" i="1" dirty="0" smtClean="0">
+              <a:solidFill>
+                <a:srgbClr val="7F848E"/>
+              </a:solidFill>
+              <a:latin typeface="Consolas" panose="020B0609020204030204" pitchFamily="49" charset="0"/>
+            </a:endParaRPr>
+          </a:p>
+          <a:p>
+            <a:r>
+              <a:rPr lang="en-US" altLang="ko-KR" sz="1600" dirty="0" err="1" smtClean="0">
+                <a:solidFill>
+                  <a:srgbClr val="C678DD"/>
+                </a:solidFill>
+                <a:latin typeface="Consolas" panose="020B0609020204030204" pitchFamily="49" charset="0"/>
+              </a:rPr>
+              <a:t>var</a:t>
+            </a:r>
+            <a:r>
+              <a:rPr lang="en-US" altLang="ko-KR" sz="1600" dirty="0">
+                <a:solidFill>
+                  <a:srgbClr val="ABB2BF"/>
+                </a:solidFill>
+                <a:latin typeface="Consolas" panose="020B0609020204030204" pitchFamily="49" charset="0"/>
+              </a:rPr>
+              <a:t> </a:t>
+            </a:r>
+            <a:r>
+              <a:rPr lang="en-US" altLang="ko-KR" sz="1600" dirty="0" err="1">
+                <a:solidFill>
+                  <a:srgbClr val="E06C75"/>
+                </a:solidFill>
+                <a:latin typeface="Consolas" panose="020B0609020204030204" pitchFamily="49" charset="0"/>
+              </a:rPr>
+              <a:t>navPrev</a:t>
+            </a:r>
+            <a:r>
+              <a:rPr lang="en-US" altLang="ko-KR" sz="1600" dirty="0">
+                <a:solidFill>
+                  <a:srgbClr val="ABB2BF"/>
+                </a:solidFill>
+                <a:latin typeface="Consolas" panose="020B0609020204030204" pitchFamily="49" charset="0"/>
+              </a:rPr>
+              <a:t> </a:t>
+            </a:r>
+            <a:r>
+              <a:rPr lang="en-US" altLang="ko-KR" sz="1600" dirty="0">
+                <a:solidFill>
+                  <a:srgbClr val="56B6C2"/>
+                </a:solidFill>
+                <a:latin typeface="Consolas" panose="020B0609020204030204" pitchFamily="49" charset="0"/>
+              </a:rPr>
+              <a:t>=</a:t>
+            </a:r>
+            <a:r>
+              <a:rPr lang="en-US" altLang="ko-KR" sz="1600" dirty="0">
+                <a:solidFill>
+                  <a:srgbClr val="ABB2BF"/>
+                </a:solidFill>
+                <a:latin typeface="Consolas" panose="020B0609020204030204" pitchFamily="49" charset="0"/>
+              </a:rPr>
+              <a:t> </a:t>
+            </a:r>
+            <a:r>
+              <a:rPr lang="en-US" altLang="ko-KR" sz="1600" dirty="0" err="1">
+                <a:solidFill>
+                  <a:srgbClr val="E06C75"/>
+                </a:solidFill>
+                <a:latin typeface="Consolas" panose="020B0609020204030204" pitchFamily="49" charset="0"/>
+              </a:rPr>
+              <a:t>document</a:t>
+            </a:r>
+            <a:r>
+              <a:rPr lang="en-US" altLang="ko-KR" sz="1600" dirty="0" err="1">
+                <a:solidFill>
+                  <a:srgbClr val="ABB2BF"/>
+                </a:solidFill>
+                <a:latin typeface="Consolas" panose="020B0609020204030204" pitchFamily="49" charset="0"/>
+              </a:rPr>
+              <a:t>.</a:t>
+            </a:r>
+            <a:r>
+              <a:rPr lang="en-US" altLang="ko-KR" sz="1600" dirty="0" err="1">
+                <a:solidFill>
+                  <a:srgbClr val="61AFEF"/>
+                </a:solidFill>
+                <a:latin typeface="Consolas" panose="020B0609020204030204" pitchFamily="49" charset="0"/>
+              </a:rPr>
+              <a:t>getElementById</a:t>
+            </a:r>
+            <a:r>
+              <a:rPr lang="en-US" altLang="ko-KR" sz="1600" dirty="0">
+                <a:solidFill>
+                  <a:srgbClr val="ABB2BF"/>
+                </a:solidFill>
+                <a:latin typeface="Consolas" panose="020B0609020204030204" pitchFamily="49" charset="0"/>
+              </a:rPr>
+              <a:t>(</a:t>
+            </a:r>
+            <a:r>
+              <a:rPr lang="en-US" altLang="ko-KR" sz="1600" dirty="0">
+                <a:solidFill>
+                  <a:srgbClr val="98C379"/>
+                </a:solidFill>
+                <a:latin typeface="Consolas" panose="020B0609020204030204" pitchFamily="49" charset="0"/>
+              </a:rPr>
+              <a:t>'</a:t>
+            </a:r>
+            <a:r>
+              <a:rPr lang="en-US" altLang="ko-KR" sz="1600" dirty="0" err="1">
+                <a:solidFill>
+                  <a:srgbClr val="98C379"/>
+                </a:solidFill>
+                <a:latin typeface="Consolas" panose="020B0609020204030204" pitchFamily="49" charset="0"/>
+              </a:rPr>
+              <a:t>prev</a:t>
+            </a:r>
+            <a:r>
+              <a:rPr lang="en-US" altLang="ko-KR" sz="1600" dirty="0">
+                <a:solidFill>
+                  <a:srgbClr val="98C379"/>
+                </a:solidFill>
+                <a:latin typeface="Consolas" panose="020B0609020204030204" pitchFamily="49" charset="0"/>
+              </a:rPr>
+              <a:t>'</a:t>
+            </a:r>
+            <a:r>
+              <a:rPr lang="en-US" altLang="ko-KR" sz="1600" dirty="0">
+                <a:solidFill>
+                  <a:srgbClr val="ABB2BF"/>
+                </a:solidFill>
+                <a:latin typeface="Consolas" panose="020B0609020204030204" pitchFamily="49" charset="0"/>
+              </a:rPr>
+              <a:t>); </a:t>
+            </a:r>
+            <a:r>
+              <a:rPr lang="en-US" altLang="ko-KR" sz="1600" i="1" dirty="0">
+                <a:solidFill>
+                  <a:srgbClr val="7F848E"/>
+                </a:solidFill>
+                <a:latin typeface="Consolas" panose="020B0609020204030204" pitchFamily="49" charset="0"/>
+              </a:rPr>
+              <a:t>// </a:t>
+            </a:r>
+            <a:r>
+              <a:rPr lang="ko-KR" altLang="en-US" sz="1600" i="1" dirty="0">
+                <a:solidFill>
+                  <a:srgbClr val="7F848E"/>
+                </a:solidFill>
+                <a:latin typeface="Consolas" panose="020B0609020204030204" pitchFamily="49" charset="0"/>
+              </a:rPr>
+              <a:t>아이디 </a:t>
+            </a:r>
+            <a:r>
+              <a:rPr lang="en-US" altLang="ko-KR" sz="1600" i="1" dirty="0" err="1">
+                <a:solidFill>
+                  <a:srgbClr val="7F848E"/>
+                </a:solidFill>
+                <a:latin typeface="Consolas" panose="020B0609020204030204" pitchFamily="49" charset="0"/>
+              </a:rPr>
+              <a:t>prev</a:t>
+            </a:r>
+            <a:endParaRPr lang="en-US" altLang="ko-KR" sz="1600" dirty="0">
+              <a:solidFill>
+                <a:srgbClr val="ABB2BF"/>
+              </a:solidFill>
+              <a:latin typeface="Consolas" panose="020B0609020204030204" pitchFamily="49" charset="0"/>
+            </a:endParaRPr>
+          </a:p>
+          <a:p>
+            <a:r>
+              <a:rPr lang="en-US" altLang="ko-KR" sz="1600" dirty="0" err="1">
+                <a:solidFill>
+                  <a:srgbClr val="C678DD"/>
+                </a:solidFill>
+                <a:latin typeface="Consolas" panose="020B0609020204030204" pitchFamily="49" charset="0"/>
+              </a:rPr>
+              <a:t>var</a:t>
+            </a:r>
+            <a:r>
+              <a:rPr lang="en-US" altLang="ko-KR" sz="1600" dirty="0">
+                <a:solidFill>
+                  <a:srgbClr val="ABB2BF"/>
+                </a:solidFill>
+                <a:latin typeface="Consolas" panose="020B0609020204030204" pitchFamily="49" charset="0"/>
+              </a:rPr>
+              <a:t> </a:t>
+            </a:r>
+            <a:r>
+              <a:rPr lang="en-US" altLang="ko-KR" sz="1600" dirty="0" err="1">
+                <a:solidFill>
+                  <a:srgbClr val="E06C75"/>
+                </a:solidFill>
+                <a:latin typeface="Consolas" panose="020B0609020204030204" pitchFamily="49" charset="0"/>
+              </a:rPr>
+              <a:t>navNext</a:t>
+            </a:r>
+            <a:r>
+              <a:rPr lang="en-US" altLang="ko-KR" sz="1600" dirty="0">
+                <a:solidFill>
+                  <a:srgbClr val="ABB2BF"/>
+                </a:solidFill>
+                <a:latin typeface="Consolas" panose="020B0609020204030204" pitchFamily="49" charset="0"/>
+              </a:rPr>
+              <a:t> </a:t>
+            </a:r>
+            <a:r>
+              <a:rPr lang="en-US" altLang="ko-KR" sz="1600" dirty="0">
+                <a:solidFill>
+                  <a:srgbClr val="56B6C2"/>
+                </a:solidFill>
+                <a:latin typeface="Consolas" panose="020B0609020204030204" pitchFamily="49" charset="0"/>
+              </a:rPr>
+              <a:t>=</a:t>
+            </a:r>
+            <a:r>
+              <a:rPr lang="en-US" altLang="ko-KR" sz="1600" dirty="0">
+                <a:solidFill>
+                  <a:srgbClr val="ABB2BF"/>
+                </a:solidFill>
+                <a:latin typeface="Consolas" panose="020B0609020204030204" pitchFamily="49" charset="0"/>
+              </a:rPr>
+              <a:t> </a:t>
+            </a:r>
+            <a:r>
+              <a:rPr lang="en-US" altLang="ko-KR" sz="1600" dirty="0" err="1">
+                <a:solidFill>
+                  <a:srgbClr val="E06C75"/>
+                </a:solidFill>
+                <a:latin typeface="Consolas" panose="020B0609020204030204" pitchFamily="49" charset="0"/>
+              </a:rPr>
+              <a:t>document</a:t>
+            </a:r>
+            <a:r>
+              <a:rPr lang="en-US" altLang="ko-KR" sz="1600" dirty="0" err="1">
+                <a:solidFill>
+                  <a:srgbClr val="ABB2BF"/>
+                </a:solidFill>
+                <a:latin typeface="Consolas" panose="020B0609020204030204" pitchFamily="49" charset="0"/>
+              </a:rPr>
+              <a:t>.</a:t>
+            </a:r>
+            <a:r>
+              <a:rPr lang="en-US" altLang="ko-KR" sz="1600" dirty="0" err="1">
+                <a:solidFill>
+                  <a:srgbClr val="61AFEF"/>
+                </a:solidFill>
+                <a:latin typeface="Consolas" panose="020B0609020204030204" pitchFamily="49" charset="0"/>
+              </a:rPr>
+              <a:t>getElementById</a:t>
+            </a:r>
+            <a:r>
+              <a:rPr lang="en-US" altLang="ko-KR" sz="1600" dirty="0">
+                <a:solidFill>
+                  <a:srgbClr val="ABB2BF"/>
+                </a:solidFill>
+                <a:latin typeface="Consolas" panose="020B0609020204030204" pitchFamily="49" charset="0"/>
+              </a:rPr>
+              <a:t>(</a:t>
+            </a:r>
+            <a:r>
+              <a:rPr lang="en-US" altLang="ko-KR" sz="1600" dirty="0">
+                <a:solidFill>
+                  <a:srgbClr val="98C379"/>
+                </a:solidFill>
+                <a:latin typeface="Consolas" panose="020B0609020204030204" pitchFamily="49" charset="0"/>
+              </a:rPr>
+              <a:t>'next'</a:t>
+            </a:r>
+            <a:r>
+              <a:rPr lang="en-US" altLang="ko-KR" sz="1600" dirty="0">
+                <a:solidFill>
+                  <a:srgbClr val="ABB2BF"/>
+                </a:solidFill>
+                <a:latin typeface="Consolas" panose="020B0609020204030204" pitchFamily="49" charset="0"/>
+              </a:rPr>
+              <a:t>); </a:t>
+            </a:r>
+            <a:r>
+              <a:rPr lang="en-US" altLang="ko-KR" sz="1600" i="1" dirty="0">
+                <a:solidFill>
+                  <a:srgbClr val="7F848E"/>
+                </a:solidFill>
+                <a:latin typeface="Consolas" panose="020B0609020204030204" pitchFamily="49" charset="0"/>
+              </a:rPr>
+              <a:t>// </a:t>
+            </a:r>
+            <a:r>
+              <a:rPr lang="ko-KR" altLang="en-US" sz="1600" i="1" dirty="0">
+                <a:solidFill>
+                  <a:srgbClr val="7F848E"/>
+                </a:solidFill>
+                <a:latin typeface="Consolas" panose="020B0609020204030204" pitchFamily="49" charset="0"/>
+              </a:rPr>
+              <a:t>아이디 </a:t>
+            </a:r>
+            <a:r>
+              <a:rPr lang="en-US" altLang="ko-KR" sz="1600" i="1" dirty="0" smtClean="0">
+                <a:solidFill>
+                  <a:srgbClr val="7F848E"/>
+                </a:solidFill>
+                <a:latin typeface="Consolas" panose="020B0609020204030204" pitchFamily="49" charset="0"/>
+              </a:rPr>
+              <a:t>next</a:t>
+            </a:r>
+          </a:p>
+          <a:p>
+            <a:endParaRPr lang="en-US" altLang="ko-KR" sz="1600" b="0" i="1" dirty="0">
+              <a:solidFill>
+                <a:srgbClr val="7F848E"/>
+              </a:solidFill>
+              <a:effectLst/>
+              <a:latin typeface="Consolas" panose="020B0609020204030204" pitchFamily="49" charset="0"/>
+            </a:endParaRPr>
+          </a:p>
+          <a:p>
+            <a:endParaRPr lang="en-US" altLang="ko-KR" sz="1600" b="0" dirty="0">
+              <a:solidFill>
+                <a:srgbClr val="ABB2BF"/>
+              </a:solidFill>
+              <a:effectLst/>
+              <a:latin typeface="Consolas" panose="020B0609020204030204" pitchFamily="49" charset="0"/>
+            </a:endParaRPr>
+          </a:p>
+        </p:txBody>
+      </p:sp>
       <p:grpSp>
         <p:nvGrpSpPr>
-          <p:cNvPr id="11" name="Group 10"/>
+          <p:cNvPr id="3" name="Group 10"/>
           <p:cNvGrpSpPr/>
           <p:nvPr/>
         </p:nvGrpSpPr>
         <p:grpSpPr>
           <a:xfrm>
-            <a:off x="823912" y="1896470"/>
+            <a:off x="277368" y="4138188"/>
             <a:ext cx="9341019" cy="590703"/>
             <a:chOff x="823912" y="2829158"/>
             <a:chExt cx="9341019" cy="590703"/>
@@ -4786,7 +7342,7 @@
         </p:grpSpPr>
         <p:sp>
           <p:nvSpPr>
-            <p:cNvPr id="7" name="Rectangle 6"/>
+            <p:cNvPr id="5" name="Rectangle 6"/>
             <p:cNvSpPr/>
             <p:nvPr/>
           </p:nvSpPr>
@@ -4825,7 +7381,7 @@
         </p:sp>
         <p:sp>
           <p:nvSpPr>
-            <p:cNvPr id="8" name="Rectangle 7"/>
+            <p:cNvPr id="6" name="Rectangle 7"/>
             <p:cNvSpPr/>
             <p:nvPr/>
           </p:nvSpPr>
@@ -4882,7 +7438,7 @@
         </p:sp>
         <p:sp>
           <p:nvSpPr>
-            <p:cNvPr id="9" name="Rectangle 8"/>
+            <p:cNvPr id="7" name="Rectangle 8"/>
             <p:cNvSpPr/>
             <p:nvPr/>
           </p:nvSpPr>
@@ -4902,7 +7458,7 @@
             <a:lstStyle/>
             <a:p>
               <a:r>
-                <a:rPr lang="ko-KR" altLang="en-US" sz="2000" smtClean="0">
+                <a:rPr lang="ko-KR" altLang="en-US" sz="2000" dirty="0" err="1" smtClean="0">
                   <a:solidFill>
                     <a:srgbClr val="E06C75"/>
                   </a:solidFill>
@@ -4911,7 +7467,7 @@
                 <a:t>실행시킬변수</a:t>
               </a:r>
               <a:r>
-                <a:rPr lang="en-US" altLang="ko-KR" sz="2000" smtClean="0">
+                <a:rPr lang="en-US" altLang="ko-KR" sz="2000" dirty="0" smtClean="0">
                   <a:solidFill>
                     <a:srgbClr val="ABB2BF"/>
                   </a:solidFill>
@@ -4920,7 +7476,7 @@
                 <a:t>.</a:t>
               </a:r>
               <a:r>
-                <a:rPr lang="en-US" altLang="ko-KR" sz="2000">
+                <a:rPr lang="en-US" altLang="ko-KR" sz="2000" dirty="0" err="1">
                   <a:solidFill>
                     <a:srgbClr val="61AFEF"/>
                   </a:solidFill>
@@ -4929,7 +7485,7 @@
                 <a:t>addEventListener</a:t>
               </a:r>
               <a:r>
-                <a:rPr lang="en-US" altLang="ko-KR" sz="2000" smtClean="0">
+                <a:rPr lang="en-US" altLang="ko-KR" sz="2000" dirty="0" smtClean="0">
                   <a:solidFill>
                     <a:srgbClr val="ABB2BF"/>
                   </a:solidFill>
@@ -4938,7 +7494,7 @@
                 <a:t>(</a:t>
               </a:r>
               <a:r>
-                <a:rPr lang="en-US" altLang="ko-KR" sz="2000" smtClean="0">
+                <a:rPr lang="en-US" altLang="ko-KR" sz="2000" dirty="0" smtClean="0">
                   <a:solidFill>
                     <a:srgbClr val="98C379"/>
                   </a:solidFill>
@@ -4947,7 +7503,7 @@
                 <a:t>＇</a:t>
               </a:r>
               <a:r>
-                <a:rPr lang="ko-KR" altLang="en-US" sz="2000" smtClean="0">
+                <a:rPr lang="ko-KR" altLang="en-US" sz="2000" dirty="0" smtClean="0">
                   <a:solidFill>
                     <a:srgbClr val="98C379"/>
                   </a:solidFill>
@@ -4956,7 +7512,7 @@
                 <a:t>이벤트</a:t>
               </a:r>
               <a:r>
-                <a:rPr lang="en-US" altLang="ko-KR" sz="2000" smtClean="0">
+                <a:rPr lang="en-US" altLang="ko-KR" sz="2000" dirty="0" smtClean="0">
                   <a:solidFill>
                     <a:srgbClr val="98C379"/>
                   </a:solidFill>
@@ -4965,7 +7521,7 @@
                 <a:t>'</a:t>
               </a:r>
               <a:r>
-                <a:rPr lang="en-US" altLang="ko-KR" sz="2000" smtClean="0">
+                <a:rPr lang="en-US" altLang="ko-KR" sz="2000" dirty="0" smtClean="0">
                   <a:solidFill>
                     <a:srgbClr val="ABB2BF"/>
                   </a:solidFill>
@@ -4974,7 +7530,7 @@
                 <a:t>,</a:t>
               </a:r>
               <a:r>
-                <a:rPr lang="en-US" altLang="ko-KR" sz="2000" smtClean="0">
+                <a:rPr lang="en-US" altLang="ko-KR" sz="2000" dirty="0" smtClean="0">
                   <a:solidFill>
                     <a:srgbClr val="C678DD"/>
                   </a:solidFill>
@@ -4983,7 +7539,7 @@
                 <a:t>function</a:t>
               </a:r>
               <a:r>
-                <a:rPr lang="en-US" altLang="ko-KR" sz="2000" smtClean="0">
+                <a:rPr lang="en-US" altLang="ko-KR" sz="2000" dirty="0" smtClean="0">
                   <a:solidFill>
                     <a:srgbClr val="ABB2BF"/>
                   </a:solidFill>
@@ -4992,7 +7548,7 @@
                 <a:t>(</a:t>
               </a:r>
               <a:r>
-                <a:rPr lang="en-US" altLang="ko-KR" sz="2000">
+                <a:rPr lang="en-US" altLang="ko-KR" sz="2000" dirty="0">
                   <a:solidFill>
                     <a:srgbClr val="E06C75"/>
                   </a:solidFill>
@@ -5001,7 +7557,7 @@
                 <a:t>e</a:t>
               </a:r>
               <a:r>
-                <a:rPr lang="en-US" altLang="ko-KR" sz="2000" smtClean="0">
+                <a:rPr lang="en-US" altLang="ko-KR" sz="2000" dirty="0" smtClean="0">
                   <a:solidFill>
                     <a:srgbClr val="ABB2BF"/>
                   </a:solidFill>
@@ -5010,7 +7566,7 @@
                 <a:t>){</a:t>
               </a:r>
               <a:r>
-                <a:rPr lang="ko-KR" altLang="en-US" sz="2000" smtClean="0">
+                <a:rPr lang="ko-KR" altLang="en-US" sz="2000" dirty="0" err="1" smtClean="0">
                   <a:solidFill>
                     <a:srgbClr val="ABB2BF"/>
                   </a:solidFill>
@@ -5019,7 +7575,7 @@
                 <a:t>실행시킬내용</a:t>
               </a:r>
               <a:r>
-                <a:rPr lang="en-US" altLang="ko-KR" sz="2000" smtClean="0">
+                <a:rPr lang="en-US" altLang="ko-KR" sz="2000" dirty="0" smtClean="0">
                   <a:solidFill>
                     <a:srgbClr val="ABB2BF"/>
                   </a:solidFill>
@@ -5027,7 +7583,7 @@
                 </a:rPr>
                 <a:t>});</a:t>
               </a:r>
-              <a:endParaRPr lang="en-US" altLang="ko-KR" sz="2000">
+              <a:endParaRPr lang="en-US" altLang="ko-KR" sz="2000" dirty="0">
                 <a:solidFill>
                   <a:srgbClr val="ABB2BF"/>
                 </a:solidFill>
@@ -5039,13 +7595,13 @@
       </p:grpSp>
       <p:sp>
         <p:nvSpPr>
-          <p:cNvPr id="10" name="Rectangle 9"/>
+          <p:cNvPr id="8" name="Rectangle 9"/>
           <p:cNvSpPr/>
           <p:nvPr/>
         </p:nvSpPr>
         <p:spPr>
           <a:xfrm>
-            <a:off x="823912" y="3291557"/>
+            <a:off x="277368" y="5533275"/>
             <a:ext cx="2590774" cy="369332"/>
           </a:xfrm>
           <a:prstGeom prst="rect">
@@ -5094,24 +7650,18 @@
               </a:rPr>
               <a:t>();</a:t>
             </a:r>
-            <a:endParaRPr lang="en-US" altLang="ko-KR">
-              <a:solidFill>
-                <a:srgbClr val="ABB2BF"/>
-              </a:solidFill>
-              <a:latin typeface="Consolas" panose="020B0609020204030204" pitchFamily="49" charset="0"/>
-            </a:endParaRPr>
           </a:p>
         </p:txBody>
       </p:sp>
       <p:sp>
         <p:nvSpPr>
-          <p:cNvPr id="12" name="Rectangle 11"/>
+          <p:cNvPr id="9" name="Rectangle 11"/>
           <p:cNvSpPr/>
           <p:nvPr/>
         </p:nvSpPr>
         <p:spPr>
           <a:xfrm>
-            <a:off x="3503484" y="3291557"/>
+            <a:off x="2956940" y="5533275"/>
             <a:ext cx="3565400" cy="369332"/>
           </a:xfrm>
           <a:prstGeom prst="rect">
@@ -5125,7 +7675,7 @@
           <a:lstStyle/>
           <a:p>
             <a:r>
-              <a:rPr lang="ko-KR" altLang="en-US" smtClean="0">
+              <a:rPr lang="ko-KR" altLang="en-US" dirty="0" smtClean="0">
                 <a:solidFill>
                   <a:srgbClr val="61AFEF"/>
                 </a:solidFill>
@@ -5133,7 +7683,7 @@
               </a:rPr>
               <a:t>기존에 있던 이벤트들 실행방지</a:t>
             </a:r>
-            <a:endParaRPr lang="en-US" altLang="ko-KR">
+            <a:endParaRPr lang="en-US" altLang="ko-KR" dirty="0">
               <a:solidFill>
                 <a:srgbClr val="ABB2BF"/>
               </a:solidFill>
@@ -5145,7 +7695,7 @@
     </p:spTree>
     <p:extLst>
       <p:ext uri="{BB962C8B-B14F-4D97-AF65-F5344CB8AC3E}">
-        <p14:creationId xmlns:p14="http://schemas.microsoft.com/office/powerpoint/2010/main" val="3173204020"/>
+        <p14:creationId xmlns:p14="http://schemas.microsoft.com/office/powerpoint/2010/main" val="1511566443"/>
       </p:ext>
     </p:extLst>
   </p:cSld>
@@ -5156,6 +7706,359 @@
 </file>
 
 <file path=ppt/slides/slide3.xml><?xml version="1.0" encoding="utf-8"?>
+<p:sld xmlns:a="http://schemas.openxmlformats.org/drawingml/2006/main" xmlns:r="http://schemas.openxmlformats.org/officeDocument/2006/relationships" xmlns:p="http://schemas.openxmlformats.org/presentationml/2006/main">
+  <p:cSld>
+    <p:spTree>
+      <p:nvGrpSpPr>
+        <p:cNvPr id="1" name=""/>
+        <p:cNvGrpSpPr/>
+        <p:nvPr/>
+      </p:nvGrpSpPr>
+      <p:grpSpPr>
+        <a:xfrm>
+          <a:off x="0" y="0"/>
+          <a:ext cx="0" cy="0"/>
+          <a:chOff x="0" y="0"/>
+          <a:chExt cx="0" cy="0"/>
+        </a:xfrm>
+      </p:grpSpPr>
+      <p:sp>
+        <p:nvSpPr>
+          <p:cNvPr id="5" name="직사각형 4"/>
+          <p:cNvSpPr/>
+          <p:nvPr/>
+        </p:nvSpPr>
+        <p:spPr>
+          <a:xfrm>
+            <a:off x="1227437" y="951471"/>
+            <a:ext cx="3085071" cy="5136292"/>
+          </a:xfrm>
+          <a:prstGeom prst="rect">
+            <a:avLst/>
+          </a:prstGeom>
+          <a:solidFill>
+            <a:schemeClr val="bg1"/>
+          </a:solidFill>
+        </p:spPr>
+        <p:style>
+          <a:lnRef idx="2">
+            <a:schemeClr val="accent1">
+              <a:shade val="50000"/>
+            </a:schemeClr>
+          </a:lnRef>
+          <a:fillRef idx="1">
+            <a:schemeClr val="accent1"/>
+          </a:fillRef>
+          <a:effectRef idx="0">
+            <a:schemeClr val="accent1"/>
+          </a:effectRef>
+          <a:fontRef idx="minor">
+            <a:schemeClr val="lt1"/>
+          </a:fontRef>
+        </p:style>
+        <p:txBody>
+          <a:bodyPr rtlCol="0" anchor="ctr"/>
+          <a:lstStyle/>
+          <a:p>
+            <a:pPr algn="ctr"/>
+            <a:endParaRPr lang="ko-KR" altLang="en-US"/>
+          </a:p>
+        </p:txBody>
+      </p:sp>
+      <p:sp>
+        <p:nvSpPr>
+          <p:cNvPr id="4" name="직사각형 3"/>
+          <p:cNvSpPr/>
+          <p:nvPr/>
+        </p:nvSpPr>
+        <p:spPr>
+          <a:xfrm>
+            <a:off x="1334528" y="1095633"/>
+            <a:ext cx="9069861" cy="2809102"/>
+          </a:xfrm>
+          <a:prstGeom prst="rect">
+            <a:avLst/>
+          </a:prstGeom>
+        </p:spPr>
+        <p:style>
+          <a:lnRef idx="2">
+            <a:schemeClr val="accent1">
+              <a:shade val="50000"/>
+            </a:schemeClr>
+          </a:lnRef>
+          <a:fillRef idx="1">
+            <a:schemeClr val="accent1"/>
+          </a:fillRef>
+          <a:effectRef idx="0">
+            <a:schemeClr val="accent1"/>
+          </a:effectRef>
+          <a:fontRef idx="minor">
+            <a:schemeClr val="lt1"/>
+          </a:fontRef>
+        </p:style>
+        <p:txBody>
+          <a:bodyPr rtlCol="0" anchor="ctr"/>
+          <a:lstStyle/>
+          <a:p>
+            <a:pPr algn="ctr"/>
+            <a:endParaRPr lang="ko-KR" altLang="en-US"/>
+          </a:p>
+        </p:txBody>
+      </p:sp>
+      <p:sp>
+        <p:nvSpPr>
+          <p:cNvPr id="6" name="직사각형 5"/>
+          <p:cNvSpPr/>
+          <p:nvPr/>
+        </p:nvSpPr>
+        <p:spPr>
+          <a:xfrm>
+            <a:off x="1486929" y="1641389"/>
+            <a:ext cx="2825579" cy="1981199"/>
+          </a:xfrm>
+          <a:prstGeom prst="rect">
+            <a:avLst/>
+          </a:prstGeom>
+        </p:spPr>
+        <p:style>
+          <a:lnRef idx="2">
+            <a:schemeClr val="accent4">
+              <a:shade val="50000"/>
+            </a:schemeClr>
+          </a:lnRef>
+          <a:fillRef idx="1">
+            <a:schemeClr val="accent4"/>
+          </a:fillRef>
+          <a:effectRef idx="0">
+            <a:schemeClr val="accent4"/>
+          </a:effectRef>
+          <a:fontRef idx="minor">
+            <a:schemeClr val="lt1"/>
+          </a:fontRef>
+        </p:style>
+        <p:txBody>
+          <a:bodyPr rtlCol="0" anchor="ctr"/>
+          <a:lstStyle/>
+          <a:p>
+            <a:pPr algn="ctr"/>
+            <a:endParaRPr lang="ko-KR" altLang="en-US"/>
+          </a:p>
+        </p:txBody>
+      </p:sp>
+      <p:sp>
+        <p:nvSpPr>
+          <p:cNvPr id="7" name="직사각형 6"/>
+          <p:cNvSpPr/>
+          <p:nvPr/>
+        </p:nvSpPr>
+        <p:spPr>
+          <a:xfrm>
+            <a:off x="4464908" y="1641388"/>
+            <a:ext cx="2825579" cy="1981199"/>
+          </a:xfrm>
+          <a:prstGeom prst="rect">
+            <a:avLst/>
+          </a:prstGeom>
+        </p:spPr>
+        <p:style>
+          <a:lnRef idx="2">
+            <a:schemeClr val="accent4">
+              <a:shade val="50000"/>
+            </a:schemeClr>
+          </a:lnRef>
+          <a:fillRef idx="1">
+            <a:schemeClr val="accent4"/>
+          </a:fillRef>
+          <a:effectRef idx="0">
+            <a:schemeClr val="accent4"/>
+          </a:effectRef>
+          <a:fontRef idx="minor">
+            <a:schemeClr val="lt1"/>
+          </a:fontRef>
+        </p:style>
+        <p:txBody>
+          <a:bodyPr rtlCol="0" anchor="ctr"/>
+          <a:lstStyle/>
+          <a:p>
+            <a:pPr algn="ctr"/>
+            <a:endParaRPr lang="ko-KR" altLang="en-US"/>
+          </a:p>
+        </p:txBody>
+      </p:sp>
+      <p:sp>
+        <p:nvSpPr>
+          <p:cNvPr id="8" name="직사각형 7"/>
+          <p:cNvSpPr/>
+          <p:nvPr/>
+        </p:nvSpPr>
+        <p:spPr>
+          <a:xfrm>
+            <a:off x="7372864" y="1641387"/>
+            <a:ext cx="2825579" cy="1981199"/>
+          </a:xfrm>
+          <a:prstGeom prst="rect">
+            <a:avLst/>
+          </a:prstGeom>
+        </p:spPr>
+        <p:style>
+          <a:lnRef idx="2">
+            <a:schemeClr val="accent4">
+              <a:shade val="50000"/>
+            </a:schemeClr>
+          </a:lnRef>
+          <a:fillRef idx="1">
+            <a:schemeClr val="accent4"/>
+          </a:fillRef>
+          <a:effectRef idx="0">
+            <a:schemeClr val="accent4"/>
+          </a:effectRef>
+          <a:fontRef idx="minor">
+            <a:schemeClr val="lt1"/>
+          </a:fontRef>
+        </p:style>
+        <p:txBody>
+          <a:bodyPr rtlCol="0" anchor="ctr"/>
+          <a:lstStyle/>
+          <a:p>
+            <a:pPr algn="ctr"/>
+            <a:endParaRPr lang="ko-KR" altLang="en-US"/>
+          </a:p>
+        </p:txBody>
+      </p:sp>
+      <p:sp>
+        <p:nvSpPr>
+          <p:cNvPr id="9" name="TextBox 8"/>
+          <p:cNvSpPr txBox="1"/>
+          <p:nvPr/>
+        </p:nvSpPr>
+        <p:spPr>
+          <a:xfrm>
+            <a:off x="5268097" y="976184"/>
+            <a:ext cx="667265" cy="584775"/>
+          </a:xfrm>
+          <a:prstGeom prst="rect">
+            <a:avLst/>
+          </a:prstGeom>
+          <a:noFill/>
+        </p:spPr>
+        <p:txBody>
+          <a:bodyPr wrap="square" rtlCol="0">
+            <a:spAutoFit/>
+          </a:bodyPr>
+          <a:lstStyle/>
+          <a:p>
+            <a:r>
+              <a:rPr lang="en-US" altLang="ko-KR" sz="3200" b="1" dirty="0" err="1" smtClean="0"/>
+              <a:t>ul</a:t>
+            </a:r>
+            <a:endParaRPr lang="ko-KR" altLang="en-US" sz="3200" b="1" dirty="0"/>
+          </a:p>
+        </p:txBody>
+      </p:sp>
+      <p:sp>
+        <p:nvSpPr>
+          <p:cNvPr id="10" name="TextBox 9"/>
+          <p:cNvSpPr txBox="1"/>
+          <p:nvPr/>
+        </p:nvSpPr>
+        <p:spPr>
+          <a:xfrm>
+            <a:off x="5869457" y="2339600"/>
+            <a:ext cx="667265" cy="584775"/>
+          </a:xfrm>
+          <a:prstGeom prst="rect">
+            <a:avLst/>
+          </a:prstGeom>
+          <a:noFill/>
+        </p:spPr>
+        <p:txBody>
+          <a:bodyPr wrap="square" rtlCol="0">
+            <a:spAutoFit/>
+          </a:bodyPr>
+          <a:lstStyle/>
+          <a:p>
+            <a:r>
+              <a:rPr lang="en-US" altLang="ko-KR" sz="3200" b="1" dirty="0" smtClean="0"/>
+              <a:t>li</a:t>
+            </a:r>
+            <a:endParaRPr lang="ko-KR" altLang="en-US" sz="3200" b="1" dirty="0"/>
+          </a:p>
+        </p:txBody>
+      </p:sp>
+      <p:sp>
+        <p:nvSpPr>
+          <p:cNvPr id="11" name="TextBox 10"/>
+          <p:cNvSpPr txBox="1"/>
+          <p:nvPr/>
+        </p:nvSpPr>
+        <p:spPr>
+          <a:xfrm>
+            <a:off x="8785652" y="2339600"/>
+            <a:ext cx="667265" cy="584775"/>
+          </a:xfrm>
+          <a:prstGeom prst="rect">
+            <a:avLst/>
+          </a:prstGeom>
+          <a:noFill/>
+        </p:spPr>
+        <p:txBody>
+          <a:bodyPr wrap="square" rtlCol="0">
+            <a:spAutoFit/>
+          </a:bodyPr>
+          <a:lstStyle/>
+          <a:p>
+            <a:r>
+              <a:rPr lang="en-US" altLang="ko-KR" sz="3200" b="1" smtClean="0"/>
+              <a:t>li</a:t>
+            </a:r>
+            <a:endParaRPr lang="ko-KR" altLang="en-US" sz="3200" b="1" dirty="0"/>
+          </a:p>
+        </p:txBody>
+      </p:sp>
+      <p:sp>
+        <p:nvSpPr>
+          <p:cNvPr id="12" name="TextBox 11"/>
+          <p:cNvSpPr txBox="1"/>
+          <p:nvPr/>
+        </p:nvSpPr>
+        <p:spPr>
+          <a:xfrm>
+            <a:off x="2631989" y="2339600"/>
+            <a:ext cx="667265" cy="584775"/>
+          </a:xfrm>
+          <a:prstGeom prst="rect">
+            <a:avLst/>
+          </a:prstGeom>
+          <a:noFill/>
+        </p:spPr>
+        <p:txBody>
+          <a:bodyPr wrap="square" rtlCol="0">
+            <a:spAutoFit/>
+          </a:bodyPr>
+          <a:lstStyle/>
+          <a:p>
+            <a:r>
+              <a:rPr lang="en-US" altLang="ko-KR" sz="3200" b="1" smtClean="0"/>
+              <a:t>li</a:t>
+            </a:r>
+            <a:endParaRPr lang="ko-KR" altLang="en-US" sz="3200" b="1" dirty="0"/>
+          </a:p>
+        </p:txBody>
+      </p:sp>
+    </p:spTree>
+    <p:extLst>
+      <p:ext uri="{BB962C8B-B14F-4D97-AF65-F5344CB8AC3E}">
+        <p14:creationId xmlns:p14="http://schemas.microsoft.com/office/powerpoint/2010/main" val="2667502400"/>
+      </p:ext>
+    </p:extLst>
+  </p:cSld>
+  <p:clrMapOvr>
+    <a:masterClrMapping/>
+  </p:clrMapOvr>
+</p:sld>
+</file>
+
+<file path=ppt/slides/slide4.xml><?xml version="1.0" encoding="utf-8"?>
 <p:sld xmlns:a="http://schemas.openxmlformats.org/drawingml/2006/main" xmlns:r="http://schemas.openxmlformats.org/officeDocument/2006/relationships" xmlns:p="http://schemas.openxmlformats.org/presentationml/2006/main">
   <p:cSld>
     <p:spTree>
@@ -6128,7 +9031,438 @@
 </p:sld>
 </file>
 
-<file path=ppt/slides/slide4.xml><?xml version="1.0" encoding="utf-8"?>
+<file path=ppt/slides/slide5.xml><?xml version="1.0" encoding="utf-8"?>
+<p:sld xmlns:a="http://schemas.openxmlformats.org/drawingml/2006/main" xmlns:r="http://schemas.openxmlformats.org/officeDocument/2006/relationships" xmlns:p="http://schemas.openxmlformats.org/presentationml/2006/main">
+  <p:cSld>
+    <p:spTree>
+      <p:nvGrpSpPr>
+        <p:cNvPr id="1" name=""/>
+        <p:cNvGrpSpPr/>
+        <p:nvPr/>
+      </p:nvGrpSpPr>
+      <p:grpSpPr>
+        <a:xfrm>
+          <a:off x="0" y="0"/>
+          <a:ext cx="0" cy="0"/>
+          <a:chOff x="0" y="0"/>
+          <a:chExt cx="0" cy="0"/>
+        </a:xfrm>
+      </p:grpSpPr>
+      <p:sp>
+        <p:nvSpPr>
+          <p:cNvPr id="4" name="직사각형 3"/>
+          <p:cNvSpPr/>
+          <p:nvPr/>
+        </p:nvSpPr>
+        <p:spPr>
+          <a:xfrm>
+            <a:off x="2745614" y="2058075"/>
+            <a:ext cx="6882012" cy="1015663"/>
+          </a:xfrm>
+          <a:prstGeom prst="rect">
+            <a:avLst/>
+          </a:prstGeom>
+          <a:noFill/>
+        </p:spPr>
+        <p:txBody>
+          <a:bodyPr wrap="none" lIns="91440" tIns="45720" rIns="91440" bIns="45720">
+            <a:spAutoFit/>
+          </a:bodyPr>
+          <a:lstStyle/>
+          <a:p>
+            <a:pPr algn="ctr"/>
+            <a:r>
+              <a:rPr lang="ko-KR" altLang="en-US" sz="6000" b="0" cap="none" spc="0" dirty="0" smtClean="0">
+                <a:ln w="18415" cmpd="sng">
+                  <a:solidFill>
+                    <a:sysClr val="windowText" lastClr="000000"/>
+                  </a:solidFill>
+                  <a:prstDash val="solid"/>
+                </a:ln>
+                <a:solidFill>
+                  <a:sysClr val="windowText" lastClr="000000"/>
+                </a:solidFill>
+                <a:effectLst>
+                  <a:outerShdw blurRad="63500" dir="3600000" algn="tl" rotWithShape="0">
+                    <a:srgbClr val="000000">
+                      <a:alpha val="70000"/>
+                    </a:srgbClr>
+                  </a:outerShdw>
+                </a:effectLst>
+              </a:rPr>
+              <a:t>버튼 사라지게 하기</a:t>
+            </a:r>
+            <a:endParaRPr lang="en-US" altLang="ko-KR" sz="6000" b="0" cap="none" spc="0" dirty="0" smtClean="0">
+              <a:ln w="18415" cmpd="sng">
+                <a:solidFill>
+                  <a:sysClr val="windowText" lastClr="000000"/>
+                </a:solidFill>
+                <a:prstDash val="solid"/>
+              </a:ln>
+              <a:solidFill>
+                <a:sysClr val="windowText" lastClr="000000"/>
+              </a:solidFill>
+              <a:effectLst>
+                <a:outerShdw blurRad="63500" dir="3600000" algn="tl" rotWithShape="0">
+                  <a:srgbClr val="000000">
+                    <a:alpha val="70000"/>
+                  </a:srgbClr>
+                </a:outerShdw>
+              </a:effectLst>
+            </a:endParaRPr>
+          </a:p>
+        </p:txBody>
+      </p:sp>
+      <p:sp>
+        <p:nvSpPr>
+          <p:cNvPr id="5" name="직사각형 4"/>
+          <p:cNvSpPr/>
+          <p:nvPr/>
+        </p:nvSpPr>
+        <p:spPr>
+          <a:xfrm>
+            <a:off x="2250292" y="3370300"/>
+            <a:ext cx="7872668" cy="1384995"/>
+          </a:xfrm>
+          <a:prstGeom prst="rect">
+            <a:avLst/>
+          </a:prstGeom>
+          <a:noFill/>
+        </p:spPr>
+        <p:txBody>
+          <a:bodyPr wrap="none" lIns="91440" tIns="45720" rIns="91440" bIns="45720">
+            <a:spAutoFit/>
+          </a:bodyPr>
+          <a:lstStyle/>
+          <a:p>
+            <a:pPr algn="ctr"/>
+            <a:r>
+              <a:rPr lang="ko-KR" altLang="en-US" sz="2800" b="0" cap="none" spc="0" dirty="0" smtClean="0">
+                <a:ln w="18415" cmpd="sng">
+                  <a:solidFill>
+                    <a:sysClr val="windowText" lastClr="000000"/>
+                  </a:solidFill>
+                  <a:prstDash val="solid"/>
+                </a:ln>
+                <a:solidFill>
+                  <a:sysClr val="windowText" lastClr="000000"/>
+                </a:solidFill>
+                <a:effectLst>
+                  <a:outerShdw blurRad="63500" dir="3600000" algn="tl" rotWithShape="0">
+                    <a:srgbClr val="000000">
+                      <a:alpha val="70000"/>
+                    </a:srgbClr>
+                  </a:outerShdw>
+                </a:effectLst>
+              </a:rPr>
+              <a:t>첫 슬라이드에서는 </a:t>
+            </a:r>
+            <a:r>
+              <a:rPr lang="ko-KR" altLang="en-US" sz="2800" b="0" cap="none" spc="0" dirty="0" err="1" smtClean="0">
+                <a:ln w="18415" cmpd="sng">
+                  <a:solidFill>
+                    <a:sysClr val="windowText" lastClr="000000"/>
+                  </a:solidFill>
+                  <a:prstDash val="solid"/>
+                </a:ln>
+                <a:solidFill>
+                  <a:sysClr val="windowText" lastClr="000000"/>
+                </a:solidFill>
+                <a:effectLst>
+                  <a:outerShdw blurRad="63500" dir="3600000" algn="tl" rotWithShape="0">
+                    <a:srgbClr val="000000">
+                      <a:alpha val="70000"/>
+                    </a:srgbClr>
+                  </a:outerShdw>
+                </a:effectLst>
+              </a:rPr>
+              <a:t>뒤로가기</a:t>
+            </a:r>
+            <a:r>
+              <a:rPr lang="ko-KR" altLang="en-US" sz="2800" b="0" cap="none" spc="0" dirty="0" smtClean="0">
+                <a:ln w="18415" cmpd="sng">
+                  <a:solidFill>
+                    <a:sysClr val="windowText" lastClr="000000"/>
+                  </a:solidFill>
+                  <a:prstDash val="solid"/>
+                </a:ln>
+                <a:solidFill>
+                  <a:sysClr val="windowText" lastClr="000000"/>
+                </a:solidFill>
+                <a:effectLst>
+                  <a:outerShdw blurRad="63500" dir="3600000" algn="tl" rotWithShape="0">
+                    <a:srgbClr val="000000">
+                      <a:alpha val="70000"/>
+                    </a:srgbClr>
+                  </a:outerShdw>
+                </a:effectLst>
+              </a:rPr>
+              <a:t> 버튼이 없게</a:t>
+            </a:r>
+            <a:r>
+              <a:rPr lang="en-US" altLang="ko-KR" sz="2800" b="0" cap="none" spc="0" dirty="0" smtClean="0">
+                <a:ln w="18415" cmpd="sng">
+                  <a:solidFill>
+                    <a:sysClr val="windowText" lastClr="000000"/>
+                  </a:solidFill>
+                  <a:prstDash val="solid"/>
+                </a:ln>
+                <a:solidFill>
+                  <a:sysClr val="windowText" lastClr="000000"/>
+                </a:solidFill>
+                <a:effectLst>
+                  <a:outerShdw blurRad="63500" dir="3600000" algn="tl" rotWithShape="0">
+                    <a:srgbClr val="000000">
+                      <a:alpha val="70000"/>
+                    </a:srgbClr>
+                  </a:outerShdw>
+                </a:effectLst>
+              </a:rPr>
+              <a:t/>
+            </a:r>
+            <a:br>
+              <a:rPr lang="en-US" altLang="ko-KR" sz="2800" b="0" cap="none" spc="0" dirty="0" smtClean="0">
+                <a:ln w="18415" cmpd="sng">
+                  <a:solidFill>
+                    <a:sysClr val="windowText" lastClr="000000"/>
+                  </a:solidFill>
+                  <a:prstDash val="solid"/>
+                </a:ln>
+                <a:solidFill>
+                  <a:sysClr val="windowText" lastClr="000000"/>
+                </a:solidFill>
+                <a:effectLst>
+                  <a:outerShdw blurRad="63500" dir="3600000" algn="tl" rotWithShape="0">
+                    <a:srgbClr val="000000">
+                      <a:alpha val="70000"/>
+                    </a:srgbClr>
+                  </a:outerShdw>
+                </a:effectLst>
+              </a:rPr>
+            </a:br>
+            <a:r>
+              <a:rPr lang="ko-KR" altLang="en-US" sz="2800" b="0" cap="none" spc="0" dirty="0" smtClean="0">
+                <a:ln w="18415" cmpd="sng">
+                  <a:solidFill>
+                    <a:sysClr val="windowText" lastClr="000000"/>
+                  </a:solidFill>
+                  <a:prstDash val="solid"/>
+                </a:ln>
+                <a:solidFill>
+                  <a:sysClr val="windowText" lastClr="000000"/>
+                </a:solidFill>
+                <a:effectLst>
+                  <a:outerShdw blurRad="63500" dir="3600000" algn="tl" rotWithShape="0">
+                    <a:srgbClr val="000000">
+                      <a:alpha val="70000"/>
+                    </a:srgbClr>
+                  </a:outerShdw>
+                </a:effectLst>
+              </a:rPr>
+              <a:t>마지막 슬라이드에서는 </a:t>
+            </a:r>
+            <a:r>
+              <a:rPr lang="ko-KR" altLang="en-US" sz="2800" b="0" cap="none" spc="0" dirty="0" err="1" smtClean="0">
+                <a:ln w="18415" cmpd="sng">
+                  <a:solidFill>
+                    <a:sysClr val="windowText" lastClr="000000"/>
+                  </a:solidFill>
+                  <a:prstDash val="solid"/>
+                </a:ln>
+                <a:solidFill>
+                  <a:sysClr val="windowText" lastClr="000000"/>
+                </a:solidFill>
+                <a:effectLst>
+                  <a:outerShdw blurRad="63500" dir="3600000" algn="tl" rotWithShape="0">
+                    <a:srgbClr val="000000">
+                      <a:alpha val="70000"/>
+                    </a:srgbClr>
+                  </a:outerShdw>
+                </a:effectLst>
+              </a:rPr>
+              <a:t>앞으로가기</a:t>
+            </a:r>
+            <a:r>
+              <a:rPr lang="ko-KR" altLang="en-US" sz="2800" b="0" cap="none" spc="0" dirty="0" smtClean="0">
+                <a:ln w="18415" cmpd="sng">
+                  <a:solidFill>
+                    <a:sysClr val="windowText" lastClr="000000"/>
+                  </a:solidFill>
+                  <a:prstDash val="solid"/>
+                </a:ln>
+                <a:solidFill>
+                  <a:sysClr val="windowText" lastClr="000000"/>
+                </a:solidFill>
+                <a:effectLst>
+                  <a:outerShdw blurRad="63500" dir="3600000" algn="tl" rotWithShape="0">
+                    <a:srgbClr val="000000">
+                      <a:alpha val="70000"/>
+                    </a:srgbClr>
+                  </a:outerShdw>
+                </a:effectLst>
+              </a:rPr>
+              <a:t> 버튼이 없게</a:t>
+            </a:r>
+            <a:r>
+              <a:rPr lang="en-US" altLang="ko-KR" sz="2800" b="0" cap="none" spc="0" dirty="0" smtClean="0">
+                <a:ln w="18415" cmpd="sng">
+                  <a:solidFill>
+                    <a:sysClr val="windowText" lastClr="000000"/>
+                  </a:solidFill>
+                  <a:prstDash val="solid"/>
+                </a:ln>
+                <a:solidFill>
+                  <a:sysClr val="windowText" lastClr="000000"/>
+                </a:solidFill>
+                <a:effectLst>
+                  <a:outerShdw blurRad="63500" dir="3600000" algn="tl" rotWithShape="0">
+                    <a:srgbClr val="000000">
+                      <a:alpha val="70000"/>
+                    </a:srgbClr>
+                  </a:outerShdw>
+                </a:effectLst>
+              </a:rPr>
+              <a:t/>
+            </a:r>
+            <a:br>
+              <a:rPr lang="en-US" altLang="ko-KR" sz="2800" b="0" cap="none" spc="0" dirty="0" smtClean="0">
+                <a:ln w="18415" cmpd="sng">
+                  <a:solidFill>
+                    <a:sysClr val="windowText" lastClr="000000"/>
+                  </a:solidFill>
+                  <a:prstDash val="solid"/>
+                </a:ln>
+                <a:solidFill>
+                  <a:sysClr val="windowText" lastClr="000000"/>
+                </a:solidFill>
+                <a:effectLst>
+                  <a:outerShdw blurRad="63500" dir="3600000" algn="tl" rotWithShape="0">
+                    <a:srgbClr val="000000">
+                      <a:alpha val="70000"/>
+                    </a:srgbClr>
+                  </a:outerShdw>
+                </a:effectLst>
+              </a:rPr>
+            </a:br>
+            <a:r>
+              <a:rPr lang="en-US" altLang="ko-KR" sz="2800" b="0" cap="none" spc="0" dirty="0" smtClean="0">
+                <a:ln w="18415" cmpd="sng">
+                  <a:solidFill>
+                    <a:sysClr val="windowText" lastClr="000000"/>
+                  </a:solidFill>
+                  <a:prstDash val="solid"/>
+                </a:ln>
+                <a:solidFill>
+                  <a:sysClr val="windowText" lastClr="000000"/>
+                </a:solidFill>
+                <a:effectLst>
+                  <a:outerShdw blurRad="63500" dir="3600000" algn="tl" rotWithShape="0">
+                    <a:srgbClr val="000000">
+                      <a:alpha val="70000"/>
+                    </a:srgbClr>
+                  </a:outerShdw>
+                </a:effectLst>
+              </a:rPr>
+              <a:t>(</a:t>
+            </a:r>
+            <a:r>
+              <a:rPr lang="en-US" altLang="ko-KR" sz="2800" dirty="0" smtClean="0">
+                <a:ln w="18415" cmpd="sng">
+                  <a:solidFill>
+                    <a:sysClr val="windowText" lastClr="000000"/>
+                  </a:solidFill>
+                  <a:prstDash val="solid"/>
+                </a:ln>
+                <a:solidFill>
+                  <a:sysClr val="windowText" lastClr="000000"/>
+                </a:solidFill>
+                <a:effectLst>
+                  <a:outerShdw blurRad="63500" dir="3600000" algn="tl" rotWithShape="0">
+                    <a:srgbClr val="000000">
+                      <a:alpha val="70000"/>
+                    </a:srgbClr>
+                  </a:outerShdw>
+                </a:effectLst>
+              </a:rPr>
+              <a:t>if</a:t>
+            </a:r>
+            <a:r>
+              <a:rPr lang="ko-KR" altLang="en-US" sz="2800" dirty="0" smtClean="0">
+                <a:ln w="18415" cmpd="sng">
+                  <a:solidFill>
+                    <a:sysClr val="windowText" lastClr="000000"/>
+                  </a:solidFill>
+                  <a:prstDash val="solid"/>
+                </a:ln>
+                <a:solidFill>
+                  <a:sysClr val="windowText" lastClr="000000"/>
+                </a:solidFill>
+                <a:effectLst>
+                  <a:outerShdw blurRad="63500" dir="3600000" algn="tl" rotWithShape="0">
+                    <a:srgbClr val="000000">
+                      <a:alpha val="70000"/>
+                    </a:srgbClr>
+                  </a:outerShdw>
+                </a:effectLst>
+              </a:rPr>
+              <a:t>문 이용</a:t>
+            </a:r>
+            <a:r>
+              <a:rPr lang="en-US" altLang="ko-KR" sz="2800" dirty="0" smtClean="0">
+                <a:ln w="18415" cmpd="sng">
+                  <a:solidFill>
+                    <a:sysClr val="windowText" lastClr="000000"/>
+                  </a:solidFill>
+                  <a:prstDash val="solid"/>
+                </a:ln>
+                <a:solidFill>
+                  <a:sysClr val="windowText" lastClr="000000"/>
+                </a:solidFill>
+                <a:effectLst>
+                  <a:outerShdw blurRad="63500" dir="3600000" algn="tl" rotWithShape="0">
+                    <a:srgbClr val="000000">
+                      <a:alpha val="70000"/>
+                    </a:srgbClr>
+                  </a:outerShdw>
+                </a:effectLst>
+              </a:rPr>
+              <a:t>)</a:t>
+            </a:r>
+            <a:endParaRPr lang="en-US" altLang="ko-KR" sz="2800" b="0" cap="none" spc="0" dirty="0" smtClean="0">
+              <a:ln w="18415" cmpd="sng">
+                <a:solidFill>
+                  <a:sysClr val="windowText" lastClr="000000"/>
+                </a:solidFill>
+                <a:prstDash val="solid"/>
+              </a:ln>
+              <a:solidFill>
+                <a:sysClr val="windowText" lastClr="000000"/>
+              </a:solidFill>
+              <a:effectLst>
+                <a:outerShdw blurRad="63500" dir="3600000" algn="tl" rotWithShape="0">
+                  <a:srgbClr val="000000">
+                    <a:alpha val="70000"/>
+                  </a:srgbClr>
+                </a:outerShdw>
+              </a:effectLst>
+            </a:endParaRPr>
+          </a:p>
+        </p:txBody>
+      </p:sp>
+    </p:spTree>
+    <p:extLst>
+      <p:ext uri="{BB962C8B-B14F-4D97-AF65-F5344CB8AC3E}">
+        <p14:creationId xmlns:p14="http://schemas.microsoft.com/office/powerpoint/2010/main" val="346712464"/>
+      </p:ext>
+    </p:extLst>
+  </p:cSld>
+  <p:clrMapOvr>
+    <a:masterClrMapping/>
+  </p:clrMapOvr>
+</p:sld>
+</file>
+
+<file path=ppt/slides/slide6.xml><?xml version="1.0" encoding="utf-8"?>
 <p:sld xmlns:a="http://schemas.openxmlformats.org/drawingml/2006/main" xmlns:r="http://schemas.openxmlformats.org/officeDocument/2006/relationships" xmlns:p="http://schemas.openxmlformats.org/presentationml/2006/main">
   <p:cSld>
     <p:spTree>
@@ -6212,7 +9546,7 @@
 </p:sld>
 </file>
 
-<file path=ppt/slides/slide5.xml><?xml version="1.0" encoding="utf-8"?>
+<file path=ppt/slides/slide7.xml><?xml version="1.0" encoding="utf-8"?>
 <p:sld xmlns:a="http://schemas.openxmlformats.org/drawingml/2006/main" xmlns:r="http://schemas.openxmlformats.org/officeDocument/2006/relationships" xmlns:p="http://schemas.openxmlformats.org/presentationml/2006/main">
   <p:cSld>
     <p:spTree>
@@ -6951,7 +10285,7 @@
 </p:sld>
 </file>
 
-<file path=ppt/slides/slide6.xml><?xml version="1.0" encoding="utf-8"?>
+<file path=ppt/slides/slide8.xml><?xml version="1.0" encoding="utf-8"?>
 <p:sld xmlns:a="http://schemas.openxmlformats.org/drawingml/2006/main" xmlns:r="http://schemas.openxmlformats.org/officeDocument/2006/relationships" xmlns:p="http://schemas.openxmlformats.org/presentationml/2006/main">
   <p:cSld>
     <p:spTree>
@@ -6970,128 +10304,298 @@
       </p:grpSpPr>
       <p:sp>
         <p:nvSpPr>
-          <p:cNvPr id="4" name="Rectangle 3"/>
+          <p:cNvPr id="4" name="직사각형 3"/>
           <p:cNvSpPr/>
           <p:nvPr/>
         </p:nvSpPr>
         <p:spPr>
           <a:xfrm>
-            <a:off x="3048000" y="2967335"/>
-            <a:ext cx="6096000" cy="923330"/>
+            <a:off x="3265790" y="2250458"/>
+            <a:ext cx="5841663" cy="1015663"/>
           </a:xfrm>
           <a:prstGeom prst="rect">
             <a:avLst/>
           </a:prstGeom>
+          <a:noFill/>
         </p:spPr>
         <p:txBody>
-          <a:bodyPr>
+          <a:bodyPr wrap="none" lIns="91440" tIns="45720" rIns="91440" bIns="45720">
             <a:spAutoFit/>
           </a:bodyPr>
           <a:lstStyle/>
           <a:p>
-            <a:r>
-              <a:rPr lang="en-US" altLang="ko-KR" i="1">
-                <a:solidFill>
-                  <a:srgbClr val="7F848E"/>
-                </a:solidFill>
-                <a:latin typeface="Consolas" panose="020B0609020204030204" pitchFamily="49" charset="0"/>
-              </a:rPr>
-              <a:t>// (</a:t>
-            </a:r>
-            <a:r>
-              <a:rPr lang="ko-KR" altLang="en-US" i="1">
-                <a:solidFill>
-                  <a:srgbClr val="7F848E"/>
-                </a:solidFill>
-                <a:latin typeface="Consolas" panose="020B0609020204030204" pitchFamily="49" charset="0"/>
-              </a:rPr>
-              <a:t>추가</a:t>
-            </a:r>
-            <a:r>
-              <a:rPr lang="en-US" altLang="ko-KR" i="1">
-                <a:solidFill>
-                  <a:srgbClr val="7F848E"/>
-                </a:solidFill>
-                <a:latin typeface="Consolas" panose="020B0609020204030204" pitchFamily="49" charset="0"/>
-              </a:rPr>
-              <a:t>) </a:t>
-            </a:r>
-            <a:r>
-              <a:rPr lang="ko-KR" altLang="en-US" i="1">
-                <a:solidFill>
-                  <a:srgbClr val="7F848E"/>
-                </a:solidFill>
-                <a:latin typeface="Consolas" panose="020B0609020204030204" pitchFamily="49" charset="0"/>
-              </a:rPr>
-              <a:t>첫번째 슬라이드 먼저 보이도록 하기</a:t>
-            </a:r>
-            <a:endParaRPr lang="ko-KR" altLang="en-US">
+            <a:pPr algn="ctr"/>
+            <a:r>
+              <a:rPr lang="ko-KR" altLang="en-US" sz="6000" dirty="0" err="1" smtClean="0">
+                <a:ln w="18415" cmpd="sng">
+                  <a:solidFill>
+                    <a:sysClr val="windowText" lastClr="000000"/>
+                  </a:solidFill>
+                  <a:prstDash val="solid"/>
+                </a:ln>
+                <a:solidFill>
+                  <a:sysClr val="windowText" lastClr="000000"/>
+                </a:solidFill>
+                <a:effectLst>
+                  <a:outerShdw blurRad="63500" dir="3600000" algn="tl" rotWithShape="0">
+                    <a:srgbClr val="000000">
+                      <a:alpha val="70000"/>
+                    </a:srgbClr>
+                  </a:outerShdw>
+                </a:effectLst>
+              </a:rPr>
+              <a:t>컨텐츠</a:t>
+            </a:r>
+            <a:r>
+              <a:rPr lang="ko-KR" altLang="en-US" sz="6000" dirty="0" smtClean="0">
+                <a:ln w="18415" cmpd="sng">
+                  <a:solidFill>
+                    <a:sysClr val="windowText" lastClr="000000"/>
+                  </a:solidFill>
+                  <a:prstDash val="solid"/>
+                </a:ln>
+                <a:solidFill>
+                  <a:sysClr val="windowText" lastClr="000000"/>
+                </a:solidFill>
+                <a:effectLst>
+                  <a:outerShdw blurRad="63500" dir="3600000" algn="tl" rotWithShape="0">
+                    <a:srgbClr val="000000">
+                      <a:alpha val="70000"/>
+                    </a:srgbClr>
+                  </a:outerShdw>
+                </a:effectLst>
+              </a:rPr>
+              <a:t> 가로배열</a:t>
+            </a:r>
+            <a:endParaRPr lang="en-US" altLang="ko-KR" sz="6000" b="0" cap="none" spc="0" dirty="0" smtClean="0">
+              <a:ln w="18415" cmpd="sng">
+                <a:solidFill>
+                  <a:sysClr val="windowText" lastClr="000000"/>
+                </a:solidFill>
+                <a:prstDash val="solid"/>
+              </a:ln>
               <a:solidFill>
-                <a:srgbClr val="ABB2BF"/>
+                <a:sysClr val="windowText" lastClr="000000"/>
               </a:solidFill>
-              <a:latin typeface="Consolas" panose="020B0609020204030204" pitchFamily="49" charset="0"/>
+              <a:effectLst>
+                <a:outerShdw blurRad="63500" dir="3600000" algn="tl" rotWithShape="0">
+                  <a:srgbClr val="000000">
+                    <a:alpha val="70000"/>
+                  </a:srgbClr>
+                </a:outerShdw>
+              </a:effectLst>
             </a:endParaRPr>
           </a:p>
-          <a:p>
-            <a:r>
-              <a:rPr lang="ko-KR" altLang="en-US">
-                <a:solidFill>
-                  <a:srgbClr val="ABB2BF"/>
-                </a:solidFill>
-                <a:latin typeface="Consolas" panose="020B0609020204030204" pitchFamily="49" charset="0"/>
-              </a:rPr>
-              <a:t/>
-            </a:r>
-            <a:br>
-              <a:rPr lang="ko-KR" altLang="en-US">
-                <a:solidFill>
-                  <a:srgbClr val="ABB2BF"/>
-                </a:solidFill>
-                <a:latin typeface="Consolas" panose="020B0609020204030204" pitchFamily="49" charset="0"/>
-              </a:rPr>
-            </a:br>
-            <a:r>
-              <a:rPr lang="en-US" altLang="ko-KR">
-                <a:solidFill>
-                  <a:srgbClr val="61AFEF"/>
-                </a:solidFill>
-                <a:latin typeface="Consolas" panose="020B0609020204030204" pitchFamily="49" charset="0"/>
-              </a:rPr>
-              <a:t>goToSlide</a:t>
-            </a:r>
-            <a:r>
-              <a:rPr lang="en-US" altLang="ko-KR">
-                <a:solidFill>
-                  <a:srgbClr val="ABB2BF"/>
-                </a:solidFill>
-                <a:latin typeface="Consolas" panose="020B0609020204030204" pitchFamily="49" charset="0"/>
-              </a:rPr>
-              <a:t>(</a:t>
-            </a:r>
-            <a:r>
-              <a:rPr lang="en-US" altLang="ko-KR">
-                <a:solidFill>
-                  <a:srgbClr val="D19A66"/>
-                </a:solidFill>
-                <a:latin typeface="Consolas" panose="020B0609020204030204" pitchFamily="49" charset="0"/>
-              </a:rPr>
-              <a:t>0</a:t>
-            </a:r>
-            <a:r>
-              <a:rPr lang="en-US" altLang="ko-KR">
-                <a:solidFill>
-                  <a:srgbClr val="ABB2BF"/>
-                </a:solidFill>
-                <a:latin typeface="Consolas" panose="020B0609020204030204" pitchFamily="49" charset="0"/>
-              </a:rPr>
-              <a:t>);</a:t>
-            </a:r>
-            <a:endParaRPr lang="en-US" altLang="ko-KR" b="0">
+        </p:txBody>
+      </p:sp>
+      <p:sp>
+        <p:nvSpPr>
+          <p:cNvPr id="3" name="직사각형 2"/>
+          <p:cNvSpPr/>
+          <p:nvPr/>
+        </p:nvSpPr>
+        <p:spPr>
+          <a:xfrm>
+            <a:off x="2659065" y="3370300"/>
+            <a:ext cx="7055136" cy="954107"/>
+          </a:xfrm>
+          <a:prstGeom prst="rect">
+            <a:avLst/>
+          </a:prstGeom>
+          <a:noFill/>
+        </p:spPr>
+        <p:txBody>
+          <a:bodyPr wrap="none" lIns="91440" tIns="45720" rIns="91440" bIns="45720">
+            <a:spAutoFit/>
+          </a:bodyPr>
+          <a:lstStyle/>
+          <a:p>
+            <a:pPr algn="ctr"/>
+            <a:r>
+              <a:rPr lang="ko-KR" altLang="en-US" sz="2800" b="0" cap="none" spc="0" dirty="0" smtClean="0">
+                <a:ln w="18415" cmpd="sng">
+                  <a:solidFill>
+                    <a:sysClr val="windowText" lastClr="000000"/>
+                  </a:solidFill>
+                  <a:prstDash val="solid"/>
+                </a:ln>
+                <a:solidFill>
+                  <a:sysClr val="windowText" lastClr="000000"/>
+                </a:solidFill>
+                <a:effectLst>
+                  <a:outerShdw blurRad="63500" dir="3600000" algn="tl" rotWithShape="0">
+                    <a:srgbClr val="000000">
+                      <a:alpha val="70000"/>
+                    </a:srgbClr>
+                  </a:outerShdw>
+                </a:effectLst>
+              </a:rPr>
+              <a:t>기존에 </a:t>
+            </a:r>
+            <a:r>
+              <a:rPr lang="en-US" altLang="ko-KR" sz="2800" b="0" cap="none" spc="0" dirty="0" smtClean="0">
+                <a:ln w="18415" cmpd="sng">
+                  <a:solidFill>
+                    <a:sysClr val="windowText" lastClr="000000"/>
+                  </a:solidFill>
+                  <a:prstDash val="solid"/>
+                </a:ln>
+                <a:solidFill>
+                  <a:sysClr val="windowText" lastClr="000000"/>
+                </a:solidFill>
+                <a:effectLst>
+                  <a:outerShdw blurRad="63500" dir="3600000" algn="tl" rotWithShape="0">
+                    <a:srgbClr val="000000">
+                      <a:alpha val="70000"/>
+                    </a:srgbClr>
+                  </a:outerShdw>
+                </a:effectLst>
+              </a:rPr>
+              <a:t>CSS</a:t>
+            </a:r>
+            <a:r>
+              <a:rPr lang="ko-KR" altLang="en-US" sz="2800" b="0" cap="none" spc="0" dirty="0" smtClean="0">
+                <a:ln w="18415" cmpd="sng">
+                  <a:solidFill>
+                    <a:sysClr val="windowText" lastClr="000000"/>
+                  </a:solidFill>
+                  <a:prstDash val="solid"/>
+                </a:ln>
+                <a:solidFill>
+                  <a:sysClr val="windowText" lastClr="000000"/>
+                </a:solidFill>
+                <a:effectLst>
+                  <a:outerShdw blurRad="63500" dir="3600000" algn="tl" rotWithShape="0">
+                    <a:srgbClr val="000000">
+                      <a:alpha val="70000"/>
+                    </a:srgbClr>
+                  </a:outerShdw>
+                </a:effectLst>
+              </a:rPr>
+              <a:t>로 만들어놓은 가로배열 지우고</a:t>
+            </a:r>
+            <a:endParaRPr lang="en-US" altLang="ko-KR" sz="2800" b="0" cap="none" spc="0" dirty="0" smtClean="0">
+              <a:ln w="18415" cmpd="sng">
+                <a:solidFill>
+                  <a:sysClr val="windowText" lastClr="000000"/>
+                </a:solidFill>
+                <a:prstDash val="solid"/>
+              </a:ln>
               <a:solidFill>
-                <a:srgbClr val="ABB2BF"/>
+                <a:sysClr val="windowText" lastClr="000000"/>
               </a:solidFill>
-              <a:effectLst/>
-              <a:latin typeface="Consolas" panose="020B0609020204030204" pitchFamily="49" charset="0"/>
+              <a:effectLst>
+                <a:outerShdw blurRad="63500" dir="3600000" algn="tl" rotWithShape="0">
+                  <a:srgbClr val="000000">
+                    <a:alpha val="70000"/>
+                  </a:srgbClr>
+                </a:outerShdw>
+              </a:effectLst>
+            </a:endParaRPr>
+          </a:p>
+          <a:p>
+            <a:pPr algn="ctr"/>
+            <a:r>
+              <a:rPr lang="ko-KR" altLang="en-US" sz="2800" dirty="0" smtClean="0">
+                <a:ln w="18415" cmpd="sng">
+                  <a:solidFill>
+                    <a:sysClr val="windowText" lastClr="000000"/>
+                  </a:solidFill>
+                  <a:prstDash val="solid"/>
+                </a:ln>
+                <a:solidFill>
+                  <a:sysClr val="windowText" lastClr="000000"/>
+                </a:solidFill>
+                <a:effectLst>
+                  <a:outerShdw blurRad="63500" dir="3600000" algn="tl" rotWithShape="0">
+                    <a:srgbClr val="000000">
+                      <a:alpha val="70000"/>
+                    </a:srgbClr>
+                  </a:outerShdw>
+                </a:effectLst>
+              </a:rPr>
+              <a:t>스크립트로 짜기 </a:t>
+            </a:r>
+            <a:r>
+              <a:rPr lang="en-US" altLang="ko-KR" sz="2800" dirty="0" smtClean="0">
+                <a:ln w="18415" cmpd="sng">
+                  <a:solidFill>
+                    <a:sysClr val="windowText" lastClr="000000"/>
+                  </a:solidFill>
+                  <a:prstDash val="solid"/>
+                </a:ln>
+                <a:solidFill>
+                  <a:sysClr val="windowText" lastClr="000000"/>
+                </a:solidFill>
+                <a:effectLst>
+                  <a:outerShdw blurRad="63500" dir="3600000" algn="tl" rotWithShape="0">
+                    <a:srgbClr val="000000">
+                      <a:alpha val="70000"/>
+                    </a:srgbClr>
+                  </a:outerShdw>
+                </a:effectLst>
+              </a:rPr>
+              <a:t>(for</a:t>
+            </a:r>
+            <a:r>
+              <a:rPr lang="ko-KR" altLang="en-US" sz="2800" dirty="0" err="1" smtClean="0">
+                <a:ln w="18415" cmpd="sng">
+                  <a:solidFill>
+                    <a:sysClr val="windowText" lastClr="000000"/>
+                  </a:solidFill>
+                  <a:prstDash val="solid"/>
+                </a:ln>
+                <a:solidFill>
+                  <a:sysClr val="windowText" lastClr="000000"/>
+                </a:solidFill>
+                <a:effectLst>
+                  <a:outerShdw blurRad="63500" dir="3600000" algn="tl" rotWithShape="0">
+                    <a:srgbClr val="000000">
+                      <a:alpha val="70000"/>
+                    </a:srgbClr>
+                  </a:outerShdw>
+                </a:effectLst>
+              </a:rPr>
+              <a:t>문이용</a:t>
+            </a:r>
+            <a:r>
+              <a:rPr lang="en-US" altLang="ko-KR" sz="2800" dirty="0" smtClean="0">
+                <a:ln w="18415" cmpd="sng">
+                  <a:solidFill>
+                    <a:sysClr val="windowText" lastClr="000000"/>
+                  </a:solidFill>
+                  <a:prstDash val="solid"/>
+                </a:ln>
+                <a:solidFill>
+                  <a:sysClr val="windowText" lastClr="000000"/>
+                </a:solidFill>
+                <a:effectLst>
+                  <a:outerShdw blurRad="63500" dir="3600000" algn="tl" rotWithShape="0">
+                    <a:srgbClr val="000000">
+                      <a:alpha val="70000"/>
+                    </a:srgbClr>
+                  </a:outerShdw>
+                </a:effectLst>
+              </a:rPr>
+              <a:t>)</a:t>
+            </a:r>
+            <a:endParaRPr lang="en-US" altLang="ko-KR" sz="2800" b="0" cap="none" spc="0" dirty="0" smtClean="0">
+              <a:ln w="18415" cmpd="sng">
+                <a:solidFill>
+                  <a:sysClr val="windowText" lastClr="000000"/>
+                </a:solidFill>
+                <a:prstDash val="solid"/>
+              </a:ln>
+              <a:solidFill>
+                <a:sysClr val="windowText" lastClr="000000"/>
+              </a:solidFill>
+              <a:effectLst>
+                <a:outerShdw blurRad="63500" dir="3600000" algn="tl" rotWithShape="0">
+                  <a:srgbClr val="000000">
+                    <a:alpha val="70000"/>
+                  </a:srgbClr>
+                </a:outerShdw>
+              </a:effectLst>
             </a:endParaRPr>
           </a:p>
         </p:txBody>
@@ -7099,7 +10603,7 @@
     </p:spTree>
     <p:extLst>
       <p:ext uri="{BB962C8B-B14F-4D97-AF65-F5344CB8AC3E}">
-        <p14:creationId xmlns:p14="http://schemas.microsoft.com/office/powerpoint/2010/main" val="553946556"/>
+        <p14:creationId xmlns:p14="http://schemas.microsoft.com/office/powerpoint/2010/main" val="3764648499"/>
       </p:ext>
     </p:extLst>
   </p:cSld>
@@ -7109,7 +10613,7 @@
 </p:sld>
 </file>
 
-<file path=ppt/slides/slide7.xml><?xml version="1.0" encoding="utf-8"?>
+<file path=ppt/slides/slide9.xml><?xml version="1.0" encoding="utf-8"?>
 <p:sld xmlns:a="http://schemas.openxmlformats.org/drawingml/2006/main" xmlns:r="http://schemas.openxmlformats.org/officeDocument/2006/relationships" xmlns:p="http://schemas.openxmlformats.org/presentationml/2006/main">
   <p:cSld>
     <p:spTree>
@@ -7581,7 +11085,7 @@
         <p:spPr>
           <a:xfrm>
             <a:off x="1539240" y="1714607"/>
-            <a:ext cx="9406128" cy="646331"/>
+            <a:ext cx="9406128" cy="1200329"/>
           </a:xfrm>
           <a:prstGeom prst="rect">
             <a:avLst/>
@@ -7594,7 +11098,7 @@
           <a:lstStyle/>
           <a:p>
             <a:r>
-              <a:rPr lang="en-US" altLang="ko-KR" b="1">
+              <a:rPr lang="en-US" altLang="ko-KR" b="1" dirty="0">
                 <a:solidFill>
                   <a:srgbClr val="FF0000"/>
                 </a:solidFill>
@@ -7603,7 +11107,7 @@
               <a:t>(</a:t>
             </a:r>
             <a:r>
-              <a:rPr lang="ko-KR" altLang="en-US" b="1">
+              <a:rPr lang="ko-KR" altLang="en-US" b="1" dirty="0">
                 <a:solidFill>
                   <a:srgbClr val="FF0000"/>
                 </a:solidFill>
@@ -7612,7 +11116,7 @@
               <a:t>슬라이드 가로배열용도</a:t>
             </a:r>
             <a:r>
-              <a:rPr lang="en-US" altLang="ko-KR" b="1">
+              <a:rPr lang="en-US" altLang="ko-KR" b="1" dirty="0" smtClean="0">
                 <a:solidFill>
                   <a:srgbClr val="FF0000"/>
                 </a:solidFill>
@@ -7620,149 +11124,276 @@
               </a:rPr>
               <a:t>)</a:t>
             </a:r>
-            <a:endParaRPr lang="en-US" altLang="ko-KR" i="1">
+          </a:p>
+          <a:p>
+            <a:r>
+              <a:rPr lang="en-US" altLang="ko-KR" dirty="0" err="1" smtClean="0">
+                <a:solidFill>
+                  <a:srgbClr val="C678DD"/>
+                </a:solidFill>
+                <a:latin typeface="Consolas" panose="020B0609020204030204" pitchFamily="49" charset="0"/>
+              </a:rPr>
+              <a:t>var</a:t>
+            </a:r>
+            <a:r>
+              <a:rPr lang="en-US" altLang="ko-KR" dirty="0">
+                <a:solidFill>
+                  <a:srgbClr val="ABB2BF"/>
+                </a:solidFill>
+                <a:latin typeface="Consolas" panose="020B0609020204030204" pitchFamily="49" charset="0"/>
+              </a:rPr>
+              <a:t> </a:t>
+            </a:r>
+            <a:r>
+              <a:rPr lang="en-US" altLang="ko-KR" dirty="0">
+                <a:solidFill>
+                  <a:srgbClr val="E06C75"/>
+                </a:solidFill>
+                <a:latin typeface="Consolas" panose="020B0609020204030204" pitchFamily="49" charset="0"/>
+              </a:rPr>
+              <a:t>slides</a:t>
+            </a:r>
+            <a:r>
+              <a:rPr lang="en-US" altLang="ko-KR" dirty="0">
+                <a:solidFill>
+                  <a:srgbClr val="ABB2BF"/>
+                </a:solidFill>
+                <a:latin typeface="Consolas" panose="020B0609020204030204" pitchFamily="49" charset="0"/>
+              </a:rPr>
+              <a:t> </a:t>
+            </a:r>
+            <a:r>
+              <a:rPr lang="en-US" altLang="ko-KR" dirty="0">
+                <a:solidFill>
+                  <a:srgbClr val="56B6C2"/>
+                </a:solidFill>
+                <a:latin typeface="Consolas" panose="020B0609020204030204" pitchFamily="49" charset="0"/>
+              </a:rPr>
+              <a:t>=</a:t>
+            </a:r>
+            <a:r>
+              <a:rPr lang="en-US" altLang="ko-KR" dirty="0">
+                <a:solidFill>
+                  <a:srgbClr val="ABB2BF"/>
+                </a:solidFill>
+                <a:latin typeface="Consolas" panose="020B0609020204030204" pitchFamily="49" charset="0"/>
+              </a:rPr>
+              <a:t> </a:t>
+            </a:r>
+            <a:r>
+              <a:rPr lang="en-US" altLang="ko-KR" dirty="0" err="1">
+                <a:solidFill>
+                  <a:srgbClr val="E06C75"/>
+                </a:solidFill>
+                <a:latin typeface="Consolas" panose="020B0609020204030204" pitchFamily="49" charset="0"/>
+              </a:rPr>
+              <a:t>document</a:t>
+            </a:r>
+            <a:r>
+              <a:rPr lang="en-US" altLang="ko-KR" dirty="0" err="1">
+                <a:solidFill>
+                  <a:srgbClr val="ABB2BF"/>
+                </a:solidFill>
+                <a:latin typeface="Consolas" panose="020B0609020204030204" pitchFamily="49" charset="0"/>
+              </a:rPr>
+              <a:t>.</a:t>
+            </a:r>
+            <a:r>
+              <a:rPr lang="en-US" altLang="ko-KR" dirty="0" err="1">
+                <a:solidFill>
+                  <a:srgbClr val="61AFEF"/>
+                </a:solidFill>
+                <a:latin typeface="Consolas" panose="020B0609020204030204" pitchFamily="49" charset="0"/>
+              </a:rPr>
+              <a:t>getElementsByClassName</a:t>
+            </a:r>
+            <a:r>
+              <a:rPr lang="en-US" altLang="ko-KR" dirty="0">
+                <a:solidFill>
+                  <a:srgbClr val="ABB2BF"/>
+                </a:solidFill>
+                <a:latin typeface="Consolas" panose="020B0609020204030204" pitchFamily="49" charset="0"/>
+              </a:rPr>
+              <a:t>(</a:t>
+            </a:r>
+            <a:r>
+              <a:rPr lang="en-US" altLang="ko-KR" dirty="0">
+                <a:solidFill>
+                  <a:srgbClr val="98C379"/>
+                </a:solidFill>
+                <a:latin typeface="Consolas" panose="020B0609020204030204" pitchFamily="49" charset="0"/>
+              </a:rPr>
+              <a:t>'slide'</a:t>
+            </a:r>
+            <a:r>
+              <a:rPr lang="en-US" altLang="ko-KR" dirty="0">
+                <a:solidFill>
+                  <a:srgbClr val="ABB2BF"/>
+                </a:solidFill>
+                <a:latin typeface="Consolas" panose="020B0609020204030204" pitchFamily="49" charset="0"/>
+              </a:rPr>
+              <a:t>);  </a:t>
+            </a:r>
+            <a:r>
+              <a:rPr lang="en-US" altLang="ko-KR" i="1" dirty="0">
+                <a:solidFill>
+                  <a:srgbClr val="7F848E"/>
+                </a:solidFill>
+                <a:latin typeface="Consolas" panose="020B0609020204030204" pitchFamily="49" charset="0"/>
+              </a:rPr>
+              <a:t>//</a:t>
+            </a:r>
+            <a:r>
+              <a:rPr lang="ko-KR" altLang="en-US" i="1" dirty="0" err="1">
+                <a:solidFill>
+                  <a:srgbClr val="7F848E"/>
+                </a:solidFill>
+                <a:latin typeface="Consolas" panose="020B0609020204030204" pitchFamily="49" charset="0"/>
+              </a:rPr>
+              <a:t>클래스명</a:t>
+            </a:r>
+            <a:r>
+              <a:rPr lang="ko-KR" altLang="en-US" i="1" dirty="0">
+                <a:solidFill>
+                  <a:srgbClr val="7F848E"/>
+                </a:solidFill>
+                <a:latin typeface="Consolas" panose="020B0609020204030204" pitchFamily="49" charset="0"/>
+              </a:rPr>
+              <a:t> </a:t>
+            </a:r>
+            <a:r>
+              <a:rPr lang="en-US" altLang="ko-KR" i="1" dirty="0" smtClean="0">
+                <a:solidFill>
+                  <a:srgbClr val="7F848E"/>
+                </a:solidFill>
+                <a:latin typeface="Consolas" panose="020B0609020204030204" pitchFamily="49" charset="0"/>
+              </a:rPr>
+              <a:t>slide</a:t>
+            </a:r>
+          </a:p>
+          <a:p>
+            <a:r>
+              <a:rPr lang="en-US" altLang="ko-KR" dirty="0" err="1">
+                <a:solidFill>
+                  <a:srgbClr val="C678DD"/>
+                </a:solidFill>
+                <a:latin typeface="Consolas" panose="020B0609020204030204" pitchFamily="49" charset="0"/>
+              </a:rPr>
+              <a:t>var</a:t>
+            </a:r>
+            <a:r>
+              <a:rPr lang="en-US" altLang="ko-KR" dirty="0">
+                <a:solidFill>
+                  <a:srgbClr val="ABB2BF"/>
+                </a:solidFill>
+                <a:latin typeface="Consolas" panose="020B0609020204030204" pitchFamily="49" charset="0"/>
+              </a:rPr>
+              <a:t> </a:t>
+            </a:r>
+            <a:r>
+              <a:rPr lang="en-US" altLang="ko-KR" dirty="0" err="1">
+                <a:solidFill>
+                  <a:srgbClr val="E06C75"/>
+                </a:solidFill>
+                <a:latin typeface="Consolas" panose="020B0609020204030204" pitchFamily="49" charset="0"/>
+              </a:rPr>
+              <a:t>slideCount</a:t>
+            </a:r>
+            <a:r>
+              <a:rPr lang="en-US" altLang="ko-KR" dirty="0">
+                <a:solidFill>
+                  <a:srgbClr val="ABB2BF"/>
+                </a:solidFill>
+                <a:latin typeface="Consolas" panose="020B0609020204030204" pitchFamily="49" charset="0"/>
+              </a:rPr>
+              <a:t> </a:t>
+            </a:r>
+            <a:r>
+              <a:rPr lang="en-US" altLang="ko-KR" dirty="0">
+                <a:solidFill>
+                  <a:srgbClr val="56B6C2"/>
+                </a:solidFill>
+                <a:latin typeface="Consolas" panose="020B0609020204030204" pitchFamily="49" charset="0"/>
+              </a:rPr>
+              <a:t>=</a:t>
+            </a:r>
+            <a:r>
+              <a:rPr lang="en-US" altLang="ko-KR" dirty="0">
+                <a:solidFill>
+                  <a:srgbClr val="ABB2BF"/>
+                </a:solidFill>
+                <a:latin typeface="Consolas" panose="020B0609020204030204" pitchFamily="49" charset="0"/>
+              </a:rPr>
+              <a:t> </a:t>
+            </a:r>
+            <a:r>
+              <a:rPr lang="en-US" altLang="ko-KR" dirty="0" err="1">
+                <a:solidFill>
+                  <a:srgbClr val="E06C75"/>
+                </a:solidFill>
+                <a:latin typeface="Consolas" panose="020B0609020204030204" pitchFamily="49" charset="0"/>
+              </a:rPr>
+              <a:t>slides</a:t>
+            </a:r>
+            <a:r>
+              <a:rPr lang="en-US" altLang="ko-KR" dirty="0" err="1">
+                <a:solidFill>
+                  <a:srgbClr val="ABB2BF"/>
+                </a:solidFill>
+                <a:latin typeface="Consolas" panose="020B0609020204030204" pitchFamily="49" charset="0"/>
+              </a:rPr>
+              <a:t>.</a:t>
+            </a:r>
+            <a:r>
+              <a:rPr lang="en-US" altLang="ko-KR" dirty="0" err="1">
+                <a:solidFill>
+                  <a:srgbClr val="E06C75"/>
+                </a:solidFill>
+                <a:latin typeface="Consolas" panose="020B0609020204030204" pitchFamily="49" charset="0"/>
+              </a:rPr>
+              <a:t>length</a:t>
+            </a:r>
+            <a:r>
+              <a:rPr lang="en-US" altLang="ko-KR" dirty="0">
+                <a:solidFill>
+                  <a:srgbClr val="ABB2BF"/>
+                </a:solidFill>
+                <a:latin typeface="Consolas" panose="020B0609020204030204" pitchFamily="49" charset="0"/>
+              </a:rPr>
+              <a:t>;  </a:t>
+            </a:r>
+            <a:r>
+              <a:rPr lang="en-US" altLang="ko-KR" i="1" dirty="0">
+                <a:solidFill>
+                  <a:srgbClr val="7F848E"/>
+                </a:solidFill>
+                <a:latin typeface="Consolas" panose="020B0609020204030204" pitchFamily="49" charset="0"/>
+              </a:rPr>
+              <a:t>// </a:t>
+            </a:r>
+            <a:r>
+              <a:rPr lang="ko-KR" altLang="en-US" i="1" dirty="0">
+                <a:solidFill>
+                  <a:srgbClr val="7F848E"/>
+                </a:solidFill>
+                <a:latin typeface="Consolas" panose="020B0609020204030204" pitchFamily="49" charset="0"/>
+              </a:rPr>
+              <a:t>슬라이드 개수</a:t>
+            </a:r>
+            <a:endParaRPr lang="ko-KR" altLang="en-US" dirty="0">
+              <a:solidFill>
+                <a:srgbClr val="ABB2BF"/>
+              </a:solidFill>
+              <a:latin typeface="Consolas" panose="020B0609020204030204" pitchFamily="49" charset="0"/>
+            </a:endParaRPr>
+          </a:p>
+          <a:p>
+            <a:endParaRPr lang="en-US" altLang="ko-KR" i="1" dirty="0">
               <a:solidFill>
                 <a:srgbClr val="7F848E"/>
               </a:solidFill>
               <a:latin typeface="Consolas" panose="020B0609020204030204" pitchFamily="49" charset="0"/>
             </a:endParaRPr>
-          </a:p>
-          <a:p>
-            <a:r>
-              <a:rPr lang="en-US" altLang="ko-KR">
-                <a:solidFill>
-                  <a:srgbClr val="C678DD"/>
-                </a:solidFill>
-                <a:latin typeface="Consolas" panose="020B0609020204030204" pitchFamily="49" charset="0"/>
-              </a:rPr>
-              <a:t>var</a:t>
-            </a:r>
-            <a:r>
-              <a:rPr lang="en-US" altLang="ko-KR">
-                <a:solidFill>
-                  <a:srgbClr val="ABB2BF"/>
-                </a:solidFill>
-                <a:latin typeface="Consolas" panose="020B0609020204030204" pitchFamily="49" charset="0"/>
-              </a:rPr>
-              <a:t> </a:t>
-            </a:r>
-            <a:r>
-              <a:rPr lang="en-US" altLang="ko-KR">
-                <a:solidFill>
-                  <a:srgbClr val="E06C75"/>
-                </a:solidFill>
-                <a:latin typeface="Consolas" panose="020B0609020204030204" pitchFamily="49" charset="0"/>
-              </a:rPr>
-              <a:t>slides</a:t>
-            </a:r>
-            <a:r>
-              <a:rPr lang="en-US" altLang="ko-KR">
-                <a:solidFill>
-                  <a:srgbClr val="ABB2BF"/>
-                </a:solidFill>
-                <a:latin typeface="Consolas" panose="020B0609020204030204" pitchFamily="49" charset="0"/>
-              </a:rPr>
-              <a:t> </a:t>
-            </a:r>
-            <a:r>
-              <a:rPr lang="en-US" altLang="ko-KR">
-                <a:solidFill>
-                  <a:srgbClr val="56B6C2"/>
-                </a:solidFill>
-                <a:latin typeface="Consolas" panose="020B0609020204030204" pitchFamily="49" charset="0"/>
-              </a:rPr>
-              <a:t>=</a:t>
-            </a:r>
-            <a:r>
-              <a:rPr lang="en-US" altLang="ko-KR">
-                <a:solidFill>
-                  <a:srgbClr val="ABB2BF"/>
-                </a:solidFill>
-                <a:latin typeface="Consolas" panose="020B0609020204030204" pitchFamily="49" charset="0"/>
-              </a:rPr>
-              <a:t> </a:t>
-            </a:r>
-            <a:r>
-              <a:rPr lang="en-US" altLang="ko-KR">
-                <a:solidFill>
-                  <a:srgbClr val="E06C75"/>
-                </a:solidFill>
-                <a:latin typeface="Consolas" panose="020B0609020204030204" pitchFamily="49" charset="0"/>
-              </a:rPr>
-              <a:t>document</a:t>
-            </a:r>
-            <a:r>
-              <a:rPr lang="en-US" altLang="ko-KR">
-                <a:solidFill>
-                  <a:srgbClr val="ABB2BF"/>
-                </a:solidFill>
-                <a:latin typeface="Consolas" panose="020B0609020204030204" pitchFamily="49" charset="0"/>
-              </a:rPr>
-              <a:t>.</a:t>
-            </a:r>
-            <a:r>
-              <a:rPr lang="en-US" altLang="ko-KR">
-                <a:solidFill>
-                  <a:srgbClr val="61AFEF"/>
-                </a:solidFill>
-                <a:latin typeface="Consolas" panose="020B0609020204030204" pitchFamily="49" charset="0"/>
-              </a:rPr>
-              <a:t>getElementsByClassName</a:t>
-            </a:r>
-            <a:r>
-              <a:rPr lang="en-US" altLang="ko-KR">
-                <a:solidFill>
-                  <a:srgbClr val="ABB2BF"/>
-                </a:solidFill>
-                <a:latin typeface="Consolas" panose="020B0609020204030204" pitchFamily="49" charset="0"/>
-              </a:rPr>
-              <a:t>(</a:t>
-            </a:r>
-            <a:r>
-              <a:rPr lang="en-US" altLang="ko-KR">
-                <a:solidFill>
-                  <a:srgbClr val="98C379"/>
-                </a:solidFill>
-                <a:latin typeface="Consolas" panose="020B0609020204030204" pitchFamily="49" charset="0"/>
-              </a:rPr>
-              <a:t>'slide'</a:t>
-            </a:r>
-            <a:r>
-              <a:rPr lang="en-US" altLang="ko-KR">
-                <a:solidFill>
-                  <a:srgbClr val="ABB2BF"/>
-                </a:solidFill>
-                <a:latin typeface="Consolas" panose="020B0609020204030204" pitchFamily="49" charset="0"/>
-              </a:rPr>
-              <a:t>);  </a:t>
-            </a:r>
-            <a:r>
-              <a:rPr lang="en-US" altLang="ko-KR" i="1">
-                <a:solidFill>
-                  <a:srgbClr val="7F848E"/>
-                </a:solidFill>
-                <a:latin typeface="Consolas" panose="020B0609020204030204" pitchFamily="49" charset="0"/>
-              </a:rPr>
-              <a:t>//</a:t>
-            </a:r>
-            <a:r>
-              <a:rPr lang="ko-KR" altLang="en-US" i="1">
-                <a:solidFill>
-                  <a:srgbClr val="7F848E"/>
-                </a:solidFill>
-                <a:latin typeface="Consolas" panose="020B0609020204030204" pitchFamily="49" charset="0"/>
-              </a:rPr>
-              <a:t>클래스명 </a:t>
-            </a:r>
-            <a:r>
-              <a:rPr lang="en-US" altLang="ko-KR" i="1">
-                <a:solidFill>
-                  <a:srgbClr val="7F848E"/>
-                </a:solidFill>
-                <a:latin typeface="Consolas" panose="020B0609020204030204" pitchFamily="49" charset="0"/>
-              </a:rPr>
-              <a:t>slide</a:t>
-            </a:r>
           </a:p>
         </p:txBody>
       </p:sp>
@@ -7770,1682 +11401,6 @@
     <p:extLst>
       <p:ext uri="{BB962C8B-B14F-4D97-AF65-F5344CB8AC3E}">
         <p14:creationId xmlns:p14="http://schemas.microsoft.com/office/powerpoint/2010/main" val="2704689608"/>
-      </p:ext>
-    </p:extLst>
-  </p:cSld>
-  <p:clrMapOvr>
-    <a:masterClrMapping/>
-  </p:clrMapOvr>
-</p:sld>
-</file>
-
-<file path=ppt/slides/slide8.xml><?xml version="1.0" encoding="utf-8"?>
-<p:sld xmlns:a="http://schemas.openxmlformats.org/drawingml/2006/main" xmlns:r="http://schemas.openxmlformats.org/officeDocument/2006/relationships" xmlns:p="http://schemas.openxmlformats.org/presentationml/2006/main">
-  <p:cSld>
-    <p:spTree>
-      <p:nvGrpSpPr>
-        <p:cNvPr id="1" name=""/>
-        <p:cNvGrpSpPr/>
-        <p:nvPr/>
-      </p:nvGrpSpPr>
-      <p:grpSpPr>
-        <a:xfrm>
-          <a:off x="0" y="0"/>
-          <a:ext cx="0" cy="0"/>
-          <a:chOff x="0" y="0"/>
-          <a:chExt cx="0" cy="0"/>
-        </a:xfrm>
-      </p:grpSpPr>
-      <p:sp>
-        <p:nvSpPr>
-          <p:cNvPr id="4" name="Rectangle 3"/>
-          <p:cNvSpPr/>
-          <p:nvPr/>
-        </p:nvSpPr>
-        <p:spPr>
-          <a:xfrm>
-            <a:off x="600456" y="1209884"/>
-            <a:ext cx="5593080" cy="3354765"/>
-          </a:xfrm>
-          <a:prstGeom prst="rect">
-            <a:avLst/>
-          </a:prstGeom>
-        </p:spPr>
-        <p:txBody>
-          <a:bodyPr wrap="square">
-            <a:spAutoFit/>
-          </a:bodyPr>
-          <a:lstStyle/>
-          <a:p>
-            <a:r>
-              <a:rPr lang="en-US" altLang="ko-KR" sz="3200" b="1" err="1" smtClean="0">
-                <a:effectLst/>
-              </a:rPr>
-              <a:t>offsetWidth</a:t>
-            </a:r>
-            <a:r>
-              <a:rPr lang="en-US" altLang="ko-KR" sz="3200" b="1" smtClean="0">
-                <a:effectLst/>
-              </a:rPr>
-              <a:t>, </a:t>
-            </a:r>
-            <a:r>
-              <a:rPr lang="en-US" altLang="ko-KR" sz="3200" b="1" err="1" smtClean="0">
-                <a:effectLst/>
-              </a:rPr>
-              <a:t>offsetHeight</a:t>
-            </a:r>
-            <a:endParaRPr lang="ko-KR" altLang="en-US" sz="3200" smtClean="0">
-              <a:effectLst/>
-            </a:endParaRPr>
-          </a:p>
-          <a:p>
-            <a:r>
-              <a:rPr lang="ko-KR" altLang="en-US" smtClean="0">
-                <a:effectLst/>
-              </a:rPr>
-              <a:t/>
-            </a:r>
-            <a:br>
-              <a:rPr lang="ko-KR" altLang="en-US" smtClean="0">
-                <a:effectLst/>
-              </a:rPr>
-            </a:br>
-            <a:endParaRPr lang="ko-KR" altLang="en-US" smtClean="0">
-              <a:effectLst/>
-            </a:endParaRPr>
-          </a:p>
-          <a:p>
-            <a:r>
-              <a:rPr lang="ko-KR" altLang="en-US" smtClean="0">
-                <a:effectLst/>
-              </a:rPr>
-              <a:t>일반적으로 엘리먼트의 전체 크기를 알고 싶다면</a:t>
-            </a:r>
-            <a:r>
-              <a:rPr lang="en-US" altLang="ko-KR" smtClean="0">
-                <a:effectLst/>
-              </a:rPr>
-              <a:t>, `</a:t>
-            </a:r>
-            <a:r>
-              <a:rPr lang="en-US" altLang="ko-KR" err="1" smtClean="0">
-                <a:effectLst/>
-              </a:rPr>
-              <a:t>offsetWidth</a:t>
-            </a:r>
-            <a:r>
-              <a:rPr lang="en-US" altLang="ko-KR" smtClean="0">
-                <a:effectLst/>
-              </a:rPr>
-              <a:t>`</a:t>
-            </a:r>
-            <a:r>
-              <a:rPr lang="ko-KR" altLang="en-US" smtClean="0">
-                <a:effectLst/>
-              </a:rPr>
-              <a:t>와 </a:t>
-            </a:r>
-            <a:r>
-              <a:rPr lang="en-US" altLang="ko-KR" smtClean="0">
-                <a:effectLst/>
-              </a:rPr>
-              <a:t>`</a:t>
-            </a:r>
-            <a:r>
-              <a:rPr lang="en-US" altLang="ko-KR" err="1" smtClean="0">
-                <a:effectLst/>
-              </a:rPr>
-              <a:t>offsetHeight</a:t>
-            </a:r>
-            <a:r>
-              <a:rPr lang="en-US" altLang="ko-KR" smtClean="0">
-                <a:effectLst/>
-              </a:rPr>
-              <a:t>` </a:t>
-            </a:r>
-            <a:r>
-              <a:rPr lang="ko-KR" altLang="en-US" smtClean="0">
-                <a:effectLst/>
-              </a:rPr>
-              <a:t>속성을 가져오면 된다</a:t>
-            </a:r>
-            <a:r>
-              <a:rPr lang="en-US" altLang="ko-KR" smtClean="0">
-                <a:effectLst/>
-              </a:rPr>
-              <a:t>.</a:t>
-            </a:r>
-          </a:p>
-          <a:p>
-            <a:endParaRPr lang="en-US" altLang="ko-KR"/>
-          </a:p>
-          <a:p>
-            <a:endParaRPr lang="en-US" altLang="ko-KR" smtClean="0">
-              <a:effectLst/>
-            </a:endParaRPr>
-          </a:p>
-          <a:p>
-            <a:r>
-              <a:rPr lang="ko-KR" altLang="en-US" smtClean="0">
-                <a:effectLst/>
-              </a:rPr>
-              <a:t>이 속성은 엘리먼트의 패딩과 보더</a:t>
-            </a:r>
-            <a:r>
-              <a:rPr lang="en-US" altLang="ko-KR" smtClean="0">
-                <a:effectLst/>
-              </a:rPr>
-              <a:t>, </a:t>
-            </a:r>
-            <a:r>
-              <a:rPr lang="ko-KR" altLang="en-US" smtClean="0">
-                <a:effectLst/>
-              </a:rPr>
-              <a:t>스크롤바의 사이즈를 포함한 값을 리턴한다</a:t>
-            </a:r>
-            <a:r>
-              <a:rPr lang="en-US" altLang="ko-KR" smtClean="0">
-                <a:effectLst/>
-              </a:rPr>
-              <a:t>.</a:t>
-            </a:r>
-          </a:p>
-          <a:p>
-            <a:r>
-              <a:rPr lang="en-US" altLang="ko-KR" smtClean="0">
-                <a:effectLst/>
-              </a:rPr>
-              <a:t/>
-            </a:r>
-            <a:br>
-              <a:rPr lang="en-US" altLang="ko-KR" smtClean="0">
-                <a:effectLst/>
-              </a:rPr>
-            </a:br>
-            <a:endParaRPr lang="ko-KR" altLang="en-US"/>
-          </a:p>
-        </p:txBody>
-      </p:sp>
-      <p:pic>
-        <p:nvPicPr>
-          <p:cNvPr id="1026" name="Picture 2" descr="https://t1.daumcdn.net/cfile/tistory/273E0D40554DADB32D"/>
-          <p:cNvPicPr>
-            <a:picLocks noChangeAspect="1" noChangeArrowheads="1"/>
-          </p:cNvPicPr>
-          <p:nvPr/>
-        </p:nvPicPr>
-        <p:blipFill>
-          <a:blip r:embed="rId2">
-            <a:extLst>
-              <a:ext uri="{28A0092B-C50C-407E-A947-70E740481C1C}">
-                <a14:useLocalDpi xmlns:a14="http://schemas.microsoft.com/office/drawing/2010/main" val="0"/>
-              </a:ext>
-            </a:extLst>
-          </a:blip>
-          <a:srcRect/>
-          <a:stretch>
-            <a:fillRect/>
-          </a:stretch>
-        </p:blipFill>
-        <p:spPr bwMode="auto">
-          <a:xfrm>
-            <a:off x="7016496" y="1990025"/>
-            <a:ext cx="4419600" cy="2638426"/>
-          </a:xfrm>
-          <a:prstGeom prst="rect">
-            <a:avLst/>
-          </a:prstGeom>
-          <a:noFill/>
-          <a:extLst>
-            <a:ext uri="{909E8E84-426E-40DD-AFC4-6F175D3DCCD1}">
-              <a14:hiddenFill xmlns:a14="http://schemas.microsoft.com/office/drawing/2010/main">
-                <a:solidFill>
-                  <a:srgbClr val="FFFFFF"/>
-                </a:solidFill>
-              </a14:hiddenFill>
-            </a:ext>
-          </a:extLst>
-        </p:spPr>
-      </p:pic>
-      <p:sp>
-        <p:nvSpPr>
-          <p:cNvPr id="2" name="Rectangle 1"/>
-          <p:cNvSpPr/>
-          <p:nvPr/>
-        </p:nvSpPr>
-        <p:spPr>
-          <a:xfrm>
-            <a:off x="1088511" y="4379983"/>
-            <a:ext cx="4616970" cy="369332"/>
-          </a:xfrm>
-          <a:prstGeom prst="rect">
-            <a:avLst/>
-          </a:prstGeom>
-        </p:spPr>
-        <p:txBody>
-          <a:bodyPr wrap="none">
-            <a:spAutoFit/>
-          </a:bodyPr>
-          <a:lstStyle/>
-          <a:p>
-            <a:r>
-              <a:rPr lang="en-US" altLang="ko-KR" i="1" err="1">
-                <a:solidFill>
-                  <a:srgbClr val="7F848E"/>
-                </a:solidFill>
-                <a:latin typeface="Consolas" panose="020B0609020204030204" pitchFamily="49" charset="0"/>
-              </a:rPr>
-              <a:t>topHeight</a:t>
-            </a:r>
-            <a:r>
-              <a:rPr lang="en-US" altLang="ko-KR" i="1">
-                <a:solidFill>
-                  <a:srgbClr val="7F848E"/>
-                </a:solidFill>
-                <a:latin typeface="Consolas" panose="020B0609020204030204" pitchFamily="49" charset="0"/>
-              </a:rPr>
-              <a:t> = slides[0].</a:t>
-            </a:r>
-            <a:r>
-              <a:rPr lang="en-US" altLang="ko-KR" i="1" err="1">
-                <a:solidFill>
-                  <a:srgbClr val="7F848E"/>
-                </a:solidFill>
-                <a:latin typeface="Consolas" panose="020B0609020204030204" pitchFamily="49" charset="0"/>
-              </a:rPr>
-              <a:t>offsetHeight</a:t>
-            </a:r>
-            <a:r>
-              <a:rPr lang="en-US" altLang="ko-KR" i="1">
-                <a:solidFill>
-                  <a:srgbClr val="7F848E"/>
-                </a:solidFill>
-                <a:latin typeface="Consolas" panose="020B0609020204030204" pitchFamily="49" charset="0"/>
-              </a:rPr>
-              <a:t>;</a:t>
-            </a:r>
-            <a:endParaRPr lang="en-US" altLang="ko-KR" b="0">
-              <a:solidFill>
-                <a:srgbClr val="ABB2BF"/>
-              </a:solidFill>
-              <a:effectLst/>
-              <a:latin typeface="Consolas" panose="020B0609020204030204" pitchFamily="49" charset="0"/>
-            </a:endParaRPr>
-          </a:p>
-        </p:txBody>
-      </p:sp>
-      <p:sp>
-        <p:nvSpPr>
-          <p:cNvPr id="3" name="Rectangle 2"/>
-          <p:cNvSpPr/>
-          <p:nvPr/>
-        </p:nvSpPr>
-        <p:spPr>
-          <a:xfrm>
-            <a:off x="432816" y="5078492"/>
-            <a:ext cx="11207496" cy="923330"/>
-          </a:xfrm>
-          <a:prstGeom prst="rect">
-            <a:avLst/>
-          </a:prstGeom>
-        </p:spPr>
-        <p:txBody>
-          <a:bodyPr wrap="square">
-            <a:spAutoFit/>
-          </a:bodyPr>
-          <a:lstStyle/>
-          <a:p>
-            <a:r>
-              <a:rPr lang="en-US" altLang="ko-KR" b="1">
-                <a:solidFill>
-                  <a:srgbClr val="FF0000"/>
-                </a:solidFill>
-                <a:latin typeface="Consolas" panose="020B0609020204030204" pitchFamily="49" charset="0"/>
-              </a:rPr>
-              <a:t>(</a:t>
-            </a:r>
-            <a:r>
-              <a:rPr lang="ko-KR" altLang="en-US" b="1">
-                <a:solidFill>
-                  <a:srgbClr val="FF0000"/>
-                </a:solidFill>
-                <a:latin typeface="Consolas" panose="020B0609020204030204" pitchFamily="49" charset="0"/>
-              </a:rPr>
-              <a:t>슬라이드 높이 변경용도</a:t>
-            </a:r>
-            <a:r>
-              <a:rPr lang="en-US" altLang="ko-KR" b="1">
-                <a:solidFill>
-                  <a:srgbClr val="FF0000"/>
-                </a:solidFill>
-                <a:latin typeface="Consolas" panose="020B0609020204030204" pitchFamily="49" charset="0"/>
-              </a:rPr>
-              <a:t>)</a:t>
-            </a:r>
-            <a:endParaRPr lang="en-US" altLang="ko-KR">
-              <a:solidFill>
-                <a:srgbClr val="C678DD"/>
-              </a:solidFill>
-              <a:latin typeface="Consolas" panose="020B0609020204030204" pitchFamily="49" charset="0"/>
-            </a:endParaRPr>
-          </a:p>
-          <a:p>
-            <a:r>
-              <a:rPr lang="en-US" altLang="ko-KR">
-                <a:solidFill>
-                  <a:srgbClr val="C678DD"/>
-                </a:solidFill>
-                <a:latin typeface="Consolas" panose="020B0609020204030204" pitchFamily="49" charset="0"/>
-              </a:rPr>
-              <a:t>var</a:t>
-            </a:r>
-            <a:r>
-              <a:rPr lang="en-US" altLang="ko-KR">
-                <a:solidFill>
-                  <a:srgbClr val="ABB2BF"/>
-                </a:solidFill>
-                <a:latin typeface="Consolas" panose="020B0609020204030204" pitchFamily="49" charset="0"/>
-              </a:rPr>
-              <a:t> </a:t>
-            </a:r>
-            <a:r>
-              <a:rPr lang="en-US" altLang="ko-KR">
-                <a:solidFill>
-                  <a:srgbClr val="E06C75"/>
-                </a:solidFill>
-                <a:latin typeface="Consolas" panose="020B0609020204030204" pitchFamily="49" charset="0"/>
-              </a:rPr>
-              <a:t>slideWrapper</a:t>
-            </a:r>
-            <a:r>
-              <a:rPr lang="en-US" altLang="ko-KR">
-                <a:solidFill>
-                  <a:srgbClr val="ABB2BF"/>
-                </a:solidFill>
-                <a:latin typeface="Consolas" panose="020B0609020204030204" pitchFamily="49" charset="0"/>
-              </a:rPr>
-              <a:t> </a:t>
-            </a:r>
-            <a:r>
-              <a:rPr lang="en-US" altLang="ko-KR">
-                <a:solidFill>
-                  <a:srgbClr val="56B6C2"/>
-                </a:solidFill>
-                <a:latin typeface="Consolas" panose="020B0609020204030204" pitchFamily="49" charset="0"/>
-              </a:rPr>
-              <a:t>=</a:t>
-            </a:r>
-            <a:r>
-              <a:rPr lang="en-US" altLang="ko-KR">
-                <a:solidFill>
-                  <a:srgbClr val="ABB2BF"/>
-                </a:solidFill>
-                <a:latin typeface="Consolas" panose="020B0609020204030204" pitchFamily="49" charset="0"/>
-              </a:rPr>
-              <a:t> </a:t>
-            </a:r>
-            <a:r>
-              <a:rPr lang="en-US" altLang="ko-KR">
-                <a:solidFill>
-                  <a:srgbClr val="E06C75"/>
-                </a:solidFill>
-                <a:latin typeface="Consolas" panose="020B0609020204030204" pitchFamily="49" charset="0"/>
-              </a:rPr>
-              <a:t>document</a:t>
-            </a:r>
-            <a:r>
-              <a:rPr lang="en-US" altLang="ko-KR">
-                <a:solidFill>
-                  <a:srgbClr val="ABB2BF"/>
-                </a:solidFill>
-                <a:latin typeface="Consolas" panose="020B0609020204030204" pitchFamily="49" charset="0"/>
-              </a:rPr>
-              <a:t>.</a:t>
-            </a:r>
-            <a:r>
-              <a:rPr lang="en-US" altLang="ko-KR">
-                <a:solidFill>
-                  <a:srgbClr val="61AFEF"/>
-                </a:solidFill>
-                <a:latin typeface="Consolas" panose="020B0609020204030204" pitchFamily="49" charset="0"/>
-              </a:rPr>
-              <a:t>getElementsByClassName</a:t>
-            </a:r>
-            <a:r>
-              <a:rPr lang="en-US" altLang="ko-KR">
-                <a:solidFill>
-                  <a:srgbClr val="ABB2BF"/>
-                </a:solidFill>
-                <a:latin typeface="Consolas" panose="020B0609020204030204" pitchFamily="49" charset="0"/>
-              </a:rPr>
-              <a:t>(</a:t>
-            </a:r>
-            <a:r>
-              <a:rPr lang="en-US" altLang="ko-KR">
-                <a:solidFill>
-                  <a:srgbClr val="98C379"/>
-                </a:solidFill>
-                <a:latin typeface="Consolas" panose="020B0609020204030204" pitchFamily="49" charset="0"/>
-              </a:rPr>
-              <a:t>'container'</a:t>
-            </a:r>
-            <a:r>
-              <a:rPr lang="en-US" altLang="ko-KR">
-                <a:solidFill>
-                  <a:srgbClr val="ABB2BF"/>
-                </a:solidFill>
-                <a:latin typeface="Consolas" panose="020B0609020204030204" pitchFamily="49" charset="0"/>
-              </a:rPr>
-              <a:t>);   </a:t>
-            </a:r>
-            <a:r>
-              <a:rPr lang="en-US" altLang="ko-KR" i="1">
-                <a:solidFill>
-                  <a:srgbClr val="7F848E"/>
-                </a:solidFill>
-                <a:latin typeface="Consolas" panose="020B0609020204030204" pitchFamily="49" charset="0"/>
-              </a:rPr>
-              <a:t>//</a:t>
-            </a:r>
-            <a:r>
-              <a:rPr lang="ko-KR" altLang="en-US" i="1">
-                <a:solidFill>
-                  <a:srgbClr val="7F848E"/>
-                </a:solidFill>
-                <a:latin typeface="Consolas" panose="020B0609020204030204" pitchFamily="49" charset="0"/>
-              </a:rPr>
-              <a:t>클래스명 </a:t>
-            </a:r>
-            <a:r>
-              <a:rPr lang="en-US" altLang="ko-KR" i="1">
-                <a:solidFill>
-                  <a:srgbClr val="7F848E"/>
-                </a:solidFill>
-                <a:latin typeface="Consolas" panose="020B0609020204030204" pitchFamily="49" charset="0"/>
-              </a:rPr>
-              <a:t>container</a:t>
-            </a:r>
-            <a:endParaRPr lang="en-US" altLang="ko-KR">
-              <a:solidFill>
-                <a:srgbClr val="ABB2BF"/>
-              </a:solidFill>
-              <a:latin typeface="Consolas" panose="020B0609020204030204" pitchFamily="49" charset="0"/>
-            </a:endParaRPr>
-          </a:p>
-          <a:p>
-            <a:r>
-              <a:rPr lang="en-US" altLang="ko-KR">
-                <a:solidFill>
-                  <a:srgbClr val="C678DD"/>
-                </a:solidFill>
-                <a:latin typeface="Consolas" panose="020B0609020204030204" pitchFamily="49" charset="0"/>
-              </a:rPr>
-              <a:t>var</a:t>
-            </a:r>
-            <a:r>
-              <a:rPr lang="en-US" altLang="ko-KR">
-                <a:solidFill>
-                  <a:srgbClr val="ABB2BF"/>
-                </a:solidFill>
-                <a:latin typeface="Consolas" panose="020B0609020204030204" pitchFamily="49" charset="0"/>
-              </a:rPr>
-              <a:t> </a:t>
-            </a:r>
-            <a:r>
-              <a:rPr lang="en-US" altLang="ko-KR">
-                <a:solidFill>
-                  <a:srgbClr val="E06C75"/>
-                </a:solidFill>
-                <a:latin typeface="Consolas" panose="020B0609020204030204" pitchFamily="49" charset="0"/>
-              </a:rPr>
-              <a:t>topHeight</a:t>
-            </a:r>
-            <a:r>
-              <a:rPr lang="en-US" altLang="ko-KR">
-                <a:solidFill>
-                  <a:srgbClr val="ABB2BF"/>
-                </a:solidFill>
-                <a:latin typeface="Consolas" panose="020B0609020204030204" pitchFamily="49" charset="0"/>
-              </a:rPr>
-              <a:t> </a:t>
-            </a:r>
-            <a:r>
-              <a:rPr lang="en-US" altLang="ko-KR">
-                <a:solidFill>
-                  <a:srgbClr val="56B6C2"/>
-                </a:solidFill>
-                <a:latin typeface="Consolas" panose="020B0609020204030204" pitchFamily="49" charset="0"/>
-              </a:rPr>
-              <a:t>=</a:t>
-            </a:r>
-            <a:r>
-              <a:rPr lang="en-US" altLang="ko-KR">
-                <a:solidFill>
-                  <a:srgbClr val="ABB2BF"/>
-                </a:solidFill>
-                <a:latin typeface="Consolas" panose="020B0609020204030204" pitchFamily="49" charset="0"/>
-              </a:rPr>
-              <a:t> </a:t>
-            </a:r>
-            <a:r>
-              <a:rPr lang="en-US" altLang="ko-KR">
-                <a:solidFill>
-                  <a:srgbClr val="D19A66"/>
-                </a:solidFill>
-                <a:latin typeface="Consolas" panose="020B0609020204030204" pitchFamily="49" charset="0"/>
-              </a:rPr>
-              <a:t>0</a:t>
-            </a:r>
-            <a:r>
-              <a:rPr lang="en-US" altLang="ko-KR">
-                <a:solidFill>
-                  <a:srgbClr val="ABB2BF"/>
-                </a:solidFill>
-                <a:latin typeface="Consolas" panose="020B0609020204030204" pitchFamily="49" charset="0"/>
-              </a:rPr>
-              <a:t>; </a:t>
-            </a:r>
-            <a:r>
-              <a:rPr lang="en-US" altLang="ko-KR" i="1">
-                <a:solidFill>
-                  <a:srgbClr val="7F848E"/>
-                </a:solidFill>
-                <a:latin typeface="Consolas" panose="020B0609020204030204" pitchFamily="49" charset="0"/>
-              </a:rPr>
-              <a:t>//</a:t>
-            </a:r>
-            <a:r>
-              <a:rPr lang="ko-KR" altLang="en-US" i="1">
-                <a:solidFill>
-                  <a:srgbClr val="7F848E"/>
-                </a:solidFill>
-                <a:latin typeface="Consolas" panose="020B0609020204030204" pitchFamily="49" charset="0"/>
-              </a:rPr>
-              <a:t>높이</a:t>
-            </a:r>
-            <a:endParaRPr lang="en-US" altLang="ko-KR" i="1">
-              <a:solidFill>
-                <a:srgbClr val="7F848E"/>
-              </a:solidFill>
-              <a:latin typeface="Consolas" panose="020B0609020204030204" pitchFamily="49" charset="0"/>
-            </a:endParaRPr>
-          </a:p>
-        </p:txBody>
-      </p:sp>
-    </p:spTree>
-    <p:extLst>
-      <p:ext uri="{BB962C8B-B14F-4D97-AF65-F5344CB8AC3E}">
-        <p14:creationId xmlns:p14="http://schemas.microsoft.com/office/powerpoint/2010/main" val="2009467035"/>
-      </p:ext>
-    </p:extLst>
-  </p:cSld>
-  <p:clrMapOvr>
-    <a:masterClrMapping/>
-  </p:clrMapOvr>
-</p:sld>
-</file>
-
-<file path=ppt/slides/slide9.xml><?xml version="1.0" encoding="utf-8"?>
-<p:sld xmlns:a="http://schemas.openxmlformats.org/drawingml/2006/main" xmlns:r="http://schemas.openxmlformats.org/officeDocument/2006/relationships" xmlns:p="http://schemas.openxmlformats.org/presentationml/2006/main">
-  <p:cSld>
-    <p:spTree>
-      <p:nvGrpSpPr>
-        <p:cNvPr id="1" name=""/>
-        <p:cNvGrpSpPr/>
-        <p:nvPr/>
-      </p:nvGrpSpPr>
-      <p:grpSpPr>
-        <a:xfrm>
-          <a:off x="0" y="0"/>
-          <a:ext cx="0" cy="0"/>
-          <a:chOff x="0" y="0"/>
-          <a:chExt cx="0" cy="0"/>
-        </a:xfrm>
-      </p:grpSpPr>
-      <p:sp>
-        <p:nvSpPr>
-          <p:cNvPr id="4" name="Rectangle 3"/>
-          <p:cNvSpPr/>
-          <p:nvPr/>
-        </p:nvSpPr>
-        <p:spPr>
-          <a:xfrm>
-            <a:off x="771144" y="1325880"/>
-            <a:ext cx="10686288" cy="5262979"/>
-          </a:xfrm>
-          <a:prstGeom prst="rect">
-            <a:avLst/>
-          </a:prstGeom>
-        </p:spPr>
-        <p:txBody>
-          <a:bodyPr wrap="square">
-            <a:spAutoFit/>
-          </a:bodyPr>
-          <a:lstStyle/>
-          <a:p>
-            <a:r>
-              <a:rPr lang="en-US" altLang="ko-KR" sz="2400">
-                <a:solidFill>
-                  <a:srgbClr val="C678DD"/>
-                </a:solidFill>
-                <a:latin typeface="Consolas" panose="020B0609020204030204" pitchFamily="49" charset="0"/>
-              </a:rPr>
-              <a:t>function</a:t>
-            </a:r>
-            <a:r>
-              <a:rPr lang="en-US" altLang="ko-KR" sz="2400">
-                <a:solidFill>
-                  <a:srgbClr val="ABB2BF"/>
-                </a:solidFill>
-                <a:latin typeface="Consolas" panose="020B0609020204030204" pitchFamily="49" charset="0"/>
-              </a:rPr>
-              <a:t> </a:t>
-            </a:r>
-            <a:r>
-              <a:rPr lang="en-US" altLang="ko-KR" sz="2400" err="1">
-                <a:solidFill>
-                  <a:srgbClr val="61AFEF"/>
-                </a:solidFill>
-                <a:latin typeface="Consolas" panose="020B0609020204030204" pitchFamily="49" charset="0"/>
-              </a:rPr>
-              <a:t>calculateTallestSlide</a:t>
-            </a:r>
-            <a:r>
-              <a:rPr lang="en-US" altLang="ko-KR" sz="2400">
-                <a:solidFill>
-                  <a:srgbClr val="ABB2BF"/>
-                </a:solidFill>
-                <a:latin typeface="Consolas" panose="020B0609020204030204" pitchFamily="49" charset="0"/>
-              </a:rPr>
-              <a:t>(){</a:t>
-            </a:r>
-          </a:p>
-          <a:p>
-            <a:r>
-              <a:rPr lang="en-US" altLang="ko-KR" sz="2400">
-                <a:solidFill>
-                  <a:srgbClr val="ABB2BF"/>
-                </a:solidFill>
-                <a:latin typeface="Consolas" panose="020B0609020204030204" pitchFamily="49" charset="0"/>
-              </a:rPr>
-              <a:t/>
-            </a:r>
-            <a:br>
-              <a:rPr lang="en-US" altLang="ko-KR" sz="2400">
-                <a:solidFill>
-                  <a:srgbClr val="ABB2BF"/>
-                </a:solidFill>
-                <a:latin typeface="Consolas" panose="020B0609020204030204" pitchFamily="49" charset="0"/>
-              </a:rPr>
-            </a:br>
-            <a:r>
-              <a:rPr lang="en-US" altLang="ko-KR" sz="2400">
-                <a:solidFill>
-                  <a:srgbClr val="ABB2BF"/>
-                </a:solidFill>
-                <a:latin typeface="Consolas" panose="020B0609020204030204" pitchFamily="49" charset="0"/>
-              </a:rPr>
-              <a:t>    </a:t>
-            </a:r>
-            <a:r>
-              <a:rPr lang="en-US" altLang="ko-KR" sz="2400">
-                <a:solidFill>
-                  <a:srgbClr val="C678DD"/>
-                </a:solidFill>
-                <a:latin typeface="Consolas" panose="020B0609020204030204" pitchFamily="49" charset="0"/>
-              </a:rPr>
-              <a:t>for</a:t>
-            </a:r>
-            <a:r>
-              <a:rPr lang="en-US" altLang="ko-KR" sz="2400">
-                <a:solidFill>
-                  <a:srgbClr val="ABB2BF"/>
-                </a:solidFill>
-                <a:latin typeface="Consolas" panose="020B0609020204030204" pitchFamily="49" charset="0"/>
-              </a:rPr>
-              <a:t>( </a:t>
-            </a:r>
-            <a:r>
-              <a:rPr lang="en-US" altLang="ko-KR" sz="2400" err="1">
-                <a:solidFill>
-                  <a:srgbClr val="C678DD"/>
-                </a:solidFill>
-                <a:latin typeface="Consolas" panose="020B0609020204030204" pitchFamily="49" charset="0"/>
-              </a:rPr>
-              <a:t>var</a:t>
-            </a:r>
-            <a:r>
-              <a:rPr lang="en-US" altLang="ko-KR" sz="2400">
-                <a:solidFill>
-                  <a:srgbClr val="ABB2BF"/>
-                </a:solidFill>
-                <a:latin typeface="Consolas" panose="020B0609020204030204" pitchFamily="49" charset="0"/>
-              </a:rPr>
-              <a:t> </a:t>
-            </a:r>
-            <a:r>
-              <a:rPr lang="en-US" altLang="ko-KR" sz="2400" err="1">
-                <a:solidFill>
-                  <a:srgbClr val="E06C75"/>
-                </a:solidFill>
-                <a:latin typeface="Consolas" panose="020B0609020204030204" pitchFamily="49" charset="0"/>
-              </a:rPr>
-              <a:t>i</a:t>
-            </a:r>
-            <a:r>
-              <a:rPr lang="en-US" altLang="ko-KR" sz="2400">
-                <a:solidFill>
-                  <a:srgbClr val="ABB2BF"/>
-                </a:solidFill>
-                <a:latin typeface="Consolas" panose="020B0609020204030204" pitchFamily="49" charset="0"/>
-              </a:rPr>
-              <a:t> </a:t>
-            </a:r>
-            <a:r>
-              <a:rPr lang="en-US" altLang="ko-KR" sz="2400">
-                <a:solidFill>
-                  <a:srgbClr val="56B6C2"/>
-                </a:solidFill>
-                <a:latin typeface="Consolas" panose="020B0609020204030204" pitchFamily="49" charset="0"/>
-              </a:rPr>
-              <a:t>=</a:t>
-            </a:r>
-            <a:r>
-              <a:rPr lang="en-US" altLang="ko-KR" sz="2400">
-                <a:solidFill>
-                  <a:srgbClr val="ABB2BF"/>
-                </a:solidFill>
-                <a:latin typeface="Consolas" panose="020B0609020204030204" pitchFamily="49" charset="0"/>
-              </a:rPr>
-              <a:t> </a:t>
-            </a:r>
-            <a:r>
-              <a:rPr lang="en-US" altLang="ko-KR" sz="2400">
-                <a:solidFill>
-                  <a:srgbClr val="D19A66"/>
-                </a:solidFill>
-                <a:latin typeface="Consolas" panose="020B0609020204030204" pitchFamily="49" charset="0"/>
-              </a:rPr>
-              <a:t>0</a:t>
-            </a:r>
-            <a:r>
-              <a:rPr lang="en-US" altLang="ko-KR" sz="2400">
-                <a:solidFill>
-                  <a:srgbClr val="ABB2BF"/>
-                </a:solidFill>
-                <a:latin typeface="Consolas" panose="020B0609020204030204" pitchFamily="49" charset="0"/>
-              </a:rPr>
-              <a:t>; </a:t>
-            </a:r>
-            <a:r>
-              <a:rPr lang="en-US" altLang="ko-KR" sz="2400" err="1">
-                <a:solidFill>
-                  <a:srgbClr val="E06C75"/>
-                </a:solidFill>
-                <a:latin typeface="Consolas" panose="020B0609020204030204" pitchFamily="49" charset="0"/>
-              </a:rPr>
-              <a:t>i</a:t>
-            </a:r>
-            <a:r>
-              <a:rPr lang="en-US" altLang="ko-KR" sz="2400">
-                <a:solidFill>
-                  <a:srgbClr val="ABB2BF"/>
-                </a:solidFill>
-                <a:latin typeface="Consolas" panose="020B0609020204030204" pitchFamily="49" charset="0"/>
-              </a:rPr>
-              <a:t> </a:t>
-            </a:r>
-            <a:r>
-              <a:rPr lang="en-US" altLang="ko-KR" sz="2400">
-                <a:solidFill>
-                  <a:srgbClr val="56B6C2"/>
-                </a:solidFill>
-                <a:latin typeface="Consolas" panose="020B0609020204030204" pitchFamily="49" charset="0"/>
-              </a:rPr>
-              <a:t>&lt;</a:t>
-            </a:r>
-            <a:r>
-              <a:rPr lang="en-US" altLang="ko-KR" sz="2400">
-                <a:solidFill>
-                  <a:srgbClr val="ABB2BF"/>
-                </a:solidFill>
-                <a:latin typeface="Consolas" panose="020B0609020204030204" pitchFamily="49" charset="0"/>
-              </a:rPr>
-              <a:t> </a:t>
-            </a:r>
-            <a:r>
-              <a:rPr lang="en-US" altLang="ko-KR" sz="2400" err="1">
-                <a:solidFill>
-                  <a:srgbClr val="E06C75"/>
-                </a:solidFill>
-                <a:latin typeface="Consolas" panose="020B0609020204030204" pitchFamily="49" charset="0"/>
-              </a:rPr>
-              <a:t>slideCount</a:t>
-            </a:r>
-            <a:r>
-              <a:rPr lang="en-US" altLang="ko-KR" sz="2400">
-                <a:solidFill>
-                  <a:srgbClr val="ABB2BF"/>
-                </a:solidFill>
-                <a:latin typeface="Consolas" panose="020B0609020204030204" pitchFamily="49" charset="0"/>
-              </a:rPr>
-              <a:t> ; </a:t>
-            </a:r>
-            <a:r>
-              <a:rPr lang="en-US" altLang="ko-KR" sz="2400" err="1">
-                <a:solidFill>
-                  <a:srgbClr val="E06C75"/>
-                </a:solidFill>
-                <a:latin typeface="Consolas" panose="020B0609020204030204" pitchFamily="49" charset="0"/>
-              </a:rPr>
-              <a:t>i</a:t>
-            </a:r>
-            <a:r>
-              <a:rPr lang="en-US" altLang="ko-KR" sz="2400">
-                <a:solidFill>
-                  <a:srgbClr val="56B6C2"/>
-                </a:solidFill>
-                <a:latin typeface="Consolas" panose="020B0609020204030204" pitchFamily="49" charset="0"/>
-              </a:rPr>
-              <a:t>++</a:t>
-            </a:r>
-            <a:r>
-              <a:rPr lang="en-US" altLang="ko-KR" sz="2400">
-                <a:solidFill>
-                  <a:srgbClr val="ABB2BF"/>
-                </a:solidFill>
-                <a:latin typeface="Consolas" panose="020B0609020204030204" pitchFamily="49" charset="0"/>
-              </a:rPr>
-              <a:t> </a:t>
-            </a:r>
-            <a:r>
-              <a:rPr lang="en-US" altLang="ko-KR" sz="2400" smtClean="0">
-                <a:solidFill>
-                  <a:srgbClr val="ABB2BF"/>
-                </a:solidFill>
-                <a:latin typeface="Consolas" panose="020B0609020204030204" pitchFamily="49" charset="0"/>
-              </a:rPr>
-              <a:t>)</a:t>
-            </a:r>
-          </a:p>
-          <a:p>
-            <a:r>
-              <a:rPr lang="en-US" altLang="ko-KR" sz="2400">
-                <a:solidFill>
-                  <a:srgbClr val="ABB2BF"/>
-                </a:solidFill>
-                <a:latin typeface="Consolas" panose="020B0609020204030204" pitchFamily="49" charset="0"/>
-              </a:rPr>
-              <a:t>	</a:t>
-            </a:r>
-            <a:r>
-              <a:rPr lang="en-US" altLang="ko-KR" sz="2400" smtClean="0">
-                <a:solidFill>
-                  <a:srgbClr val="ABB2BF"/>
-                </a:solidFill>
-                <a:latin typeface="Consolas" panose="020B0609020204030204" pitchFamily="49" charset="0"/>
-              </a:rPr>
-              <a:t>{</a:t>
-            </a:r>
-            <a:r>
-              <a:rPr lang="en-US" altLang="ko-KR" sz="2400" smtClean="0">
-                <a:solidFill>
-                  <a:srgbClr val="C678DD"/>
-                </a:solidFill>
-                <a:latin typeface="Consolas" panose="020B0609020204030204" pitchFamily="49" charset="0"/>
-              </a:rPr>
-              <a:t>if</a:t>
-            </a:r>
-            <a:r>
-              <a:rPr lang="en-US" altLang="ko-KR" sz="2400" smtClean="0">
-                <a:solidFill>
-                  <a:srgbClr val="ABB2BF"/>
-                </a:solidFill>
-                <a:latin typeface="Consolas" panose="020B0609020204030204" pitchFamily="49" charset="0"/>
-              </a:rPr>
-              <a:t>(</a:t>
-            </a:r>
-            <a:r>
-              <a:rPr lang="en-US" altLang="ko-KR" sz="2400" smtClean="0">
-                <a:solidFill>
-                  <a:srgbClr val="E06C75"/>
-                </a:solidFill>
-                <a:latin typeface="Consolas" panose="020B0609020204030204" pitchFamily="49" charset="0"/>
-              </a:rPr>
-              <a:t>slides</a:t>
-            </a:r>
-            <a:r>
-              <a:rPr lang="en-US" altLang="ko-KR" sz="2400" smtClean="0">
-                <a:solidFill>
-                  <a:srgbClr val="ABB2BF"/>
-                </a:solidFill>
-                <a:latin typeface="Consolas" panose="020B0609020204030204" pitchFamily="49" charset="0"/>
-              </a:rPr>
-              <a:t>[</a:t>
-            </a:r>
-            <a:r>
-              <a:rPr lang="en-US" altLang="ko-KR" sz="2400" smtClean="0">
-                <a:solidFill>
-                  <a:srgbClr val="E06C75"/>
-                </a:solidFill>
-                <a:latin typeface="Consolas" panose="020B0609020204030204" pitchFamily="49" charset="0"/>
-              </a:rPr>
-              <a:t>i</a:t>
-            </a:r>
-            <a:r>
-              <a:rPr lang="en-US" altLang="ko-KR" sz="2400">
-                <a:solidFill>
-                  <a:srgbClr val="ABB2BF"/>
-                </a:solidFill>
-                <a:latin typeface="Consolas" panose="020B0609020204030204" pitchFamily="49" charset="0"/>
-              </a:rPr>
-              <a:t>].</a:t>
-            </a:r>
-            <a:r>
-              <a:rPr lang="en-US" altLang="ko-KR" sz="2400" err="1">
-                <a:solidFill>
-                  <a:srgbClr val="E06C75"/>
-                </a:solidFill>
-                <a:latin typeface="Consolas" panose="020B0609020204030204" pitchFamily="49" charset="0"/>
-              </a:rPr>
-              <a:t>offsetHeight</a:t>
-            </a:r>
-            <a:r>
-              <a:rPr lang="en-US" altLang="ko-KR" sz="2400">
-                <a:solidFill>
-                  <a:srgbClr val="ABB2BF"/>
-                </a:solidFill>
-                <a:latin typeface="Consolas" panose="020B0609020204030204" pitchFamily="49" charset="0"/>
-              </a:rPr>
-              <a:t> </a:t>
-            </a:r>
-            <a:r>
-              <a:rPr lang="en-US" altLang="ko-KR" sz="2400">
-                <a:solidFill>
-                  <a:srgbClr val="56B6C2"/>
-                </a:solidFill>
-                <a:latin typeface="Consolas" panose="020B0609020204030204" pitchFamily="49" charset="0"/>
-              </a:rPr>
-              <a:t>&gt;</a:t>
-            </a:r>
-            <a:r>
-              <a:rPr lang="en-US" altLang="ko-KR" sz="2400">
-                <a:solidFill>
-                  <a:srgbClr val="ABB2BF"/>
-                </a:solidFill>
-                <a:latin typeface="Consolas" panose="020B0609020204030204" pitchFamily="49" charset="0"/>
-              </a:rPr>
-              <a:t> </a:t>
-            </a:r>
-            <a:r>
-              <a:rPr lang="en-US" altLang="ko-KR" sz="2400" smtClean="0">
-                <a:solidFill>
-                  <a:srgbClr val="E06C75"/>
-                </a:solidFill>
-                <a:latin typeface="Consolas" panose="020B0609020204030204" pitchFamily="49" charset="0"/>
-              </a:rPr>
-              <a:t>topHeight</a:t>
-            </a:r>
-            <a:r>
-              <a:rPr lang="en-US" altLang="ko-KR" sz="2400" smtClean="0">
-                <a:solidFill>
-                  <a:srgbClr val="ABB2BF"/>
-                </a:solidFill>
-                <a:latin typeface="Consolas" panose="020B0609020204030204" pitchFamily="49" charset="0"/>
-              </a:rPr>
-              <a:t>)</a:t>
-            </a:r>
-          </a:p>
-          <a:p>
-            <a:r>
-              <a:rPr lang="en-US" altLang="ko-KR" sz="2400">
-                <a:solidFill>
-                  <a:srgbClr val="ABB2BF"/>
-                </a:solidFill>
-                <a:latin typeface="Consolas" panose="020B0609020204030204" pitchFamily="49" charset="0"/>
-              </a:rPr>
-              <a:t>	</a:t>
-            </a:r>
-            <a:r>
-              <a:rPr lang="en-US" altLang="ko-KR" sz="2400" smtClean="0">
-                <a:solidFill>
-                  <a:srgbClr val="ABB2BF"/>
-                </a:solidFill>
-                <a:latin typeface="Consolas" panose="020B0609020204030204" pitchFamily="49" charset="0"/>
-              </a:rPr>
-              <a:t>	{</a:t>
-            </a:r>
-            <a:r>
-              <a:rPr lang="en-US" altLang="ko-KR" sz="2400" smtClean="0">
-                <a:solidFill>
-                  <a:srgbClr val="E06C75"/>
-                </a:solidFill>
-                <a:latin typeface="Consolas" panose="020B0609020204030204" pitchFamily="49" charset="0"/>
-              </a:rPr>
-              <a:t>topHeight</a:t>
-            </a:r>
-            <a:r>
-              <a:rPr lang="en-US" altLang="ko-KR" sz="2400">
-                <a:solidFill>
-                  <a:srgbClr val="ABB2BF"/>
-                </a:solidFill>
-                <a:latin typeface="Consolas" panose="020B0609020204030204" pitchFamily="49" charset="0"/>
-              </a:rPr>
-              <a:t> </a:t>
-            </a:r>
-            <a:r>
-              <a:rPr lang="en-US" altLang="ko-KR" sz="2400">
-                <a:solidFill>
-                  <a:srgbClr val="56B6C2"/>
-                </a:solidFill>
-                <a:latin typeface="Consolas" panose="020B0609020204030204" pitchFamily="49" charset="0"/>
-              </a:rPr>
-              <a:t>=</a:t>
-            </a:r>
-            <a:r>
-              <a:rPr lang="en-US" altLang="ko-KR" sz="2400">
-                <a:solidFill>
-                  <a:srgbClr val="ABB2BF"/>
-                </a:solidFill>
-                <a:latin typeface="Consolas" panose="020B0609020204030204" pitchFamily="49" charset="0"/>
-              </a:rPr>
-              <a:t> </a:t>
-            </a:r>
-            <a:r>
-              <a:rPr lang="en-US" altLang="ko-KR" sz="2400">
-                <a:solidFill>
-                  <a:srgbClr val="E06C75"/>
-                </a:solidFill>
-                <a:latin typeface="Consolas" panose="020B0609020204030204" pitchFamily="49" charset="0"/>
-              </a:rPr>
-              <a:t>slides</a:t>
-            </a:r>
-            <a:r>
-              <a:rPr lang="en-US" altLang="ko-KR" sz="2400">
-                <a:solidFill>
-                  <a:srgbClr val="ABB2BF"/>
-                </a:solidFill>
-                <a:latin typeface="Consolas" panose="020B0609020204030204" pitchFamily="49" charset="0"/>
-              </a:rPr>
-              <a:t>[</a:t>
-            </a:r>
-            <a:r>
-              <a:rPr lang="en-US" altLang="ko-KR" sz="2400" err="1">
-                <a:solidFill>
-                  <a:srgbClr val="E06C75"/>
-                </a:solidFill>
-                <a:latin typeface="Consolas" panose="020B0609020204030204" pitchFamily="49" charset="0"/>
-              </a:rPr>
-              <a:t>i</a:t>
-            </a:r>
-            <a:r>
-              <a:rPr lang="en-US" altLang="ko-KR" sz="2400">
-                <a:solidFill>
-                  <a:srgbClr val="ABB2BF"/>
-                </a:solidFill>
-                <a:latin typeface="Consolas" panose="020B0609020204030204" pitchFamily="49" charset="0"/>
-              </a:rPr>
-              <a:t>].</a:t>
-            </a:r>
-            <a:r>
-              <a:rPr lang="en-US" altLang="ko-KR" sz="2400" err="1">
-                <a:solidFill>
-                  <a:srgbClr val="E06C75"/>
-                </a:solidFill>
-                <a:latin typeface="Consolas" panose="020B0609020204030204" pitchFamily="49" charset="0"/>
-              </a:rPr>
-              <a:t>offsetHeight</a:t>
-            </a:r>
-            <a:r>
-              <a:rPr lang="en-US" altLang="ko-KR" sz="2400" smtClean="0">
-                <a:solidFill>
-                  <a:srgbClr val="ABB2BF"/>
-                </a:solidFill>
-                <a:latin typeface="Consolas" panose="020B0609020204030204" pitchFamily="49" charset="0"/>
-              </a:rPr>
-              <a:t>;}}</a:t>
-            </a:r>
-            <a:endParaRPr lang="en-US" altLang="ko-KR" sz="2400">
-              <a:solidFill>
-                <a:srgbClr val="ABB2BF"/>
-              </a:solidFill>
-              <a:latin typeface="Consolas" panose="020B0609020204030204" pitchFamily="49" charset="0"/>
-            </a:endParaRPr>
-          </a:p>
-          <a:p>
-            <a:r>
-              <a:rPr lang="en-US" altLang="ko-KR" sz="2400">
-                <a:solidFill>
-                  <a:srgbClr val="ABB2BF"/>
-                </a:solidFill>
-                <a:latin typeface="Consolas" panose="020B0609020204030204" pitchFamily="49" charset="0"/>
-              </a:rPr>
-              <a:t/>
-            </a:r>
-            <a:br>
-              <a:rPr lang="en-US" altLang="ko-KR" sz="2400">
-                <a:solidFill>
-                  <a:srgbClr val="ABB2BF"/>
-                </a:solidFill>
-                <a:latin typeface="Consolas" panose="020B0609020204030204" pitchFamily="49" charset="0"/>
-              </a:rPr>
-            </a:br>
-            <a:r>
-              <a:rPr lang="en-US" altLang="ko-KR" sz="2400">
-                <a:solidFill>
-                  <a:srgbClr val="ABB2BF"/>
-                </a:solidFill>
-                <a:latin typeface="Consolas" panose="020B0609020204030204" pitchFamily="49" charset="0"/>
-              </a:rPr>
-              <a:t>    </a:t>
-            </a:r>
-            <a:r>
-              <a:rPr lang="en-US" altLang="ko-KR" sz="2400" err="1">
-                <a:solidFill>
-                  <a:srgbClr val="E06C75"/>
-                </a:solidFill>
-                <a:latin typeface="Consolas" panose="020B0609020204030204" pitchFamily="49" charset="0"/>
-              </a:rPr>
-              <a:t>slideWrapper</a:t>
-            </a:r>
-            <a:r>
-              <a:rPr lang="en-US" altLang="ko-KR" sz="2400">
-                <a:solidFill>
-                  <a:srgbClr val="ABB2BF"/>
-                </a:solidFill>
-                <a:latin typeface="Consolas" panose="020B0609020204030204" pitchFamily="49" charset="0"/>
-              </a:rPr>
-              <a:t>[</a:t>
-            </a:r>
-            <a:r>
-              <a:rPr lang="en-US" altLang="ko-KR" sz="2400">
-                <a:solidFill>
-                  <a:srgbClr val="D19A66"/>
-                </a:solidFill>
-                <a:latin typeface="Consolas" panose="020B0609020204030204" pitchFamily="49" charset="0"/>
-              </a:rPr>
-              <a:t>0</a:t>
-            </a:r>
-            <a:r>
-              <a:rPr lang="en-US" altLang="ko-KR" sz="2400">
-                <a:solidFill>
-                  <a:srgbClr val="ABB2BF"/>
-                </a:solidFill>
-                <a:latin typeface="Consolas" panose="020B0609020204030204" pitchFamily="49" charset="0"/>
-              </a:rPr>
-              <a:t>].</a:t>
-            </a:r>
-            <a:r>
-              <a:rPr lang="en-US" altLang="ko-KR" sz="2400" err="1">
-                <a:solidFill>
-                  <a:srgbClr val="E06C75"/>
-                </a:solidFill>
-                <a:latin typeface="Consolas" panose="020B0609020204030204" pitchFamily="49" charset="0"/>
-              </a:rPr>
-              <a:t>style</a:t>
-            </a:r>
-            <a:r>
-              <a:rPr lang="en-US" altLang="ko-KR" sz="2400" err="1">
-                <a:solidFill>
-                  <a:srgbClr val="ABB2BF"/>
-                </a:solidFill>
-                <a:latin typeface="Consolas" panose="020B0609020204030204" pitchFamily="49" charset="0"/>
-              </a:rPr>
-              <a:t>.</a:t>
-            </a:r>
-            <a:r>
-              <a:rPr lang="en-US" altLang="ko-KR" sz="2400" err="1">
-                <a:solidFill>
-                  <a:srgbClr val="E06C75"/>
-                </a:solidFill>
-                <a:latin typeface="Consolas" panose="020B0609020204030204" pitchFamily="49" charset="0"/>
-              </a:rPr>
-              <a:t>height</a:t>
-            </a:r>
-            <a:r>
-              <a:rPr lang="en-US" altLang="ko-KR" sz="2400">
-                <a:solidFill>
-                  <a:srgbClr val="ABB2BF"/>
-                </a:solidFill>
-                <a:latin typeface="Consolas" panose="020B0609020204030204" pitchFamily="49" charset="0"/>
-              </a:rPr>
-              <a:t> </a:t>
-            </a:r>
-            <a:r>
-              <a:rPr lang="en-US" altLang="ko-KR" sz="2400">
-                <a:solidFill>
-                  <a:srgbClr val="56B6C2"/>
-                </a:solidFill>
-                <a:latin typeface="Consolas" panose="020B0609020204030204" pitchFamily="49" charset="0"/>
-              </a:rPr>
-              <a:t>=</a:t>
-            </a:r>
-            <a:r>
-              <a:rPr lang="en-US" altLang="ko-KR" sz="2400">
-                <a:solidFill>
-                  <a:srgbClr val="ABB2BF"/>
-                </a:solidFill>
-                <a:latin typeface="Consolas" panose="020B0609020204030204" pitchFamily="49" charset="0"/>
-              </a:rPr>
-              <a:t> </a:t>
-            </a:r>
-            <a:r>
-              <a:rPr lang="en-US" altLang="ko-KR" sz="2400" err="1">
-                <a:solidFill>
-                  <a:srgbClr val="E06C75"/>
-                </a:solidFill>
-                <a:latin typeface="Consolas" panose="020B0609020204030204" pitchFamily="49" charset="0"/>
-              </a:rPr>
-              <a:t>topHeight</a:t>
-            </a:r>
-            <a:r>
-              <a:rPr lang="en-US" altLang="ko-KR" sz="2400">
-                <a:solidFill>
-                  <a:srgbClr val="ABB2BF"/>
-                </a:solidFill>
-                <a:latin typeface="Consolas" panose="020B0609020204030204" pitchFamily="49" charset="0"/>
-              </a:rPr>
-              <a:t> </a:t>
-            </a:r>
-            <a:r>
-              <a:rPr lang="en-US" altLang="ko-KR" sz="2400">
-                <a:solidFill>
-                  <a:srgbClr val="56B6C2"/>
-                </a:solidFill>
-                <a:latin typeface="Consolas" panose="020B0609020204030204" pitchFamily="49" charset="0"/>
-              </a:rPr>
-              <a:t>+</a:t>
-            </a:r>
-            <a:r>
-              <a:rPr lang="en-US" altLang="ko-KR" sz="2400">
-                <a:solidFill>
-                  <a:srgbClr val="ABB2BF"/>
-                </a:solidFill>
-                <a:latin typeface="Consolas" panose="020B0609020204030204" pitchFamily="49" charset="0"/>
-              </a:rPr>
-              <a:t> </a:t>
-            </a:r>
-            <a:r>
-              <a:rPr lang="en-US" altLang="ko-KR" sz="2400">
-                <a:solidFill>
-                  <a:srgbClr val="98C379"/>
-                </a:solidFill>
-                <a:latin typeface="Consolas" panose="020B0609020204030204" pitchFamily="49" charset="0"/>
-              </a:rPr>
-              <a:t>'</a:t>
-            </a:r>
-            <a:r>
-              <a:rPr lang="en-US" altLang="ko-KR" sz="2400" err="1">
-                <a:solidFill>
-                  <a:srgbClr val="98C379"/>
-                </a:solidFill>
-                <a:latin typeface="Consolas" panose="020B0609020204030204" pitchFamily="49" charset="0"/>
-              </a:rPr>
-              <a:t>px</a:t>
-            </a:r>
-            <a:r>
-              <a:rPr lang="en-US" altLang="ko-KR" sz="2400">
-                <a:solidFill>
-                  <a:srgbClr val="98C379"/>
-                </a:solidFill>
-                <a:latin typeface="Consolas" panose="020B0609020204030204" pitchFamily="49" charset="0"/>
-              </a:rPr>
-              <a:t>'</a:t>
-            </a:r>
-            <a:r>
-              <a:rPr lang="en-US" altLang="ko-KR" sz="2400">
-                <a:solidFill>
-                  <a:srgbClr val="ABB2BF"/>
-                </a:solidFill>
-                <a:latin typeface="Consolas" panose="020B0609020204030204" pitchFamily="49" charset="0"/>
-              </a:rPr>
-              <a:t>;</a:t>
-            </a:r>
-          </a:p>
-          <a:p>
-            <a:r>
-              <a:rPr lang="en-US" altLang="ko-KR" sz="2400">
-                <a:solidFill>
-                  <a:srgbClr val="ABB2BF"/>
-                </a:solidFill>
-                <a:latin typeface="Consolas" panose="020B0609020204030204" pitchFamily="49" charset="0"/>
-              </a:rPr>
-              <a:t>    </a:t>
-            </a:r>
-            <a:r>
-              <a:rPr lang="en-US" altLang="ko-KR" sz="2400" err="1">
-                <a:solidFill>
-                  <a:srgbClr val="E06C75"/>
-                </a:solidFill>
-                <a:latin typeface="Consolas" panose="020B0609020204030204" pitchFamily="49" charset="0"/>
-              </a:rPr>
-              <a:t>slideContainer</a:t>
-            </a:r>
-            <a:r>
-              <a:rPr lang="en-US" altLang="ko-KR" sz="2400">
-                <a:solidFill>
-                  <a:srgbClr val="ABB2BF"/>
-                </a:solidFill>
-                <a:latin typeface="Consolas" panose="020B0609020204030204" pitchFamily="49" charset="0"/>
-              </a:rPr>
-              <a:t>[</a:t>
-            </a:r>
-            <a:r>
-              <a:rPr lang="en-US" altLang="ko-KR" sz="2400">
-                <a:solidFill>
-                  <a:srgbClr val="D19A66"/>
-                </a:solidFill>
-                <a:latin typeface="Consolas" panose="020B0609020204030204" pitchFamily="49" charset="0"/>
-              </a:rPr>
-              <a:t>0</a:t>
-            </a:r>
-            <a:r>
-              <a:rPr lang="en-US" altLang="ko-KR" sz="2400">
-                <a:solidFill>
-                  <a:srgbClr val="ABB2BF"/>
-                </a:solidFill>
-                <a:latin typeface="Consolas" panose="020B0609020204030204" pitchFamily="49" charset="0"/>
-              </a:rPr>
-              <a:t>].</a:t>
-            </a:r>
-            <a:r>
-              <a:rPr lang="en-US" altLang="ko-KR" sz="2400" err="1">
-                <a:solidFill>
-                  <a:srgbClr val="E06C75"/>
-                </a:solidFill>
-                <a:latin typeface="Consolas" panose="020B0609020204030204" pitchFamily="49" charset="0"/>
-              </a:rPr>
-              <a:t>style</a:t>
-            </a:r>
-            <a:r>
-              <a:rPr lang="en-US" altLang="ko-KR" sz="2400" err="1">
-                <a:solidFill>
-                  <a:srgbClr val="ABB2BF"/>
-                </a:solidFill>
-                <a:latin typeface="Consolas" panose="020B0609020204030204" pitchFamily="49" charset="0"/>
-              </a:rPr>
-              <a:t>.</a:t>
-            </a:r>
-            <a:r>
-              <a:rPr lang="en-US" altLang="ko-KR" sz="2400" err="1">
-                <a:solidFill>
-                  <a:srgbClr val="E06C75"/>
-                </a:solidFill>
-                <a:latin typeface="Consolas" panose="020B0609020204030204" pitchFamily="49" charset="0"/>
-              </a:rPr>
-              <a:t>height</a:t>
-            </a:r>
-            <a:r>
-              <a:rPr lang="en-US" altLang="ko-KR" sz="2400">
-                <a:solidFill>
-                  <a:srgbClr val="ABB2BF"/>
-                </a:solidFill>
-                <a:latin typeface="Consolas" panose="020B0609020204030204" pitchFamily="49" charset="0"/>
-              </a:rPr>
-              <a:t> </a:t>
-            </a:r>
-            <a:r>
-              <a:rPr lang="en-US" altLang="ko-KR" sz="2400">
-                <a:solidFill>
-                  <a:srgbClr val="56B6C2"/>
-                </a:solidFill>
-                <a:latin typeface="Consolas" panose="020B0609020204030204" pitchFamily="49" charset="0"/>
-              </a:rPr>
-              <a:t>=</a:t>
-            </a:r>
-            <a:r>
-              <a:rPr lang="en-US" altLang="ko-KR" sz="2400">
-                <a:solidFill>
-                  <a:srgbClr val="ABB2BF"/>
-                </a:solidFill>
-                <a:latin typeface="Consolas" panose="020B0609020204030204" pitchFamily="49" charset="0"/>
-              </a:rPr>
-              <a:t> </a:t>
-            </a:r>
-            <a:r>
-              <a:rPr lang="en-US" altLang="ko-KR" sz="2400" err="1">
-                <a:solidFill>
-                  <a:srgbClr val="E06C75"/>
-                </a:solidFill>
-                <a:latin typeface="Consolas" panose="020B0609020204030204" pitchFamily="49" charset="0"/>
-              </a:rPr>
-              <a:t>topHeight</a:t>
-            </a:r>
-            <a:r>
-              <a:rPr lang="en-US" altLang="ko-KR" sz="2400">
-                <a:solidFill>
-                  <a:srgbClr val="ABB2BF"/>
-                </a:solidFill>
-                <a:latin typeface="Consolas" panose="020B0609020204030204" pitchFamily="49" charset="0"/>
-              </a:rPr>
-              <a:t> </a:t>
-            </a:r>
-            <a:r>
-              <a:rPr lang="en-US" altLang="ko-KR" sz="2400">
-                <a:solidFill>
-                  <a:srgbClr val="56B6C2"/>
-                </a:solidFill>
-                <a:latin typeface="Consolas" panose="020B0609020204030204" pitchFamily="49" charset="0"/>
-              </a:rPr>
-              <a:t>+</a:t>
-            </a:r>
-            <a:r>
-              <a:rPr lang="en-US" altLang="ko-KR" sz="2400">
-                <a:solidFill>
-                  <a:srgbClr val="ABB2BF"/>
-                </a:solidFill>
-                <a:latin typeface="Consolas" panose="020B0609020204030204" pitchFamily="49" charset="0"/>
-              </a:rPr>
-              <a:t> </a:t>
-            </a:r>
-            <a:r>
-              <a:rPr lang="en-US" altLang="ko-KR" sz="2400">
-                <a:solidFill>
-                  <a:srgbClr val="98C379"/>
-                </a:solidFill>
-                <a:latin typeface="Consolas" panose="020B0609020204030204" pitchFamily="49" charset="0"/>
-              </a:rPr>
-              <a:t>'</a:t>
-            </a:r>
-            <a:r>
-              <a:rPr lang="en-US" altLang="ko-KR" sz="2400" err="1">
-                <a:solidFill>
-                  <a:srgbClr val="98C379"/>
-                </a:solidFill>
-                <a:latin typeface="Consolas" panose="020B0609020204030204" pitchFamily="49" charset="0"/>
-              </a:rPr>
-              <a:t>px</a:t>
-            </a:r>
-            <a:r>
-              <a:rPr lang="en-US" altLang="ko-KR" sz="2400">
-                <a:solidFill>
-                  <a:srgbClr val="98C379"/>
-                </a:solidFill>
-                <a:latin typeface="Consolas" panose="020B0609020204030204" pitchFamily="49" charset="0"/>
-              </a:rPr>
-              <a:t>'</a:t>
-            </a:r>
-            <a:r>
-              <a:rPr lang="en-US" altLang="ko-KR" sz="2400">
-                <a:solidFill>
-                  <a:srgbClr val="ABB2BF"/>
-                </a:solidFill>
-                <a:latin typeface="Consolas" panose="020B0609020204030204" pitchFamily="49" charset="0"/>
-              </a:rPr>
-              <a:t>;</a:t>
-            </a:r>
-          </a:p>
-          <a:p>
-            <a:endParaRPr lang="en-US" altLang="ko-KR" sz="2400" smtClean="0">
-              <a:solidFill>
-                <a:srgbClr val="ABB2BF"/>
-              </a:solidFill>
-              <a:latin typeface="Consolas" panose="020B0609020204030204" pitchFamily="49" charset="0"/>
-            </a:endParaRPr>
-          </a:p>
-          <a:p>
-            <a:r>
-              <a:rPr lang="en-US" altLang="ko-KR" sz="2400" smtClean="0">
-                <a:solidFill>
-                  <a:srgbClr val="ABB2BF"/>
-                </a:solidFill>
-                <a:latin typeface="Consolas" panose="020B0609020204030204" pitchFamily="49" charset="0"/>
-              </a:rPr>
-              <a:t>}</a:t>
-            </a:r>
-            <a:endParaRPr lang="en-US" altLang="ko-KR" sz="2400">
-              <a:solidFill>
-                <a:srgbClr val="ABB2BF"/>
-              </a:solidFill>
-              <a:latin typeface="Consolas" panose="020B0609020204030204" pitchFamily="49" charset="0"/>
-            </a:endParaRPr>
-          </a:p>
-          <a:p>
-            <a:r>
-              <a:rPr lang="en-US" altLang="ko-KR" sz="2400">
-                <a:solidFill>
-                  <a:srgbClr val="ABB2BF"/>
-                </a:solidFill>
-                <a:latin typeface="Consolas" panose="020B0609020204030204" pitchFamily="49" charset="0"/>
-              </a:rPr>
-              <a:t/>
-            </a:r>
-            <a:br>
-              <a:rPr lang="en-US" altLang="ko-KR" sz="2400">
-                <a:solidFill>
-                  <a:srgbClr val="ABB2BF"/>
-                </a:solidFill>
-                <a:latin typeface="Consolas" panose="020B0609020204030204" pitchFamily="49" charset="0"/>
-              </a:rPr>
-            </a:br>
-            <a:r>
-              <a:rPr lang="en-US" altLang="ko-KR" sz="2400" err="1">
-                <a:solidFill>
-                  <a:srgbClr val="61AFEF"/>
-                </a:solidFill>
-                <a:latin typeface="Consolas" panose="020B0609020204030204" pitchFamily="49" charset="0"/>
-              </a:rPr>
-              <a:t>calculateTallestSlide</a:t>
-            </a:r>
-            <a:r>
-              <a:rPr lang="en-US" altLang="ko-KR" sz="2400">
-                <a:solidFill>
-                  <a:srgbClr val="ABB2BF"/>
-                </a:solidFill>
-                <a:latin typeface="Consolas" panose="020B0609020204030204" pitchFamily="49" charset="0"/>
-              </a:rPr>
-              <a:t>();</a:t>
-            </a:r>
-          </a:p>
-          <a:p>
-            <a:r>
-              <a:rPr lang="en-US" altLang="ko-KR" sz="2400">
-                <a:solidFill>
-                  <a:srgbClr val="ABB2BF"/>
-                </a:solidFill>
-                <a:latin typeface="Consolas" panose="020B0609020204030204" pitchFamily="49" charset="0"/>
-              </a:rPr>
-              <a:t/>
-            </a:r>
-            <a:br>
-              <a:rPr lang="en-US" altLang="ko-KR" sz="2400">
-                <a:solidFill>
-                  <a:srgbClr val="ABB2BF"/>
-                </a:solidFill>
-                <a:latin typeface="Consolas" panose="020B0609020204030204" pitchFamily="49" charset="0"/>
-              </a:rPr>
-            </a:br>
-            <a:endParaRPr lang="en-US" altLang="ko-KR" sz="2400" b="0">
-              <a:solidFill>
-                <a:srgbClr val="ABB2BF"/>
-              </a:solidFill>
-              <a:effectLst/>
-              <a:latin typeface="Consolas" panose="020B0609020204030204" pitchFamily="49" charset="0"/>
-            </a:endParaRPr>
-          </a:p>
-        </p:txBody>
-      </p:sp>
-      <p:sp>
-        <p:nvSpPr>
-          <p:cNvPr id="5" name="Rectangle 4"/>
-          <p:cNvSpPr/>
-          <p:nvPr/>
-        </p:nvSpPr>
-        <p:spPr>
-          <a:xfrm>
-            <a:off x="521512" y="656582"/>
-            <a:ext cx="6886822" cy="369332"/>
-          </a:xfrm>
-          <a:prstGeom prst="rect">
-            <a:avLst/>
-          </a:prstGeom>
-        </p:spPr>
-        <p:txBody>
-          <a:bodyPr wrap="none">
-            <a:spAutoFit/>
-          </a:bodyPr>
-          <a:lstStyle/>
-          <a:p>
-            <a:r>
-              <a:rPr lang="en-US" altLang="ko-KR" i="1" smtClean="0">
-                <a:solidFill>
-                  <a:srgbClr val="7F848E"/>
-                </a:solidFill>
-                <a:latin typeface="Consolas" panose="020B0609020204030204" pitchFamily="49" charset="0"/>
-              </a:rPr>
-              <a:t>// (</a:t>
-            </a:r>
-            <a:r>
-              <a:rPr lang="ko-KR" altLang="en-US" i="1" smtClean="0">
-                <a:solidFill>
-                  <a:srgbClr val="7F848E"/>
-                </a:solidFill>
-                <a:latin typeface="Consolas" panose="020B0609020204030204" pitchFamily="49" charset="0"/>
-              </a:rPr>
-              <a:t>추가</a:t>
-            </a:r>
-            <a:r>
-              <a:rPr lang="en-US" altLang="ko-KR" i="1" smtClean="0">
-                <a:solidFill>
-                  <a:srgbClr val="7F848E"/>
-                </a:solidFill>
-                <a:latin typeface="Consolas" panose="020B0609020204030204" pitchFamily="49" charset="0"/>
-              </a:rPr>
-              <a:t>) </a:t>
-            </a:r>
-            <a:r>
-              <a:rPr lang="ko-KR" altLang="en-US" i="1" smtClean="0">
-                <a:solidFill>
-                  <a:srgbClr val="7F848E"/>
-                </a:solidFill>
-                <a:latin typeface="Consolas" panose="020B0609020204030204" pitchFamily="49" charset="0"/>
-              </a:rPr>
-              <a:t>슬라이드의</a:t>
-            </a:r>
-            <a:r>
-              <a:rPr lang="ko-KR" altLang="en-US" i="1">
-                <a:solidFill>
-                  <a:srgbClr val="7F848E"/>
-                </a:solidFill>
-                <a:latin typeface="Consolas" panose="020B0609020204030204" pitchFamily="49" charset="0"/>
-              </a:rPr>
-              <a:t> 높이 확인하여 부모의 높이로 지정하기</a:t>
-            </a:r>
-            <a:endParaRPr lang="ko-KR" altLang="en-US" b="0">
-              <a:solidFill>
-                <a:srgbClr val="ABB2BF"/>
-              </a:solidFill>
-              <a:effectLst/>
-              <a:latin typeface="Consolas" panose="020B0609020204030204" pitchFamily="49" charset="0"/>
-            </a:endParaRPr>
-          </a:p>
-        </p:txBody>
-      </p:sp>
-    </p:spTree>
-    <p:extLst>
-      <p:ext uri="{BB962C8B-B14F-4D97-AF65-F5344CB8AC3E}">
-        <p14:creationId xmlns:p14="http://schemas.microsoft.com/office/powerpoint/2010/main" val="3551789035"/>
       </p:ext>
     </p:extLst>
   </p:cSld>
@@ -9498,7 +11453,7 @@
     </a:clrScheme>
     <a:fontScheme name="Office">
       <a:majorFont>
-        <a:latin typeface="맑은 고딕" panose="020F0302020204030204"/>
+        <a:latin typeface="맑은 고딕"/>
         <a:ea typeface=""/>
         <a:cs typeface=""/>
         <a:font script="Jpan" typeface="游ゴシック Light"/>
@@ -9533,7 +11488,7 @@
         <a:font script="Geor" typeface="Sylfaen"/>
       </a:majorFont>
       <a:minorFont>
-        <a:latin typeface="맑은 고딕" panose="020F0502020204030204"/>
+        <a:latin typeface="맑은 고딕"/>
         <a:ea typeface=""/>
         <a:cs typeface=""/>
         <a:font script="Jpan" typeface="游ゴシック"/>
@@ -9710,7 +11665,7 @@
   <a:extraClrSchemeLst/>
   <a:extLst>
     <a:ext uri="{05A4C25C-085E-4340-85A3-A5531E510DB2}">
-      <thm15:themeFamily xmlns:thm15="http://schemas.microsoft.com/office/thememl/2012/main" name="Office Theme" id="{62F939B6-93AF-4DB8-9C6B-D6C7DFDC589F}" vid="{4A3C46E8-61CC-4603-A589-7422A47A8E4A}"/>
+      <thm15:themeFamily xmlns:thm15="http://schemas.microsoft.com/office/thememl/2012/main" xmlns="" name="Office Theme" id="{62F939B6-93AF-4DB8-9C6B-D6C7DFDC589F}" vid="{4A3C46E8-61CC-4603-A589-7422A47A8E4A}"/>
     </a:ext>
   </a:extLst>
 </a:theme>

--- a/study/ex03_제작/추가내용.pptx
+++ b/study/ex03_제작/추가내용.pptx
@@ -5,16 +5,20 @@
     <p:sldMasterId id="2147483648" r:id="rId1"/>
   </p:sldMasterIdLst>
   <p:sldIdLst>
-    <p:sldId id="261" r:id="rId2"/>
-    <p:sldId id="266" r:id="rId3"/>
+    <p:sldId id="268" r:id="rId2"/>
+    <p:sldId id="261" r:id="rId3"/>
     <p:sldId id="264" r:id="rId4"/>
-    <p:sldId id="257" r:id="rId5"/>
-    <p:sldId id="265" r:id="rId6"/>
-    <p:sldId id="263" r:id="rId7"/>
-    <p:sldId id="262" r:id="rId8"/>
-    <p:sldId id="256" r:id="rId9"/>
-    <p:sldId id="260" r:id="rId10"/>
-    <p:sldId id="267" r:id="rId11"/>
+    <p:sldId id="270" r:id="rId5"/>
+    <p:sldId id="257" r:id="rId6"/>
+    <p:sldId id="265" r:id="rId7"/>
+    <p:sldId id="271" r:id="rId8"/>
+    <p:sldId id="272" r:id="rId9"/>
+    <p:sldId id="262" r:id="rId10"/>
+    <p:sldId id="273" r:id="rId11"/>
+    <p:sldId id="256" r:id="rId12"/>
+    <p:sldId id="260" r:id="rId13"/>
+    <p:sldId id="274" r:id="rId14"/>
+    <p:sldId id="267" r:id="rId15"/>
   </p:sldIdLst>
   <p:sldSz cx="12192000" cy="6858000"/>
   <p:notesSz cx="6858000" cy="9144000"/>
@@ -252,7 +256,7 @@
           <a:p>
             <a:fld id="{C9632455-9918-459E-9339-B115AB968DE2}" type="datetimeFigureOut">
               <a:rPr lang="ko-KR" altLang="en-US" smtClean="0"/>
-              <a:t>2020-02-02</a:t>
+              <a:t>2020-02-08</a:t>
             </a:fld>
             <a:endParaRPr lang="ko-KR" altLang="en-US"/>
           </a:p>
@@ -422,7 +426,7 @@
           <a:p>
             <a:fld id="{C9632455-9918-459E-9339-B115AB968DE2}" type="datetimeFigureOut">
               <a:rPr lang="ko-KR" altLang="en-US" smtClean="0"/>
-              <a:t>2020-02-02</a:t>
+              <a:t>2020-02-08</a:t>
             </a:fld>
             <a:endParaRPr lang="ko-KR" altLang="en-US"/>
           </a:p>
@@ -602,7 +606,7 @@
           <a:p>
             <a:fld id="{C9632455-9918-459E-9339-B115AB968DE2}" type="datetimeFigureOut">
               <a:rPr lang="ko-KR" altLang="en-US" smtClean="0"/>
-              <a:t>2020-02-02</a:t>
+              <a:t>2020-02-08</a:t>
             </a:fld>
             <a:endParaRPr lang="ko-KR" altLang="en-US"/>
           </a:p>
@@ -772,7 +776,7 @@
           <a:p>
             <a:fld id="{C9632455-9918-459E-9339-B115AB968DE2}" type="datetimeFigureOut">
               <a:rPr lang="ko-KR" altLang="en-US" smtClean="0"/>
-              <a:t>2020-02-02</a:t>
+              <a:t>2020-02-08</a:t>
             </a:fld>
             <a:endParaRPr lang="ko-KR" altLang="en-US"/>
           </a:p>
@@ -1018,7 +1022,7 @@
           <a:p>
             <a:fld id="{C9632455-9918-459E-9339-B115AB968DE2}" type="datetimeFigureOut">
               <a:rPr lang="ko-KR" altLang="en-US" smtClean="0"/>
-              <a:t>2020-02-02</a:t>
+              <a:t>2020-02-08</a:t>
             </a:fld>
             <a:endParaRPr lang="ko-KR" altLang="en-US"/>
           </a:p>
@@ -1250,7 +1254,7 @@
           <a:p>
             <a:fld id="{C9632455-9918-459E-9339-B115AB968DE2}" type="datetimeFigureOut">
               <a:rPr lang="ko-KR" altLang="en-US" smtClean="0"/>
-              <a:t>2020-02-02</a:t>
+              <a:t>2020-02-08</a:t>
             </a:fld>
             <a:endParaRPr lang="ko-KR" altLang="en-US"/>
           </a:p>
@@ -1617,7 +1621,7 @@
           <a:p>
             <a:fld id="{C9632455-9918-459E-9339-B115AB968DE2}" type="datetimeFigureOut">
               <a:rPr lang="ko-KR" altLang="en-US" smtClean="0"/>
-              <a:t>2020-02-02</a:t>
+              <a:t>2020-02-08</a:t>
             </a:fld>
             <a:endParaRPr lang="ko-KR" altLang="en-US"/>
           </a:p>
@@ -1735,7 +1739,7 @@
           <a:p>
             <a:fld id="{C9632455-9918-459E-9339-B115AB968DE2}" type="datetimeFigureOut">
               <a:rPr lang="ko-KR" altLang="en-US" smtClean="0"/>
-              <a:t>2020-02-02</a:t>
+              <a:t>2020-02-08</a:t>
             </a:fld>
             <a:endParaRPr lang="ko-KR" altLang="en-US"/>
           </a:p>
@@ -1830,7 +1834,7 @@
           <a:p>
             <a:fld id="{C9632455-9918-459E-9339-B115AB968DE2}" type="datetimeFigureOut">
               <a:rPr lang="ko-KR" altLang="en-US" smtClean="0"/>
-              <a:t>2020-02-02</a:t>
+              <a:t>2020-02-08</a:t>
             </a:fld>
             <a:endParaRPr lang="ko-KR" altLang="en-US"/>
           </a:p>
@@ -2107,7 +2111,7 @@
           <a:p>
             <a:fld id="{C9632455-9918-459E-9339-B115AB968DE2}" type="datetimeFigureOut">
               <a:rPr lang="ko-KR" altLang="en-US" smtClean="0"/>
-              <a:t>2020-02-02</a:t>
+              <a:t>2020-02-08</a:t>
             </a:fld>
             <a:endParaRPr lang="ko-KR" altLang="en-US"/>
           </a:p>
@@ -2360,7 +2364,7 @@
           <a:p>
             <a:fld id="{C9632455-9918-459E-9339-B115AB968DE2}" type="datetimeFigureOut">
               <a:rPr lang="ko-KR" altLang="en-US" smtClean="0"/>
-              <a:t>2020-02-02</a:t>
+              <a:t>2020-02-08</a:t>
             </a:fld>
             <a:endParaRPr lang="ko-KR" altLang="en-US"/>
           </a:p>
@@ -2573,7 +2577,7 @@
           <a:p>
             <a:fld id="{C9632455-9918-459E-9339-B115AB968DE2}" type="datetimeFigureOut">
               <a:rPr lang="ko-KR" altLang="en-US" smtClean="0"/>
-              <a:t>2020-02-02</a:t>
+              <a:t>2020-02-08</a:t>
             </a:fld>
             <a:endParaRPr lang="ko-KR" altLang="en-US"/>
           </a:p>
@@ -2980,14 +2984,198 @@
       </p:grpSpPr>
       <p:sp>
         <p:nvSpPr>
+          <p:cNvPr id="2" name="Title 1"/>
+          <p:cNvSpPr>
+            <a:spLocks noGrp="1"/>
+          </p:cNvSpPr>
+          <p:nvPr>
+            <p:ph type="ctrTitle"/>
+          </p:nvPr>
+        </p:nvSpPr>
+        <p:spPr/>
+        <p:txBody>
+          <a:bodyPr/>
+          <a:lstStyle/>
+          <a:p>
+            <a:r>
+              <a:rPr lang="ko-KR" altLang="en-US" smtClean="0"/>
+              <a:t>슬라이드 버튼 만들기</a:t>
+            </a:r>
+            <a:endParaRPr lang="ko-KR" altLang="en-US"/>
+          </a:p>
+        </p:txBody>
+      </p:sp>
+    </p:spTree>
+    <p:extLst>
+      <p:ext uri="{BB962C8B-B14F-4D97-AF65-F5344CB8AC3E}">
+        <p14:creationId xmlns:p14="http://schemas.microsoft.com/office/powerpoint/2010/main" val="4041474968"/>
+      </p:ext>
+    </p:extLst>
+  </p:cSld>
+  <p:clrMapOvr>
+    <a:masterClrMapping/>
+  </p:clrMapOvr>
+  <p:timing>
+    <p:tnLst>
+      <p:par>
+        <p:cTn id="1" dur="indefinite" restart="never" nodeType="tmRoot"/>
+      </p:par>
+    </p:tnLst>
+  </p:timing>
+</p:sld>
+</file>
+
+<file path=ppt/slides/slide10.xml><?xml version="1.0" encoding="utf-8"?>
+<p:sld xmlns:a="http://schemas.openxmlformats.org/drawingml/2006/main" xmlns:r="http://schemas.openxmlformats.org/officeDocument/2006/relationships" xmlns:p="http://schemas.openxmlformats.org/presentationml/2006/main">
+  <p:cSld>
+    <p:spTree>
+      <p:nvGrpSpPr>
+        <p:cNvPr id="1" name=""/>
+        <p:cNvGrpSpPr/>
+        <p:nvPr/>
+      </p:nvGrpSpPr>
+      <p:grpSpPr>
+        <a:xfrm>
+          <a:off x="0" y="0"/>
+          <a:ext cx="0" cy="0"/>
+          <a:chOff x="0" y="0"/>
+          <a:chExt cx="0" cy="0"/>
+        </a:xfrm>
+      </p:grpSpPr>
+      <p:sp>
+        <p:nvSpPr>
+          <p:cNvPr id="2" name="Title 1"/>
+          <p:cNvSpPr>
+            <a:spLocks noGrp="1"/>
+          </p:cNvSpPr>
+          <p:nvPr>
+            <p:ph type="ctrTitle"/>
+          </p:nvPr>
+        </p:nvSpPr>
+        <p:spPr/>
+        <p:txBody>
+          <a:bodyPr/>
+          <a:lstStyle/>
+          <a:p>
+            <a:r>
+              <a:rPr lang="ko-KR" altLang="en-US" smtClean="0"/>
+              <a:t>슬라이드 높이부여</a:t>
+            </a:r>
+            <a:endParaRPr lang="ko-KR" altLang="en-US"/>
+          </a:p>
+        </p:txBody>
+      </p:sp>
+      <p:sp>
+        <p:nvSpPr>
+          <p:cNvPr id="3" name="Subtitle 2"/>
+          <p:cNvSpPr>
+            <a:spLocks noGrp="1"/>
+          </p:cNvSpPr>
+          <p:nvPr>
+            <p:ph type="subTitle" idx="1"/>
+          </p:nvPr>
+        </p:nvSpPr>
+        <p:spPr/>
+        <p:txBody>
+          <a:bodyPr>
+            <a:normAutofit/>
+          </a:bodyPr>
+          <a:lstStyle/>
+          <a:p>
+            <a:r>
+              <a:rPr lang="ko-KR" altLang="en-US" smtClean="0"/>
+              <a:t>모든 슬라이드 중에서 가장 </a:t>
+            </a:r>
+            <a:r>
+              <a:rPr lang="en-US" altLang="ko-KR" smtClean="0"/>
+              <a:t>height</a:t>
+            </a:r>
+            <a:r>
+              <a:rPr lang="ko-KR" altLang="en-US" smtClean="0"/>
+              <a:t>가 높은 슬라이드를 찾아</a:t>
+            </a:r>
+            <a:endParaRPr lang="en-US" altLang="ko-KR" smtClean="0"/>
+          </a:p>
+          <a:p>
+            <a:r>
+              <a:rPr lang="ko-KR" altLang="en-US" smtClean="0"/>
+              <a:t>그 </a:t>
+            </a:r>
+            <a:r>
+              <a:rPr lang="en-US" altLang="ko-KR" smtClean="0"/>
+              <a:t>height</a:t>
+            </a:r>
+            <a:r>
+              <a:rPr lang="ko-KR" altLang="en-US" smtClean="0"/>
+              <a:t>값을 부모에게 부여</a:t>
+            </a:r>
+            <a:endParaRPr lang="en-US" altLang="ko-KR" smtClean="0"/>
+          </a:p>
+          <a:p>
+            <a:r>
+              <a:rPr lang="en-US" altLang="ko-KR" smtClean="0"/>
+              <a:t>(for</a:t>
+            </a:r>
+            <a:r>
+              <a:rPr lang="ko-KR" altLang="en-US" smtClean="0"/>
+              <a:t>문</a:t>
+            </a:r>
+            <a:r>
+              <a:rPr lang="en-US" altLang="ko-KR" smtClean="0"/>
+              <a:t>+if</a:t>
+            </a:r>
+            <a:r>
+              <a:rPr lang="ko-KR" altLang="en-US" smtClean="0"/>
+              <a:t>문 사용</a:t>
+            </a:r>
+            <a:r>
+              <a:rPr lang="en-US" altLang="ko-KR" smtClean="0"/>
+              <a:t>)</a:t>
+            </a:r>
+            <a:endParaRPr lang="ko-KR" altLang="en-US"/>
+          </a:p>
+        </p:txBody>
+      </p:sp>
+    </p:spTree>
+    <p:extLst>
+      <p:ext uri="{BB962C8B-B14F-4D97-AF65-F5344CB8AC3E}">
+        <p14:creationId xmlns:p14="http://schemas.microsoft.com/office/powerpoint/2010/main" val="2472647289"/>
+      </p:ext>
+    </p:extLst>
+  </p:cSld>
+  <p:clrMapOvr>
+    <a:masterClrMapping/>
+  </p:clrMapOvr>
+</p:sld>
+</file>
+
+<file path=ppt/slides/slide11.xml><?xml version="1.0" encoding="utf-8"?>
+<p:sld xmlns:a="http://schemas.openxmlformats.org/drawingml/2006/main" xmlns:r="http://schemas.openxmlformats.org/officeDocument/2006/relationships" xmlns:p="http://schemas.openxmlformats.org/presentationml/2006/main">
+  <p:cSld>
+    <p:spTree>
+      <p:nvGrpSpPr>
+        <p:cNvPr id="1" name=""/>
+        <p:cNvGrpSpPr/>
+        <p:nvPr/>
+      </p:nvGrpSpPr>
+      <p:grpSpPr>
+        <a:xfrm>
+          <a:off x="0" y="0"/>
+          <a:ext cx="0" cy="0"/>
+          <a:chOff x="0" y="0"/>
+          <a:chExt cx="0" cy="0"/>
+        </a:xfrm>
+      </p:grpSpPr>
+      <p:sp>
+        <p:nvSpPr>
           <p:cNvPr id="4" name="Rectangle 3"/>
           <p:cNvSpPr/>
           <p:nvPr/>
         </p:nvSpPr>
         <p:spPr>
           <a:xfrm>
-            <a:off x="277368" y="1533942"/>
-            <a:ext cx="11914632" cy="2800767"/>
+            <a:off x="600456" y="1209884"/>
+            <a:ext cx="5593080" cy="3354765"/>
           </a:xfrm>
           <a:prstGeom prst="rect">
             <a:avLst/>
@@ -2999,796 +3187,255 @@
           </a:bodyPr>
           <a:lstStyle/>
           <a:p>
-            <a:endParaRPr lang="en-US" altLang="ko-KR" sz="1600" smtClean="0">
-              <a:solidFill>
-                <a:srgbClr val="C678DD"/>
-              </a:solidFill>
-              <a:latin typeface="Consolas" panose="020B0609020204030204" pitchFamily="49" charset="0"/>
+            <a:r>
+              <a:rPr lang="en-US" altLang="ko-KR" sz="3200" b="1" err="1" smtClean="0">
+                <a:effectLst/>
+              </a:rPr>
+              <a:t>offsetWidth</a:t>
+            </a:r>
+            <a:r>
+              <a:rPr lang="en-US" altLang="ko-KR" sz="3200" b="1" smtClean="0">
+                <a:effectLst/>
+              </a:rPr>
+              <a:t>, </a:t>
+            </a:r>
+            <a:r>
+              <a:rPr lang="en-US" altLang="ko-KR" sz="3200" b="1" err="1" smtClean="0">
+                <a:effectLst/>
+              </a:rPr>
+              <a:t>offsetHeight</a:t>
+            </a:r>
+            <a:endParaRPr lang="ko-KR" altLang="en-US" sz="3200" smtClean="0">
+              <a:effectLst/>
             </a:endParaRPr>
           </a:p>
           <a:p>
             <a:r>
-              <a:rPr lang="en-US" altLang="ko-KR" sz="1600" b="1">
-                <a:solidFill>
-                  <a:srgbClr val="FF0000"/>
-                </a:solidFill>
-                <a:latin typeface="Consolas" panose="020B0609020204030204" pitchFamily="49" charset="0"/>
-              </a:rPr>
-              <a:t>(</a:t>
-            </a:r>
-            <a:r>
-              <a:rPr lang="ko-KR" altLang="en-US" sz="1600" b="1">
-                <a:solidFill>
-                  <a:srgbClr val="FF0000"/>
-                </a:solidFill>
-                <a:latin typeface="Consolas" panose="020B0609020204030204" pitchFamily="49" charset="0"/>
-              </a:rPr>
-              <a:t>슬라이드 </a:t>
-            </a:r>
-            <a:r>
-              <a:rPr lang="ko-KR" altLang="en-US" sz="1600" b="1" smtClean="0">
-                <a:solidFill>
-                  <a:srgbClr val="FF0000"/>
-                </a:solidFill>
-                <a:latin typeface="Consolas" panose="020B0609020204030204" pitchFamily="49" charset="0"/>
-              </a:rPr>
-              <a:t>이동용도</a:t>
-            </a:r>
-            <a:r>
-              <a:rPr lang="en-US" altLang="ko-KR" sz="1600" b="1" smtClean="0">
-                <a:solidFill>
-                  <a:srgbClr val="FF0000"/>
-                </a:solidFill>
-                <a:latin typeface="Consolas" panose="020B0609020204030204" pitchFamily="49" charset="0"/>
-              </a:rPr>
-              <a:t>)</a:t>
-            </a:r>
-            <a:endParaRPr lang="en-US" altLang="ko-KR" sz="1600">
-              <a:solidFill>
-                <a:srgbClr val="C678DD"/>
-              </a:solidFill>
-              <a:latin typeface="Consolas" panose="020B0609020204030204" pitchFamily="49" charset="0"/>
+              <a:rPr lang="ko-KR" altLang="en-US" smtClean="0">
+                <a:effectLst/>
+              </a:rPr>
+              <a:t/>
+            </a:r>
+            <a:br>
+              <a:rPr lang="ko-KR" altLang="en-US" smtClean="0">
+                <a:effectLst/>
+              </a:rPr>
+            </a:br>
+            <a:endParaRPr lang="ko-KR" altLang="en-US" smtClean="0">
+              <a:effectLst/>
             </a:endParaRPr>
           </a:p>
           <a:p>
             <a:r>
-              <a:rPr lang="en-US" altLang="ko-KR" sz="1600" smtClean="0">
-                <a:solidFill>
-                  <a:srgbClr val="C678DD"/>
-                </a:solidFill>
-                <a:latin typeface="Consolas" panose="020B0609020204030204" pitchFamily="49" charset="0"/>
-              </a:rPr>
-              <a:t>var</a:t>
-            </a:r>
-            <a:r>
-              <a:rPr lang="en-US" altLang="ko-KR" sz="1600">
-                <a:solidFill>
-                  <a:srgbClr val="ABB2BF"/>
-                </a:solidFill>
-                <a:latin typeface="Consolas" panose="020B0609020204030204" pitchFamily="49" charset="0"/>
-              </a:rPr>
-              <a:t> </a:t>
-            </a:r>
-            <a:r>
-              <a:rPr lang="en-US" altLang="ko-KR" sz="1600">
-                <a:solidFill>
-                  <a:srgbClr val="E06C75"/>
-                </a:solidFill>
-                <a:latin typeface="Consolas" panose="020B0609020204030204" pitchFamily="49" charset="0"/>
-              </a:rPr>
-              <a:t>slideContainer</a:t>
-            </a:r>
-            <a:r>
-              <a:rPr lang="en-US" altLang="ko-KR" sz="1600">
-                <a:solidFill>
-                  <a:srgbClr val="ABB2BF"/>
-                </a:solidFill>
-                <a:latin typeface="Consolas" panose="020B0609020204030204" pitchFamily="49" charset="0"/>
-              </a:rPr>
-              <a:t> </a:t>
-            </a:r>
-            <a:r>
-              <a:rPr lang="en-US" altLang="ko-KR" sz="1600">
-                <a:solidFill>
-                  <a:srgbClr val="56B6C2"/>
-                </a:solidFill>
-                <a:latin typeface="Consolas" panose="020B0609020204030204" pitchFamily="49" charset="0"/>
-              </a:rPr>
-              <a:t>=</a:t>
-            </a:r>
-            <a:r>
-              <a:rPr lang="en-US" altLang="ko-KR" sz="1600">
-                <a:solidFill>
-                  <a:srgbClr val="ABB2BF"/>
-                </a:solidFill>
-                <a:latin typeface="Consolas" panose="020B0609020204030204" pitchFamily="49" charset="0"/>
-              </a:rPr>
-              <a:t> </a:t>
-            </a:r>
-            <a:r>
-              <a:rPr lang="en-US" altLang="ko-KR" sz="1600">
-                <a:solidFill>
-                  <a:srgbClr val="E06C75"/>
-                </a:solidFill>
-                <a:latin typeface="Consolas" panose="020B0609020204030204" pitchFamily="49" charset="0"/>
-              </a:rPr>
-              <a:t>document</a:t>
-            </a:r>
-            <a:r>
-              <a:rPr lang="en-US" altLang="ko-KR" sz="1600">
-                <a:solidFill>
-                  <a:srgbClr val="ABB2BF"/>
-                </a:solidFill>
-                <a:latin typeface="Consolas" panose="020B0609020204030204" pitchFamily="49" charset="0"/>
+              <a:rPr lang="ko-KR" altLang="en-US" smtClean="0">
+                <a:effectLst/>
+              </a:rPr>
+              <a:t>일반적으로 엘리먼트의 전체 크기를 알고 싶다면</a:t>
+            </a:r>
+            <a:r>
+              <a:rPr lang="en-US" altLang="ko-KR" smtClean="0">
+                <a:effectLst/>
+              </a:rPr>
+              <a:t>, `</a:t>
+            </a:r>
+            <a:r>
+              <a:rPr lang="en-US" altLang="ko-KR" err="1" smtClean="0">
+                <a:effectLst/>
+              </a:rPr>
+              <a:t>offsetWidth</a:t>
+            </a:r>
+            <a:r>
+              <a:rPr lang="en-US" altLang="ko-KR" smtClean="0">
+                <a:effectLst/>
+              </a:rPr>
+              <a:t>`</a:t>
+            </a:r>
+            <a:r>
+              <a:rPr lang="ko-KR" altLang="en-US" smtClean="0">
+                <a:effectLst/>
+              </a:rPr>
+              <a:t>와 </a:t>
+            </a:r>
+            <a:r>
+              <a:rPr lang="en-US" altLang="ko-KR" smtClean="0">
+                <a:effectLst/>
+              </a:rPr>
+              <a:t>`</a:t>
+            </a:r>
+            <a:r>
+              <a:rPr lang="en-US" altLang="ko-KR" err="1" smtClean="0">
+                <a:effectLst/>
+              </a:rPr>
+              <a:t>offsetHeight</a:t>
+            </a:r>
+            <a:r>
+              <a:rPr lang="en-US" altLang="ko-KR" smtClean="0">
+                <a:effectLst/>
+              </a:rPr>
+              <a:t>` </a:t>
+            </a:r>
+            <a:r>
+              <a:rPr lang="ko-KR" altLang="en-US" smtClean="0">
+                <a:effectLst/>
+              </a:rPr>
+              <a:t>속성을 가져오면 된다</a:t>
+            </a:r>
+            <a:r>
+              <a:rPr lang="en-US" altLang="ko-KR" smtClean="0">
+                <a:effectLst/>
               </a:rPr>
               <a:t>.</a:t>
             </a:r>
-            <a:r>
-              <a:rPr lang="en-US" altLang="ko-KR" sz="1600">
-                <a:solidFill>
-                  <a:srgbClr val="61AFEF"/>
-                </a:solidFill>
-                <a:latin typeface="Consolas" panose="020B0609020204030204" pitchFamily="49" charset="0"/>
-              </a:rPr>
-              <a:t>getElementsByClassName</a:t>
-            </a:r>
-            <a:r>
-              <a:rPr lang="en-US" altLang="ko-KR" sz="1600">
-                <a:solidFill>
-                  <a:srgbClr val="ABB2BF"/>
-                </a:solidFill>
-                <a:latin typeface="Consolas" panose="020B0609020204030204" pitchFamily="49" charset="0"/>
-              </a:rPr>
-              <a:t>(</a:t>
-            </a:r>
-            <a:r>
-              <a:rPr lang="en-US" altLang="ko-KR" sz="1600">
-                <a:solidFill>
-                  <a:srgbClr val="98C379"/>
-                </a:solidFill>
-                <a:latin typeface="Consolas" panose="020B0609020204030204" pitchFamily="49" charset="0"/>
-              </a:rPr>
-              <a:t>'slider-container'</a:t>
-            </a:r>
-            <a:r>
-              <a:rPr lang="en-US" altLang="ko-KR" sz="1600">
-                <a:solidFill>
-                  <a:srgbClr val="ABB2BF"/>
-                </a:solidFill>
-                <a:latin typeface="Consolas" panose="020B0609020204030204" pitchFamily="49" charset="0"/>
-              </a:rPr>
-              <a:t>);  </a:t>
-            </a:r>
-            <a:r>
-              <a:rPr lang="en-US" altLang="ko-KR" sz="1600" i="1">
+          </a:p>
+          <a:p>
+            <a:endParaRPr lang="en-US" altLang="ko-KR"/>
+          </a:p>
+          <a:p>
+            <a:endParaRPr lang="en-US" altLang="ko-KR" smtClean="0">
+              <a:effectLst/>
+            </a:endParaRPr>
+          </a:p>
+          <a:p>
+            <a:r>
+              <a:rPr lang="ko-KR" altLang="en-US" smtClean="0">
+                <a:effectLst/>
+              </a:rPr>
+              <a:t>이 속성은 엘리먼트의 패딩과 보더</a:t>
+            </a:r>
+            <a:r>
+              <a:rPr lang="en-US" altLang="ko-KR" smtClean="0">
+                <a:effectLst/>
+              </a:rPr>
+              <a:t>, </a:t>
+            </a:r>
+            <a:r>
+              <a:rPr lang="ko-KR" altLang="en-US" smtClean="0">
+                <a:effectLst/>
+              </a:rPr>
+              <a:t>스크롤바의 사이즈를 포함한 값을 리턴한다</a:t>
+            </a:r>
+            <a:r>
+              <a:rPr lang="en-US" altLang="ko-KR" smtClean="0">
+                <a:effectLst/>
+              </a:rPr>
+              <a:t>.</a:t>
+            </a:r>
+          </a:p>
+          <a:p>
+            <a:r>
+              <a:rPr lang="en-US" altLang="ko-KR" smtClean="0">
+                <a:effectLst/>
+              </a:rPr>
+              <a:t/>
+            </a:r>
+            <a:br>
+              <a:rPr lang="en-US" altLang="ko-KR" smtClean="0">
+                <a:effectLst/>
+              </a:rPr>
+            </a:br>
+            <a:endParaRPr lang="ko-KR" altLang="en-US"/>
+          </a:p>
+        </p:txBody>
+      </p:sp>
+      <p:pic>
+        <p:nvPicPr>
+          <p:cNvPr id="1026" name="Picture 2" descr="https://t1.daumcdn.net/cfile/tistory/273E0D40554DADB32D"/>
+          <p:cNvPicPr>
+            <a:picLocks noChangeAspect="1" noChangeArrowheads="1"/>
+          </p:cNvPicPr>
+          <p:nvPr/>
+        </p:nvPicPr>
+        <p:blipFill>
+          <a:blip r:embed="rId2">
+            <a:extLst>
+              <a:ext uri="{28A0092B-C50C-407E-A947-70E740481C1C}">
+                <a14:useLocalDpi xmlns:a14="http://schemas.microsoft.com/office/drawing/2010/main" val="0"/>
+              </a:ext>
+            </a:extLst>
+          </a:blip>
+          <a:srcRect/>
+          <a:stretch>
+            <a:fillRect/>
+          </a:stretch>
+        </p:blipFill>
+        <p:spPr bwMode="auto">
+          <a:xfrm>
+            <a:off x="7016496" y="1990025"/>
+            <a:ext cx="4419600" cy="2638426"/>
+          </a:xfrm>
+          <a:prstGeom prst="rect">
+            <a:avLst/>
+          </a:prstGeom>
+          <a:noFill/>
+          <a:extLst>
+            <a:ext uri="{909E8E84-426E-40DD-AFC4-6F175D3DCCD1}">
+              <a14:hiddenFill xmlns:a14="http://schemas.microsoft.com/office/drawing/2010/main">
+                <a:solidFill>
+                  <a:srgbClr val="FFFFFF"/>
+                </a:solidFill>
+              </a14:hiddenFill>
+            </a:ext>
+          </a:extLst>
+        </p:spPr>
+      </p:pic>
+      <p:sp>
+        <p:nvSpPr>
+          <p:cNvPr id="2" name="Rectangle 1"/>
+          <p:cNvSpPr/>
+          <p:nvPr/>
+        </p:nvSpPr>
+        <p:spPr>
+          <a:xfrm>
+            <a:off x="1088511" y="4379983"/>
+            <a:ext cx="4616970" cy="369332"/>
+          </a:xfrm>
+          <a:prstGeom prst="rect">
+            <a:avLst/>
+          </a:prstGeom>
+        </p:spPr>
+        <p:txBody>
+          <a:bodyPr wrap="none">
+            <a:spAutoFit/>
+          </a:bodyPr>
+          <a:lstStyle/>
+          <a:p>
+            <a:r>
+              <a:rPr lang="en-US" altLang="ko-KR" i="1" err="1">
                 <a:solidFill>
                   <a:srgbClr val="7F848E"/>
                 </a:solidFill>
                 <a:latin typeface="Consolas" panose="020B0609020204030204" pitchFamily="49" charset="0"/>
               </a:rPr>
-              <a:t>//</a:t>
-            </a:r>
-            <a:r>
-              <a:rPr lang="ko-KR" altLang="en-US" sz="1600" i="1">
+              <a:t>topHeight</a:t>
+            </a:r>
+            <a:r>
+              <a:rPr lang="en-US" altLang="ko-KR" i="1">
                 <a:solidFill>
                   <a:srgbClr val="7F848E"/>
                 </a:solidFill>
                 <a:latin typeface="Consolas" panose="020B0609020204030204" pitchFamily="49" charset="0"/>
               </a:rPr>
-              <a:t>클래스명</a:t>
-            </a:r>
-            <a:r>
-              <a:rPr lang="ko-KR" altLang="en-US" sz="1600" i="1">
+              <a:t> = slides[0].</a:t>
+            </a:r>
+            <a:r>
+              <a:rPr lang="en-US" altLang="ko-KR" i="1" err="1">
                 <a:solidFill>
                   <a:srgbClr val="7F848E"/>
                 </a:solidFill>
                 <a:latin typeface="Consolas" panose="020B0609020204030204" pitchFamily="49" charset="0"/>
               </a:rPr>
-              <a:t> </a:t>
-            </a:r>
-            <a:r>
-              <a:rPr lang="en-US" altLang="ko-KR" sz="1600" i="1" smtClean="0">
+              <a:t>offsetHeight</a:t>
+            </a:r>
+            <a:r>
+              <a:rPr lang="en-US" altLang="ko-KR" i="1">
                 <a:solidFill>
                   <a:srgbClr val="7F848E"/>
                 </a:solidFill>
                 <a:latin typeface="Consolas" panose="020B0609020204030204" pitchFamily="49" charset="0"/>
               </a:rPr>
-              <a:t>slider-container</a:t>
-            </a:r>
-          </a:p>
-          <a:p>
-            <a:endParaRPr lang="en-US" altLang="ko-KR" sz="1600" i="1">
-              <a:solidFill>
-                <a:srgbClr val="7F848E"/>
-              </a:solidFill>
-              <a:latin typeface="Consolas" panose="020B0609020204030204" pitchFamily="49" charset="0"/>
-            </a:endParaRPr>
-          </a:p>
-          <a:p>
-            <a:r>
-              <a:rPr lang="en-US" altLang="ko-KR" sz="1600" b="1" smtClean="0">
-                <a:solidFill>
-                  <a:srgbClr val="FF0000"/>
-                </a:solidFill>
-                <a:latin typeface="Consolas" panose="020B0609020204030204" pitchFamily="49" charset="0"/>
-              </a:rPr>
-              <a:t>(</a:t>
-            </a:r>
-            <a:r>
-              <a:rPr lang="ko-KR" altLang="en-US" sz="1600" b="1" smtClean="0">
-                <a:solidFill>
-                  <a:srgbClr val="FF0000"/>
-                </a:solidFill>
-                <a:latin typeface="Consolas" panose="020B0609020204030204" pitchFamily="49" charset="0"/>
-              </a:rPr>
-              <a:t>버튼용</a:t>
-            </a:r>
-            <a:r>
-              <a:rPr lang="en-US" altLang="ko-KR" sz="1600" b="1" smtClean="0">
-                <a:solidFill>
-                  <a:srgbClr val="FF0000"/>
-                </a:solidFill>
-                <a:latin typeface="Consolas" panose="020B0609020204030204" pitchFamily="49" charset="0"/>
-              </a:rPr>
-              <a:t>)</a:t>
-            </a:r>
-            <a:endParaRPr lang="en-US" altLang="ko-KR" sz="1600">
-              <a:solidFill>
-                <a:srgbClr val="ABB2BF"/>
-              </a:solidFill>
-              <a:latin typeface="Consolas" panose="020B0609020204030204" pitchFamily="49" charset="0"/>
-            </a:endParaRPr>
-          </a:p>
-          <a:p>
-            <a:r>
-              <a:rPr lang="en-US" altLang="ko-KR" sz="1600">
-                <a:solidFill>
-                  <a:srgbClr val="C678DD"/>
-                </a:solidFill>
-                <a:latin typeface="Consolas" panose="020B0609020204030204" pitchFamily="49" charset="0"/>
-              </a:rPr>
-              <a:t>var</a:t>
-            </a:r>
-            <a:r>
-              <a:rPr lang="en-US" altLang="ko-KR" sz="1600">
-                <a:solidFill>
-                  <a:srgbClr val="ABB2BF"/>
-                </a:solidFill>
-                <a:latin typeface="Consolas" panose="020B0609020204030204" pitchFamily="49" charset="0"/>
-              </a:rPr>
-              <a:t> </a:t>
-            </a:r>
-            <a:r>
-              <a:rPr lang="en-US" altLang="ko-KR" sz="1600">
-                <a:solidFill>
-                  <a:srgbClr val="E06C75"/>
-                </a:solidFill>
-                <a:latin typeface="Consolas" panose="020B0609020204030204" pitchFamily="49" charset="0"/>
-              </a:rPr>
-              <a:t>slideCount</a:t>
-            </a:r>
-            <a:r>
-              <a:rPr lang="en-US" altLang="ko-KR" sz="1600">
-                <a:solidFill>
-                  <a:srgbClr val="ABB2BF"/>
-                </a:solidFill>
-                <a:latin typeface="Consolas" panose="020B0609020204030204" pitchFamily="49" charset="0"/>
-              </a:rPr>
-              <a:t> </a:t>
-            </a:r>
-            <a:r>
-              <a:rPr lang="en-US" altLang="ko-KR" sz="1600">
-                <a:solidFill>
-                  <a:srgbClr val="56B6C2"/>
-                </a:solidFill>
-                <a:latin typeface="Consolas" panose="020B0609020204030204" pitchFamily="49" charset="0"/>
-              </a:rPr>
-              <a:t>=</a:t>
-            </a:r>
-            <a:r>
-              <a:rPr lang="en-US" altLang="ko-KR" sz="1600">
-                <a:solidFill>
-                  <a:srgbClr val="ABB2BF"/>
-                </a:solidFill>
-                <a:latin typeface="Consolas" panose="020B0609020204030204" pitchFamily="49" charset="0"/>
-              </a:rPr>
-              <a:t> </a:t>
-            </a:r>
-            <a:r>
-              <a:rPr lang="en-US" altLang="ko-KR" sz="1600">
-                <a:solidFill>
-                  <a:srgbClr val="E06C75"/>
-                </a:solidFill>
-                <a:latin typeface="Consolas" panose="020B0609020204030204" pitchFamily="49" charset="0"/>
-              </a:rPr>
-              <a:t>slides</a:t>
-            </a:r>
-            <a:r>
-              <a:rPr lang="en-US" altLang="ko-KR" sz="1600">
-                <a:solidFill>
-                  <a:srgbClr val="ABB2BF"/>
-                </a:solidFill>
-                <a:latin typeface="Consolas" panose="020B0609020204030204" pitchFamily="49" charset="0"/>
-              </a:rPr>
-              <a:t>.</a:t>
-            </a:r>
-            <a:r>
-              <a:rPr lang="en-US" altLang="ko-KR" sz="1600">
-                <a:solidFill>
-                  <a:srgbClr val="E06C75"/>
-                </a:solidFill>
-                <a:latin typeface="Consolas" panose="020B0609020204030204" pitchFamily="49" charset="0"/>
-              </a:rPr>
-              <a:t>length</a:t>
-            </a:r>
-            <a:r>
-              <a:rPr lang="en-US" altLang="ko-KR" sz="1600">
-                <a:solidFill>
-                  <a:srgbClr val="ABB2BF"/>
-                </a:solidFill>
-                <a:latin typeface="Consolas" panose="020B0609020204030204" pitchFamily="49" charset="0"/>
-              </a:rPr>
-              <a:t>;  </a:t>
-            </a:r>
-            <a:r>
-              <a:rPr lang="en-US" altLang="ko-KR" sz="1600" i="1">
-                <a:solidFill>
-                  <a:srgbClr val="7F848E"/>
-                </a:solidFill>
-                <a:latin typeface="Consolas" panose="020B0609020204030204" pitchFamily="49" charset="0"/>
-              </a:rPr>
-              <a:t>// </a:t>
-            </a:r>
-            <a:r>
-              <a:rPr lang="ko-KR" altLang="en-US" sz="1600" i="1">
-                <a:solidFill>
-                  <a:srgbClr val="7F848E"/>
-                </a:solidFill>
-                <a:latin typeface="Consolas" panose="020B0609020204030204" pitchFamily="49" charset="0"/>
-              </a:rPr>
-              <a:t>슬라이드</a:t>
-            </a:r>
-            <a:r>
-              <a:rPr lang="ko-KR" altLang="en-US" sz="1600" i="1">
-                <a:solidFill>
-                  <a:srgbClr val="7F848E"/>
-                </a:solidFill>
-                <a:latin typeface="Consolas" panose="020B0609020204030204" pitchFamily="49" charset="0"/>
-              </a:rPr>
-              <a:t> </a:t>
-            </a:r>
-            <a:r>
-              <a:rPr lang="ko-KR" altLang="en-US" sz="1600" i="1" smtClean="0">
-                <a:solidFill>
-                  <a:srgbClr val="7F848E"/>
-                </a:solidFill>
-                <a:latin typeface="Consolas" panose="020B0609020204030204" pitchFamily="49" charset="0"/>
-              </a:rPr>
-              <a:t>개수</a:t>
-            </a:r>
-            <a:endParaRPr lang="ko-KR" altLang="en-US" sz="1600">
-              <a:solidFill>
-                <a:srgbClr val="ABB2BF"/>
-              </a:solidFill>
-              <a:latin typeface="Consolas" panose="020B0609020204030204" pitchFamily="49" charset="0"/>
-            </a:endParaRPr>
-          </a:p>
-          <a:p>
-            <a:r>
-              <a:rPr lang="en-US" altLang="ko-KR" sz="1600">
-                <a:solidFill>
-                  <a:srgbClr val="C678DD"/>
-                </a:solidFill>
-                <a:latin typeface="Consolas" panose="020B0609020204030204" pitchFamily="49" charset="0"/>
-              </a:rPr>
-              <a:t>var</a:t>
-            </a:r>
-            <a:r>
-              <a:rPr lang="en-US" altLang="ko-KR" sz="1600">
-                <a:solidFill>
-                  <a:srgbClr val="ABB2BF"/>
-                </a:solidFill>
-                <a:latin typeface="Consolas" panose="020B0609020204030204" pitchFamily="49" charset="0"/>
-              </a:rPr>
-              <a:t> </a:t>
-            </a:r>
-            <a:r>
-              <a:rPr lang="en-US" altLang="ko-KR" sz="1600">
-                <a:solidFill>
-                  <a:srgbClr val="E06C75"/>
-                </a:solidFill>
-                <a:latin typeface="Consolas" panose="020B0609020204030204" pitchFamily="49" charset="0"/>
-              </a:rPr>
-              <a:t>currentIndex</a:t>
-            </a:r>
-            <a:r>
-              <a:rPr lang="en-US" altLang="ko-KR" sz="1600">
-                <a:solidFill>
-                  <a:srgbClr val="ABB2BF"/>
-                </a:solidFill>
-                <a:latin typeface="Consolas" panose="020B0609020204030204" pitchFamily="49" charset="0"/>
-              </a:rPr>
-              <a:t> </a:t>
-            </a:r>
-            <a:r>
-              <a:rPr lang="en-US" altLang="ko-KR" sz="1600">
-                <a:solidFill>
-                  <a:srgbClr val="56B6C2"/>
-                </a:solidFill>
-                <a:latin typeface="Consolas" panose="020B0609020204030204" pitchFamily="49" charset="0"/>
-              </a:rPr>
-              <a:t>=</a:t>
-            </a:r>
-            <a:r>
-              <a:rPr lang="en-US" altLang="ko-KR" sz="1600">
-                <a:solidFill>
-                  <a:srgbClr val="ABB2BF"/>
-                </a:solidFill>
-                <a:latin typeface="Consolas" panose="020B0609020204030204" pitchFamily="49" charset="0"/>
-              </a:rPr>
-              <a:t> </a:t>
-            </a:r>
-            <a:r>
-              <a:rPr lang="en-US" altLang="ko-KR" sz="1600">
-                <a:solidFill>
-                  <a:srgbClr val="D19A66"/>
-                </a:solidFill>
-                <a:latin typeface="Consolas" panose="020B0609020204030204" pitchFamily="49" charset="0"/>
-              </a:rPr>
-              <a:t>0</a:t>
-            </a:r>
-            <a:r>
-              <a:rPr lang="en-US" altLang="ko-KR" sz="1600">
-                <a:solidFill>
-                  <a:srgbClr val="ABB2BF"/>
-                </a:solidFill>
-                <a:latin typeface="Consolas" panose="020B0609020204030204" pitchFamily="49" charset="0"/>
-              </a:rPr>
-              <a:t>; </a:t>
-            </a:r>
-            <a:r>
-              <a:rPr lang="en-US" altLang="ko-KR" sz="1600" i="1">
-                <a:solidFill>
-                  <a:srgbClr val="7F848E"/>
-                </a:solidFill>
-                <a:latin typeface="Consolas" panose="020B0609020204030204" pitchFamily="49" charset="0"/>
-              </a:rPr>
-              <a:t>//</a:t>
-            </a:r>
-            <a:r>
-              <a:rPr lang="ko-KR" altLang="en-US" sz="1600" i="1">
-                <a:solidFill>
-                  <a:srgbClr val="7F848E"/>
-                </a:solidFill>
-                <a:latin typeface="Consolas" panose="020B0609020204030204" pitchFamily="49" charset="0"/>
-              </a:rPr>
-              <a:t>첫번째랑 마지막</a:t>
-            </a:r>
-            <a:r>
-              <a:rPr lang="ko-KR" altLang="en-US" sz="1600" i="1">
-                <a:solidFill>
-                  <a:srgbClr val="7F848E"/>
-                </a:solidFill>
-                <a:latin typeface="Consolas" panose="020B0609020204030204" pitchFamily="49" charset="0"/>
-              </a:rPr>
-              <a:t> </a:t>
-            </a:r>
-            <a:r>
-              <a:rPr lang="ko-KR" altLang="en-US" sz="1600" i="1" smtClean="0">
-                <a:solidFill>
-                  <a:srgbClr val="7F848E"/>
-                </a:solidFill>
-                <a:latin typeface="Consolas" panose="020B0609020204030204" pitchFamily="49" charset="0"/>
-              </a:rPr>
-              <a:t>체크용</a:t>
-            </a:r>
-            <a:endParaRPr lang="ko-KR" altLang="en-US" sz="1600">
-              <a:solidFill>
-                <a:srgbClr val="ABB2BF"/>
-              </a:solidFill>
-              <a:latin typeface="Consolas" panose="020B0609020204030204" pitchFamily="49" charset="0"/>
-            </a:endParaRPr>
-          </a:p>
-          <a:p>
-            <a:r>
-              <a:rPr lang="en-US" altLang="ko-KR" sz="1600">
-                <a:solidFill>
-                  <a:srgbClr val="C678DD"/>
-                </a:solidFill>
-                <a:latin typeface="Consolas" panose="020B0609020204030204" pitchFamily="49" charset="0"/>
-              </a:rPr>
-              <a:t>var</a:t>
-            </a:r>
-            <a:r>
-              <a:rPr lang="en-US" altLang="ko-KR" sz="1600">
-                <a:solidFill>
-                  <a:srgbClr val="ABB2BF"/>
-                </a:solidFill>
-                <a:latin typeface="Consolas" panose="020B0609020204030204" pitchFamily="49" charset="0"/>
-              </a:rPr>
-              <a:t> </a:t>
-            </a:r>
-            <a:r>
-              <a:rPr lang="en-US" altLang="ko-KR" sz="1600">
-                <a:solidFill>
-                  <a:srgbClr val="E06C75"/>
-                </a:solidFill>
-                <a:latin typeface="Consolas" panose="020B0609020204030204" pitchFamily="49" charset="0"/>
-              </a:rPr>
-              <a:t>navPrev</a:t>
-            </a:r>
-            <a:r>
-              <a:rPr lang="en-US" altLang="ko-KR" sz="1600">
-                <a:solidFill>
-                  <a:srgbClr val="ABB2BF"/>
-                </a:solidFill>
-                <a:latin typeface="Consolas" panose="020B0609020204030204" pitchFamily="49" charset="0"/>
-              </a:rPr>
-              <a:t> </a:t>
-            </a:r>
-            <a:r>
-              <a:rPr lang="en-US" altLang="ko-KR" sz="1600">
-                <a:solidFill>
-                  <a:srgbClr val="56B6C2"/>
-                </a:solidFill>
-                <a:latin typeface="Consolas" panose="020B0609020204030204" pitchFamily="49" charset="0"/>
-              </a:rPr>
-              <a:t>=</a:t>
-            </a:r>
-            <a:r>
-              <a:rPr lang="en-US" altLang="ko-KR" sz="1600">
-                <a:solidFill>
-                  <a:srgbClr val="ABB2BF"/>
-                </a:solidFill>
-                <a:latin typeface="Consolas" panose="020B0609020204030204" pitchFamily="49" charset="0"/>
-              </a:rPr>
-              <a:t> </a:t>
-            </a:r>
-            <a:r>
-              <a:rPr lang="en-US" altLang="ko-KR" sz="1600">
-                <a:solidFill>
-                  <a:srgbClr val="E06C75"/>
-                </a:solidFill>
-                <a:latin typeface="Consolas" panose="020B0609020204030204" pitchFamily="49" charset="0"/>
-              </a:rPr>
-              <a:t>document</a:t>
-            </a:r>
-            <a:r>
-              <a:rPr lang="en-US" altLang="ko-KR" sz="1600">
-                <a:solidFill>
-                  <a:srgbClr val="ABB2BF"/>
-                </a:solidFill>
-                <a:latin typeface="Consolas" panose="020B0609020204030204" pitchFamily="49" charset="0"/>
-              </a:rPr>
-              <a:t>.</a:t>
-            </a:r>
-            <a:r>
-              <a:rPr lang="en-US" altLang="ko-KR" sz="1600">
-                <a:solidFill>
-                  <a:srgbClr val="61AFEF"/>
-                </a:solidFill>
-                <a:latin typeface="Consolas" panose="020B0609020204030204" pitchFamily="49" charset="0"/>
-              </a:rPr>
-              <a:t>getElementById</a:t>
-            </a:r>
-            <a:r>
-              <a:rPr lang="en-US" altLang="ko-KR" sz="1600">
-                <a:solidFill>
-                  <a:srgbClr val="ABB2BF"/>
-                </a:solidFill>
-                <a:latin typeface="Consolas" panose="020B0609020204030204" pitchFamily="49" charset="0"/>
-              </a:rPr>
-              <a:t>(</a:t>
-            </a:r>
-            <a:r>
-              <a:rPr lang="en-US" altLang="ko-KR" sz="1600">
-                <a:solidFill>
-                  <a:srgbClr val="98C379"/>
-                </a:solidFill>
-                <a:latin typeface="Consolas" panose="020B0609020204030204" pitchFamily="49" charset="0"/>
-              </a:rPr>
-              <a:t>'prev'</a:t>
-            </a:r>
-            <a:r>
-              <a:rPr lang="en-US" altLang="ko-KR" sz="1600">
-                <a:solidFill>
-                  <a:srgbClr val="ABB2BF"/>
-                </a:solidFill>
-                <a:latin typeface="Consolas" panose="020B0609020204030204" pitchFamily="49" charset="0"/>
-              </a:rPr>
-              <a:t>); </a:t>
-            </a:r>
-            <a:r>
-              <a:rPr lang="en-US" altLang="ko-KR" sz="1600" i="1">
-                <a:solidFill>
-                  <a:srgbClr val="7F848E"/>
-                </a:solidFill>
-                <a:latin typeface="Consolas" panose="020B0609020204030204" pitchFamily="49" charset="0"/>
-              </a:rPr>
-              <a:t>// </a:t>
-            </a:r>
-            <a:r>
-              <a:rPr lang="ko-KR" altLang="en-US" sz="1600" i="1">
-                <a:solidFill>
-                  <a:srgbClr val="7F848E"/>
-                </a:solidFill>
-                <a:latin typeface="Consolas" panose="020B0609020204030204" pitchFamily="49" charset="0"/>
-              </a:rPr>
-              <a:t>아이디 </a:t>
-            </a:r>
-            <a:r>
-              <a:rPr lang="en-US" altLang="ko-KR" sz="1600" i="1">
-                <a:solidFill>
-                  <a:srgbClr val="7F848E"/>
-                </a:solidFill>
-                <a:latin typeface="Consolas" panose="020B0609020204030204" pitchFamily="49" charset="0"/>
-              </a:rPr>
-              <a:t>prev</a:t>
-            </a:r>
-            <a:endParaRPr lang="en-US" altLang="ko-KR" sz="1600">
-              <a:solidFill>
-                <a:srgbClr val="ABB2BF"/>
-              </a:solidFill>
-              <a:latin typeface="Consolas" panose="020B0609020204030204" pitchFamily="49" charset="0"/>
-            </a:endParaRPr>
-          </a:p>
-          <a:p>
-            <a:r>
-              <a:rPr lang="en-US" altLang="ko-KR" sz="1600">
-                <a:solidFill>
-                  <a:srgbClr val="C678DD"/>
-                </a:solidFill>
-                <a:latin typeface="Consolas" panose="020B0609020204030204" pitchFamily="49" charset="0"/>
-              </a:rPr>
-              <a:t>var</a:t>
-            </a:r>
-            <a:r>
-              <a:rPr lang="en-US" altLang="ko-KR" sz="1600">
-                <a:solidFill>
-                  <a:srgbClr val="ABB2BF"/>
-                </a:solidFill>
-                <a:latin typeface="Consolas" panose="020B0609020204030204" pitchFamily="49" charset="0"/>
-              </a:rPr>
-              <a:t> </a:t>
-            </a:r>
-            <a:r>
-              <a:rPr lang="en-US" altLang="ko-KR" sz="1600">
-                <a:solidFill>
-                  <a:srgbClr val="E06C75"/>
-                </a:solidFill>
-                <a:latin typeface="Consolas" panose="020B0609020204030204" pitchFamily="49" charset="0"/>
-              </a:rPr>
-              <a:t>navNext</a:t>
-            </a:r>
-            <a:r>
-              <a:rPr lang="en-US" altLang="ko-KR" sz="1600">
-                <a:solidFill>
-                  <a:srgbClr val="ABB2BF"/>
-                </a:solidFill>
-                <a:latin typeface="Consolas" panose="020B0609020204030204" pitchFamily="49" charset="0"/>
-              </a:rPr>
-              <a:t> </a:t>
-            </a:r>
-            <a:r>
-              <a:rPr lang="en-US" altLang="ko-KR" sz="1600">
-                <a:solidFill>
-                  <a:srgbClr val="56B6C2"/>
-                </a:solidFill>
-                <a:latin typeface="Consolas" panose="020B0609020204030204" pitchFamily="49" charset="0"/>
-              </a:rPr>
-              <a:t>=</a:t>
-            </a:r>
-            <a:r>
-              <a:rPr lang="en-US" altLang="ko-KR" sz="1600">
-                <a:solidFill>
-                  <a:srgbClr val="ABB2BF"/>
-                </a:solidFill>
-                <a:latin typeface="Consolas" panose="020B0609020204030204" pitchFamily="49" charset="0"/>
-              </a:rPr>
-              <a:t> </a:t>
-            </a:r>
-            <a:r>
-              <a:rPr lang="en-US" altLang="ko-KR" sz="1600">
-                <a:solidFill>
-                  <a:srgbClr val="E06C75"/>
-                </a:solidFill>
-                <a:latin typeface="Consolas" panose="020B0609020204030204" pitchFamily="49" charset="0"/>
-              </a:rPr>
-              <a:t>document</a:t>
-            </a:r>
-            <a:r>
-              <a:rPr lang="en-US" altLang="ko-KR" sz="1600">
-                <a:solidFill>
-                  <a:srgbClr val="ABB2BF"/>
-                </a:solidFill>
-                <a:latin typeface="Consolas" panose="020B0609020204030204" pitchFamily="49" charset="0"/>
-              </a:rPr>
-              <a:t>.</a:t>
-            </a:r>
-            <a:r>
-              <a:rPr lang="en-US" altLang="ko-KR" sz="1600">
-                <a:solidFill>
-                  <a:srgbClr val="61AFEF"/>
-                </a:solidFill>
-                <a:latin typeface="Consolas" panose="020B0609020204030204" pitchFamily="49" charset="0"/>
-              </a:rPr>
-              <a:t>getElementById</a:t>
-            </a:r>
-            <a:r>
-              <a:rPr lang="en-US" altLang="ko-KR" sz="1600">
-                <a:solidFill>
-                  <a:srgbClr val="ABB2BF"/>
-                </a:solidFill>
-                <a:latin typeface="Consolas" panose="020B0609020204030204" pitchFamily="49" charset="0"/>
-              </a:rPr>
-              <a:t>(</a:t>
-            </a:r>
-            <a:r>
-              <a:rPr lang="en-US" altLang="ko-KR" sz="1600">
-                <a:solidFill>
-                  <a:srgbClr val="98C379"/>
-                </a:solidFill>
-                <a:latin typeface="Consolas" panose="020B0609020204030204" pitchFamily="49" charset="0"/>
-              </a:rPr>
-              <a:t>'next'</a:t>
-            </a:r>
-            <a:r>
-              <a:rPr lang="en-US" altLang="ko-KR" sz="1600">
-                <a:solidFill>
-                  <a:srgbClr val="ABB2BF"/>
-                </a:solidFill>
-                <a:latin typeface="Consolas" panose="020B0609020204030204" pitchFamily="49" charset="0"/>
-              </a:rPr>
-              <a:t>); </a:t>
-            </a:r>
-            <a:r>
-              <a:rPr lang="en-US" altLang="ko-KR" sz="1600" i="1">
-                <a:solidFill>
-                  <a:srgbClr val="7F848E"/>
-                </a:solidFill>
-                <a:latin typeface="Consolas" panose="020B0609020204030204" pitchFamily="49" charset="0"/>
-              </a:rPr>
-              <a:t>// </a:t>
-            </a:r>
-            <a:r>
-              <a:rPr lang="ko-KR" altLang="en-US" sz="1600" i="1">
-                <a:solidFill>
-                  <a:srgbClr val="7F848E"/>
-                </a:solidFill>
-                <a:latin typeface="Consolas" panose="020B0609020204030204" pitchFamily="49" charset="0"/>
-              </a:rPr>
-              <a:t>아이디</a:t>
-            </a:r>
-            <a:r>
-              <a:rPr lang="ko-KR" altLang="en-US" sz="1600" i="1">
-                <a:solidFill>
-                  <a:srgbClr val="7F848E"/>
-                </a:solidFill>
-                <a:latin typeface="Consolas" panose="020B0609020204030204" pitchFamily="49" charset="0"/>
-              </a:rPr>
-              <a:t> </a:t>
-            </a:r>
-            <a:r>
-              <a:rPr lang="en-US" altLang="ko-KR" sz="1600" i="1" smtClean="0">
-                <a:solidFill>
-                  <a:srgbClr val="7F848E"/>
-                </a:solidFill>
-                <a:latin typeface="Consolas" panose="020B0609020204030204" pitchFamily="49" charset="0"/>
-              </a:rPr>
-              <a:t>next</a:t>
-            </a:r>
-          </a:p>
-          <a:p>
-            <a:endParaRPr lang="en-US" altLang="ko-KR" sz="1600" b="0" i="1">
-              <a:solidFill>
-                <a:srgbClr val="7F848E"/>
-              </a:solidFill>
-              <a:effectLst/>
-              <a:latin typeface="Consolas" panose="020B0609020204030204" pitchFamily="49" charset="0"/>
-            </a:endParaRPr>
-          </a:p>
-          <a:p>
-            <a:endParaRPr lang="en-US" altLang="ko-KR" sz="1600" b="0">
+              <a:t>;</a:t>
+            </a:r>
+            <a:endParaRPr lang="en-US" altLang="ko-KR" b="0">
               <a:solidFill>
                 <a:srgbClr val="ABB2BF"/>
               </a:solidFill>
@@ -3798,10 +3445,308 @@
           </a:p>
         </p:txBody>
       </p:sp>
+      <p:sp>
+        <p:nvSpPr>
+          <p:cNvPr id="3" name="Rectangle 2"/>
+          <p:cNvSpPr/>
+          <p:nvPr/>
+        </p:nvSpPr>
+        <p:spPr>
+          <a:xfrm>
+            <a:off x="432816" y="5078492"/>
+            <a:ext cx="11207496" cy="923330"/>
+          </a:xfrm>
+          <a:prstGeom prst="rect">
+            <a:avLst/>
+          </a:prstGeom>
+        </p:spPr>
+        <p:txBody>
+          <a:bodyPr wrap="square">
+            <a:spAutoFit/>
+          </a:bodyPr>
+          <a:lstStyle/>
+          <a:p>
+            <a:r>
+              <a:rPr lang="en-US" altLang="ko-KR" b="1">
+                <a:solidFill>
+                  <a:srgbClr val="FF0000"/>
+                </a:solidFill>
+                <a:latin typeface="Consolas" panose="020B0609020204030204" pitchFamily="49" charset="0"/>
+              </a:rPr>
+              <a:t>(</a:t>
+            </a:r>
+            <a:r>
+              <a:rPr lang="ko-KR" altLang="en-US" b="1">
+                <a:solidFill>
+                  <a:srgbClr val="FF0000"/>
+                </a:solidFill>
+                <a:latin typeface="Consolas" panose="020B0609020204030204" pitchFamily="49" charset="0"/>
+              </a:rPr>
+              <a:t>슬라이드 높이 변경용도</a:t>
+            </a:r>
+            <a:r>
+              <a:rPr lang="en-US" altLang="ko-KR" b="1">
+                <a:solidFill>
+                  <a:srgbClr val="FF0000"/>
+                </a:solidFill>
+                <a:latin typeface="Consolas" panose="020B0609020204030204" pitchFamily="49" charset="0"/>
+              </a:rPr>
+              <a:t>)</a:t>
+            </a:r>
+            <a:endParaRPr lang="en-US" altLang="ko-KR">
+              <a:solidFill>
+                <a:srgbClr val="C678DD"/>
+              </a:solidFill>
+              <a:latin typeface="Consolas" panose="020B0609020204030204" pitchFamily="49" charset="0"/>
+            </a:endParaRPr>
+          </a:p>
+          <a:p>
+            <a:r>
+              <a:rPr lang="en-US" altLang="ko-KR">
+                <a:solidFill>
+                  <a:srgbClr val="C678DD"/>
+                </a:solidFill>
+                <a:latin typeface="Consolas" panose="020B0609020204030204" pitchFamily="49" charset="0"/>
+              </a:rPr>
+              <a:t>var</a:t>
+            </a:r>
+            <a:r>
+              <a:rPr lang="en-US" altLang="ko-KR">
+                <a:solidFill>
+                  <a:srgbClr val="ABB2BF"/>
+                </a:solidFill>
+                <a:latin typeface="Consolas" panose="020B0609020204030204" pitchFamily="49" charset="0"/>
+              </a:rPr>
+              <a:t> </a:t>
+            </a:r>
+            <a:r>
+              <a:rPr lang="en-US" altLang="ko-KR">
+                <a:solidFill>
+                  <a:srgbClr val="E06C75"/>
+                </a:solidFill>
+                <a:latin typeface="Consolas" panose="020B0609020204030204" pitchFamily="49" charset="0"/>
+              </a:rPr>
+              <a:t>slideWrapper</a:t>
+            </a:r>
+            <a:r>
+              <a:rPr lang="en-US" altLang="ko-KR">
+                <a:solidFill>
+                  <a:srgbClr val="ABB2BF"/>
+                </a:solidFill>
+                <a:latin typeface="Consolas" panose="020B0609020204030204" pitchFamily="49" charset="0"/>
+              </a:rPr>
+              <a:t> </a:t>
+            </a:r>
+            <a:r>
+              <a:rPr lang="en-US" altLang="ko-KR">
+                <a:solidFill>
+                  <a:srgbClr val="56B6C2"/>
+                </a:solidFill>
+                <a:latin typeface="Consolas" panose="020B0609020204030204" pitchFamily="49" charset="0"/>
+              </a:rPr>
+              <a:t>=</a:t>
+            </a:r>
+            <a:r>
+              <a:rPr lang="en-US" altLang="ko-KR">
+                <a:solidFill>
+                  <a:srgbClr val="ABB2BF"/>
+                </a:solidFill>
+                <a:latin typeface="Consolas" panose="020B0609020204030204" pitchFamily="49" charset="0"/>
+              </a:rPr>
+              <a:t> </a:t>
+            </a:r>
+            <a:r>
+              <a:rPr lang="en-US" altLang="ko-KR">
+                <a:solidFill>
+                  <a:srgbClr val="E06C75"/>
+                </a:solidFill>
+                <a:latin typeface="Consolas" panose="020B0609020204030204" pitchFamily="49" charset="0"/>
+              </a:rPr>
+              <a:t>document</a:t>
+            </a:r>
+            <a:r>
+              <a:rPr lang="en-US" altLang="ko-KR">
+                <a:solidFill>
+                  <a:srgbClr val="ABB2BF"/>
+                </a:solidFill>
+                <a:latin typeface="Consolas" panose="020B0609020204030204" pitchFamily="49" charset="0"/>
+              </a:rPr>
+              <a:t>.</a:t>
+            </a:r>
+            <a:r>
+              <a:rPr lang="en-US" altLang="ko-KR">
+                <a:solidFill>
+                  <a:srgbClr val="61AFEF"/>
+                </a:solidFill>
+                <a:latin typeface="Consolas" panose="020B0609020204030204" pitchFamily="49" charset="0"/>
+              </a:rPr>
+              <a:t>getElementsByClassName</a:t>
+            </a:r>
+            <a:r>
+              <a:rPr lang="en-US" altLang="ko-KR">
+                <a:solidFill>
+                  <a:srgbClr val="ABB2BF"/>
+                </a:solidFill>
+                <a:latin typeface="Consolas" panose="020B0609020204030204" pitchFamily="49" charset="0"/>
+              </a:rPr>
+              <a:t>(</a:t>
+            </a:r>
+            <a:r>
+              <a:rPr lang="en-US" altLang="ko-KR">
+                <a:solidFill>
+                  <a:srgbClr val="98C379"/>
+                </a:solidFill>
+                <a:latin typeface="Consolas" panose="020B0609020204030204" pitchFamily="49" charset="0"/>
+              </a:rPr>
+              <a:t>'container'</a:t>
+            </a:r>
+            <a:r>
+              <a:rPr lang="en-US" altLang="ko-KR">
+                <a:solidFill>
+                  <a:srgbClr val="ABB2BF"/>
+                </a:solidFill>
+                <a:latin typeface="Consolas" panose="020B0609020204030204" pitchFamily="49" charset="0"/>
+              </a:rPr>
+              <a:t>);   </a:t>
+            </a:r>
+            <a:r>
+              <a:rPr lang="en-US" altLang="ko-KR" i="1">
+                <a:solidFill>
+                  <a:srgbClr val="7F848E"/>
+                </a:solidFill>
+                <a:latin typeface="Consolas" panose="020B0609020204030204" pitchFamily="49" charset="0"/>
+              </a:rPr>
+              <a:t>//</a:t>
+            </a:r>
+            <a:r>
+              <a:rPr lang="ko-KR" altLang="en-US" i="1">
+                <a:solidFill>
+                  <a:srgbClr val="7F848E"/>
+                </a:solidFill>
+                <a:latin typeface="Consolas" panose="020B0609020204030204" pitchFamily="49" charset="0"/>
+              </a:rPr>
+              <a:t>클래스명 </a:t>
+            </a:r>
+            <a:r>
+              <a:rPr lang="en-US" altLang="ko-KR" i="1">
+                <a:solidFill>
+                  <a:srgbClr val="7F848E"/>
+                </a:solidFill>
+                <a:latin typeface="Consolas" panose="020B0609020204030204" pitchFamily="49" charset="0"/>
+              </a:rPr>
+              <a:t>container</a:t>
+            </a:r>
+            <a:endParaRPr lang="en-US" altLang="ko-KR">
+              <a:solidFill>
+                <a:srgbClr val="ABB2BF"/>
+              </a:solidFill>
+              <a:latin typeface="Consolas" panose="020B0609020204030204" pitchFamily="49" charset="0"/>
+            </a:endParaRPr>
+          </a:p>
+          <a:p>
+            <a:r>
+              <a:rPr lang="en-US" altLang="ko-KR">
+                <a:solidFill>
+                  <a:srgbClr val="C678DD"/>
+                </a:solidFill>
+                <a:latin typeface="Consolas" panose="020B0609020204030204" pitchFamily="49" charset="0"/>
+              </a:rPr>
+              <a:t>var</a:t>
+            </a:r>
+            <a:r>
+              <a:rPr lang="en-US" altLang="ko-KR">
+                <a:solidFill>
+                  <a:srgbClr val="ABB2BF"/>
+                </a:solidFill>
+                <a:latin typeface="Consolas" panose="020B0609020204030204" pitchFamily="49" charset="0"/>
+              </a:rPr>
+              <a:t> </a:t>
+            </a:r>
+            <a:r>
+              <a:rPr lang="en-US" altLang="ko-KR">
+                <a:solidFill>
+                  <a:srgbClr val="E06C75"/>
+                </a:solidFill>
+                <a:latin typeface="Consolas" panose="020B0609020204030204" pitchFamily="49" charset="0"/>
+              </a:rPr>
+              <a:t>topHeight</a:t>
+            </a:r>
+            <a:r>
+              <a:rPr lang="en-US" altLang="ko-KR">
+                <a:solidFill>
+                  <a:srgbClr val="ABB2BF"/>
+                </a:solidFill>
+                <a:latin typeface="Consolas" panose="020B0609020204030204" pitchFamily="49" charset="0"/>
+              </a:rPr>
+              <a:t> </a:t>
+            </a:r>
+            <a:r>
+              <a:rPr lang="en-US" altLang="ko-KR">
+                <a:solidFill>
+                  <a:srgbClr val="56B6C2"/>
+                </a:solidFill>
+                <a:latin typeface="Consolas" panose="020B0609020204030204" pitchFamily="49" charset="0"/>
+              </a:rPr>
+              <a:t>=</a:t>
+            </a:r>
+            <a:r>
+              <a:rPr lang="en-US" altLang="ko-KR">
+                <a:solidFill>
+                  <a:srgbClr val="ABB2BF"/>
+                </a:solidFill>
+                <a:latin typeface="Consolas" panose="020B0609020204030204" pitchFamily="49" charset="0"/>
+              </a:rPr>
+              <a:t> </a:t>
+            </a:r>
+            <a:r>
+              <a:rPr lang="en-US" altLang="ko-KR">
+                <a:solidFill>
+                  <a:srgbClr val="D19A66"/>
+                </a:solidFill>
+                <a:latin typeface="Consolas" panose="020B0609020204030204" pitchFamily="49" charset="0"/>
+              </a:rPr>
+              <a:t>0</a:t>
+            </a:r>
+            <a:r>
+              <a:rPr lang="en-US" altLang="ko-KR">
+                <a:solidFill>
+                  <a:srgbClr val="ABB2BF"/>
+                </a:solidFill>
+                <a:latin typeface="Consolas" panose="020B0609020204030204" pitchFamily="49" charset="0"/>
+              </a:rPr>
+              <a:t>; </a:t>
+            </a:r>
+            <a:r>
+              <a:rPr lang="en-US" altLang="ko-KR" i="1">
+                <a:solidFill>
+                  <a:srgbClr val="7F848E"/>
+                </a:solidFill>
+                <a:latin typeface="Consolas" panose="020B0609020204030204" pitchFamily="49" charset="0"/>
+              </a:rPr>
+              <a:t>//</a:t>
+            </a:r>
+            <a:r>
+              <a:rPr lang="ko-KR" altLang="en-US" i="1">
+                <a:solidFill>
+                  <a:srgbClr val="7F848E"/>
+                </a:solidFill>
+                <a:latin typeface="Consolas" panose="020B0609020204030204" pitchFamily="49" charset="0"/>
+              </a:rPr>
+              <a:t>높이</a:t>
+            </a:r>
+            <a:endParaRPr lang="en-US" altLang="ko-KR" i="1">
+              <a:solidFill>
+                <a:srgbClr val="7F848E"/>
+              </a:solidFill>
+              <a:latin typeface="Consolas" panose="020B0609020204030204" pitchFamily="49" charset="0"/>
+            </a:endParaRPr>
+          </a:p>
+        </p:txBody>
+      </p:sp>
     </p:spTree>
     <p:extLst>
       <p:ext uri="{BB962C8B-B14F-4D97-AF65-F5344CB8AC3E}">
-        <p14:creationId xmlns:p14="http://schemas.microsoft.com/office/powerpoint/2010/main" val="1511566443"/>
+        <p14:creationId xmlns:p14="http://schemas.microsoft.com/office/powerpoint/2010/main" val="2009467035"/>
       </p:ext>
     </p:extLst>
   </p:cSld>
@@ -3811,7 +3756,1182 @@
 </p:sld>
 </file>
 
-<file path=ppt/slides/slide10.xml><?xml version="1.0" encoding="utf-8"?>
+<file path=ppt/slides/slide12.xml><?xml version="1.0" encoding="utf-8"?>
+<p:sld xmlns:a="http://schemas.openxmlformats.org/drawingml/2006/main" xmlns:r="http://schemas.openxmlformats.org/officeDocument/2006/relationships" xmlns:p="http://schemas.openxmlformats.org/presentationml/2006/main">
+  <p:cSld>
+    <p:spTree>
+      <p:nvGrpSpPr>
+        <p:cNvPr id="1" name=""/>
+        <p:cNvGrpSpPr/>
+        <p:nvPr/>
+      </p:nvGrpSpPr>
+      <p:grpSpPr>
+        <a:xfrm>
+          <a:off x="0" y="0"/>
+          <a:ext cx="0" cy="0"/>
+          <a:chOff x="0" y="0"/>
+          <a:chExt cx="0" cy="0"/>
+        </a:xfrm>
+      </p:grpSpPr>
+      <p:sp>
+        <p:nvSpPr>
+          <p:cNvPr id="4" name="Rectangle 3"/>
+          <p:cNvSpPr/>
+          <p:nvPr/>
+        </p:nvSpPr>
+        <p:spPr>
+          <a:xfrm>
+            <a:off x="771144" y="1325880"/>
+            <a:ext cx="10686288" cy="5262979"/>
+          </a:xfrm>
+          <a:prstGeom prst="rect">
+            <a:avLst/>
+          </a:prstGeom>
+        </p:spPr>
+        <p:txBody>
+          <a:bodyPr wrap="square">
+            <a:spAutoFit/>
+          </a:bodyPr>
+          <a:lstStyle/>
+          <a:p>
+            <a:r>
+              <a:rPr lang="en-US" altLang="ko-KR" sz="2400">
+                <a:solidFill>
+                  <a:srgbClr val="C678DD"/>
+                </a:solidFill>
+                <a:latin typeface="Consolas" panose="020B0609020204030204" pitchFamily="49" charset="0"/>
+              </a:rPr>
+              <a:t>function</a:t>
+            </a:r>
+            <a:r>
+              <a:rPr lang="en-US" altLang="ko-KR" sz="2400">
+                <a:solidFill>
+                  <a:srgbClr val="ABB2BF"/>
+                </a:solidFill>
+                <a:latin typeface="Consolas" panose="020B0609020204030204" pitchFamily="49" charset="0"/>
+              </a:rPr>
+              <a:t> </a:t>
+            </a:r>
+            <a:r>
+              <a:rPr lang="en-US" altLang="ko-KR" sz="2400" err="1">
+                <a:solidFill>
+                  <a:srgbClr val="61AFEF"/>
+                </a:solidFill>
+                <a:latin typeface="Consolas" panose="020B0609020204030204" pitchFamily="49" charset="0"/>
+              </a:rPr>
+              <a:t>calculateTallestSlide</a:t>
+            </a:r>
+            <a:r>
+              <a:rPr lang="en-US" altLang="ko-KR" sz="2400">
+                <a:solidFill>
+                  <a:srgbClr val="ABB2BF"/>
+                </a:solidFill>
+                <a:latin typeface="Consolas" panose="020B0609020204030204" pitchFamily="49" charset="0"/>
+              </a:rPr>
+              <a:t>(){</a:t>
+            </a:r>
+          </a:p>
+          <a:p>
+            <a:r>
+              <a:rPr lang="en-US" altLang="ko-KR" sz="2400">
+                <a:solidFill>
+                  <a:srgbClr val="ABB2BF"/>
+                </a:solidFill>
+                <a:latin typeface="Consolas" panose="020B0609020204030204" pitchFamily="49" charset="0"/>
+              </a:rPr>
+              <a:t/>
+            </a:r>
+            <a:br>
+              <a:rPr lang="en-US" altLang="ko-KR" sz="2400">
+                <a:solidFill>
+                  <a:srgbClr val="ABB2BF"/>
+                </a:solidFill>
+                <a:latin typeface="Consolas" panose="020B0609020204030204" pitchFamily="49" charset="0"/>
+              </a:rPr>
+            </a:br>
+            <a:r>
+              <a:rPr lang="en-US" altLang="ko-KR" sz="2400">
+                <a:solidFill>
+                  <a:srgbClr val="ABB2BF"/>
+                </a:solidFill>
+                <a:latin typeface="Consolas" panose="020B0609020204030204" pitchFamily="49" charset="0"/>
+              </a:rPr>
+              <a:t>    </a:t>
+            </a:r>
+            <a:r>
+              <a:rPr lang="en-US" altLang="ko-KR" sz="2400">
+                <a:solidFill>
+                  <a:srgbClr val="C678DD"/>
+                </a:solidFill>
+                <a:latin typeface="Consolas" panose="020B0609020204030204" pitchFamily="49" charset="0"/>
+              </a:rPr>
+              <a:t>for</a:t>
+            </a:r>
+            <a:r>
+              <a:rPr lang="en-US" altLang="ko-KR" sz="2400">
+                <a:solidFill>
+                  <a:srgbClr val="ABB2BF"/>
+                </a:solidFill>
+                <a:latin typeface="Consolas" panose="020B0609020204030204" pitchFamily="49" charset="0"/>
+              </a:rPr>
+              <a:t>( </a:t>
+            </a:r>
+            <a:r>
+              <a:rPr lang="en-US" altLang="ko-KR" sz="2400" err="1">
+                <a:solidFill>
+                  <a:srgbClr val="C678DD"/>
+                </a:solidFill>
+                <a:latin typeface="Consolas" panose="020B0609020204030204" pitchFamily="49" charset="0"/>
+              </a:rPr>
+              <a:t>var</a:t>
+            </a:r>
+            <a:r>
+              <a:rPr lang="en-US" altLang="ko-KR" sz="2400">
+                <a:solidFill>
+                  <a:srgbClr val="ABB2BF"/>
+                </a:solidFill>
+                <a:latin typeface="Consolas" panose="020B0609020204030204" pitchFamily="49" charset="0"/>
+              </a:rPr>
+              <a:t> </a:t>
+            </a:r>
+            <a:r>
+              <a:rPr lang="en-US" altLang="ko-KR" sz="2400" err="1">
+                <a:solidFill>
+                  <a:srgbClr val="E06C75"/>
+                </a:solidFill>
+                <a:latin typeface="Consolas" panose="020B0609020204030204" pitchFamily="49" charset="0"/>
+              </a:rPr>
+              <a:t>i</a:t>
+            </a:r>
+            <a:r>
+              <a:rPr lang="en-US" altLang="ko-KR" sz="2400">
+                <a:solidFill>
+                  <a:srgbClr val="ABB2BF"/>
+                </a:solidFill>
+                <a:latin typeface="Consolas" panose="020B0609020204030204" pitchFamily="49" charset="0"/>
+              </a:rPr>
+              <a:t> </a:t>
+            </a:r>
+            <a:r>
+              <a:rPr lang="en-US" altLang="ko-KR" sz="2400">
+                <a:solidFill>
+                  <a:srgbClr val="56B6C2"/>
+                </a:solidFill>
+                <a:latin typeface="Consolas" panose="020B0609020204030204" pitchFamily="49" charset="0"/>
+              </a:rPr>
+              <a:t>=</a:t>
+            </a:r>
+            <a:r>
+              <a:rPr lang="en-US" altLang="ko-KR" sz="2400">
+                <a:solidFill>
+                  <a:srgbClr val="ABB2BF"/>
+                </a:solidFill>
+                <a:latin typeface="Consolas" panose="020B0609020204030204" pitchFamily="49" charset="0"/>
+              </a:rPr>
+              <a:t> </a:t>
+            </a:r>
+            <a:r>
+              <a:rPr lang="en-US" altLang="ko-KR" sz="2400">
+                <a:solidFill>
+                  <a:srgbClr val="D19A66"/>
+                </a:solidFill>
+                <a:latin typeface="Consolas" panose="020B0609020204030204" pitchFamily="49" charset="0"/>
+              </a:rPr>
+              <a:t>0</a:t>
+            </a:r>
+            <a:r>
+              <a:rPr lang="en-US" altLang="ko-KR" sz="2400">
+                <a:solidFill>
+                  <a:srgbClr val="ABB2BF"/>
+                </a:solidFill>
+                <a:latin typeface="Consolas" panose="020B0609020204030204" pitchFamily="49" charset="0"/>
+              </a:rPr>
+              <a:t>; </a:t>
+            </a:r>
+            <a:r>
+              <a:rPr lang="en-US" altLang="ko-KR" sz="2400" err="1">
+                <a:solidFill>
+                  <a:srgbClr val="E06C75"/>
+                </a:solidFill>
+                <a:latin typeface="Consolas" panose="020B0609020204030204" pitchFamily="49" charset="0"/>
+              </a:rPr>
+              <a:t>i</a:t>
+            </a:r>
+            <a:r>
+              <a:rPr lang="en-US" altLang="ko-KR" sz="2400">
+                <a:solidFill>
+                  <a:srgbClr val="ABB2BF"/>
+                </a:solidFill>
+                <a:latin typeface="Consolas" panose="020B0609020204030204" pitchFamily="49" charset="0"/>
+              </a:rPr>
+              <a:t> </a:t>
+            </a:r>
+            <a:r>
+              <a:rPr lang="en-US" altLang="ko-KR" sz="2400">
+                <a:solidFill>
+                  <a:srgbClr val="56B6C2"/>
+                </a:solidFill>
+                <a:latin typeface="Consolas" panose="020B0609020204030204" pitchFamily="49" charset="0"/>
+              </a:rPr>
+              <a:t>&lt;</a:t>
+            </a:r>
+            <a:r>
+              <a:rPr lang="en-US" altLang="ko-KR" sz="2400">
+                <a:solidFill>
+                  <a:srgbClr val="ABB2BF"/>
+                </a:solidFill>
+                <a:latin typeface="Consolas" panose="020B0609020204030204" pitchFamily="49" charset="0"/>
+              </a:rPr>
+              <a:t> </a:t>
+            </a:r>
+            <a:r>
+              <a:rPr lang="en-US" altLang="ko-KR" sz="2400" err="1">
+                <a:solidFill>
+                  <a:srgbClr val="E06C75"/>
+                </a:solidFill>
+                <a:latin typeface="Consolas" panose="020B0609020204030204" pitchFamily="49" charset="0"/>
+              </a:rPr>
+              <a:t>slideCount</a:t>
+            </a:r>
+            <a:r>
+              <a:rPr lang="en-US" altLang="ko-KR" sz="2400">
+                <a:solidFill>
+                  <a:srgbClr val="ABB2BF"/>
+                </a:solidFill>
+                <a:latin typeface="Consolas" panose="020B0609020204030204" pitchFamily="49" charset="0"/>
+              </a:rPr>
+              <a:t> ; </a:t>
+            </a:r>
+            <a:r>
+              <a:rPr lang="en-US" altLang="ko-KR" sz="2400" err="1">
+                <a:solidFill>
+                  <a:srgbClr val="E06C75"/>
+                </a:solidFill>
+                <a:latin typeface="Consolas" panose="020B0609020204030204" pitchFamily="49" charset="0"/>
+              </a:rPr>
+              <a:t>i</a:t>
+            </a:r>
+            <a:r>
+              <a:rPr lang="en-US" altLang="ko-KR" sz="2400">
+                <a:solidFill>
+                  <a:srgbClr val="56B6C2"/>
+                </a:solidFill>
+                <a:latin typeface="Consolas" panose="020B0609020204030204" pitchFamily="49" charset="0"/>
+              </a:rPr>
+              <a:t>++</a:t>
+            </a:r>
+            <a:r>
+              <a:rPr lang="en-US" altLang="ko-KR" sz="2400">
+                <a:solidFill>
+                  <a:srgbClr val="ABB2BF"/>
+                </a:solidFill>
+                <a:latin typeface="Consolas" panose="020B0609020204030204" pitchFamily="49" charset="0"/>
+              </a:rPr>
+              <a:t> </a:t>
+            </a:r>
+            <a:r>
+              <a:rPr lang="en-US" altLang="ko-KR" sz="2400" smtClean="0">
+                <a:solidFill>
+                  <a:srgbClr val="ABB2BF"/>
+                </a:solidFill>
+                <a:latin typeface="Consolas" panose="020B0609020204030204" pitchFamily="49" charset="0"/>
+              </a:rPr>
+              <a:t>)</a:t>
+            </a:r>
+          </a:p>
+          <a:p>
+            <a:r>
+              <a:rPr lang="en-US" altLang="ko-KR" sz="2400">
+                <a:solidFill>
+                  <a:srgbClr val="ABB2BF"/>
+                </a:solidFill>
+                <a:latin typeface="Consolas" panose="020B0609020204030204" pitchFamily="49" charset="0"/>
+              </a:rPr>
+              <a:t>	</a:t>
+            </a:r>
+            <a:r>
+              <a:rPr lang="en-US" altLang="ko-KR" sz="2400" smtClean="0">
+                <a:solidFill>
+                  <a:srgbClr val="ABB2BF"/>
+                </a:solidFill>
+                <a:latin typeface="Consolas" panose="020B0609020204030204" pitchFamily="49" charset="0"/>
+              </a:rPr>
+              <a:t>{</a:t>
+            </a:r>
+            <a:r>
+              <a:rPr lang="en-US" altLang="ko-KR" sz="2400" smtClean="0">
+                <a:solidFill>
+                  <a:srgbClr val="C678DD"/>
+                </a:solidFill>
+                <a:latin typeface="Consolas" panose="020B0609020204030204" pitchFamily="49" charset="0"/>
+              </a:rPr>
+              <a:t>if</a:t>
+            </a:r>
+            <a:r>
+              <a:rPr lang="en-US" altLang="ko-KR" sz="2400" smtClean="0">
+                <a:solidFill>
+                  <a:srgbClr val="ABB2BF"/>
+                </a:solidFill>
+                <a:latin typeface="Consolas" panose="020B0609020204030204" pitchFamily="49" charset="0"/>
+              </a:rPr>
+              <a:t>(</a:t>
+            </a:r>
+            <a:r>
+              <a:rPr lang="en-US" altLang="ko-KR" sz="2400" smtClean="0">
+                <a:solidFill>
+                  <a:srgbClr val="E06C75"/>
+                </a:solidFill>
+                <a:latin typeface="Consolas" panose="020B0609020204030204" pitchFamily="49" charset="0"/>
+              </a:rPr>
+              <a:t>slides</a:t>
+            </a:r>
+            <a:r>
+              <a:rPr lang="en-US" altLang="ko-KR" sz="2400" smtClean="0">
+                <a:solidFill>
+                  <a:srgbClr val="ABB2BF"/>
+                </a:solidFill>
+                <a:latin typeface="Consolas" panose="020B0609020204030204" pitchFamily="49" charset="0"/>
+              </a:rPr>
+              <a:t>[</a:t>
+            </a:r>
+            <a:r>
+              <a:rPr lang="en-US" altLang="ko-KR" sz="2400" smtClean="0">
+                <a:solidFill>
+                  <a:srgbClr val="E06C75"/>
+                </a:solidFill>
+                <a:latin typeface="Consolas" panose="020B0609020204030204" pitchFamily="49" charset="0"/>
+              </a:rPr>
+              <a:t>i</a:t>
+            </a:r>
+            <a:r>
+              <a:rPr lang="en-US" altLang="ko-KR" sz="2400">
+                <a:solidFill>
+                  <a:srgbClr val="ABB2BF"/>
+                </a:solidFill>
+                <a:latin typeface="Consolas" panose="020B0609020204030204" pitchFamily="49" charset="0"/>
+              </a:rPr>
+              <a:t>].</a:t>
+            </a:r>
+            <a:r>
+              <a:rPr lang="en-US" altLang="ko-KR" sz="2400" err="1">
+                <a:solidFill>
+                  <a:srgbClr val="E06C75"/>
+                </a:solidFill>
+                <a:latin typeface="Consolas" panose="020B0609020204030204" pitchFamily="49" charset="0"/>
+              </a:rPr>
+              <a:t>offsetHeight</a:t>
+            </a:r>
+            <a:r>
+              <a:rPr lang="en-US" altLang="ko-KR" sz="2400">
+                <a:solidFill>
+                  <a:srgbClr val="ABB2BF"/>
+                </a:solidFill>
+                <a:latin typeface="Consolas" panose="020B0609020204030204" pitchFamily="49" charset="0"/>
+              </a:rPr>
+              <a:t> </a:t>
+            </a:r>
+            <a:r>
+              <a:rPr lang="en-US" altLang="ko-KR" sz="2400">
+                <a:solidFill>
+                  <a:srgbClr val="56B6C2"/>
+                </a:solidFill>
+                <a:latin typeface="Consolas" panose="020B0609020204030204" pitchFamily="49" charset="0"/>
+              </a:rPr>
+              <a:t>&gt;</a:t>
+            </a:r>
+            <a:r>
+              <a:rPr lang="en-US" altLang="ko-KR" sz="2400">
+                <a:solidFill>
+                  <a:srgbClr val="ABB2BF"/>
+                </a:solidFill>
+                <a:latin typeface="Consolas" panose="020B0609020204030204" pitchFamily="49" charset="0"/>
+              </a:rPr>
+              <a:t> </a:t>
+            </a:r>
+            <a:r>
+              <a:rPr lang="en-US" altLang="ko-KR" sz="2400" smtClean="0">
+                <a:solidFill>
+                  <a:srgbClr val="E06C75"/>
+                </a:solidFill>
+                <a:latin typeface="Consolas" panose="020B0609020204030204" pitchFamily="49" charset="0"/>
+              </a:rPr>
+              <a:t>topHeight</a:t>
+            </a:r>
+            <a:r>
+              <a:rPr lang="en-US" altLang="ko-KR" sz="2400" smtClean="0">
+                <a:solidFill>
+                  <a:srgbClr val="ABB2BF"/>
+                </a:solidFill>
+                <a:latin typeface="Consolas" panose="020B0609020204030204" pitchFamily="49" charset="0"/>
+              </a:rPr>
+              <a:t>)</a:t>
+            </a:r>
+          </a:p>
+          <a:p>
+            <a:r>
+              <a:rPr lang="en-US" altLang="ko-KR" sz="2400">
+                <a:solidFill>
+                  <a:srgbClr val="ABB2BF"/>
+                </a:solidFill>
+                <a:latin typeface="Consolas" panose="020B0609020204030204" pitchFamily="49" charset="0"/>
+              </a:rPr>
+              <a:t>	</a:t>
+            </a:r>
+            <a:r>
+              <a:rPr lang="en-US" altLang="ko-KR" sz="2400" smtClean="0">
+                <a:solidFill>
+                  <a:srgbClr val="ABB2BF"/>
+                </a:solidFill>
+                <a:latin typeface="Consolas" panose="020B0609020204030204" pitchFamily="49" charset="0"/>
+              </a:rPr>
+              <a:t>	{</a:t>
+            </a:r>
+            <a:r>
+              <a:rPr lang="en-US" altLang="ko-KR" sz="2400" smtClean="0">
+                <a:solidFill>
+                  <a:srgbClr val="E06C75"/>
+                </a:solidFill>
+                <a:latin typeface="Consolas" panose="020B0609020204030204" pitchFamily="49" charset="0"/>
+              </a:rPr>
+              <a:t>topHeight</a:t>
+            </a:r>
+            <a:r>
+              <a:rPr lang="en-US" altLang="ko-KR" sz="2400">
+                <a:solidFill>
+                  <a:srgbClr val="ABB2BF"/>
+                </a:solidFill>
+                <a:latin typeface="Consolas" panose="020B0609020204030204" pitchFamily="49" charset="0"/>
+              </a:rPr>
+              <a:t> </a:t>
+            </a:r>
+            <a:r>
+              <a:rPr lang="en-US" altLang="ko-KR" sz="2400">
+                <a:solidFill>
+                  <a:srgbClr val="56B6C2"/>
+                </a:solidFill>
+                <a:latin typeface="Consolas" panose="020B0609020204030204" pitchFamily="49" charset="0"/>
+              </a:rPr>
+              <a:t>=</a:t>
+            </a:r>
+            <a:r>
+              <a:rPr lang="en-US" altLang="ko-KR" sz="2400">
+                <a:solidFill>
+                  <a:srgbClr val="ABB2BF"/>
+                </a:solidFill>
+                <a:latin typeface="Consolas" panose="020B0609020204030204" pitchFamily="49" charset="0"/>
+              </a:rPr>
+              <a:t> </a:t>
+            </a:r>
+            <a:r>
+              <a:rPr lang="en-US" altLang="ko-KR" sz="2400">
+                <a:solidFill>
+                  <a:srgbClr val="E06C75"/>
+                </a:solidFill>
+                <a:latin typeface="Consolas" panose="020B0609020204030204" pitchFamily="49" charset="0"/>
+              </a:rPr>
+              <a:t>slides</a:t>
+            </a:r>
+            <a:r>
+              <a:rPr lang="en-US" altLang="ko-KR" sz="2400">
+                <a:solidFill>
+                  <a:srgbClr val="ABB2BF"/>
+                </a:solidFill>
+                <a:latin typeface="Consolas" panose="020B0609020204030204" pitchFamily="49" charset="0"/>
+              </a:rPr>
+              <a:t>[</a:t>
+            </a:r>
+            <a:r>
+              <a:rPr lang="en-US" altLang="ko-KR" sz="2400" err="1">
+                <a:solidFill>
+                  <a:srgbClr val="E06C75"/>
+                </a:solidFill>
+                <a:latin typeface="Consolas" panose="020B0609020204030204" pitchFamily="49" charset="0"/>
+              </a:rPr>
+              <a:t>i</a:t>
+            </a:r>
+            <a:r>
+              <a:rPr lang="en-US" altLang="ko-KR" sz="2400">
+                <a:solidFill>
+                  <a:srgbClr val="ABB2BF"/>
+                </a:solidFill>
+                <a:latin typeface="Consolas" panose="020B0609020204030204" pitchFamily="49" charset="0"/>
+              </a:rPr>
+              <a:t>].</a:t>
+            </a:r>
+            <a:r>
+              <a:rPr lang="en-US" altLang="ko-KR" sz="2400" err="1">
+                <a:solidFill>
+                  <a:srgbClr val="E06C75"/>
+                </a:solidFill>
+                <a:latin typeface="Consolas" panose="020B0609020204030204" pitchFamily="49" charset="0"/>
+              </a:rPr>
+              <a:t>offsetHeight</a:t>
+            </a:r>
+            <a:r>
+              <a:rPr lang="en-US" altLang="ko-KR" sz="2400" smtClean="0">
+                <a:solidFill>
+                  <a:srgbClr val="ABB2BF"/>
+                </a:solidFill>
+                <a:latin typeface="Consolas" panose="020B0609020204030204" pitchFamily="49" charset="0"/>
+              </a:rPr>
+              <a:t>;}}</a:t>
+            </a:r>
+            <a:endParaRPr lang="en-US" altLang="ko-KR" sz="2400">
+              <a:solidFill>
+                <a:srgbClr val="ABB2BF"/>
+              </a:solidFill>
+              <a:latin typeface="Consolas" panose="020B0609020204030204" pitchFamily="49" charset="0"/>
+            </a:endParaRPr>
+          </a:p>
+          <a:p>
+            <a:r>
+              <a:rPr lang="en-US" altLang="ko-KR" sz="2400">
+                <a:solidFill>
+                  <a:srgbClr val="ABB2BF"/>
+                </a:solidFill>
+                <a:latin typeface="Consolas" panose="020B0609020204030204" pitchFamily="49" charset="0"/>
+              </a:rPr>
+              <a:t/>
+            </a:r>
+            <a:br>
+              <a:rPr lang="en-US" altLang="ko-KR" sz="2400">
+                <a:solidFill>
+                  <a:srgbClr val="ABB2BF"/>
+                </a:solidFill>
+                <a:latin typeface="Consolas" panose="020B0609020204030204" pitchFamily="49" charset="0"/>
+              </a:rPr>
+            </a:br>
+            <a:r>
+              <a:rPr lang="en-US" altLang="ko-KR" sz="2400">
+                <a:solidFill>
+                  <a:srgbClr val="ABB2BF"/>
+                </a:solidFill>
+                <a:latin typeface="Consolas" panose="020B0609020204030204" pitchFamily="49" charset="0"/>
+              </a:rPr>
+              <a:t>    </a:t>
+            </a:r>
+            <a:r>
+              <a:rPr lang="en-US" altLang="ko-KR" sz="2400" err="1">
+                <a:solidFill>
+                  <a:srgbClr val="E06C75"/>
+                </a:solidFill>
+                <a:latin typeface="Consolas" panose="020B0609020204030204" pitchFamily="49" charset="0"/>
+              </a:rPr>
+              <a:t>slideWrapper</a:t>
+            </a:r>
+            <a:r>
+              <a:rPr lang="en-US" altLang="ko-KR" sz="2400">
+                <a:solidFill>
+                  <a:srgbClr val="ABB2BF"/>
+                </a:solidFill>
+                <a:latin typeface="Consolas" panose="020B0609020204030204" pitchFamily="49" charset="0"/>
+              </a:rPr>
+              <a:t>[</a:t>
+            </a:r>
+            <a:r>
+              <a:rPr lang="en-US" altLang="ko-KR" sz="2400">
+                <a:solidFill>
+                  <a:srgbClr val="D19A66"/>
+                </a:solidFill>
+                <a:latin typeface="Consolas" panose="020B0609020204030204" pitchFamily="49" charset="0"/>
+              </a:rPr>
+              <a:t>0</a:t>
+            </a:r>
+            <a:r>
+              <a:rPr lang="en-US" altLang="ko-KR" sz="2400">
+                <a:solidFill>
+                  <a:srgbClr val="ABB2BF"/>
+                </a:solidFill>
+                <a:latin typeface="Consolas" panose="020B0609020204030204" pitchFamily="49" charset="0"/>
+              </a:rPr>
+              <a:t>].</a:t>
+            </a:r>
+            <a:r>
+              <a:rPr lang="en-US" altLang="ko-KR" sz="2400" err="1">
+                <a:solidFill>
+                  <a:srgbClr val="E06C75"/>
+                </a:solidFill>
+                <a:latin typeface="Consolas" panose="020B0609020204030204" pitchFamily="49" charset="0"/>
+              </a:rPr>
+              <a:t>style</a:t>
+            </a:r>
+            <a:r>
+              <a:rPr lang="en-US" altLang="ko-KR" sz="2400" err="1">
+                <a:solidFill>
+                  <a:srgbClr val="ABB2BF"/>
+                </a:solidFill>
+                <a:latin typeface="Consolas" panose="020B0609020204030204" pitchFamily="49" charset="0"/>
+              </a:rPr>
+              <a:t>.</a:t>
+            </a:r>
+            <a:r>
+              <a:rPr lang="en-US" altLang="ko-KR" sz="2400" err="1">
+                <a:solidFill>
+                  <a:srgbClr val="E06C75"/>
+                </a:solidFill>
+                <a:latin typeface="Consolas" panose="020B0609020204030204" pitchFamily="49" charset="0"/>
+              </a:rPr>
+              <a:t>height</a:t>
+            </a:r>
+            <a:r>
+              <a:rPr lang="en-US" altLang="ko-KR" sz="2400">
+                <a:solidFill>
+                  <a:srgbClr val="ABB2BF"/>
+                </a:solidFill>
+                <a:latin typeface="Consolas" panose="020B0609020204030204" pitchFamily="49" charset="0"/>
+              </a:rPr>
+              <a:t> </a:t>
+            </a:r>
+            <a:r>
+              <a:rPr lang="en-US" altLang="ko-KR" sz="2400">
+                <a:solidFill>
+                  <a:srgbClr val="56B6C2"/>
+                </a:solidFill>
+                <a:latin typeface="Consolas" panose="020B0609020204030204" pitchFamily="49" charset="0"/>
+              </a:rPr>
+              <a:t>=</a:t>
+            </a:r>
+            <a:r>
+              <a:rPr lang="en-US" altLang="ko-KR" sz="2400">
+                <a:solidFill>
+                  <a:srgbClr val="ABB2BF"/>
+                </a:solidFill>
+                <a:latin typeface="Consolas" panose="020B0609020204030204" pitchFamily="49" charset="0"/>
+              </a:rPr>
+              <a:t> </a:t>
+            </a:r>
+            <a:r>
+              <a:rPr lang="en-US" altLang="ko-KR" sz="2400" err="1">
+                <a:solidFill>
+                  <a:srgbClr val="E06C75"/>
+                </a:solidFill>
+                <a:latin typeface="Consolas" panose="020B0609020204030204" pitchFamily="49" charset="0"/>
+              </a:rPr>
+              <a:t>topHeight</a:t>
+            </a:r>
+            <a:r>
+              <a:rPr lang="en-US" altLang="ko-KR" sz="2400">
+                <a:solidFill>
+                  <a:srgbClr val="ABB2BF"/>
+                </a:solidFill>
+                <a:latin typeface="Consolas" panose="020B0609020204030204" pitchFamily="49" charset="0"/>
+              </a:rPr>
+              <a:t> </a:t>
+            </a:r>
+            <a:r>
+              <a:rPr lang="en-US" altLang="ko-KR" sz="2400">
+                <a:solidFill>
+                  <a:srgbClr val="56B6C2"/>
+                </a:solidFill>
+                <a:latin typeface="Consolas" panose="020B0609020204030204" pitchFamily="49" charset="0"/>
+              </a:rPr>
+              <a:t>+</a:t>
+            </a:r>
+            <a:r>
+              <a:rPr lang="en-US" altLang="ko-KR" sz="2400">
+                <a:solidFill>
+                  <a:srgbClr val="ABB2BF"/>
+                </a:solidFill>
+                <a:latin typeface="Consolas" panose="020B0609020204030204" pitchFamily="49" charset="0"/>
+              </a:rPr>
+              <a:t> </a:t>
+            </a:r>
+            <a:r>
+              <a:rPr lang="en-US" altLang="ko-KR" sz="2400">
+                <a:solidFill>
+                  <a:srgbClr val="98C379"/>
+                </a:solidFill>
+                <a:latin typeface="Consolas" panose="020B0609020204030204" pitchFamily="49" charset="0"/>
+              </a:rPr>
+              <a:t>'</a:t>
+            </a:r>
+            <a:r>
+              <a:rPr lang="en-US" altLang="ko-KR" sz="2400" err="1">
+                <a:solidFill>
+                  <a:srgbClr val="98C379"/>
+                </a:solidFill>
+                <a:latin typeface="Consolas" panose="020B0609020204030204" pitchFamily="49" charset="0"/>
+              </a:rPr>
+              <a:t>px</a:t>
+            </a:r>
+            <a:r>
+              <a:rPr lang="en-US" altLang="ko-KR" sz="2400">
+                <a:solidFill>
+                  <a:srgbClr val="98C379"/>
+                </a:solidFill>
+                <a:latin typeface="Consolas" panose="020B0609020204030204" pitchFamily="49" charset="0"/>
+              </a:rPr>
+              <a:t>'</a:t>
+            </a:r>
+            <a:r>
+              <a:rPr lang="en-US" altLang="ko-KR" sz="2400">
+                <a:solidFill>
+                  <a:srgbClr val="ABB2BF"/>
+                </a:solidFill>
+                <a:latin typeface="Consolas" panose="020B0609020204030204" pitchFamily="49" charset="0"/>
+              </a:rPr>
+              <a:t>;</a:t>
+            </a:r>
+          </a:p>
+          <a:p>
+            <a:r>
+              <a:rPr lang="en-US" altLang="ko-KR" sz="2400">
+                <a:solidFill>
+                  <a:srgbClr val="ABB2BF"/>
+                </a:solidFill>
+                <a:latin typeface="Consolas" panose="020B0609020204030204" pitchFamily="49" charset="0"/>
+              </a:rPr>
+              <a:t>    </a:t>
+            </a:r>
+            <a:r>
+              <a:rPr lang="en-US" altLang="ko-KR" sz="2400" err="1">
+                <a:solidFill>
+                  <a:srgbClr val="E06C75"/>
+                </a:solidFill>
+                <a:latin typeface="Consolas" panose="020B0609020204030204" pitchFamily="49" charset="0"/>
+              </a:rPr>
+              <a:t>slideContainer</a:t>
+            </a:r>
+            <a:r>
+              <a:rPr lang="en-US" altLang="ko-KR" sz="2400">
+                <a:solidFill>
+                  <a:srgbClr val="ABB2BF"/>
+                </a:solidFill>
+                <a:latin typeface="Consolas" panose="020B0609020204030204" pitchFamily="49" charset="0"/>
+              </a:rPr>
+              <a:t>[</a:t>
+            </a:r>
+            <a:r>
+              <a:rPr lang="en-US" altLang="ko-KR" sz="2400">
+                <a:solidFill>
+                  <a:srgbClr val="D19A66"/>
+                </a:solidFill>
+                <a:latin typeface="Consolas" panose="020B0609020204030204" pitchFamily="49" charset="0"/>
+              </a:rPr>
+              <a:t>0</a:t>
+            </a:r>
+            <a:r>
+              <a:rPr lang="en-US" altLang="ko-KR" sz="2400">
+                <a:solidFill>
+                  <a:srgbClr val="ABB2BF"/>
+                </a:solidFill>
+                <a:latin typeface="Consolas" panose="020B0609020204030204" pitchFamily="49" charset="0"/>
+              </a:rPr>
+              <a:t>].</a:t>
+            </a:r>
+            <a:r>
+              <a:rPr lang="en-US" altLang="ko-KR" sz="2400" err="1">
+                <a:solidFill>
+                  <a:srgbClr val="E06C75"/>
+                </a:solidFill>
+                <a:latin typeface="Consolas" panose="020B0609020204030204" pitchFamily="49" charset="0"/>
+              </a:rPr>
+              <a:t>style</a:t>
+            </a:r>
+            <a:r>
+              <a:rPr lang="en-US" altLang="ko-KR" sz="2400" err="1">
+                <a:solidFill>
+                  <a:srgbClr val="ABB2BF"/>
+                </a:solidFill>
+                <a:latin typeface="Consolas" panose="020B0609020204030204" pitchFamily="49" charset="0"/>
+              </a:rPr>
+              <a:t>.</a:t>
+            </a:r>
+            <a:r>
+              <a:rPr lang="en-US" altLang="ko-KR" sz="2400" err="1">
+                <a:solidFill>
+                  <a:srgbClr val="E06C75"/>
+                </a:solidFill>
+                <a:latin typeface="Consolas" panose="020B0609020204030204" pitchFamily="49" charset="0"/>
+              </a:rPr>
+              <a:t>height</a:t>
+            </a:r>
+            <a:r>
+              <a:rPr lang="en-US" altLang="ko-KR" sz="2400">
+                <a:solidFill>
+                  <a:srgbClr val="ABB2BF"/>
+                </a:solidFill>
+                <a:latin typeface="Consolas" panose="020B0609020204030204" pitchFamily="49" charset="0"/>
+              </a:rPr>
+              <a:t> </a:t>
+            </a:r>
+            <a:r>
+              <a:rPr lang="en-US" altLang="ko-KR" sz="2400">
+                <a:solidFill>
+                  <a:srgbClr val="56B6C2"/>
+                </a:solidFill>
+                <a:latin typeface="Consolas" panose="020B0609020204030204" pitchFamily="49" charset="0"/>
+              </a:rPr>
+              <a:t>=</a:t>
+            </a:r>
+            <a:r>
+              <a:rPr lang="en-US" altLang="ko-KR" sz="2400">
+                <a:solidFill>
+                  <a:srgbClr val="ABB2BF"/>
+                </a:solidFill>
+                <a:latin typeface="Consolas" panose="020B0609020204030204" pitchFamily="49" charset="0"/>
+              </a:rPr>
+              <a:t> </a:t>
+            </a:r>
+            <a:r>
+              <a:rPr lang="en-US" altLang="ko-KR" sz="2400" err="1">
+                <a:solidFill>
+                  <a:srgbClr val="E06C75"/>
+                </a:solidFill>
+                <a:latin typeface="Consolas" panose="020B0609020204030204" pitchFamily="49" charset="0"/>
+              </a:rPr>
+              <a:t>topHeight</a:t>
+            </a:r>
+            <a:r>
+              <a:rPr lang="en-US" altLang="ko-KR" sz="2400">
+                <a:solidFill>
+                  <a:srgbClr val="ABB2BF"/>
+                </a:solidFill>
+                <a:latin typeface="Consolas" panose="020B0609020204030204" pitchFamily="49" charset="0"/>
+              </a:rPr>
+              <a:t> </a:t>
+            </a:r>
+            <a:r>
+              <a:rPr lang="en-US" altLang="ko-KR" sz="2400">
+                <a:solidFill>
+                  <a:srgbClr val="56B6C2"/>
+                </a:solidFill>
+                <a:latin typeface="Consolas" panose="020B0609020204030204" pitchFamily="49" charset="0"/>
+              </a:rPr>
+              <a:t>+</a:t>
+            </a:r>
+            <a:r>
+              <a:rPr lang="en-US" altLang="ko-KR" sz="2400">
+                <a:solidFill>
+                  <a:srgbClr val="ABB2BF"/>
+                </a:solidFill>
+                <a:latin typeface="Consolas" panose="020B0609020204030204" pitchFamily="49" charset="0"/>
+              </a:rPr>
+              <a:t> </a:t>
+            </a:r>
+            <a:r>
+              <a:rPr lang="en-US" altLang="ko-KR" sz="2400">
+                <a:solidFill>
+                  <a:srgbClr val="98C379"/>
+                </a:solidFill>
+                <a:latin typeface="Consolas" panose="020B0609020204030204" pitchFamily="49" charset="0"/>
+              </a:rPr>
+              <a:t>'</a:t>
+            </a:r>
+            <a:r>
+              <a:rPr lang="en-US" altLang="ko-KR" sz="2400" err="1">
+                <a:solidFill>
+                  <a:srgbClr val="98C379"/>
+                </a:solidFill>
+                <a:latin typeface="Consolas" panose="020B0609020204030204" pitchFamily="49" charset="0"/>
+              </a:rPr>
+              <a:t>px</a:t>
+            </a:r>
+            <a:r>
+              <a:rPr lang="en-US" altLang="ko-KR" sz="2400">
+                <a:solidFill>
+                  <a:srgbClr val="98C379"/>
+                </a:solidFill>
+                <a:latin typeface="Consolas" panose="020B0609020204030204" pitchFamily="49" charset="0"/>
+              </a:rPr>
+              <a:t>'</a:t>
+            </a:r>
+            <a:r>
+              <a:rPr lang="en-US" altLang="ko-KR" sz="2400">
+                <a:solidFill>
+                  <a:srgbClr val="ABB2BF"/>
+                </a:solidFill>
+                <a:latin typeface="Consolas" panose="020B0609020204030204" pitchFamily="49" charset="0"/>
+              </a:rPr>
+              <a:t>;</a:t>
+            </a:r>
+          </a:p>
+          <a:p>
+            <a:endParaRPr lang="en-US" altLang="ko-KR" sz="2400" smtClean="0">
+              <a:solidFill>
+                <a:srgbClr val="ABB2BF"/>
+              </a:solidFill>
+              <a:latin typeface="Consolas" panose="020B0609020204030204" pitchFamily="49" charset="0"/>
+            </a:endParaRPr>
+          </a:p>
+          <a:p>
+            <a:r>
+              <a:rPr lang="en-US" altLang="ko-KR" sz="2400" smtClean="0">
+                <a:solidFill>
+                  <a:srgbClr val="ABB2BF"/>
+                </a:solidFill>
+                <a:latin typeface="Consolas" panose="020B0609020204030204" pitchFamily="49" charset="0"/>
+              </a:rPr>
+              <a:t>}</a:t>
+            </a:r>
+            <a:endParaRPr lang="en-US" altLang="ko-KR" sz="2400">
+              <a:solidFill>
+                <a:srgbClr val="ABB2BF"/>
+              </a:solidFill>
+              <a:latin typeface="Consolas" panose="020B0609020204030204" pitchFamily="49" charset="0"/>
+            </a:endParaRPr>
+          </a:p>
+          <a:p>
+            <a:r>
+              <a:rPr lang="en-US" altLang="ko-KR" sz="2400">
+                <a:solidFill>
+                  <a:srgbClr val="ABB2BF"/>
+                </a:solidFill>
+                <a:latin typeface="Consolas" panose="020B0609020204030204" pitchFamily="49" charset="0"/>
+              </a:rPr>
+              <a:t/>
+            </a:r>
+            <a:br>
+              <a:rPr lang="en-US" altLang="ko-KR" sz="2400">
+                <a:solidFill>
+                  <a:srgbClr val="ABB2BF"/>
+                </a:solidFill>
+                <a:latin typeface="Consolas" panose="020B0609020204030204" pitchFamily="49" charset="0"/>
+              </a:rPr>
+            </a:br>
+            <a:r>
+              <a:rPr lang="en-US" altLang="ko-KR" sz="2400" err="1">
+                <a:solidFill>
+                  <a:srgbClr val="61AFEF"/>
+                </a:solidFill>
+                <a:latin typeface="Consolas" panose="020B0609020204030204" pitchFamily="49" charset="0"/>
+              </a:rPr>
+              <a:t>calculateTallestSlide</a:t>
+            </a:r>
+            <a:r>
+              <a:rPr lang="en-US" altLang="ko-KR" sz="2400">
+                <a:solidFill>
+                  <a:srgbClr val="ABB2BF"/>
+                </a:solidFill>
+                <a:latin typeface="Consolas" panose="020B0609020204030204" pitchFamily="49" charset="0"/>
+              </a:rPr>
+              <a:t>();</a:t>
+            </a:r>
+          </a:p>
+          <a:p>
+            <a:r>
+              <a:rPr lang="en-US" altLang="ko-KR" sz="2400">
+                <a:solidFill>
+                  <a:srgbClr val="ABB2BF"/>
+                </a:solidFill>
+                <a:latin typeface="Consolas" panose="020B0609020204030204" pitchFamily="49" charset="0"/>
+              </a:rPr>
+              <a:t/>
+            </a:r>
+            <a:br>
+              <a:rPr lang="en-US" altLang="ko-KR" sz="2400">
+                <a:solidFill>
+                  <a:srgbClr val="ABB2BF"/>
+                </a:solidFill>
+                <a:latin typeface="Consolas" panose="020B0609020204030204" pitchFamily="49" charset="0"/>
+              </a:rPr>
+            </a:br>
+            <a:endParaRPr lang="en-US" altLang="ko-KR" sz="2400" b="0">
+              <a:solidFill>
+                <a:srgbClr val="ABB2BF"/>
+              </a:solidFill>
+              <a:effectLst/>
+              <a:latin typeface="Consolas" panose="020B0609020204030204" pitchFamily="49" charset="0"/>
+            </a:endParaRPr>
+          </a:p>
+        </p:txBody>
+      </p:sp>
+      <p:sp>
+        <p:nvSpPr>
+          <p:cNvPr id="5" name="Rectangle 4"/>
+          <p:cNvSpPr/>
+          <p:nvPr/>
+        </p:nvSpPr>
+        <p:spPr>
+          <a:xfrm>
+            <a:off x="521512" y="656582"/>
+            <a:ext cx="6886822" cy="369332"/>
+          </a:xfrm>
+          <a:prstGeom prst="rect">
+            <a:avLst/>
+          </a:prstGeom>
+        </p:spPr>
+        <p:txBody>
+          <a:bodyPr wrap="none">
+            <a:spAutoFit/>
+          </a:bodyPr>
+          <a:lstStyle/>
+          <a:p>
+            <a:r>
+              <a:rPr lang="en-US" altLang="ko-KR" i="1" smtClean="0">
+                <a:solidFill>
+                  <a:srgbClr val="7F848E"/>
+                </a:solidFill>
+                <a:latin typeface="Consolas" panose="020B0609020204030204" pitchFamily="49" charset="0"/>
+              </a:rPr>
+              <a:t>// (</a:t>
+            </a:r>
+            <a:r>
+              <a:rPr lang="ko-KR" altLang="en-US" i="1" smtClean="0">
+                <a:solidFill>
+                  <a:srgbClr val="7F848E"/>
+                </a:solidFill>
+                <a:latin typeface="Consolas" panose="020B0609020204030204" pitchFamily="49" charset="0"/>
+              </a:rPr>
+              <a:t>추가</a:t>
+            </a:r>
+            <a:r>
+              <a:rPr lang="en-US" altLang="ko-KR" i="1" smtClean="0">
+                <a:solidFill>
+                  <a:srgbClr val="7F848E"/>
+                </a:solidFill>
+                <a:latin typeface="Consolas" panose="020B0609020204030204" pitchFamily="49" charset="0"/>
+              </a:rPr>
+              <a:t>) </a:t>
+            </a:r>
+            <a:r>
+              <a:rPr lang="ko-KR" altLang="en-US" i="1" smtClean="0">
+                <a:solidFill>
+                  <a:srgbClr val="7F848E"/>
+                </a:solidFill>
+                <a:latin typeface="Consolas" panose="020B0609020204030204" pitchFamily="49" charset="0"/>
+              </a:rPr>
+              <a:t>슬라이드의</a:t>
+            </a:r>
+            <a:r>
+              <a:rPr lang="ko-KR" altLang="en-US" i="1">
+                <a:solidFill>
+                  <a:srgbClr val="7F848E"/>
+                </a:solidFill>
+                <a:latin typeface="Consolas" panose="020B0609020204030204" pitchFamily="49" charset="0"/>
+              </a:rPr>
+              <a:t> 높이 확인하여 부모의 높이로 지정하기</a:t>
+            </a:r>
+            <a:endParaRPr lang="ko-KR" altLang="en-US" b="0">
+              <a:solidFill>
+                <a:srgbClr val="ABB2BF"/>
+              </a:solidFill>
+              <a:effectLst/>
+              <a:latin typeface="Consolas" panose="020B0609020204030204" pitchFamily="49" charset="0"/>
+            </a:endParaRPr>
+          </a:p>
+        </p:txBody>
+      </p:sp>
+    </p:spTree>
+    <p:extLst>
+      <p:ext uri="{BB962C8B-B14F-4D97-AF65-F5344CB8AC3E}">
+        <p14:creationId xmlns:p14="http://schemas.microsoft.com/office/powerpoint/2010/main" val="3551789035"/>
+      </p:ext>
+    </p:extLst>
+  </p:cSld>
+  <p:clrMapOvr>
+    <a:masterClrMapping/>
+  </p:clrMapOvr>
+</p:sld>
+</file>
+
+<file path=ppt/slides/slide13.xml><?xml version="1.0" encoding="utf-8"?>
+<p:sld xmlns:a="http://schemas.openxmlformats.org/drawingml/2006/main" xmlns:r="http://schemas.openxmlformats.org/officeDocument/2006/relationships" xmlns:p="http://schemas.openxmlformats.org/presentationml/2006/main">
+  <p:cSld>
+    <p:spTree>
+      <p:nvGrpSpPr>
+        <p:cNvPr id="1" name=""/>
+        <p:cNvGrpSpPr/>
+        <p:nvPr/>
+      </p:nvGrpSpPr>
+      <p:grpSpPr>
+        <a:xfrm>
+          <a:off x="0" y="0"/>
+          <a:ext cx="0" cy="0"/>
+          <a:chOff x="0" y="0"/>
+          <a:chExt cx="0" cy="0"/>
+        </a:xfrm>
+      </p:grpSpPr>
+      <p:sp>
+        <p:nvSpPr>
+          <p:cNvPr id="2" name="Title 1"/>
+          <p:cNvSpPr>
+            <a:spLocks noGrp="1"/>
+          </p:cNvSpPr>
+          <p:nvPr>
+            <p:ph type="ctrTitle"/>
+          </p:nvPr>
+        </p:nvSpPr>
+        <p:spPr/>
+        <p:txBody>
+          <a:bodyPr/>
+          <a:lstStyle/>
+          <a:p>
+            <a:r>
+              <a:rPr lang="ko-KR" altLang="en-US" smtClean="0"/>
+              <a:t>슬라이드 이동 추가편</a:t>
+            </a:r>
+          </a:p>
+        </p:txBody>
+      </p:sp>
+      <p:sp>
+        <p:nvSpPr>
+          <p:cNvPr id="3" name="Subtitle 2"/>
+          <p:cNvSpPr>
+            <a:spLocks noGrp="1"/>
+          </p:cNvSpPr>
+          <p:nvPr>
+            <p:ph type="subTitle" idx="1"/>
+          </p:nvPr>
+        </p:nvSpPr>
+        <p:spPr/>
+        <p:txBody>
+          <a:bodyPr>
+            <a:normAutofit/>
+          </a:bodyPr>
+          <a:lstStyle/>
+          <a:p>
+            <a:r>
+              <a:rPr lang="ko-KR" altLang="en-US" smtClean="0"/>
+              <a:t>처음 슬라이드에서 뒤로가기를 누르면 마지막 슬라이드로</a:t>
+            </a:r>
+            <a:r>
+              <a:rPr lang="en-US" altLang="ko-KR" smtClean="0"/>
+              <a:t>,</a:t>
+            </a:r>
+          </a:p>
+          <a:p>
+            <a:r>
+              <a:rPr lang="ko-KR" altLang="en-US" smtClean="0"/>
+              <a:t>마지막슬라이드에서 앞으로 가기를 누르면 처음 슬라이드로 이동</a:t>
+            </a:r>
+            <a:endParaRPr lang="en-US" altLang="ko-KR" smtClean="0"/>
+          </a:p>
+          <a:p>
+            <a:r>
+              <a:rPr lang="ko-KR" altLang="en-US" smtClean="0"/>
+              <a:t> </a:t>
+            </a:r>
+            <a:r>
+              <a:rPr lang="en-US" altLang="ko-KR" smtClean="0"/>
+              <a:t>(if</a:t>
+            </a:r>
+            <a:r>
+              <a:rPr lang="ko-KR" altLang="en-US" smtClean="0"/>
+              <a:t>문 사용</a:t>
+            </a:r>
+            <a:r>
+              <a:rPr lang="en-US" altLang="ko-KR" smtClean="0"/>
+              <a:t>)</a:t>
+            </a:r>
+            <a:endParaRPr lang="ko-KR" altLang="en-US"/>
+          </a:p>
+        </p:txBody>
+      </p:sp>
+    </p:spTree>
+    <p:extLst>
+      <p:ext uri="{BB962C8B-B14F-4D97-AF65-F5344CB8AC3E}">
+        <p14:creationId xmlns:p14="http://schemas.microsoft.com/office/powerpoint/2010/main" val="1880504695"/>
+      </p:ext>
+    </p:extLst>
+  </p:cSld>
+  <p:clrMapOvr>
+    <a:masterClrMapping/>
+  </p:clrMapOvr>
+</p:sld>
+</file>
+
+<file path=ppt/slides/slide14.xml><?xml version="1.0" encoding="utf-8"?>
 <p:sld xmlns:a="http://schemas.openxmlformats.org/drawingml/2006/main" xmlns:r="http://schemas.openxmlformats.org/officeDocument/2006/relationships" xmlns:p="http://schemas.openxmlformats.org/presentationml/2006/main">
   <p:cSld>
     <p:spTree>
@@ -4770,15 +5890,691 @@
           <a:chExt cx="0" cy="0"/>
         </a:xfrm>
       </p:grpSpPr>
+      <p:sp>
+        <p:nvSpPr>
+          <p:cNvPr id="4" name="Rectangle 3"/>
+          <p:cNvSpPr/>
+          <p:nvPr/>
+        </p:nvSpPr>
+        <p:spPr>
+          <a:xfrm>
+            <a:off x="277368" y="290358"/>
+            <a:ext cx="11914632" cy="1323439"/>
+          </a:xfrm>
+          <a:prstGeom prst="rect">
+            <a:avLst/>
+          </a:prstGeom>
+        </p:spPr>
+        <p:txBody>
+          <a:bodyPr wrap="square">
+            <a:spAutoFit/>
+          </a:bodyPr>
+          <a:lstStyle/>
+          <a:p>
+            <a:endParaRPr lang="en-US" altLang="ko-KR" sz="1600" smtClean="0">
+              <a:solidFill>
+                <a:srgbClr val="C678DD"/>
+              </a:solidFill>
+              <a:latin typeface="Consolas" panose="020B0609020204030204" pitchFamily="49" charset="0"/>
+            </a:endParaRPr>
+          </a:p>
+          <a:p>
+            <a:r>
+              <a:rPr lang="en-US" altLang="ko-KR" sz="1600" b="1">
+                <a:solidFill>
+                  <a:srgbClr val="FF0000"/>
+                </a:solidFill>
+                <a:latin typeface="Consolas" panose="020B0609020204030204" pitchFamily="49" charset="0"/>
+              </a:rPr>
+              <a:t>(</a:t>
+            </a:r>
+            <a:r>
+              <a:rPr lang="ko-KR" altLang="en-US" sz="1600" b="1">
+                <a:solidFill>
+                  <a:srgbClr val="FF0000"/>
+                </a:solidFill>
+                <a:latin typeface="Consolas" panose="020B0609020204030204" pitchFamily="49" charset="0"/>
+              </a:rPr>
+              <a:t>슬라이드 </a:t>
+            </a:r>
+            <a:r>
+              <a:rPr lang="ko-KR" altLang="en-US" sz="1600" b="1" smtClean="0">
+                <a:solidFill>
+                  <a:srgbClr val="FF0000"/>
+                </a:solidFill>
+                <a:latin typeface="Consolas" panose="020B0609020204030204" pitchFamily="49" charset="0"/>
+              </a:rPr>
+              <a:t>이동용도</a:t>
+            </a:r>
+            <a:r>
+              <a:rPr lang="en-US" altLang="ko-KR" sz="1600" b="1" smtClean="0">
+                <a:solidFill>
+                  <a:srgbClr val="FF0000"/>
+                </a:solidFill>
+                <a:latin typeface="Consolas" panose="020B0609020204030204" pitchFamily="49" charset="0"/>
+              </a:rPr>
+              <a:t>)</a:t>
+            </a:r>
+            <a:endParaRPr lang="en-US" altLang="ko-KR" sz="1600">
+              <a:solidFill>
+                <a:srgbClr val="C678DD"/>
+              </a:solidFill>
+              <a:latin typeface="Consolas" panose="020B0609020204030204" pitchFamily="49" charset="0"/>
+            </a:endParaRPr>
+          </a:p>
+          <a:p>
+            <a:r>
+              <a:rPr lang="en-US" altLang="ko-KR" sz="1600" smtClean="0">
+                <a:solidFill>
+                  <a:srgbClr val="C678DD"/>
+                </a:solidFill>
+                <a:latin typeface="Consolas" panose="020B0609020204030204" pitchFamily="49" charset="0"/>
+              </a:rPr>
+              <a:t>var</a:t>
+            </a:r>
+            <a:r>
+              <a:rPr lang="en-US" altLang="ko-KR" sz="1600">
+                <a:solidFill>
+                  <a:srgbClr val="ABB2BF"/>
+                </a:solidFill>
+                <a:latin typeface="Consolas" panose="020B0609020204030204" pitchFamily="49" charset="0"/>
+              </a:rPr>
+              <a:t> </a:t>
+            </a:r>
+            <a:r>
+              <a:rPr lang="en-US" altLang="ko-KR" sz="1600">
+                <a:solidFill>
+                  <a:srgbClr val="E06C75"/>
+                </a:solidFill>
+                <a:latin typeface="Consolas" panose="020B0609020204030204" pitchFamily="49" charset="0"/>
+              </a:rPr>
+              <a:t>slideContainer</a:t>
+            </a:r>
+            <a:r>
+              <a:rPr lang="en-US" altLang="ko-KR" sz="1600">
+                <a:solidFill>
+                  <a:srgbClr val="ABB2BF"/>
+                </a:solidFill>
+                <a:latin typeface="Consolas" panose="020B0609020204030204" pitchFamily="49" charset="0"/>
+              </a:rPr>
+              <a:t> </a:t>
+            </a:r>
+            <a:r>
+              <a:rPr lang="en-US" altLang="ko-KR" sz="1600">
+                <a:solidFill>
+                  <a:srgbClr val="56B6C2"/>
+                </a:solidFill>
+                <a:latin typeface="Consolas" panose="020B0609020204030204" pitchFamily="49" charset="0"/>
+              </a:rPr>
+              <a:t>=</a:t>
+            </a:r>
+            <a:r>
+              <a:rPr lang="en-US" altLang="ko-KR" sz="1600">
+                <a:solidFill>
+                  <a:srgbClr val="ABB2BF"/>
+                </a:solidFill>
+                <a:latin typeface="Consolas" panose="020B0609020204030204" pitchFamily="49" charset="0"/>
+              </a:rPr>
+              <a:t> </a:t>
+            </a:r>
+            <a:r>
+              <a:rPr lang="en-US" altLang="ko-KR" sz="1600">
+                <a:solidFill>
+                  <a:srgbClr val="E06C75"/>
+                </a:solidFill>
+                <a:latin typeface="Consolas" panose="020B0609020204030204" pitchFamily="49" charset="0"/>
+              </a:rPr>
+              <a:t>document</a:t>
+            </a:r>
+            <a:r>
+              <a:rPr lang="en-US" altLang="ko-KR" sz="1600">
+                <a:solidFill>
+                  <a:srgbClr val="ABB2BF"/>
+                </a:solidFill>
+                <a:latin typeface="Consolas" panose="020B0609020204030204" pitchFamily="49" charset="0"/>
+              </a:rPr>
+              <a:t>.</a:t>
+            </a:r>
+            <a:r>
+              <a:rPr lang="en-US" altLang="ko-KR" sz="1600">
+                <a:solidFill>
+                  <a:srgbClr val="61AFEF"/>
+                </a:solidFill>
+                <a:latin typeface="Consolas" panose="020B0609020204030204" pitchFamily="49" charset="0"/>
+              </a:rPr>
+              <a:t>getElementsByClassName</a:t>
+            </a:r>
+            <a:r>
+              <a:rPr lang="en-US" altLang="ko-KR" sz="1600">
+                <a:solidFill>
+                  <a:srgbClr val="ABB2BF"/>
+                </a:solidFill>
+                <a:latin typeface="Consolas" panose="020B0609020204030204" pitchFamily="49" charset="0"/>
+              </a:rPr>
+              <a:t>(</a:t>
+            </a:r>
+            <a:r>
+              <a:rPr lang="en-US" altLang="ko-KR" sz="1600">
+                <a:solidFill>
+                  <a:srgbClr val="98C379"/>
+                </a:solidFill>
+                <a:latin typeface="Consolas" panose="020B0609020204030204" pitchFamily="49" charset="0"/>
+              </a:rPr>
+              <a:t>'slider-container'</a:t>
+            </a:r>
+            <a:r>
+              <a:rPr lang="en-US" altLang="ko-KR" sz="1600">
+                <a:solidFill>
+                  <a:srgbClr val="ABB2BF"/>
+                </a:solidFill>
+                <a:latin typeface="Consolas" panose="020B0609020204030204" pitchFamily="49" charset="0"/>
+              </a:rPr>
+              <a:t>);  </a:t>
+            </a:r>
+            <a:r>
+              <a:rPr lang="en-US" altLang="ko-KR" sz="1600" i="1">
+                <a:solidFill>
+                  <a:srgbClr val="7F848E"/>
+                </a:solidFill>
+                <a:latin typeface="Consolas" panose="020B0609020204030204" pitchFamily="49" charset="0"/>
+              </a:rPr>
+              <a:t>//</a:t>
+            </a:r>
+            <a:r>
+              <a:rPr lang="ko-KR" altLang="en-US" sz="1600" i="1">
+                <a:solidFill>
+                  <a:srgbClr val="7F848E"/>
+                </a:solidFill>
+                <a:latin typeface="Consolas" panose="020B0609020204030204" pitchFamily="49" charset="0"/>
+              </a:rPr>
+              <a:t>클래스명 </a:t>
+            </a:r>
+            <a:r>
+              <a:rPr lang="en-US" altLang="ko-KR" sz="1600" i="1" smtClean="0">
+                <a:solidFill>
+                  <a:srgbClr val="7F848E"/>
+                </a:solidFill>
+                <a:latin typeface="Consolas" panose="020B0609020204030204" pitchFamily="49" charset="0"/>
+              </a:rPr>
+              <a:t>slider-container</a:t>
+            </a:r>
+          </a:p>
+          <a:p>
+            <a:endParaRPr lang="en-US" altLang="ko-KR" sz="1600" b="0" i="1">
+              <a:solidFill>
+                <a:srgbClr val="7F848E"/>
+              </a:solidFill>
+              <a:effectLst/>
+              <a:latin typeface="Consolas" panose="020B0609020204030204" pitchFamily="49" charset="0"/>
+            </a:endParaRPr>
+          </a:p>
+          <a:p>
+            <a:endParaRPr lang="en-US" altLang="ko-KR" sz="1600" b="0">
+              <a:solidFill>
+                <a:srgbClr val="ABB2BF"/>
+              </a:solidFill>
+              <a:effectLst/>
+              <a:latin typeface="Consolas" panose="020B0609020204030204" pitchFamily="49" charset="0"/>
+            </a:endParaRPr>
+          </a:p>
+        </p:txBody>
+      </p:sp>
+      <p:sp>
+        <p:nvSpPr>
+          <p:cNvPr id="2" name="TextBox 1"/>
+          <p:cNvSpPr txBox="1"/>
+          <p:nvPr/>
+        </p:nvSpPr>
+        <p:spPr>
+          <a:xfrm>
+            <a:off x="277368" y="1138309"/>
+            <a:ext cx="8787384" cy="1754326"/>
+          </a:xfrm>
+          <a:prstGeom prst="rect">
+            <a:avLst/>
+          </a:prstGeom>
+          <a:noFill/>
+        </p:spPr>
+        <p:txBody>
+          <a:bodyPr wrap="square" rtlCol="0">
+            <a:spAutoFit/>
+          </a:bodyPr>
+          <a:lstStyle/>
+          <a:p>
+            <a:endParaRPr lang="en-US" altLang="ko-KR" i="1">
+              <a:solidFill>
+                <a:srgbClr val="7F848E"/>
+              </a:solidFill>
+              <a:latin typeface="Consolas" panose="020B0609020204030204" pitchFamily="49" charset="0"/>
+            </a:endParaRPr>
+          </a:p>
+          <a:p>
+            <a:r>
+              <a:rPr lang="en-US" altLang="ko-KR" b="1">
+                <a:solidFill>
+                  <a:srgbClr val="FF0000"/>
+                </a:solidFill>
+                <a:latin typeface="Consolas" panose="020B0609020204030204" pitchFamily="49" charset="0"/>
+              </a:rPr>
+              <a:t>(</a:t>
+            </a:r>
+            <a:r>
+              <a:rPr lang="ko-KR" altLang="en-US" b="1">
+                <a:solidFill>
+                  <a:srgbClr val="FF0000"/>
+                </a:solidFill>
+                <a:latin typeface="Consolas" panose="020B0609020204030204" pitchFamily="49" charset="0"/>
+              </a:rPr>
+              <a:t>버튼용</a:t>
+            </a:r>
+            <a:r>
+              <a:rPr lang="en-US" altLang="ko-KR" b="1">
+                <a:solidFill>
+                  <a:srgbClr val="FF0000"/>
+                </a:solidFill>
+                <a:latin typeface="Consolas" panose="020B0609020204030204" pitchFamily="49" charset="0"/>
+              </a:rPr>
+              <a:t>)</a:t>
+            </a:r>
+            <a:endParaRPr lang="en-US" altLang="ko-KR">
+              <a:solidFill>
+                <a:srgbClr val="ABB2BF"/>
+              </a:solidFill>
+              <a:latin typeface="Consolas" panose="020B0609020204030204" pitchFamily="49" charset="0"/>
+            </a:endParaRPr>
+          </a:p>
+          <a:p>
+            <a:r>
+              <a:rPr lang="en-US" altLang="ko-KR">
+                <a:solidFill>
+                  <a:srgbClr val="C678DD"/>
+                </a:solidFill>
+                <a:latin typeface="Consolas" panose="020B0609020204030204" pitchFamily="49" charset="0"/>
+              </a:rPr>
+              <a:t>var</a:t>
+            </a:r>
+            <a:r>
+              <a:rPr lang="en-US" altLang="ko-KR">
+                <a:solidFill>
+                  <a:srgbClr val="ABB2BF"/>
+                </a:solidFill>
+                <a:latin typeface="Consolas" panose="020B0609020204030204" pitchFamily="49" charset="0"/>
+              </a:rPr>
+              <a:t> </a:t>
+            </a:r>
+            <a:r>
+              <a:rPr lang="en-US" altLang="ko-KR">
+                <a:solidFill>
+                  <a:srgbClr val="E06C75"/>
+                </a:solidFill>
+                <a:latin typeface="Consolas" panose="020B0609020204030204" pitchFamily="49" charset="0"/>
+              </a:rPr>
+              <a:t>currentIndex</a:t>
+            </a:r>
+            <a:r>
+              <a:rPr lang="en-US" altLang="ko-KR">
+                <a:solidFill>
+                  <a:srgbClr val="ABB2BF"/>
+                </a:solidFill>
+                <a:latin typeface="Consolas" panose="020B0609020204030204" pitchFamily="49" charset="0"/>
+              </a:rPr>
+              <a:t> </a:t>
+            </a:r>
+            <a:r>
+              <a:rPr lang="en-US" altLang="ko-KR">
+                <a:solidFill>
+                  <a:srgbClr val="56B6C2"/>
+                </a:solidFill>
+                <a:latin typeface="Consolas" panose="020B0609020204030204" pitchFamily="49" charset="0"/>
+              </a:rPr>
+              <a:t>=</a:t>
+            </a:r>
+            <a:r>
+              <a:rPr lang="en-US" altLang="ko-KR">
+                <a:solidFill>
+                  <a:srgbClr val="ABB2BF"/>
+                </a:solidFill>
+                <a:latin typeface="Consolas" panose="020B0609020204030204" pitchFamily="49" charset="0"/>
+              </a:rPr>
+              <a:t> </a:t>
+            </a:r>
+            <a:r>
+              <a:rPr lang="en-US" altLang="ko-KR">
+                <a:solidFill>
+                  <a:srgbClr val="D19A66"/>
+                </a:solidFill>
+                <a:latin typeface="Consolas" panose="020B0609020204030204" pitchFamily="49" charset="0"/>
+              </a:rPr>
+              <a:t>0</a:t>
+            </a:r>
+            <a:r>
+              <a:rPr lang="en-US" altLang="ko-KR">
+                <a:solidFill>
+                  <a:srgbClr val="ABB2BF"/>
+                </a:solidFill>
+                <a:latin typeface="Consolas" panose="020B0609020204030204" pitchFamily="49" charset="0"/>
+              </a:rPr>
+              <a:t>; </a:t>
+            </a:r>
+            <a:r>
+              <a:rPr lang="en-US" altLang="ko-KR" i="1">
+                <a:solidFill>
+                  <a:srgbClr val="7F848E"/>
+                </a:solidFill>
+                <a:latin typeface="Consolas" panose="020B0609020204030204" pitchFamily="49" charset="0"/>
+              </a:rPr>
+              <a:t>//</a:t>
+            </a:r>
+            <a:r>
+              <a:rPr lang="ko-KR" altLang="en-US" i="1">
+                <a:solidFill>
+                  <a:srgbClr val="7F848E"/>
+                </a:solidFill>
+                <a:latin typeface="Consolas" panose="020B0609020204030204" pitchFamily="49" charset="0"/>
+              </a:rPr>
+              <a:t>첫번째랑 마지막 체크용</a:t>
+            </a:r>
+            <a:endParaRPr lang="ko-KR" altLang="en-US">
+              <a:solidFill>
+                <a:srgbClr val="ABB2BF"/>
+              </a:solidFill>
+              <a:latin typeface="Consolas" panose="020B0609020204030204" pitchFamily="49" charset="0"/>
+            </a:endParaRPr>
+          </a:p>
+          <a:p>
+            <a:r>
+              <a:rPr lang="en-US" altLang="ko-KR">
+                <a:solidFill>
+                  <a:srgbClr val="C678DD"/>
+                </a:solidFill>
+                <a:latin typeface="Consolas" panose="020B0609020204030204" pitchFamily="49" charset="0"/>
+              </a:rPr>
+              <a:t>var</a:t>
+            </a:r>
+            <a:r>
+              <a:rPr lang="en-US" altLang="ko-KR">
+                <a:solidFill>
+                  <a:srgbClr val="ABB2BF"/>
+                </a:solidFill>
+                <a:latin typeface="Consolas" panose="020B0609020204030204" pitchFamily="49" charset="0"/>
+              </a:rPr>
+              <a:t> </a:t>
+            </a:r>
+            <a:r>
+              <a:rPr lang="en-US" altLang="ko-KR">
+                <a:solidFill>
+                  <a:srgbClr val="E06C75"/>
+                </a:solidFill>
+                <a:latin typeface="Consolas" panose="020B0609020204030204" pitchFamily="49" charset="0"/>
+              </a:rPr>
+              <a:t>navPrev</a:t>
+            </a:r>
+            <a:r>
+              <a:rPr lang="en-US" altLang="ko-KR">
+                <a:solidFill>
+                  <a:srgbClr val="ABB2BF"/>
+                </a:solidFill>
+                <a:latin typeface="Consolas" panose="020B0609020204030204" pitchFamily="49" charset="0"/>
+              </a:rPr>
+              <a:t> </a:t>
+            </a:r>
+            <a:r>
+              <a:rPr lang="en-US" altLang="ko-KR">
+                <a:solidFill>
+                  <a:srgbClr val="56B6C2"/>
+                </a:solidFill>
+                <a:latin typeface="Consolas" panose="020B0609020204030204" pitchFamily="49" charset="0"/>
+              </a:rPr>
+              <a:t>=</a:t>
+            </a:r>
+            <a:r>
+              <a:rPr lang="en-US" altLang="ko-KR">
+                <a:solidFill>
+                  <a:srgbClr val="ABB2BF"/>
+                </a:solidFill>
+                <a:latin typeface="Consolas" panose="020B0609020204030204" pitchFamily="49" charset="0"/>
+              </a:rPr>
+              <a:t> </a:t>
+            </a:r>
+            <a:r>
+              <a:rPr lang="en-US" altLang="ko-KR">
+                <a:solidFill>
+                  <a:srgbClr val="E06C75"/>
+                </a:solidFill>
+                <a:latin typeface="Consolas" panose="020B0609020204030204" pitchFamily="49" charset="0"/>
+              </a:rPr>
+              <a:t>document</a:t>
+            </a:r>
+            <a:r>
+              <a:rPr lang="en-US" altLang="ko-KR">
+                <a:solidFill>
+                  <a:srgbClr val="ABB2BF"/>
+                </a:solidFill>
+                <a:latin typeface="Consolas" panose="020B0609020204030204" pitchFamily="49" charset="0"/>
+              </a:rPr>
+              <a:t>.</a:t>
+            </a:r>
+            <a:r>
+              <a:rPr lang="en-US" altLang="ko-KR">
+                <a:solidFill>
+                  <a:srgbClr val="61AFEF"/>
+                </a:solidFill>
+                <a:latin typeface="Consolas" panose="020B0609020204030204" pitchFamily="49" charset="0"/>
+              </a:rPr>
+              <a:t>getElementById</a:t>
+            </a:r>
+            <a:r>
+              <a:rPr lang="en-US" altLang="ko-KR">
+                <a:solidFill>
+                  <a:srgbClr val="ABB2BF"/>
+                </a:solidFill>
+                <a:latin typeface="Consolas" panose="020B0609020204030204" pitchFamily="49" charset="0"/>
+              </a:rPr>
+              <a:t>(</a:t>
+            </a:r>
+            <a:r>
+              <a:rPr lang="en-US" altLang="ko-KR">
+                <a:solidFill>
+                  <a:srgbClr val="98C379"/>
+                </a:solidFill>
+                <a:latin typeface="Consolas" panose="020B0609020204030204" pitchFamily="49" charset="0"/>
+              </a:rPr>
+              <a:t>'prev'</a:t>
+            </a:r>
+            <a:r>
+              <a:rPr lang="en-US" altLang="ko-KR">
+                <a:solidFill>
+                  <a:srgbClr val="ABB2BF"/>
+                </a:solidFill>
+                <a:latin typeface="Consolas" panose="020B0609020204030204" pitchFamily="49" charset="0"/>
+              </a:rPr>
+              <a:t>); </a:t>
+            </a:r>
+            <a:r>
+              <a:rPr lang="en-US" altLang="ko-KR" i="1">
+                <a:solidFill>
+                  <a:srgbClr val="7F848E"/>
+                </a:solidFill>
+                <a:latin typeface="Consolas" panose="020B0609020204030204" pitchFamily="49" charset="0"/>
+              </a:rPr>
+              <a:t>// </a:t>
+            </a:r>
+            <a:r>
+              <a:rPr lang="ko-KR" altLang="en-US" i="1">
+                <a:solidFill>
+                  <a:srgbClr val="7F848E"/>
+                </a:solidFill>
+                <a:latin typeface="Consolas" panose="020B0609020204030204" pitchFamily="49" charset="0"/>
+              </a:rPr>
+              <a:t>아이디 </a:t>
+            </a:r>
+            <a:r>
+              <a:rPr lang="en-US" altLang="ko-KR" i="1">
+                <a:solidFill>
+                  <a:srgbClr val="7F848E"/>
+                </a:solidFill>
+                <a:latin typeface="Consolas" panose="020B0609020204030204" pitchFamily="49" charset="0"/>
+              </a:rPr>
+              <a:t>prev</a:t>
+            </a:r>
+            <a:endParaRPr lang="en-US" altLang="ko-KR">
+              <a:solidFill>
+                <a:srgbClr val="ABB2BF"/>
+              </a:solidFill>
+              <a:latin typeface="Consolas" panose="020B0609020204030204" pitchFamily="49" charset="0"/>
+            </a:endParaRPr>
+          </a:p>
+          <a:p>
+            <a:r>
+              <a:rPr lang="en-US" altLang="ko-KR">
+                <a:solidFill>
+                  <a:srgbClr val="C678DD"/>
+                </a:solidFill>
+                <a:latin typeface="Consolas" panose="020B0609020204030204" pitchFamily="49" charset="0"/>
+              </a:rPr>
+              <a:t>var</a:t>
+            </a:r>
+            <a:r>
+              <a:rPr lang="en-US" altLang="ko-KR">
+                <a:solidFill>
+                  <a:srgbClr val="ABB2BF"/>
+                </a:solidFill>
+                <a:latin typeface="Consolas" panose="020B0609020204030204" pitchFamily="49" charset="0"/>
+              </a:rPr>
+              <a:t> </a:t>
+            </a:r>
+            <a:r>
+              <a:rPr lang="en-US" altLang="ko-KR">
+                <a:solidFill>
+                  <a:srgbClr val="E06C75"/>
+                </a:solidFill>
+                <a:latin typeface="Consolas" panose="020B0609020204030204" pitchFamily="49" charset="0"/>
+              </a:rPr>
+              <a:t>navNext</a:t>
+            </a:r>
+            <a:r>
+              <a:rPr lang="en-US" altLang="ko-KR">
+                <a:solidFill>
+                  <a:srgbClr val="ABB2BF"/>
+                </a:solidFill>
+                <a:latin typeface="Consolas" panose="020B0609020204030204" pitchFamily="49" charset="0"/>
+              </a:rPr>
+              <a:t> </a:t>
+            </a:r>
+            <a:r>
+              <a:rPr lang="en-US" altLang="ko-KR">
+                <a:solidFill>
+                  <a:srgbClr val="56B6C2"/>
+                </a:solidFill>
+                <a:latin typeface="Consolas" panose="020B0609020204030204" pitchFamily="49" charset="0"/>
+              </a:rPr>
+              <a:t>=</a:t>
+            </a:r>
+            <a:r>
+              <a:rPr lang="en-US" altLang="ko-KR">
+                <a:solidFill>
+                  <a:srgbClr val="ABB2BF"/>
+                </a:solidFill>
+                <a:latin typeface="Consolas" panose="020B0609020204030204" pitchFamily="49" charset="0"/>
+              </a:rPr>
+              <a:t> </a:t>
+            </a:r>
+            <a:r>
+              <a:rPr lang="en-US" altLang="ko-KR">
+                <a:solidFill>
+                  <a:srgbClr val="E06C75"/>
+                </a:solidFill>
+                <a:latin typeface="Consolas" panose="020B0609020204030204" pitchFamily="49" charset="0"/>
+              </a:rPr>
+              <a:t>document</a:t>
+            </a:r>
+            <a:r>
+              <a:rPr lang="en-US" altLang="ko-KR">
+                <a:solidFill>
+                  <a:srgbClr val="ABB2BF"/>
+                </a:solidFill>
+                <a:latin typeface="Consolas" panose="020B0609020204030204" pitchFamily="49" charset="0"/>
+              </a:rPr>
+              <a:t>.</a:t>
+            </a:r>
+            <a:r>
+              <a:rPr lang="en-US" altLang="ko-KR">
+                <a:solidFill>
+                  <a:srgbClr val="61AFEF"/>
+                </a:solidFill>
+                <a:latin typeface="Consolas" panose="020B0609020204030204" pitchFamily="49" charset="0"/>
+              </a:rPr>
+              <a:t>getElementById</a:t>
+            </a:r>
+            <a:r>
+              <a:rPr lang="en-US" altLang="ko-KR">
+                <a:solidFill>
+                  <a:srgbClr val="ABB2BF"/>
+                </a:solidFill>
+                <a:latin typeface="Consolas" panose="020B0609020204030204" pitchFamily="49" charset="0"/>
+              </a:rPr>
+              <a:t>(</a:t>
+            </a:r>
+            <a:r>
+              <a:rPr lang="en-US" altLang="ko-KR">
+                <a:solidFill>
+                  <a:srgbClr val="98C379"/>
+                </a:solidFill>
+                <a:latin typeface="Consolas" panose="020B0609020204030204" pitchFamily="49" charset="0"/>
+              </a:rPr>
+              <a:t>'next'</a:t>
+            </a:r>
+            <a:r>
+              <a:rPr lang="en-US" altLang="ko-KR">
+                <a:solidFill>
+                  <a:srgbClr val="ABB2BF"/>
+                </a:solidFill>
+                <a:latin typeface="Consolas" panose="020B0609020204030204" pitchFamily="49" charset="0"/>
+              </a:rPr>
+              <a:t>); </a:t>
+            </a:r>
+            <a:r>
+              <a:rPr lang="en-US" altLang="ko-KR" i="1">
+                <a:solidFill>
+                  <a:srgbClr val="7F848E"/>
+                </a:solidFill>
+                <a:latin typeface="Consolas" panose="020B0609020204030204" pitchFamily="49" charset="0"/>
+              </a:rPr>
+              <a:t>// </a:t>
+            </a:r>
+            <a:r>
+              <a:rPr lang="ko-KR" altLang="en-US" i="1">
+                <a:solidFill>
+                  <a:srgbClr val="7F848E"/>
+                </a:solidFill>
+                <a:latin typeface="Consolas" panose="020B0609020204030204" pitchFamily="49" charset="0"/>
+              </a:rPr>
+              <a:t>아이디 </a:t>
+            </a:r>
+            <a:r>
+              <a:rPr lang="en-US" altLang="ko-KR" i="1">
+                <a:solidFill>
+                  <a:srgbClr val="7F848E"/>
+                </a:solidFill>
+                <a:latin typeface="Consolas" panose="020B0609020204030204" pitchFamily="49" charset="0"/>
+              </a:rPr>
+              <a:t>next</a:t>
+            </a:r>
+          </a:p>
+          <a:p>
+            <a:endParaRPr lang="ko-KR" altLang="en-US"/>
+          </a:p>
+        </p:txBody>
+      </p:sp>
       <p:grpSp>
         <p:nvGrpSpPr>
-          <p:cNvPr id="11" name="Group 10"/>
+          <p:cNvPr id="5" name="Group 4"/>
           <p:cNvGrpSpPr/>
           <p:nvPr/>
         </p:nvGrpSpPr>
         <p:grpSpPr>
           <a:xfrm>
-            <a:off x="823912" y="1896470"/>
+            <a:off x="277368" y="3149883"/>
             <a:ext cx="9341019" cy="590703"/>
             <a:chOff x="823912" y="2829158"/>
             <a:chExt cx="9341019" cy="590703"/>
@@ -4786,7 +6582,7 @@
         </p:grpSpPr>
         <p:sp>
           <p:nvSpPr>
-            <p:cNvPr id="7" name="Rectangle 6"/>
+            <p:cNvPr id="6" name="Rectangle 5"/>
             <p:cNvSpPr/>
             <p:nvPr/>
           </p:nvSpPr>
@@ -4825,7 +6621,7 @@
         </p:sp>
         <p:sp>
           <p:nvSpPr>
-            <p:cNvPr id="8" name="Rectangle 7"/>
+            <p:cNvPr id="7" name="Rectangle 6"/>
             <p:cNvSpPr/>
             <p:nvPr/>
           </p:nvSpPr>
@@ -4882,7 +6678,7 @@
         </p:sp>
         <p:sp>
           <p:nvSpPr>
-            <p:cNvPr id="9" name="Rectangle 8"/>
+            <p:cNvPr id="8" name="Rectangle 7"/>
             <p:cNvSpPr/>
             <p:nvPr/>
           </p:nvSpPr>
@@ -5039,13 +6835,13 @@
       </p:grpSp>
       <p:sp>
         <p:nvSpPr>
-          <p:cNvPr id="10" name="Rectangle 9"/>
+          <p:cNvPr id="9" name="Rectangle 8"/>
           <p:cNvSpPr/>
           <p:nvPr/>
         </p:nvSpPr>
         <p:spPr>
           <a:xfrm>
-            <a:off x="823912" y="3291557"/>
+            <a:off x="277368" y="4178525"/>
             <a:ext cx="2590774" cy="369332"/>
           </a:xfrm>
           <a:prstGeom prst="rect">
@@ -5094,24 +6890,18 @@
               </a:rPr>
               <a:t>();</a:t>
             </a:r>
-            <a:endParaRPr lang="en-US" altLang="ko-KR">
-              <a:solidFill>
-                <a:srgbClr val="ABB2BF"/>
-              </a:solidFill>
-              <a:latin typeface="Consolas" panose="020B0609020204030204" pitchFamily="49" charset="0"/>
-            </a:endParaRPr>
           </a:p>
         </p:txBody>
       </p:sp>
       <p:sp>
         <p:nvSpPr>
-          <p:cNvPr id="12" name="Rectangle 11"/>
+          <p:cNvPr id="10" name="Rectangle 9"/>
           <p:cNvSpPr/>
           <p:nvPr/>
         </p:nvSpPr>
         <p:spPr>
           <a:xfrm>
-            <a:off x="3503484" y="3291557"/>
+            <a:off x="2956940" y="4178525"/>
             <a:ext cx="3565400" cy="369332"/>
           </a:xfrm>
           <a:prstGeom prst="rect">
@@ -5145,13 +6935,20 @@
     </p:spTree>
     <p:extLst>
       <p:ext uri="{BB962C8B-B14F-4D97-AF65-F5344CB8AC3E}">
-        <p14:creationId xmlns:p14="http://schemas.microsoft.com/office/powerpoint/2010/main" val="3173204020"/>
+        <p14:creationId xmlns:p14="http://schemas.microsoft.com/office/powerpoint/2010/main" val="1511566443"/>
       </p:ext>
     </p:extLst>
   </p:cSld>
   <p:clrMapOvr>
     <a:masterClrMapping/>
   </p:clrMapOvr>
+  <p:timing>
+    <p:tnLst>
+      <p:par>
+        <p:cTn id="1" dur="indefinite" restart="never" nodeType="tmRoot"/>
+      </p:par>
+    </p:tnLst>
+  </p:timing>
 </p:sld>
 </file>
 
@@ -6125,10 +7922,115 @@
   <p:clrMapOvr>
     <a:masterClrMapping/>
   </p:clrMapOvr>
+  <p:timing>
+    <p:tnLst>
+      <p:par>
+        <p:cTn id="1" dur="indefinite" restart="never" nodeType="tmRoot"/>
+      </p:par>
+    </p:tnLst>
+  </p:timing>
 </p:sld>
 </file>
 
 <file path=ppt/slides/slide4.xml><?xml version="1.0" encoding="utf-8"?>
+<p:sld xmlns:a="http://schemas.openxmlformats.org/drawingml/2006/main" xmlns:r="http://schemas.openxmlformats.org/officeDocument/2006/relationships" xmlns:p="http://schemas.openxmlformats.org/presentationml/2006/main">
+  <p:cSld>
+    <p:spTree>
+      <p:nvGrpSpPr>
+        <p:cNvPr id="1" name=""/>
+        <p:cNvGrpSpPr/>
+        <p:nvPr/>
+      </p:nvGrpSpPr>
+      <p:grpSpPr>
+        <a:xfrm>
+          <a:off x="0" y="0"/>
+          <a:ext cx="0" cy="0"/>
+          <a:chOff x="0" y="0"/>
+          <a:chExt cx="0" cy="0"/>
+        </a:xfrm>
+      </p:grpSpPr>
+      <p:sp>
+        <p:nvSpPr>
+          <p:cNvPr id="2" name="Title 1"/>
+          <p:cNvSpPr>
+            <a:spLocks noGrp="1"/>
+          </p:cNvSpPr>
+          <p:nvPr>
+            <p:ph type="ctrTitle"/>
+          </p:nvPr>
+        </p:nvSpPr>
+        <p:spPr/>
+        <p:txBody>
+          <a:bodyPr/>
+          <a:lstStyle/>
+          <a:p>
+            <a:r>
+              <a:rPr lang="ko-KR" altLang="en-US" smtClean="0"/>
+              <a:t>버튼 사라지게 하기</a:t>
+            </a:r>
+            <a:endParaRPr lang="ko-KR" altLang="en-US"/>
+          </a:p>
+        </p:txBody>
+      </p:sp>
+      <p:sp>
+        <p:nvSpPr>
+          <p:cNvPr id="3" name="Subtitle 2"/>
+          <p:cNvSpPr>
+            <a:spLocks noGrp="1"/>
+          </p:cNvSpPr>
+          <p:nvPr>
+            <p:ph type="subTitle" idx="1"/>
+          </p:nvPr>
+        </p:nvSpPr>
+        <p:spPr/>
+        <p:txBody>
+          <a:bodyPr/>
+          <a:lstStyle/>
+          <a:p>
+            <a:r>
+              <a:rPr lang="ko-KR" altLang="en-US" smtClean="0"/>
+              <a:t>처음슬라이드에서는 뒤로가기 버튼이 사라지고</a:t>
+            </a:r>
+            <a:endParaRPr lang="en-US" altLang="ko-KR" smtClean="0"/>
+          </a:p>
+          <a:p>
+            <a:r>
+              <a:rPr lang="ko-KR" altLang="en-US" smtClean="0"/>
+              <a:t>마지막슬라이드에서는 앞으로가기 버튼이 사라지게</a:t>
+            </a:r>
+            <a:endParaRPr lang="en-US" altLang="ko-KR" smtClean="0"/>
+          </a:p>
+          <a:p>
+            <a:r>
+              <a:rPr lang="en-US" altLang="ko-KR" smtClean="0"/>
+              <a:t>(if</a:t>
+            </a:r>
+            <a:r>
+              <a:rPr lang="ko-KR" altLang="en-US" smtClean="0"/>
+              <a:t>문 사용</a:t>
+            </a:r>
+            <a:r>
+              <a:rPr lang="en-US" altLang="ko-KR" smtClean="0"/>
+              <a:t>)</a:t>
+            </a:r>
+            <a:endParaRPr lang="ko-KR" altLang="en-US"/>
+          </a:p>
+        </p:txBody>
+      </p:sp>
+    </p:spTree>
+    <p:extLst>
+      <p:ext uri="{BB962C8B-B14F-4D97-AF65-F5344CB8AC3E}">
+        <p14:creationId xmlns:p14="http://schemas.microsoft.com/office/powerpoint/2010/main" val="3747744252"/>
+      </p:ext>
+    </p:extLst>
+  </p:cSld>
+  <p:clrMapOvr>
+    <a:masterClrMapping/>
+  </p:clrMapOvr>
+</p:sld>
+</file>
+
+<file path=ppt/slides/slide5.xml><?xml version="1.0" encoding="utf-8"?>
 <p:sld xmlns:a="http://schemas.openxmlformats.org/drawingml/2006/main" xmlns:r="http://schemas.openxmlformats.org/officeDocument/2006/relationships" xmlns:p="http://schemas.openxmlformats.org/presentationml/2006/main">
   <p:cSld>
     <p:spTree>
@@ -6212,7 +8114,7 @@
 </p:sld>
 </file>
 
-<file path=ppt/slides/slide5.xml><?xml version="1.0" encoding="utf-8"?>
+<file path=ppt/slides/slide6.xml><?xml version="1.0" encoding="utf-8"?>
 <p:sld xmlns:a="http://schemas.openxmlformats.org/drawingml/2006/main" xmlns:r="http://schemas.openxmlformats.org/officeDocument/2006/relationships" xmlns:p="http://schemas.openxmlformats.org/presentationml/2006/main">
   <p:cSld>
     <p:spTree>
@@ -6951,164 +8853,6 @@
 </p:sld>
 </file>
 
-<file path=ppt/slides/slide6.xml><?xml version="1.0" encoding="utf-8"?>
-<p:sld xmlns:a="http://schemas.openxmlformats.org/drawingml/2006/main" xmlns:r="http://schemas.openxmlformats.org/officeDocument/2006/relationships" xmlns:p="http://schemas.openxmlformats.org/presentationml/2006/main">
-  <p:cSld>
-    <p:spTree>
-      <p:nvGrpSpPr>
-        <p:cNvPr id="1" name=""/>
-        <p:cNvGrpSpPr/>
-        <p:nvPr/>
-      </p:nvGrpSpPr>
-      <p:grpSpPr>
-        <a:xfrm>
-          <a:off x="0" y="0"/>
-          <a:ext cx="0" cy="0"/>
-          <a:chOff x="0" y="0"/>
-          <a:chExt cx="0" cy="0"/>
-        </a:xfrm>
-      </p:grpSpPr>
-      <p:sp>
-        <p:nvSpPr>
-          <p:cNvPr id="4" name="Rectangle 3"/>
-          <p:cNvSpPr/>
-          <p:nvPr/>
-        </p:nvSpPr>
-        <p:spPr>
-          <a:xfrm>
-            <a:off x="3048000" y="2967335"/>
-            <a:ext cx="6096000" cy="923330"/>
-          </a:xfrm>
-          <a:prstGeom prst="rect">
-            <a:avLst/>
-          </a:prstGeom>
-        </p:spPr>
-        <p:txBody>
-          <a:bodyPr>
-            <a:spAutoFit/>
-          </a:bodyPr>
-          <a:lstStyle/>
-          <a:p>
-            <a:r>
-              <a:rPr lang="en-US" altLang="ko-KR" i="1">
-                <a:solidFill>
-                  <a:srgbClr val="7F848E"/>
-                </a:solidFill>
-                <a:latin typeface="Consolas" panose="020B0609020204030204" pitchFamily="49" charset="0"/>
-              </a:rPr>
-              <a:t>// (</a:t>
-            </a:r>
-            <a:r>
-              <a:rPr lang="ko-KR" altLang="en-US" i="1">
-                <a:solidFill>
-                  <a:srgbClr val="7F848E"/>
-                </a:solidFill>
-                <a:latin typeface="Consolas" panose="020B0609020204030204" pitchFamily="49" charset="0"/>
-              </a:rPr>
-              <a:t>추가</a:t>
-            </a:r>
-            <a:r>
-              <a:rPr lang="en-US" altLang="ko-KR" i="1">
-                <a:solidFill>
-                  <a:srgbClr val="7F848E"/>
-                </a:solidFill>
-                <a:latin typeface="Consolas" panose="020B0609020204030204" pitchFamily="49" charset="0"/>
-              </a:rPr>
-              <a:t>) </a:t>
-            </a:r>
-            <a:r>
-              <a:rPr lang="ko-KR" altLang="en-US" i="1">
-                <a:solidFill>
-                  <a:srgbClr val="7F848E"/>
-                </a:solidFill>
-                <a:latin typeface="Consolas" panose="020B0609020204030204" pitchFamily="49" charset="0"/>
-              </a:rPr>
-              <a:t>첫번째 슬라이드 먼저 보이도록 하기</a:t>
-            </a:r>
-            <a:endParaRPr lang="ko-KR" altLang="en-US">
-              <a:solidFill>
-                <a:srgbClr val="ABB2BF"/>
-              </a:solidFill>
-              <a:latin typeface="Consolas" panose="020B0609020204030204" pitchFamily="49" charset="0"/>
-            </a:endParaRPr>
-          </a:p>
-          <a:p>
-            <a:r>
-              <a:rPr lang="ko-KR" altLang="en-US">
-                <a:solidFill>
-                  <a:srgbClr val="ABB2BF"/>
-                </a:solidFill>
-                <a:latin typeface="Consolas" panose="020B0609020204030204" pitchFamily="49" charset="0"/>
-              </a:rPr>
-              <a:t/>
-            </a:r>
-            <a:br>
-              <a:rPr lang="ko-KR" altLang="en-US">
-                <a:solidFill>
-                  <a:srgbClr val="ABB2BF"/>
-                </a:solidFill>
-                <a:latin typeface="Consolas" panose="020B0609020204030204" pitchFamily="49" charset="0"/>
-              </a:rPr>
-            </a:br>
-            <a:r>
-              <a:rPr lang="en-US" altLang="ko-KR">
-                <a:solidFill>
-                  <a:srgbClr val="61AFEF"/>
-                </a:solidFill>
-                <a:latin typeface="Consolas" panose="020B0609020204030204" pitchFamily="49" charset="0"/>
-              </a:rPr>
-              <a:t>goToSlide</a:t>
-            </a:r>
-            <a:r>
-              <a:rPr lang="en-US" altLang="ko-KR">
-                <a:solidFill>
-                  <a:srgbClr val="ABB2BF"/>
-                </a:solidFill>
-                <a:latin typeface="Consolas" panose="020B0609020204030204" pitchFamily="49" charset="0"/>
-              </a:rPr>
-              <a:t>(</a:t>
-            </a:r>
-            <a:r>
-              <a:rPr lang="en-US" altLang="ko-KR">
-                <a:solidFill>
-                  <a:srgbClr val="D19A66"/>
-                </a:solidFill>
-                <a:latin typeface="Consolas" panose="020B0609020204030204" pitchFamily="49" charset="0"/>
-              </a:rPr>
-              <a:t>0</a:t>
-            </a:r>
-            <a:r>
-              <a:rPr lang="en-US" altLang="ko-KR">
-                <a:solidFill>
-                  <a:srgbClr val="ABB2BF"/>
-                </a:solidFill>
-                <a:latin typeface="Consolas" panose="020B0609020204030204" pitchFamily="49" charset="0"/>
-              </a:rPr>
-              <a:t>);</a:t>
-            </a:r>
-            <a:endParaRPr lang="en-US" altLang="ko-KR" b="0">
-              <a:solidFill>
-                <a:srgbClr val="ABB2BF"/>
-              </a:solidFill>
-              <a:effectLst/>
-              <a:latin typeface="Consolas" panose="020B0609020204030204" pitchFamily="49" charset="0"/>
-            </a:endParaRPr>
-          </a:p>
-        </p:txBody>
-      </p:sp>
-    </p:spTree>
-    <p:extLst>
-      <p:ext uri="{BB962C8B-B14F-4D97-AF65-F5344CB8AC3E}">
-        <p14:creationId xmlns:p14="http://schemas.microsoft.com/office/powerpoint/2010/main" val="553946556"/>
-      </p:ext>
-    </p:extLst>
-  </p:cSld>
-  <p:clrMapOvr>
-    <a:masterClrMapping/>
-  </p:clrMapOvr>
-</p:sld>
-</file>
-
 <file path=ppt/slides/slide7.xml><?xml version="1.0" encoding="utf-8"?>
 <p:sld xmlns:a="http://schemas.openxmlformats.org/drawingml/2006/main" xmlns:r="http://schemas.openxmlformats.org/officeDocument/2006/relationships" xmlns:p="http://schemas.openxmlformats.org/presentationml/2006/main">
   <p:cSld>
@@ -7128,648 +8872,93 @@
       </p:grpSpPr>
       <p:sp>
         <p:nvSpPr>
-          <p:cNvPr id="4" name="Rectangle 3"/>
-          <p:cNvSpPr/>
-          <p:nvPr/>
+          <p:cNvPr id="2" name="Title 1"/>
+          <p:cNvSpPr>
+            <a:spLocks noGrp="1"/>
+          </p:cNvSpPr>
+          <p:nvPr>
+            <p:ph type="ctrTitle"/>
+          </p:nvPr>
         </p:nvSpPr>
-        <p:spPr>
-          <a:xfrm>
-            <a:off x="1539240" y="3420517"/>
-            <a:ext cx="6297168" cy="2215991"/>
-          </a:xfrm>
-          <a:prstGeom prst="rect">
-            <a:avLst/>
-          </a:prstGeom>
-        </p:spPr>
+        <p:spPr/>
         <p:txBody>
-          <a:bodyPr wrap="square">
-            <a:spAutoFit/>
-          </a:bodyPr>
+          <a:bodyPr/>
           <a:lstStyle/>
           <a:p>
             <a:r>
-              <a:rPr lang="en-US" altLang="ko-KR" i="1">
-                <a:solidFill>
-                  <a:srgbClr val="7F848E"/>
-                </a:solidFill>
-                <a:latin typeface="Consolas" panose="020B0609020204030204" pitchFamily="49" charset="0"/>
-              </a:rPr>
-              <a:t>// (</a:t>
-            </a:r>
-            <a:r>
-              <a:rPr lang="ko-KR" altLang="en-US" i="1">
-                <a:solidFill>
-                  <a:srgbClr val="7F848E"/>
-                </a:solidFill>
-                <a:latin typeface="Consolas" panose="020B0609020204030204" pitchFamily="49" charset="0"/>
-              </a:rPr>
-              <a:t>추가</a:t>
-            </a:r>
-            <a:r>
-              <a:rPr lang="en-US" altLang="ko-KR" i="1">
-                <a:solidFill>
-                  <a:srgbClr val="7F848E"/>
-                </a:solidFill>
-                <a:latin typeface="Consolas" panose="020B0609020204030204" pitchFamily="49" charset="0"/>
-              </a:rPr>
-              <a:t>) </a:t>
-            </a:r>
-            <a:r>
-              <a:rPr lang="ko-KR" altLang="en-US" i="1">
-                <a:solidFill>
-                  <a:srgbClr val="7F848E"/>
-                </a:solidFill>
-                <a:latin typeface="Consolas" panose="020B0609020204030204" pitchFamily="49" charset="0"/>
-              </a:rPr>
-              <a:t>슬라이드가 있으면 가로로 배열하기</a:t>
-            </a:r>
-          </a:p>
-          <a:p>
-            <a:r>
-              <a:rPr lang="en-US" altLang="ko-KR" sz="2400">
-                <a:solidFill>
-                  <a:srgbClr val="ABB2BF"/>
-                </a:solidFill>
-                <a:latin typeface="Consolas" panose="020B0609020204030204" pitchFamily="49" charset="0"/>
-              </a:rPr>
-              <a:t/>
-            </a:r>
-            <a:br>
-              <a:rPr lang="en-US" altLang="ko-KR" sz="2400">
-                <a:solidFill>
-                  <a:srgbClr val="ABB2BF"/>
-                </a:solidFill>
-                <a:latin typeface="Consolas" panose="020B0609020204030204" pitchFamily="49" charset="0"/>
-              </a:rPr>
-            </a:br>
-            <a:r>
-              <a:rPr lang="en-US" altLang="ko-KR" sz="2400">
-                <a:solidFill>
-                  <a:srgbClr val="C678DD"/>
-                </a:solidFill>
-                <a:latin typeface="Consolas" panose="020B0609020204030204" pitchFamily="49" charset="0"/>
-              </a:rPr>
-              <a:t>for</a:t>
-            </a:r>
-            <a:r>
-              <a:rPr lang="en-US" altLang="ko-KR" sz="2400">
-                <a:solidFill>
-                  <a:srgbClr val="ABB2BF"/>
-                </a:solidFill>
-                <a:latin typeface="Consolas" panose="020B0609020204030204" pitchFamily="49" charset="0"/>
-              </a:rPr>
-              <a:t>( </a:t>
-            </a:r>
-            <a:r>
-              <a:rPr lang="en-US" altLang="ko-KR" sz="2400">
-                <a:solidFill>
-                  <a:srgbClr val="C678DD"/>
-                </a:solidFill>
-                <a:latin typeface="Consolas" panose="020B0609020204030204" pitchFamily="49" charset="0"/>
-              </a:rPr>
-              <a:t>var</a:t>
-            </a:r>
-            <a:r>
-              <a:rPr lang="en-US" altLang="ko-KR" sz="2400">
-                <a:solidFill>
-                  <a:srgbClr val="ABB2BF"/>
-                </a:solidFill>
-                <a:latin typeface="Consolas" panose="020B0609020204030204" pitchFamily="49" charset="0"/>
-              </a:rPr>
-              <a:t> </a:t>
-            </a:r>
-            <a:r>
-              <a:rPr lang="en-US" altLang="ko-KR" sz="2400">
-                <a:solidFill>
-                  <a:srgbClr val="E06C75"/>
-                </a:solidFill>
-                <a:latin typeface="Consolas" panose="020B0609020204030204" pitchFamily="49" charset="0"/>
-              </a:rPr>
-              <a:t>i</a:t>
-            </a:r>
-            <a:r>
-              <a:rPr lang="en-US" altLang="ko-KR" sz="2400">
-                <a:solidFill>
-                  <a:srgbClr val="ABB2BF"/>
-                </a:solidFill>
-                <a:latin typeface="Consolas" panose="020B0609020204030204" pitchFamily="49" charset="0"/>
-              </a:rPr>
-              <a:t> </a:t>
-            </a:r>
-            <a:r>
-              <a:rPr lang="en-US" altLang="ko-KR" sz="2400">
-                <a:solidFill>
-                  <a:srgbClr val="56B6C2"/>
-                </a:solidFill>
-                <a:latin typeface="Consolas" panose="020B0609020204030204" pitchFamily="49" charset="0"/>
-              </a:rPr>
-              <a:t>=</a:t>
-            </a:r>
-            <a:r>
-              <a:rPr lang="en-US" altLang="ko-KR" sz="2400">
-                <a:solidFill>
-                  <a:srgbClr val="ABB2BF"/>
-                </a:solidFill>
-                <a:latin typeface="Consolas" panose="020B0609020204030204" pitchFamily="49" charset="0"/>
-              </a:rPr>
-              <a:t> </a:t>
-            </a:r>
-            <a:r>
-              <a:rPr lang="en-US" altLang="ko-KR" sz="2400">
-                <a:solidFill>
-                  <a:srgbClr val="D19A66"/>
-                </a:solidFill>
-                <a:latin typeface="Consolas" panose="020B0609020204030204" pitchFamily="49" charset="0"/>
-              </a:rPr>
-              <a:t>0</a:t>
-            </a:r>
-            <a:r>
-              <a:rPr lang="en-US" altLang="ko-KR" sz="2400">
-                <a:solidFill>
-                  <a:srgbClr val="ABB2BF"/>
-                </a:solidFill>
-                <a:latin typeface="Consolas" panose="020B0609020204030204" pitchFamily="49" charset="0"/>
-              </a:rPr>
-              <a:t>; </a:t>
-            </a:r>
-            <a:r>
-              <a:rPr lang="en-US" altLang="ko-KR" sz="2400">
-                <a:solidFill>
-                  <a:srgbClr val="E06C75"/>
-                </a:solidFill>
-                <a:latin typeface="Consolas" panose="020B0609020204030204" pitchFamily="49" charset="0"/>
-              </a:rPr>
-              <a:t>i</a:t>
-            </a:r>
-            <a:r>
-              <a:rPr lang="en-US" altLang="ko-KR" sz="2400">
-                <a:solidFill>
-                  <a:srgbClr val="ABB2BF"/>
-                </a:solidFill>
-                <a:latin typeface="Consolas" panose="020B0609020204030204" pitchFamily="49" charset="0"/>
-              </a:rPr>
-              <a:t> </a:t>
-            </a:r>
-            <a:r>
-              <a:rPr lang="en-US" altLang="ko-KR" sz="2400">
-                <a:solidFill>
-                  <a:srgbClr val="56B6C2"/>
-                </a:solidFill>
-                <a:latin typeface="Consolas" panose="020B0609020204030204" pitchFamily="49" charset="0"/>
-              </a:rPr>
-              <a:t>&lt;</a:t>
-            </a:r>
-            <a:r>
-              <a:rPr lang="en-US" altLang="ko-KR" sz="2400">
-                <a:solidFill>
-                  <a:srgbClr val="ABB2BF"/>
-                </a:solidFill>
-                <a:latin typeface="Consolas" panose="020B0609020204030204" pitchFamily="49" charset="0"/>
-              </a:rPr>
-              <a:t> </a:t>
-            </a:r>
-            <a:r>
-              <a:rPr lang="en-US" altLang="ko-KR" sz="2400">
-                <a:solidFill>
-                  <a:srgbClr val="E06C75"/>
-                </a:solidFill>
-                <a:latin typeface="Consolas" panose="020B0609020204030204" pitchFamily="49" charset="0"/>
-              </a:rPr>
-              <a:t>slideCount</a:t>
-            </a:r>
-            <a:r>
-              <a:rPr lang="en-US" altLang="ko-KR" sz="2400">
-                <a:solidFill>
-                  <a:srgbClr val="ABB2BF"/>
-                </a:solidFill>
-                <a:latin typeface="Consolas" panose="020B0609020204030204" pitchFamily="49" charset="0"/>
-              </a:rPr>
-              <a:t>; </a:t>
-            </a:r>
-            <a:r>
-              <a:rPr lang="en-US" altLang="ko-KR" sz="2400">
-                <a:solidFill>
-                  <a:srgbClr val="E06C75"/>
-                </a:solidFill>
-                <a:latin typeface="Consolas" panose="020B0609020204030204" pitchFamily="49" charset="0"/>
-              </a:rPr>
-              <a:t>i</a:t>
-            </a:r>
-            <a:r>
-              <a:rPr lang="en-US" altLang="ko-KR" sz="2400" smtClean="0">
-                <a:solidFill>
-                  <a:srgbClr val="56B6C2"/>
-                </a:solidFill>
-                <a:latin typeface="Consolas" panose="020B0609020204030204" pitchFamily="49" charset="0"/>
-              </a:rPr>
-              <a:t>++</a:t>
-            </a:r>
-            <a:r>
-              <a:rPr lang="en-US" altLang="ko-KR" sz="2400" smtClean="0">
-                <a:solidFill>
-                  <a:srgbClr val="ABB2BF"/>
-                </a:solidFill>
-                <a:latin typeface="Consolas" panose="020B0609020204030204" pitchFamily="49" charset="0"/>
-              </a:rPr>
-              <a:t>)</a:t>
-            </a:r>
-          </a:p>
-          <a:p>
-            <a:r>
-              <a:rPr lang="en-US" altLang="ko-KR" sz="2400" smtClean="0">
-                <a:solidFill>
-                  <a:srgbClr val="ABB2BF"/>
-                </a:solidFill>
-                <a:latin typeface="Consolas" panose="020B0609020204030204" pitchFamily="49" charset="0"/>
-              </a:rPr>
-              <a:t>{</a:t>
-            </a:r>
-            <a:r>
-              <a:rPr lang="en-US" altLang="ko-KR" sz="2400" smtClean="0">
-                <a:solidFill>
-                  <a:srgbClr val="E06C75"/>
-                </a:solidFill>
-                <a:latin typeface="Consolas" panose="020B0609020204030204" pitchFamily="49" charset="0"/>
-              </a:rPr>
-              <a:t>slides</a:t>
-            </a:r>
-            <a:r>
-              <a:rPr lang="en-US" altLang="ko-KR" sz="2400" smtClean="0">
-                <a:solidFill>
-                  <a:srgbClr val="ABB2BF"/>
-                </a:solidFill>
-                <a:latin typeface="Consolas" panose="020B0609020204030204" pitchFamily="49" charset="0"/>
-              </a:rPr>
-              <a:t>[</a:t>
-            </a:r>
-            <a:r>
-              <a:rPr lang="en-US" altLang="ko-KR" sz="2400" smtClean="0">
-                <a:solidFill>
-                  <a:srgbClr val="E06C75"/>
-                </a:solidFill>
-                <a:latin typeface="Consolas" panose="020B0609020204030204" pitchFamily="49" charset="0"/>
-              </a:rPr>
-              <a:t>i</a:t>
-            </a:r>
-            <a:r>
-              <a:rPr lang="en-US" altLang="ko-KR" sz="2400">
-                <a:solidFill>
-                  <a:srgbClr val="ABB2BF"/>
-                </a:solidFill>
-                <a:latin typeface="Consolas" panose="020B0609020204030204" pitchFamily="49" charset="0"/>
-              </a:rPr>
-              <a:t>].</a:t>
-            </a:r>
-            <a:r>
-              <a:rPr lang="en-US" altLang="ko-KR" sz="2400">
-                <a:solidFill>
-                  <a:srgbClr val="E06C75"/>
-                </a:solidFill>
-                <a:latin typeface="Consolas" panose="020B0609020204030204" pitchFamily="49" charset="0"/>
-              </a:rPr>
-              <a:t>style</a:t>
-            </a:r>
-            <a:r>
-              <a:rPr lang="en-US" altLang="ko-KR" sz="2400">
-                <a:solidFill>
-                  <a:srgbClr val="ABB2BF"/>
-                </a:solidFill>
-                <a:latin typeface="Consolas" panose="020B0609020204030204" pitchFamily="49" charset="0"/>
-              </a:rPr>
-              <a:t>.</a:t>
-            </a:r>
-            <a:r>
-              <a:rPr lang="en-US" altLang="ko-KR" sz="2400">
-                <a:solidFill>
-                  <a:srgbClr val="E06C75"/>
-                </a:solidFill>
-                <a:latin typeface="Consolas" panose="020B0609020204030204" pitchFamily="49" charset="0"/>
-              </a:rPr>
-              <a:t>left</a:t>
-            </a:r>
-            <a:r>
-              <a:rPr lang="en-US" altLang="ko-KR" sz="2400">
-                <a:solidFill>
-                  <a:srgbClr val="56B6C2"/>
-                </a:solidFill>
-                <a:latin typeface="Consolas" panose="020B0609020204030204" pitchFamily="49" charset="0"/>
-              </a:rPr>
-              <a:t>=</a:t>
-            </a:r>
-            <a:r>
-              <a:rPr lang="en-US" altLang="ko-KR" sz="2400">
-                <a:solidFill>
-                  <a:srgbClr val="ABB2BF"/>
-                </a:solidFill>
-                <a:latin typeface="Consolas" panose="020B0609020204030204" pitchFamily="49" charset="0"/>
-              </a:rPr>
-              <a:t> </a:t>
-            </a:r>
-            <a:r>
-              <a:rPr lang="en-US" altLang="ko-KR" sz="2400">
-                <a:solidFill>
-                  <a:srgbClr val="E06C75"/>
-                </a:solidFill>
-                <a:latin typeface="Consolas" panose="020B0609020204030204" pitchFamily="49" charset="0"/>
-              </a:rPr>
-              <a:t>i</a:t>
-            </a:r>
-            <a:r>
-              <a:rPr lang="en-US" altLang="ko-KR" sz="2400">
-                <a:solidFill>
-                  <a:srgbClr val="56B6C2"/>
-                </a:solidFill>
-                <a:latin typeface="Consolas" panose="020B0609020204030204" pitchFamily="49" charset="0"/>
-              </a:rPr>
-              <a:t>*</a:t>
-            </a:r>
-            <a:r>
-              <a:rPr lang="en-US" altLang="ko-KR" sz="2400">
-                <a:solidFill>
-                  <a:srgbClr val="D19A66"/>
-                </a:solidFill>
-                <a:latin typeface="Consolas" panose="020B0609020204030204" pitchFamily="49" charset="0"/>
-              </a:rPr>
-              <a:t>100</a:t>
-            </a:r>
-            <a:r>
-              <a:rPr lang="en-US" altLang="ko-KR" sz="2400">
-                <a:solidFill>
-                  <a:srgbClr val="ABB2BF"/>
-                </a:solidFill>
-                <a:latin typeface="Consolas" panose="020B0609020204030204" pitchFamily="49" charset="0"/>
-              </a:rPr>
-              <a:t> </a:t>
-            </a:r>
-            <a:r>
-              <a:rPr lang="en-US" altLang="ko-KR" sz="2400">
-                <a:solidFill>
-                  <a:srgbClr val="56B6C2"/>
-                </a:solidFill>
-                <a:latin typeface="Consolas" panose="020B0609020204030204" pitchFamily="49" charset="0"/>
-              </a:rPr>
-              <a:t>+</a:t>
-            </a:r>
-            <a:r>
-              <a:rPr lang="en-US" altLang="ko-KR" sz="2400">
-                <a:solidFill>
-                  <a:srgbClr val="ABB2BF"/>
-                </a:solidFill>
-                <a:latin typeface="Consolas" panose="020B0609020204030204" pitchFamily="49" charset="0"/>
-              </a:rPr>
-              <a:t> </a:t>
-            </a:r>
-            <a:r>
-              <a:rPr lang="en-US" altLang="ko-KR" sz="2400" smtClean="0">
-                <a:solidFill>
-                  <a:srgbClr val="98C379"/>
-                </a:solidFill>
-                <a:latin typeface="Consolas" panose="020B0609020204030204" pitchFamily="49" charset="0"/>
-              </a:rPr>
-              <a:t>'%'</a:t>
-            </a:r>
-            <a:r>
-              <a:rPr lang="en-US" altLang="ko-KR" sz="2400" smtClean="0">
-                <a:solidFill>
-                  <a:srgbClr val="ABB2BF"/>
-                </a:solidFill>
-                <a:latin typeface="Consolas" panose="020B0609020204030204" pitchFamily="49" charset="0"/>
-              </a:rPr>
-              <a:t>;}</a:t>
-            </a:r>
-            <a:endParaRPr lang="en-US" altLang="ko-KR" sz="2400">
-              <a:solidFill>
-                <a:srgbClr val="ABB2BF"/>
-              </a:solidFill>
-              <a:latin typeface="Consolas" panose="020B0609020204030204" pitchFamily="49" charset="0"/>
-            </a:endParaRPr>
-          </a:p>
-          <a:p>
-            <a:r>
-              <a:rPr lang="en-US" altLang="ko-KR" sz="2400">
-                <a:solidFill>
-                  <a:srgbClr val="ABB2BF"/>
-                </a:solidFill>
-                <a:latin typeface="Consolas" panose="020B0609020204030204" pitchFamily="49" charset="0"/>
-              </a:rPr>
-              <a:t/>
-            </a:r>
-            <a:br>
-              <a:rPr lang="en-US" altLang="ko-KR" sz="2400">
-                <a:solidFill>
-                  <a:srgbClr val="ABB2BF"/>
-                </a:solidFill>
-                <a:latin typeface="Consolas" panose="020B0609020204030204" pitchFamily="49" charset="0"/>
-              </a:rPr>
-            </a:br>
-            <a:endParaRPr lang="en-US" altLang="ko-KR" sz="2400" b="0">
-              <a:solidFill>
-                <a:srgbClr val="ABB2BF"/>
-              </a:solidFill>
-              <a:effectLst/>
-              <a:latin typeface="Consolas" panose="020B0609020204030204" pitchFamily="49" charset="0"/>
-            </a:endParaRPr>
+              <a:rPr lang="ko-KR" altLang="en-US" smtClean="0"/>
+              <a:t>슬라이드 가로배열</a:t>
+            </a:r>
+            <a:endParaRPr lang="ko-KR" altLang="en-US"/>
           </a:p>
         </p:txBody>
       </p:sp>
       <p:sp>
         <p:nvSpPr>
-          <p:cNvPr id="5" name="Rectangle 4"/>
-          <p:cNvSpPr/>
-          <p:nvPr/>
+          <p:cNvPr id="3" name="Subtitle 2"/>
+          <p:cNvSpPr>
+            <a:spLocks noGrp="1"/>
+          </p:cNvSpPr>
+          <p:nvPr>
+            <p:ph type="subTitle" idx="1"/>
+          </p:nvPr>
         </p:nvSpPr>
-        <p:spPr>
-          <a:xfrm>
-            <a:off x="1539240" y="1714607"/>
-            <a:ext cx="9406128" cy="646331"/>
-          </a:xfrm>
-          <a:prstGeom prst="rect">
-            <a:avLst/>
-          </a:prstGeom>
-        </p:spPr>
+        <p:spPr/>
         <p:txBody>
-          <a:bodyPr wrap="square">
-            <a:spAutoFit/>
+          <a:bodyPr>
+            <a:normAutofit lnSpcReduction="10000"/>
           </a:bodyPr>
           <a:lstStyle/>
           <a:p>
             <a:r>
-              <a:rPr lang="en-US" altLang="ko-KR" b="1">
-                <a:solidFill>
-                  <a:srgbClr val="FF0000"/>
-                </a:solidFill>
-                <a:latin typeface="Consolas" panose="020B0609020204030204" pitchFamily="49" charset="0"/>
-              </a:rPr>
-              <a:t>(</a:t>
-            </a:r>
-            <a:r>
-              <a:rPr lang="ko-KR" altLang="en-US" b="1">
-                <a:solidFill>
-                  <a:srgbClr val="FF0000"/>
-                </a:solidFill>
-                <a:latin typeface="Consolas" panose="020B0609020204030204" pitchFamily="49" charset="0"/>
-              </a:rPr>
-              <a:t>슬라이드 가로배열용도</a:t>
-            </a:r>
-            <a:r>
-              <a:rPr lang="en-US" altLang="ko-KR" b="1">
-                <a:solidFill>
-                  <a:srgbClr val="FF0000"/>
-                </a:solidFill>
-                <a:latin typeface="Consolas" panose="020B0609020204030204" pitchFamily="49" charset="0"/>
-              </a:rPr>
+              <a:rPr lang="en-US" altLang="ko-KR" smtClean="0"/>
+              <a:t>Css</a:t>
+            </a:r>
+            <a:r>
+              <a:rPr lang="ko-KR" altLang="en-US" smtClean="0"/>
+              <a:t>에 있는 슬라이드 가로정렬 없에고</a:t>
+            </a:r>
+            <a:endParaRPr lang="en-US" altLang="ko-KR" smtClean="0"/>
+          </a:p>
+          <a:p>
+            <a:r>
+              <a:rPr lang="ko-KR" altLang="en-US" smtClean="0"/>
+              <a:t>자바스크립트로 슬라이드 가로배열 짜기</a:t>
+            </a:r>
+            <a:endParaRPr lang="en-US" altLang="ko-KR"/>
+          </a:p>
+          <a:p>
+            <a:r>
+              <a:rPr lang="en-US" altLang="ko-KR" smtClean="0"/>
+              <a:t>= </a:t>
+            </a:r>
+            <a:r>
+              <a:rPr lang="ko-KR" altLang="en-US" smtClean="0"/>
+              <a:t>슬라이드 갯수가 추가되어도 자동으로 가로배열되는 방법</a:t>
+            </a:r>
+            <a:endParaRPr lang="en-US" altLang="ko-KR" smtClean="0"/>
+          </a:p>
+          <a:p>
+            <a:r>
+              <a:rPr lang="en-US" altLang="ko-KR" smtClean="0"/>
+              <a:t>(for</a:t>
+            </a:r>
+            <a:r>
+              <a:rPr lang="ko-KR" altLang="en-US" smtClean="0"/>
+              <a:t>문 사용</a:t>
+            </a:r>
+            <a:r>
+              <a:rPr lang="en-US" altLang="ko-KR" smtClean="0"/>
               <a:t>)</a:t>
             </a:r>
-            <a:endParaRPr lang="en-US" altLang="ko-KR" i="1">
-              <a:solidFill>
-                <a:srgbClr val="7F848E"/>
-              </a:solidFill>
-              <a:latin typeface="Consolas" panose="020B0609020204030204" pitchFamily="49" charset="0"/>
-            </a:endParaRPr>
-          </a:p>
-          <a:p>
-            <a:r>
-              <a:rPr lang="en-US" altLang="ko-KR">
-                <a:solidFill>
-                  <a:srgbClr val="C678DD"/>
-                </a:solidFill>
-                <a:latin typeface="Consolas" panose="020B0609020204030204" pitchFamily="49" charset="0"/>
-              </a:rPr>
-              <a:t>var</a:t>
-            </a:r>
-            <a:r>
-              <a:rPr lang="en-US" altLang="ko-KR">
-                <a:solidFill>
-                  <a:srgbClr val="ABB2BF"/>
-                </a:solidFill>
-                <a:latin typeface="Consolas" panose="020B0609020204030204" pitchFamily="49" charset="0"/>
-              </a:rPr>
-              <a:t> </a:t>
-            </a:r>
-            <a:r>
-              <a:rPr lang="en-US" altLang="ko-KR">
-                <a:solidFill>
-                  <a:srgbClr val="E06C75"/>
-                </a:solidFill>
-                <a:latin typeface="Consolas" panose="020B0609020204030204" pitchFamily="49" charset="0"/>
-              </a:rPr>
-              <a:t>slides</a:t>
-            </a:r>
-            <a:r>
-              <a:rPr lang="en-US" altLang="ko-KR">
-                <a:solidFill>
-                  <a:srgbClr val="ABB2BF"/>
-                </a:solidFill>
-                <a:latin typeface="Consolas" panose="020B0609020204030204" pitchFamily="49" charset="0"/>
-              </a:rPr>
-              <a:t> </a:t>
-            </a:r>
-            <a:r>
-              <a:rPr lang="en-US" altLang="ko-KR">
-                <a:solidFill>
-                  <a:srgbClr val="56B6C2"/>
-                </a:solidFill>
-                <a:latin typeface="Consolas" panose="020B0609020204030204" pitchFamily="49" charset="0"/>
-              </a:rPr>
-              <a:t>=</a:t>
-            </a:r>
-            <a:r>
-              <a:rPr lang="en-US" altLang="ko-KR">
-                <a:solidFill>
-                  <a:srgbClr val="ABB2BF"/>
-                </a:solidFill>
-                <a:latin typeface="Consolas" panose="020B0609020204030204" pitchFamily="49" charset="0"/>
-              </a:rPr>
-              <a:t> </a:t>
-            </a:r>
-            <a:r>
-              <a:rPr lang="en-US" altLang="ko-KR">
-                <a:solidFill>
-                  <a:srgbClr val="E06C75"/>
-                </a:solidFill>
-                <a:latin typeface="Consolas" panose="020B0609020204030204" pitchFamily="49" charset="0"/>
-              </a:rPr>
-              <a:t>document</a:t>
-            </a:r>
-            <a:r>
-              <a:rPr lang="en-US" altLang="ko-KR">
-                <a:solidFill>
-                  <a:srgbClr val="ABB2BF"/>
-                </a:solidFill>
-                <a:latin typeface="Consolas" panose="020B0609020204030204" pitchFamily="49" charset="0"/>
-              </a:rPr>
-              <a:t>.</a:t>
-            </a:r>
-            <a:r>
-              <a:rPr lang="en-US" altLang="ko-KR">
-                <a:solidFill>
-                  <a:srgbClr val="61AFEF"/>
-                </a:solidFill>
-                <a:latin typeface="Consolas" panose="020B0609020204030204" pitchFamily="49" charset="0"/>
-              </a:rPr>
-              <a:t>getElementsByClassName</a:t>
-            </a:r>
-            <a:r>
-              <a:rPr lang="en-US" altLang="ko-KR">
-                <a:solidFill>
-                  <a:srgbClr val="ABB2BF"/>
-                </a:solidFill>
-                <a:latin typeface="Consolas" panose="020B0609020204030204" pitchFamily="49" charset="0"/>
-              </a:rPr>
-              <a:t>(</a:t>
-            </a:r>
-            <a:r>
-              <a:rPr lang="en-US" altLang="ko-KR">
-                <a:solidFill>
-                  <a:srgbClr val="98C379"/>
-                </a:solidFill>
-                <a:latin typeface="Consolas" panose="020B0609020204030204" pitchFamily="49" charset="0"/>
-              </a:rPr>
-              <a:t>'slide'</a:t>
-            </a:r>
-            <a:r>
-              <a:rPr lang="en-US" altLang="ko-KR">
-                <a:solidFill>
-                  <a:srgbClr val="ABB2BF"/>
-                </a:solidFill>
-                <a:latin typeface="Consolas" panose="020B0609020204030204" pitchFamily="49" charset="0"/>
-              </a:rPr>
-              <a:t>);  </a:t>
-            </a:r>
-            <a:r>
-              <a:rPr lang="en-US" altLang="ko-KR" i="1">
-                <a:solidFill>
-                  <a:srgbClr val="7F848E"/>
-                </a:solidFill>
-                <a:latin typeface="Consolas" panose="020B0609020204030204" pitchFamily="49" charset="0"/>
-              </a:rPr>
-              <a:t>//</a:t>
-            </a:r>
-            <a:r>
-              <a:rPr lang="ko-KR" altLang="en-US" i="1">
-                <a:solidFill>
-                  <a:srgbClr val="7F848E"/>
-                </a:solidFill>
-                <a:latin typeface="Consolas" panose="020B0609020204030204" pitchFamily="49" charset="0"/>
-              </a:rPr>
-              <a:t>클래스명 </a:t>
-            </a:r>
-            <a:r>
-              <a:rPr lang="en-US" altLang="ko-KR" i="1">
-                <a:solidFill>
-                  <a:srgbClr val="7F848E"/>
-                </a:solidFill>
-                <a:latin typeface="Consolas" panose="020B0609020204030204" pitchFamily="49" charset="0"/>
-              </a:rPr>
-              <a:t>slide</a:t>
-            </a:r>
+            <a:endParaRPr lang="ko-KR" altLang="en-US"/>
           </a:p>
         </p:txBody>
       </p:sp>
     </p:spTree>
     <p:extLst>
       <p:ext uri="{BB962C8B-B14F-4D97-AF65-F5344CB8AC3E}">
-        <p14:creationId xmlns:p14="http://schemas.microsoft.com/office/powerpoint/2010/main" val="2704689608"/>
+        <p14:creationId xmlns:p14="http://schemas.microsoft.com/office/powerpoint/2010/main" val="309093008"/>
       </p:ext>
     </p:extLst>
   </p:cSld>
@@ -7804,8 +8993,8 @@
         </p:nvSpPr>
         <p:spPr>
           <a:xfrm>
-            <a:off x="600456" y="1209884"/>
-            <a:ext cx="5593080" cy="3354765"/>
+            <a:off x="1328928" y="2793599"/>
+            <a:ext cx="9406128" cy="1200329"/>
           </a:xfrm>
           <a:prstGeom prst="rect">
             <a:avLst/>
@@ -7818,285 +9007,6 @@
           <a:lstStyle/>
           <a:p>
             <a:r>
-              <a:rPr lang="en-US" altLang="ko-KR" sz="3200" b="1" err="1" smtClean="0">
-                <a:effectLst/>
-              </a:rPr>
-              <a:t>offsetWidth</a:t>
-            </a:r>
-            <a:r>
-              <a:rPr lang="en-US" altLang="ko-KR" sz="3200" b="1" smtClean="0">
-                <a:effectLst/>
-              </a:rPr>
-              <a:t>, </a:t>
-            </a:r>
-            <a:r>
-              <a:rPr lang="en-US" altLang="ko-KR" sz="3200" b="1" err="1" smtClean="0">
-                <a:effectLst/>
-              </a:rPr>
-              <a:t>offsetHeight</a:t>
-            </a:r>
-            <a:endParaRPr lang="ko-KR" altLang="en-US" sz="3200" smtClean="0">
-              <a:effectLst/>
-            </a:endParaRPr>
-          </a:p>
-          <a:p>
-            <a:r>
-              <a:rPr lang="ko-KR" altLang="en-US" smtClean="0">
-                <a:effectLst/>
-              </a:rPr>
-              <a:t/>
-            </a:r>
-            <a:br>
-              <a:rPr lang="ko-KR" altLang="en-US" smtClean="0">
-                <a:effectLst/>
-              </a:rPr>
-            </a:br>
-            <a:endParaRPr lang="ko-KR" altLang="en-US" smtClean="0">
-              <a:effectLst/>
-            </a:endParaRPr>
-          </a:p>
-          <a:p>
-            <a:r>
-              <a:rPr lang="ko-KR" altLang="en-US" smtClean="0">
-                <a:effectLst/>
-              </a:rPr>
-              <a:t>일반적으로 엘리먼트의 전체 크기를 알고 싶다면</a:t>
-            </a:r>
-            <a:r>
-              <a:rPr lang="en-US" altLang="ko-KR" smtClean="0">
-                <a:effectLst/>
-              </a:rPr>
-              <a:t>, `</a:t>
-            </a:r>
-            <a:r>
-              <a:rPr lang="en-US" altLang="ko-KR" err="1" smtClean="0">
-                <a:effectLst/>
-              </a:rPr>
-              <a:t>offsetWidth</a:t>
-            </a:r>
-            <a:r>
-              <a:rPr lang="en-US" altLang="ko-KR" smtClean="0">
-                <a:effectLst/>
-              </a:rPr>
-              <a:t>`</a:t>
-            </a:r>
-            <a:r>
-              <a:rPr lang="ko-KR" altLang="en-US" smtClean="0">
-                <a:effectLst/>
-              </a:rPr>
-              <a:t>와 </a:t>
-            </a:r>
-            <a:r>
-              <a:rPr lang="en-US" altLang="ko-KR" smtClean="0">
-                <a:effectLst/>
-              </a:rPr>
-              <a:t>`</a:t>
-            </a:r>
-            <a:r>
-              <a:rPr lang="en-US" altLang="ko-KR" err="1" smtClean="0">
-                <a:effectLst/>
-              </a:rPr>
-              <a:t>offsetHeight</a:t>
-            </a:r>
-            <a:r>
-              <a:rPr lang="en-US" altLang="ko-KR" smtClean="0">
-                <a:effectLst/>
-              </a:rPr>
-              <a:t>` </a:t>
-            </a:r>
-            <a:r>
-              <a:rPr lang="ko-KR" altLang="en-US" smtClean="0">
-                <a:effectLst/>
-              </a:rPr>
-              <a:t>속성을 가져오면 된다</a:t>
-            </a:r>
-            <a:r>
-              <a:rPr lang="en-US" altLang="ko-KR" smtClean="0">
-                <a:effectLst/>
-              </a:rPr>
-              <a:t>.</a:t>
-            </a:r>
-          </a:p>
-          <a:p>
-            <a:endParaRPr lang="en-US" altLang="ko-KR"/>
-          </a:p>
-          <a:p>
-            <a:endParaRPr lang="en-US" altLang="ko-KR" smtClean="0">
-              <a:effectLst/>
-            </a:endParaRPr>
-          </a:p>
-          <a:p>
-            <a:r>
-              <a:rPr lang="ko-KR" altLang="en-US" smtClean="0">
-                <a:effectLst/>
-              </a:rPr>
-              <a:t>이 속성은 엘리먼트의 패딩과 보더</a:t>
-            </a:r>
-            <a:r>
-              <a:rPr lang="en-US" altLang="ko-KR" smtClean="0">
-                <a:effectLst/>
-              </a:rPr>
-              <a:t>, </a:t>
-            </a:r>
-            <a:r>
-              <a:rPr lang="ko-KR" altLang="en-US" smtClean="0">
-                <a:effectLst/>
-              </a:rPr>
-              <a:t>스크롤바의 사이즈를 포함한 값을 리턴한다</a:t>
-            </a:r>
-            <a:r>
-              <a:rPr lang="en-US" altLang="ko-KR" smtClean="0">
-                <a:effectLst/>
-              </a:rPr>
-              <a:t>.</a:t>
-            </a:r>
-          </a:p>
-          <a:p>
-            <a:r>
-              <a:rPr lang="en-US" altLang="ko-KR" smtClean="0">
-                <a:effectLst/>
-              </a:rPr>
-              <a:t/>
-            </a:r>
-            <a:br>
-              <a:rPr lang="en-US" altLang="ko-KR" smtClean="0">
-                <a:effectLst/>
-              </a:rPr>
-            </a:br>
-            <a:endParaRPr lang="ko-KR" altLang="en-US"/>
-          </a:p>
-        </p:txBody>
-      </p:sp>
-      <p:pic>
-        <p:nvPicPr>
-          <p:cNvPr id="1026" name="Picture 2" descr="https://t1.daumcdn.net/cfile/tistory/273E0D40554DADB32D"/>
-          <p:cNvPicPr>
-            <a:picLocks noChangeAspect="1" noChangeArrowheads="1"/>
-          </p:cNvPicPr>
-          <p:nvPr/>
-        </p:nvPicPr>
-        <p:blipFill>
-          <a:blip r:embed="rId2">
-            <a:extLst>
-              <a:ext uri="{28A0092B-C50C-407E-A947-70E740481C1C}">
-                <a14:useLocalDpi xmlns:a14="http://schemas.microsoft.com/office/drawing/2010/main" val="0"/>
-              </a:ext>
-            </a:extLst>
-          </a:blip>
-          <a:srcRect/>
-          <a:stretch>
-            <a:fillRect/>
-          </a:stretch>
-        </p:blipFill>
-        <p:spPr bwMode="auto">
-          <a:xfrm>
-            <a:off x="7016496" y="1990025"/>
-            <a:ext cx="4419600" cy="2638426"/>
-          </a:xfrm>
-          <a:prstGeom prst="rect">
-            <a:avLst/>
-          </a:prstGeom>
-          <a:noFill/>
-          <a:extLst>
-            <a:ext uri="{909E8E84-426E-40DD-AFC4-6F175D3DCCD1}">
-              <a14:hiddenFill xmlns:a14="http://schemas.microsoft.com/office/drawing/2010/main">
-                <a:solidFill>
-                  <a:srgbClr val="FFFFFF"/>
-                </a:solidFill>
-              </a14:hiddenFill>
-            </a:ext>
-          </a:extLst>
-        </p:spPr>
-      </p:pic>
-      <p:sp>
-        <p:nvSpPr>
-          <p:cNvPr id="2" name="Rectangle 1"/>
-          <p:cNvSpPr/>
-          <p:nvPr/>
-        </p:nvSpPr>
-        <p:spPr>
-          <a:xfrm>
-            <a:off x="1088511" y="4379983"/>
-            <a:ext cx="4616970" cy="369332"/>
-          </a:xfrm>
-          <a:prstGeom prst="rect">
-            <a:avLst/>
-          </a:prstGeom>
-        </p:spPr>
-        <p:txBody>
-          <a:bodyPr wrap="none">
-            <a:spAutoFit/>
-          </a:bodyPr>
-          <a:lstStyle/>
-          <a:p>
-            <a:r>
-              <a:rPr lang="en-US" altLang="ko-KR" i="1" err="1">
-                <a:solidFill>
-                  <a:srgbClr val="7F848E"/>
-                </a:solidFill>
-                <a:latin typeface="Consolas" panose="020B0609020204030204" pitchFamily="49" charset="0"/>
-              </a:rPr>
-              <a:t>topHeight</a:t>
-            </a:r>
-            <a:r>
-              <a:rPr lang="en-US" altLang="ko-KR" i="1">
-                <a:solidFill>
-                  <a:srgbClr val="7F848E"/>
-                </a:solidFill>
-                <a:latin typeface="Consolas" panose="020B0609020204030204" pitchFamily="49" charset="0"/>
-              </a:rPr>
-              <a:t> = slides[0].</a:t>
-            </a:r>
-            <a:r>
-              <a:rPr lang="en-US" altLang="ko-KR" i="1" err="1">
-                <a:solidFill>
-                  <a:srgbClr val="7F848E"/>
-                </a:solidFill>
-                <a:latin typeface="Consolas" panose="020B0609020204030204" pitchFamily="49" charset="0"/>
-              </a:rPr>
-              <a:t>offsetHeight</a:t>
-            </a:r>
-            <a:r>
-              <a:rPr lang="en-US" altLang="ko-KR" i="1">
-                <a:solidFill>
-                  <a:srgbClr val="7F848E"/>
-                </a:solidFill>
-                <a:latin typeface="Consolas" panose="020B0609020204030204" pitchFamily="49" charset="0"/>
-              </a:rPr>
-              <a:t>;</a:t>
-            </a:r>
-            <a:endParaRPr lang="en-US" altLang="ko-KR" b="0">
-              <a:solidFill>
-                <a:srgbClr val="ABB2BF"/>
-              </a:solidFill>
-              <a:effectLst/>
-              <a:latin typeface="Consolas" panose="020B0609020204030204" pitchFamily="49" charset="0"/>
-            </a:endParaRPr>
-          </a:p>
-        </p:txBody>
-      </p:sp>
-      <p:sp>
-        <p:nvSpPr>
-          <p:cNvPr id="3" name="Rectangle 2"/>
-          <p:cNvSpPr/>
-          <p:nvPr/>
-        </p:nvSpPr>
-        <p:spPr>
-          <a:xfrm>
-            <a:off x="432816" y="5078492"/>
-            <a:ext cx="11207496" cy="923330"/>
-          </a:xfrm>
-          <a:prstGeom prst="rect">
-            <a:avLst/>
-          </a:prstGeom>
-        </p:spPr>
-        <p:txBody>
-          <a:bodyPr wrap="square">
-            <a:spAutoFit/>
-          </a:bodyPr>
-          <a:lstStyle/>
-          <a:p>
-            <a:r>
               <a:rPr lang="en-US" altLang="ko-KR" b="1">
                 <a:solidFill>
                   <a:srgbClr val="FF0000"/>
@@ -8112,257 +9022,16 @@
                 </a:solidFill>
                 <a:latin typeface="Consolas" panose="020B0609020204030204" pitchFamily="49" charset="0"/>
               </a:rPr>
-              <a:t>슬라이드 높이 변경용도</a:t>
-            </a:r>
-            <a:r>
-              <a:rPr lang="en-US" altLang="ko-KR" b="1">
+              <a:t>슬라이드 가로배열용도</a:t>
+            </a:r>
+            <a:r>
+              <a:rPr lang="en-US" altLang="ko-KR" b="1" smtClean="0">
                 <a:solidFill>
                   <a:srgbClr val="FF0000"/>
                 </a:solidFill>
                 <a:latin typeface="Consolas" panose="020B0609020204030204" pitchFamily="49" charset="0"/>
               </a:rPr>
               <a:t>)</a:t>
-            </a:r>
-            <a:endParaRPr lang="en-US" altLang="ko-KR">
-              <a:solidFill>
-                <a:srgbClr val="C678DD"/>
-              </a:solidFill>
-              <a:latin typeface="Consolas" panose="020B0609020204030204" pitchFamily="49" charset="0"/>
-            </a:endParaRPr>
-          </a:p>
-          <a:p>
-            <a:r>
-              <a:rPr lang="en-US" altLang="ko-KR">
-                <a:solidFill>
-                  <a:srgbClr val="C678DD"/>
-                </a:solidFill>
-                <a:latin typeface="Consolas" panose="020B0609020204030204" pitchFamily="49" charset="0"/>
-              </a:rPr>
-              <a:t>var</a:t>
-            </a:r>
-            <a:r>
-              <a:rPr lang="en-US" altLang="ko-KR">
-                <a:solidFill>
-                  <a:srgbClr val="ABB2BF"/>
-                </a:solidFill>
-                <a:latin typeface="Consolas" panose="020B0609020204030204" pitchFamily="49" charset="0"/>
-              </a:rPr>
-              <a:t> </a:t>
-            </a:r>
-            <a:r>
-              <a:rPr lang="en-US" altLang="ko-KR">
-                <a:solidFill>
-                  <a:srgbClr val="E06C75"/>
-                </a:solidFill>
-                <a:latin typeface="Consolas" panose="020B0609020204030204" pitchFamily="49" charset="0"/>
-              </a:rPr>
-              <a:t>slideWrapper</a:t>
-            </a:r>
-            <a:r>
-              <a:rPr lang="en-US" altLang="ko-KR">
-                <a:solidFill>
-                  <a:srgbClr val="ABB2BF"/>
-                </a:solidFill>
-                <a:latin typeface="Consolas" panose="020B0609020204030204" pitchFamily="49" charset="0"/>
-              </a:rPr>
-              <a:t> </a:t>
-            </a:r>
-            <a:r>
-              <a:rPr lang="en-US" altLang="ko-KR">
-                <a:solidFill>
-                  <a:srgbClr val="56B6C2"/>
-                </a:solidFill>
-                <a:latin typeface="Consolas" panose="020B0609020204030204" pitchFamily="49" charset="0"/>
-              </a:rPr>
-              <a:t>=</a:t>
-            </a:r>
-            <a:r>
-              <a:rPr lang="en-US" altLang="ko-KR">
-                <a:solidFill>
-                  <a:srgbClr val="ABB2BF"/>
-                </a:solidFill>
-                <a:latin typeface="Consolas" panose="020B0609020204030204" pitchFamily="49" charset="0"/>
-              </a:rPr>
-              <a:t> </a:t>
-            </a:r>
-            <a:r>
-              <a:rPr lang="en-US" altLang="ko-KR">
-                <a:solidFill>
-                  <a:srgbClr val="E06C75"/>
-                </a:solidFill>
-                <a:latin typeface="Consolas" panose="020B0609020204030204" pitchFamily="49" charset="0"/>
-              </a:rPr>
-              <a:t>document</a:t>
-            </a:r>
-            <a:r>
-              <a:rPr lang="en-US" altLang="ko-KR">
-                <a:solidFill>
-                  <a:srgbClr val="ABB2BF"/>
-                </a:solidFill>
-                <a:latin typeface="Consolas" panose="020B0609020204030204" pitchFamily="49" charset="0"/>
-              </a:rPr>
-              <a:t>.</a:t>
-            </a:r>
-            <a:r>
-              <a:rPr lang="en-US" altLang="ko-KR">
-                <a:solidFill>
-                  <a:srgbClr val="61AFEF"/>
-                </a:solidFill>
-                <a:latin typeface="Consolas" panose="020B0609020204030204" pitchFamily="49" charset="0"/>
-              </a:rPr>
-              <a:t>getElementsByClassName</a:t>
-            </a:r>
-            <a:r>
-              <a:rPr lang="en-US" altLang="ko-KR">
-                <a:solidFill>
-                  <a:srgbClr val="ABB2BF"/>
-                </a:solidFill>
-                <a:latin typeface="Consolas" panose="020B0609020204030204" pitchFamily="49" charset="0"/>
-              </a:rPr>
-              <a:t>(</a:t>
-            </a:r>
-            <a:r>
-              <a:rPr lang="en-US" altLang="ko-KR">
-                <a:solidFill>
-                  <a:srgbClr val="98C379"/>
-                </a:solidFill>
-                <a:latin typeface="Consolas" panose="020B0609020204030204" pitchFamily="49" charset="0"/>
-              </a:rPr>
-              <a:t>'container'</a:t>
-            </a:r>
-            <a:r>
-              <a:rPr lang="en-US" altLang="ko-KR">
-                <a:solidFill>
-                  <a:srgbClr val="ABB2BF"/>
-                </a:solidFill>
-                <a:latin typeface="Consolas" panose="020B0609020204030204" pitchFamily="49" charset="0"/>
-              </a:rPr>
-              <a:t>);   </a:t>
-            </a:r>
-            <a:r>
-              <a:rPr lang="en-US" altLang="ko-KR" i="1">
-                <a:solidFill>
-                  <a:srgbClr val="7F848E"/>
-                </a:solidFill>
-                <a:latin typeface="Consolas" panose="020B0609020204030204" pitchFamily="49" charset="0"/>
-              </a:rPr>
-              <a:t>//</a:t>
-            </a:r>
-            <a:r>
-              <a:rPr lang="ko-KR" altLang="en-US" i="1">
-                <a:solidFill>
-                  <a:srgbClr val="7F848E"/>
-                </a:solidFill>
-                <a:latin typeface="Consolas" panose="020B0609020204030204" pitchFamily="49" charset="0"/>
-              </a:rPr>
-              <a:t>클래스명 </a:t>
-            </a:r>
-            <a:r>
-              <a:rPr lang="en-US" altLang="ko-KR" i="1">
-                <a:solidFill>
-                  <a:srgbClr val="7F848E"/>
-                </a:solidFill>
-                <a:latin typeface="Consolas" panose="020B0609020204030204" pitchFamily="49" charset="0"/>
-              </a:rPr>
-              <a:t>container</a:t>
-            </a:r>
-            <a:endParaRPr lang="en-US" altLang="ko-KR">
-              <a:solidFill>
-                <a:srgbClr val="ABB2BF"/>
-              </a:solidFill>
-              <a:latin typeface="Consolas" panose="020B0609020204030204" pitchFamily="49" charset="0"/>
-            </a:endParaRPr>
-          </a:p>
-          <a:p>
-            <a:r>
-              <a:rPr lang="en-US" altLang="ko-KR">
-                <a:solidFill>
-                  <a:srgbClr val="C678DD"/>
-                </a:solidFill>
-                <a:latin typeface="Consolas" panose="020B0609020204030204" pitchFamily="49" charset="0"/>
-              </a:rPr>
-              <a:t>var</a:t>
-            </a:r>
-            <a:r>
-              <a:rPr lang="en-US" altLang="ko-KR">
-                <a:solidFill>
-                  <a:srgbClr val="ABB2BF"/>
-                </a:solidFill>
-                <a:latin typeface="Consolas" panose="020B0609020204030204" pitchFamily="49" charset="0"/>
-              </a:rPr>
-              <a:t> </a:t>
-            </a:r>
-            <a:r>
-              <a:rPr lang="en-US" altLang="ko-KR">
-                <a:solidFill>
-                  <a:srgbClr val="E06C75"/>
-                </a:solidFill>
-                <a:latin typeface="Consolas" panose="020B0609020204030204" pitchFamily="49" charset="0"/>
-              </a:rPr>
-              <a:t>topHeight</a:t>
-            </a:r>
-            <a:r>
-              <a:rPr lang="en-US" altLang="ko-KR">
-                <a:solidFill>
-                  <a:srgbClr val="ABB2BF"/>
-                </a:solidFill>
-                <a:latin typeface="Consolas" panose="020B0609020204030204" pitchFamily="49" charset="0"/>
-              </a:rPr>
-              <a:t> </a:t>
-            </a:r>
-            <a:r>
-              <a:rPr lang="en-US" altLang="ko-KR">
-                <a:solidFill>
-                  <a:srgbClr val="56B6C2"/>
-                </a:solidFill>
-                <a:latin typeface="Consolas" panose="020B0609020204030204" pitchFamily="49" charset="0"/>
-              </a:rPr>
-              <a:t>=</a:t>
-            </a:r>
-            <a:r>
-              <a:rPr lang="en-US" altLang="ko-KR">
-                <a:solidFill>
-                  <a:srgbClr val="ABB2BF"/>
-                </a:solidFill>
-                <a:latin typeface="Consolas" panose="020B0609020204030204" pitchFamily="49" charset="0"/>
-              </a:rPr>
-              <a:t> </a:t>
-            </a:r>
-            <a:r>
-              <a:rPr lang="en-US" altLang="ko-KR">
-                <a:solidFill>
-                  <a:srgbClr val="D19A66"/>
-                </a:solidFill>
-                <a:latin typeface="Consolas" panose="020B0609020204030204" pitchFamily="49" charset="0"/>
-              </a:rPr>
-              <a:t>0</a:t>
-            </a:r>
-            <a:r>
-              <a:rPr lang="en-US" altLang="ko-KR">
-                <a:solidFill>
-                  <a:srgbClr val="ABB2BF"/>
-                </a:solidFill>
-                <a:latin typeface="Consolas" panose="020B0609020204030204" pitchFamily="49" charset="0"/>
-              </a:rPr>
-              <a:t>; </a:t>
-            </a:r>
-            <a:r>
-              <a:rPr lang="en-US" altLang="ko-KR" i="1">
-                <a:solidFill>
-                  <a:srgbClr val="7F848E"/>
-                </a:solidFill>
-                <a:latin typeface="Consolas" panose="020B0609020204030204" pitchFamily="49" charset="0"/>
-              </a:rPr>
-              <a:t>//</a:t>
-            </a:r>
-            <a:r>
-              <a:rPr lang="ko-KR" altLang="en-US" i="1">
-                <a:solidFill>
-                  <a:srgbClr val="7F848E"/>
-                </a:solidFill>
-                <a:latin typeface="Consolas" panose="020B0609020204030204" pitchFamily="49" charset="0"/>
-              </a:rPr>
-              <a:t>높이</a:t>
             </a:r>
             <a:endParaRPr lang="en-US" altLang="ko-KR" i="1">
               <a:solidFill>
@@ -8371,12 +9040,273 @@
               <a:latin typeface="Consolas" panose="020B0609020204030204" pitchFamily="49" charset="0"/>
             </a:endParaRPr>
           </a:p>
+          <a:p>
+            <a:r>
+              <a:rPr lang="en-US" altLang="ko-KR">
+                <a:solidFill>
+                  <a:srgbClr val="C678DD"/>
+                </a:solidFill>
+                <a:latin typeface="Consolas" panose="020B0609020204030204" pitchFamily="49" charset="0"/>
+              </a:rPr>
+              <a:t>var</a:t>
+            </a:r>
+            <a:r>
+              <a:rPr lang="en-US" altLang="ko-KR">
+                <a:solidFill>
+                  <a:srgbClr val="ABB2BF"/>
+                </a:solidFill>
+                <a:latin typeface="Consolas" panose="020B0609020204030204" pitchFamily="49" charset="0"/>
+              </a:rPr>
+              <a:t> </a:t>
+            </a:r>
+            <a:r>
+              <a:rPr lang="en-US" altLang="ko-KR">
+                <a:solidFill>
+                  <a:srgbClr val="E06C75"/>
+                </a:solidFill>
+                <a:latin typeface="Consolas" panose="020B0609020204030204" pitchFamily="49" charset="0"/>
+              </a:rPr>
+              <a:t>slides</a:t>
+            </a:r>
+            <a:r>
+              <a:rPr lang="en-US" altLang="ko-KR">
+                <a:solidFill>
+                  <a:srgbClr val="ABB2BF"/>
+                </a:solidFill>
+                <a:latin typeface="Consolas" panose="020B0609020204030204" pitchFamily="49" charset="0"/>
+              </a:rPr>
+              <a:t> </a:t>
+            </a:r>
+            <a:r>
+              <a:rPr lang="en-US" altLang="ko-KR">
+                <a:solidFill>
+                  <a:srgbClr val="56B6C2"/>
+                </a:solidFill>
+                <a:latin typeface="Consolas" panose="020B0609020204030204" pitchFamily="49" charset="0"/>
+              </a:rPr>
+              <a:t>=</a:t>
+            </a:r>
+            <a:r>
+              <a:rPr lang="en-US" altLang="ko-KR">
+                <a:solidFill>
+                  <a:srgbClr val="ABB2BF"/>
+                </a:solidFill>
+                <a:latin typeface="Consolas" panose="020B0609020204030204" pitchFamily="49" charset="0"/>
+              </a:rPr>
+              <a:t> </a:t>
+            </a:r>
+            <a:r>
+              <a:rPr lang="en-US" altLang="ko-KR">
+                <a:solidFill>
+                  <a:srgbClr val="E06C75"/>
+                </a:solidFill>
+                <a:latin typeface="Consolas" panose="020B0609020204030204" pitchFamily="49" charset="0"/>
+              </a:rPr>
+              <a:t>document</a:t>
+            </a:r>
+            <a:r>
+              <a:rPr lang="en-US" altLang="ko-KR">
+                <a:solidFill>
+                  <a:srgbClr val="ABB2BF"/>
+                </a:solidFill>
+                <a:latin typeface="Consolas" panose="020B0609020204030204" pitchFamily="49" charset="0"/>
+              </a:rPr>
+              <a:t>.</a:t>
+            </a:r>
+            <a:r>
+              <a:rPr lang="en-US" altLang="ko-KR">
+                <a:solidFill>
+                  <a:srgbClr val="61AFEF"/>
+                </a:solidFill>
+                <a:latin typeface="Consolas" panose="020B0609020204030204" pitchFamily="49" charset="0"/>
+              </a:rPr>
+              <a:t>getElementsByClassName</a:t>
+            </a:r>
+            <a:r>
+              <a:rPr lang="en-US" altLang="ko-KR">
+                <a:solidFill>
+                  <a:srgbClr val="ABB2BF"/>
+                </a:solidFill>
+                <a:latin typeface="Consolas" panose="020B0609020204030204" pitchFamily="49" charset="0"/>
+              </a:rPr>
+              <a:t>(</a:t>
+            </a:r>
+            <a:r>
+              <a:rPr lang="en-US" altLang="ko-KR">
+                <a:solidFill>
+                  <a:srgbClr val="98C379"/>
+                </a:solidFill>
+                <a:latin typeface="Consolas" panose="020B0609020204030204" pitchFamily="49" charset="0"/>
+              </a:rPr>
+              <a:t>'slide'</a:t>
+            </a:r>
+            <a:r>
+              <a:rPr lang="en-US" altLang="ko-KR">
+                <a:solidFill>
+                  <a:srgbClr val="ABB2BF"/>
+                </a:solidFill>
+                <a:latin typeface="Consolas" panose="020B0609020204030204" pitchFamily="49" charset="0"/>
+              </a:rPr>
+              <a:t>);  </a:t>
+            </a:r>
+            <a:r>
+              <a:rPr lang="en-US" altLang="ko-KR" i="1">
+                <a:solidFill>
+                  <a:srgbClr val="7F848E"/>
+                </a:solidFill>
+                <a:latin typeface="Consolas" panose="020B0609020204030204" pitchFamily="49" charset="0"/>
+              </a:rPr>
+              <a:t>//</a:t>
+            </a:r>
+            <a:r>
+              <a:rPr lang="ko-KR" altLang="en-US" i="1">
+                <a:solidFill>
+                  <a:srgbClr val="7F848E"/>
+                </a:solidFill>
+                <a:latin typeface="Consolas" panose="020B0609020204030204" pitchFamily="49" charset="0"/>
+              </a:rPr>
+              <a:t>클래스명 </a:t>
+            </a:r>
+            <a:r>
+              <a:rPr lang="en-US" altLang="ko-KR" i="1" smtClean="0">
+                <a:solidFill>
+                  <a:srgbClr val="7F848E"/>
+                </a:solidFill>
+                <a:latin typeface="Consolas" panose="020B0609020204030204" pitchFamily="49" charset="0"/>
+              </a:rPr>
+              <a:t>slide</a:t>
+            </a:r>
+          </a:p>
+          <a:p>
+            <a:r>
+              <a:rPr lang="en-US" altLang="ko-KR">
+                <a:solidFill>
+                  <a:srgbClr val="C678DD"/>
+                </a:solidFill>
+                <a:latin typeface="Consolas" panose="020B0609020204030204" pitchFamily="49" charset="0"/>
+              </a:rPr>
+              <a:t>var</a:t>
+            </a:r>
+            <a:r>
+              <a:rPr lang="en-US" altLang="ko-KR">
+                <a:solidFill>
+                  <a:srgbClr val="ABB2BF"/>
+                </a:solidFill>
+                <a:latin typeface="Consolas" panose="020B0609020204030204" pitchFamily="49" charset="0"/>
+              </a:rPr>
+              <a:t> </a:t>
+            </a:r>
+            <a:r>
+              <a:rPr lang="en-US" altLang="ko-KR">
+                <a:solidFill>
+                  <a:srgbClr val="E06C75"/>
+                </a:solidFill>
+                <a:latin typeface="Consolas" panose="020B0609020204030204" pitchFamily="49" charset="0"/>
+              </a:rPr>
+              <a:t>slideCount</a:t>
+            </a:r>
+            <a:r>
+              <a:rPr lang="en-US" altLang="ko-KR">
+                <a:solidFill>
+                  <a:srgbClr val="ABB2BF"/>
+                </a:solidFill>
+                <a:latin typeface="Consolas" panose="020B0609020204030204" pitchFamily="49" charset="0"/>
+              </a:rPr>
+              <a:t> </a:t>
+            </a:r>
+            <a:r>
+              <a:rPr lang="en-US" altLang="ko-KR">
+                <a:solidFill>
+                  <a:srgbClr val="56B6C2"/>
+                </a:solidFill>
+                <a:latin typeface="Consolas" panose="020B0609020204030204" pitchFamily="49" charset="0"/>
+              </a:rPr>
+              <a:t>=</a:t>
+            </a:r>
+            <a:r>
+              <a:rPr lang="en-US" altLang="ko-KR">
+                <a:solidFill>
+                  <a:srgbClr val="ABB2BF"/>
+                </a:solidFill>
+                <a:latin typeface="Consolas" panose="020B0609020204030204" pitchFamily="49" charset="0"/>
+              </a:rPr>
+              <a:t> </a:t>
+            </a:r>
+            <a:r>
+              <a:rPr lang="en-US" altLang="ko-KR">
+                <a:solidFill>
+                  <a:srgbClr val="E06C75"/>
+                </a:solidFill>
+                <a:latin typeface="Consolas" panose="020B0609020204030204" pitchFamily="49" charset="0"/>
+              </a:rPr>
+              <a:t>slides</a:t>
+            </a:r>
+            <a:r>
+              <a:rPr lang="en-US" altLang="ko-KR">
+                <a:solidFill>
+                  <a:srgbClr val="ABB2BF"/>
+                </a:solidFill>
+                <a:latin typeface="Consolas" panose="020B0609020204030204" pitchFamily="49" charset="0"/>
+              </a:rPr>
+              <a:t>.</a:t>
+            </a:r>
+            <a:r>
+              <a:rPr lang="en-US" altLang="ko-KR">
+                <a:solidFill>
+                  <a:srgbClr val="E06C75"/>
+                </a:solidFill>
+                <a:latin typeface="Consolas" panose="020B0609020204030204" pitchFamily="49" charset="0"/>
+              </a:rPr>
+              <a:t>length</a:t>
+            </a:r>
+            <a:r>
+              <a:rPr lang="en-US" altLang="ko-KR">
+                <a:solidFill>
+                  <a:srgbClr val="ABB2BF"/>
+                </a:solidFill>
+                <a:latin typeface="Consolas" panose="020B0609020204030204" pitchFamily="49" charset="0"/>
+              </a:rPr>
+              <a:t>;  </a:t>
+            </a:r>
+            <a:r>
+              <a:rPr lang="en-US" altLang="ko-KR" i="1">
+                <a:solidFill>
+                  <a:srgbClr val="7F848E"/>
+                </a:solidFill>
+                <a:latin typeface="Consolas" panose="020B0609020204030204" pitchFamily="49" charset="0"/>
+              </a:rPr>
+              <a:t>// </a:t>
+            </a:r>
+            <a:r>
+              <a:rPr lang="ko-KR" altLang="en-US" i="1">
+                <a:solidFill>
+                  <a:srgbClr val="7F848E"/>
+                </a:solidFill>
+                <a:latin typeface="Consolas" panose="020B0609020204030204" pitchFamily="49" charset="0"/>
+              </a:rPr>
+              <a:t>슬라이드 개수</a:t>
+            </a:r>
+            <a:endParaRPr lang="ko-KR" altLang="en-US">
+              <a:solidFill>
+                <a:srgbClr val="ABB2BF"/>
+              </a:solidFill>
+              <a:latin typeface="Consolas" panose="020B0609020204030204" pitchFamily="49" charset="0"/>
+            </a:endParaRPr>
+          </a:p>
+          <a:p>
+            <a:endParaRPr lang="en-US" altLang="ko-KR" i="1">
+              <a:solidFill>
+                <a:srgbClr val="7F848E"/>
+              </a:solidFill>
+              <a:latin typeface="Consolas" panose="020B0609020204030204" pitchFamily="49" charset="0"/>
+            </a:endParaRPr>
+          </a:p>
         </p:txBody>
       </p:sp>
     </p:spTree>
     <p:extLst>
       <p:ext uri="{BB962C8B-B14F-4D97-AF65-F5344CB8AC3E}">
-        <p14:creationId xmlns:p14="http://schemas.microsoft.com/office/powerpoint/2010/main" val="2009467035"/>
+        <p14:creationId xmlns:p14="http://schemas.microsoft.com/office/powerpoint/2010/main" val="334853859"/>
       </p:ext>
     </p:extLst>
   </p:cSld>
@@ -8411,8 +9341,8 @@
         </p:nvSpPr>
         <p:spPr>
           <a:xfrm>
-            <a:off x="771144" y="1325880"/>
-            <a:ext cx="10686288" cy="5262979"/>
+            <a:off x="1502664" y="2414677"/>
+            <a:ext cx="6297168" cy="2215991"/>
           </a:xfrm>
           <a:prstGeom prst="rect">
             <a:avLst/>
@@ -8425,40 +9355,40 @@
           <a:lstStyle/>
           <a:p>
             <a:r>
-              <a:rPr lang="en-US" altLang="ko-KR" sz="2400">
-                <a:solidFill>
-                  <a:srgbClr val="C678DD"/>
-                </a:solidFill>
-                <a:latin typeface="Consolas" panose="020B0609020204030204" pitchFamily="49" charset="0"/>
-              </a:rPr>
-              <a:t>function</a:t>
-            </a:r>
-            <a:r>
-              <a:rPr lang="en-US" altLang="ko-KR" sz="2400">
-                <a:solidFill>
-                  <a:srgbClr val="ABB2BF"/>
-                </a:solidFill>
-                <a:latin typeface="Consolas" panose="020B0609020204030204" pitchFamily="49" charset="0"/>
-              </a:rPr>
-              <a:t> </a:t>
-            </a:r>
-            <a:r>
-              <a:rPr lang="en-US" altLang="ko-KR" sz="2400" err="1">
-                <a:solidFill>
-                  <a:srgbClr val="61AFEF"/>
-                </a:solidFill>
-                <a:latin typeface="Consolas" panose="020B0609020204030204" pitchFamily="49" charset="0"/>
-              </a:rPr>
-              <a:t>calculateTallestSlide</a:t>
-            </a:r>
-            <a:r>
-              <a:rPr lang="en-US" altLang="ko-KR" sz="2400">
-                <a:solidFill>
-                  <a:srgbClr val="ABB2BF"/>
-                </a:solidFill>
-                <a:latin typeface="Consolas" panose="020B0609020204030204" pitchFamily="49" charset="0"/>
-              </a:rPr>
-              <a:t>(){</a:t>
+              <a:rPr lang="en-US" altLang="ko-KR" i="1">
+                <a:solidFill>
+                  <a:srgbClr val="7F848E"/>
+                </a:solidFill>
+                <a:latin typeface="Consolas" panose="020B0609020204030204" pitchFamily="49" charset="0"/>
+              </a:rPr>
+              <a:t>// (</a:t>
+            </a:r>
+            <a:r>
+              <a:rPr lang="ko-KR" altLang="en-US" i="1">
+                <a:solidFill>
+                  <a:srgbClr val="7F848E"/>
+                </a:solidFill>
+                <a:latin typeface="Consolas" panose="020B0609020204030204" pitchFamily="49" charset="0"/>
+              </a:rPr>
+              <a:t>추가</a:t>
+            </a:r>
+            <a:r>
+              <a:rPr lang="en-US" altLang="ko-KR" i="1">
+                <a:solidFill>
+                  <a:srgbClr val="7F848E"/>
+                </a:solidFill>
+                <a:latin typeface="Consolas" panose="020B0609020204030204" pitchFamily="49" charset="0"/>
+              </a:rPr>
+              <a:t>) </a:t>
+            </a:r>
+            <a:r>
+              <a:rPr lang="ko-KR" altLang="en-US" i="1">
+                <a:solidFill>
+                  <a:srgbClr val="7F848E"/>
+                </a:solidFill>
+                <a:latin typeface="Consolas" panose="020B0609020204030204" pitchFamily="49" charset="0"/>
+              </a:rPr>
+              <a:t>슬라이드가 있으면 가로로 배열하기</a:t>
             </a:r>
           </a:p>
           <a:p>
@@ -8482,20 +9412,29 @@
             <a:r>
               <a:rPr lang="en-US" altLang="ko-KR" sz="2400">
                 <a:solidFill>
-                  <a:srgbClr val="ABB2BF"/>
-                </a:solidFill>
-                <a:latin typeface="Consolas" panose="020B0609020204030204" pitchFamily="49" charset="0"/>
-              </a:rPr>
-              <a:t>    </a:t>
+                  <a:srgbClr val="C678DD"/>
+                </a:solidFill>
+                <a:latin typeface="Consolas" panose="020B0609020204030204" pitchFamily="49" charset="0"/>
+              </a:rPr>
+              <a:t>for</a:t>
             </a:r>
             <a:r>
               <a:rPr lang="en-US" altLang="ko-KR" sz="2400">
                 <a:solidFill>
+                  <a:srgbClr val="ABB2BF"/>
+                </a:solidFill>
+                <a:latin typeface="Consolas" panose="020B0609020204030204" pitchFamily="49" charset="0"/>
+              </a:rPr>
+              <a:t>( </a:t>
+            </a:r>
+            <a:r>
+              <a:rPr lang="en-US" altLang="ko-KR" sz="2400">
+                <a:solidFill>
                   <a:srgbClr val="C678DD"/>
                 </a:solidFill>
                 <a:latin typeface="Consolas" panose="020B0609020204030204" pitchFamily="49" charset="0"/>
               </a:rPr>
-              <a:t>for</a:t>
+              <a:t>var</a:t>
             </a:r>
             <a:r>
               <a:rPr lang="en-US" altLang="ko-KR" sz="2400">
@@ -8504,20 +9443,20 @@
                 </a:solidFill>
                 <a:latin typeface="Consolas" panose="020B0609020204030204" pitchFamily="49" charset="0"/>
               </a:rPr>
-              <a:t>( </a:t>
-            </a:r>
-            <a:r>
-              <a:rPr lang="en-US" altLang="ko-KR" sz="2400" err="1">
-                <a:solidFill>
-                  <a:srgbClr val="C678DD"/>
-                </a:solidFill>
-                <a:latin typeface="Consolas" panose="020B0609020204030204" pitchFamily="49" charset="0"/>
-              </a:rPr>
-              <a:t>var</a:t>
+              <a:t> </a:t>
             </a:r>
             <a:r>
               <a:rPr lang="en-US" altLang="ko-KR" sz="2400">
                 <a:solidFill>
+                  <a:srgbClr val="E06C75"/>
+                </a:solidFill>
+                <a:latin typeface="Consolas" panose="020B0609020204030204" pitchFamily="49" charset="0"/>
+              </a:rPr>
+              <a:t>i</a:t>
+            </a:r>
+            <a:r>
+              <a:rPr lang="en-US" altLang="ko-KR" sz="2400">
+                <a:solidFill>
                   <a:srgbClr val="ABB2BF"/>
                 </a:solidFill>
                 <a:latin typeface="Consolas" panose="020B0609020204030204" pitchFamily="49" charset="0"/>
@@ -8525,7 +9464,43 @@
               <a:t> </a:t>
             </a:r>
             <a:r>
-              <a:rPr lang="en-US" altLang="ko-KR" sz="2400" err="1">
+              <a:rPr lang="en-US" altLang="ko-KR" sz="2400">
+                <a:solidFill>
+                  <a:srgbClr val="56B6C2"/>
+                </a:solidFill>
+                <a:latin typeface="Consolas" panose="020B0609020204030204" pitchFamily="49" charset="0"/>
+              </a:rPr>
+              <a:t>=</a:t>
+            </a:r>
+            <a:r>
+              <a:rPr lang="en-US" altLang="ko-KR" sz="2400">
+                <a:solidFill>
+                  <a:srgbClr val="ABB2BF"/>
+                </a:solidFill>
+                <a:latin typeface="Consolas" panose="020B0609020204030204" pitchFamily="49" charset="0"/>
+              </a:rPr>
+              <a:t> </a:t>
+            </a:r>
+            <a:r>
+              <a:rPr lang="en-US" altLang="ko-KR" sz="2400">
+                <a:solidFill>
+                  <a:srgbClr val="D19A66"/>
+                </a:solidFill>
+                <a:latin typeface="Consolas" panose="020B0609020204030204" pitchFamily="49" charset="0"/>
+              </a:rPr>
+              <a:t>0</a:t>
+            </a:r>
+            <a:r>
+              <a:rPr lang="en-US" altLang="ko-KR" sz="2400">
+                <a:solidFill>
+                  <a:srgbClr val="ABB2BF"/>
+                </a:solidFill>
+                <a:latin typeface="Consolas" panose="020B0609020204030204" pitchFamily="49" charset="0"/>
+              </a:rPr>
+              <a:t>; </a:t>
+            </a:r>
+            <a:r>
+              <a:rPr lang="en-US" altLang="ko-KR" sz="2400">
                 <a:solidFill>
                   <a:srgbClr val="E06C75"/>
                 </a:solidFill>
@@ -8549,6 +9524,143 @@
                 </a:solidFill>
                 <a:latin typeface="Consolas" panose="020B0609020204030204" pitchFamily="49" charset="0"/>
               </a:rPr>
+              <a:t>&lt;</a:t>
+            </a:r>
+            <a:r>
+              <a:rPr lang="en-US" altLang="ko-KR" sz="2400">
+                <a:solidFill>
+                  <a:srgbClr val="ABB2BF"/>
+                </a:solidFill>
+                <a:latin typeface="Consolas" panose="020B0609020204030204" pitchFamily="49" charset="0"/>
+              </a:rPr>
+              <a:t> </a:t>
+            </a:r>
+            <a:r>
+              <a:rPr lang="en-US" altLang="ko-KR" sz="2400">
+                <a:solidFill>
+                  <a:srgbClr val="E06C75"/>
+                </a:solidFill>
+                <a:latin typeface="Consolas" panose="020B0609020204030204" pitchFamily="49" charset="0"/>
+              </a:rPr>
+              <a:t>slideCount</a:t>
+            </a:r>
+            <a:r>
+              <a:rPr lang="en-US" altLang="ko-KR" sz="2400">
+                <a:solidFill>
+                  <a:srgbClr val="ABB2BF"/>
+                </a:solidFill>
+                <a:latin typeface="Consolas" panose="020B0609020204030204" pitchFamily="49" charset="0"/>
+              </a:rPr>
+              <a:t>; </a:t>
+            </a:r>
+            <a:r>
+              <a:rPr lang="en-US" altLang="ko-KR" sz="2400">
+                <a:solidFill>
+                  <a:srgbClr val="E06C75"/>
+                </a:solidFill>
+                <a:latin typeface="Consolas" panose="020B0609020204030204" pitchFamily="49" charset="0"/>
+              </a:rPr>
+              <a:t>i</a:t>
+            </a:r>
+            <a:r>
+              <a:rPr lang="en-US" altLang="ko-KR" sz="2400" smtClean="0">
+                <a:solidFill>
+                  <a:srgbClr val="56B6C2"/>
+                </a:solidFill>
+                <a:latin typeface="Consolas" panose="020B0609020204030204" pitchFamily="49" charset="0"/>
+              </a:rPr>
+              <a:t>++</a:t>
+            </a:r>
+            <a:r>
+              <a:rPr lang="en-US" altLang="ko-KR" sz="2400" smtClean="0">
+                <a:solidFill>
+                  <a:srgbClr val="ABB2BF"/>
+                </a:solidFill>
+                <a:latin typeface="Consolas" panose="020B0609020204030204" pitchFamily="49" charset="0"/>
+              </a:rPr>
+              <a:t>)</a:t>
+            </a:r>
+          </a:p>
+          <a:p>
+            <a:r>
+              <a:rPr lang="en-US" altLang="ko-KR" sz="2400" smtClean="0">
+                <a:solidFill>
+                  <a:srgbClr val="ABB2BF"/>
+                </a:solidFill>
+                <a:latin typeface="Consolas" panose="020B0609020204030204" pitchFamily="49" charset="0"/>
+              </a:rPr>
+              <a:t>{</a:t>
+            </a:r>
+            <a:r>
+              <a:rPr lang="en-US" altLang="ko-KR" sz="2400" smtClean="0">
+                <a:solidFill>
+                  <a:srgbClr val="E06C75"/>
+                </a:solidFill>
+                <a:latin typeface="Consolas" panose="020B0609020204030204" pitchFamily="49" charset="0"/>
+              </a:rPr>
+              <a:t>slides</a:t>
+            </a:r>
+            <a:r>
+              <a:rPr lang="en-US" altLang="ko-KR" sz="2400" smtClean="0">
+                <a:solidFill>
+                  <a:srgbClr val="ABB2BF"/>
+                </a:solidFill>
+                <a:latin typeface="Consolas" panose="020B0609020204030204" pitchFamily="49" charset="0"/>
+              </a:rPr>
+              <a:t>[</a:t>
+            </a:r>
+            <a:r>
+              <a:rPr lang="en-US" altLang="ko-KR" sz="2400" smtClean="0">
+                <a:solidFill>
+                  <a:srgbClr val="E06C75"/>
+                </a:solidFill>
+                <a:latin typeface="Consolas" panose="020B0609020204030204" pitchFamily="49" charset="0"/>
+              </a:rPr>
+              <a:t>i</a:t>
+            </a:r>
+            <a:r>
+              <a:rPr lang="en-US" altLang="ko-KR" sz="2400">
+                <a:solidFill>
+                  <a:srgbClr val="ABB2BF"/>
+                </a:solidFill>
+                <a:latin typeface="Consolas" panose="020B0609020204030204" pitchFamily="49" charset="0"/>
+              </a:rPr>
+              <a:t>].</a:t>
+            </a:r>
+            <a:r>
+              <a:rPr lang="en-US" altLang="ko-KR" sz="2400">
+                <a:solidFill>
+                  <a:srgbClr val="E06C75"/>
+                </a:solidFill>
+                <a:latin typeface="Consolas" panose="020B0609020204030204" pitchFamily="49" charset="0"/>
+              </a:rPr>
+              <a:t>style</a:t>
+            </a:r>
+            <a:r>
+              <a:rPr lang="en-US" altLang="ko-KR" sz="2400">
+                <a:solidFill>
+                  <a:srgbClr val="ABB2BF"/>
+                </a:solidFill>
+                <a:latin typeface="Consolas" panose="020B0609020204030204" pitchFamily="49" charset="0"/>
+              </a:rPr>
+              <a:t>.</a:t>
+            </a:r>
+            <a:r>
+              <a:rPr lang="en-US" altLang="ko-KR" sz="2400">
+                <a:solidFill>
+                  <a:srgbClr val="E06C75"/>
+                </a:solidFill>
+                <a:latin typeface="Consolas" panose="020B0609020204030204" pitchFamily="49" charset="0"/>
+              </a:rPr>
+              <a:t>left</a:t>
+            </a:r>
+            <a:r>
+              <a:rPr lang="en-US" altLang="ko-KR" sz="2400">
+                <a:solidFill>
+                  <a:srgbClr val="56B6C2"/>
+                </a:solidFill>
+                <a:latin typeface="Consolas" panose="020B0609020204030204" pitchFamily="49" charset="0"/>
+              </a:rPr>
               <a:t>=</a:t>
             </a:r>
             <a:r>
@@ -8563,11 +9675,29 @@
             <a:r>
               <a:rPr lang="en-US" altLang="ko-KR" sz="2400">
                 <a:solidFill>
+                  <a:srgbClr val="E06C75"/>
+                </a:solidFill>
+                <a:latin typeface="Consolas" panose="020B0609020204030204" pitchFamily="49" charset="0"/>
+              </a:rPr>
+              <a:t>i</a:t>
+            </a:r>
+            <a:r>
+              <a:rPr lang="en-US" altLang="ko-KR" sz="2400">
+                <a:solidFill>
+                  <a:srgbClr val="56B6C2"/>
+                </a:solidFill>
+                <a:latin typeface="Consolas" panose="020B0609020204030204" pitchFamily="49" charset="0"/>
+              </a:rPr>
+              <a:t>*</a:t>
+            </a:r>
+            <a:r>
+              <a:rPr lang="en-US" altLang="ko-KR" sz="2400">
+                <a:solidFill>
                   <a:srgbClr val="D19A66"/>
                 </a:solidFill>
                 <a:latin typeface="Consolas" panose="020B0609020204030204" pitchFamily="49" charset="0"/>
               </a:rPr>
-              <a:t>0</a:t>
+              <a:t>100</a:t>
             </a:r>
             <a:r>
               <a:rPr lang="en-US" altLang="ko-KR" sz="2400">
@@ -8576,20 +9706,20 @@
                 </a:solidFill>
                 <a:latin typeface="Consolas" panose="020B0609020204030204" pitchFamily="49" charset="0"/>
               </a:rPr>
-              <a:t>; </a:t>
-            </a:r>
-            <a:r>
-              <a:rPr lang="en-US" altLang="ko-KR" sz="2400" err="1">
-                <a:solidFill>
-                  <a:srgbClr val="E06C75"/>
-                </a:solidFill>
-                <a:latin typeface="Consolas" panose="020B0609020204030204" pitchFamily="49" charset="0"/>
-              </a:rPr>
-              <a:t>i</a:t>
+              <a:t> </a:t>
             </a:r>
             <a:r>
               <a:rPr lang="en-US" altLang="ko-KR" sz="2400">
                 <a:solidFill>
+                  <a:srgbClr val="56B6C2"/>
+                </a:solidFill>
+                <a:latin typeface="Consolas" panose="020B0609020204030204" pitchFamily="49" charset="0"/>
+              </a:rPr>
+              <a:t>+</a:t>
+            </a:r>
+            <a:r>
+              <a:rPr lang="en-US" altLang="ko-KR" sz="2400">
+                <a:solidFill>
                   <a:srgbClr val="ABB2BF"/>
                 </a:solidFill>
                 <a:latin typeface="Consolas" panose="020B0609020204030204" pitchFamily="49" charset="0"/>
@@ -8597,87 +9727,13 @@
               <a:t> </a:t>
             </a:r>
             <a:r>
-              <a:rPr lang="en-US" altLang="ko-KR" sz="2400">
-                <a:solidFill>
-                  <a:srgbClr val="56B6C2"/>
-                </a:solidFill>
-                <a:latin typeface="Consolas" panose="020B0609020204030204" pitchFamily="49" charset="0"/>
-              </a:rPr>
-              <a:t>&lt;</a:t>
-            </a:r>
-            <a:r>
-              <a:rPr lang="en-US" altLang="ko-KR" sz="2400">
-                <a:solidFill>
-                  <a:srgbClr val="ABB2BF"/>
-                </a:solidFill>
-                <a:latin typeface="Consolas" panose="020B0609020204030204" pitchFamily="49" charset="0"/>
-              </a:rPr>
-              <a:t> </a:t>
-            </a:r>
-            <a:r>
-              <a:rPr lang="en-US" altLang="ko-KR" sz="2400" err="1">
-                <a:solidFill>
-                  <a:srgbClr val="E06C75"/>
-                </a:solidFill>
-                <a:latin typeface="Consolas" panose="020B0609020204030204" pitchFamily="49" charset="0"/>
-              </a:rPr>
-              <a:t>slideCount</a:t>
-            </a:r>
-            <a:r>
-              <a:rPr lang="en-US" altLang="ko-KR" sz="2400">
-                <a:solidFill>
-                  <a:srgbClr val="ABB2BF"/>
-                </a:solidFill>
-                <a:latin typeface="Consolas" panose="020B0609020204030204" pitchFamily="49" charset="0"/>
-              </a:rPr>
-              <a:t> ; </a:t>
-            </a:r>
-            <a:r>
-              <a:rPr lang="en-US" altLang="ko-KR" sz="2400" err="1">
-                <a:solidFill>
-                  <a:srgbClr val="E06C75"/>
-                </a:solidFill>
-                <a:latin typeface="Consolas" panose="020B0609020204030204" pitchFamily="49" charset="0"/>
-              </a:rPr>
-              <a:t>i</a:t>
-            </a:r>
-            <a:r>
-              <a:rPr lang="en-US" altLang="ko-KR" sz="2400">
-                <a:solidFill>
-                  <a:srgbClr val="56B6C2"/>
-                </a:solidFill>
-                <a:latin typeface="Consolas" panose="020B0609020204030204" pitchFamily="49" charset="0"/>
-              </a:rPr>
-              <a:t>++</a:t>
-            </a:r>
-            <a:r>
-              <a:rPr lang="en-US" altLang="ko-KR" sz="2400">
-                <a:solidFill>
-                  <a:srgbClr val="ABB2BF"/>
-                </a:solidFill>
-                <a:latin typeface="Consolas" panose="020B0609020204030204" pitchFamily="49" charset="0"/>
-              </a:rPr>
-              <a:t> </a:t>
-            </a:r>
-            <a:r>
               <a:rPr lang="en-US" altLang="ko-KR" sz="2400" smtClean="0">
                 <a:solidFill>
-                  <a:srgbClr val="ABB2BF"/>
-                </a:solidFill>
-                <a:latin typeface="Consolas" panose="020B0609020204030204" pitchFamily="49" charset="0"/>
-              </a:rPr>
-              <a:t>)</a:t>
-            </a:r>
-          </a:p>
-          <a:p>
-            <a:r>
-              <a:rPr lang="en-US" altLang="ko-KR" sz="2400">
-                <a:solidFill>
-                  <a:srgbClr val="ABB2BF"/>
-                </a:solidFill>
-                <a:latin typeface="Consolas" panose="020B0609020204030204" pitchFamily="49" charset="0"/>
-              </a:rPr>
-              <a:t>	</a:t>
+                  <a:srgbClr val="98C379"/>
+                </a:solidFill>
+                <a:latin typeface="Consolas" panose="020B0609020204030204" pitchFamily="49" charset="0"/>
+              </a:rPr>
+              <a:t>'%'</a:t>
             </a:r>
             <a:r>
               <a:rPr lang="en-US" altLang="ko-KR" sz="2400" smtClean="0">
@@ -8686,225 +9742,7 @@
                 </a:solidFill>
                 <a:latin typeface="Consolas" panose="020B0609020204030204" pitchFamily="49" charset="0"/>
               </a:rPr>
-              <a:t>{</a:t>
-            </a:r>
-            <a:r>
-              <a:rPr lang="en-US" altLang="ko-KR" sz="2400" smtClean="0">
-                <a:solidFill>
-                  <a:srgbClr val="C678DD"/>
-                </a:solidFill>
-                <a:latin typeface="Consolas" panose="020B0609020204030204" pitchFamily="49" charset="0"/>
-              </a:rPr>
-              <a:t>if</a:t>
-            </a:r>
-            <a:r>
-              <a:rPr lang="en-US" altLang="ko-KR" sz="2400" smtClean="0">
-                <a:solidFill>
-                  <a:srgbClr val="ABB2BF"/>
-                </a:solidFill>
-                <a:latin typeface="Consolas" panose="020B0609020204030204" pitchFamily="49" charset="0"/>
-              </a:rPr>
-              <a:t>(</a:t>
-            </a:r>
-            <a:r>
-              <a:rPr lang="en-US" altLang="ko-KR" sz="2400" smtClean="0">
-                <a:solidFill>
-                  <a:srgbClr val="E06C75"/>
-                </a:solidFill>
-                <a:latin typeface="Consolas" panose="020B0609020204030204" pitchFamily="49" charset="0"/>
-              </a:rPr>
-              <a:t>slides</a:t>
-            </a:r>
-            <a:r>
-              <a:rPr lang="en-US" altLang="ko-KR" sz="2400" smtClean="0">
-                <a:solidFill>
-                  <a:srgbClr val="ABB2BF"/>
-                </a:solidFill>
-                <a:latin typeface="Consolas" panose="020B0609020204030204" pitchFamily="49" charset="0"/>
-              </a:rPr>
-              <a:t>[</a:t>
-            </a:r>
-            <a:r>
-              <a:rPr lang="en-US" altLang="ko-KR" sz="2400" smtClean="0">
-                <a:solidFill>
-                  <a:srgbClr val="E06C75"/>
-                </a:solidFill>
-                <a:latin typeface="Consolas" panose="020B0609020204030204" pitchFamily="49" charset="0"/>
-              </a:rPr>
-              <a:t>i</a:t>
-            </a:r>
-            <a:r>
-              <a:rPr lang="en-US" altLang="ko-KR" sz="2400">
-                <a:solidFill>
-                  <a:srgbClr val="ABB2BF"/>
-                </a:solidFill>
-                <a:latin typeface="Consolas" panose="020B0609020204030204" pitchFamily="49" charset="0"/>
-              </a:rPr>
-              <a:t>].</a:t>
-            </a:r>
-            <a:r>
-              <a:rPr lang="en-US" altLang="ko-KR" sz="2400" err="1">
-                <a:solidFill>
-                  <a:srgbClr val="E06C75"/>
-                </a:solidFill>
-                <a:latin typeface="Consolas" panose="020B0609020204030204" pitchFamily="49" charset="0"/>
-              </a:rPr>
-              <a:t>offsetHeight</a:t>
-            </a:r>
-            <a:r>
-              <a:rPr lang="en-US" altLang="ko-KR" sz="2400">
-                <a:solidFill>
-                  <a:srgbClr val="ABB2BF"/>
-                </a:solidFill>
-                <a:latin typeface="Consolas" panose="020B0609020204030204" pitchFamily="49" charset="0"/>
-              </a:rPr>
-              <a:t> </a:t>
-            </a:r>
-            <a:r>
-              <a:rPr lang="en-US" altLang="ko-KR" sz="2400">
-                <a:solidFill>
-                  <a:srgbClr val="56B6C2"/>
-                </a:solidFill>
-                <a:latin typeface="Consolas" panose="020B0609020204030204" pitchFamily="49" charset="0"/>
-              </a:rPr>
-              <a:t>&gt;</a:t>
-            </a:r>
-            <a:r>
-              <a:rPr lang="en-US" altLang="ko-KR" sz="2400">
-                <a:solidFill>
-                  <a:srgbClr val="ABB2BF"/>
-                </a:solidFill>
-                <a:latin typeface="Consolas" panose="020B0609020204030204" pitchFamily="49" charset="0"/>
-              </a:rPr>
-              <a:t> </a:t>
-            </a:r>
-            <a:r>
-              <a:rPr lang="en-US" altLang="ko-KR" sz="2400" smtClean="0">
-                <a:solidFill>
-                  <a:srgbClr val="E06C75"/>
-                </a:solidFill>
-                <a:latin typeface="Consolas" panose="020B0609020204030204" pitchFamily="49" charset="0"/>
-              </a:rPr>
-              <a:t>topHeight</a:t>
-            </a:r>
-            <a:r>
-              <a:rPr lang="en-US" altLang="ko-KR" sz="2400" smtClean="0">
-                <a:solidFill>
-                  <a:srgbClr val="ABB2BF"/>
-                </a:solidFill>
-                <a:latin typeface="Consolas" panose="020B0609020204030204" pitchFamily="49" charset="0"/>
-              </a:rPr>
-              <a:t>)</a:t>
-            </a:r>
-          </a:p>
-          <a:p>
-            <a:r>
-              <a:rPr lang="en-US" altLang="ko-KR" sz="2400">
-                <a:solidFill>
-                  <a:srgbClr val="ABB2BF"/>
-                </a:solidFill>
-                <a:latin typeface="Consolas" panose="020B0609020204030204" pitchFamily="49" charset="0"/>
-              </a:rPr>
-              <a:t>	</a:t>
-            </a:r>
-            <a:r>
-              <a:rPr lang="en-US" altLang="ko-KR" sz="2400" smtClean="0">
-                <a:solidFill>
-                  <a:srgbClr val="ABB2BF"/>
-                </a:solidFill>
-                <a:latin typeface="Consolas" panose="020B0609020204030204" pitchFamily="49" charset="0"/>
-              </a:rPr>
-              <a:t>	{</a:t>
-            </a:r>
-            <a:r>
-              <a:rPr lang="en-US" altLang="ko-KR" sz="2400" smtClean="0">
-                <a:solidFill>
-                  <a:srgbClr val="E06C75"/>
-                </a:solidFill>
-                <a:latin typeface="Consolas" panose="020B0609020204030204" pitchFamily="49" charset="0"/>
-              </a:rPr>
-              <a:t>topHeight</a:t>
-            </a:r>
-            <a:r>
-              <a:rPr lang="en-US" altLang="ko-KR" sz="2400">
-                <a:solidFill>
-                  <a:srgbClr val="ABB2BF"/>
-                </a:solidFill>
-                <a:latin typeface="Consolas" panose="020B0609020204030204" pitchFamily="49" charset="0"/>
-              </a:rPr>
-              <a:t> </a:t>
-            </a:r>
-            <a:r>
-              <a:rPr lang="en-US" altLang="ko-KR" sz="2400">
-                <a:solidFill>
-                  <a:srgbClr val="56B6C2"/>
-                </a:solidFill>
-                <a:latin typeface="Consolas" panose="020B0609020204030204" pitchFamily="49" charset="0"/>
-              </a:rPr>
-              <a:t>=</a:t>
-            </a:r>
-            <a:r>
-              <a:rPr lang="en-US" altLang="ko-KR" sz="2400">
-                <a:solidFill>
-                  <a:srgbClr val="ABB2BF"/>
-                </a:solidFill>
-                <a:latin typeface="Consolas" panose="020B0609020204030204" pitchFamily="49" charset="0"/>
-              </a:rPr>
-              <a:t> </a:t>
-            </a:r>
-            <a:r>
-              <a:rPr lang="en-US" altLang="ko-KR" sz="2400">
-                <a:solidFill>
-                  <a:srgbClr val="E06C75"/>
-                </a:solidFill>
-                <a:latin typeface="Consolas" panose="020B0609020204030204" pitchFamily="49" charset="0"/>
-              </a:rPr>
-              <a:t>slides</a:t>
-            </a:r>
-            <a:r>
-              <a:rPr lang="en-US" altLang="ko-KR" sz="2400">
-                <a:solidFill>
-                  <a:srgbClr val="ABB2BF"/>
-                </a:solidFill>
-                <a:latin typeface="Consolas" panose="020B0609020204030204" pitchFamily="49" charset="0"/>
-              </a:rPr>
-              <a:t>[</a:t>
-            </a:r>
-            <a:r>
-              <a:rPr lang="en-US" altLang="ko-KR" sz="2400" err="1">
-                <a:solidFill>
-                  <a:srgbClr val="E06C75"/>
-                </a:solidFill>
-                <a:latin typeface="Consolas" panose="020B0609020204030204" pitchFamily="49" charset="0"/>
-              </a:rPr>
-              <a:t>i</a:t>
-            </a:r>
-            <a:r>
-              <a:rPr lang="en-US" altLang="ko-KR" sz="2400">
-                <a:solidFill>
-                  <a:srgbClr val="ABB2BF"/>
-                </a:solidFill>
-                <a:latin typeface="Consolas" panose="020B0609020204030204" pitchFamily="49" charset="0"/>
-              </a:rPr>
-              <a:t>].</a:t>
-            </a:r>
-            <a:r>
-              <a:rPr lang="en-US" altLang="ko-KR" sz="2400" err="1">
-                <a:solidFill>
-                  <a:srgbClr val="E06C75"/>
-                </a:solidFill>
-                <a:latin typeface="Consolas" panose="020B0609020204030204" pitchFamily="49" charset="0"/>
-              </a:rPr>
-              <a:t>offsetHeight</a:t>
-            </a:r>
-            <a:r>
-              <a:rPr lang="en-US" altLang="ko-KR" sz="2400" smtClean="0">
-                <a:solidFill>
-                  <a:srgbClr val="ABB2BF"/>
-                </a:solidFill>
-                <a:latin typeface="Consolas" panose="020B0609020204030204" pitchFamily="49" charset="0"/>
-              </a:rPr>
-              <a:t>;}}</a:t>
+              <a:t>;}</a:t>
             </a:r>
             <a:endParaRPr lang="en-US" altLang="ko-KR" sz="2400">
               <a:solidFill>
@@ -8912,431 +9750,6 @@
               </a:solidFill>
               <a:latin typeface="Consolas" panose="020B0609020204030204" pitchFamily="49" charset="0"/>
             </a:endParaRPr>
-          </a:p>
-          <a:p>
-            <a:r>
-              <a:rPr lang="en-US" altLang="ko-KR" sz="2400">
-                <a:solidFill>
-                  <a:srgbClr val="ABB2BF"/>
-                </a:solidFill>
-                <a:latin typeface="Consolas" panose="020B0609020204030204" pitchFamily="49" charset="0"/>
-              </a:rPr>
-              <a:t/>
-            </a:r>
-            <a:br>
-              <a:rPr lang="en-US" altLang="ko-KR" sz="2400">
-                <a:solidFill>
-                  <a:srgbClr val="ABB2BF"/>
-                </a:solidFill>
-                <a:latin typeface="Consolas" panose="020B0609020204030204" pitchFamily="49" charset="0"/>
-              </a:rPr>
-            </a:br>
-            <a:r>
-              <a:rPr lang="en-US" altLang="ko-KR" sz="2400">
-                <a:solidFill>
-                  <a:srgbClr val="ABB2BF"/>
-                </a:solidFill>
-                <a:latin typeface="Consolas" panose="020B0609020204030204" pitchFamily="49" charset="0"/>
-              </a:rPr>
-              <a:t>    </a:t>
-            </a:r>
-            <a:r>
-              <a:rPr lang="en-US" altLang="ko-KR" sz="2400" err="1">
-                <a:solidFill>
-                  <a:srgbClr val="E06C75"/>
-                </a:solidFill>
-                <a:latin typeface="Consolas" panose="020B0609020204030204" pitchFamily="49" charset="0"/>
-              </a:rPr>
-              <a:t>slideWrapper</a:t>
-            </a:r>
-            <a:r>
-              <a:rPr lang="en-US" altLang="ko-KR" sz="2400">
-                <a:solidFill>
-                  <a:srgbClr val="ABB2BF"/>
-                </a:solidFill>
-                <a:latin typeface="Consolas" panose="020B0609020204030204" pitchFamily="49" charset="0"/>
-              </a:rPr>
-              <a:t>[</a:t>
-            </a:r>
-            <a:r>
-              <a:rPr lang="en-US" altLang="ko-KR" sz="2400">
-                <a:solidFill>
-                  <a:srgbClr val="D19A66"/>
-                </a:solidFill>
-                <a:latin typeface="Consolas" panose="020B0609020204030204" pitchFamily="49" charset="0"/>
-              </a:rPr>
-              <a:t>0</a:t>
-            </a:r>
-            <a:r>
-              <a:rPr lang="en-US" altLang="ko-KR" sz="2400">
-                <a:solidFill>
-                  <a:srgbClr val="ABB2BF"/>
-                </a:solidFill>
-                <a:latin typeface="Consolas" panose="020B0609020204030204" pitchFamily="49" charset="0"/>
-              </a:rPr>
-              <a:t>].</a:t>
-            </a:r>
-            <a:r>
-              <a:rPr lang="en-US" altLang="ko-KR" sz="2400" err="1">
-                <a:solidFill>
-                  <a:srgbClr val="E06C75"/>
-                </a:solidFill>
-                <a:latin typeface="Consolas" panose="020B0609020204030204" pitchFamily="49" charset="0"/>
-              </a:rPr>
-              <a:t>style</a:t>
-            </a:r>
-            <a:r>
-              <a:rPr lang="en-US" altLang="ko-KR" sz="2400" err="1">
-                <a:solidFill>
-                  <a:srgbClr val="ABB2BF"/>
-                </a:solidFill>
-                <a:latin typeface="Consolas" panose="020B0609020204030204" pitchFamily="49" charset="0"/>
-              </a:rPr>
-              <a:t>.</a:t>
-            </a:r>
-            <a:r>
-              <a:rPr lang="en-US" altLang="ko-KR" sz="2400" err="1">
-                <a:solidFill>
-                  <a:srgbClr val="E06C75"/>
-                </a:solidFill>
-                <a:latin typeface="Consolas" panose="020B0609020204030204" pitchFamily="49" charset="0"/>
-              </a:rPr>
-              <a:t>height</a:t>
-            </a:r>
-            <a:r>
-              <a:rPr lang="en-US" altLang="ko-KR" sz="2400">
-                <a:solidFill>
-                  <a:srgbClr val="ABB2BF"/>
-                </a:solidFill>
-                <a:latin typeface="Consolas" panose="020B0609020204030204" pitchFamily="49" charset="0"/>
-              </a:rPr>
-              <a:t> </a:t>
-            </a:r>
-            <a:r>
-              <a:rPr lang="en-US" altLang="ko-KR" sz="2400">
-                <a:solidFill>
-                  <a:srgbClr val="56B6C2"/>
-                </a:solidFill>
-                <a:latin typeface="Consolas" panose="020B0609020204030204" pitchFamily="49" charset="0"/>
-              </a:rPr>
-              <a:t>=</a:t>
-            </a:r>
-            <a:r>
-              <a:rPr lang="en-US" altLang="ko-KR" sz="2400">
-                <a:solidFill>
-                  <a:srgbClr val="ABB2BF"/>
-                </a:solidFill>
-                <a:latin typeface="Consolas" panose="020B0609020204030204" pitchFamily="49" charset="0"/>
-              </a:rPr>
-              <a:t> </a:t>
-            </a:r>
-            <a:r>
-              <a:rPr lang="en-US" altLang="ko-KR" sz="2400" err="1">
-                <a:solidFill>
-                  <a:srgbClr val="E06C75"/>
-                </a:solidFill>
-                <a:latin typeface="Consolas" panose="020B0609020204030204" pitchFamily="49" charset="0"/>
-              </a:rPr>
-              <a:t>topHeight</a:t>
-            </a:r>
-            <a:r>
-              <a:rPr lang="en-US" altLang="ko-KR" sz="2400">
-                <a:solidFill>
-                  <a:srgbClr val="ABB2BF"/>
-                </a:solidFill>
-                <a:latin typeface="Consolas" panose="020B0609020204030204" pitchFamily="49" charset="0"/>
-              </a:rPr>
-              <a:t> </a:t>
-            </a:r>
-            <a:r>
-              <a:rPr lang="en-US" altLang="ko-KR" sz="2400">
-                <a:solidFill>
-                  <a:srgbClr val="56B6C2"/>
-                </a:solidFill>
-                <a:latin typeface="Consolas" panose="020B0609020204030204" pitchFamily="49" charset="0"/>
-              </a:rPr>
-              <a:t>+</a:t>
-            </a:r>
-            <a:r>
-              <a:rPr lang="en-US" altLang="ko-KR" sz="2400">
-                <a:solidFill>
-                  <a:srgbClr val="ABB2BF"/>
-                </a:solidFill>
-                <a:latin typeface="Consolas" panose="020B0609020204030204" pitchFamily="49" charset="0"/>
-              </a:rPr>
-              <a:t> </a:t>
-            </a:r>
-            <a:r>
-              <a:rPr lang="en-US" altLang="ko-KR" sz="2400">
-                <a:solidFill>
-                  <a:srgbClr val="98C379"/>
-                </a:solidFill>
-                <a:latin typeface="Consolas" panose="020B0609020204030204" pitchFamily="49" charset="0"/>
-              </a:rPr>
-              <a:t>'</a:t>
-            </a:r>
-            <a:r>
-              <a:rPr lang="en-US" altLang="ko-KR" sz="2400" err="1">
-                <a:solidFill>
-                  <a:srgbClr val="98C379"/>
-                </a:solidFill>
-                <a:latin typeface="Consolas" panose="020B0609020204030204" pitchFamily="49" charset="0"/>
-              </a:rPr>
-              <a:t>px</a:t>
-            </a:r>
-            <a:r>
-              <a:rPr lang="en-US" altLang="ko-KR" sz="2400">
-                <a:solidFill>
-                  <a:srgbClr val="98C379"/>
-                </a:solidFill>
-                <a:latin typeface="Consolas" panose="020B0609020204030204" pitchFamily="49" charset="0"/>
-              </a:rPr>
-              <a:t>'</a:t>
-            </a:r>
-            <a:r>
-              <a:rPr lang="en-US" altLang="ko-KR" sz="2400">
-                <a:solidFill>
-                  <a:srgbClr val="ABB2BF"/>
-                </a:solidFill>
-                <a:latin typeface="Consolas" panose="020B0609020204030204" pitchFamily="49" charset="0"/>
-              </a:rPr>
-              <a:t>;</a:t>
-            </a:r>
-          </a:p>
-          <a:p>
-            <a:r>
-              <a:rPr lang="en-US" altLang="ko-KR" sz="2400">
-                <a:solidFill>
-                  <a:srgbClr val="ABB2BF"/>
-                </a:solidFill>
-                <a:latin typeface="Consolas" panose="020B0609020204030204" pitchFamily="49" charset="0"/>
-              </a:rPr>
-              <a:t>    </a:t>
-            </a:r>
-            <a:r>
-              <a:rPr lang="en-US" altLang="ko-KR" sz="2400" err="1">
-                <a:solidFill>
-                  <a:srgbClr val="E06C75"/>
-                </a:solidFill>
-                <a:latin typeface="Consolas" panose="020B0609020204030204" pitchFamily="49" charset="0"/>
-              </a:rPr>
-              <a:t>slideContainer</a:t>
-            </a:r>
-            <a:r>
-              <a:rPr lang="en-US" altLang="ko-KR" sz="2400">
-                <a:solidFill>
-                  <a:srgbClr val="ABB2BF"/>
-                </a:solidFill>
-                <a:latin typeface="Consolas" panose="020B0609020204030204" pitchFamily="49" charset="0"/>
-              </a:rPr>
-              <a:t>[</a:t>
-            </a:r>
-            <a:r>
-              <a:rPr lang="en-US" altLang="ko-KR" sz="2400">
-                <a:solidFill>
-                  <a:srgbClr val="D19A66"/>
-                </a:solidFill>
-                <a:latin typeface="Consolas" panose="020B0609020204030204" pitchFamily="49" charset="0"/>
-              </a:rPr>
-              <a:t>0</a:t>
-            </a:r>
-            <a:r>
-              <a:rPr lang="en-US" altLang="ko-KR" sz="2400">
-                <a:solidFill>
-                  <a:srgbClr val="ABB2BF"/>
-                </a:solidFill>
-                <a:latin typeface="Consolas" panose="020B0609020204030204" pitchFamily="49" charset="0"/>
-              </a:rPr>
-              <a:t>].</a:t>
-            </a:r>
-            <a:r>
-              <a:rPr lang="en-US" altLang="ko-KR" sz="2400" err="1">
-                <a:solidFill>
-                  <a:srgbClr val="E06C75"/>
-                </a:solidFill>
-                <a:latin typeface="Consolas" panose="020B0609020204030204" pitchFamily="49" charset="0"/>
-              </a:rPr>
-              <a:t>style</a:t>
-            </a:r>
-            <a:r>
-              <a:rPr lang="en-US" altLang="ko-KR" sz="2400" err="1">
-                <a:solidFill>
-                  <a:srgbClr val="ABB2BF"/>
-                </a:solidFill>
-                <a:latin typeface="Consolas" panose="020B0609020204030204" pitchFamily="49" charset="0"/>
-              </a:rPr>
-              <a:t>.</a:t>
-            </a:r>
-            <a:r>
-              <a:rPr lang="en-US" altLang="ko-KR" sz="2400" err="1">
-                <a:solidFill>
-                  <a:srgbClr val="E06C75"/>
-                </a:solidFill>
-                <a:latin typeface="Consolas" panose="020B0609020204030204" pitchFamily="49" charset="0"/>
-              </a:rPr>
-              <a:t>height</a:t>
-            </a:r>
-            <a:r>
-              <a:rPr lang="en-US" altLang="ko-KR" sz="2400">
-                <a:solidFill>
-                  <a:srgbClr val="ABB2BF"/>
-                </a:solidFill>
-                <a:latin typeface="Consolas" panose="020B0609020204030204" pitchFamily="49" charset="0"/>
-              </a:rPr>
-              <a:t> </a:t>
-            </a:r>
-            <a:r>
-              <a:rPr lang="en-US" altLang="ko-KR" sz="2400">
-                <a:solidFill>
-                  <a:srgbClr val="56B6C2"/>
-                </a:solidFill>
-                <a:latin typeface="Consolas" panose="020B0609020204030204" pitchFamily="49" charset="0"/>
-              </a:rPr>
-              <a:t>=</a:t>
-            </a:r>
-            <a:r>
-              <a:rPr lang="en-US" altLang="ko-KR" sz="2400">
-                <a:solidFill>
-                  <a:srgbClr val="ABB2BF"/>
-                </a:solidFill>
-                <a:latin typeface="Consolas" panose="020B0609020204030204" pitchFamily="49" charset="0"/>
-              </a:rPr>
-              <a:t> </a:t>
-            </a:r>
-            <a:r>
-              <a:rPr lang="en-US" altLang="ko-KR" sz="2400" err="1">
-                <a:solidFill>
-                  <a:srgbClr val="E06C75"/>
-                </a:solidFill>
-                <a:latin typeface="Consolas" panose="020B0609020204030204" pitchFamily="49" charset="0"/>
-              </a:rPr>
-              <a:t>topHeight</a:t>
-            </a:r>
-            <a:r>
-              <a:rPr lang="en-US" altLang="ko-KR" sz="2400">
-                <a:solidFill>
-                  <a:srgbClr val="ABB2BF"/>
-                </a:solidFill>
-                <a:latin typeface="Consolas" panose="020B0609020204030204" pitchFamily="49" charset="0"/>
-              </a:rPr>
-              <a:t> </a:t>
-            </a:r>
-            <a:r>
-              <a:rPr lang="en-US" altLang="ko-KR" sz="2400">
-                <a:solidFill>
-                  <a:srgbClr val="56B6C2"/>
-                </a:solidFill>
-                <a:latin typeface="Consolas" panose="020B0609020204030204" pitchFamily="49" charset="0"/>
-              </a:rPr>
-              <a:t>+</a:t>
-            </a:r>
-            <a:r>
-              <a:rPr lang="en-US" altLang="ko-KR" sz="2400">
-                <a:solidFill>
-                  <a:srgbClr val="ABB2BF"/>
-                </a:solidFill>
-                <a:latin typeface="Consolas" panose="020B0609020204030204" pitchFamily="49" charset="0"/>
-              </a:rPr>
-              <a:t> </a:t>
-            </a:r>
-            <a:r>
-              <a:rPr lang="en-US" altLang="ko-KR" sz="2400">
-                <a:solidFill>
-                  <a:srgbClr val="98C379"/>
-                </a:solidFill>
-                <a:latin typeface="Consolas" panose="020B0609020204030204" pitchFamily="49" charset="0"/>
-              </a:rPr>
-              <a:t>'</a:t>
-            </a:r>
-            <a:r>
-              <a:rPr lang="en-US" altLang="ko-KR" sz="2400" err="1">
-                <a:solidFill>
-                  <a:srgbClr val="98C379"/>
-                </a:solidFill>
-                <a:latin typeface="Consolas" panose="020B0609020204030204" pitchFamily="49" charset="0"/>
-              </a:rPr>
-              <a:t>px</a:t>
-            </a:r>
-            <a:r>
-              <a:rPr lang="en-US" altLang="ko-KR" sz="2400">
-                <a:solidFill>
-                  <a:srgbClr val="98C379"/>
-                </a:solidFill>
-                <a:latin typeface="Consolas" panose="020B0609020204030204" pitchFamily="49" charset="0"/>
-              </a:rPr>
-              <a:t>'</a:t>
-            </a:r>
-            <a:r>
-              <a:rPr lang="en-US" altLang="ko-KR" sz="2400">
-                <a:solidFill>
-                  <a:srgbClr val="ABB2BF"/>
-                </a:solidFill>
-                <a:latin typeface="Consolas" panose="020B0609020204030204" pitchFamily="49" charset="0"/>
-              </a:rPr>
-              <a:t>;</a:t>
-            </a:r>
-          </a:p>
-          <a:p>
-            <a:endParaRPr lang="en-US" altLang="ko-KR" sz="2400" smtClean="0">
-              <a:solidFill>
-                <a:srgbClr val="ABB2BF"/>
-              </a:solidFill>
-              <a:latin typeface="Consolas" panose="020B0609020204030204" pitchFamily="49" charset="0"/>
-            </a:endParaRPr>
-          </a:p>
-          <a:p>
-            <a:r>
-              <a:rPr lang="en-US" altLang="ko-KR" sz="2400" smtClean="0">
-                <a:solidFill>
-                  <a:srgbClr val="ABB2BF"/>
-                </a:solidFill>
-                <a:latin typeface="Consolas" panose="020B0609020204030204" pitchFamily="49" charset="0"/>
-              </a:rPr>
-              <a:t>}</a:t>
-            </a:r>
-            <a:endParaRPr lang="en-US" altLang="ko-KR" sz="2400">
-              <a:solidFill>
-                <a:srgbClr val="ABB2BF"/>
-              </a:solidFill>
-              <a:latin typeface="Consolas" panose="020B0609020204030204" pitchFamily="49" charset="0"/>
-            </a:endParaRPr>
-          </a:p>
-          <a:p>
-            <a:r>
-              <a:rPr lang="en-US" altLang="ko-KR" sz="2400">
-                <a:solidFill>
-                  <a:srgbClr val="ABB2BF"/>
-                </a:solidFill>
-                <a:latin typeface="Consolas" panose="020B0609020204030204" pitchFamily="49" charset="0"/>
-              </a:rPr>
-              <a:t/>
-            </a:r>
-            <a:br>
-              <a:rPr lang="en-US" altLang="ko-KR" sz="2400">
-                <a:solidFill>
-                  <a:srgbClr val="ABB2BF"/>
-                </a:solidFill>
-                <a:latin typeface="Consolas" panose="020B0609020204030204" pitchFamily="49" charset="0"/>
-              </a:rPr>
-            </a:br>
-            <a:r>
-              <a:rPr lang="en-US" altLang="ko-KR" sz="2400" err="1">
-                <a:solidFill>
-                  <a:srgbClr val="61AFEF"/>
-                </a:solidFill>
-                <a:latin typeface="Consolas" panose="020B0609020204030204" pitchFamily="49" charset="0"/>
-              </a:rPr>
-              <a:t>calculateTallestSlide</a:t>
-            </a:r>
-            <a:r>
-              <a:rPr lang="en-US" altLang="ko-KR" sz="2400">
-                <a:solidFill>
-                  <a:srgbClr val="ABB2BF"/>
-                </a:solidFill>
-                <a:latin typeface="Consolas" panose="020B0609020204030204" pitchFamily="49" charset="0"/>
-              </a:rPr>
-              <a:t>();</a:t>
-            </a:r>
           </a:p>
           <a:p>
             <a:r>
@@ -9366,86 +9779,10 @@
           </a:p>
         </p:txBody>
       </p:sp>
-      <p:sp>
-        <p:nvSpPr>
-          <p:cNvPr id="5" name="Rectangle 4"/>
-          <p:cNvSpPr/>
-          <p:nvPr/>
-        </p:nvSpPr>
-        <p:spPr>
-          <a:xfrm>
-            <a:off x="521512" y="656582"/>
-            <a:ext cx="6886822" cy="369332"/>
-          </a:xfrm>
-          <a:prstGeom prst="rect">
-            <a:avLst/>
-          </a:prstGeom>
-        </p:spPr>
-        <p:txBody>
-          <a:bodyPr wrap="none">
-            <a:spAutoFit/>
-          </a:bodyPr>
-          <a:lstStyle/>
-          <a:p>
-            <a:r>
-              <a:rPr lang="en-US" altLang="ko-KR" i="1" smtClean="0">
-                <a:solidFill>
-                  <a:srgbClr val="7F848E"/>
-                </a:solidFill>
-                <a:latin typeface="Consolas" panose="020B0609020204030204" pitchFamily="49" charset="0"/>
-              </a:rPr>
-              <a:t>// (</a:t>
-            </a:r>
-            <a:r>
-              <a:rPr lang="ko-KR" altLang="en-US" i="1" smtClean="0">
-                <a:solidFill>
-                  <a:srgbClr val="7F848E"/>
-                </a:solidFill>
-                <a:latin typeface="Consolas" panose="020B0609020204030204" pitchFamily="49" charset="0"/>
-              </a:rPr>
-              <a:t>추가</a:t>
-            </a:r>
-            <a:r>
-              <a:rPr lang="en-US" altLang="ko-KR" i="1" smtClean="0">
-                <a:solidFill>
-                  <a:srgbClr val="7F848E"/>
-                </a:solidFill>
-                <a:latin typeface="Consolas" panose="020B0609020204030204" pitchFamily="49" charset="0"/>
-              </a:rPr>
-              <a:t>) </a:t>
-            </a:r>
-            <a:r>
-              <a:rPr lang="ko-KR" altLang="en-US" i="1" smtClean="0">
-                <a:solidFill>
-                  <a:srgbClr val="7F848E"/>
-                </a:solidFill>
-                <a:latin typeface="Consolas" panose="020B0609020204030204" pitchFamily="49" charset="0"/>
-              </a:rPr>
-              <a:t>슬라이드의</a:t>
-            </a:r>
-            <a:r>
-              <a:rPr lang="ko-KR" altLang="en-US" i="1">
-                <a:solidFill>
-                  <a:srgbClr val="7F848E"/>
-                </a:solidFill>
-                <a:latin typeface="Consolas" panose="020B0609020204030204" pitchFamily="49" charset="0"/>
-              </a:rPr>
-              <a:t> 높이 확인하여 부모의 높이로 지정하기</a:t>
-            </a:r>
-            <a:endParaRPr lang="ko-KR" altLang="en-US" b="0">
-              <a:solidFill>
-                <a:srgbClr val="ABB2BF"/>
-              </a:solidFill>
-              <a:effectLst/>
-              <a:latin typeface="Consolas" panose="020B0609020204030204" pitchFamily="49" charset="0"/>
-            </a:endParaRPr>
-          </a:p>
-        </p:txBody>
-      </p:sp>
     </p:spTree>
     <p:extLst>
       <p:ext uri="{BB962C8B-B14F-4D97-AF65-F5344CB8AC3E}">
-        <p14:creationId xmlns:p14="http://schemas.microsoft.com/office/powerpoint/2010/main" val="3551789035"/>
+        <p14:creationId xmlns:p14="http://schemas.microsoft.com/office/powerpoint/2010/main" val="2704689608"/>
       </p:ext>
     </p:extLst>
   </p:cSld>

--- a/study/ex03_제작/추가내용.pptx
+++ b/study/ex03_제작/추가내용.pptx
@@ -6,19 +6,20 @@
   </p:sldMasterIdLst>
   <p:sldIdLst>
     <p:sldId id="268" r:id="rId2"/>
-    <p:sldId id="261" r:id="rId3"/>
-    <p:sldId id="264" r:id="rId4"/>
-    <p:sldId id="270" r:id="rId5"/>
-    <p:sldId id="257" r:id="rId6"/>
-    <p:sldId id="265" r:id="rId7"/>
-    <p:sldId id="271" r:id="rId8"/>
-    <p:sldId id="272" r:id="rId9"/>
-    <p:sldId id="262" r:id="rId10"/>
-    <p:sldId id="273" r:id="rId11"/>
-    <p:sldId id="256" r:id="rId12"/>
-    <p:sldId id="260" r:id="rId13"/>
-    <p:sldId id="274" r:id="rId14"/>
-    <p:sldId id="267" r:id="rId15"/>
+    <p:sldId id="275" r:id="rId3"/>
+    <p:sldId id="261" r:id="rId4"/>
+    <p:sldId id="264" r:id="rId5"/>
+    <p:sldId id="270" r:id="rId6"/>
+    <p:sldId id="257" r:id="rId7"/>
+    <p:sldId id="265" r:id="rId8"/>
+    <p:sldId id="271" r:id="rId9"/>
+    <p:sldId id="272" r:id="rId10"/>
+    <p:sldId id="262" r:id="rId11"/>
+    <p:sldId id="273" r:id="rId12"/>
+    <p:sldId id="256" r:id="rId13"/>
+    <p:sldId id="260" r:id="rId14"/>
+    <p:sldId id="274" r:id="rId15"/>
+    <p:sldId id="267" r:id="rId16"/>
   </p:sldIdLst>
   <p:sldSz cx="12192000" cy="6858000"/>
   <p:notesSz cx="6858000" cy="9144000"/>
@@ -3044,6 +3045,482 @@
       </p:grpSpPr>
       <p:sp>
         <p:nvSpPr>
+          <p:cNvPr id="4" name="Rectangle 3"/>
+          <p:cNvSpPr/>
+          <p:nvPr/>
+        </p:nvSpPr>
+        <p:spPr>
+          <a:xfrm>
+            <a:off x="1502664" y="2414677"/>
+            <a:ext cx="6297168" cy="2215991"/>
+          </a:xfrm>
+          <a:prstGeom prst="rect">
+            <a:avLst/>
+          </a:prstGeom>
+        </p:spPr>
+        <p:txBody>
+          <a:bodyPr wrap="square">
+            <a:spAutoFit/>
+          </a:bodyPr>
+          <a:lstStyle/>
+          <a:p>
+            <a:r>
+              <a:rPr lang="en-US" altLang="ko-KR" i="1">
+                <a:solidFill>
+                  <a:srgbClr val="7F848E"/>
+                </a:solidFill>
+                <a:latin typeface="Consolas" panose="020B0609020204030204" pitchFamily="49" charset="0"/>
+              </a:rPr>
+              <a:t>// (</a:t>
+            </a:r>
+            <a:r>
+              <a:rPr lang="ko-KR" altLang="en-US" i="1">
+                <a:solidFill>
+                  <a:srgbClr val="7F848E"/>
+                </a:solidFill>
+                <a:latin typeface="Consolas" panose="020B0609020204030204" pitchFamily="49" charset="0"/>
+              </a:rPr>
+              <a:t>추가</a:t>
+            </a:r>
+            <a:r>
+              <a:rPr lang="en-US" altLang="ko-KR" i="1">
+                <a:solidFill>
+                  <a:srgbClr val="7F848E"/>
+                </a:solidFill>
+                <a:latin typeface="Consolas" panose="020B0609020204030204" pitchFamily="49" charset="0"/>
+              </a:rPr>
+              <a:t>) </a:t>
+            </a:r>
+            <a:r>
+              <a:rPr lang="ko-KR" altLang="en-US" i="1">
+                <a:solidFill>
+                  <a:srgbClr val="7F848E"/>
+                </a:solidFill>
+                <a:latin typeface="Consolas" panose="020B0609020204030204" pitchFamily="49" charset="0"/>
+              </a:rPr>
+              <a:t>슬라이드가 있으면 가로로 배열하기</a:t>
+            </a:r>
+          </a:p>
+          <a:p>
+            <a:r>
+              <a:rPr lang="en-US" altLang="ko-KR" sz="2400">
+                <a:solidFill>
+                  <a:srgbClr val="ABB2BF"/>
+                </a:solidFill>
+                <a:latin typeface="Consolas" panose="020B0609020204030204" pitchFamily="49" charset="0"/>
+              </a:rPr>
+              <a:t/>
+            </a:r>
+            <a:br>
+              <a:rPr lang="en-US" altLang="ko-KR" sz="2400">
+                <a:solidFill>
+                  <a:srgbClr val="ABB2BF"/>
+                </a:solidFill>
+                <a:latin typeface="Consolas" panose="020B0609020204030204" pitchFamily="49" charset="0"/>
+              </a:rPr>
+            </a:br>
+            <a:r>
+              <a:rPr lang="en-US" altLang="ko-KR" sz="2400">
+                <a:solidFill>
+                  <a:srgbClr val="C678DD"/>
+                </a:solidFill>
+                <a:latin typeface="Consolas" panose="020B0609020204030204" pitchFamily="49" charset="0"/>
+              </a:rPr>
+              <a:t>for</a:t>
+            </a:r>
+            <a:r>
+              <a:rPr lang="en-US" altLang="ko-KR" sz="2400">
+                <a:solidFill>
+                  <a:srgbClr val="ABB2BF"/>
+                </a:solidFill>
+                <a:latin typeface="Consolas" panose="020B0609020204030204" pitchFamily="49" charset="0"/>
+              </a:rPr>
+              <a:t>( </a:t>
+            </a:r>
+            <a:r>
+              <a:rPr lang="en-US" altLang="ko-KR" sz="2400">
+                <a:solidFill>
+                  <a:srgbClr val="C678DD"/>
+                </a:solidFill>
+                <a:latin typeface="Consolas" panose="020B0609020204030204" pitchFamily="49" charset="0"/>
+              </a:rPr>
+              <a:t>var</a:t>
+            </a:r>
+            <a:r>
+              <a:rPr lang="en-US" altLang="ko-KR" sz="2400">
+                <a:solidFill>
+                  <a:srgbClr val="ABB2BF"/>
+                </a:solidFill>
+                <a:latin typeface="Consolas" panose="020B0609020204030204" pitchFamily="49" charset="0"/>
+              </a:rPr>
+              <a:t> </a:t>
+            </a:r>
+            <a:r>
+              <a:rPr lang="en-US" altLang="ko-KR" sz="2400">
+                <a:solidFill>
+                  <a:srgbClr val="E06C75"/>
+                </a:solidFill>
+                <a:latin typeface="Consolas" panose="020B0609020204030204" pitchFamily="49" charset="0"/>
+              </a:rPr>
+              <a:t>i</a:t>
+            </a:r>
+            <a:r>
+              <a:rPr lang="en-US" altLang="ko-KR" sz="2400">
+                <a:solidFill>
+                  <a:srgbClr val="ABB2BF"/>
+                </a:solidFill>
+                <a:latin typeface="Consolas" panose="020B0609020204030204" pitchFamily="49" charset="0"/>
+              </a:rPr>
+              <a:t> </a:t>
+            </a:r>
+            <a:r>
+              <a:rPr lang="en-US" altLang="ko-KR" sz="2400">
+                <a:solidFill>
+                  <a:srgbClr val="56B6C2"/>
+                </a:solidFill>
+                <a:latin typeface="Consolas" panose="020B0609020204030204" pitchFamily="49" charset="0"/>
+              </a:rPr>
+              <a:t>=</a:t>
+            </a:r>
+            <a:r>
+              <a:rPr lang="en-US" altLang="ko-KR" sz="2400">
+                <a:solidFill>
+                  <a:srgbClr val="ABB2BF"/>
+                </a:solidFill>
+                <a:latin typeface="Consolas" panose="020B0609020204030204" pitchFamily="49" charset="0"/>
+              </a:rPr>
+              <a:t> </a:t>
+            </a:r>
+            <a:r>
+              <a:rPr lang="en-US" altLang="ko-KR" sz="2400">
+                <a:solidFill>
+                  <a:srgbClr val="D19A66"/>
+                </a:solidFill>
+                <a:latin typeface="Consolas" panose="020B0609020204030204" pitchFamily="49" charset="0"/>
+              </a:rPr>
+              <a:t>0</a:t>
+            </a:r>
+            <a:r>
+              <a:rPr lang="en-US" altLang="ko-KR" sz="2400">
+                <a:solidFill>
+                  <a:srgbClr val="ABB2BF"/>
+                </a:solidFill>
+                <a:latin typeface="Consolas" panose="020B0609020204030204" pitchFamily="49" charset="0"/>
+              </a:rPr>
+              <a:t>; </a:t>
+            </a:r>
+            <a:r>
+              <a:rPr lang="en-US" altLang="ko-KR" sz="2400">
+                <a:solidFill>
+                  <a:srgbClr val="E06C75"/>
+                </a:solidFill>
+                <a:latin typeface="Consolas" panose="020B0609020204030204" pitchFamily="49" charset="0"/>
+              </a:rPr>
+              <a:t>i</a:t>
+            </a:r>
+            <a:r>
+              <a:rPr lang="en-US" altLang="ko-KR" sz="2400">
+                <a:solidFill>
+                  <a:srgbClr val="ABB2BF"/>
+                </a:solidFill>
+                <a:latin typeface="Consolas" panose="020B0609020204030204" pitchFamily="49" charset="0"/>
+              </a:rPr>
+              <a:t> </a:t>
+            </a:r>
+            <a:r>
+              <a:rPr lang="en-US" altLang="ko-KR" sz="2400">
+                <a:solidFill>
+                  <a:srgbClr val="56B6C2"/>
+                </a:solidFill>
+                <a:latin typeface="Consolas" panose="020B0609020204030204" pitchFamily="49" charset="0"/>
+              </a:rPr>
+              <a:t>&lt;</a:t>
+            </a:r>
+            <a:r>
+              <a:rPr lang="en-US" altLang="ko-KR" sz="2400">
+                <a:solidFill>
+                  <a:srgbClr val="ABB2BF"/>
+                </a:solidFill>
+                <a:latin typeface="Consolas" panose="020B0609020204030204" pitchFamily="49" charset="0"/>
+              </a:rPr>
+              <a:t> </a:t>
+            </a:r>
+            <a:r>
+              <a:rPr lang="en-US" altLang="ko-KR" sz="2400">
+                <a:solidFill>
+                  <a:srgbClr val="E06C75"/>
+                </a:solidFill>
+                <a:latin typeface="Consolas" panose="020B0609020204030204" pitchFamily="49" charset="0"/>
+              </a:rPr>
+              <a:t>slideCount</a:t>
+            </a:r>
+            <a:r>
+              <a:rPr lang="en-US" altLang="ko-KR" sz="2400">
+                <a:solidFill>
+                  <a:srgbClr val="ABB2BF"/>
+                </a:solidFill>
+                <a:latin typeface="Consolas" panose="020B0609020204030204" pitchFamily="49" charset="0"/>
+              </a:rPr>
+              <a:t>; </a:t>
+            </a:r>
+            <a:r>
+              <a:rPr lang="en-US" altLang="ko-KR" sz="2400">
+                <a:solidFill>
+                  <a:srgbClr val="E06C75"/>
+                </a:solidFill>
+                <a:latin typeface="Consolas" panose="020B0609020204030204" pitchFamily="49" charset="0"/>
+              </a:rPr>
+              <a:t>i</a:t>
+            </a:r>
+            <a:r>
+              <a:rPr lang="en-US" altLang="ko-KR" sz="2400" smtClean="0">
+                <a:solidFill>
+                  <a:srgbClr val="56B6C2"/>
+                </a:solidFill>
+                <a:latin typeface="Consolas" panose="020B0609020204030204" pitchFamily="49" charset="0"/>
+              </a:rPr>
+              <a:t>++</a:t>
+            </a:r>
+            <a:r>
+              <a:rPr lang="en-US" altLang="ko-KR" sz="2400" smtClean="0">
+                <a:solidFill>
+                  <a:srgbClr val="ABB2BF"/>
+                </a:solidFill>
+                <a:latin typeface="Consolas" panose="020B0609020204030204" pitchFamily="49" charset="0"/>
+              </a:rPr>
+              <a:t>)</a:t>
+            </a:r>
+          </a:p>
+          <a:p>
+            <a:r>
+              <a:rPr lang="en-US" altLang="ko-KR" sz="2400" smtClean="0">
+                <a:solidFill>
+                  <a:srgbClr val="ABB2BF"/>
+                </a:solidFill>
+                <a:latin typeface="Consolas" panose="020B0609020204030204" pitchFamily="49" charset="0"/>
+              </a:rPr>
+              <a:t>{</a:t>
+            </a:r>
+            <a:r>
+              <a:rPr lang="en-US" altLang="ko-KR" sz="2400" smtClean="0">
+                <a:solidFill>
+                  <a:srgbClr val="E06C75"/>
+                </a:solidFill>
+                <a:latin typeface="Consolas" panose="020B0609020204030204" pitchFamily="49" charset="0"/>
+              </a:rPr>
+              <a:t>slides</a:t>
+            </a:r>
+            <a:r>
+              <a:rPr lang="en-US" altLang="ko-KR" sz="2400" smtClean="0">
+                <a:solidFill>
+                  <a:srgbClr val="ABB2BF"/>
+                </a:solidFill>
+                <a:latin typeface="Consolas" panose="020B0609020204030204" pitchFamily="49" charset="0"/>
+              </a:rPr>
+              <a:t>[</a:t>
+            </a:r>
+            <a:r>
+              <a:rPr lang="en-US" altLang="ko-KR" sz="2400" smtClean="0">
+                <a:solidFill>
+                  <a:srgbClr val="E06C75"/>
+                </a:solidFill>
+                <a:latin typeface="Consolas" panose="020B0609020204030204" pitchFamily="49" charset="0"/>
+              </a:rPr>
+              <a:t>i</a:t>
+            </a:r>
+            <a:r>
+              <a:rPr lang="en-US" altLang="ko-KR" sz="2400">
+                <a:solidFill>
+                  <a:srgbClr val="ABB2BF"/>
+                </a:solidFill>
+                <a:latin typeface="Consolas" panose="020B0609020204030204" pitchFamily="49" charset="0"/>
+              </a:rPr>
+              <a:t>].</a:t>
+            </a:r>
+            <a:r>
+              <a:rPr lang="en-US" altLang="ko-KR" sz="2400">
+                <a:solidFill>
+                  <a:srgbClr val="E06C75"/>
+                </a:solidFill>
+                <a:latin typeface="Consolas" panose="020B0609020204030204" pitchFamily="49" charset="0"/>
+              </a:rPr>
+              <a:t>style</a:t>
+            </a:r>
+            <a:r>
+              <a:rPr lang="en-US" altLang="ko-KR" sz="2400">
+                <a:solidFill>
+                  <a:srgbClr val="ABB2BF"/>
+                </a:solidFill>
+                <a:latin typeface="Consolas" panose="020B0609020204030204" pitchFamily="49" charset="0"/>
+              </a:rPr>
+              <a:t>.</a:t>
+            </a:r>
+            <a:r>
+              <a:rPr lang="en-US" altLang="ko-KR" sz="2400">
+                <a:solidFill>
+                  <a:srgbClr val="E06C75"/>
+                </a:solidFill>
+                <a:latin typeface="Consolas" panose="020B0609020204030204" pitchFamily="49" charset="0"/>
+              </a:rPr>
+              <a:t>left</a:t>
+            </a:r>
+            <a:r>
+              <a:rPr lang="en-US" altLang="ko-KR" sz="2400">
+                <a:solidFill>
+                  <a:srgbClr val="56B6C2"/>
+                </a:solidFill>
+                <a:latin typeface="Consolas" panose="020B0609020204030204" pitchFamily="49" charset="0"/>
+              </a:rPr>
+              <a:t>=</a:t>
+            </a:r>
+            <a:r>
+              <a:rPr lang="en-US" altLang="ko-KR" sz="2400">
+                <a:solidFill>
+                  <a:srgbClr val="ABB2BF"/>
+                </a:solidFill>
+                <a:latin typeface="Consolas" panose="020B0609020204030204" pitchFamily="49" charset="0"/>
+              </a:rPr>
+              <a:t> </a:t>
+            </a:r>
+            <a:r>
+              <a:rPr lang="en-US" altLang="ko-KR" sz="2400">
+                <a:solidFill>
+                  <a:srgbClr val="E06C75"/>
+                </a:solidFill>
+                <a:latin typeface="Consolas" panose="020B0609020204030204" pitchFamily="49" charset="0"/>
+              </a:rPr>
+              <a:t>i</a:t>
+            </a:r>
+            <a:r>
+              <a:rPr lang="en-US" altLang="ko-KR" sz="2400">
+                <a:solidFill>
+                  <a:srgbClr val="56B6C2"/>
+                </a:solidFill>
+                <a:latin typeface="Consolas" panose="020B0609020204030204" pitchFamily="49" charset="0"/>
+              </a:rPr>
+              <a:t>*</a:t>
+            </a:r>
+            <a:r>
+              <a:rPr lang="en-US" altLang="ko-KR" sz="2400">
+                <a:solidFill>
+                  <a:srgbClr val="D19A66"/>
+                </a:solidFill>
+                <a:latin typeface="Consolas" panose="020B0609020204030204" pitchFamily="49" charset="0"/>
+              </a:rPr>
+              <a:t>100</a:t>
+            </a:r>
+            <a:r>
+              <a:rPr lang="en-US" altLang="ko-KR" sz="2400">
+                <a:solidFill>
+                  <a:srgbClr val="ABB2BF"/>
+                </a:solidFill>
+                <a:latin typeface="Consolas" panose="020B0609020204030204" pitchFamily="49" charset="0"/>
+              </a:rPr>
+              <a:t> </a:t>
+            </a:r>
+            <a:r>
+              <a:rPr lang="en-US" altLang="ko-KR" sz="2400">
+                <a:solidFill>
+                  <a:srgbClr val="56B6C2"/>
+                </a:solidFill>
+                <a:latin typeface="Consolas" panose="020B0609020204030204" pitchFamily="49" charset="0"/>
+              </a:rPr>
+              <a:t>+</a:t>
+            </a:r>
+            <a:r>
+              <a:rPr lang="en-US" altLang="ko-KR" sz="2400">
+                <a:solidFill>
+                  <a:srgbClr val="ABB2BF"/>
+                </a:solidFill>
+                <a:latin typeface="Consolas" panose="020B0609020204030204" pitchFamily="49" charset="0"/>
+              </a:rPr>
+              <a:t> </a:t>
+            </a:r>
+            <a:r>
+              <a:rPr lang="en-US" altLang="ko-KR" sz="2400" smtClean="0">
+                <a:solidFill>
+                  <a:srgbClr val="98C379"/>
+                </a:solidFill>
+                <a:latin typeface="Consolas" panose="020B0609020204030204" pitchFamily="49" charset="0"/>
+              </a:rPr>
+              <a:t>'%'</a:t>
+            </a:r>
+            <a:r>
+              <a:rPr lang="en-US" altLang="ko-KR" sz="2400" smtClean="0">
+                <a:solidFill>
+                  <a:srgbClr val="ABB2BF"/>
+                </a:solidFill>
+                <a:latin typeface="Consolas" panose="020B0609020204030204" pitchFamily="49" charset="0"/>
+              </a:rPr>
+              <a:t>;}</a:t>
+            </a:r>
+            <a:endParaRPr lang="en-US" altLang="ko-KR" sz="2400">
+              <a:solidFill>
+                <a:srgbClr val="ABB2BF"/>
+              </a:solidFill>
+              <a:latin typeface="Consolas" panose="020B0609020204030204" pitchFamily="49" charset="0"/>
+            </a:endParaRPr>
+          </a:p>
+          <a:p>
+            <a:r>
+              <a:rPr lang="en-US" altLang="ko-KR" sz="2400">
+                <a:solidFill>
+                  <a:srgbClr val="ABB2BF"/>
+                </a:solidFill>
+                <a:latin typeface="Consolas" panose="020B0609020204030204" pitchFamily="49" charset="0"/>
+              </a:rPr>
+              <a:t/>
+            </a:r>
+            <a:br>
+              <a:rPr lang="en-US" altLang="ko-KR" sz="2400">
+                <a:solidFill>
+                  <a:srgbClr val="ABB2BF"/>
+                </a:solidFill>
+                <a:latin typeface="Consolas" panose="020B0609020204030204" pitchFamily="49" charset="0"/>
+              </a:rPr>
+            </a:br>
+            <a:endParaRPr lang="en-US" altLang="ko-KR" sz="2400" b="0">
+              <a:solidFill>
+                <a:srgbClr val="ABB2BF"/>
+              </a:solidFill>
+              <a:effectLst/>
+              <a:latin typeface="Consolas" panose="020B0609020204030204" pitchFamily="49" charset="0"/>
+            </a:endParaRPr>
+          </a:p>
+        </p:txBody>
+      </p:sp>
+    </p:spTree>
+    <p:extLst>
+      <p:ext uri="{BB962C8B-B14F-4D97-AF65-F5344CB8AC3E}">
+        <p14:creationId xmlns:p14="http://schemas.microsoft.com/office/powerpoint/2010/main" val="2704689608"/>
+      </p:ext>
+    </p:extLst>
+  </p:cSld>
+  <p:clrMapOvr>
+    <a:masterClrMapping/>
+  </p:clrMapOvr>
+</p:sld>
+</file>
+
+<file path=ppt/slides/slide11.xml><?xml version="1.0" encoding="utf-8"?>
+<p:sld xmlns:a="http://schemas.openxmlformats.org/drawingml/2006/main" xmlns:r="http://schemas.openxmlformats.org/officeDocument/2006/relationships" xmlns:p="http://schemas.openxmlformats.org/presentationml/2006/main">
+  <p:cSld>
+    <p:spTree>
+      <p:nvGrpSpPr>
+        <p:cNvPr id="1" name=""/>
+        <p:cNvGrpSpPr/>
+        <p:nvPr/>
+      </p:nvGrpSpPr>
+      <p:grpSpPr>
+        <a:xfrm>
+          <a:off x="0" y="0"/>
+          <a:ext cx="0" cy="0"/>
+          <a:chOff x="0" y="0"/>
+          <a:chExt cx="0" cy="0"/>
+        </a:xfrm>
+      </p:grpSpPr>
+      <p:sp>
+        <p:nvSpPr>
           <p:cNvPr id="2" name="Title 1"/>
           <p:cNvSpPr>
             <a:spLocks noGrp="1"/>
@@ -3149,7 +3626,7 @@
 </p:sld>
 </file>
 
-<file path=ppt/slides/slide11.xml><?xml version="1.0" encoding="utf-8"?>
+<file path=ppt/slides/slide12.xml><?xml version="1.0" encoding="utf-8"?>
 <p:sld xmlns:a="http://schemas.openxmlformats.org/drawingml/2006/main" xmlns:r="http://schemas.openxmlformats.org/officeDocument/2006/relationships" xmlns:p="http://schemas.openxmlformats.org/presentationml/2006/main">
   <p:cSld>
     <p:spTree>
@@ -3756,7 +4233,7 @@
 </p:sld>
 </file>
 
-<file path=ppt/slides/slide12.xml><?xml version="1.0" encoding="utf-8"?>
+<file path=ppt/slides/slide13.xml><?xml version="1.0" encoding="utf-8"?>
 <p:sld xmlns:a="http://schemas.openxmlformats.org/drawingml/2006/main" xmlns:r="http://schemas.openxmlformats.org/officeDocument/2006/relationships" xmlns:p="http://schemas.openxmlformats.org/presentationml/2006/main">
   <p:cSld>
     <p:spTree>
@@ -4825,7 +5302,7 @@
 </p:sld>
 </file>
 
-<file path=ppt/slides/slide13.xml><?xml version="1.0" encoding="utf-8"?>
+<file path=ppt/slides/slide14.xml><?xml version="1.0" encoding="utf-8"?>
 <p:sld xmlns:a="http://schemas.openxmlformats.org/drawingml/2006/main" xmlns:r="http://schemas.openxmlformats.org/officeDocument/2006/relationships" xmlns:p="http://schemas.openxmlformats.org/presentationml/2006/main">
   <p:cSld>
     <p:spTree>
@@ -4931,7 +5408,7 @@
 </p:sld>
 </file>
 
-<file path=ppt/slides/slide14.xml><?xml version="1.0" encoding="utf-8"?>
+<file path=ppt/slides/slide15.xml><?xml version="1.0" encoding="utf-8"?>
 <p:sld xmlns:a="http://schemas.openxmlformats.org/drawingml/2006/main" xmlns:r="http://schemas.openxmlformats.org/officeDocument/2006/relationships" xmlns:p="http://schemas.openxmlformats.org/presentationml/2006/main">
   <p:cSld>
     <p:spTree>
@@ -5874,6 +6351,332 @@
 </file>
 
 <file path=ppt/slides/slide2.xml><?xml version="1.0" encoding="utf-8"?>
+<p:sld xmlns:a="http://schemas.openxmlformats.org/drawingml/2006/main" xmlns:r="http://schemas.openxmlformats.org/officeDocument/2006/relationships" xmlns:p="http://schemas.openxmlformats.org/presentationml/2006/main">
+  <p:cSld>
+    <p:spTree>
+      <p:nvGrpSpPr>
+        <p:cNvPr id="1" name=""/>
+        <p:cNvGrpSpPr/>
+        <p:nvPr/>
+      </p:nvGrpSpPr>
+      <p:grpSpPr>
+        <a:xfrm>
+          <a:off x="0" y="0"/>
+          <a:ext cx="0" cy="0"/>
+          <a:chOff x="0" y="0"/>
+          <a:chExt cx="0" cy="0"/>
+        </a:xfrm>
+      </p:grpSpPr>
+      <p:sp>
+        <p:nvSpPr>
+          <p:cNvPr id="4" name="Rectangle 3"/>
+          <p:cNvSpPr/>
+          <p:nvPr/>
+        </p:nvSpPr>
+        <p:spPr>
+          <a:xfrm>
+            <a:off x="1408176" y="859536"/>
+            <a:ext cx="3383280" cy="5184648"/>
+          </a:xfrm>
+          <a:prstGeom prst="rect">
+            <a:avLst/>
+          </a:prstGeom>
+          <a:solidFill>
+            <a:schemeClr val="bg1"/>
+          </a:solidFill>
+        </p:spPr>
+        <p:style>
+          <a:lnRef idx="2">
+            <a:schemeClr val="accent1">
+              <a:shade val="50000"/>
+            </a:schemeClr>
+          </a:lnRef>
+          <a:fillRef idx="1">
+            <a:schemeClr val="accent1"/>
+          </a:fillRef>
+          <a:effectRef idx="0">
+            <a:schemeClr val="accent1"/>
+          </a:effectRef>
+          <a:fontRef idx="minor">
+            <a:schemeClr val="lt1"/>
+          </a:fontRef>
+        </p:style>
+        <p:txBody>
+          <a:bodyPr rtlCol="0" anchor="ctr"/>
+          <a:lstStyle/>
+          <a:p>
+            <a:pPr algn="ctr"/>
+            <a:r>
+              <a:rPr lang="ko-KR" altLang="en-US" smtClean="0"/>
+              <a:t>ㅍ</a:t>
+            </a:r>
+            <a:endParaRPr lang="ko-KR" altLang="en-US"/>
+          </a:p>
+        </p:txBody>
+      </p:sp>
+      <p:sp>
+        <p:nvSpPr>
+          <p:cNvPr id="5" name="Rectangle 4"/>
+          <p:cNvSpPr/>
+          <p:nvPr/>
+        </p:nvSpPr>
+        <p:spPr>
+          <a:xfrm>
+            <a:off x="1560576" y="1011936"/>
+            <a:ext cx="9595104" cy="2270760"/>
+          </a:xfrm>
+          <a:prstGeom prst="rect">
+            <a:avLst/>
+          </a:prstGeom>
+          <a:solidFill>
+            <a:schemeClr val="accent1"/>
+          </a:solidFill>
+        </p:spPr>
+        <p:style>
+          <a:lnRef idx="2">
+            <a:schemeClr val="accent1">
+              <a:shade val="50000"/>
+            </a:schemeClr>
+          </a:lnRef>
+          <a:fillRef idx="1">
+            <a:schemeClr val="accent1"/>
+          </a:fillRef>
+          <a:effectRef idx="0">
+            <a:schemeClr val="accent1"/>
+          </a:effectRef>
+          <a:fontRef idx="minor">
+            <a:schemeClr val="lt1"/>
+          </a:fontRef>
+        </p:style>
+        <p:txBody>
+          <a:bodyPr rtlCol="0" anchor="ctr"/>
+          <a:lstStyle/>
+          <a:p>
+            <a:pPr algn="ctr"/>
+            <a:endParaRPr lang="ko-KR" altLang="en-US" sz="3200">
+              <a:solidFill>
+                <a:schemeClr val="tx1"/>
+              </a:solidFill>
+            </a:endParaRPr>
+          </a:p>
+        </p:txBody>
+      </p:sp>
+      <p:sp>
+        <p:nvSpPr>
+          <p:cNvPr id="6" name="Rectangle 5"/>
+          <p:cNvSpPr/>
+          <p:nvPr/>
+        </p:nvSpPr>
+        <p:spPr>
+          <a:xfrm>
+            <a:off x="1712976" y="1164336"/>
+            <a:ext cx="2785872" cy="2270760"/>
+          </a:xfrm>
+          <a:prstGeom prst="rect">
+            <a:avLst/>
+          </a:prstGeom>
+          <a:solidFill>
+            <a:srgbClr val="FFFF00"/>
+          </a:solidFill>
+        </p:spPr>
+        <p:style>
+          <a:lnRef idx="2">
+            <a:schemeClr val="accent1">
+              <a:shade val="50000"/>
+            </a:schemeClr>
+          </a:lnRef>
+          <a:fillRef idx="1">
+            <a:schemeClr val="accent1"/>
+          </a:fillRef>
+          <a:effectRef idx="0">
+            <a:schemeClr val="accent1"/>
+          </a:effectRef>
+          <a:fontRef idx="minor">
+            <a:schemeClr val="lt1"/>
+          </a:fontRef>
+        </p:style>
+        <p:txBody>
+          <a:bodyPr rtlCol="0" anchor="ctr"/>
+          <a:lstStyle/>
+          <a:p>
+            <a:pPr algn="ctr"/>
+            <a:r>
+              <a:rPr lang="en-US" altLang="ko-KR" sz="3600" smtClean="0">
+                <a:solidFill>
+                  <a:sysClr val="windowText" lastClr="000000"/>
+                </a:solidFill>
+              </a:rPr>
+              <a:t>li</a:t>
+            </a:r>
+            <a:endParaRPr lang="ko-KR" altLang="en-US" sz="3600">
+              <a:solidFill>
+                <a:sysClr val="windowText" lastClr="000000"/>
+              </a:solidFill>
+            </a:endParaRPr>
+          </a:p>
+        </p:txBody>
+      </p:sp>
+      <p:sp>
+        <p:nvSpPr>
+          <p:cNvPr id="7" name="TextBox 6"/>
+          <p:cNvSpPr txBox="1"/>
+          <p:nvPr/>
+        </p:nvSpPr>
+        <p:spPr>
+          <a:xfrm>
+            <a:off x="2643363" y="612571"/>
+            <a:ext cx="566181" cy="646331"/>
+          </a:xfrm>
+          <a:prstGeom prst="rect">
+            <a:avLst/>
+          </a:prstGeom>
+          <a:noFill/>
+        </p:spPr>
+        <p:txBody>
+          <a:bodyPr wrap="none" rtlCol="0">
+            <a:spAutoFit/>
+          </a:bodyPr>
+          <a:lstStyle/>
+          <a:p>
+            <a:r>
+              <a:rPr lang="en-US" altLang="ko-KR" sz="3600" smtClean="0"/>
+              <a:t>ul</a:t>
+            </a:r>
+            <a:endParaRPr lang="ko-KR" altLang="en-US" sz="3600"/>
+          </a:p>
+        </p:txBody>
+      </p:sp>
+      <p:sp>
+        <p:nvSpPr>
+          <p:cNvPr id="8" name="Rectangle 7"/>
+          <p:cNvSpPr/>
+          <p:nvPr/>
+        </p:nvSpPr>
+        <p:spPr>
+          <a:xfrm>
+            <a:off x="4803648" y="1147572"/>
+            <a:ext cx="2785872" cy="2270760"/>
+          </a:xfrm>
+          <a:prstGeom prst="rect">
+            <a:avLst/>
+          </a:prstGeom>
+          <a:solidFill>
+            <a:srgbClr val="FFFF00"/>
+          </a:solidFill>
+        </p:spPr>
+        <p:style>
+          <a:lnRef idx="2">
+            <a:schemeClr val="accent1">
+              <a:shade val="50000"/>
+            </a:schemeClr>
+          </a:lnRef>
+          <a:fillRef idx="1">
+            <a:schemeClr val="accent1"/>
+          </a:fillRef>
+          <a:effectRef idx="0">
+            <a:schemeClr val="accent1"/>
+          </a:effectRef>
+          <a:fontRef idx="minor">
+            <a:schemeClr val="lt1"/>
+          </a:fontRef>
+        </p:style>
+        <p:txBody>
+          <a:bodyPr rtlCol="0" anchor="ctr"/>
+          <a:lstStyle/>
+          <a:p>
+            <a:pPr algn="ctr"/>
+            <a:r>
+              <a:rPr lang="en-US" altLang="ko-KR" sz="3600" smtClean="0">
+                <a:solidFill>
+                  <a:sysClr val="windowText" lastClr="000000"/>
+                </a:solidFill>
+              </a:rPr>
+              <a:t>li</a:t>
+            </a:r>
+            <a:endParaRPr lang="ko-KR" altLang="en-US" sz="3600">
+              <a:solidFill>
+                <a:sysClr val="windowText" lastClr="000000"/>
+              </a:solidFill>
+            </a:endParaRPr>
+          </a:p>
+        </p:txBody>
+      </p:sp>
+      <p:sp>
+        <p:nvSpPr>
+          <p:cNvPr id="9" name="Rectangle 8"/>
+          <p:cNvSpPr/>
+          <p:nvPr/>
+        </p:nvSpPr>
+        <p:spPr>
+          <a:xfrm>
+            <a:off x="7979664" y="1164336"/>
+            <a:ext cx="2785872" cy="2270760"/>
+          </a:xfrm>
+          <a:prstGeom prst="rect">
+            <a:avLst/>
+          </a:prstGeom>
+          <a:solidFill>
+            <a:srgbClr val="FFFF00"/>
+          </a:solidFill>
+        </p:spPr>
+        <p:style>
+          <a:lnRef idx="2">
+            <a:schemeClr val="accent1">
+              <a:shade val="50000"/>
+            </a:schemeClr>
+          </a:lnRef>
+          <a:fillRef idx="1">
+            <a:schemeClr val="accent1"/>
+          </a:fillRef>
+          <a:effectRef idx="0">
+            <a:schemeClr val="accent1"/>
+          </a:effectRef>
+          <a:fontRef idx="minor">
+            <a:schemeClr val="lt1"/>
+          </a:fontRef>
+        </p:style>
+        <p:txBody>
+          <a:bodyPr rtlCol="0" anchor="ctr"/>
+          <a:lstStyle/>
+          <a:p>
+            <a:pPr algn="ctr"/>
+            <a:r>
+              <a:rPr lang="en-US" altLang="ko-KR" sz="3600" smtClean="0">
+                <a:solidFill>
+                  <a:sysClr val="windowText" lastClr="000000"/>
+                </a:solidFill>
+              </a:rPr>
+              <a:t>li</a:t>
+            </a:r>
+            <a:endParaRPr lang="ko-KR" altLang="en-US" sz="3600">
+              <a:solidFill>
+                <a:sysClr val="windowText" lastClr="000000"/>
+              </a:solidFill>
+            </a:endParaRPr>
+          </a:p>
+        </p:txBody>
+      </p:sp>
+    </p:spTree>
+    <p:extLst>
+      <p:ext uri="{BB962C8B-B14F-4D97-AF65-F5344CB8AC3E}">
+        <p14:creationId xmlns:p14="http://schemas.microsoft.com/office/powerpoint/2010/main" val="312595820"/>
+      </p:ext>
+    </p:extLst>
+  </p:cSld>
+  <p:clrMapOvr>
+    <a:masterClrMapping/>
+  </p:clrMapOvr>
+  <p:timing>
+    <p:tnLst>
+      <p:par>
+        <p:cTn id="1" dur="indefinite" restart="never" nodeType="tmRoot"/>
+      </p:par>
+    </p:tnLst>
+  </p:timing>
+</p:sld>
+</file>
+
+<file path=ppt/slides/slide3.xml><?xml version="1.0" encoding="utf-8"?>
 <p:sld xmlns:a="http://schemas.openxmlformats.org/drawingml/2006/main" xmlns:r="http://schemas.openxmlformats.org/officeDocument/2006/relationships" xmlns:p="http://schemas.openxmlformats.org/presentationml/2006/main">
   <p:cSld>
     <p:spTree>
@@ -6952,7 +7755,7 @@
 </p:sld>
 </file>
 
-<file path=ppt/slides/slide3.xml><?xml version="1.0" encoding="utf-8"?>
+<file path=ppt/slides/slide4.xml><?xml version="1.0" encoding="utf-8"?>
 <p:sld xmlns:a="http://schemas.openxmlformats.org/drawingml/2006/main" xmlns:r="http://schemas.openxmlformats.org/officeDocument/2006/relationships" xmlns:p="http://schemas.openxmlformats.org/presentationml/2006/main">
   <p:cSld>
     <p:spTree>
@@ -7932,7 +8735,7 @@
 </p:sld>
 </file>
 
-<file path=ppt/slides/slide4.xml><?xml version="1.0" encoding="utf-8"?>
+<file path=ppt/slides/slide5.xml><?xml version="1.0" encoding="utf-8"?>
 <p:sld xmlns:a="http://schemas.openxmlformats.org/drawingml/2006/main" xmlns:r="http://schemas.openxmlformats.org/officeDocument/2006/relationships" xmlns:p="http://schemas.openxmlformats.org/presentationml/2006/main">
   <p:cSld>
     <p:spTree>
@@ -8030,7 +8833,7 @@
 </p:sld>
 </file>
 
-<file path=ppt/slides/slide5.xml><?xml version="1.0" encoding="utf-8"?>
+<file path=ppt/slides/slide6.xml><?xml version="1.0" encoding="utf-8"?>
 <p:sld xmlns:a="http://schemas.openxmlformats.org/drawingml/2006/main" xmlns:r="http://schemas.openxmlformats.org/officeDocument/2006/relationships" xmlns:p="http://schemas.openxmlformats.org/presentationml/2006/main">
   <p:cSld>
     <p:spTree>
@@ -8114,7 +8917,7 @@
 </p:sld>
 </file>
 
-<file path=ppt/slides/slide6.xml><?xml version="1.0" encoding="utf-8"?>
+<file path=ppt/slides/slide7.xml><?xml version="1.0" encoding="utf-8"?>
 <p:sld xmlns:a="http://schemas.openxmlformats.org/drawingml/2006/main" xmlns:r="http://schemas.openxmlformats.org/officeDocument/2006/relationships" xmlns:p="http://schemas.openxmlformats.org/presentationml/2006/main">
   <p:cSld>
     <p:spTree>
@@ -8853,7 +9656,7 @@
 </p:sld>
 </file>
 
-<file path=ppt/slides/slide7.xml><?xml version="1.0" encoding="utf-8"?>
+<file path=ppt/slides/slide8.xml><?xml version="1.0" encoding="utf-8"?>
 <p:sld xmlns:a="http://schemas.openxmlformats.org/drawingml/2006/main" xmlns:r="http://schemas.openxmlformats.org/officeDocument/2006/relationships" xmlns:p="http://schemas.openxmlformats.org/presentationml/2006/main">
   <p:cSld>
     <p:spTree>
@@ -8968,7 +9771,7 @@
 </p:sld>
 </file>
 
-<file path=ppt/slides/slide8.xml><?xml version="1.0" encoding="utf-8"?>
+<file path=ppt/slides/slide9.xml><?xml version="1.0" encoding="utf-8"?>
 <p:sld xmlns:a="http://schemas.openxmlformats.org/drawingml/2006/main" xmlns:r="http://schemas.openxmlformats.org/officeDocument/2006/relationships" xmlns:p="http://schemas.openxmlformats.org/presentationml/2006/main">
   <p:cSld>
     <p:spTree>
@@ -9307,482 +10110,6 @@
     <p:extLst>
       <p:ext uri="{BB962C8B-B14F-4D97-AF65-F5344CB8AC3E}">
         <p14:creationId xmlns:p14="http://schemas.microsoft.com/office/powerpoint/2010/main" val="334853859"/>
-      </p:ext>
-    </p:extLst>
-  </p:cSld>
-  <p:clrMapOvr>
-    <a:masterClrMapping/>
-  </p:clrMapOvr>
-</p:sld>
-</file>
-
-<file path=ppt/slides/slide9.xml><?xml version="1.0" encoding="utf-8"?>
-<p:sld xmlns:a="http://schemas.openxmlformats.org/drawingml/2006/main" xmlns:r="http://schemas.openxmlformats.org/officeDocument/2006/relationships" xmlns:p="http://schemas.openxmlformats.org/presentationml/2006/main">
-  <p:cSld>
-    <p:spTree>
-      <p:nvGrpSpPr>
-        <p:cNvPr id="1" name=""/>
-        <p:cNvGrpSpPr/>
-        <p:nvPr/>
-      </p:nvGrpSpPr>
-      <p:grpSpPr>
-        <a:xfrm>
-          <a:off x="0" y="0"/>
-          <a:ext cx="0" cy="0"/>
-          <a:chOff x="0" y="0"/>
-          <a:chExt cx="0" cy="0"/>
-        </a:xfrm>
-      </p:grpSpPr>
-      <p:sp>
-        <p:nvSpPr>
-          <p:cNvPr id="4" name="Rectangle 3"/>
-          <p:cNvSpPr/>
-          <p:nvPr/>
-        </p:nvSpPr>
-        <p:spPr>
-          <a:xfrm>
-            <a:off x="1502664" y="2414677"/>
-            <a:ext cx="6297168" cy="2215991"/>
-          </a:xfrm>
-          <a:prstGeom prst="rect">
-            <a:avLst/>
-          </a:prstGeom>
-        </p:spPr>
-        <p:txBody>
-          <a:bodyPr wrap="square">
-            <a:spAutoFit/>
-          </a:bodyPr>
-          <a:lstStyle/>
-          <a:p>
-            <a:r>
-              <a:rPr lang="en-US" altLang="ko-KR" i="1">
-                <a:solidFill>
-                  <a:srgbClr val="7F848E"/>
-                </a:solidFill>
-                <a:latin typeface="Consolas" panose="020B0609020204030204" pitchFamily="49" charset="0"/>
-              </a:rPr>
-              <a:t>// (</a:t>
-            </a:r>
-            <a:r>
-              <a:rPr lang="ko-KR" altLang="en-US" i="1">
-                <a:solidFill>
-                  <a:srgbClr val="7F848E"/>
-                </a:solidFill>
-                <a:latin typeface="Consolas" panose="020B0609020204030204" pitchFamily="49" charset="0"/>
-              </a:rPr>
-              <a:t>추가</a:t>
-            </a:r>
-            <a:r>
-              <a:rPr lang="en-US" altLang="ko-KR" i="1">
-                <a:solidFill>
-                  <a:srgbClr val="7F848E"/>
-                </a:solidFill>
-                <a:latin typeface="Consolas" panose="020B0609020204030204" pitchFamily="49" charset="0"/>
-              </a:rPr>
-              <a:t>) </a:t>
-            </a:r>
-            <a:r>
-              <a:rPr lang="ko-KR" altLang="en-US" i="1">
-                <a:solidFill>
-                  <a:srgbClr val="7F848E"/>
-                </a:solidFill>
-                <a:latin typeface="Consolas" panose="020B0609020204030204" pitchFamily="49" charset="0"/>
-              </a:rPr>
-              <a:t>슬라이드가 있으면 가로로 배열하기</a:t>
-            </a:r>
-          </a:p>
-          <a:p>
-            <a:r>
-              <a:rPr lang="en-US" altLang="ko-KR" sz="2400">
-                <a:solidFill>
-                  <a:srgbClr val="ABB2BF"/>
-                </a:solidFill>
-                <a:latin typeface="Consolas" panose="020B0609020204030204" pitchFamily="49" charset="0"/>
-              </a:rPr>
-              <a:t/>
-            </a:r>
-            <a:br>
-              <a:rPr lang="en-US" altLang="ko-KR" sz="2400">
-                <a:solidFill>
-                  <a:srgbClr val="ABB2BF"/>
-                </a:solidFill>
-                <a:latin typeface="Consolas" panose="020B0609020204030204" pitchFamily="49" charset="0"/>
-              </a:rPr>
-            </a:br>
-            <a:r>
-              <a:rPr lang="en-US" altLang="ko-KR" sz="2400">
-                <a:solidFill>
-                  <a:srgbClr val="C678DD"/>
-                </a:solidFill>
-                <a:latin typeface="Consolas" panose="020B0609020204030204" pitchFamily="49" charset="0"/>
-              </a:rPr>
-              <a:t>for</a:t>
-            </a:r>
-            <a:r>
-              <a:rPr lang="en-US" altLang="ko-KR" sz="2400">
-                <a:solidFill>
-                  <a:srgbClr val="ABB2BF"/>
-                </a:solidFill>
-                <a:latin typeface="Consolas" panose="020B0609020204030204" pitchFamily="49" charset="0"/>
-              </a:rPr>
-              <a:t>( </a:t>
-            </a:r>
-            <a:r>
-              <a:rPr lang="en-US" altLang="ko-KR" sz="2400">
-                <a:solidFill>
-                  <a:srgbClr val="C678DD"/>
-                </a:solidFill>
-                <a:latin typeface="Consolas" panose="020B0609020204030204" pitchFamily="49" charset="0"/>
-              </a:rPr>
-              <a:t>var</a:t>
-            </a:r>
-            <a:r>
-              <a:rPr lang="en-US" altLang="ko-KR" sz="2400">
-                <a:solidFill>
-                  <a:srgbClr val="ABB2BF"/>
-                </a:solidFill>
-                <a:latin typeface="Consolas" panose="020B0609020204030204" pitchFamily="49" charset="0"/>
-              </a:rPr>
-              <a:t> </a:t>
-            </a:r>
-            <a:r>
-              <a:rPr lang="en-US" altLang="ko-KR" sz="2400">
-                <a:solidFill>
-                  <a:srgbClr val="E06C75"/>
-                </a:solidFill>
-                <a:latin typeface="Consolas" panose="020B0609020204030204" pitchFamily="49" charset="0"/>
-              </a:rPr>
-              <a:t>i</a:t>
-            </a:r>
-            <a:r>
-              <a:rPr lang="en-US" altLang="ko-KR" sz="2400">
-                <a:solidFill>
-                  <a:srgbClr val="ABB2BF"/>
-                </a:solidFill>
-                <a:latin typeface="Consolas" panose="020B0609020204030204" pitchFamily="49" charset="0"/>
-              </a:rPr>
-              <a:t> </a:t>
-            </a:r>
-            <a:r>
-              <a:rPr lang="en-US" altLang="ko-KR" sz="2400">
-                <a:solidFill>
-                  <a:srgbClr val="56B6C2"/>
-                </a:solidFill>
-                <a:latin typeface="Consolas" panose="020B0609020204030204" pitchFamily="49" charset="0"/>
-              </a:rPr>
-              <a:t>=</a:t>
-            </a:r>
-            <a:r>
-              <a:rPr lang="en-US" altLang="ko-KR" sz="2400">
-                <a:solidFill>
-                  <a:srgbClr val="ABB2BF"/>
-                </a:solidFill>
-                <a:latin typeface="Consolas" panose="020B0609020204030204" pitchFamily="49" charset="0"/>
-              </a:rPr>
-              <a:t> </a:t>
-            </a:r>
-            <a:r>
-              <a:rPr lang="en-US" altLang="ko-KR" sz="2400">
-                <a:solidFill>
-                  <a:srgbClr val="D19A66"/>
-                </a:solidFill>
-                <a:latin typeface="Consolas" panose="020B0609020204030204" pitchFamily="49" charset="0"/>
-              </a:rPr>
-              <a:t>0</a:t>
-            </a:r>
-            <a:r>
-              <a:rPr lang="en-US" altLang="ko-KR" sz="2400">
-                <a:solidFill>
-                  <a:srgbClr val="ABB2BF"/>
-                </a:solidFill>
-                <a:latin typeface="Consolas" panose="020B0609020204030204" pitchFamily="49" charset="0"/>
-              </a:rPr>
-              <a:t>; </a:t>
-            </a:r>
-            <a:r>
-              <a:rPr lang="en-US" altLang="ko-KR" sz="2400">
-                <a:solidFill>
-                  <a:srgbClr val="E06C75"/>
-                </a:solidFill>
-                <a:latin typeface="Consolas" panose="020B0609020204030204" pitchFamily="49" charset="0"/>
-              </a:rPr>
-              <a:t>i</a:t>
-            </a:r>
-            <a:r>
-              <a:rPr lang="en-US" altLang="ko-KR" sz="2400">
-                <a:solidFill>
-                  <a:srgbClr val="ABB2BF"/>
-                </a:solidFill>
-                <a:latin typeface="Consolas" panose="020B0609020204030204" pitchFamily="49" charset="0"/>
-              </a:rPr>
-              <a:t> </a:t>
-            </a:r>
-            <a:r>
-              <a:rPr lang="en-US" altLang="ko-KR" sz="2400">
-                <a:solidFill>
-                  <a:srgbClr val="56B6C2"/>
-                </a:solidFill>
-                <a:latin typeface="Consolas" panose="020B0609020204030204" pitchFamily="49" charset="0"/>
-              </a:rPr>
-              <a:t>&lt;</a:t>
-            </a:r>
-            <a:r>
-              <a:rPr lang="en-US" altLang="ko-KR" sz="2400">
-                <a:solidFill>
-                  <a:srgbClr val="ABB2BF"/>
-                </a:solidFill>
-                <a:latin typeface="Consolas" panose="020B0609020204030204" pitchFamily="49" charset="0"/>
-              </a:rPr>
-              <a:t> </a:t>
-            </a:r>
-            <a:r>
-              <a:rPr lang="en-US" altLang="ko-KR" sz="2400">
-                <a:solidFill>
-                  <a:srgbClr val="E06C75"/>
-                </a:solidFill>
-                <a:latin typeface="Consolas" panose="020B0609020204030204" pitchFamily="49" charset="0"/>
-              </a:rPr>
-              <a:t>slideCount</a:t>
-            </a:r>
-            <a:r>
-              <a:rPr lang="en-US" altLang="ko-KR" sz="2400">
-                <a:solidFill>
-                  <a:srgbClr val="ABB2BF"/>
-                </a:solidFill>
-                <a:latin typeface="Consolas" panose="020B0609020204030204" pitchFamily="49" charset="0"/>
-              </a:rPr>
-              <a:t>; </a:t>
-            </a:r>
-            <a:r>
-              <a:rPr lang="en-US" altLang="ko-KR" sz="2400">
-                <a:solidFill>
-                  <a:srgbClr val="E06C75"/>
-                </a:solidFill>
-                <a:latin typeface="Consolas" panose="020B0609020204030204" pitchFamily="49" charset="0"/>
-              </a:rPr>
-              <a:t>i</a:t>
-            </a:r>
-            <a:r>
-              <a:rPr lang="en-US" altLang="ko-KR" sz="2400" smtClean="0">
-                <a:solidFill>
-                  <a:srgbClr val="56B6C2"/>
-                </a:solidFill>
-                <a:latin typeface="Consolas" panose="020B0609020204030204" pitchFamily="49" charset="0"/>
-              </a:rPr>
-              <a:t>++</a:t>
-            </a:r>
-            <a:r>
-              <a:rPr lang="en-US" altLang="ko-KR" sz="2400" smtClean="0">
-                <a:solidFill>
-                  <a:srgbClr val="ABB2BF"/>
-                </a:solidFill>
-                <a:latin typeface="Consolas" panose="020B0609020204030204" pitchFamily="49" charset="0"/>
-              </a:rPr>
-              <a:t>)</a:t>
-            </a:r>
-          </a:p>
-          <a:p>
-            <a:r>
-              <a:rPr lang="en-US" altLang="ko-KR" sz="2400" smtClean="0">
-                <a:solidFill>
-                  <a:srgbClr val="ABB2BF"/>
-                </a:solidFill>
-                <a:latin typeface="Consolas" panose="020B0609020204030204" pitchFamily="49" charset="0"/>
-              </a:rPr>
-              <a:t>{</a:t>
-            </a:r>
-            <a:r>
-              <a:rPr lang="en-US" altLang="ko-KR" sz="2400" smtClean="0">
-                <a:solidFill>
-                  <a:srgbClr val="E06C75"/>
-                </a:solidFill>
-                <a:latin typeface="Consolas" panose="020B0609020204030204" pitchFamily="49" charset="0"/>
-              </a:rPr>
-              <a:t>slides</a:t>
-            </a:r>
-            <a:r>
-              <a:rPr lang="en-US" altLang="ko-KR" sz="2400" smtClean="0">
-                <a:solidFill>
-                  <a:srgbClr val="ABB2BF"/>
-                </a:solidFill>
-                <a:latin typeface="Consolas" panose="020B0609020204030204" pitchFamily="49" charset="0"/>
-              </a:rPr>
-              <a:t>[</a:t>
-            </a:r>
-            <a:r>
-              <a:rPr lang="en-US" altLang="ko-KR" sz="2400" smtClean="0">
-                <a:solidFill>
-                  <a:srgbClr val="E06C75"/>
-                </a:solidFill>
-                <a:latin typeface="Consolas" panose="020B0609020204030204" pitchFamily="49" charset="0"/>
-              </a:rPr>
-              <a:t>i</a:t>
-            </a:r>
-            <a:r>
-              <a:rPr lang="en-US" altLang="ko-KR" sz="2400">
-                <a:solidFill>
-                  <a:srgbClr val="ABB2BF"/>
-                </a:solidFill>
-                <a:latin typeface="Consolas" panose="020B0609020204030204" pitchFamily="49" charset="0"/>
-              </a:rPr>
-              <a:t>].</a:t>
-            </a:r>
-            <a:r>
-              <a:rPr lang="en-US" altLang="ko-KR" sz="2400">
-                <a:solidFill>
-                  <a:srgbClr val="E06C75"/>
-                </a:solidFill>
-                <a:latin typeface="Consolas" panose="020B0609020204030204" pitchFamily="49" charset="0"/>
-              </a:rPr>
-              <a:t>style</a:t>
-            </a:r>
-            <a:r>
-              <a:rPr lang="en-US" altLang="ko-KR" sz="2400">
-                <a:solidFill>
-                  <a:srgbClr val="ABB2BF"/>
-                </a:solidFill>
-                <a:latin typeface="Consolas" panose="020B0609020204030204" pitchFamily="49" charset="0"/>
-              </a:rPr>
-              <a:t>.</a:t>
-            </a:r>
-            <a:r>
-              <a:rPr lang="en-US" altLang="ko-KR" sz="2400">
-                <a:solidFill>
-                  <a:srgbClr val="E06C75"/>
-                </a:solidFill>
-                <a:latin typeface="Consolas" panose="020B0609020204030204" pitchFamily="49" charset="0"/>
-              </a:rPr>
-              <a:t>left</a:t>
-            </a:r>
-            <a:r>
-              <a:rPr lang="en-US" altLang="ko-KR" sz="2400">
-                <a:solidFill>
-                  <a:srgbClr val="56B6C2"/>
-                </a:solidFill>
-                <a:latin typeface="Consolas" panose="020B0609020204030204" pitchFamily="49" charset="0"/>
-              </a:rPr>
-              <a:t>=</a:t>
-            </a:r>
-            <a:r>
-              <a:rPr lang="en-US" altLang="ko-KR" sz="2400">
-                <a:solidFill>
-                  <a:srgbClr val="ABB2BF"/>
-                </a:solidFill>
-                <a:latin typeface="Consolas" panose="020B0609020204030204" pitchFamily="49" charset="0"/>
-              </a:rPr>
-              <a:t> </a:t>
-            </a:r>
-            <a:r>
-              <a:rPr lang="en-US" altLang="ko-KR" sz="2400">
-                <a:solidFill>
-                  <a:srgbClr val="E06C75"/>
-                </a:solidFill>
-                <a:latin typeface="Consolas" panose="020B0609020204030204" pitchFamily="49" charset="0"/>
-              </a:rPr>
-              <a:t>i</a:t>
-            </a:r>
-            <a:r>
-              <a:rPr lang="en-US" altLang="ko-KR" sz="2400">
-                <a:solidFill>
-                  <a:srgbClr val="56B6C2"/>
-                </a:solidFill>
-                <a:latin typeface="Consolas" panose="020B0609020204030204" pitchFamily="49" charset="0"/>
-              </a:rPr>
-              <a:t>*</a:t>
-            </a:r>
-            <a:r>
-              <a:rPr lang="en-US" altLang="ko-KR" sz="2400">
-                <a:solidFill>
-                  <a:srgbClr val="D19A66"/>
-                </a:solidFill>
-                <a:latin typeface="Consolas" panose="020B0609020204030204" pitchFamily="49" charset="0"/>
-              </a:rPr>
-              <a:t>100</a:t>
-            </a:r>
-            <a:r>
-              <a:rPr lang="en-US" altLang="ko-KR" sz="2400">
-                <a:solidFill>
-                  <a:srgbClr val="ABB2BF"/>
-                </a:solidFill>
-                <a:latin typeface="Consolas" panose="020B0609020204030204" pitchFamily="49" charset="0"/>
-              </a:rPr>
-              <a:t> </a:t>
-            </a:r>
-            <a:r>
-              <a:rPr lang="en-US" altLang="ko-KR" sz="2400">
-                <a:solidFill>
-                  <a:srgbClr val="56B6C2"/>
-                </a:solidFill>
-                <a:latin typeface="Consolas" panose="020B0609020204030204" pitchFamily="49" charset="0"/>
-              </a:rPr>
-              <a:t>+</a:t>
-            </a:r>
-            <a:r>
-              <a:rPr lang="en-US" altLang="ko-KR" sz="2400">
-                <a:solidFill>
-                  <a:srgbClr val="ABB2BF"/>
-                </a:solidFill>
-                <a:latin typeface="Consolas" panose="020B0609020204030204" pitchFamily="49" charset="0"/>
-              </a:rPr>
-              <a:t> </a:t>
-            </a:r>
-            <a:r>
-              <a:rPr lang="en-US" altLang="ko-KR" sz="2400" smtClean="0">
-                <a:solidFill>
-                  <a:srgbClr val="98C379"/>
-                </a:solidFill>
-                <a:latin typeface="Consolas" panose="020B0609020204030204" pitchFamily="49" charset="0"/>
-              </a:rPr>
-              <a:t>'%'</a:t>
-            </a:r>
-            <a:r>
-              <a:rPr lang="en-US" altLang="ko-KR" sz="2400" smtClean="0">
-                <a:solidFill>
-                  <a:srgbClr val="ABB2BF"/>
-                </a:solidFill>
-                <a:latin typeface="Consolas" panose="020B0609020204030204" pitchFamily="49" charset="0"/>
-              </a:rPr>
-              <a:t>;}</a:t>
-            </a:r>
-            <a:endParaRPr lang="en-US" altLang="ko-KR" sz="2400">
-              <a:solidFill>
-                <a:srgbClr val="ABB2BF"/>
-              </a:solidFill>
-              <a:latin typeface="Consolas" panose="020B0609020204030204" pitchFamily="49" charset="0"/>
-            </a:endParaRPr>
-          </a:p>
-          <a:p>
-            <a:r>
-              <a:rPr lang="en-US" altLang="ko-KR" sz="2400">
-                <a:solidFill>
-                  <a:srgbClr val="ABB2BF"/>
-                </a:solidFill>
-                <a:latin typeface="Consolas" panose="020B0609020204030204" pitchFamily="49" charset="0"/>
-              </a:rPr>
-              <a:t/>
-            </a:r>
-            <a:br>
-              <a:rPr lang="en-US" altLang="ko-KR" sz="2400">
-                <a:solidFill>
-                  <a:srgbClr val="ABB2BF"/>
-                </a:solidFill>
-                <a:latin typeface="Consolas" panose="020B0609020204030204" pitchFamily="49" charset="0"/>
-              </a:rPr>
-            </a:br>
-            <a:endParaRPr lang="en-US" altLang="ko-KR" sz="2400" b="0">
-              <a:solidFill>
-                <a:srgbClr val="ABB2BF"/>
-              </a:solidFill>
-              <a:effectLst/>
-              <a:latin typeface="Consolas" panose="020B0609020204030204" pitchFamily="49" charset="0"/>
-            </a:endParaRPr>
-          </a:p>
-        </p:txBody>
-      </p:sp>
-    </p:spTree>
-    <p:extLst>
-      <p:ext uri="{BB962C8B-B14F-4D97-AF65-F5344CB8AC3E}">
-        <p14:creationId xmlns:p14="http://schemas.microsoft.com/office/powerpoint/2010/main" val="2704689608"/>
       </p:ext>
     </p:extLst>
   </p:cSld>

--- a/study/ex03_제작/추가내용.pptx
+++ b/study/ex03_제작/추가내용.pptx
@@ -3665,134 +3665,134 @@
           <a:lstStyle/>
           <a:p>
             <a:r>
-              <a:rPr lang="en-US" altLang="ko-KR" sz="3200" b="1" err="1" smtClean="0">
+              <a:rPr lang="en-US" altLang="ko-KR" sz="3200" b="1" dirty="0" err="1" smtClean="0">
                 <a:effectLst/>
               </a:rPr>
               <a:t>offsetWidth</a:t>
             </a:r>
             <a:r>
-              <a:rPr lang="en-US" altLang="ko-KR" sz="3200" b="1" smtClean="0">
+              <a:rPr lang="en-US" altLang="ko-KR" sz="3200" b="1" dirty="0" smtClean="0">
                 <a:effectLst/>
               </a:rPr>
               <a:t>, </a:t>
             </a:r>
             <a:r>
-              <a:rPr lang="en-US" altLang="ko-KR" sz="3200" b="1" err="1" smtClean="0">
+              <a:rPr lang="en-US" altLang="ko-KR" sz="3200" b="1" dirty="0" err="1" smtClean="0">
                 <a:effectLst/>
               </a:rPr>
               <a:t>offsetHeight</a:t>
             </a:r>
-            <a:endParaRPr lang="ko-KR" altLang="en-US" sz="3200" smtClean="0">
+            <a:endParaRPr lang="ko-KR" altLang="en-US" sz="3200" dirty="0" smtClean="0">
               <a:effectLst/>
             </a:endParaRPr>
           </a:p>
           <a:p>
             <a:r>
-              <a:rPr lang="ko-KR" altLang="en-US" smtClean="0">
+              <a:rPr lang="ko-KR" altLang="en-US" dirty="0" smtClean="0">
                 <a:effectLst/>
               </a:rPr>
               <a:t/>
             </a:r>
             <a:br>
-              <a:rPr lang="ko-KR" altLang="en-US" smtClean="0">
+              <a:rPr lang="ko-KR" altLang="en-US" dirty="0" smtClean="0">
                 <a:effectLst/>
               </a:rPr>
             </a:br>
-            <a:endParaRPr lang="ko-KR" altLang="en-US" smtClean="0">
+            <a:endParaRPr lang="ko-KR" altLang="en-US" dirty="0" smtClean="0">
               <a:effectLst/>
             </a:endParaRPr>
           </a:p>
           <a:p>
             <a:r>
-              <a:rPr lang="ko-KR" altLang="en-US" smtClean="0">
+              <a:rPr lang="ko-KR" altLang="en-US" dirty="0" smtClean="0">
                 <a:effectLst/>
               </a:rPr>
               <a:t>일반적으로 엘리먼트의 전체 크기를 알고 싶다면</a:t>
             </a:r>
             <a:r>
-              <a:rPr lang="en-US" altLang="ko-KR" smtClean="0">
+              <a:rPr lang="en-US" altLang="ko-KR" dirty="0" smtClean="0">
                 <a:effectLst/>
               </a:rPr>
               <a:t>, `</a:t>
             </a:r>
             <a:r>
-              <a:rPr lang="en-US" altLang="ko-KR" err="1" smtClean="0">
+              <a:rPr lang="en-US" altLang="ko-KR" dirty="0" err="1" smtClean="0">
                 <a:effectLst/>
               </a:rPr>
               <a:t>offsetWidth</a:t>
             </a:r>
             <a:r>
-              <a:rPr lang="en-US" altLang="ko-KR" smtClean="0">
+              <a:rPr lang="en-US" altLang="ko-KR" dirty="0" smtClean="0">
                 <a:effectLst/>
               </a:rPr>
               <a:t>`</a:t>
             </a:r>
             <a:r>
-              <a:rPr lang="ko-KR" altLang="en-US" smtClean="0">
+              <a:rPr lang="ko-KR" altLang="en-US" dirty="0" smtClean="0">
                 <a:effectLst/>
               </a:rPr>
               <a:t>와 </a:t>
             </a:r>
             <a:r>
-              <a:rPr lang="en-US" altLang="ko-KR" smtClean="0">
+              <a:rPr lang="en-US" altLang="ko-KR" dirty="0" smtClean="0">
                 <a:effectLst/>
               </a:rPr>
               <a:t>`</a:t>
             </a:r>
             <a:r>
-              <a:rPr lang="en-US" altLang="ko-KR" err="1" smtClean="0">
+              <a:rPr lang="en-US" altLang="ko-KR" dirty="0" err="1" smtClean="0">
                 <a:effectLst/>
               </a:rPr>
               <a:t>offsetHeight</a:t>
             </a:r>
             <a:r>
-              <a:rPr lang="en-US" altLang="ko-KR" smtClean="0">
+              <a:rPr lang="en-US" altLang="ko-KR" dirty="0" smtClean="0">
                 <a:effectLst/>
               </a:rPr>
               <a:t>` </a:t>
             </a:r>
             <a:r>
-              <a:rPr lang="ko-KR" altLang="en-US" smtClean="0">
+              <a:rPr lang="ko-KR" altLang="en-US" dirty="0" smtClean="0">
                 <a:effectLst/>
               </a:rPr>
               <a:t>속성을 가져오면 된다</a:t>
             </a:r>
             <a:r>
-              <a:rPr lang="en-US" altLang="ko-KR" smtClean="0">
+              <a:rPr lang="en-US" altLang="ko-KR" dirty="0" smtClean="0">
                 <a:effectLst/>
               </a:rPr>
               <a:t>.</a:t>
             </a:r>
           </a:p>
           <a:p>
-            <a:endParaRPr lang="en-US" altLang="ko-KR"/>
-          </a:p>
-          <a:p>
-            <a:endParaRPr lang="en-US" altLang="ko-KR" smtClean="0">
+            <a:endParaRPr lang="en-US" altLang="ko-KR" dirty="0"/>
+          </a:p>
+          <a:p>
+            <a:endParaRPr lang="en-US" altLang="ko-KR" dirty="0" smtClean="0">
               <a:effectLst/>
             </a:endParaRPr>
           </a:p>
           <a:p>
             <a:r>
-              <a:rPr lang="ko-KR" altLang="en-US" smtClean="0">
+              <a:rPr lang="ko-KR" altLang="en-US" dirty="0" smtClean="0">
                 <a:effectLst/>
               </a:rPr>
               <a:t>이 속성은 엘리먼트의 패딩과 보더</a:t>
             </a:r>
             <a:r>
-              <a:rPr lang="en-US" altLang="ko-KR" smtClean="0">
+              <a:rPr lang="en-US" altLang="ko-KR" dirty="0" smtClean="0">
                 <a:effectLst/>
               </a:rPr>
               <a:t>, </a:t>
             </a:r>
             <a:r>
-              <a:rPr lang="ko-KR" altLang="en-US" smtClean="0">
+              <a:rPr lang="ko-KR" altLang="en-US" dirty="0" smtClean="0">
                 <a:effectLst/>
               </a:rPr>
               <a:t>스크롤바의 사이즈를 포함한 값을 리턴한다</a:t>
             </a:r>
             <a:r>
-              <a:rPr lang="en-US" altLang="ko-KR" smtClean="0">
+              <a:rPr lang="en-US" altLang="ko-KR" dirty="0" smtClean="0">
                 <a:effectLst/>
               </a:rPr>
               <a:t>.</a:t>
@@ -3800,17 +3800,17 @@
           </a:p>
           <a:p>
             <a:r>
-              <a:rPr lang="en-US" altLang="ko-KR" smtClean="0">
+              <a:rPr lang="en-US" altLang="ko-KR" dirty="0" smtClean="0">
                 <a:effectLst/>
               </a:rPr>
               <a:t/>
             </a:r>
             <a:br>
-              <a:rPr lang="en-US" altLang="ko-KR" smtClean="0">
+              <a:rPr lang="en-US" altLang="ko-KR" dirty="0" smtClean="0">
                 <a:effectLst/>
               </a:rPr>
             </a:br>
-            <a:endParaRPr lang="ko-KR" altLang="en-US"/>
+            <a:endParaRPr lang="ko-KR" altLang="en-US" dirty="0"/>
           </a:p>
         </p:txBody>
       </p:sp>
@@ -3877,7 +3877,7 @@
           <a:lstStyle/>
           <a:p>
             <a:r>
-              <a:rPr lang="en-US" altLang="ko-KR" i="1" err="1">
+              <a:rPr lang="en-US" altLang="ko-KR" i="1" dirty="0" err="1">
                 <a:solidFill>
                   <a:srgbClr val="7F848E"/>
                 </a:solidFill>
@@ -3886,25 +3886,34 @@
               <a:t>topHeight</a:t>
             </a:r>
             <a:r>
-              <a:rPr lang="en-US" altLang="ko-KR" i="1">
+              <a:rPr lang="en-US" altLang="ko-KR" i="1" dirty="0">
                 <a:solidFill>
                   <a:srgbClr val="7F848E"/>
                 </a:solidFill>
                 <a:latin typeface="Consolas" panose="020B0609020204030204" pitchFamily="49" charset="0"/>
               </a:rPr>
-              <a:t> = slides[0].</a:t>
-            </a:r>
-            <a:r>
-              <a:rPr lang="en-US" altLang="ko-KR" i="1" err="1">
+              <a:t> = </a:t>
+            </a:r>
+            <a:r>
+              <a:rPr lang="en-US" altLang="ko-KR" i="1" dirty="0" smtClean="0">
                 <a:solidFill>
                   <a:srgbClr val="7F848E"/>
                 </a:solidFill>
                 <a:latin typeface="Consolas" panose="020B0609020204030204" pitchFamily="49" charset="0"/>
               </a:rPr>
+              <a:t>slides[j].</a:t>
+            </a:r>
+            <a:r>
+              <a:rPr lang="en-US" altLang="ko-KR" i="1" dirty="0" err="1">
+                <a:solidFill>
+                  <a:srgbClr val="7F848E"/>
+                </a:solidFill>
+                <a:latin typeface="Consolas" panose="020B0609020204030204" pitchFamily="49" charset="0"/>
+              </a:rPr>
               <a:t>offsetHeight</a:t>
             </a:r>
             <a:r>
-              <a:rPr lang="en-US" altLang="ko-KR" i="1">
+              <a:rPr lang="en-US" altLang="ko-KR" i="1" dirty="0">
                 <a:solidFill>
                   <a:srgbClr val="7F848E"/>
                 </a:solidFill>
@@ -3912,7 +3921,7 @@
               </a:rPr>
               <a:t>;</a:t>
             </a:r>
-            <a:endParaRPr lang="en-US" altLang="ko-KR" b="0">
+            <a:endParaRPr lang="en-US" altLang="ko-KR" b="0" dirty="0">
               <a:solidFill>
                 <a:srgbClr val="ABB2BF"/>
               </a:solidFill>
@@ -3944,7 +3953,7 @@
           <a:lstStyle/>
           <a:p>
             <a:r>
-              <a:rPr lang="en-US" altLang="ko-KR" b="1">
+              <a:rPr lang="en-US" altLang="ko-KR" b="1" dirty="0">
                 <a:solidFill>
                   <a:srgbClr val="FF0000"/>
                 </a:solidFill>
@@ -3953,7 +3962,7 @@
               <a:t>(</a:t>
             </a:r>
             <a:r>
-              <a:rPr lang="ko-KR" altLang="en-US" b="1">
+              <a:rPr lang="ko-KR" altLang="en-US" b="1" dirty="0">
                 <a:solidFill>
                   <a:srgbClr val="FF0000"/>
                 </a:solidFill>
@@ -3962,7 +3971,7 @@
               <a:t>슬라이드 높이 변경용도</a:t>
             </a:r>
             <a:r>
-              <a:rPr lang="en-US" altLang="ko-KR" b="1">
+              <a:rPr lang="en-US" altLang="ko-KR" b="1" dirty="0">
                 <a:solidFill>
                   <a:srgbClr val="FF0000"/>
                 </a:solidFill>
@@ -3970,7 +3979,7 @@
               </a:rPr>
               <a:t>)</a:t>
             </a:r>
-            <a:endParaRPr lang="en-US" altLang="ko-KR">
+            <a:endParaRPr lang="en-US" altLang="ko-KR" dirty="0">
               <a:solidFill>
                 <a:srgbClr val="C678DD"/>
               </a:solidFill>
@@ -3979,7 +3988,7 @@
           </a:p>
           <a:p>
             <a:r>
-              <a:rPr lang="en-US" altLang="ko-KR">
+              <a:rPr lang="en-US" altLang="ko-KR" dirty="0" err="1">
                 <a:solidFill>
                   <a:srgbClr val="C678DD"/>
                 </a:solidFill>
@@ -3988,7 +3997,7 @@
               <a:t>var</a:t>
             </a:r>
             <a:r>
-              <a:rPr lang="en-US" altLang="ko-KR">
+              <a:rPr lang="en-US" altLang="ko-KR" dirty="0">
                 <a:solidFill>
                   <a:srgbClr val="ABB2BF"/>
                 </a:solidFill>
@@ -3997,7 +4006,7 @@
               <a:t> </a:t>
             </a:r>
             <a:r>
-              <a:rPr lang="en-US" altLang="ko-KR">
+              <a:rPr lang="en-US" altLang="ko-KR" dirty="0" err="1">
                 <a:solidFill>
                   <a:srgbClr val="E06C75"/>
                 </a:solidFill>
@@ -4006,7 +4015,7 @@
               <a:t>slideWrapper</a:t>
             </a:r>
             <a:r>
-              <a:rPr lang="en-US" altLang="ko-KR">
+              <a:rPr lang="en-US" altLang="ko-KR" dirty="0">
                 <a:solidFill>
                   <a:srgbClr val="ABB2BF"/>
                 </a:solidFill>
@@ -4015,7 +4024,7 @@
               <a:t> </a:t>
             </a:r>
             <a:r>
-              <a:rPr lang="en-US" altLang="ko-KR">
+              <a:rPr lang="en-US" altLang="ko-KR" dirty="0">
                 <a:solidFill>
                   <a:srgbClr val="56B6C2"/>
                 </a:solidFill>
@@ -4024,7 +4033,7 @@
               <a:t>=</a:t>
             </a:r>
             <a:r>
-              <a:rPr lang="en-US" altLang="ko-KR">
+              <a:rPr lang="en-US" altLang="ko-KR" dirty="0">
                 <a:solidFill>
                   <a:srgbClr val="ABB2BF"/>
                 </a:solidFill>
@@ -4033,7 +4042,7 @@
               <a:t> </a:t>
             </a:r>
             <a:r>
-              <a:rPr lang="en-US" altLang="ko-KR">
+              <a:rPr lang="en-US" altLang="ko-KR" dirty="0" err="1">
                 <a:solidFill>
                   <a:srgbClr val="E06C75"/>
                 </a:solidFill>
@@ -4042,7 +4051,7 @@
               <a:t>document</a:t>
             </a:r>
             <a:r>
-              <a:rPr lang="en-US" altLang="ko-KR">
+              <a:rPr lang="en-US" altLang="ko-KR" dirty="0" err="1">
                 <a:solidFill>
                   <a:srgbClr val="ABB2BF"/>
                 </a:solidFill>
@@ -4051,7 +4060,7 @@
               <a:t>.</a:t>
             </a:r>
             <a:r>
-              <a:rPr lang="en-US" altLang="ko-KR">
+              <a:rPr lang="en-US" altLang="ko-KR" dirty="0" err="1">
                 <a:solidFill>
                   <a:srgbClr val="61AFEF"/>
                 </a:solidFill>
@@ -4060,7 +4069,7 @@
               <a:t>getElementsByClassName</a:t>
             </a:r>
             <a:r>
-              <a:rPr lang="en-US" altLang="ko-KR">
+              <a:rPr lang="en-US" altLang="ko-KR" dirty="0">
                 <a:solidFill>
                   <a:srgbClr val="ABB2BF"/>
                 </a:solidFill>
@@ -4069,7 +4078,7 @@
               <a:t>(</a:t>
             </a:r>
             <a:r>
-              <a:rPr lang="en-US" altLang="ko-KR">
+              <a:rPr lang="en-US" altLang="ko-KR" dirty="0">
                 <a:solidFill>
                   <a:srgbClr val="98C379"/>
                 </a:solidFill>
@@ -4078,7 +4087,7 @@
               <a:t>'container'</a:t>
             </a:r>
             <a:r>
-              <a:rPr lang="en-US" altLang="ko-KR">
+              <a:rPr lang="en-US" altLang="ko-KR" dirty="0">
                 <a:solidFill>
                   <a:srgbClr val="ABB2BF"/>
                 </a:solidFill>
@@ -4087,7 +4096,7 @@
               <a:t>);   </a:t>
             </a:r>
             <a:r>
-              <a:rPr lang="en-US" altLang="ko-KR" i="1">
+              <a:rPr lang="en-US" altLang="ko-KR" i="1" dirty="0">
                 <a:solidFill>
                   <a:srgbClr val="7F848E"/>
                 </a:solidFill>
@@ -4096,7 +4105,7 @@
               <a:t>//</a:t>
             </a:r>
             <a:r>
-              <a:rPr lang="ko-KR" altLang="en-US" i="1">
+              <a:rPr lang="ko-KR" altLang="en-US" i="1" dirty="0">
                 <a:solidFill>
                   <a:srgbClr val="7F848E"/>
                 </a:solidFill>
@@ -4105,7 +4114,7 @@
               <a:t>클래스명 </a:t>
             </a:r>
             <a:r>
-              <a:rPr lang="en-US" altLang="ko-KR" i="1">
+              <a:rPr lang="en-US" altLang="ko-KR" i="1" dirty="0">
                 <a:solidFill>
                   <a:srgbClr val="7F848E"/>
                 </a:solidFill>
@@ -4113,7 +4122,7 @@
               </a:rPr>
               <a:t>container</a:t>
             </a:r>
-            <a:endParaRPr lang="en-US" altLang="ko-KR">
+            <a:endParaRPr lang="en-US" altLang="ko-KR" dirty="0">
               <a:solidFill>
                 <a:srgbClr val="ABB2BF"/>
               </a:solidFill>
@@ -4122,7 +4131,7 @@
           </a:p>
           <a:p>
             <a:r>
-              <a:rPr lang="en-US" altLang="ko-KR">
+              <a:rPr lang="en-US" altLang="ko-KR" dirty="0" err="1">
                 <a:solidFill>
                   <a:srgbClr val="C678DD"/>
                 </a:solidFill>
@@ -4131,7 +4140,7 @@
               <a:t>var</a:t>
             </a:r>
             <a:r>
-              <a:rPr lang="en-US" altLang="ko-KR">
+              <a:rPr lang="en-US" altLang="ko-KR" dirty="0">
                 <a:solidFill>
                   <a:srgbClr val="ABB2BF"/>
                 </a:solidFill>
@@ -4140,7 +4149,7 @@
               <a:t> </a:t>
             </a:r>
             <a:r>
-              <a:rPr lang="en-US" altLang="ko-KR">
+              <a:rPr lang="en-US" altLang="ko-KR" dirty="0" err="1">
                 <a:solidFill>
                   <a:srgbClr val="E06C75"/>
                 </a:solidFill>
@@ -4149,7 +4158,7 @@
               <a:t>topHeight</a:t>
             </a:r>
             <a:r>
-              <a:rPr lang="en-US" altLang="ko-KR">
+              <a:rPr lang="en-US" altLang="ko-KR" dirty="0">
                 <a:solidFill>
                   <a:srgbClr val="ABB2BF"/>
                 </a:solidFill>
@@ -4158,7 +4167,7 @@
               <a:t> </a:t>
             </a:r>
             <a:r>
-              <a:rPr lang="en-US" altLang="ko-KR">
+              <a:rPr lang="en-US" altLang="ko-KR" dirty="0">
                 <a:solidFill>
                   <a:srgbClr val="56B6C2"/>
                 </a:solidFill>
@@ -4167,7 +4176,7 @@
               <a:t>=</a:t>
             </a:r>
             <a:r>
-              <a:rPr lang="en-US" altLang="ko-KR">
+              <a:rPr lang="en-US" altLang="ko-KR" dirty="0">
                 <a:solidFill>
                   <a:srgbClr val="ABB2BF"/>
                 </a:solidFill>
@@ -4176,7 +4185,7 @@
               <a:t> </a:t>
             </a:r>
             <a:r>
-              <a:rPr lang="en-US" altLang="ko-KR">
+              <a:rPr lang="en-US" altLang="ko-KR" dirty="0">
                 <a:solidFill>
                   <a:srgbClr val="D19A66"/>
                 </a:solidFill>
@@ -4185,7 +4194,7 @@
               <a:t>0</a:t>
             </a:r>
             <a:r>
-              <a:rPr lang="en-US" altLang="ko-KR">
+              <a:rPr lang="en-US" altLang="ko-KR" dirty="0">
                 <a:solidFill>
                   <a:srgbClr val="ABB2BF"/>
                 </a:solidFill>
@@ -4194,7 +4203,7 @@
               <a:t>; </a:t>
             </a:r>
             <a:r>
-              <a:rPr lang="en-US" altLang="ko-KR" i="1">
+              <a:rPr lang="en-US" altLang="ko-KR" i="1" dirty="0">
                 <a:solidFill>
                   <a:srgbClr val="7F848E"/>
                 </a:solidFill>
@@ -4203,7 +4212,7 @@
               <a:t>//</a:t>
             </a:r>
             <a:r>
-              <a:rPr lang="ko-KR" altLang="en-US" i="1">
+              <a:rPr lang="ko-KR" altLang="en-US" i="1" dirty="0">
                 <a:solidFill>
                   <a:srgbClr val="7F848E"/>
                 </a:solidFill>
@@ -4211,7 +4220,7 @@
               </a:rPr>
               <a:t>높이</a:t>
             </a:r>
-            <a:endParaRPr lang="en-US" altLang="ko-KR" i="1">
+            <a:endParaRPr lang="en-US" altLang="ko-KR" i="1" dirty="0">
               <a:solidFill>
                 <a:srgbClr val="7F848E"/>
               </a:solidFill>
@@ -4272,7 +4281,7 @@
           <a:lstStyle/>
           <a:p>
             <a:r>
-              <a:rPr lang="en-US" altLang="ko-KR" sz="2400">
+              <a:rPr lang="en-US" altLang="ko-KR" sz="2400" dirty="0">
                 <a:solidFill>
                   <a:srgbClr val="C678DD"/>
                 </a:solidFill>
@@ -4281,7 +4290,7 @@
               <a:t>function</a:t>
             </a:r>
             <a:r>
-              <a:rPr lang="en-US" altLang="ko-KR" sz="2400">
+              <a:rPr lang="en-US" altLang="ko-KR" sz="2400" dirty="0">
                 <a:solidFill>
                   <a:srgbClr val="ABB2BF"/>
                 </a:solidFill>
@@ -4290,7 +4299,7 @@
               <a:t> </a:t>
             </a:r>
             <a:r>
-              <a:rPr lang="en-US" altLang="ko-KR" sz="2400" err="1">
+              <a:rPr lang="en-US" altLang="ko-KR" sz="2400" dirty="0" err="1">
                 <a:solidFill>
                   <a:srgbClr val="61AFEF"/>
                 </a:solidFill>
@@ -4299,7 +4308,7 @@
               <a:t>calculateTallestSlide</a:t>
             </a:r>
             <a:r>
-              <a:rPr lang="en-US" altLang="ko-KR" sz="2400">
+              <a:rPr lang="en-US" altLang="ko-KR" sz="2400" dirty="0">
                 <a:solidFill>
                   <a:srgbClr val="ABB2BF"/>
                 </a:solidFill>
@@ -4310,7 +4319,7 @@
           </a:p>
           <a:p>
             <a:r>
-              <a:rPr lang="en-US" altLang="ko-KR" sz="2400">
+              <a:rPr lang="en-US" altLang="ko-KR" sz="2400" dirty="0">
                 <a:solidFill>
                   <a:srgbClr val="ABB2BF"/>
                 </a:solidFill>
@@ -4319,7 +4328,7 @@
               <a:t/>
             </a:r>
             <a:br>
-              <a:rPr lang="en-US" altLang="ko-KR" sz="2400">
+              <a:rPr lang="en-US" altLang="ko-KR" sz="2400" dirty="0">
                 <a:solidFill>
                   <a:srgbClr val="ABB2BF"/>
                 </a:solidFill>
@@ -4327,7 +4336,7 @@
               </a:rPr>
             </a:br>
             <a:r>
-              <a:rPr lang="en-US" altLang="ko-KR" sz="2400">
+              <a:rPr lang="en-US" altLang="ko-KR" sz="2400" dirty="0">
                 <a:solidFill>
                   <a:srgbClr val="ABB2BF"/>
                 </a:solidFill>
@@ -4336,7 +4345,7 @@
               <a:t>    </a:t>
             </a:r>
             <a:r>
-              <a:rPr lang="en-US" altLang="ko-KR" sz="2400">
+              <a:rPr lang="en-US" altLang="ko-KR" sz="2400" dirty="0">
                 <a:solidFill>
                   <a:srgbClr val="C678DD"/>
                 </a:solidFill>
@@ -4345,7 +4354,7 @@
               <a:t>for</a:t>
             </a:r>
             <a:r>
-              <a:rPr lang="en-US" altLang="ko-KR" sz="2400">
+              <a:rPr lang="en-US" altLang="ko-KR" sz="2400" dirty="0">
                 <a:solidFill>
                   <a:srgbClr val="ABB2BF"/>
                 </a:solidFill>
@@ -4354,7 +4363,7 @@
               <a:t>( </a:t>
             </a:r>
             <a:r>
-              <a:rPr lang="en-US" altLang="ko-KR" sz="2400" err="1">
+              <a:rPr lang="en-US" altLang="ko-KR" sz="2400" dirty="0" err="1">
                 <a:solidFill>
                   <a:srgbClr val="C678DD"/>
                 </a:solidFill>
@@ -4363,7 +4372,7 @@
               <a:t>var</a:t>
             </a:r>
             <a:r>
-              <a:rPr lang="en-US" altLang="ko-KR" sz="2400">
+              <a:rPr lang="en-US" altLang="ko-KR" sz="2400" dirty="0">
                 <a:solidFill>
                   <a:srgbClr val="ABB2BF"/>
                 </a:solidFill>
@@ -4372,7 +4381,7 @@
               <a:t> </a:t>
             </a:r>
             <a:r>
-              <a:rPr lang="en-US" altLang="ko-KR" sz="2400" err="1">
+              <a:rPr lang="en-US" altLang="ko-KR" sz="2400" dirty="0" err="1">
                 <a:solidFill>
                   <a:srgbClr val="E06C75"/>
                 </a:solidFill>
@@ -4381,7 +4390,7 @@
               <a:t>i</a:t>
             </a:r>
             <a:r>
-              <a:rPr lang="en-US" altLang="ko-KR" sz="2400">
+              <a:rPr lang="en-US" altLang="ko-KR" sz="2400" dirty="0">
                 <a:solidFill>
                   <a:srgbClr val="ABB2BF"/>
                 </a:solidFill>
@@ -4390,7 +4399,7 @@
               <a:t> </a:t>
             </a:r>
             <a:r>
-              <a:rPr lang="en-US" altLang="ko-KR" sz="2400">
+              <a:rPr lang="en-US" altLang="ko-KR" sz="2400" dirty="0">
                 <a:solidFill>
                   <a:srgbClr val="56B6C2"/>
                 </a:solidFill>
@@ -4399,7 +4408,7 @@
               <a:t>=</a:t>
             </a:r>
             <a:r>
-              <a:rPr lang="en-US" altLang="ko-KR" sz="2400">
+              <a:rPr lang="en-US" altLang="ko-KR" sz="2400" dirty="0">
                 <a:solidFill>
                   <a:srgbClr val="ABB2BF"/>
                 </a:solidFill>
@@ -4408,7 +4417,7 @@
               <a:t> </a:t>
             </a:r>
             <a:r>
-              <a:rPr lang="en-US" altLang="ko-KR" sz="2400">
+              <a:rPr lang="en-US" altLang="ko-KR" sz="2400" dirty="0">
                 <a:solidFill>
                   <a:srgbClr val="D19A66"/>
                 </a:solidFill>
@@ -4417,7 +4426,7 @@
               <a:t>0</a:t>
             </a:r>
             <a:r>
-              <a:rPr lang="en-US" altLang="ko-KR" sz="2400">
+              <a:rPr lang="en-US" altLang="ko-KR" sz="2400" dirty="0">
                 <a:solidFill>
                   <a:srgbClr val="ABB2BF"/>
                 </a:solidFill>
@@ -4426,7 +4435,7 @@
               <a:t>; </a:t>
             </a:r>
             <a:r>
-              <a:rPr lang="en-US" altLang="ko-KR" sz="2400" err="1">
+              <a:rPr lang="en-US" altLang="ko-KR" sz="2400" dirty="0" err="1">
                 <a:solidFill>
                   <a:srgbClr val="E06C75"/>
                 </a:solidFill>
@@ -4435,7 +4444,7 @@
               <a:t>i</a:t>
             </a:r>
             <a:r>
-              <a:rPr lang="en-US" altLang="ko-KR" sz="2400">
+              <a:rPr lang="en-US" altLang="ko-KR" sz="2400" dirty="0">
                 <a:solidFill>
                   <a:srgbClr val="ABB2BF"/>
                 </a:solidFill>
@@ -4444,7 +4453,7 @@
               <a:t> </a:t>
             </a:r>
             <a:r>
-              <a:rPr lang="en-US" altLang="ko-KR" sz="2400">
+              <a:rPr lang="en-US" altLang="ko-KR" sz="2400" dirty="0">
                 <a:solidFill>
                   <a:srgbClr val="56B6C2"/>
                 </a:solidFill>
@@ -4453,7 +4462,7 @@
               <a:t>&lt;</a:t>
             </a:r>
             <a:r>
-              <a:rPr lang="en-US" altLang="ko-KR" sz="2400">
+              <a:rPr lang="en-US" altLang="ko-KR" sz="2400" dirty="0">
                 <a:solidFill>
                   <a:srgbClr val="ABB2BF"/>
                 </a:solidFill>
@@ -4462,7 +4471,7 @@
               <a:t> </a:t>
             </a:r>
             <a:r>
-              <a:rPr lang="en-US" altLang="ko-KR" sz="2400" err="1">
+              <a:rPr lang="en-US" altLang="ko-KR" sz="2400" dirty="0" err="1">
                 <a:solidFill>
                   <a:srgbClr val="E06C75"/>
                 </a:solidFill>
@@ -4471,7 +4480,7 @@
               <a:t>slideCount</a:t>
             </a:r>
             <a:r>
-              <a:rPr lang="en-US" altLang="ko-KR" sz="2400">
+              <a:rPr lang="en-US" altLang="ko-KR" sz="2400" dirty="0">
                 <a:solidFill>
                   <a:srgbClr val="ABB2BF"/>
                 </a:solidFill>
@@ -4480,7 +4489,7 @@
               <a:t> ; </a:t>
             </a:r>
             <a:r>
-              <a:rPr lang="en-US" altLang="ko-KR" sz="2400" err="1">
+              <a:rPr lang="en-US" altLang="ko-KR" sz="2400" dirty="0" err="1">
                 <a:solidFill>
                   <a:srgbClr val="E06C75"/>
                 </a:solidFill>
@@ -4489,7 +4498,7 @@
               <a:t>i</a:t>
             </a:r>
             <a:r>
-              <a:rPr lang="en-US" altLang="ko-KR" sz="2400">
+              <a:rPr lang="en-US" altLang="ko-KR" sz="2400" dirty="0">
                 <a:solidFill>
                   <a:srgbClr val="56B6C2"/>
                 </a:solidFill>
@@ -4498,7 +4507,7 @@
               <a:t>++</a:t>
             </a:r>
             <a:r>
-              <a:rPr lang="en-US" altLang="ko-KR" sz="2400">
+              <a:rPr lang="en-US" altLang="ko-KR" sz="2400" dirty="0">
                 <a:solidFill>
                   <a:srgbClr val="ABB2BF"/>
                 </a:solidFill>
@@ -4507,7 +4516,7 @@
               <a:t> </a:t>
             </a:r>
             <a:r>
-              <a:rPr lang="en-US" altLang="ko-KR" sz="2400" smtClean="0">
+              <a:rPr lang="en-US" altLang="ko-KR" sz="2400" dirty="0" smtClean="0">
                 <a:solidFill>
                   <a:srgbClr val="ABB2BF"/>
                 </a:solidFill>
@@ -4518,7 +4527,7 @@
           </a:p>
           <a:p>
             <a:r>
-              <a:rPr lang="en-US" altLang="ko-KR" sz="2400">
+              <a:rPr lang="en-US" altLang="ko-KR" sz="2400" dirty="0">
                 <a:solidFill>
                   <a:srgbClr val="ABB2BF"/>
                 </a:solidFill>
@@ -4527,7 +4536,7 @@
               <a:t>	</a:t>
             </a:r>
             <a:r>
-              <a:rPr lang="en-US" altLang="ko-KR" sz="2400" smtClean="0">
+              <a:rPr lang="en-US" altLang="ko-KR" sz="2400" dirty="0" smtClean="0">
                 <a:solidFill>
                   <a:srgbClr val="ABB2BF"/>
                 </a:solidFill>
@@ -4536,7 +4545,7 @@
               <a:t>{</a:t>
             </a:r>
             <a:r>
-              <a:rPr lang="en-US" altLang="ko-KR" sz="2400" smtClean="0">
+              <a:rPr lang="en-US" altLang="ko-KR" sz="2400" dirty="0" smtClean="0">
                 <a:solidFill>
                   <a:srgbClr val="C678DD"/>
                 </a:solidFill>
@@ -4545,7 +4554,7 @@
               <a:t>if</a:t>
             </a:r>
             <a:r>
-              <a:rPr lang="en-US" altLang="ko-KR" sz="2400" smtClean="0">
+              <a:rPr lang="en-US" altLang="ko-KR" sz="2400" dirty="0" smtClean="0">
                 <a:solidFill>
                   <a:srgbClr val="ABB2BF"/>
                 </a:solidFill>
@@ -4554,7 +4563,7 @@
               <a:t>(</a:t>
             </a:r>
             <a:r>
-              <a:rPr lang="en-US" altLang="ko-KR" sz="2400" smtClean="0">
+              <a:rPr lang="en-US" altLang="ko-KR" sz="2400" dirty="0" smtClean="0">
                 <a:solidFill>
                   <a:srgbClr val="E06C75"/>
                 </a:solidFill>
@@ -4563,7 +4572,7 @@
               <a:t>slides</a:t>
             </a:r>
             <a:r>
-              <a:rPr lang="en-US" altLang="ko-KR" sz="2400" smtClean="0">
+              <a:rPr lang="en-US" altLang="ko-KR" sz="2400" dirty="0" smtClean="0">
                 <a:solidFill>
                   <a:srgbClr val="ABB2BF"/>
                 </a:solidFill>
@@ -4572,7 +4581,7 @@
               <a:t>[</a:t>
             </a:r>
             <a:r>
-              <a:rPr lang="en-US" altLang="ko-KR" sz="2400" smtClean="0">
+              <a:rPr lang="en-US" altLang="ko-KR" sz="2400" dirty="0" err="1" smtClean="0">
                 <a:solidFill>
                   <a:srgbClr val="E06C75"/>
                 </a:solidFill>
@@ -4581,7 +4590,7 @@
               <a:t>i</a:t>
             </a:r>
             <a:r>
-              <a:rPr lang="en-US" altLang="ko-KR" sz="2400">
+              <a:rPr lang="en-US" altLang="ko-KR" sz="2400" dirty="0">
                 <a:solidFill>
                   <a:srgbClr val="ABB2BF"/>
                 </a:solidFill>
@@ -4590,7 +4599,7 @@
               <a:t>].</a:t>
             </a:r>
             <a:r>
-              <a:rPr lang="en-US" altLang="ko-KR" sz="2400" err="1">
+              <a:rPr lang="en-US" altLang="ko-KR" sz="2400" dirty="0" err="1">
                 <a:solidFill>
                   <a:srgbClr val="E06C75"/>
                 </a:solidFill>
@@ -4599,7 +4608,7 @@
               <a:t>offsetHeight</a:t>
             </a:r>
             <a:r>
-              <a:rPr lang="en-US" altLang="ko-KR" sz="2400">
+              <a:rPr lang="en-US" altLang="ko-KR" sz="2400" dirty="0">
                 <a:solidFill>
                   <a:srgbClr val="ABB2BF"/>
                 </a:solidFill>
@@ -4608,7 +4617,7 @@
               <a:t> </a:t>
             </a:r>
             <a:r>
-              <a:rPr lang="en-US" altLang="ko-KR" sz="2400">
+              <a:rPr lang="en-US" altLang="ko-KR" sz="2400" dirty="0">
                 <a:solidFill>
                   <a:srgbClr val="56B6C2"/>
                 </a:solidFill>
@@ -4617,7 +4626,7 @@
               <a:t>&gt;</a:t>
             </a:r>
             <a:r>
-              <a:rPr lang="en-US" altLang="ko-KR" sz="2400">
+              <a:rPr lang="en-US" altLang="ko-KR" sz="2400" dirty="0">
                 <a:solidFill>
                   <a:srgbClr val="ABB2BF"/>
                 </a:solidFill>
@@ -4626,7 +4635,7 @@
               <a:t> </a:t>
             </a:r>
             <a:r>
-              <a:rPr lang="en-US" altLang="ko-KR" sz="2400" smtClean="0">
+              <a:rPr lang="en-US" altLang="ko-KR" sz="2400" dirty="0" err="1" smtClean="0">
                 <a:solidFill>
                   <a:srgbClr val="E06C75"/>
                 </a:solidFill>
@@ -4635,7 +4644,7 @@
               <a:t>topHeight</a:t>
             </a:r>
             <a:r>
-              <a:rPr lang="en-US" altLang="ko-KR" sz="2400" smtClean="0">
+              <a:rPr lang="en-US" altLang="ko-KR" sz="2400" dirty="0" smtClean="0">
                 <a:solidFill>
                   <a:srgbClr val="ABB2BF"/>
                 </a:solidFill>
@@ -4646,7 +4655,7 @@
           </a:p>
           <a:p>
             <a:r>
-              <a:rPr lang="en-US" altLang="ko-KR" sz="2400">
+              <a:rPr lang="en-US" altLang="ko-KR" sz="2400" dirty="0">
                 <a:solidFill>
                   <a:srgbClr val="ABB2BF"/>
                 </a:solidFill>
@@ -4655,7 +4664,7 @@
               <a:t>	</a:t>
             </a:r>
             <a:r>
-              <a:rPr lang="en-US" altLang="ko-KR" sz="2400" smtClean="0">
+              <a:rPr lang="en-US" altLang="ko-KR" sz="2400" dirty="0" smtClean="0">
                 <a:solidFill>
                   <a:srgbClr val="ABB2BF"/>
                 </a:solidFill>
@@ -4664,7 +4673,7 @@
               <a:t>	{</a:t>
             </a:r>
             <a:r>
-              <a:rPr lang="en-US" altLang="ko-KR" sz="2400" smtClean="0">
+              <a:rPr lang="en-US" altLang="ko-KR" sz="2400" dirty="0" err="1" smtClean="0">
                 <a:solidFill>
                   <a:srgbClr val="E06C75"/>
                 </a:solidFill>
@@ -4673,7 +4682,7 @@
               <a:t>topHeight</a:t>
             </a:r>
             <a:r>
-              <a:rPr lang="en-US" altLang="ko-KR" sz="2400">
+              <a:rPr lang="en-US" altLang="ko-KR" sz="2400" dirty="0">
                 <a:solidFill>
                   <a:srgbClr val="ABB2BF"/>
                 </a:solidFill>
@@ -4682,7 +4691,7 @@
               <a:t> </a:t>
             </a:r>
             <a:r>
-              <a:rPr lang="en-US" altLang="ko-KR" sz="2400">
+              <a:rPr lang="en-US" altLang="ko-KR" sz="2400" dirty="0">
                 <a:solidFill>
                   <a:srgbClr val="56B6C2"/>
                 </a:solidFill>
@@ -4691,7 +4700,7 @@
               <a:t>=</a:t>
             </a:r>
             <a:r>
-              <a:rPr lang="en-US" altLang="ko-KR" sz="2400">
+              <a:rPr lang="en-US" altLang="ko-KR" sz="2400" dirty="0">
                 <a:solidFill>
                   <a:srgbClr val="ABB2BF"/>
                 </a:solidFill>
@@ -4700,7 +4709,7 @@
               <a:t> </a:t>
             </a:r>
             <a:r>
-              <a:rPr lang="en-US" altLang="ko-KR" sz="2400">
+              <a:rPr lang="en-US" altLang="ko-KR" sz="2400" dirty="0">
                 <a:solidFill>
                   <a:srgbClr val="E06C75"/>
                 </a:solidFill>
@@ -4709,7 +4718,7 @@
               <a:t>slides</a:t>
             </a:r>
             <a:r>
-              <a:rPr lang="en-US" altLang="ko-KR" sz="2400">
+              <a:rPr lang="en-US" altLang="ko-KR" sz="2400" dirty="0">
                 <a:solidFill>
                   <a:srgbClr val="ABB2BF"/>
                 </a:solidFill>
@@ -4718,7 +4727,7 @@
               <a:t>[</a:t>
             </a:r>
             <a:r>
-              <a:rPr lang="en-US" altLang="ko-KR" sz="2400" err="1">
+              <a:rPr lang="en-US" altLang="ko-KR" sz="2400" dirty="0" err="1">
                 <a:solidFill>
                   <a:srgbClr val="E06C75"/>
                 </a:solidFill>
@@ -4727,7 +4736,7 @@
               <a:t>i</a:t>
             </a:r>
             <a:r>
-              <a:rPr lang="en-US" altLang="ko-KR" sz="2400">
+              <a:rPr lang="en-US" altLang="ko-KR" sz="2400" dirty="0">
                 <a:solidFill>
                   <a:srgbClr val="ABB2BF"/>
                 </a:solidFill>
@@ -4736,7 +4745,7 @@
               <a:t>].</a:t>
             </a:r>
             <a:r>
-              <a:rPr lang="en-US" altLang="ko-KR" sz="2400" err="1">
+              <a:rPr lang="en-US" altLang="ko-KR" sz="2400" dirty="0" err="1">
                 <a:solidFill>
                   <a:srgbClr val="E06C75"/>
                 </a:solidFill>
@@ -4745,7 +4754,7 @@
               <a:t>offsetHeight</a:t>
             </a:r>
             <a:r>
-              <a:rPr lang="en-US" altLang="ko-KR" sz="2400" smtClean="0">
+              <a:rPr lang="en-US" altLang="ko-KR" sz="2400" dirty="0" smtClean="0">
                 <a:solidFill>
                   <a:srgbClr val="ABB2BF"/>
                 </a:solidFill>
@@ -4753,7 +4762,7 @@
               </a:rPr>
               <a:t>;}}</a:t>
             </a:r>
-            <a:endParaRPr lang="en-US" altLang="ko-KR" sz="2400">
+            <a:endParaRPr lang="en-US" altLang="ko-KR" sz="2400" dirty="0">
               <a:solidFill>
                 <a:srgbClr val="ABB2BF"/>
               </a:solidFill>
@@ -4762,7 +4771,7 @@
           </a:p>
           <a:p>
             <a:r>
-              <a:rPr lang="en-US" altLang="ko-KR" sz="2400">
+              <a:rPr lang="en-US" altLang="ko-KR" sz="2400" dirty="0">
                 <a:solidFill>
                   <a:srgbClr val="ABB2BF"/>
                 </a:solidFill>
@@ -4771,7 +4780,7 @@
               <a:t/>
             </a:r>
             <a:br>
-              <a:rPr lang="en-US" altLang="ko-KR" sz="2400">
+              <a:rPr lang="en-US" altLang="ko-KR" sz="2400" dirty="0">
                 <a:solidFill>
                   <a:srgbClr val="ABB2BF"/>
                 </a:solidFill>
@@ -4779,7 +4788,7 @@
               </a:rPr>
             </a:br>
             <a:r>
-              <a:rPr lang="en-US" altLang="ko-KR" sz="2400">
+              <a:rPr lang="en-US" altLang="ko-KR" sz="2400" dirty="0">
                 <a:solidFill>
                   <a:srgbClr val="ABB2BF"/>
                 </a:solidFill>
@@ -4788,7 +4797,7 @@
               <a:t>    </a:t>
             </a:r>
             <a:r>
-              <a:rPr lang="en-US" altLang="ko-KR" sz="2400" err="1">
+              <a:rPr lang="en-US" altLang="ko-KR" sz="2400" dirty="0" err="1">
                 <a:solidFill>
                   <a:srgbClr val="E06C75"/>
                 </a:solidFill>
@@ -4797,7 +4806,7 @@
               <a:t>slideWrapper</a:t>
             </a:r>
             <a:r>
-              <a:rPr lang="en-US" altLang="ko-KR" sz="2400">
+              <a:rPr lang="en-US" altLang="ko-KR" sz="2400" dirty="0">
                 <a:solidFill>
                   <a:srgbClr val="ABB2BF"/>
                 </a:solidFill>
@@ -4806,7 +4815,7 @@
               <a:t>[</a:t>
             </a:r>
             <a:r>
-              <a:rPr lang="en-US" altLang="ko-KR" sz="2400">
+              <a:rPr lang="en-US" altLang="ko-KR" sz="2400" dirty="0">
                 <a:solidFill>
                   <a:srgbClr val="D19A66"/>
                 </a:solidFill>
@@ -4815,7 +4824,7 @@
               <a:t>0</a:t>
             </a:r>
             <a:r>
-              <a:rPr lang="en-US" altLang="ko-KR" sz="2400">
+              <a:rPr lang="en-US" altLang="ko-KR" sz="2400" dirty="0">
                 <a:solidFill>
                   <a:srgbClr val="ABB2BF"/>
                 </a:solidFill>
@@ -4824,7 +4833,7 @@
               <a:t>].</a:t>
             </a:r>
             <a:r>
-              <a:rPr lang="en-US" altLang="ko-KR" sz="2400" err="1">
+              <a:rPr lang="en-US" altLang="ko-KR" sz="2400" dirty="0" err="1">
                 <a:solidFill>
                   <a:srgbClr val="E06C75"/>
                 </a:solidFill>
@@ -4833,7 +4842,7 @@
               <a:t>style</a:t>
             </a:r>
             <a:r>
-              <a:rPr lang="en-US" altLang="ko-KR" sz="2400" err="1">
+              <a:rPr lang="en-US" altLang="ko-KR" sz="2400" dirty="0" err="1">
                 <a:solidFill>
                   <a:srgbClr val="ABB2BF"/>
                 </a:solidFill>
@@ -4842,7 +4851,7 @@
               <a:t>.</a:t>
             </a:r>
             <a:r>
-              <a:rPr lang="en-US" altLang="ko-KR" sz="2400" err="1">
+              <a:rPr lang="en-US" altLang="ko-KR" sz="2400" dirty="0" err="1">
                 <a:solidFill>
                   <a:srgbClr val="E06C75"/>
                 </a:solidFill>
@@ -4851,7 +4860,7 @@
               <a:t>height</a:t>
             </a:r>
             <a:r>
-              <a:rPr lang="en-US" altLang="ko-KR" sz="2400">
+              <a:rPr lang="en-US" altLang="ko-KR" sz="2400" dirty="0">
                 <a:solidFill>
                   <a:srgbClr val="ABB2BF"/>
                 </a:solidFill>
@@ -4860,7 +4869,7 @@
               <a:t> </a:t>
             </a:r>
             <a:r>
-              <a:rPr lang="en-US" altLang="ko-KR" sz="2400">
+              <a:rPr lang="en-US" altLang="ko-KR" sz="2400" dirty="0">
                 <a:solidFill>
                   <a:srgbClr val="56B6C2"/>
                 </a:solidFill>
@@ -4869,7 +4878,7 @@
               <a:t>=</a:t>
             </a:r>
             <a:r>
-              <a:rPr lang="en-US" altLang="ko-KR" sz="2400">
+              <a:rPr lang="en-US" altLang="ko-KR" sz="2400" dirty="0">
                 <a:solidFill>
                   <a:srgbClr val="ABB2BF"/>
                 </a:solidFill>
@@ -4878,7 +4887,7 @@
               <a:t> </a:t>
             </a:r>
             <a:r>
-              <a:rPr lang="en-US" altLang="ko-KR" sz="2400" err="1">
+              <a:rPr lang="en-US" altLang="ko-KR" sz="2400" dirty="0" err="1">
                 <a:solidFill>
                   <a:srgbClr val="E06C75"/>
                 </a:solidFill>
@@ -4887,7 +4896,7 @@
               <a:t>topHeight</a:t>
             </a:r>
             <a:r>
-              <a:rPr lang="en-US" altLang="ko-KR" sz="2400">
+              <a:rPr lang="en-US" altLang="ko-KR" sz="2400" dirty="0">
                 <a:solidFill>
                   <a:srgbClr val="ABB2BF"/>
                 </a:solidFill>
@@ -4896,7 +4905,7 @@
               <a:t> </a:t>
             </a:r>
             <a:r>
-              <a:rPr lang="en-US" altLang="ko-KR" sz="2400">
+              <a:rPr lang="en-US" altLang="ko-KR" sz="2400" dirty="0">
                 <a:solidFill>
                   <a:srgbClr val="56B6C2"/>
                 </a:solidFill>
@@ -4905,7 +4914,7 @@
               <a:t>+</a:t>
             </a:r>
             <a:r>
-              <a:rPr lang="en-US" altLang="ko-KR" sz="2400">
+              <a:rPr lang="en-US" altLang="ko-KR" sz="2400" dirty="0">
                 <a:solidFill>
                   <a:srgbClr val="ABB2BF"/>
                 </a:solidFill>
@@ -4914,7 +4923,7 @@
               <a:t> </a:t>
             </a:r>
             <a:r>
-              <a:rPr lang="en-US" altLang="ko-KR" sz="2400">
+              <a:rPr lang="en-US" altLang="ko-KR" sz="2400" dirty="0">
                 <a:solidFill>
                   <a:srgbClr val="98C379"/>
                 </a:solidFill>
@@ -4923,7 +4932,7 @@
               <a:t>'</a:t>
             </a:r>
             <a:r>
-              <a:rPr lang="en-US" altLang="ko-KR" sz="2400" err="1">
+              <a:rPr lang="en-US" altLang="ko-KR" sz="2400" dirty="0" err="1">
                 <a:solidFill>
                   <a:srgbClr val="98C379"/>
                 </a:solidFill>
@@ -4932,7 +4941,7 @@
               <a:t>px</a:t>
             </a:r>
             <a:r>
-              <a:rPr lang="en-US" altLang="ko-KR" sz="2400">
+              <a:rPr lang="en-US" altLang="ko-KR" sz="2400" dirty="0">
                 <a:solidFill>
                   <a:srgbClr val="98C379"/>
                 </a:solidFill>
@@ -4941,7 +4950,7 @@
               <a:t>'</a:t>
             </a:r>
             <a:r>
-              <a:rPr lang="en-US" altLang="ko-KR" sz="2400">
+              <a:rPr lang="en-US" altLang="ko-KR" sz="2400" dirty="0">
                 <a:solidFill>
                   <a:srgbClr val="ABB2BF"/>
                 </a:solidFill>
@@ -4952,7 +4961,7 @@
           </a:p>
           <a:p>
             <a:r>
-              <a:rPr lang="en-US" altLang="ko-KR" sz="2400">
+              <a:rPr lang="en-US" altLang="ko-KR" sz="2400" dirty="0">
                 <a:solidFill>
                   <a:srgbClr val="ABB2BF"/>
                 </a:solidFill>
@@ -4961,7 +4970,7 @@
               <a:t>    </a:t>
             </a:r>
             <a:r>
-              <a:rPr lang="en-US" altLang="ko-KR" sz="2400" err="1">
+              <a:rPr lang="en-US" altLang="ko-KR" sz="2400" dirty="0" err="1">
                 <a:solidFill>
                   <a:srgbClr val="E06C75"/>
                 </a:solidFill>
@@ -4970,7 +4979,7 @@
               <a:t>slideContainer</a:t>
             </a:r>
             <a:r>
-              <a:rPr lang="en-US" altLang="ko-KR" sz="2400">
+              <a:rPr lang="en-US" altLang="ko-KR" sz="2400" dirty="0">
                 <a:solidFill>
                   <a:srgbClr val="ABB2BF"/>
                 </a:solidFill>
@@ -4979,7 +4988,7 @@
               <a:t>[</a:t>
             </a:r>
             <a:r>
-              <a:rPr lang="en-US" altLang="ko-KR" sz="2400">
+              <a:rPr lang="en-US" altLang="ko-KR" sz="2400" dirty="0">
                 <a:solidFill>
                   <a:srgbClr val="D19A66"/>
                 </a:solidFill>
@@ -4988,7 +4997,7 @@
               <a:t>0</a:t>
             </a:r>
             <a:r>
-              <a:rPr lang="en-US" altLang="ko-KR" sz="2400">
+              <a:rPr lang="en-US" altLang="ko-KR" sz="2400" dirty="0">
                 <a:solidFill>
                   <a:srgbClr val="ABB2BF"/>
                 </a:solidFill>
@@ -4997,7 +5006,7 @@
               <a:t>].</a:t>
             </a:r>
             <a:r>
-              <a:rPr lang="en-US" altLang="ko-KR" sz="2400" err="1">
+              <a:rPr lang="en-US" altLang="ko-KR" sz="2400" dirty="0" err="1">
                 <a:solidFill>
                   <a:srgbClr val="E06C75"/>
                 </a:solidFill>
@@ -5006,7 +5015,7 @@
               <a:t>style</a:t>
             </a:r>
             <a:r>
-              <a:rPr lang="en-US" altLang="ko-KR" sz="2400" err="1">
+              <a:rPr lang="en-US" altLang="ko-KR" sz="2400" dirty="0" err="1">
                 <a:solidFill>
                   <a:srgbClr val="ABB2BF"/>
                 </a:solidFill>
@@ -5015,7 +5024,7 @@
               <a:t>.</a:t>
             </a:r>
             <a:r>
-              <a:rPr lang="en-US" altLang="ko-KR" sz="2400" err="1">
+              <a:rPr lang="en-US" altLang="ko-KR" sz="2400" dirty="0" err="1">
                 <a:solidFill>
                   <a:srgbClr val="E06C75"/>
                 </a:solidFill>
@@ -5024,7 +5033,7 @@
               <a:t>height</a:t>
             </a:r>
             <a:r>
-              <a:rPr lang="en-US" altLang="ko-KR" sz="2400">
+              <a:rPr lang="en-US" altLang="ko-KR" sz="2400" dirty="0">
                 <a:solidFill>
                   <a:srgbClr val="ABB2BF"/>
                 </a:solidFill>
@@ -5033,7 +5042,7 @@
               <a:t> </a:t>
             </a:r>
             <a:r>
-              <a:rPr lang="en-US" altLang="ko-KR" sz="2400">
+              <a:rPr lang="en-US" altLang="ko-KR" sz="2400" dirty="0">
                 <a:solidFill>
                   <a:srgbClr val="56B6C2"/>
                 </a:solidFill>
@@ -5042,7 +5051,7 @@
               <a:t>=</a:t>
             </a:r>
             <a:r>
-              <a:rPr lang="en-US" altLang="ko-KR" sz="2400">
+              <a:rPr lang="en-US" altLang="ko-KR" sz="2400" dirty="0">
                 <a:solidFill>
                   <a:srgbClr val="ABB2BF"/>
                 </a:solidFill>
@@ -5051,7 +5060,7 @@
               <a:t> </a:t>
             </a:r>
             <a:r>
-              <a:rPr lang="en-US" altLang="ko-KR" sz="2400" err="1">
+              <a:rPr lang="en-US" altLang="ko-KR" sz="2400" dirty="0" err="1">
                 <a:solidFill>
                   <a:srgbClr val="E06C75"/>
                 </a:solidFill>
@@ -5060,7 +5069,7 @@
               <a:t>topHeight</a:t>
             </a:r>
             <a:r>
-              <a:rPr lang="en-US" altLang="ko-KR" sz="2400">
+              <a:rPr lang="en-US" altLang="ko-KR" sz="2400" dirty="0">
                 <a:solidFill>
                   <a:srgbClr val="ABB2BF"/>
                 </a:solidFill>
@@ -5069,7 +5078,7 @@
               <a:t> </a:t>
             </a:r>
             <a:r>
-              <a:rPr lang="en-US" altLang="ko-KR" sz="2400">
+              <a:rPr lang="en-US" altLang="ko-KR" sz="2400" dirty="0">
                 <a:solidFill>
                   <a:srgbClr val="56B6C2"/>
                 </a:solidFill>
@@ -5078,7 +5087,7 @@
               <a:t>+</a:t>
             </a:r>
             <a:r>
-              <a:rPr lang="en-US" altLang="ko-KR" sz="2400">
+              <a:rPr lang="en-US" altLang="ko-KR" sz="2400" dirty="0">
                 <a:solidFill>
                   <a:srgbClr val="ABB2BF"/>
                 </a:solidFill>
@@ -5087,7 +5096,7 @@
               <a:t> </a:t>
             </a:r>
             <a:r>
-              <a:rPr lang="en-US" altLang="ko-KR" sz="2400">
+              <a:rPr lang="en-US" altLang="ko-KR" sz="2400" dirty="0">
                 <a:solidFill>
                   <a:srgbClr val="98C379"/>
                 </a:solidFill>
@@ -5096,7 +5105,7 @@
               <a:t>'</a:t>
             </a:r>
             <a:r>
-              <a:rPr lang="en-US" altLang="ko-KR" sz="2400" err="1">
+              <a:rPr lang="en-US" altLang="ko-KR" sz="2400" dirty="0" err="1">
                 <a:solidFill>
                   <a:srgbClr val="98C379"/>
                 </a:solidFill>
@@ -5105,7 +5114,7 @@
               <a:t>px</a:t>
             </a:r>
             <a:r>
-              <a:rPr lang="en-US" altLang="ko-KR" sz="2400">
+              <a:rPr lang="en-US" altLang="ko-KR" sz="2400" dirty="0">
                 <a:solidFill>
                   <a:srgbClr val="98C379"/>
                 </a:solidFill>
@@ -5114,7 +5123,7 @@
               <a:t>'</a:t>
             </a:r>
             <a:r>
-              <a:rPr lang="en-US" altLang="ko-KR" sz="2400">
+              <a:rPr lang="en-US" altLang="ko-KR" sz="2400" dirty="0">
                 <a:solidFill>
                   <a:srgbClr val="ABB2BF"/>
                 </a:solidFill>
@@ -5124,7 +5133,7 @@
             </a:r>
           </a:p>
           <a:p>
-            <a:endParaRPr lang="en-US" altLang="ko-KR" sz="2400" smtClean="0">
+            <a:endParaRPr lang="en-US" altLang="ko-KR" sz="2400" dirty="0" smtClean="0">
               <a:solidFill>
                 <a:srgbClr val="ABB2BF"/>
               </a:solidFill>
@@ -5133,7 +5142,7 @@
           </a:p>
           <a:p>
             <a:r>
-              <a:rPr lang="en-US" altLang="ko-KR" sz="2400" smtClean="0">
+              <a:rPr lang="en-US" altLang="ko-KR" sz="2400" dirty="0" smtClean="0">
                 <a:solidFill>
                   <a:srgbClr val="ABB2BF"/>
                 </a:solidFill>
@@ -5141,7 +5150,7 @@
               </a:rPr>
               <a:t>}</a:t>
             </a:r>
-            <a:endParaRPr lang="en-US" altLang="ko-KR" sz="2400">
+            <a:endParaRPr lang="en-US" altLang="ko-KR" sz="2400" dirty="0">
               <a:solidFill>
                 <a:srgbClr val="ABB2BF"/>
               </a:solidFill>
@@ -5150,7 +5159,7 @@
           </a:p>
           <a:p>
             <a:r>
-              <a:rPr lang="en-US" altLang="ko-KR" sz="2400">
+              <a:rPr lang="en-US" altLang="ko-KR" sz="2400" dirty="0">
                 <a:solidFill>
                   <a:srgbClr val="ABB2BF"/>
                 </a:solidFill>
@@ -5159,7 +5168,7 @@
               <a:t/>
             </a:r>
             <a:br>
-              <a:rPr lang="en-US" altLang="ko-KR" sz="2400">
+              <a:rPr lang="en-US" altLang="ko-KR" sz="2400" dirty="0">
                 <a:solidFill>
                   <a:srgbClr val="ABB2BF"/>
                 </a:solidFill>
@@ -5167,7 +5176,7 @@
               </a:rPr>
             </a:br>
             <a:r>
-              <a:rPr lang="en-US" altLang="ko-KR" sz="2400" err="1">
+              <a:rPr lang="en-US" altLang="ko-KR" sz="2400" dirty="0" err="1">
                 <a:solidFill>
                   <a:srgbClr val="61AFEF"/>
                 </a:solidFill>
@@ -5176,7 +5185,7 @@
               <a:t>calculateTallestSlide</a:t>
             </a:r>
             <a:r>
-              <a:rPr lang="en-US" altLang="ko-KR" sz="2400">
+              <a:rPr lang="en-US" altLang="ko-KR" sz="2400" dirty="0">
                 <a:solidFill>
                   <a:srgbClr val="ABB2BF"/>
                 </a:solidFill>
@@ -5187,7 +5196,7 @@
           </a:p>
           <a:p>
             <a:r>
-              <a:rPr lang="en-US" altLang="ko-KR" sz="2400">
+              <a:rPr lang="en-US" altLang="ko-KR" sz="2400" dirty="0">
                 <a:solidFill>
                   <a:srgbClr val="ABB2BF"/>
                 </a:solidFill>
@@ -5196,14 +5205,14 @@
               <a:t/>
             </a:r>
             <a:br>
-              <a:rPr lang="en-US" altLang="ko-KR" sz="2400">
+              <a:rPr lang="en-US" altLang="ko-KR" sz="2400" dirty="0">
                 <a:solidFill>
                   <a:srgbClr val="ABB2BF"/>
                 </a:solidFill>
                 <a:latin typeface="Consolas" panose="020B0609020204030204" pitchFamily="49" charset="0"/>
               </a:rPr>
             </a:br>
-            <a:endParaRPr lang="en-US" altLang="ko-KR" sz="2400" b="0">
+            <a:endParaRPr lang="en-US" altLang="ko-KR" sz="2400" b="0" dirty="0">
               <a:solidFill>
                 <a:srgbClr val="ABB2BF"/>
               </a:solidFill>
@@ -5359,39 +5368,39 @@
           <a:lstStyle/>
           <a:p>
             <a:r>
-              <a:rPr lang="ko-KR" altLang="en-US" smtClean="0"/>
+              <a:rPr lang="ko-KR" altLang="en-US" dirty="0" smtClean="0"/>
               <a:t>처음 슬라이드에서 뒤로가기를 누르면 마지막 슬라이드로</a:t>
             </a:r>
             <a:r>
-              <a:rPr lang="en-US" altLang="ko-KR" smtClean="0"/>
+              <a:rPr lang="en-US" altLang="ko-KR" dirty="0" smtClean="0"/>
               <a:t>,</a:t>
             </a:r>
           </a:p>
           <a:p>
             <a:r>
-              <a:rPr lang="ko-KR" altLang="en-US" smtClean="0"/>
+              <a:rPr lang="ko-KR" altLang="en-US" dirty="0" smtClean="0"/>
               <a:t>마지막슬라이드에서 앞으로 가기를 누르면 처음 슬라이드로 이동</a:t>
             </a:r>
-            <a:endParaRPr lang="en-US" altLang="ko-KR" smtClean="0"/>
-          </a:p>
-          <a:p>
-            <a:r>
-              <a:rPr lang="ko-KR" altLang="en-US" smtClean="0"/>
+            <a:endParaRPr lang="en-US" altLang="ko-KR" dirty="0" smtClean="0"/>
+          </a:p>
+          <a:p>
+            <a:r>
+              <a:rPr lang="ko-KR" altLang="en-US" dirty="0" smtClean="0"/>
               <a:t> </a:t>
             </a:r>
             <a:r>
-              <a:rPr lang="en-US" altLang="ko-KR" smtClean="0"/>
+              <a:rPr lang="en-US" altLang="ko-KR" dirty="0" smtClean="0"/>
               <a:t>(if</a:t>
             </a:r>
             <a:r>
-              <a:rPr lang="ko-KR" altLang="en-US" smtClean="0"/>
+              <a:rPr lang="ko-KR" altLang="en-US" dirty="0" smtClean="0"/>
               <a:t>문 사용</a:t>
             </a:r>
             <a:r>
-              <a:rPr lang="en-US" altLang="ko-KR" smtClean="0"/>
+              <a:rPr lang="en-US" altLang="ko-KR" dirty="0" smtClean="0"/>
               <a:t>)</a:t>
             </a:r>
-            <a:endParaRPr lang="ko-KR" altLang="en-US"/>
+            <a:endParaRPr lang="ko-KR" altLang="en-US" dirty="0"/>
           </a:p>
         </p:txBody>
       </p:sp>
@@ -6714,7 +6723,7 @@
           </a:bodyPr>
           <a:lstStyle/>
           <a:p>
-            <a:endParaRPr lang="en-US" altLang="ko-KR" sz="1600" smtClean="0">
+            <a:endParaRPr lang="en-US" altLang="ko-KR" sz="1600" dirty="0" smtClean="0">
               <a:solidFill>
                 <a:srgbClr val="C678DD"/>
               </a:solidFill>
@@ -6723,7 +6732,7 @@
           </a:p>
           <a:p>
             <a:r>
-              <a:rPr lang="en-US" altLang="ko-KR" sz="1600" b="1">
+              <a:rPr lang="en-US" altLang="ko-KR" sz="1600" b="1" dirty="0">
                 <a:solidFill>
                   <a:srgbClr val="FF0000"/>
                 </a:solidFill>
@@ -6732,7 +6741,7 @@
               <a:t>(</a:t>
             </a:r>
             <a:r>
-              <a:rPr lang="ko-KR" altLang="en-US" sz="1600" b="1">
+              <a:rPr lang="ko-KR" altLang="en-US" sz="1600" b="1" dirty="0">
                 <a:solidFill>
                   <a:srgbClr val="FF0000"/>
                 </a:solidFill>
@@ -6741,7 +6750,7 @@
               <a:t>슬라이드 </a:t>
             </a:r>
             <a:r>
-              <a:rPr lang="ko-KR" altLang="en-US" sz="1600" b="1" smtClean="0">
+              <a:rPr lang="ko-KR" altLang="en-US" sz="1600" b="1" dirty="0" smtClean="0">
                 <a:solidFill>
                   <a:srgbClr val="FF0000"/>
                 </a:solidFill>
@@ -6750,7 +6759,7 @@
               <a:t>이동용도</a:t>
             </a:r>
             <a:r>
-              <a:rPr lang="en-US" altLang="ko-KR" sz="1600" b="1" smtClean="0">
+              <a:rPr lang="en-US" altLang="ko-KR" sz="1600" b="1" dirty="0" smtClean="0">
                 <a:solidFill>
                   <a:srgbClr val="FF0000"/>
                 </a:solidFill>
@@ -6758,7 +6767,7 @@
               </a:rPr>
               <a:t>)</a:t>
             </a:r>
-            <a:endParaRPr lang="en-US" altLang="ko-KR" sz="1600">
+            <a:endParaRPr lang="en-US" altLang="ko-KR" sz="1600" dirty="0">
               <a:solidFill>
                 <a:srgbClr val="C678DD"/>
               </a:solidFill>
@@ -6767,7 +6776,7 @@
           </a:p>
           <a:p>
             <a:r>
-              <a:rPr lang="en-US" altLang="ko-KR" sz="1600" smtClean="0">
+              <a:rPr lang="en-US" altLang="ko-KR" sz="1600" dirty="0" err="1" smtClean="0">
                 <a:solidFill>
                   <a:srgbClr val="C678DD"/>
                 </a:solidFill>
@@ -6776,7 +6785,7 @@
               <a:t>var</a:t>
             </a:r>
             <a:r>
-              <a:rPr lang="en-US" altLang="ko-KR" sz="1600">
+              <a:rPr lang="en-US" altLang="ko-KR" sz="1600" dirty="0">
                 <a:solidFill>
                   <a:srgbClr val="ABB2BF"/>
                 </a:solidFill>
@@ -6785,7 +6794,7 @@
               <a:t> </a:t>
             </a:r>
             <a:r>
-              <a:rPr lang="en-US" altLang="ko-KR" sz="1600">
+              <a:rPr lang="en-US" altLang="ko-KR" sz="1600" b="1" dirty="0" err="1">
                 <a:solidFill>
                   <a:srgbClr val="E06C75"/>
                 </a:solidFill>
@@ -6794,7 +6803,7 @@
               <a:t>slideContainer</a:t>
             </a:r>
             <a:r>
-              <a:rPr lang="en-US" altLang="ko-KR" sz="1600">
+              <a:rPr lang="en-US" altLang="ko-KR" sz="1600" dirty="0">
                 <a:solidFill>
                   <a:srgbClr val="ABB2BF"/>
                 </a:solidFill>
@@ -6803,7 +6812,7 @@
               <a:t> </a:t>
             </a:r>
             <a:r>
-              <a:rPr lang="en-US" altLang="ko-KR" sz="1600">
+              <a:rPr lang="en-US" altLang="ko-KR" sz="1600" dirty="0">
                 <a:solidFill>
                   <a:srgbClr val="56B6C2"/>
                 </a:solidFill>
@@ -6812,7 +6821,7 @@
               <a:t>=</a:t>
             </a:r>
             <a:r>
-              <a:rPr lang="en-US" altLang="ko-KR" sz="1600">
+              <a:rPr lang="en-US" altLang="ko-KR" sz="1600" dirty="0">
                 <a:solidFill>
                   <a:srgbClr val="ABB2BF"/>
                 </a:solidFill>
@@ -6821,7 +6830,7 @@
               <a:t> </a:t>
             </a:r>
             <a:r>
-              <a:rPr lang="en-US" altLang="ko-KR" sz="1600">
+              <a:rPr lang="en-US" altLang="ko-KR" sz="1600" dirty="0" err="1">
                 <a:solidFill>
                   <a:srgbClr val="E06C75"/>
                 </a:solidFill>
@@ -6830,7 +6839,7 @@
               <a:t>document</a:t>
             </a:r>
             <a:r>
-              <a:rPr lang="en-US" altLang="ko-KR" sz="1600">
+              <a:rPr lang="en-US" altLang="ko-KR" sz="1600" dirty="0" err="1">
                 <a:solidFill>
                   <a:srgbClr val="ABB2BF"/>
                 </a:solidFill>
@@ -6839,7 +6848,7 @@
               <a:t>.</a:t>
             </a:r>
             <a:r>
-              <a:rPr lang="en-US" altLang="ko-KR" sz="1600">
+              <a:rPr lang="en-US" altLang="ko-KR" sz="1600" dirty="0" err="1">
                 <a:solidFill>
                   <a:srgbClr val="61AFEF"/>
                 </a:solidFill>
@@ -6848,7 +6857,7 @@
               <a:t>getElementsByClassName</a:t>
             </a:r>
             <a:r>
-              <a:rPr lang="en-US" altLang="ko-KR" sz="1600">
+              <a:rPr lang="en-US" altLang="ko-KR" sz="1600" dirty="0">
                 <a:solidFill>
                   <a:srgbClr val="ABB2BF"/>
                 </a:solidFill>
@@ -6857,7 +6866,7 @@
               <a:t>(</a:t>
             </a:r>
             <a:r>
-              <a:rPr lang="en-US" altLang="ko-KR" sz="1600">
+              <a:rPr lang="en-US" altLang="ko-KR" sz="1600" dirty="0">
                 <a:solidFill>
                   <a:srgbClr val="98C379"/>
                 </a:solidFill>
@@ -6866,7 +6875,7 @@
               <a:t>'slider-container'</a:t>
             </a:r>
             <a:r>
-              <a:rPr lang="en-US" altLang="ko-KR" sz="1600">
+              <a:rPr lang="en-US" altLang="ko-KR" sz="1600" dirty="0">
                 <a:solidFill>
                   <a:srgbClr val="ABB2BF"/>
                 </a:solidFill>
@@ -6875,7 +6884,7 @@
               <a:t>);  </a:t>
             </a:r>
             <a:r>
-              <a:rPr lang="en-US" altLang="ko-KR" sz="1600" i="1">
+              <a:rPr lang="en-US" altLang="ko-KR" sz="1600" i="1" dirty="0">
                 <a:solidFill>
                   <a:srgbClr val="7F848E"/>
                 </a:solidFill>
@@ -6884,7 +6893,7 @@
               <a:t>//</a:t>
             </a:r>
             <a:r>
-              <a:rPr lang="ko-KR" altLang="en-US" sz="1600" i="1">
+              <a:rPr lang="ko-KR" altLang="en-US" sz="1600" i="1" dirty="0">
                 <a:solidFill>
                   <a:srgbClr val="7F848E"/>
                 </a:solidFill>
@@ -6893,7 +6902,7 @@
               <a:t>클래스명 </a:t>
             </a:r>
             <a:r>
-              <a:rPr lang="en-US" altLang="ko-KR" sz="1600" i="1" smtClean="0">
+              <a:rPr lang="en-US" altLang="ko-KR" sz="1600" i="1" dirty="0" smtClean="0">
                 <a:solidFill>
                   <a:srgbClr val="7F848E"/>
                 </a:solidFill>
@@ -6903,7 +6912,7 @@
             </a:r>
           </a:p>
           <a:p>
-            <a:endParaRPr lang="en-US" altLang="ko-KR" sz="1600" b="0" i="1">
+            <a:endParaRPr lang="en-US" altLang="ko-KR" sz="1600" b="0" i="1" dirty="0">
               <a:solidFill>
                 <a:srgbClr val="7F848E"/>
               </a:solidFill>
@@ -6912,7 +6921,7 @@
             </a:endParaRPr>
           </a:p>
           <a:p>
-            <a:endParaRPr lang="en-US" altLang="ko-KR" sz="1600" b="0">
+            <a:endParaRPr lang="en-US" altLang="ko-KR" sz="1600" b="0" dirty="0">
               <a:solidFill>
                 <a:srgbClr val="ABB2BF"/>
               </a:solidFill>
@@ -6944,7 +6953,7 @@
           </a:bodyPr>
           <a:lstStyle/>
           <a:p>
-            <a:endParaRPr lang="en-US" altLang="ko-KR" i="1">
+            <a:endParaRPr lang="en-US" altLang="ko-KR" i="1" dirty="0">
               <a:solidFill>
                 <a:srgbClr val="7F848E"/>
               </a:solidFill>
@@ -6953,7 +6962,7 @@
           </a:p>
           <a:p>
             <a:r>
-              <a:rPr lang="en-US" altLang="ko-KR" b="1">
+              <a:rPr lang="en-US" altLang="ko-KR" b="1" dirty="0">
                 <a:solidFill>
                   <a:srgbClr val="FF0000"/>
                 </a:solidFill>
@@ -6962,7 +6971,7 @@
               <a:t>(</a:t>
             </a:r>
             <a:r>
-              <a:rPr lang="ko-KR" altLang="en-US" b="1">
+              <a:rPr lang="ko-KR" altLang="en-US" b="1" dirty="0">
                 <a:solidFill>
                   <a:srgbClr val="FF0000"/>
                 </a:solidFill>
@@ -6971,7 +6980,7 @@
               <a:t>버튼용</a:t>
             </a:r>
             <a:r>
-              <a:rPr lang="en-US" altLang="ko-KR" b="1">
+              <a:rPr lang="en-US" altLang="ko-KR" b="1" dirty="0">
                 <a:solidFill>
                   <a:srgbClr val="FF0000"/>
                 </a:solidFill>
@@ -6979,7 +6988,7 @@
               </a:rPr>
               <a:t>)</a:t>
             </a:r>
-            <a:endParaRPr lang="en-US" altLang="ko-KR">
+            <a:endParaRPr lang="en-US" altLang="ko-KR" dirty="0">
               <a:solidFill>
                 <a:srgbClr val="ABB2BF"/>
               </a:solidFill>
@@ -6988,7 +6997,7 @@
           </a:p>
           <a:p>
             <a:r>
-              <a:rPr lang="en-US" altLang="ko-KR">
+              <a:rPr lang="en-US" altLang="ko-KR" dirty="0" err="1">
                 <a:solidFill>
                   <a:srgbClr val="C678DD"/>
                 </a:solidFill>
@@ -6997,7 +7006,7 @@
               <a:t>var</a:t>
             </a:r>
             <a:r>
-              <a:rPr lang="en-US" altLang="ko-KR">
+              <a:rPr lang="en-US" altLang="ko-KR" dirty="0">
                 <a:solidFill>
                   <a:srgbClr val="ABB2BF"/>
                 </a:solidFill>
@@ -7006,7 +7015,7 @@
               <a:t> </a:t>
             </a:r>
             <a:r>
-              <a:rPr lang="en-US" altLang="ko-KR">
+              <a:rPr lang="en-US" altLang="ko-KR" dirty="0" err="1">
                 <a:solidFill>
                   <a:srgbClr val="E06C75"/>
                 </a:solidFill>
@@ -7015,7 +7024,7 @@
               <a:t>currentIndex</a:t>
             </a:r>
             <a:r>
-              <a:rPr lang="en-US" altLang="ko-KR">
+              <a:rPr lang="en-US" altLang="ko-KR" dirty="0">
                 <a:solidFill>
                   <a:srgbClr val="ABB2BF"/>
                 </a:solidFill>
@@ -7024,7 +7033,7 @@
               <a:t> </a:t>
             </a:r>
             <a:r>
-              <a:rPr lang="en-US" altLang="ko-KR">
+              <a:rPr lang="en-US" altLang="ko-KR" dirty="0">
                 <a:solidFill>
                   <a:srgbClr val="56B6C2"/>
                 </a:solidFill>
@@ -7033,7 +7042,7 @@
               <a:t>=</a:t>
             </a:r>
             <a:r>
-              <a:rPr lang="en-US" altLang="ko-KR">
+              <a:rPr lang="en-US" altLang="ko-KR" dirty="0">
                 <a:solidFill>
                   <a:srgbClr val="ABB2BF"/>
                 </a:solidFill>
@@ -7042,7 +7051,7 @@
               <a:t> </a:t>
             </a:r>
             <a:r>
-              <a:rPr lang="en-US" altLang="ko-KR">
+              <a:rPr lang="en-US" altLang="ko-KR" dirty="0">
                 <a:solidFill>
                   <a:srgbClr val="D19A66"/>
                 </a:solidFill>
@@ -7051,7 +7060,7 @@
               <a:t>0</a:t>
             </a:r>
             <a:r>
-              <a:rPr lang="en-US" altLang="ko-KR">
+              <a:rPr lang="en-US" altLang="ko-KR" dirty="0">
                 <a:solidFill>
                   <a:srgbClr val="ABB2BF"/>
                 </a:solidFill>
@@ -7060,7 +7069,7 @@
               <a:t>; </a:t>
             </a:r>
             <a:r>
-              <a:rPr lang="en-US" altLang="ko-KR" i="1">
+              <a:rPr lang="en-US" altLang="ko-KR" i="1" dirty="0">
                 <a:solidFill>
                   <a:srgbClr val="7F848E"/>
                 </a:solidFill>
@@ -7069,7 +7078,7 @@
               <a:t>//</a:t>
             </a:r>
             <a:r>
-              <a:rPr lang="ko-KR" altLang="en-US" i="1">
+              <a:rPr lang="ko-KR" altLang="en-US" i="1" dirty="0">
                 <a:solidFill>
                   <a:srgbClr val="7F848E"/>
                 </a:solidFill>
@@ -7077,7 +7086,7 @@
               </a:rPr>
               <a:t>첫번째랑 마지막 체크용</a:t>
             </a:r>
-            <a:endParaRPr lang="ko-KR" altLang="en-US">
+            <a:endParaRPr lang="ko-KR" altLang="en-US" dirty="0">
               <a:solidFill>
                 <a:srgbClr val="ABB2BF"/>
               </a:solidFill>
@@ -7086,7 +7095,7 @@
           </a:p>
           <a:p>
             <a:r>
-              <a:rPr lang="en-US" altLang="ko-KR">
+              <a:rPr lang="en-US" altLang="ko-KR" dirty="0" err="1">
                 <a:solidFill>
                   <a:srgbClr val="C678DD"/>
                 </a:solidFill>
@@ -7095,7 +7104,7 @@
               <a:t>var</a:t>
             </a:r>
             <a:r>
-              <a:rPr lang="en-US" altLang="ko-KR">
+              <a:rPr lang="en-US" altLang="ko-KR" dirty="0">
                 <a:solidFill>
                   <a:srgbClr val="ABB2BF"/>
                 </a:solidFill>
@@ -7104,7 +7113,7 @@
               <a:t> </a:t>
             </a:r>
             <a:r>
-              <a:rPr lang="en-US" altLang="ko-KR">
+              <a:rPr lang="en-US" altLang="ko-KR" dirty="0" err="1">
                 <a:solidFill>
                   <a:srgbClr val="E06C75"/>
                 </a:solidFill>
@@ -7113,7 +7122,7 @@
               <a:t>navPrev</a:t>
             </a:r>
             <a:r>
-              <a:rPr lang="en-US" altLang="ko-KR">
+              <a:rPr lang="en-US" altLang="ko-KR" dirty="0">
                 <a:solidFill>
                   <a:srgbClr val="ABB2BF"/>
                 </a:solidFill>
@@ -7122,7 +7131,7 @@
               <a:t> </a:t>
             </a:r>
             <a:r>
-              <a:rPr lang="en-US" altLang="ko-KR">
+              <a:rPr lang="en-US" altLang="ko-KR" dirty="0">
                 <a:solidFill>
                   <a:srgbClr val="56B6C2"/>
                 </a:solidFill>
@@ -7131,7 +7140,7 @@
               <a:t>=</a:t>
             </a:r>
             <a:r>
-              <a:rPr lang="en-US" altLang="ko-KR">
+              <a:rPr lang="en-US" altLang="ko-KR" dirty="0">
                 <a:solidFill>
                   <a:srgbClr val="ABB2BF"/>
                 </a:solidFill>
@@ -7140,7 +7149,7 @@
               <a:t> </a:t>
             </a:r>
             <a:r>
-              <a:rPr lang="en-US" altLang="ko-KR">
+              <a:rPr lang="en-US" altLang="ko-KR" dirty="0" err="1">
                 <a:solidFill>
                   <a:srgbClr val="E06C75"/>
                 </a:solidFill>
@@ -7149,7 +7158,7 @@
               <a:t>document</a:t>
             </a:r>
             <a:r>
-              <a:rPr lang="en-US" altLang="ko-KR">
+              <a:rPr lang="en-US" altLang="ko-KR" dirty="0" err="1">
                 <a:solidFill>
                   <a:srgbClr val="ABB2BF"/>
                 </a:solidFill>
@@ -7158,7 +7167,7 @@
               <a:t>.</a:t>
             </a:r>
             <a:r>
-              <a:rPr lang="en-US" altLang="ko-KR">
+              <a:rPr lang="en-US" altLang="ko-KR" dirty="0" err="1">
                 <a:solidFill>
                   <a:srgbClr val="61AFEF"/>
                 </a:solidFill>
@@ -7167,7 +7176,7 @@
               <a:t>getElementById</a:t>
             </a:r>
             <a:r>
-              <a:rPr lang="en-US" altLang="ko-KR">
+              <a:rPr lang="en-US" altLang="ko-KR" dirty="0">
                 <a:solidFill>
                   <a:srgbClr val="ABB2BF"/>
                 </a:solidFill>
@@ -7176,16 +7185,34 @@
               <a:t>(</a:t>
             </a:r>
             <a:r>
-              <a:rPr lang="en-US" altLang="ko-KR">
+              <a:rPr lang="en-US" altLang="ko-KR" dirty="0">
                 <a:solidFill>
                   <a:srgbClr val="98C379"/>
                 </a:solidFill>
                 <a:latin typeface="Consolas" panose="020B0609020204030204" pitchFamily="49" charset="0"/>
               </a:rPr>
-              <a:t>'prev'</a:t>
-            </a:r>
-            <a:r>
-              <a:rPr lang="en-US" altLang="ko-KR">
+              <a:t>'</a:t>
+            </a:r>
+            <a:r>
+              <a:rPr lang="en-US" altLang="ko-KR" dirty="0" err="1">
+                <a:solidFill>
+                  <a:srgbClr val="98C379"/>
+                </a:solidFill>
+                <a:latin typeface="Consolas" panose="020B0609020204030204" pitchFamily="49" charset="0"/>
+              </a:rPr>
+              <a:t>prev</a:t>
+            </a:r>
+            <a:r>
+              <a:rPr lang="en-US" altLang="ko-KR" dirty="0">
+                <a:solidFill>
+                  <a:srgbClr val="98C379"/>
+                </a:solidFill>
+                <a:latin typeface="Consolas" panose="020B0609020204030204" pitchFamily="49" charset="0"/>
+              </a:rPr>
+              <a:t>'</a:t>
+            </a:r>
+            <a:r>
+              <a:rPr lang="en-US" altLang="ko-KR" dirty="0">
                 <a:solidFill>
                   <a:srgbClr val="ABB2BF"/>
                 </a:solidFill>
@@ -7194,7 +7221,7 @@
               <a:t>); </a:t>
             </a:r>
             <a:r>
-              <a:rPr lang="en-US" altLang="ko-KR" i="1">
+              <a:rPr lang="en-US" altLang="ko-KR" i="1" dirty="0">
                 <a:solidFill>
                   <a:srgbClr val="7F848E"/>
                 </a:solidFill>
@@ -7203,7 +7230,7 @@
               <a:t>// </a:t>
             </a:r>
             <a:r>
-              <a:rPr lang="ko-KR" altLang="en-US" i="1">
+              <a:rPr lang="ko-KR" altLang="en-US" i="1" dirty="0">
                 <a:solidFill>
                   <a:srgbClr val="7F848E"/>
                 </a:solidFill>
@@ -7212,7 +7239,7 @@
               <a:t>아이디 </a:t>
             </a:r>
             <a:r>
-              <a:rPr lang="en-US" altLang="ko-KR" i="1">
+              <a:rPr lang="en-US" altLang="ko-KR" i="1" dirty="0" err="1">
                 <a:solidFill>
                   <a:srgbClr val="7F848E"/>
                 </a:solidFill>
@@ -7220,7 +7247,7 @@
               </a:rPr>
               <a:t>prev</a:t>
             </a:r>
-            <a:endParaRPr lang="en-US" altLang="ko-KR">
+            <a:endParaRPr lang="en-US" altLang="ko-KR" dirty="0">
               <a:solidFill>
                 <a:srgbClr val="ABB2BF"/>
               </a:solidFill>
@@ -7229,7 +7256,7 @@
           </a:p>
           <a:p>
             <a:r>
-              <a:rPr lang="en-US" altLang="ko-KR">
+              <a:rPr lang="en-US" altLang="ko-KR" dirty="0" err="1">
                 <a:solidFill>
                   <a:srgbClr val="C678DD"/>
                 </a:solidFill>
@@ -7238,7 +7265,7 @@
               <a:t>var</a:t>
             </a:r>
             <a:r>
-              <a:rPr lang="en-US" altLang="ko-KR">
+              <a:rPr lang="en-US" altLang="ko-KR" dirty="0">
                 <a:solidFill>
                   <a:srgbClr val="ABB2BF"/>
                 </a:solidFill>
@@ -7247,7 +7274,7 @@
               <a:t> </a:t>
             </a:r>
             <a:r>
-              <a:rPr lang="en-US" altLang="ko-KR">
+              <a:rPr lang="en-US" altLang="ko-KR" dirty="0" err="1">
                 <a:solidFill>
                   <a:srgbClr val="E06C75"/>
                 </a:solidFill>
@@ -7256,7 +7283,7 @@
               <a:t>navNext</a:t>
             </a:r>
             <a:r>
-              <a:rPr lang="en-US" altLang="ko-KR">
+              <a:rPr lang="en-US" altLang="ko-KR" dirty="0">
                 <a:solidFill>
                   <a:srgbClr val="ABB2BF"/>
                 </a:solidFill>
@@ -7265,7 +7292,7 @@
               <a:t> </a:t>
             </a:r>
             <a:r>
-              <a:rPr lang="en-US" altLang="ko-KR">
+              <a:rPr lang="en-US" altLang="ko-KR" dirty="0">
                 <a:solidFill>
                   <a:srgbClr val="56B6C2"/>
                 </a:solidFill>
@@ -7274,7 +7301,7 @@
               <a:t>=</a:t>
             </a:r>
             <a:r>
-              <a:rPr lang="en-US" altLang="ko-KR">
+              <a:rPr lang="en-US" altLang="ko-KR" dirty="0">
                 <a:solidFill>
                   <a:srgbClr val="ABB2BF"/>
                 </a:solidFill>
@@ -7283,7 +7310,7 @@
               <a:t> </a:t>
             </a:r>
             <a:r>
-              <a:rPr lang="en-US" altLang="ko-KR">
+              <a:rPr lang="en-US" altLang="ko-KR" dirty="0" err="1">
                 <a:solidFill>
                   <a:srgbClr val="E06C75"/>
                 </a:solidFill>
@@ -7292,7 +7319,7 @@
               <a:t>document</a:t>
             </a:r>
             <a:r>
-              <a:rPr lang="en-US" altLang="ko-KR">
+              <a:rPr lang="en-US" altLang="ko-KR" dirty="0" err="1">
                 <a:solidFill>
                   <a:srgbClr val="ABB2BF"/>
                 </a:solidFill>
@@ -7301,7 +7328,7 @@
               <a:t>.</a:t>
             </a:r>
             <a:r>
-              <a:rPr lang="en-US" altLang="ko-KR">
+              <a:rPr lang="en-US" altLang="ko-KR" dirty="0" err="1">
                 <a:solidFill>
                   <a:srgbClr val="61AFEF"/>
                 </a:solidFill>
@@ -7310,7 +7337,7 @@
               <a:t>getElementById</a:t>
             </a:r>
             <a:r>
-              <a:rPr lang="en-US" altLang="ko-KR">
+              <a:rPr lang="en-US" altLang="ko-KR" dirty="0">
                 <a:solidFill>
                   <a:srgbClr val="ABB2BF"/>
                 </a:solidFill>
@@ -7319,7 +7346,7 @@
               <a:t>(</a:t>
             </a:r>
             <a:r>
-              <a:rPr lang="en-US" altLang="ko-KR">
+              <a:rPr lang="en-US" altLang="ko-KR" dirty="0">
                 <a:solidFill>
                   <a:srgbClr val="98C379"/>
                 </a:solidFill>
@@ -7328,7 +7355,7 @@
               <a:t>'next'</a:t>
             </a:r>
             <a:r>
-              <a:rPr lang="en-US" altLang="ko-KR">
+              <a:rPr lang="en-US" altLang="ko-KR" dirty="0">
                 <a:solidFill>
                   <a:srgbClr val="ABB2BF"/>
                 </a:solidFill>
@@ -7337,7 +7364,7 @@
               <a:t>); </a:t>
             </a:r>
             <a:r>
-              <a:rPr lang="en-US" altLang="ko-KR" i="1">
+              <a:rPr lang="en-US" altLang="ko-KR" i="1" dirty="0">
                 <a:solidFill>
                   <a:srgbClr val="7F848E"/>
                 </a:solidFill>
@@ -7346,7 +7373,7 @@
               <a:t>// </a:t>
             </a:r>
             <a:r>
-              <a:rPr lang="ko-KR" altLang="en-US" i="1">
+              <a:rPr lang="ko-KR" altLang="en-US" i="1" dirty="0">
                 <a:solidFill>
                   <a:srgbClr val="7F848E"/>
                 </a:solidFill>
@@ -7355,7 +7382,7 @@
               <a:t>아이디 </a:t>
             </a:r>
             <a:r>
-              <a:rPr lang="en-US" altLang="ko-KR" i="1">
+              <a:rPr lang="en-US" altLang="ko-KR" i="1" dirty="0">
                 <a:solidFill>
                   <a:srgbClr val="7F848E"/>
                 </a:solidFill>
@@ -7365,7 +7392,7 @@
             </a:r>
           </a:p>
           <a:p>
-            <a:endParaRPr lang="ko-KR" altLang="en-US"/>
+            <a:endParaRPr lang="ko-KR" altLang="en-US" dirty="0"/>
           </a:p>
         </p:txBody>
       </p:sp>
@@ -7501,7 +7528,7 @@
             <a:lstStyle/>
             <a:p>
               <a:r>
-                <a:rPr lang="ko-KR" altLang="en-US" sz="2000" smtClean="0">
+                <a:rPr lang="ko-KR" altLang="en-US" sz="2000" dirty="0" smtClean="0">
                   <a:solidFill>
                     <a:srgbClr val="E06C75"/>
                   </a:solidFill>
@@ -7510,7 +7537,7 @@
                 <a:t>실행시킬변수</a:t>
               </a:r>
               <a:r>
-                <a:rPr lang="en-US" altLang="ko-KR" sz="2000" smtClean="0">
+                <a:rPr lang="en-US" altLang="ko-KR" sz="2000" dirty="0" smtClean="0">
                   <a:solidFill>
                     <a:srgbClr val="ABB2BF"/>
                   </a:solidFill>
@@ -7519,7 +7546,7 @@
                 <a:t>.</a:t>
               </a:r>
               <a:r>
-                <a:rPr lang="en-US" altLang="ko-KR" sz="2000">
+                <a:rPr lang="en-US" altLang="ko-KR" sz="2000" dirty="0" err="1">
                   <a:solidFill>
                     <a:srgbClr val="61AFEF"/>
                   </a:solidFill>
@@ -7528,7 +7555,7 @@
                 <a:t>addEventListener</a:t>
               </a:r>
               <a:r>
-                <a:rPr lang="en-US" altLang="ko-KR" sz="2000" smtClean="0">
+                <a:rPr lang="en-US" altLang="ko-KR" sz="2000" dirty="0" smtClean="0">
                   <a:solidFill>
                     <a:srgbClr val="ABB2BF"/>
                   </a:solidFill>
@@ -7537,7 +7564,7 @@
                 <a:t>(</a:t>
               </a:r>
               <a:r>
-                <a:rPr lang="en-US" altLang="ko-KR" sz="2000" smtClean="0">
+                <a:rPr lang="en-US" altLang="ko-KR" sz="2000" dirty="0" smtClean="0">
                   <a:solidFill>
                     <a:srgbClr val="98C379"/>
                   </a:solidFill>
@@ -7546,7 +7573,7 @@
                 <a:t>＇</a:t>
               </a:r>
               <a:r>
-                <a:rPr lang="ko-KR" altLang="en-US" sz="2000" smtClean="0">
+                <a:rPr lang="ko-KR" altLang="en-US" sz="2000" dirty="0" smtClean="0">
                   <a:solidFill>
                     <a:srgbClr val="98C379"/>
                   </a:solidFill>
@@ -7555,7 +7582,7 @@
                 <a:t>이벤트</a:t>
               </a:r>
               <a:r>
-                <a:rPr lang="en-US" altLang="ko-KR" sz="2000" smtClean="0">
+                <a:rPr lang="en-US" altLang="ko-KR" sz="2000" dirty="0" smtClean="0">
                   <a:solidFill>
                     <a:srgbClr val="98C379"/>
                   </a:solidFill>
@@ -7564,7 +7591,7 @@
                 <a:t>'</a:t>
               </a:r>
               <a:r>
-                <a:rPr lang="en-US" altLang="ko-KR" sz="2000" smtClean="0">
+                <a:rPr lang="en-US" altLang="ko-KR" sz="2000" dirty="0" smtClean="0">
                   <a:solidFill>
                     <a:srgbClr val="ABB2BF"/>
                   </a:solidFill>
@@ -7573,7 +7600,7 @@
                 <a:t>,</a:t>
               </a:r>
               <a:r>
-                <a:rPr lang="en-US" altLang="ko-KR" sz="2000" smtClean="0">
+                <a:rPr lang="en-US" altLang="ko-KR" sz="2000" dirty="0" smtClean="0">
                   <a:solidFill>
                     <a:srgbClr val="C678DD"/>
                   </a:solidFill>
@@ -7582,7 +7609,7 @@
                 <a:t>function</a:t>
               </a:r>
               <a:r>
-                <a:rPr lang="en-US" altLang="ko-KR" sz="2000" smtClean="0">
+                <a:rPr lang="en-US" altLang="ko-KR" sz="2000" dirty="0" smtClean="0">
                   <a:solidFill>
                     <a:srgbClr val="ABB2BF"/>
                   </a:solidFill>
@@ -7591,7 +7618,7 @@
                 <a:t>(</a:t>
               </a:r>
               <a:r>
-                <a:rPr lang="en-US" altLang="ko-KR" sz="2000">
+                <a:rPr lang="en-US" altLang="ko-KR" sz="2000" dirty="0" smtClean="0">
                   <a:solidFill>
                     <a:srgbClr val="E06C75"/>
                   </a:solidFill>
@@ -7600,7 +7627,7 @@
                 <a:t>e</a:t>
               </a:r>
               <a:r>
-                <a:rPr lang="en-US" altLang="ko-KR" sz="2000" smtClean="0">
+                <a:rPr lang="en-US" altLang="ko-KR" sz="2000" dirty="0" smtClean="0">
                   <a:solidFill>
                     <a:srgbClr val="ABB2BF"/>
                   </a:solidFill>
@@ -7609,7 +7636,7 @@
                 <a:t>){</a:t>
               </a:r>
               <a:r>
-                <a:rPr lang="ko-KR" altLang="en-US" sz="2000" smtClean="0">
+                <a:rPr lang="ko-KR" altLang="en-US" sz="2000" dirty="0" smtClean="0">
                   <a:solidFill>
                     <a:srgbClr val="ABB2BF"/>
                   </a:solidFill>
@@ -7618,7 +7645,7 @@
                 <a:t>실행시킬내용</a:t>
               </a:r>
               <a:r>
-                <a:rPr lang="en-US" altLang="ko-KR" sz="2000" smtClean="0">
+                <a:rPr lang="en-US" altLang="ko-KR" sz="2000" dirty="0" smtClean="0">
                   <a:solidFill>
                     <a:srgbClr val="ABB2BF"/>
                   </a:solidFill>
@@ -7626,7 +7653,7 @@
                 </a:rPr>
                 <a:t>});</a:t>
               </a:r>
-              <a:endParaRPr lang="en-US" altLang="ko-KR" sz="2000">
+              <a:endParaRPr lang="en-US" altLang="ko-KR" sz="2000" dirty="0">
                 <a:solidFill>
                   <a:srgbClr val="ABB2BF"/>
                 </a:solidFill>
@@ -7644,8 +7671,8 @@
         </p:nvSpPr>
         <p:spPr>
           <a:xfrm>
-            <a:off x="277368" y="4178525"/>
-            <a:ext cx="2590774" cy="369332"/>
+            <a:off x="291221" y="5419496"/>
+            <a:ext cx="5123518" cy="369332"/>
           </a:xfrm>
           <a:prstGeom prst="rect">
             <a:avLst/>
@@ -7658,41 +7685,47 @@
           <a:lstStyle/>
           <a:p>
             <a:r>
-              <a:rPr lang="en-US" altLang="ko-KR">
+              <a:rPr lang="en-US" altLang="ko-KR" dirty="0" err="1" smtClean="0">
                 <a:solidFill>
                   <a:srgbClr val="E06C75"/>
                 </a:solidFill>
                 <a:latin typeface="Consolas" panose="020B0609020204030204" pitchFamily="49" charset="0"/>
               </a:rPr>
-              <a:t>e</a:t>
-            </a:r>
-            <a:r>
-              <a:rPr lang="en-US" altLang="ko-KR">
-                <a:solidFill>
-                  <a:srgbClr val="ABB2BF"/>
-                </a:solidFill>
-                <a:latin typeface="Consolas" panose="020B0609020204030204" pitchFamily="49" charset="0"/>
-              </a:rPr>
-              <a:t>.</a:t>
-            </a:r>
-            <a:r>
-              <a:rPr lang="en-US" altLang="ko-KR">
-                <a:solidFill>
-                  <a:srgbClr val="61AFEF"/>
-                </a:solidFill>
-                <a:latin typeface="Consolas" panose="020B0609020204030204" pitchFamily="49" charset="0"/>
-              </a:rPr>
-              <a:t>preventDefault</a:t>
-            </a:r>
-            <a:r>
-              <a:rPr lang="en-US" altLang="ko-KR">
-                <a:solidFill>
-                  <a:srgbClr val="ABB2BF"/>
-                </a:solidFill>
-                <a:latin typeface="Consolas" panose="020B0609020204030204" pitchFamily="49" charset="0"/>
-              </a:rPr>
-              <a:t>();</a:t>
-            </a:r>
+              <a:t>slideContainer</a:t>
+            </a:r>
+            <a:r>
+              <a:rPr lang="en-US" altLang="ko-KR" dirty="0" smtClean="0">
+                <a:solidFill>
+                  <a:srgbClr val="E06C75"/>
+                </a:solidFill>
+                <a:latin typeface="Consolas" panose="020B0609020204030204" pitchFamily="49" charset="0"/>
+              </a:rPr>
+              <a:t>[0].</a:t>
+            </a:r>
+            <a:r>
+              <a:rPr lang="en-US" altLang="ko-KR" dirty="0" err="1" smtClean="0">
+                <a:solidFill>
+                  <a:srgbClr val="E06C75"/>
+                </a:solidFill>
+                <a:latin typeface="Consolas" panose="020B0609020204030204" pitchFamily="49" charset="0"/>
+              </a:rPr>
+              <a:t>style.font</a:t>
+            </a:r>
+            <a:r>
+              <a:rPr lang="en-US" altLang="ko-KR" dirty="0" smtClean="0">
+                <a:solidFill>
+                  <a:srgbClr val="E06C75"/>
+                </a:solidFill>
+                <a:latin typeface="Consolas" panose="020B0609020204030204" pitchFamily="49" charset="0"/>
+              </a:rPr>
+              <a:t>-size=30px;</a:t>
+            </a:r>
+            <a:endParaRPr lang="en-US" altLang="ko-KR" dirty="0">
+              <a:solidFill>
+                <a:srgbClr val="ABB2BF"/>
+              </a:solidFill>
+              <a:latin typeface="Consolas" panose="020B0609020204030204" pitchFamily="49" charset="0"/>
+            </a:endParaRPr>
           </a:p>
         </p:txBody>
       </p:sp>
@@ -7718,7 +7751,7 @@
           <a:lstStyle/>
           <a:p>
             <a:r>
-              <a:rPr lang="ko-KR" altLang="en-US" smtClean="0">
+              <a:rPr lang="ko-KR" altLang="en-US" dirty="0" smtClean="0">
                 <a:solidFill>
                   <a:srgbClr val="61AFEF"/>
                 </a:solidFill>
@@ -7726,12 +7759,72 @@
               </a:rPr>
               <a:t>기존에 있던 이벤트들 실행방지</a:t>
             </a:r>
-            <a:endParaRPr lang="en-US" altLang="ko-KR">
+            <a:endParaRPr lang="en-US" altLang="ko-KR" dirty="0">
               <a:solidFill>
                 <a:srgbClr val="ABB2BF"/>
               </a:solidFill>
               <a:latin typeface="Consolas" panose="020B0609020204030204" pitchFamily="49" charset="0"/>
             </a:endParaRPr>
+          </a:p>
+        </p:txBody>
+      </p:sp>
+      <p:sp>
+        <p:nvSpPr>
+          <p:cNvPr id="11" name="Rectangle 10"/>
+          <p:cNvSpPr/>
+          <p:nvPr/>
+        </p:nvSpPr>
+        <p:spPr>
+          <a:xfrm>
+            <a:off x="436299" y="4178525"/>
+            <a:ext cx="2590774" cy="369332"/>
+          </a:xfrm>
+          <a:prstGeom prst="rect">
+            <a:avLst/>
+          </a:prstGeom>
+        </p:spPr>
+        <p:txBody>
+          <a:bodyPr wrap="none">
+            <a:spAutoFit/>
+          </a:bodyPr>
+          <a:lstStyle/>
+          <a:p>
+            <a:r>
+              <a:rPr lang="en-US" altLang="ko-KR" dirty="0" err="1">
+                <a:solidFill>
+                  <a:srgbClr val="E06C75"/>
+                </a:solidFill>
+                <a:latin typeface="Consolas" panose="020B0609020204030204" pitchFamily="49" charset="0"/>
+              </a:rPr>
+              <a:t>e</a:t>
+            </a:r>
+            <a:r>
+              <a:rPr lang="en-US" altLang="ko-KR" dirty="0" err="1">
+                <a:solidFill>
+                  <a:srgbClr val="ABB2BF"/>
+                </a:solidFill>
+                <a:latin typeface="Consolas" panose="020B0609020204030204" pitchFamily="49" charset="0"/>
+              </a:rPr>
+              <a:t>.</a:t>
+            </a:r>
+            <a:r>
+              <a:rPr lang="en-US" altLang="ko-KR" dirty="0" err="1">
+                <a:solidFill>
+                  <a:srgbClr val="61AFEF"/>
+                </a:solidFill>
+                <a:latin typeface="Consolas" panose="020B0609020204030204" pitchFamily="49" charset="0"/>
+              </a:rPr>
+              <a:t>preventDefault</a:t>
+            </a:r>
+            <a:r>
+              <a:rPr lang="en-US" altLang="ko-KR" dirty="0">
+                <a:solidFill>
+                  <a:srgbClr val="ABB2BF"/>
+                </a:solidFill>
+                <a:latin typeface="Consolas" panose="020B0609020204030204" pitchFamily="49" charset="0"/>
+              </a:rPr>
+              <a:t>();</a:t>
+            </a:r>
           </a:p>
         </p:txBody>
       </p:sp>
@@ -8192,8 +8285,8 @@
         </p:nvSpPr>
         <p:spPr>
           <a:xfrm>
-            <a:off x="798576" y="3351383"/>
-            <a:ext cx="6096000" cy="1754326"/>
+            <a:off x="798576" y="3083595"/>
+            <a:ext cx="6096000" cy="2031325"/>
           </a:xfrm>
           <a:prstGeom prst="rect">
             <a:avLst/>
@@ -8206,7 +8299,7 @@
           <a:lstStyle/>
           <a:p>
             <a:r>
-              <a:rPr lang="en-US" altLang="ko-KR">
+              <a:rPr lang="en-US" altLang="ko-KR" dirty="0" err="1">
                 <a:solidFill>
                   <a:srgbClr val="E06C75"/>
                 </a:solidFill>
@@ -8215,7 +8308,7 @@
               <a:t>navPrev</a:t>
             </a:r>
             <a:r>
-              <a:rPr lang="en-US" altLang="ko-KR">
+              <a:rPr lang="en-US" altLang="ko-KR" dirty="0" err="1">
                 <a:solidFill>
                   <a:srgbClr val="ABB2BF"/>
                 </a:solidFill>
@@ -8224,7 +8317,7 @@
               <a:t>.</a:t>
             </a:r>
             <a:r>
-              <a:rPr lang="en-US" altLang="ko-KR">
+              <a:rPr lang="en-US" altLang="ko-KR" dirty="0" err="1">
                 <a:solidFill>
                   <a:srgbClr val="61AFEF"/>
                 </a:solidFill>
@@ -8233,7 +8326,7 @@
               <a:t>addEventListener</a:t>
             </a:r>
             <a:r>
-              <a:rPr lang="en-US" altLang="ko-KR">
+              <a:rPr lang="en-US" altLang="ko-KR" dirty="0">
                 <a:solidFill>
                   <a:srgbClr val="ABB2BF"/>
                 </a:solidFill>
@@ -8242,16 +8335,25 @@
               <a:t>(</a:t>
             </a:r>
             <a:r>
-              <a:rPr lang="en-US" altLang="ko-KR">
+              <a:rPr lang="en-US" altLang="ko-KR" dirty="0">
                 <a:solidFill>
                   <a:srgbClr val="98C379"/>
                 </a:solidFill>
                 <a:latin typeface="Consolas" panose="020B0609020204030204" pitchFamily="49" charset="0"/>
               </a:rPr>
-              <a:t>'click'</a:t>
-            </a:r>
-            <a:r>
-              <a:rPr lang="en-US" altLang="ko-KR">
+              <a:t>'</a:t>
+            </a:r>
+            <a:r>
+              <a:rPr lang="en-US" altLang="ko-KR" dirty="0" err="1">
+                <a:solidFill>
+                  <a:srgbClr val="98C379"/>
+                </a:solidFill>
+                <a:latin typeface="Consolas" panose="020B0609020204030204" pitchFamily="49" charset="0"/>
+              </a:rPr>
+              <a:t>click'</a:t>
+            </a:r>
+            <a:r>
+              <a:rPr lang="en-US" altLang="ko-KR" dirty="0" err="1">
                 <a:solidFill>
                   <a:srgbClr val="ABB2BF"/>
                 </a:solidFill>
@@ -8260,7 +8362,7 @@
               <a:t>,</a:t>
             </a:r>
             <a:r>
-              <a:rPr lang="en-US" altLang="ko-KR">
+              <a:rPr lang="en-US" altLang="ko-KR" dirty="0" err="1">
                 <a:solidFill>
                   <a:srgbClr val="C678DD"/>
                 </a:solidFill>
@@ -8269,7 +8371,7 @@
               <a:t>function</a:t>
             </a:r>
             <a:r>
-              <a:rPr lang="en-US" altLang="ko-KR">
+              <a:rPr lang="en-US" altLang="ko-KR" dirty="0">
                 <a:solidFill>
                   <a:srgbClr val="ABB2BF"/>
                 </a:solidFill>
@@ -8278,7 +8380,7 @@
               <a:t>(</a:t>
             </a:r>
             <a:r>
-              <a:rPr lang="en-US" altLang="ko-KR" i="1">
+              <a:rPr lang="en-US" altLang="ko-KR" i="1" dirty="0">
                 <a:solidFill>
                   <a:srgbClr val="E06C75"/>
                 </a:solidFill>
@@ -8287,7 +8389,7 @@
               <a:t>e</a:t>
             </a:r>
             <a:r>
-              <a:rPr lang="en-US" altLang="ko-KR">
+              <a:rPr lang="en-US" altLang="ko-KR" dirty="0">
                 <a:solidFill>
                   <a:srgbClr val="ABB2BF"/>
                 </a:solidFill>
@@ -8298,7 +8400,7 @@
           </a:p>
           <a:p>
             <a:r>
-              <a:rPr lang="en-US" altLang="ko-KR">
+              <a:rPr lang="en-US" altLang="ko-KR" dirty="0">
                 <a:solidFill>
                   <a:srgbClr val="ABB2BF"/>
                 </a:solidFill>
@@ -8307,7 +8409,7 @@
               <a:t>    </a:t>
             </a:r>
             <a:r>
-              <a:rPr lang="en-US" altLang="ko-KR">
+              <a:rPr lang="en-US" altLang="ko-KR" dirty="0" err="1">
                 <a:solidFill>
                   <a:srgbClr val="E06C75"/>
                 </a:solidFill>
@@ -8316,7 +8418,7 @@
               <a:t>e</a:t>
             </a:r>
             <a:r>
-              <a:rPr lang="en-US" altLang="ko-KR">
+              <a:rPr lang="en-US" altLang="ko-KR" dirty="0" err="1">
                 <a:solidFill>
                   <a:srgbClr val="ABB2BF"/>
                 </a:solidFill>
@@ -8325,7 +8427,7 @@
               <a:t>.</a:t>
             </a:r>
             <a:r>
-              <a:rPr lang="en-US" altLang="ko-KR">
+              <a:rPr lang="en-US" altLang="ko-KR" dirty="0" err="1">
                 <a:solidFill>
                   <a:srgbClr val="61AFEF"/>
                 </a:solidFill>
@@ -8334,7 +8436,7 @@
               <a:t>preventDefault</a:t>
             </a:r>
             <a:r>
-              <a:rPr lang="en-US" altLang="ko-KR">
+              <a:rPr lang="en-US" altLang="ko-KR" dirty="0">
                 <a:solidFill>
                   <a:srgbClr val="ABB2BF"/>
                 </a:solidFill>
@@ -8345,7 +8447,7 @@
           </a:p>
           <a:p>
             <a:r>
-              <a:rPr lang="en-US" altLang="ko-KR">
+              <a:rPr lang="en-US" altLang="ko-KR" dirty="0">
                 <a:solidFill>
                   <a:srgbClr val="ABB2BF"/>
                 </a:solidFill>
@@ -8354,7 +8456,7 @@
               <a:t>    </a:t>
             </a:r>
             <a:r>
-              <a:rPr lang="en-US" altLang="ko-KR">
+              <a:rPr lang="en-US" altLang="ko-KR" dirty="0" err="1">
                 <a:solidFill>
                   <a:srgbClr val="61AFEF"/>
                 </a:solidFill>
@@ -8363,7 +8465,7 @@
               <a:t>goToSlide</a:t>
             </a:r>
             <a:r>
-              <a:rPr lang="en-US" altLang="ko-KR">
+              <a:rPr lang="en-US" altLang="ko-KR" dirty="0">
                 <a:solidFill>
                   <a:srgbClr val="ABB2BF"/>
                 </a:solidFill>
@@ -8372,7 +8474,7 @@
               <a:t>(</a:t>
             </a:r>
             <a:r>
-              <a:rPr lang="en-US" altLang="ko-KR">
+              <a:rPr lang="en-US" altLang="ko-KR" dirty="0">
                 <a:solidFill>
                   <a:srgbClr val="E06C75"/>
                 </a:solidFill>
@@ -8381,7 +8483,7 @@
               <a:t>currentIndex</a:t>
             </a:r>
             <a:r>
-              <a:rPr lang="en-US" altLang="ko-KR">
+              <a:rPr lang="en-US" altLang="ko-KR" dirty="0">
                 <a:solidFill>
                   <a:srgbClr val="56B6C2"/>
                 </a:solidFill>
@@ -8390,7 +8492,7 @@
               <a:t>-</a:t>
             </a:r>
             <a:r>
-              <a:rPr lang="en-US" altLang="ko-KR">
+              <a:rPr lang="en-US" altLang="ko-KR" dirty="0">
                 <a:solidFill>
                   <a:srgbClr val="D19A66"/>
                 </a:solidFill>
@@ -8399,45 +8501,44 @@
               <a:t>1</a:t>
             </a:r>
             <a:r>
-              <a:rPr lang="en-US" altLang="ko-KR" smtClean="0">
-                <a:solidFill>
-                  <a:srgbClr val="ABB2BF"/>
-                </a:solidFill>
-                <a:latin typeface="Consolas" panose="020B0609020204030204" pitchFamily="49" charset="0"/>
-              </a:rPr>
-              <a:t>);</a:t>
-            </a:r>
-          </a:p>
-          <a:p>
-            <a:r>
-              <a:rPr lang="en-US" altLang="ko-KR" smtClean="0">
-                <a:solidFill>
-                  <a:srgbClr val="ABB2BF"/>
-                </a:solidFill>
-                <a:latin typeface="Consolas" panose="020B0609020204030204" pitchFamily="49" charset="0"/>
-              </a:rPr>
-              <a:t>}</a:t>
-            </a:r>
-            <a:r>
-              <a:rPr lang="ko-KR" altLang="en-US"/>
-              <a:t> </a:t>
-            </a:r>
-            <a:r>
-              <a:rPr lang="en-US" altLang="ko-KR" i="1">
-                <a:solidFill>
-                  <a:srgbClr val="7F848E"/>
-                </a:solidFill>
-                <a:latin typeface="Consolas" panose="020B0609020204030204" pitchFamily="49" charset="0"/>
-              </a:rPr>
-              <a:t>)</a:t>
-            </a:r>
-            <a:r>
-              <a:rPr lang="en-US" altLang="ko-KR"/>
-              <a:t>;</a:t>
-            </a:r>
-          </a:p>
-          <a:p>
-            <a:endParaRPr lang="en-US" altLang="ko-KR">
+              <a:rPr lang="en-US" altLang="ko-KR" dirty="0" smtClean="0">
+                <a:solidFill>
+                  <a:srgbClr val="ABB2BF"/>
+                </a:solidFill>
+                <a:latin typeface="Consolas" panose="020B0609020204030204" pitchFamily="49" charset="0"/>
+              </a:rPr>
+              <a:t>);//</a:t>
+            </a:r>
+          </a:p>
+          <a:p>
+            <a:r>
+              <a:rPr lang="en-US" altLang="ko-KR" dirty="0" smtClean="0">
+                <a:solidFill>
+                  <a:srgbClr val="ABB2BF"/>
+                </a:solidFill>
+                <a:latin typeface="Consolas" panose="020B0609020204030204" pitchFamily="49" charset="0"/>
+              </a:rPr>
+              <a:t>	</a:t>
+            </a:r>
+            <a:r>
+              <a:rPr lang="en-US" altLang="ko-KR" dirty="0" smtClean="0">
+                <a:solidFill>
+                  <a:srgbClr val="ABB2BF"/>
+                </a:solidFill>
+                <a:latin typeface="Consolas" panose="020B0609020204030204" pitchFamily="49" charset="0"/>
+              </a:rPr>
+              <a:t>if</a:t>
+            </a:r>
+            <a:r>
+              <a:rPr lang="ko-KR" altLang="en-US" dirty="0" smtClean="0">
+                <a:solidFill>
+                  <a:srgbClr val="ABB2BF"/>
+                </a:solidFill>
+                <a:latin typeface="Consolas" panose="020B0609020204030204" pitchFamily="49" charset="0"/>
+              </a:rPr>
+              <a:t>문 짜짠</a:t>
+            </a:r>
+            <a:endParaRPr lang="en-US" altLang="ko-KR" dirty="0" smtClean="0">
               <a:solidFill>
                 <a:srgbClr val="ABB2BF"/>
               </a:solidFill>
@@ -8445,7 +8546,43 @@
             </a:endParaRPr>
           </a:p>
           <a:p>
-            <a:endParaRPr lang="en-US" altLang="ko-KR" b="0">
+            <a:r>
+              <a:rPr lang="en-US" altLang="ko-KR" dirty="0" smtClean="0">
+                <a:solidFill>
+                  <a:srgbClr val="ABB2BF"/>
+                </a:solidFill>
+                <a:latin typeface="Consolas" panose="020B0609020204030204" pitchFamily="49" charset="0"/>
+              </a:rPr>
+              <a:t>}</a:t>
+            </a:r>
+            <a:r>
+              <a:rPr lang="ko-KR" altLang="en-US" dirty="0"/>
+              <a:t> </a:t>
+            </a:r>
+            <a:r>
+              <a:rPr lang="en-US" altLang="ko-KR" i="1" dirty="0">
+                <a:solidFill>
+                  <a:srgbClr val="7F848E"/>
+                </a:solidFill>
+                <a:latin typeface="Consolas" panose="020B0609020204030204" pitchFamily="49" charset="0"/>
+              </a:rPr>
+              <a:t>)</a:t>
+            </a:r>
+            <a:r>
+              <a:rPr lang="en-US" altLang="ko-KR" dirty="0"/>
+              <a:t>;</a:t>
+            </a:r>
+          </a:p>
+          <a:p>
+            <a:endParaRPr lang="en-US" altLang="ko-KR" dirty="0">
+              <a:solidFill>
+                <a:srgbClr val="ABB2BF"/>
+              </a:solidFill>
+              <a:latin typeface="Consolas" panose="020B0609020204030204" pitchFamily="49" charset="0"/>
+            </a:endParaRPr>
+          </a:p>
+          <a:p>
+            <a:endParaRPr lang="en-US" altLang="ko-KR" b="0" dirty="0">
               <a:solidFill>
                 <a:srgbClr val="ABB2BF"/>
               </a:solidFill>
@@ -8830,6 +8967,13 @@
   <p:clrMapOvr>
     <a:masterClrMapping/>
   </p:clrMapOvr>
+  <p:timing>
+    <p:tnLst>
+      <p:par>
+        <p:cTn id="1" dur="indefinite" restart="never" nodeType="tmRoot"/>
+      </p:par>
+    </p:tnLst>
+  </p:timing>
 </p:sld>
 </file>
 
@@ -8865,8 +9009,8 @@
         </p:blipFill>
         <p:spPr>
           <a:xfrm>
-            <a:off x="5609402" y="1015746"/>
-            <a:ext cx="5096453" cy="4807974"/>
+            <a:off x="5860635" y="300132"/>
+            <a:ext cx="5961724" cy="5624267"/>
           </a:xfrm>
           <a:prstGeom prst="rect">
             <a:avLst/>
@@ -8881,7 +9025,7 @@
         </p:nvSpPr>
         <p:spPr>
           <a:xfrm>
-            <a:off x="995389" y="1179695"/>
+            <a:off x="1419931" y="748621"/>
             <a:ext cx="1051891" cy="369332"/>
           </a:xfrm>
           <a:prstGeom prst="rect">
@@ -8895,12 +9039,114 @@
           <a:lstStyle/>
           <a:p>
             <a:r>
-              <a:rPr lang="en-US" altLang="ko-KR" err="1" smtClean="0"/>
+              <a:rPr lang="en-US" altLang="ko-KR" dirty="0" err="1" smtClean="0"/>
               <a:t>ClassList</a:t>
             </a:r>
-            <a:endParaRPr lang="ko-KR" altLang="en-US" smtClean="0">
+            <a:endParaRPr lang="ko-KR" altLang="en-US" dirty="0" smtClean="0">
               <a:effectLst/>
             </a:endParaRPr>
+          </a:p>
+        </p:txBody>
+      </p:sp>
+      <p:sp>
+        <p:nvSpPr>
+          <p:cNvPr id="2" name="TextBox 1"/>
+          <p:cNvSpPr txBox="1"/>
+          <p:nvPr/>
+        </p:nvSpPr>
+        <p:spPr>
+          <a:xfrm>
+            <a:off x="91439" y="6109065"/>
+            <a:ext cx="5242461" cy="646331"/>
+          </a:xfrm>
+          <a:prstGeom prst="rect">
+            <a:avLst/>
+          </a:prstGeom>
+          <a:noFill/>
+        </p:spPr>
+        <p:txBody>
+          <a:bodyPr wrap="none" rtlCol="0">
+            <a:spAutoFit/>
+          </a:bodyPr>
+          <a:lstStyle/>
+          <a:p>
+            <a:r>
+              <a:rPr lang="en-US" altLang="ko-KR" dirty="0" err="1"/>
+              <a:t>var</a:t>
+            </a:r>
+            <a:r>
+              <a:rPr lang="en-US" altLang="ko-KR" dirty="0"/>
+              <a:t> </a:t>
+            </a:r>
+            <a:r>
+              <a:rPr lang="en-US" altLang="ko-KR" dirty="0" err="1"/>
+              <a:t>slideCount</a:t>
+            </a:r>
+            <a:r>
+              <a:rPr lang="en-US" altLang="ko-KR" dirty="0"/>
+              <a:t> = </a:t>
+            </a:r>
+            <a:r>
+              <a:rPr lang="en-US" altLang="ko-KR" dirty="0" err="1"/>
+              <a:t>slides.length</a:t>
+            </a:r>
+            <a:r>
+              <a:rPr lang="en-US" altLang="ko-KR" dirty="0"/>
+              <a:t>;  </a:t>
+            </a:r>
+            <a:r>
+              <a:rPr lang="en-US" altLang="ko-KR" i="1" dirty="0"/>
+              <a:t>// </a:t>
+            </a:r>
+            <a:r>
+              <a:rPr lang="ko-KR" altLang="en-US" i="1" dirty="0"/>
+              <a:t>슬라이드 개수</a:t>
+            </a:r>
+            <a:endParaRPr lang="ko-KR" altLang="en-US" dirty="0"/>
+          </a:p>
+          <a:p>
+            <a:endParaRPr lang="ko-KR" altLang="en-US" dirty="0"/>
+          </a:p>
+        </p:txBody>
+      </p:sp>
+      <p:sp>
+        <p:nvSpPr>
+          <p:cNvPr id="6" name="TextBox 5"/>
+          <p:cNvSpPr txBox="1"/>
+          <p:nvPr/>
+        </p:nvSpPr>
+        <p:spPr>
+          <a:xfrm>
+            <a:off x="91439" y="5739733"/>
+            <a:ext cx="6012095" cy="369332"/>
+          </a:xfrm>
+          <a:prstGeom prst="rect">
+            <a:avLst/>
+          </a:prstGeom>
+          <a:noFill/>
+        </p:spPr>
+        <p:txBody>
+          <a:bodyPr wrap="none" rtlCol="0">
+            <a:spAutoFit/>
+          </a:bodyPr>
+          <a:lstStyle/>
+          <a:p>
+            <a:r>
+              <a:rPr lang="en-US" altLang="ko-KR" dirty="0" err="1"/>
+              <a:t>var</a:t>
+            </a:r>
+            <a:r>
+              <a:rPr lang="en-US" altLang="ko-KR" dirty="0"/>
+              <a:t> slides = </a:t>
+            </a:r>
+            <a:r>
+              <a:rPr lang="en-US" altLang="ko-KR" dirty="0" err="1"/>
+              <a:t>document.getElementsByClassName</a:t>
+            </a:r>
+            <a:r>
+              <a:rPr lang="en-US" altLang="ko-KR" dirty="0"/>
+              <a:t>('slide');</a:t>
+            </a:r>
           </a:p>
         </p:txBody>
       </p:sp>
@@ -8914,6 +9160,13 @@
   <p:clrMapOvr>
     <a:masterClrMapping/>
   </p:clrMapOvr>
+  <p:timing>
+    <p:tnLst>
+      <p:par>
+        <p:cTn id="1" dur="indefinite" restart="never" nodeType="tmRoot"/>
+      </p:par>
+    </p:tnLst>
+  </p:timing>
 </p:sld>
 </file>
 
@@ -8942,7 +9195,7 @@
         </p:nvSpPr>
         <p:spPr>
           <a:xfrm>
-            <a:off x="862584" y="1297537"/>
+            <a:off x="1274064" y="1395508"/>
             <a:ext cx="8052816" cy="3693319"/>
           </a:xfrm>
           <a:prstGeom prst="rect">
@@ -8956,7 +9209,7 @@
           <a:lstStyle/>
           <a:p>
             <a:r>
-              <a:rPr lang="ko-KR" altLang="en-US">
+              <a:rPr lang="ko-KR" altLang="en-US" dirty="0">
                 <a:solidFill>
                   <a:srgbClr val="ABB2BF"/>
                 </a:solidFill>
@@ -8965,7 +9218,7 @@
               <a:t/>
             </a:r>
             <a:br>
-              <a:rPr lang="ko-KR" altLang="en-US">
+              <a:rPr lang="ko-KR" altLang="en-US" dirty="0">
                 <a:solidFill>
                   <a:srgbClr val="ABB2BF"/>
                 </a:solidFill>
@@ -8973,7 +9226,7 @@
               </a:rPr>
             </a:br>
             <a:r>
-              <a:rPr lang="en-US" altLang="ko-KR" i="1">
+              <a:rPr lang="en-US" altLang="ko-KR" i="1" dirty="0">
                 <a:solidFill>
                   <a:srgbClr val="7F848E"/>
                 </a:solidFill>
@@ -8982,7 +9235,7 @@
               <a:t>// </a:t>
             </a:r>
             <a:r>
-              <a:rPr lang="ko-KR" altLang="en-US" i="1">
+              <a:rPr lang="ko-KR" altLang="en-US" i="1" dirty="0">
                 <a:solidFill>
                   <a:srgbClr val="7F848E"/>
                 </a:solidFill>
@@ -8990,7 +9243,7 @@
               </a:rPr>
               <a:t>버튼 사라지게 하기</a:t>
             </a:r>
-            <a:endParaRPr lang="ko-KR" altLang="en-US">
+            <a:endParaRPr lang="ko-KR" altLang="en-US" dirty="0">
               <a:solidFill>
                 <a:srgbClr val="ABB2BF"/>
               </a:solidFill>
@@ -8999,7 +9252,7 @@
           </a:p>
           <a:p>
             <a:r>
-              <a:rPr lang="ko-KR" altLang="en-US">
+              <a:rPr lang="ko-KR" altLang="en-US" dirty="0">
                 <a:solidFill>
                   <a:srgbClr val="ABB2BF"/>
                 </a:solidFill>
@@ -9008,7 +9261,7 @@
               <a:t/>
             </a:r>
             <a:br>
-              <a:rPr lang="ko-KR" altLang="en-US">
+              <a:rPr lang="ko-KR" altLang="en-US" dirty="0">
                 <a:solidFill>
                   <a:srgbClr val="ABB2BF"/>
                 </a:solidFill>
@@ -9016,7 +9269,7 @@
               </a:rPr>
             </a:br>
             <a:r>
-              <a:rPr lang="en-US" altLang="ko-KR">
+              <a:rPr lang="en-US" altLang="ko-KR" dirty="0">
                 <a:solidFill>
                   <a:srgbClr val="C678DD"/>
                 </a:solidFill>
@@ -9025,7 +9278,7 @@
               <a:t>function</a:t>
             </a:r>
             <a:r>
-              <a:rPr lang="en-US" altLang="ko-KR">
+              <a:rPr lang="en-US" altLang="ko-KR" dirty="0">
                 <a:solidFill>
                   <a:srgbClr val="ABB2BF"/>
                 </a:solidFill>
@@ -9034,7 +9287,7 @@
               <a:t> </a:t>
             </a:r>
             <a:r>
-              <a:rPr lang="en-US" altLang="ko-KR">
+              <a:rPr lang="en-US" altLang="ko-KR" dirty="0" err="1">
                 <a:solidFill>
                   <a:srgbClr val="61AFEF"/>
                 </a:solidFill>
@@ -9043,7 +9296,7 @@
               <a:t>updateNav</a:t>
             </a:r>
             <a:r>
-              <a:rPr lang="en-US" altLang="ko-KR">
+              <a:rPr lang="en-US" altLang="ko-KR" dirty="0">
                 <a:solidFill>
                   <a:srgbClr val="ABB2BF"/>
                 </a:solidFill>
@@ -9054,7 +9307,7 @@
           </a:p>
           <a:p>
             <a:r>
-              <a:rPr lang="en-US" altLang="ko-KR">
+              <a:rPr lang="en-US" altLang="ko-KR" dirty="0">
                 <a:solidFill>
                   <a:srgbClr val="C678DD"/>
                 </a:solidFill>
@@ -9063,7 +9316,7 @@
               <a:t>if</a:t>
             </a:r>
             <a:r>
-              <a:rPr lang="en-US" altLang="ko-KR">
+              <a:rPr lang="en-US" altLang="ko-KR" dirty="0">
                 <a:solidFill>
                   <a:srgbClr val="ABB2BF"/>
                 </a:solidFill>
@@ -9072,7 +9325,7 @@
               <a:t>(</a:t>
             </a:r>
             <a:r>
-              <a:rPr lang="en-US" altLang="ko-KR">
+              <a:rPr lang="en-US" altLang="ko-KR" dirty="0" err="1">
                 <a:solidFill>
                   <a:srgbClr val="E06C75"/>
                 </a:solidFill>
@@ -9081,7 +9334,7 @@
               <a:t>currentIndex</a:t>
             </a:r>
             <a:r>
-              <a:rPr lang="en-US" altLang="ko-KR">
+              <a:rPr lang="en-US" altLang="ko-KR" dirty="0">
                 <a:solidFill>
                   <a:srgbClr val="ABB2BF"/>
                 </a:solidFill>
@@ -9090,7 +9343,7 @@
               <a:t> </a:t>
             </a:r>
             <a:r>
-              <a:rPr lang="en-US" altLang="ko-KR">
+              <a:rPr lang="en-US" altLang="ko-KR" dirty="0">
                 <a:solidFill>
                   <a:srgbClr val="56B6C2"/>
                 </a:solidFill>
@@ -9099,7 +9352,7 @@
               <a:t>==</a:t>
             </a:r>
             <a:r>
-              <a:rPr lang="en-US" altLang="ko-KR">
+              <a:rPr lang="en-US" altLang="ko-KR" dirty="0">
                 <a:solidFill>
                   <a:srgbClr val="ABB2BF"/>
                 </a:solidFill>
@@ -9108,7 +9361,7 @@
               <a:t> </a:t>
             </a:r>
             <a:r>
-              <a:rPr lang="en-US" altLang="ko-KR">
+              <a:rPr lang="en-US" altLang="ko-KR" dirty="0">
                 <a:solidFill>
                   <a:srgbClr val="D19A66"/>
                 </a:solidFill>
@@ -9117,7 +9370,7 @@
               <a:t>0</a:t>
             </a:r>
             <a:r>
-              <a:rPr lang="en-US" altLang="ko-KR">
+              <a:rPr lang="en-US" altLang="ko-KR" dirty="0">
                 <a:solidFill>
                   <a:srgbClr val="ABB2BF"/>
                 </a:solidFill>
@@ -9128,7 +9381,7 @@
           </a:p>
           <a:p>
             <a:r>
-              <a:rPr lang="en-US" altLang="ko-KR">
+              <a:rPr lang="en-US" altLang="ko-KR" dirty="0">
                 <a:solidFill>
                   <a:srgbClr val="ABB2BF"/>
                 </a:solidFill>
@@ -9137,7 +9390,7 @@
               <a:t>    </a:t>
             </a:r>
             <a:r>
-              <a:rPr lang="en-US" altLang="ko-KR">
+              <a:rPr lang="en-US" altLang="ko-KR" dirty="0" err="1">
                 <a:solidFill>
                   <a:srgbClr val="E06C75"/>
                 </a:solidFill>
@@ -9146,7 +9399,7 @@
               <a:t>navPrev</a:t>
             </a:r>
             <a:r>
-              <a:rPr lang="en-US" altLang="ko-KR">
+              <a:rPr lang="en-US" altLang="ko-KR" dirty="0" err="1">
                 <a:solidFill>
                   <a:srgbClr val="ABB2BF"/>
                 </a:solidFill>
@@ -9155,7 +9408,7 @@
               <a:t>.</a:t>
             </a:r>
             <a:r>
-              <a:rPr lang="en-US" altLang="ko-KR">
+              <a:rPr lang="en-US" altLang="ko-KR" dirty="0" err="1">
                 <a:solidFill>
                   <a:srgbClr val="E06C75"/>
                 </a:solidFill>
@@ -9164,7 +9417,7 @@
               <a:t>classList</a:t>
             </a:r>
             <a:r>
-              <a:rPr lang="en-US" altLang="ko-KR">
+              <a:rPr lang="en-US" altLang="ko-KR" dirty="0" err="1">
                 <a:solidFill>
                   <a:srgbClr val="ABB2BF"/>
                 </a:solidFill>
@@ -9173,7 +9426,7 @@
               <a:t>.</a:t>
             </a:r>
             <a:r>
-              <a:rPr lang="en-US" altLang="ko-KR">
+              <a:rPr lang="en-US" altLang="ko-KR" dirty="0" err="1">
                 <a:solidFill>
                   <a:srgbClr val="61AFEF"/>
                 </a:solidFill>
@@ -9182,7 +9435,7 @@
               <a:t>add</a:t>
             </a:r>
             <a:r>
-              <a:rPr lang="en-US" altLang="ko-KR">
+              <a:rPr lang="en-US" altLang="ko-KR" dirty="0">
                 <a:solidFill>
                   <a:srgbClr val="ABB2BF"/>
                 </a:solidFill>
@@ -9191,7 +9444,7 @@
               <a:t>(</a:t>
             </a:r>
             <a:r>
-              <a:rPr lang="en-US" altLang="ko-KR">
+              <a:rPr lang="en-US" altLang="ko-KR" dirty="0">
                 <a:solidFill>
                   <a:srgbClr val="98C379"/>
                 </a:solidFill>
@@ -9200,7 +9453,7 @@
               <a:t>'disabled'</a:t>
             </a:r>
             <a:r>
-              <a:rPr lang="en-US" altLang="ko-KR">
+              <a:rPr lang="en-US" altLang="ko-KR" dirty="0">
                 <a:solidFill>
                   <a:srgbClr val="ABB2BF"/>
                 </a:solidFill>
@@ -9211,7 +9464,7 @@
           </a:p>
           <a:p>
             <a:r>
-              <a:rPr lang="en-US" altLang="ko-KR">
+              <a:rPr lang="en-US" altLang="ko-KR" dirty="0">
                 <a:solidFill>
                   <a:srgbClr val="ABB2BF"/>
                 </a:solidFill>
@@ -9220,7 +9473,7 @@
               <a:t> }</a:t>
             </a:r>
             <a:r>
-              <a:rPr lang="en-US" altLang="ko-KR">
+              <a:rPr lang="en-US" altLang="ko-KR" dirty="0">
                 <a:solidFill>
                   <a:srgbClr val="C678DD"/>
                 </a:solidFill>
@@ -9229,7 +9482,7 @@
               <a:t>else</a:t>
             </a:r>
             <a:r>
-              <a:rPr lang="en-US" altLang="ko-KR">
+              <a:rPr lang="en-US" altLang="ko-KR" dirty="0">
                 <a:solidFill>
                   <a:srgbClr val="ABB2BF"/>
                 </a:solidFill>
@@ -9238,7 +9491,7 @@
               <a:t>{ </a:t>
             </a:r>
             <a:r>
-              <a:rPr lang="en-US" altLang="ko-KR">
+              <a:rPr lang="en-US" altLang="ko-KR" dirty="0" err="1">
                 <a:solidFill>
                   <a:srgbClr val="E06C75"/>
                 </a:solidFill>
@@ -9247,7 +9500,7 @@
               <a:t>navPrev</a:t>
             </a:r>
             <a:r>
-              <a:rPr lang="en-US" altLang="ko-KR">
+              <a:rPr lang="en-US" altLang="ko-KR" dirty="0" err="1">
                 <a:solidFill>
                   <a:srgbClr val="ABB2BF"/>
                 </a:solidFill>
@@ -9256,7 +9509,7 @@
               <a:t>.</a:t>
             </a:r>
             <a:r>
-              <a:rPr lang="en-US" altLang="ko-KR">
+              <a:rPr lang="en-US" altLang="ko-KR" dirty="0" err="1">
                 <a:solidFill>
                   <a:srgbClr val="E06C75"/>
                 </a:solidFill>
@@ -9265,7 +9518,7 @@
               <a:t>classList</a:t>
             </a:r>
             <a:r>
-              <a:rPr lang="en-US" altLang="ko-KR">
+              <a:rPr lang="en-US" altLang="ko-KR" dirty="0" err="1">
                 <a:solidFill>
                   <a:srgbClr val="ABB2BF"/>
                 </a:solidFill>
@@ -9274,7 +9527,7 @@
               <a:t>.</a:t>
             </a:r>
             <a:r>
-              <a:rPr lang="en-US" altLang="ko-KR">
+              <a:rPr lang="en-US" altLang="ko-KR" dirty="0" err="1">
                 <a:solidFill>
                   <a:srgbClr val="61AFEF"/>
                 </a:solidFill>
@@ -9283,7 +9536,7 @@
               <a:t>remove</a:t>
             </a:r>
             <a:r>
-              <a:rPr lang="en-US" altLang="ko-KR">
+              <a:rPr lang="en-US" altLang="ko-KR" dirty="0">
                 <a:solidFill>
                   <a:srgbClr val="ABB2BF"/>
                 </a:solidFill>
@@ -9292,7 +9545,7 @@
               <a:t>(</a:t>
             </a:r>
             <a:r>
-              <a:rPr lang="en-US" altLang="ko-KR">
+              <a:rPr lang="en-US" altLang="ko-KR" dirty="0">
                 <a:solidFill>
                   <a:srgbClr val="98C379"/>
                 </a:solidFill>
@@ -9301,7 +9554,7 @@
               <a:t>'disabled'</a:t>
             </a:r>
             <a:r>
-              <a:rPr lang="en-US" altLang="ko-KR">
+              <a:rPr lang="en-US" altLang="ko-KR" dirty="0">
                 <a:solidFill>
                   <a:srgbClr val="ABB2BF"/>
                 </a:solidFill>
@@ -9312,7 +9565,7 @@
           </a:p>
           <a:p>
             <a:r>
-              <a:rPr lang="en-US" altLang="ko-KR">
+              <a:rPr lang="en-US" altLang="ko-KR" dirty="0">
                 <a:solidFill>
                   <a:srgbClr val="ABB2BF"/>
                 </a:solidFill>
@@ -9321,7 +9574,7 @@
               <a:t/>
             </a:r>
             <a:br>
-              <a:rPr lang="en-US" altLang="ko-KR">
+              <a:rPr lang="en-US" altLang="ko-KR" dirty="0">
                 <a:solidFill>
                   <a:srgbClr val="ABB2BF"/>
                 </a:solidFill>
@@ -9329,7 +9582,7 @@
               </a:rPr>
             </a:br>
             <a:r>
-              <a:rPr lang="en-US" altLang="ko-KR">
+              <a:rPr lang="en-US" altLang="ko-KR" dirty="0">
                 <a:solidFill>
                   <a:srgbClr val="C678DD"/>
                 </a:solidFill>
@@ -9338,7 +9591,7 @@
               <a:t>if</a:t>
             </a:r>
             <a:r>
-              <a:rPr lang="en-US" altLang="ko-KR">
+              <a:rPr lang="en-US" altLang="ko-KR" dirty="0">
                 <a:solidFill>
                   <a:srgbClr val="ABB2BF"/>
                 </a:solidFill>
@@ -9347,7 +9600,7 @@
               <a:t>(</a:t>
             </a:r>
             <a:r>
-              <a:rPr lang="en-US" altLang="ko-KR">
+              <a:rPr lang="en-US" altLang="ko-KR" dirty="0" err="1">
                 <a:solidFill>
                   <a:srgbClr val="E06C75"/>
                 </a:solidFill>
@@ -9356,7 +9609,7 @@
               <a:t>currentIndex</a:t>
             </a:r>
             <a:r>
-              <a:rPr lang="en-US" altLang="ko-KR">
+              <a:rPr lang="en-US" altLang="ko-KR" dirty="0">
                 <a:solidFill>
                   <a:srgbClr val="ABB2BF"/>
                 </a:solidFill>
@@ -9365,7 +9618,7 @@
               <a:t> </a:t>
             </a:r>
             <a:r>
-              <a:rPr lang="en-US" altLang="ko-KR">
+              <a:rPr lang="en-US" altLang="ko-KR" dirty="0">
                 <a:solidFill>
                   <a:srgbClr val="56B6C2"/>
                 </a:solidFill>
@@ -9374,7 +9627,7 @@
               <a:t>==</a:t>
             </a:r>
             <a:r>
-              <a:rPr lang="en-US" altLang="ko-KR">
+              <a:rPr lang="en-US" altLang="ko-KR" dirty="0">
                 <a:solidFill>
                   <a:srgbClr val="ABB2BF"/>
                 </a:solidFill>
@@ -9383,7 +9636,7 @@
               <a:t> </a:t>
             </a:r>
             <a:r>
-              <a:rPr lang="en-US" altLang="ko-KR">
+              <a:rPr lang="en-US" altLang="ko-KR" dirty="0" err="1">
                 <a:solidFill>
                   <a:srgbClr val="E06C75"/>
                 </a:solidFill>
@@ -9392,7 +9645,7 @@
               <a:t>slideCount</a:t>
             </a:r>
             <a:r>
-              <a:rPr lang="en-US" altLang="ko-KR">
+              <a:rPr lang="en-US" altLang="ko-KR" dirty="0">
                 <a:solidFill>
                   <a:srgbClr val="ABB2BF"/>
                 </a:solidFill>
@@ -9401,7 +9654,7 @@
               <a:t> </a:t>
             </a:r>
             <a:r>
-              <a:rPr lang="en-US" altLang="ko-KR">
+              <a:rPr lang="en-US" altLang="ko-KR" dirty="0">
                 <a:solidFill>
                   <a:srgbClr val="56B6C2"/>
                 </a:solidFill>
@@ -9410,7 +9663,7 @@
               <a:t>-</a:t>
             </a:r>
             <a:r>
-              <a:rPr lang="en-US" altLang="ko-KR">
+              <a:rPr lang="en-US" altLang="ko-KR" dirty="0">
                 <a:solidFill>
                   <a:srgbClr val="D19A66"/>
                 </a:solidFill>
@@ -9419,7 +9672,7 @@
               <a:t>1</a:t>
             </a:r>
             <a:r>
-              <a:rPr lang="en-US" altLang="ko-KR">
+              <a:rPr lang="en-US" altLang="ko-KR" dirty="0">
                 <a:solidFill>
                   <a:srgbClr val="ABB2BF"/>
                 </a:solidFill>
@@ -9430,7 +9683,7 @@
           </a:p>
           <a:p>
             <a:r>
-              <a:rPr lang="en-US" altLang="ko-KR">
+              <a:rPr lang="en-US" altLang="ko-KR" dirty="0">
                 <a:solidFill>
                   <a:srgbClr val="ABB2BF"/>
                 </a:solidFill>
@@ -9439,7 +9692,7 @@
               <a:t>        </a:t>
             </a:r>
             <a:r>
-              <a:rPr lang="en-US" altLang="ko-KR">
+              <a:rPr lang="en-US" altLang="ko-KR" dirty="0" err="1">
                 <a:solidFill>
                   <a:srgbClr val="E06C75"/>
                 </a:solidFill>
@@ -9448,7 +9701,7 @@
               <a:t>navNext</a:t>
             </a:r>
             <a:r>
-              <a:rPr lang="en-US" altLang="ko-KR">
+              <a:rPr lang="en-US" altLang="ko-KR" dirty="0" err="1">
                 <a:solidFill>
                   <a:srgbClr val="ABB2BF"/>
                 </a:solidFill>
@@ -9457,7 +9710,7 @@
               <a:t>.</a:t>
             </a:r>
             <a:r>
-              <a:rPr lang="en-US" altLang="ko-KR">
+              <a:rPr lang="en-US" altLang="ko-KR" dirty="0" err="1">
                 <a:solidFill>
                   <a:srgbClr val="E06C75"/>
                 </a:solidFill>
@@ -9466,7 +9719,7 @@
               <a:t>classList</a:t>
             </a:r>
             <a:r>
-              <a:rPr lang="en-US" altLang="ko-KR">
+              <a:rPr lang="en-US" altLang="ko-KR" dirty="0" err="1">
                 <a:solidFill>
                   <a:srgbClr val="ABB2BF"/>
                 </a:solidFill>
@@ -9475,7 +9728,7 @@
               <a:t>.</a:t>
             </a:r>
             <a:r>
-              <a:rPr lang="en-US" altLang="ko-KR">
+              <a:rPr lang="en-US" altLang="ko-KR" dirty="0" err="1">
                 <a:solidFill>
                   <a:srgbClr val="61AFEF"/>
                 </a:solidFill>
@@ -9484,7 +9737,7 @@
               <a:t>add</a:t>
             </a:r>
             <a:r>
-              <a:rPr lang="en-US" altLang="ko-KR">
+              <a:rPr lang="en-US" altLang="ko-KR" dirty="0">
                 <a:solidFill>
                   <a:srgbClr val="ABB2BF"/>
                 </a:solidFill>
@@ -9493,7 +9746,7 @@
               <a:t>(</a:t>
             </a:r>
             <a:r>
-              <a:rPr lang="en-US" altLang="ko-KR">
+              <a:rPr lang="en-US" altLang="ko-KR" dirty="0">
                 <a:solidFill>
                   <a:srgbClr val="98C379"/>
                 </a:solidFill>
@@ -9502,7 +9755,7 @@
               <a:t>'disabled'</a:t>
             </a:r>
             <a:r>
-              <a:rPr lang="en-US" altLang="ko-KR">
+              <a:rPr lang="en-US" altLang="ko-KR" dirty="0">
                 <a:solidFill>
                   <a:srgbClr val="ABB2BF"/>
                 </a:solidFill>
@@ -9513,7 +9766,7 @@
           </a:p>
           <a:p>
             <a:r>
-              <a:rPr lang="en-US" altLang="ko-KR">
+              <a:rPr lang="en-US" altLang="ko-KR" dirty="0">
                 <a:solidFill>
                   <a:srgbClr val="ABB2BF"/>
                 </a:solidFill>
@@ -9522,7 +9775,7 @@
               <a:t>        </a:t>
             </a:r>
             <a:r>
-              <a:rPr lang="en-US" altLang="ko-KR">
+              <a:rPr lang="en-US" altLang="ko-KR" dirty="0">
                 <a:solidFill>
                   <a:srgbClr val="C678DD"/>
                 </a:solidFill>
@@ -9531,7 +9784,7 @@
               <a:t>else</a:t>
             </a:r>
             <a:r>
-              <a:rPr lang="en-US" altLang="ko-KR">
+              <a:rPr lang="en-US" altLang="ko-KR" dirty="0">
                 <a:solidFill>
                   <a:srgbClr val="ABB2BF"/>
                 </a:solidFill>
@@ -9540,7 +9793,7 @@
               <a:t>{</a:t>
             </a:r>
             <a:r>
-              <a:rPr lang="en-US" altLang="ko-KR">
+              <a:rPr lang="en-US" altLang="ko-KR" dirty="0" err="1">
                 <a:solidFill>
                   <a:srgbClr val="E06C75"/>
                 </a:solidFill>
@@ -9549,7 +9802,7 @@
               <a:t>navNext</a:t>
             </a:r>
             <a:r>
-              <a:rPr lang="en-US" altLang="ko-KR">
+              <a:rPr lang="en-US" altLang="ko-KR" dirty="0" err="1">
                 <a:solidFill>
                   <a:srgbClr val="ABB2BF"/>
                 </a:solidFill>
@@ -9558,7 +9811,7 @@
               <a:t>.</a:t>
             </a:r>
             <a:r>
-              <a:rPr lang="en-US" altLang="ko-KR">
+              <a:rPr lang="en-US" altLang="ko-KR" dirty="0" err="1">
                 <a:solidFill>
                   <a:srgbClr val="E06C75"/>
                 </a:solidFill>
@@ -9567,7 +9820,7 @@
               <a:t>classList</a:t>
             </a:r>
             <a:r>
-              <a:rPr lang="en-US" altLang="ko-KR">
+              <a:rPr lang="en-US" altLang="ko-KR" dirty="0" err="1">
                 <a:solidFill>
                   <a:srgbClr val="ABB2BF"/>
                 </a:solidFill>
@@ -9576,7 +9829,7 @@
               <a:t>.</a:t>
             </a:r>
             <a:r>
-              <a:rPr lang="en-US" altLang="ko-KR">
+              <a:rPr lang="en-US" altLang="ko-KR" dirty="0" err="1">
                 <a:solidFill>
                   <a:srgbClr val="61AFEF"/>
                 </a:solidFill>
@@ -9585,7 +9838,7 @@
               <a:t>remove</a:t>
             </a:r>
             <a:r>
-              <a:rPr lang="en-US" altLang="ko-KR">
+              <a:rPr lang="en-US" altLang="ko-KR" dirty="0">
                 <a:solidFill>
                   <a:srgbClr val="ABB2BF"/>
                 </a:solidFill>
@@ -9594,7 +9847,7 @@
               <a:t>(</a:t>
             </a:r>
             <a:r>
-              <a:rPr lang="en-US" altLang="ko-KR">
+              <a:rPr lang="en-US" altLang="ko-KR" dirty="0">
                 <a:solidFill>
                   <a:srgbClr val="98C379"/>
                 </a:solidFill>
@@ -9603,7 +9856,7 @@
               <a:t>'disabled'</a:t>
             </a:r>
             <a:r>
-              <a:rPr lang="en-US" altLang="ko-KR">
+              <a:rPr lang="en-US" altLang="ko-KR" dirty="0">
                 <a:solidFill>
                   <a:srgbClr val="ABB2BF"/>
                 </a:solidFill>
@@ -9614,7 +9867,7 @@
           </a:p>
           <a:p>
             <a:r>
-              <a:rPr lang="en-US" altLang="ko-KR">
+              <a:rPr lang="en-US" altLang="ko-KR" dirty="0">
                 <a:solidFill>
                   <a:srgbClr val="ABB2BF"/>
                 </a:solidFill>
@@ -9625,7 +9878,7 @@
           </a:p>
           <a:p>
             <a:r>
-              <a:rPr lang="en-US" altLang="ko-KR">
+              <a:rPr lang="en-US" altLang="ko-KR" dirty="0">
                 <a:solidFill>
                   <a:srgbClr val="ABB2BF"/>
                 </a:solidFill>
@@ -9633,7 +9886,7 @@
               </a:rPr>
               <a:t>}</a:t>
             </a:r>
-            <a:endParaRPr lang="en-US" altLang="ko-KR" b="0">
+            <a:endParaRPr lang="en-US" altLang="ko-KR" b="0" dirty="0">
               <a:solidFill>
                 <a:srgbClr val="ABB2BF"/>
               </a:solidFill>
@@ -9714,47 +9967,47 @@
           <a:lstStyle/>
           <a:p>
             <a:r>
-              <a:rPr lang="en-US" altLang="ko-KR" smtClean="0"/>
+              <a:rPr lang="en-US" altLang="ko-KR" dirty="0" err="1" smtClean="0"/>
               <a:t>Css</a:t>
             </a:r>
             <a:r>
-              <a:rPr lang="ko-KR" altLang="en-US" smtClean="0"/>
+              <a:rPr lang="ko-KR" altLang="en-US" dirty="0" smtClean="0"/>
               <a:t>에 있는 슬라이드 가로정렬 없에고</a:t>
             </a:r>
-            <a:endParaRPr lang="en-US" altLang="ko-KR" smtClean="0"/>
-          </a:p>
-          <a:p>
-            <a:r>
-              <a:rPr lang="ko-KR" altLang="en-US" smtClean="0"/>
+            <a:endParaRPr lang="en-US" altLang="ko-KR" dirty="0" smtClean="0"/>
+          </a:p>
+          <a:p>
+            <a:r>
+              <a:rPr lang="ko-KR" altLang="en-US" dirty="0" smtClean="0"/>
               <a:t>자바스크립트로 슬라이드 가로배열 짜기</a:t>
             </a:r>
-            <a:endParaRPr lang="en-US" altLang="ko-KR"/>
-          </a:p>
-          <a:p>
-            <a:r>
-              <a:rPr lang="en-US" altLang="ko-KR" smtClean="0"/>
+            <a:endParaRPr lang="en-US" altLang="ko-KR" dirty="0"/>
+          </a:p>
+          <a:p>
+            <a:r>
+              <a:rPr lang="en-US" altLang="ko-KR" dirty="0" smtClean="0"/>
               <a:t>= </a:t>
             </a:r>
             <a:r>
-              <a:rPr lang="ko-KR" altLang="en-US" smtClean="0"/>
+              <a:rPr lang="ko-KR" altLang="en-US" dirty="0" smtClean="0"/>
               <a:t>슬라이드 갯수가 추가되어도 자동으로 가로배열되는 방법</a:t>
             </a:r>
-            <a:endParaRPr lang="en-US" altLang="ko-KR" smtClean="0"/>
-          </a:p>
-          <a:p>
-            <a:r>
-              <a:rPr lang="en-US" altLang="ko-KR" smtClean="0"/>
+            <a:endParaRPr lang="en-US" altLang="ko-KR" dirty="0" smtClean="0"/>
+          </a:p>
+          <a:p>
+            <a:r>
+              <a:rPr lang="en-US" altLang="ko-KR" dirty="0" smtClean="0"/>
               <a:t>(for</a:t>
             </a:r>
             <a:r>
-              <a:rPr lang="ko-KR" altLang="en-US" smtClean="0"/>
+              <a:rPr lang="ko-KR" altLang="en-US" dirty="0" smtClean="0"/>
               <a:t>문 사용</a:t>
             </a:r>
             <a:r>
-              <a:rPr lang="en-US" altLang="ko-KR" smtClean="0"/>
+              <a:rPr lang="en-US" altLang="ko-KR" dirty="0" smtClean="0"/>
               <a:t>)</a:t>
             </a:r>
-            <a:endParaRPr lang="ko-KR" altLang="en-US"/>
+            <a:endParaRPr lang="ko-KR" altLang="en-US" dirty="0"/>
           </a:p>
         </p:txBody>
       </p:sp>
@@ -9810,7 +10063,7 @@
           <a:lstStyle/>
           <a:p>
             <a:r>
-              <a:rPr lang="en-US" altLang="ko-KR" b="1">
+              <a:rPr lang="en-US" altLang="ko-KR" b="1" dirty="0">
                 <a:solidFill>
                   <a:srgbClr val="FF0000"/>
                 </a:solidFill>
@@ -9819,7 +10072,7 @@
               <a:t>(</a:t>
             </a:r>
             <a:r>
-              <a:rPr lang="ko-KR" altLang="en-US" b="1">
+              <a:rPr lang="ko-KR" altLang="en-US" b="1" dirty="0">
                 <a:solidFill>
                   <a:srgbClr val="FF0000"/>
                 </a:solidFill>
@@ -9828,7 +10081,7 @@
               <a:t>슬라이드 가로배열용도</a:t>
             </a:r>
             <a:r>
-              <a:rPr lang="en-US" altLang="ko-KR" b="1" smtClean="0">
+              <a:rPr lang="en-US" altLang="ko-KR" b="1" dirty="0" smtClean="0">
                 <a:solidFill>
                   <a:srgbClr val="FF0000"/>
                 </a:solidFill>
@@ -9836,7 +10089,7 @@
               </a:rPr>
               <a:t>)</a:t>
             </a:r>
-            <a:endParaRPr lang="en-US" altLang="ko-KR" i="1">
+            <a:endParaRPr lang="en-US" altLang="ko-KR" i="1" dirty="0">
               <a:solidFill>
                 <a:srgbClr val="7F848E"/>
               </a:solidFill>
@@ -9845,7 +10098,7 @@
           </a:p>
           <a:p>
             <a:r>
-              <a:rPr lang="en-US" altLang="ko-KR">
+              <a:rPr lang="en-US" altLang="ko-KR" dirty="0" err="1">
                 <a:solidFill>
                   <a:srgbClr val="C678DD"/>
                 </a:solidFill>
@@ -9854,7 +10107,7 @@
               <a:t>var</a:t>
             </a:r>
             <a:r>
-              <a:rPr lang="en-US" altLang="ko-KR">
+              <a:rPr lang="en-US" altLang="ko-KR" dirty="0">
                 <a:solidFill>
                   <a:srgbClr val="ABB2BF"/>
                 </a:solidFill>
@@ -9863,7 +10116,7 @@
               <a:t> </a:t>
             </a:r>
             <a:r>
-              <a:rPr lang="en-US" altLang="ko-KR">
+              <a:rPr lang="en-US" altLang="ko-KR" dirty="0">
                 <a:solidFill>
                   <a:srgbClr val="E06C75"/>
                 </a:solidFill>
@@ -9872,7 +10125,7 @@
               <a:t>slides</a:t>
             </a:r>
             <a:r>
-              <a:rPr lang="en-US" altLang="ko-KR">
+              <a:rPr lang="en-US" altLang="ko-KR" dirty="0">
                 <a:solidFill>
                   <a:srgbClr val="ABB2BF"/>
                 </a:solidFill>
@@ -9881,7 +10134,7 @@
               <a:t> </a:t>
             </a:r>
             <a:r>
-              <a:rPr lang="en-US" altLang="ko-KR">
+              <a:rPr lang="en-US" altLang="ko-KR" dirty="0">
                 <a:solidFill>
                   <a:srgbClr val="56B6C2"/>
                 </a:solidFill>
@@ -9890,7 +10143,7 @@
               <a:t>=</a:t>
             </a:r>
             <a:r>
-              <a:rPr lang="en-US" altLang="ko-KR">
+              <a:rPr lang="en-US" altLang="ko-KR" dirty="0">
                 <a:solidFill>
                   <a:srgbClr val="ABB2BF"/>
                 </a:solidFill>
@@ -9899,7 +10152,7 @@
               <a:t> </a:t>
             </a:r>
             <a:r>
-              <a:rPr lang="en-US" altLang="ko-KR">
+              <a:rPr lang="en-US" altLang="ko-KR" dirty="0" err="1">
                 <a:solidFill>
                   <a:srgbClr val="E06C75"/>
                 </a:solidFill>
@@ -9908,7 +10161,7 @@
               <a:t>document</a:t>
             </a:r>
             <a:r>
-              <a:rPr lang="en-US" altLang="ko-KR">
+              <a:rPr lang="en-US" altLang="ko-KR" dirty="0" err="1">
                 <a:solidFill>
                   <a:srgbClr val="ABB2BF"/>
                 </a:solidFill>
@@ -9917,7 +10170,7 @@
               <a:t>.</a:t>
             </a:r>
             <a:r>
-              <a:rPr lang="en-US" altLang="ko-KR">
+              <a:rPr lang="en-US" altLang="ko-KR" dirty="0" err="1">
                 <a:solidFill>
                   <a:srgbClr val="61AFEF"/>
                 </a:solidFill>
@@ -9926,7 +10179,7 @@
               <a:t>getElementsByClassName</a:t>
             </a:r>
             <a:r>
-              <a:rPr lang="en-US" altLang="ko-KR">
+              <a:rPr lang="en-US" altLang="ko-KR" dirty="0">
                 <a:solidFill>
                   <a:srgbClr val="ABB2BF"/>
                 </a:solidFill>
@@ -9935,7 +10188,7 @@
               <a:t>(</a:t>
             </a:r>
             <a:r>
-              <a:rPr lang="en-US" altLang="ko-KR">
+              <a:rPr lang="en-US" altLang="ko-KR" dirty="0">
                 <a:solidFill>
                   <a:srgbClr val="98C379"/>
                 </a:solidFill>
@@ -9944,7 +10197,7 @@
               <a:t>'slide'</a:t>
             </a:r>
             <a:r>
-              <a:rPr lang="en-US" altLang="ko-KR">
+              <a:rPr lang="en-US" altLang="ko-KR" dirty="0">
                 <a:solidFill>
                   <a:srgbClr val="ABB2BF"/>
                 </a:solidFill>
@@ -9953,7 +10206,7 @@
               <a:t>);  </a:t>
             </a:r>
             <a:r>
-              <a:rPr lang="en-US" altLang="ko-KR" i="1">
+              <a:rPr lang="en-US" altLang="ko-KR" i="1" dirty="0">
                 <a:solidFill>
                   <a:srgbClr val="7F848E"/>
                 </a:solidFill>
@@ -9962,7 +10215,7 @@
               <a:t>//</a:t>
             </a:r>
             <a:r>
-              <a:rPr lang="ko-KR" altLang="en-US" i="1">
+              <a:rPr lang="ko-KR" altLang="en-US" i="1" dirty="0">
                 <a:solidFill>
                   <a:srgbClr val="7F848E"/>
                 </a:solidFill>
@@ -9971,7 +10224,7 @@
               <a:t>클래스명 </a:t>
             </a:r>
             <a:r>
-              <a:rPr lang="en-US" altLang="ko-KR" i="1" smtClean="0">
+              <a:rPr lang="en-US" altLang="ko-KR" i="1" dirty="0" smtClean="0">
                 <a:solidFill>
                   <a:srgbClr val="7F848E"/>
                 </a:solidFill>
@@ -9982,7 +10235,7 @@
           </a:p>
           <a:p>
             <a:r>
-              <a:rPr lang="en-US" altLang="ko-KR">
+              <a:rPr lang="en-US" altLang="ko-KR" dirty="0" err="1">
                 <a:solidFill>
                   <a:srgbClr val="C678DD"/>
                 </a:solidFill>
@@ -9991,7 +10244,7 @@
               <a:t>var</a:t>
             </a:r>
             <a:r>
-              <a:rPr lang="en-US" altLang="ko-KR">
+              <a:rPr lang="en-US" altLang="ko-KR" dirty="0">
                 <a:solidFill>
                   <a:srgbClr val="ABB2BF"/>
                 </a:solidFill>
@@ -10000,7 +10253,7 @@
               <a:t> </a:t>
             </a:r>
             <a:r>
-              <a:rPr lang="en-US" altLang="ko-KR">
+              <a:rPr lang="en-US" altLang="ko-KR" dirty="0" err="1">
                 <a:solidFill>
                   <a:srgbClr val="E06C75"/>
                 </a:solidFill>
@@ -10009,7 +10262,7 @@
               <a:t>slideCount</a:t>
             </a:r>
             <a:r>
-              <a:rPr lang="en-US" altLang="ko-KR">
+              <a:rPr lang="en-US" altLang="ko-KR" dirty="0">
                 <a:solidFill>
                   <a:srgbClr val="ABB2BF"/>
                 </a:solidFill>
@@ -10018,7 +10271,7 @@
               <a:t> </a:t>
             </a:r>
             <a:r>
-              <a:rPr lang="en-US" altLang="ko-KR">
+              <a:rPr lang="en-US" altLang="ko-KR" dirty="0">
                 <a:solidFill>
                   <a:srgbClr val="56B6C2"/>
                 </a:solidFill>
@@ -10027,7 +10280,7 @@
               <a:t>=</a:t>
             </a:r>
             <a:r>
-              <a:rPr lang="en-US" altLang="ko-KR">
+              <a:rPr lang="en-US" altLang="ko-KR" dirty="0">
                 <a:solidFill>
                   <a:srgbClr val="ABB2BF"/>
                 </a:solidFill>
@@ -10036,7 +10289,7 @@
               <a:t> </a:t>
             </a:r>
             <a:r>
-              <a:rPr lang="en-US" altLang="ko-KR">
+              <a:rPr lang="en-US" altLang="ko-KR" dirty="0" err="1">
                 <a:solidFill>
                   <a:srgbClr val="E06C75"/>
                 </a:solidFill>
@@ -10045,7 +10298,7 @@
               <a:t>slides</a:t>
             </a:r>
             <a:r>
-              <a:rPr lang="en-US" altLang="ko-KR">
+              <a:rPr lang="en-US" altLang="ko-KR" dirty="0" err="1">
                 <a:solidFill>
                   <a:srgbClr val="ABB2BF"/>
                 </a:solidFill>
@@ -10054,7 +10307,7 @@
               <a:t>.</a:t>
             </a:r>
             <a:r>
-              <a:rPr lang="en-US" altLang="ko-KR">
+              <a:rPr lang="en-US" altLang="ko-KR" dirty="0" err="1">
                 <a:solidFill>
                   <a:srgbClr val="E06C75"/>
                 </a:solidFill>
@@ -10063,7 +10316,7 @@
               <a:t>length</a:t>
             </a:r>
             <a:r>
-              <a:rPr lang="en-US" altLang="ko-KR">
+              <a:rPr lang="en-US" altLang="ko-KR" dirty="0">
                 <a:solidFill>
                   <a:srgbClr val="ABB2BF"/>
                 </a:solidFill>
@@ -10072,7 +10325,7 @@
               <a:t>;  </a:t>
             </a:r>
             <a:r>
-              <a:rPr lang="en-US" altLang="ko-KR" i="1">
+              <a:rPr lang="en-US" altLang="ko-KR" i="1" dirty="0">
                 <a:solidFill>
                   <a:srgbClr val="7F848E"/>
                 </a:solidFill>
@@ -10081,7 +10334,7 @@
               <a:t>// </a:t>
             </a:r>
             <a:r>
-              <a:rPr lang="ko-KR" altLang="en-US" i="1">
+              <a:rPr lang="ko-KR" altLang="en-US" i="1" dirty="0">
                 <a:solidFill>
                   <a:srgbClr val="7F848E"/>
                 </a:solidFill>
@@ -10089,7 +10342,7 @@
               </a:rPr>
               <a:t>슬라이드 개수</a:t>
             </a:r>
-            <a:endParaRPr lang="ko-KR" altLang="en-US">
+            <a:endParaRPr lang="ko-KR" altLang="en-US" dirty="0">
               <a:solidFill>
                 <a:srgbClr val="ABB2BF"/>
               </a:solidFill>
@@ -10097,7 +10350,182 @@
             </a:endParaRPr>
           </a:p>
           <a:p>
-            <a:endParaRPr lang="en-US" altLang="ko-KR" i="1">
+            <a:endParaRPr lang="en-US" altLang="ko-KR" i="1" dirty="0">
+              <a:solidFill>
+                <a:srgbClr val="7F848E"/>
+              </a:solidFill>
+              <a:latin typeface="Consolas" panose="020B0609020204030204" pitchFamily="49" charset="0"/>
+            </a:endParaRPr>
+          </a:p>
+        </p:txBody>
+      </p:sp>
+      <p:sp>
+        <p:nvSpPr>
+          <p:cNvPr id="5" name="Rectangle 4"/>
+          <p:cNvSpPr/>
+          <p:nvPr/>
+        </p:nvSpPr>
+        <p:spPr>
+          <a:xfrm>
+            <a:off x="1239665" y="4670296"/>
+            <a:ext cx="9406128" cy="923330"/>
+          </a:xfrm>
+          <a:prstGeom prst="rect">
+            <a:avLst/>
+          </a:prstGeom>
+        </p:spPr>
+        <p:txBody>
+          <a:bodyPr wrap="square">
+            <a:spAutoFit/>
+          </a:bodyPr>
+          <a:lstStyle/>
+          <a:p>
+            <a:r>
+              <a:rPr lang="en-US" altLang="ko-KR" b="1" dirty="0" smtClean="0">
+                <a:solidFill>
+                  <a:srgbClr val="FF0000"/>
+                </a:solidFill>
+                <a:latin typeface="Consolas" panose="020B0609020204030204" pitchFamily="49" charset="0"/>
+              </a:rPr>
+              <a:t>For( </a:t>
+            </a:r>
+            <a:r>
+              <a:rPr lang="en-US" altLang="ko-KR" b="1" dirty="0" err="1" smtClean="0">
+                <a:solidFill>
+                  <a:srgbClr val="FF0000"/>
+                </a:solidFill>
+                <a:latin typeface="Consolas" panose="020B0609020204030204" pitchFamily="49" charset="0"/>
+              </a:rPr>
+              <a:t>var</a:t>
+            </a:r>
+            <a:r>
+              <a:rPr lang="en-US" altLang="ko-KR" b="1" dirty="0" smtClean="0">
+                <a:solidFill>
+                  <a:srgbClr val="FF0000"/>
+                </a:solidFill>
+                <a:latin typeface="Consolas" panose="020B0609020204030204" pitchFamily="49" charset="0"/>
+              </a:rPr>
+              <a:t> </a:t>
+            </a:r>
+            <a:r>
+              <a:rPr lang="en-US" altLang="ko-KR" b="1" dirty="0" err="1" smtClean="0">
+                <a:solidFill>
+                  <a:srgbClr val="FF0000"/>
+                </a:solidFill>
+                <a:latin typeface="Consolas" panose="020B0609020204030204" pitchFamily="49" charset="0"/>
+              </a:rPr>
+              <a:t>i</a:t>
+            </a:r>
+            <a:r>
+              <a:rPr lang="en-US" altLang="ko-KR" b="1" dirty="0" smtClean="0">
+                <a:solidFill>
+                  <a:srgbClr val="FF0000"/>
+                </a:solidFill>
+                <a:latin typeface="Consolas" panose="020B0609020204030204" pitchFamily="49" charset="0"/>
+              </a:rPr>
+              <a:t> = 0 ; </a:t>
+            </a:r>
+            <a:r>
+              <a:rPr lang="en-US" altLang="ko-KR" b="1" dirty="0" err="1" smtClean="0">
+                <a:solidFill>
+                  <a:srgbClr val="FF0000"/>
+                </a:solidFill>
+                <a:latin typeface="Consolas" panose="020B0609020204030204" pitchFamily="49" charset="0"/>
+              </a:rPr>
+              <a:t>i</a:t>
+            </a:r>
+            <a:r>
+              <a:rPr lang="ko-KR" altLang="en-US" b="1" dirty="0" smtClean="0">
+                <a:solidFill>
+                  <a:srgbClr val="FF0000"/>
+                </a:solidFill>
+                <a:latin typeface="Consolas" panose="020B0609020204030204" pitchFamily="49" charset="0"/>
+              </a:rPr>
+              <a:t>가 </a:t>
+            </a:r>
+            <a:r>
+              <a:rPr lang="en-US" altLang="ko-KR" b="1" dirty="0" smtClean="0">
+                <a:solidFill>
+                  <a:srgbClr val="FF0000"/>
+                </a:solidFill>
+                <a:latin typeface="Consolas" panose="020B0609020204030204" pitchFamily="49" charset="0"/>
+              </a:rPr>
+              <a:t>li</a:t>
+            </a:r>
+            <a:r>
+              <a:rPr lang="ko-KR" altLang="en-US" b="1" dirty="0" smtClean="0">
+                <a:solidFill>
+                  <a:srgbClr val="FF0000"/>
+                </a:solidFill>
+                <a:latin typeface="Consolas" panose="020B0609020204030204" pitchFamily="49" charset="0"/>
+              </a:rPr>
+              <a:t>의 갯수만큼까지 할것 </a:t>
+            </a:r>
+            <a:r>
+              <a:rPr lang="en-US" altLang="ko-KR" b="1" dirty="0" smtClean="0">
+                <a:solidFill>
+                  <a:srgbClr val="FF0000"/>
+                </a:solidFill>
+                <a:latin typeface="Consolas" panose="020B0609020204030204" pitchFamily="49" charset="0"/>
+              </a:rPr>
+              <a:t>; </a:t>
+            </a:r>
+            <a:r>
+              <a:rPr lang="en-US" altLang="ko-KR" b="1" dirty="0" err="1" smtClean="0">
+                <a:solidFill>
+                  <a:srgbClr val="FF0000"/>
+                </a:solidFill>
+                <a:latin typeface="Consolas" panose="020B0609020204030204" pitchFamily="49" charset="0"/>
+              </a:rPr>
+              <a:t>i</a:t>
+            </a:r>
+            <a:r>
+              <a:rPr lang="en-US" altLang="ko-KR" b="1" dirty="0" smtClean="0">
+                <a:solidFill>
+                  <a:srgbClr val="FF0000"/>
+                </a:solidFill>
+                <a:latin typeface="Consolas" panose="020B0609020204030204" pitchFamily="49" charset="0"/>
+              </a:rPr>
+              <a:t>++){</a:t>
+            </a:r>
+          </a:p>
+          <a:p>
+            <a:r>
+              <a:rPr lang="en-US" altLang="ko-KR" b="1" i="1" dirty="0" smtClean="0">
+                <a:solidFill>
+                  <a:srgbClr val="FF0000"/>
+                </a:solidFill>
+                <a:latin typeface="Consolas" panose="020B0609020204030204" pitchFamily="49" charset="0"/>
+              </a:rPr>
+              <a:t> left</a:t>
+            </a:r>
+            <a:r>
+              <a:rPr lang="ko-KR" altLang="en-US" b="1" i="1" dirty="0" smtClean="0">
+                <a:solidFill>
+                  <a:srgbClr val="FF0000"/>
+                </a:solidFill>
+                <a:latin typeface="Consolas" panose="020B0609020204030204" pitchFamily="49" charset="0"/>
+              </a:rPr>
+              <a:t>값이 변경될것</a:t>
+            </a:r>
+            <a:endParaRPr lang="en-US" altLang="ko-KR" b="1" i="1" dirty="0">
+              <a:solidFill>
+                <a:srgbClr val="FF0000"/>
+              </a:solidFill>
+              <a:latin typeface="Consolas" panose="020B0609020204030204" pitchFamily="49" charset="0"/>
+            </a:endParaRPr>
+          </a:p>
+          <a:p>
+            <a:r>
+              <a:rPr lang="en-US" altLang="ko-KR" b="1" i="1" dirty="0" smtClean="0">
+                <a:solidFill>
+                  <a:srgbClr val="FF0000"/>
+                </a:solidFill>
+                <a:latin typeface="Consolas" panose="020B0609020204030204" pitchFamily="49" charset="0"/>
+              </a:rPr>
+              <a:t>}</a:t>
+            </a:r>
+            <a:endParaRPr lang="en-US" altLang="ko-KR" i="1" dirty="0">
               <a:solidFill>
                 <a:srgbClr val="7F848E"/>
               </a:solidFill>
